--- a/docs/presentation.pptx
+++ b/docs/presentation.pptx
@@ -1,27 +1,31 @@
 
 <file path=ppt/presentation.xml><?xml version="1.0" encoding="utf-8"?>
-<p:presentation xmlns:a="http://schemas.openxmlformats.org/drawingml/2006/main" xmlns:r="http://schemas.openxmlformats.org/officeDocument/2006/relationships" xmlns:p="http://schemas.openxmlformats.org/presentationml/2006/main" saveSubsetFonts="1" autoCompressPictures="0">
+<p:presentation xmlns:a="http://schemas.openxmlformats.org/drawingml/2006/main" xmlns:r="http://schemas.openxmlformats.org/officeDocument/2006/relationships" xmlns:p="http://schemas.openxmlformats.org/presentationml/2006/main" saveSubsetFonts="1">
   <p:sldMasterIdLst>
-    <p:sldMasterId id="2147483648" r:id="rId1"/>
+    <p:sldMasterId id="2147483998" r:id="rId1"/>
   </p:sldMasterIdLst>
+  <p:notesMasterIdLst>
+    <p:notesMasterId r:id="rId13"/>
+  </p:notesMasterIdLst>
   <p:sldIdLst>
     <p:sldId id="256" r:id="rId2"/>
     <p:sldId id="257" r:id="rId3"/>
     <p:sldId id="258" r:id="rId4"/>
     <p:sldId id="259" r:id="rId5"/>
-    <p:sldId id="260" r:id="rId6"/>
-    <p:sldId id="261" r:id="rId7"/>
-    <p:sldId id="262" r:id="rId8"/>
-    <p:sldId id="263" r:id="rId9"/>
-    <p:sldId id="264" r:id="rId10"/>
-    <p:sldId id="265" r:id="rId11"/>
+    <p:sldId id="261" r:id="rId6"/>
+    <p:sldId id="262" r:id="rId7"/>
+    <p:sldId id="263" r:id="rId8"/>
+    <p:sldId id="264" r:id="rId9"/>
+    <p:sldId id="265" r:id="rId10"/>
+    <p:sldId id="266" r:id="rId11"/>
+    <p:sldId id="267" r:id="rId12"/>
   </p:sldIdLst>
-  <p:notesMasterIdLst>
-    <p:notesMasterId r:id="rId12"/>
-  </p:notesMasterIdLst>
   <p:sldSz cx="12192000" cy="6858000"/>
-  <p:notesSz cx="6858000" cy="12192000"/>
+  <p:notesSz cx="6858000" cy="9144000"/>
   <p:defaultTextStyle>
+    <a:defPPr>
+      <a:defRPr lang="ru-RU"/>
+    </a:defPPr>
     <a:lvl1pPr marL="0" algn="l" defTabSz="914400" rtl="0" eaLnBrk="1" latinLnBrk="0" hangingPunct="1">
       <a:defRPr sz="1800" kern="1200">
         <a:solidFill>
@@ -113,6 +117,11 @@
       </a:defRPr>
     </a:lvl9pPr>
   </p:defaultTextStyle>
+  <p:extLst>
+    <p:ext uri="{EFAFB233-063F-42B5-8137-9DF3F51BA10A}">
+      <p15:sldGuideLst xmlns:p15="http://schemas.microsoft.com/office/powerpoint/2012/main"/>
+    </p:ext>
+  </p:extLst>
 </p:presentation>
 </file>
 
@@ -140,7 +149,7 @@
       </p:grpSpPr>
       <p:sp>
         <p:nvSpPr>
-          <p:cNvPr id="2" name="Header Placeholder 1"/>
+          <p:cNvPr id="2" name="Верхний колонтитул 1"/>
           <p:cNvSpPr>
             <a:spLocks noGrp="1"/>
           </p:cNvSpPr>
@@ -165,13 +174,13 @@
             </a:lvl1pPr>
           </a:lstStyle>
           <a:p>
-            <a:endParaRPr lang="en-US"/>
-          </a:p>
-        </p:txBody>
-      </p:sp>
-      <p:sp>
-        <p:nvSpPr>
-          <p:cNvPr id="3" name="Date Placeholder 2"/>
+            <a:endParaRPr lang="ru-RU"/>
+          </a:p>
+        </p:txBody>
+      </p:sp>
+      <p:sp>
+        <p:nvSpPr>
+          <p:cNvPr id="3" name="Дата 2"/>
           <p:cNvSpPr>
             <a:spLocks noGrp="1"/>
           </p:cNvSpPr>
@@ -196,17 +205,17 @@
             </a:lvl1pPr>
           </a:lstStyle>
           <a:p>
-            <a:fld id="{5282F153-3F37-0F45-9E97-73ACFA13230C}" type="datetimeFigureOut">
-              <a:rPr lang="en-US"/>
-              <a:t>7/23/19</a:t>
+            <a:fld id="{4C0AFF91-DC91-4E71-806A-79AB4B178085}" type="datetimeFigureOut">
+              <a:rPr lang="ru-RU" smtClean="0"/>
+              <a:t>18.02.2024</a:t>
             </a:fld>
-            <a:endParaRPr lang="en-US"/>
-          </a:p>
-        </p:txBody>
-      </p:sp>
-      <p:sp>
-        <p:nvSpPr>
-          <p:cNvPr id="4" name="Slide Image Placeholder 3"/>
+            <a:endParaRPr lang="ru-RU"/>
+          </a:p>
+        </p:txBody>
+      </p:sp>
+      <p:sp>
+        <p:nvSpPr>
+          <p:cNvPr id="4" name="Образ слайда 3"/>
           <p:cNvSpPr>
             <a:spLocks noGrp="1" noRot="1" noChangeAspect="1"/>
           </p:cNvSpPr>
@@ -233,13 +242,13 @@
           <a:bodyPr vert="horz" lIns="91440" tIns="45720" rIns="91440" bIns="45720" rtlCol="0" anchor="ctr"/>
           <a:lstStyle/>
           <a:p>
-            <a:endParaRPr lang="en-US"/>
-          </a:p>
-        </p:txBody>
-      </p:sp>
-      <p:sp>
-        <p:nvSpPr>
-          <p:cNvPr id="5" name="Notes Placeholder 4"/>
+            <a:endParaRPr lang="ru-RU"/>
+          </a:p>
+        </p:txBody>
+      </p:sp>
+      <p:sp>
+        <p:nvSpPr>
+          <p:cNvPr id="5" name="Заметки 4"/>
           <p:cNvSpPr>
             <a:spLocks noGrp="1"/>
           </p:cNvSpPr>
@@ -262,43 +271,44 @@
           <a:p>
             <a:pPr lvl="0"/>
             <a:r>
-              <a:rPr lang="en-US"/>
-              <a:t>Click to edit Master text styles</a:t>
+              <a:rPr lang="ru-RU" smtClean="0"/>
+              <a:t>Образец текста</a:t>
             </a:r>
           </a:p>
           <a:p>
             <a:pPr lvl="1"/>
             <a:r>
-              <a:rPr lang="en-US"/>
-              <a:t>Second level</a:t>
+              <a:rPr lang="ru-RU" smtClean="0"/>
+              <a:t>Второй уровень</a:t>
             </a:r>
           </a:p>
           <a:p>
             <a:pPr lvl="2"/>
             <a:r>
-              <a:rPr lang="en-US"/>
-              <a:t>Third level</a:t>
+              <a:rPr lang="ru-RU" smtClean="0"/>
+              <a:t>Третий уровень</a:t>
             </a:r>
           </a:p>
           <a:p>
             <a:pPr lvl="3"/>
             <a:r>
-              <a:rPr lang="en-US"/>
-              <a:t>Fourth level</a:t>
+              <a:rPr lang="ru-RU" smtClean="0"/>
+              <a:t>Четвертый уровень</a:t>
             </a:r>
           </a:p>
           <a:p>
             <a:pPr lvl="4"/>
             <a:r>
-              <a:rPr lang="en-US"/>
-              <a:t>Fifth level</a:t>
-            </a:r>
-          </a:p>
-        </p:txBody>
-      </p:sp>
-      <p:sp>
-        <p:nvSpPr>
-          <p:cNvPr id="6" name="Footer Placeholder 5"/>
+              <a:rPr lang="ru-RU" smtClean="0"/>
+              <a:t>Пятый уровень</a:t>
+            </a:r>
+            <a:endParaRPr lang="ru-RU"/>
+          </a:p>
+        </p:txBody>
+      </p:sp>
+      <p:sp>
+        <p:nvSpPr>
+          <p:cNvPr id="6" name="Нижний колонтитул 5"/>
           <p:cNvSpPr>
             <a:spLocks noGrp="1"/>
           </p:cNvSpPr>
@@ -323,13 +333,13 @@
             </a:lvl1pPr>
           </a:lstStyle>
           <a:p>
-            <a:endParaRPr lang="en-US"/>
-          </a:p>
-        </p:txBody>
-      </p:sp>
-      <p:sp>
-        <p:nvSpPr>
-          <p:cNvPr id="7" name="Slide Number Placeholder 6"/>
+            <a:endParaRPr lang="ru-RU"/>
+          </a:p>
+        </p:txBody>
+      </p:sp>
+      <p:sp>
+        <p:nvSpPr>
+          <p:cNvPr id="7" name="Номер слайда 6"/>
           <p:cNvSpPr>
             <a:spLocks noGrp="1"/>
           </p:cNvSpPr>
@@ -354,18 +364,18 @@
             </a:lvl1pPr>
           </a:lstStyle>
           <a:p>
-            <a:fld id="{CE5E9CC1-C706-0F49-92D6-E571CC5EEA8F}" type="slidenum">
-              <a:rPr lang="en-US"/>
+            <a:fld id="{183491E7-02BC-4D39-A4BC-B1D00A8104C0}" type="slidenum">
+              <a:rPr lang="ru-RU" smtClean="0"/>
               <a:t>‹#›</a:t>
             </a:fld>
-            <a:endParaRPr lang="en-US"/>
+            <a:endParaRPr lang="ru-RU"/>
           </a:p>
         </p:txBody>
       </p:sp>
     </p:spTree>
     <p:extLst>
       <p:ext uri="{BB962C8B-B14F-4D97-AF65-F5344CB8AC3E}">
-        <p14:creationId xmlns:p14="http://schemas.microsoft.com/office/powerpoint/2010/main" val="1024086991"/>
+        <p14:creationId xmlns:p14="http://schemas.microsoft.com/office/powerpoint/2010/main" val="608048258"/>
       </p:ext>
     </p:extLst>
   </p:cSld>
@@ -465,9 +475,9 @@
 </p:notesMaster>
 </file>
 
-<file path=ppt/notesSlides/notesSlide1.xml><?xml version="1.0" encoding="utf-8"?>
-<p:notes xmlns:a="http://schemas.openxmlformats.org/drawingml/2006/main" xmlns:r="http://schemas.openxmlformats.org/officeDocument/2006/relationships" xmlns:p="http://schemas.openxmlformats.org/presentationml/2006/main">
-  <p:cSld>
+<file path=ppt/slideLayouts/slideLayout1.xml><?xml version="1.0" encoding="utf-8"?>
+<p:sldLayout xmlns:a="http://schemas.openxmlformats.org/drawingml/2006/main" xmlns:r="http://schemas.openxmlformats.org/officeDocument/2006/relationships" xmlns:p="http://schemas.openxmlformats.org/presentationml/2006/main" type="title" preserve="1">
+  <p:cSld name="Титульный слайд">
     <p:spTree>
       <p:nvGrpSpPr>
         <p:cNvPr id="1" name=""/>
@@ -484,24 +494,132 @@
       </p:grpSpPr>
       <p:sp>
         <p:nvSpPr>
-          <p:cNvPr id="2" name="Slide Image Placeholder 1"/>
-          <p:cNvSpPr>
-            <a:spLocks noGrp="1" noRot="1" noChangeAspect="1"/>
-          </p:cNvSpPr>
-          <p:nvPr>
-            <p:ph type="sldImg"/>
+          <p:cNvPr id="2" name="Заголовок 1"/>
+          <p:cNvSpPr>
+            <a:spLocks noGrp="1"/>
+          </p:cNvSpPr>
+          <p:nvPr>
+            <p:ph type="ctrTitle"/>
+          </p:nvPr>
+        </p:nvSpPr>
+        <p:spPr>
+          <a:xfrm>
+            <a:off x="1524000" y="1122363"/>
+            <a:ext cx="9144000" cy="2387600"/>
+          </a:xfrm>
+        </p:spPr>
+        <p:txBody>
+          <a:bodyPr anchor="b"/>
+          <a:lstStyle>
+            <a:lvl1pPr algn="ctr">
+              <a:defRPr sz="6000"/>
+            </a:lvl1pPr>
+          </a:lstStyle>
+          <a:p>
+            <a:r>
+              <a:rPr lang="ru-RU" smtClean="0"/>
+              <a:t>Образец заголовка</a:t>
+            </a:r>
+            <a:endParaRPr lang="ru-RU"/>
+          </a:p>
+        </p:txBody>
+      </p:sp>
+      <p:sp>
+        <p:nvSpPr>
+          <p:cNvPr id="3" name="Подзаголовок 2"/>
+          <p:cNvSpPr>
+            <a:spLocks noGrp="1"/>
+          </p:cNvSpPr>
+          <p:nvPr>
+            <p:ph type="subTitle" idx="1"/>
+          </p:nvPr>
+        </p:nvSpPr>
+        <p:spPr>
+          <a:xfrm>
+            <a:off x="1524000" y="3602038"/>
+            <a:ext cx="9144000" cy="1655762"/>
+          </a:xfrm>
+        </p:spPr>
+        <p:txBody>
+          <a:bodyPr/>
+          <a:lstStyle>
+            <a:lvl1pPr marL="0" indent="0" algn="ctr">
+              <a:buNone/>
+              <a:defRPr sz="2400"/>
+            </a:lvl1pPr>
+            <a:lvl2pPr marL="457200" indent="0" algn="ctr">
+              <a:buNone/>
+              <a:defRPr sz="2000"/>
+            </a:lvl2pPr>
+            <a:lvl3pPr marL="914400" indent="0" algn="ctr">
+              <a:buNone/>
+              <a:defRPr sz="1800"/>
+            </a:lvl3pPr>
+            <a:lvl4pPr marL="1371600" indent="0" algn="ctr">
+              <a:buNone/>
+              <a:defRPr sz="1600"/>
+            </a:lvl4pPr>
+            <a:lvl5pPr marL="1828800" indent="0" algn="ctr">
+              <a:buNone/>
+              <a:defRPr sz="1600"/>
+            </a:lvl5pPr>
+            <a:lvl6pPr marL="2286000" indent="0" algn="ctr">
+              <a:buNone/>
+              <a:defRPr sz="1600"/>
+            </a:lvl6pPr>
+            <a:lvl7pPr marL="2743200" indent="0" algn="ctr">
+              <a:buNone/>
+              <a:defRPr sz="1600"/>
+            </a:lvl7pPr>
+            <a:lvl8pPr marL="3200400" indent="0" algn="ctr">
+              <a:buNone/>
+              <a:defRPr sz="1600"/>
+            </a:lvl8pPr>
+            <a:lvl9pPr marL="3657600" indent="0" algn="ctr">
+              <a:buNone/>
+              <a:defRPr sz="1600"/>
+            </a:lvl9pPr>
+          </a:lstStyle>
+          <a:p>
+            <a:r>
+              <a:rPr lang="ru-RU" smtClean="0"/>
+              <a:t>Образец подзаголовка</a:t>
+            </a:r>
+            <a:endParaRPr lang="ru-RU"/>
+          </a:p>
+        </p:txBody>
+      </p:sp>
+      <p:sp>
+        <p:nvSpPr>
+          <p:cNvPr id="4" name="Дата 3"/>
+          <p:cNvSpPr>
+            <a:spLocks noGrp="1"/>
+          </p:cNvSpPr>
+          <p:nvPr>
+            <p:ph type="dt" sz="half" idx="10"/>
           </p:nvPr>
         </p:nvSpPr>
         <p:spPr/>
-      </p:sp>
-      <p:sp>
-        <p:nvSpPr>
-          <p:cNvPr id="3" name="Notes Placeholder 2"/>
-          <p:cNvSpPr>
-            <a:spLocks noGrp="1"/>
-          </p:cNvSpPr>
-          <p:nvPr>
-            <p:ph type="body" idx="1"/>
+        <p:txBody>
+          <a:bodyPr/>
+          <a:lstStyle/>
+          <a:p>
+            <a:fld id="{0FA2E1C2-6611-4A69-9E2B-D7A7241FA37C}" type="datetimeFigureOut">
+              <a:rPr lang="ru-RU" smtClean="0"/>
+              <a:t>18.02.2024</a:t>
+            </a:fld>
+            <a:endParaRPr lang="ru-RU"/>
+          </a:p>
+        </p:txBody>
+      </p:sp>
+      <p:sp>
+        <p:nvSpPr>
+          <p:cNvPr id="5" name="Нижний колонтитул 4"/>
+          <p:cNvSpPr>
+            <a:spLocks noGrp="1"/>
+          </p:cNvSpPr>
+          <p:nvPr>
+            <p:ph type="ftr" sz="quarter" idx="11"/>
           </p:nvPr>
         </p:nvSpPr>
         <p:spPr/>
@@ -509,22 +627,18 @@
           <a:bodyPr/>
           <a:lstStyle/>
           <a:p>
-            <a:r>
-              <a:rPr lang="en-US" dirty="0"/>
-              <a:t/>
-            </a:r>
-            <a:endParaRPr lang="en-US" dirty="0"/>
-          </a:p>
-        </p:txBody>
-      </p:sp>
-      <p:sp>
-        <p:nvSpPr>
-          <p:cNvPr id="4" name="Slide Number Placeholder 3"/>
-          <p:cNvSpPr>
-            <a:spLocks noGrp="1"/>
-          </p:cNvSpPr>
-          <p:nvPr>
-            <p:ph type="sldNum" sz="quarter" idx="10"/>
+            <a:endParaRPr lang="ru-RU"/>
+          </a:p>
+        </p:txBody>
+      </p:sp>
+      <p:sp>
+        <p:nvSpPr>
+          <p:cNvPr id="6" name="Номер слайда 5"/>
+          <p:cNvSpPr>
+            <a:spLocks noGrp="1"/>
+          </p:cNvSpPr>
+          <p:nvPr>
+            <p:ph type="sldNum" sz="quarter" idx="12"/>
           </p:nvPr>
         </p:nvSpPr>
         <p:spPr/>
@@ -532,30 +646,30 @@
           <a:bodyPr/>
           <a:lstStyle/>
           <a:p>
-            <a:fld id="{F7021451-1387-4CA6-816F-3879F97B5CBC}" type="slidenum">
-              <a:rPr lang="en-US"/>
-              <a:t>1</a:t>
+            <a:fld id="{A609E921-FB5E-4B20-AF46-BD0602B07DE1}" type="slidenum">
+              <a:rPr lang="ru-RU" smtClean="0"/>
+              <a:t>‹#›</a:t>
             </a:fld>
-            <a:endParaRPr lang="en-US"/>
+            <a:endParaRPr lang="ru-RU"/>
           </a:p>
         </p:txBody>
       </p:sp>
     </p:spTree>
     <p:extLst>
       <p:ext uri="{BB962C8B-B14F-4D97-AF65-F5344CB8AC3E}">
-        <p14:creationId xmlns:p14="http://schemas.microsoft.com/office/powerpoint/2010/main" val="1024086991"/>
+        <p14:creationId xmlns:p14="http://schemas.microsoft.com/office/powerpoint/2010/main" val="129676899"/>
       </p:ext>
     </p:extLst>
   </p:cSld>
   <p:clrMapOvr>
     <a:masterClrMapping/>
   </p:clrMapOvr>
-</p:notes>
+</p:sldLayout>
 </file>
 
-<file path=ppt/notesSlides/notesSlide10.xml><?xml version="1.0" encoding="utf-8"?>
-<p:notes xmlns:a="http://schemas.openxmlformats.org/drawingml/2006/main" xmlns:r="http://schemas.openxmlformats.org/officeDocument/2006/relationships" xmlns:p="http://schemas.openxmlformats.org/presentationml/2006/main">
-  <p:cSld>
+<file path=ppt/slideLayouts/slideLayout10.xml><?xml version="1.0" encoding="utf-8"?>
+<p:sldLayout xmlns:a="http://schemas.openxmlformats.org/drawingml/2006/main" xmlns:r="http://schemas.openxmlformats.org/officeDocument/2006/relationships" xmlns:p="http://schemas.openxmlformats.org/presentationml/2006/main" type="vertTx" preserve="1">
+  <p:cSld name="Заголовок и вертикальный текст">
     <p:spTree>
       <p:nvGrpSpPr>
         <p:cNvPr id="1" name=""/>
@@ -572,47 +686,110 @@
       </p:grpSpPr>
       <p:sp>
         <p:nvSpPr>
-          <p:cNvPr id="2" name="Slide Image Placeholder 1"/>
-          <p:cNvSpPr>
-            <a:spLocks noGrp="1" noRot="1" noChangeAspect="1"/>
-          </p:cNvSpPr>
-          <p:nvPr>
-            <p:ph type="sldImg"/>
+          <p:cNvPr id="2" name="Заголовок 1"/>
+          <p:cNvSpPr>
+            <a:spLocks noGrp="1"/>
+          </p:cNvSpPr>
+          <p:nvPr>
+            <p:ph type="title"/>
           </p:nvPr>
         </p:nvSpPr>
         <p:spPr/>
-      </p:sp>
-      <p:sp>
-        <p:nvSpPr>
-          <p:cNvPr id="3" name="Notes Placeholder 2"/>
-          <p:cNvSpPr>
-            <a:spLocks noGrp="1"/>
-          </p:cNvSpPr>
-          <p:nvPr>
-            <p:ph type="body" idx="1"/>
+        <p:txBody>
+          <a:bodyPr/>
+          <a:lstStyle/>
+          <a:p>
+            <a:r>
+              <a:rPr lang="ru-RU" smtClean="0"/>
+              <a:t>Образец заголовка</a:t>
+            </a:r>
+            <a:endParaRPr lang="ru-RU"/>
+          </a:p>
+        </p:txBody>
+      </p:sp>
+      <p:sp>
+        <p:nvSpPr>
+          <p:cNvPr id="3" name="Вертикальный текст 2"/>
+          <p:cNvSpPr>
+            <a:spLocks noGrp="1"/>
+          </p:cNvSpPr>
+          <p:nvPr>
+            <p:ph type="body" orient="vert" idx="1"/>
           </p:nvPr>
         </p:nvSpPr>
         <p:spPr/>
         <p:txBody>
+          <a:bodyPr vert="eaVert"/>
+          <a:lstStyle/>
+          <a:p>
+            <a:pPr lvl="0"/>
+            <a:r>
+              <a:rPr lang="ru-RU" smtClean="0"/>
+              <a:t>Образец текста</a:t>
+            </a:r>
+          </a:p>
+          <a:p>
+            <a:pPr lvl="1"/>
+            <a:r>
+              <a:rPr lang="ru-RU" smtClean="0"/>
+              <a:t>Второй уровень</a:t>
+            </a:r>
+          </a:p>
+          <a:p>
+            <a:pPr lvl="2"/>
+            <a:r>
+              <a:rPr lang="ru-RU" smtClean="0"/>
+              <a:t>Третий уровень</a:t>
+            </a:r>
+          </a:p>
+          <a:p>
+            <a:pPr lvl="3"/>
+            <a:r>
+              <a:rPr lang="ru-RU" smtClean="0"/>
+              <a:t>Четвертый уровень</a:t>
+            </a:r>
+          </a:p>
+          <a:p>
+            <a:pPr lvl="4"/>
+            <a:r>
+              <a:rPr lang="ru-RU" smtClean="0"/>
+              <a:t>Пятый уровень</a:t>
+            </a:r>
+            <a:endParaRPr lang="ru-RU"/>
+          </a:p>
+        </p:txBody>
+      </p:sp>
+      <p:sp>
+        <p:nvSpPr>
+          <p:cNvPr id="4" name="Дата 3"/>
+          <p:cNvSpPr>
+            <a:spLocks noGrp="1"/>
+          </p:cNvSpPr>
+          <p:nvPr>
+            <p:ph type="dt" sz="half" idx="10"/>
+          </p:nvPr>
+        </p:nvSpPr>
+        <p:spPr/>
+        <p:txBody>
           <a:bodyPr/>
           <a:lstStyle/>
           <a:p>
-            <a:r>
-              <a:rPr lang="en-US" dirty="0"/>
-              <a:t/>
-            </a:r>
-            <a:endParaRPr lang="en-US" dirty="0"/>
-          </a:p>
-        </p:txBody>
-      </p:sp>
-      <p:sp>
-        <p:nvSpPr>
-          <p:cNvPr id="4" name="Slide Number Placeholder 3"/>
-          <p:cNvSpPr>
-            <a:spLocks noGrp="1"/>
-          </p:cNvSpPr>
-          <p:nvPr>
-            <p:ph type="sldNum" sz="quarter" idx="10"/>
+            <a:fld id="{0FA2E1C2-6611-4A69-9E2B-D7A7241FA37C}" type="datetimeFigureOut">
+              <a:rPr lang="ru-RU" smtClean="0"/>
+              <a:t>18.02.2024</a:t>
+            </a:fld>
+            <a:endParaRPr lang="ru-RU"/>
+          </a:p>
+        </p:txBody>
+      </p:sp>
+      <p:sp>
+        <p:nvSpPr>
+          <p:cNvPr id="5" name="Нижний колонтитул 4"/>
+          <p:cNvSpPr>
+            <a:spLocks noGrp="1"/>
+          </p:cNvSpPr>
+          <p:nvPr>
+            <p:ph type="ftr" sz="quarter" idx="11"/>
           </p:nvPr>
         </p:nvSpPr>
         <p:spPr/>
@@ -620,30 +797,49 @@
           <a:bodyPr/>
           <a:lstStyle/>
           <a:p>
-            <a:fld id="{F7021451-1387-4CA6-816F-3879F97B5CBC}" type="slidenum">
-              <a:rPr lang="en-US"/>
-              <a:t>10</a:t>
+            <a:endParaRPr lang="ru-RU"/>
+          </a:p>
+        </p:txBody>
+      </p:sp>
+      <p:sp>
+        <p:nvSpPr>
+          <p:cNvPr id="6" name="Номер слайда 5"/>
+          <p:cNvSpPr>
+            <a:spLocks noGrp="1"/>
+          </p:cNvSpPr>
+          <p:nvPr>
+            <p:ph type="sldNum" sz="quarter" idx="12"/>
+          </p:nvPr>
+        </p:nvSpPr>
+        <p:spPr/>
+        <p:txBody>
+          <a:bodyPr/>
+          <a:lstStyle/>
+          <a:p>
+            <a:fld id="{A609E921-FB5E-4B20-AF46-BD0602B07DE1}" type="slidenum">
+              <a:rPr lang="ru-RU" smtClean="0"/>
+              <a:t>‹#›</a:t>
             </a:fld>
-            <a:endParaRPr lang="en-US"/>
+            <a:endParaRPr lang="ru-RU"/>
           </a:p>
         </p:txBody>
       </p:sp>
     </p:spTree>
     <p:extLst>
       <p:ext uri="{BB962C8B-B14F-4D97-AF65-F5344CB8AC3E}">
-        <p14:creationId xmlns:p14="http://schemas.microsoft.com/office/powerpoint/2010/main" val="1024086991"/>
+        <p14:creationId xmlns:p14="http://schemas.microsoft.com/office/powerpoint/2010/main" val="832227863"/>
       </p:ext>
     </p:extLst>
   </p:cSld>
   <p:clrMapOvr>
     <a:masterClrMapping/>
   </p:clrMapOvr>
-</p:notes>
+</p:sldLayout>
 </file>
 
-<file path=ppt/notesSlides/notesSlide2.xml><?xml version="1.0" encoding="utf-8"?>
-<p:notes xmlns:a="http://schemas.openxmlformats.org/drawingml/2006/main" xmlns:r="http://schemas.openxmlformats.org/officeDocument/2006/relationships" xmlns:p="http://schemas.openxmlformats.org/presentationml/2006/main">
-  <p:cSld>
+<file path=ppt/slideLayouts/slideLayout11.xml><?xml version="1.0" encoding="utf-8"?>
+<p:sldLayout xmlns:a="http://schemas.openxmlformats.org/drawingml/2006/main" xmlns:r="http://schemas.openxmlformats.org/officeDocument/2006/relationships" xmlns:p="http://schemas.openxmlformats.org/presentationml/2006/main" type="vertTitleAndTx" preserve="1">
+  <p:cSld name="Вертикальный заголовок и текст">
     <p:spTree>
       <p:nvGrpSpPr>
         <p:cNvPr id="1" name=""/>
@@ -660,24 +856,120 @@
       </p:grpSpPr>
       <p:sp>
         <p:nvSpPr>
-          <p:cNvPr id="2" name="Slide Image Placeholder 1"/>
-          <p:cNvSpPr>
-            <a:spLocks noGrp="1" noRot="1" noChangeAspect="1"/>
-          </p:cNvSpPr>
-          <p:nvPr>
-            <p:ph type="sldImg"/>
+          <p:cNvPr id="2" name="Вертикальный заголовок 1"/>
+          <p:cNvSpPr>
+            <a:spLocks noGrp="1"/>
+          </p:cNvSpPr>
+          <p:nvPr>
+            <p:ph type="title" orient="vert"/>
+          </p:nvPr>
+        </p:nvSpPr>
+        <p:spPr>
+          <a:xfrm>
+            <a:off x="8724900" y="365125"/>
+            <a:ext cx="2628900" cy="5811838"/>
+          </a:xfrm>
+        </p:spPr>
+        <p:txBody>
+          <a:bodyPr vert="eaVert"/>
+          <a:lstStyle/>
+          <a:p>
+            <a:r>
+              <a:rPr lang="ru-RU" smtClean="0"/>
+              <a:t>Образец заголовка</a:t>
+            </a:r>
+            <a:endParaRPr lang="ru-RU"/>
+          </a:p>
+        </p:txBody>
+      </p:sp>
+      <p:sp>
+        <p:nvSpPr>
+          <p:cNvPr id="3" name="Вертикальный текст 2"/>
+          <p:cNvSpPr>
+            <a:spLocks noGrp="1"/>
+          </p:cNvSpPr>
+          <p:nvPr>
+            <p:ph type="body" orient="vert" idx="1"/>
+          </p:nvPr>
+        </p:nvSpPr>
+        <p:spPr>
+          <a:xfrm>
+            <a:off x="838200" y="365125"/>
+            <a:ext cx="7734300" cy="5811838"/>
+          </a:xfrm>
+        </p:spPr>
+        <p:txBody>
+          <a:bodyPr vert="eaVert"/>
+          <a:lstStyle/>
+          <a:p>
+            <a:pPr lvl="0"/>
+            <a:r>
+              <a:rPr lang="ru-RU" smtClean="0"/>
+              <a:t>Образец текста</a:t>
+            </a:r>
+          </a:p>
+          <a:p>
+            <a:pPr lvl="1"/>
+            <a:r>
+              <a:rPr lang="ru-RU" smtClean="0"/>
+              <a:t>Второй уровень</a:t>
+            </a:r>
+          </a:p>
+          <a:p>
+            <a:pPr lvl="2"/>
+            <a:r>
+              <a:rPr lang="ru-RU" smtClean="0"/>
+              <a:t>Третий уровень</a:t>
+            </a:r>
+          </a:p>
+          <a:p>
+            <a:pPr lvl="3"/>
+            <a:r>
+              <a:rPr lang="ru-RU" smtClean="0"/>
+              <a:t>Четвертый уровень</a:t>
+            </a:r>
+          </a:p>
+          <a:p>
+            <a:pPr lvl="4"/>
+            <a:r>
+              <a:rPr lang="ru-RU" smtClean="0"/>
+              <a:t>Пятый уровень</a:t>
+            </a:r>
+            <a:endParaRPr lang="ru-RU"/>
+          </a:p>
+        </p:txBody>
+      </p:sp>
+      <p:sp>
+        <p:nvSpPr>
+          <p:cNvPr id="4" name="Дата 3"/>
+          <p:cNvSpPr>
+            <a:spLocks noGrp="1"/>
+          </p:cNvSpPr>
+          <p:nvPr>
+            <p:ph type="dt" sz="half" idx="10"/>
           </p:nvPr>
         </p:nvSpPr>
         <p:spPr/>
-      </p:sp>
-      <p:sp>
-        <p:nvSpPr>
-          <p:cNvPr id="3" name="Notes Placeholder 2"/>
-          <p:cNvSpPr>
-            <a:spLocks noGrp="1"/>
-          </p:cNvSpPr>
-          <p:nvPr>
-            <p:ph type="body" idx="1"/>
+        <p:txBody>
+          <a:bodyPr/>
+          <a:lstStyle/>
+          <a:p>
+            <a:fld id="{0FA2E1C2-6611-4A69-9E2B-D7A7241FA37C}" type="datetimeFigureOut">
+              <a:rPr lang="ru-RU" smtClean="0"/>
+              <a:t>18.02.2024</a:t>
+            </a:fld>
+            <a:endParaRPr lang="ru-RU"/>
+          </a:p>
+        </p:txBody>
+      </p:sp>
+      <p:sp>
+        <p:nvSpPr>
+          <p:cNvPr id="5" name="Нижний колонтитул 4"/>
+          <p:cNvSpPr>
+            <a:spLocks noGrp="1"/>
+          </p:cNvSpPr>
+          <p:nvPr>
+            <p:ph type="ftr" sz="quarter" idx="11"/>
           </p:nvPr>
         </p:nvSpPr>
         <p:spPr/>
@@ -685,22 +977,18 @@
           <a:bodyPr/>
           <a:lstStyle/>
           <a:p>
-            <a:r>
-              <a:rPr lang="en-US" dirty="0"/>
-              <a:t/>
-            </a:r>
-            <a:endParaRPr lang="en-US" dirty="0"/>
-          </a:p>
-        </p:txBody>
-      </p:sp>
-      <p:sp>
-        <p:nvSpPr>
-          <p:cNvPr id="4" name="Slide Number Placeholder 3"/>
-          <p:cNvSpPr>
-            <a:spLocks noGrp="1"/>
-          </p:cNvSpPr>
-          <p:nvPr>
-            <p:ph type="sldNum" sz="quarter" idx="10"/>
+            <a:endParaRPr lang="ru-RU"/>
+          </a:p>
+        </p:txBody>
+      </p:sp>
+      <p:sp>
+        <p:nvSpPr>
+          <p:cNvPr id="6" name="Номер слайда 5"/>
+          <p:cNvSpPr>
+            <a:spLocks noGrp="1"/>
+          </p:cNvSpPr>
+          <p:nvPr>
+            <p:ph type="sldNum" sz="quarter" idx="12"/>
           </p:nvPr>
         </p:nvSpPr>
         <p:spPr/>
@@ -708,30 +996,30 @@
           <a:bodyPr/>
           <a:lstStyle/>
           <a:p>
-            <a:fld id="{F7021451-1387-4CA6-816F-3879F97B5CBC}" type="slidenum">
-              <a:rPr lang="en-US"/>
-              <a:t>2</a:t>
+            <a:fld id="{A609E921-FB5E-4B20-AF46-BD0602B07DE1}" type="slidenum">
+              <a:rPr lang="ru-RU" smtClean="0"/>
+              <a:t>‹#›</a:t>
             </a:fld>
-            <a:endParaRPr lang="en-US"/>
+            <a:endParaRPr lang="ru-RU"/>
           </a:p>
         </p:txBody>
       </p:sp>
     </p:spTree>
     <p:extLst>
       <p:ext uri="{BB962C8B-B14F-4D97-AF65-F5344CB8AC3E}">
-        <p14:creationId xmlns:p14="http://schemas.microsoft.com/office/powerpoint/2010/main" val="1024086991"/>
+        <p14:creationId xmlns:p14="http://schemas.microsoft.com/office/powerpoint/2010/main" val="3445075405"/>
       </p:ext>
     </p:extLst>
   </p:cSld>
   <p:clrMapOvr>
     <a:masterClrMapping/>
   </p:clrMapOvr>
-</p:notes>
+</p:sldLayout>
 </file>
 
-<file path=ppt/notesSlides/notesSlide3.xml><?xml version="1.0" encoding="utf-8"?>
-<p:notes xmlns:a="http://schemas.openxmlformats.org/drawingml/2006/main" xmlns:r="http://schemas.openxmlformats.org/officeDocument/2006/relationships" xmlns:p="http://schemas.openxmlformats.org/presentationml/2006/main">
-  <p:cSld>
+<file path=ppt/slideLayouts/slideLayout2.xml><?xml version="1.0" encoding="utf-8"?>
+<p:sldLayout xmlns:a="http://schemas.openxmlformats.org/drawingml/2006/main" xmlns:r="http://schemas.openxmlformats.org/officeDocument/2006/relationships" xmlns:p="http://schemas.openxmlformats.org/presentationml/2006/main" type="obj" preserve="1">
+  <p:cSld name="Заголовок и объект">
     <p:spTree>
       <p:nvGrpSpPr>
         <p:cNvPr id="1" name=""/>
@@ -748,24 +1036,35 @@
       </p:grpSpPr>
       <p:sp>
         <p:nvSpPr>
-          <p:cNvPr id="2" name="Slide Image Placeholder 1"/>
-          <p:cNvSpPr>
-            <a:spLocks noGrp="1" noRot="1" noChangeAspect="1"/>
-          </p:cNvSpPr>
-          <p:nvPr>
-            <p:ph type="sldImg"/>
+          <p:cNvPr id="2" name="Заголовок 1"/>
+          <p:cNvSpPr>
+            <a:spLocks noGrp="1"/>
+          </p:cNvSpPr>
+          <p:nvPr>
+            <p:ph type="title"/>
           </p:nvPr>
         </p:nvSpPr>
         <p:spPr/>
-      </p:sp>
-      <p:sp>
-        <p:nvSpPr>
-          <p:cNvPr id="3" name="Notes Placeholder 2"/>
-          <p:cNvSpPr>
-            <a:spLocks noGrp="1"/>
-          </p:cNvSpPr>
-          <p:nvPr>
-            <p:ph type="body" idx="1"/>
+        <p:txBody>
+          <a:bodyPr/>
+          <a:lstStyle/>
+          <a:p>
+            <a:r>
+              <a:rPr lang="ru-RU" smtClean="0"/>
+              <a:t>Образец заголовка</a:t>
+            </a:r>
+            <a:endParaRPr lang="ru-RU"/>
+          </a:p>
+        </p:txBody>
+      </p:sp>
+      <p:sp>
+        <p:nvSpPr>
+          <p:cNvPr id="3" name="Объект 2"/>
+          <p:cNvSpPr>
+            <a:spLocks noGrp="1"/>
+          </p:cNvSpPr>
+          <p:nvPr>
+            <p:ph idx="1"/>
           </p:nvPr>
         </p:nvSpPr>
         <p:spPr/>
@@ -773,22 +1072,51 @@
           <a:bodyPr/>
           <a:lstStyle/>
           <a:p>
-            <a:r>
-              <a:rPr lang="en-US" dirty="0"/>
-              <a:t/>
-            </a:r>
-            <a:endParaRPr lang="en-US" dirty="0"/>
-          </a:p>
-        </p:txBody>
-      </p:sp>
-      <p:sp>
-        <p:nvSpPr>
-          <p:cNvPr id="4" name="Slide Number Placeholder 3"/>
-          <p:cNvSpPr>
-            <a:spLocks noGrp="1"/>
-          </p:cNvSpPr>
-          <p:nvPr>
-            <p:ph type="sldNum" sz="quarter" idx="10"/>
+            <a:pPr lvl="0"/>
+            <a:r>
+              <a:rPr lang="ru-RU" smtClean="0"/>
+              <a:t>Образец текста</a:t>
+            </a:r>
+          </a:p>
+          <a:p>
+            <a:pPr lvl="1"/>
+            <a:r>
+              <a:rPr lang="ru-RU" smtClean="0"/>
+              <a:t>Второй уровень</a:t>
+            </a:r>
+          </a:p>
+          <a:p>
+            <a:pPr lvl="2"/>
+            <a:r>
+              <a:rPr lang="ru-RU" smtClean="0"/>
+              <a:t>Третий уровень</a:t>
+            </a:r>
+          </a:p>
+          <a:p>
+            <a:pPr lvl="3"/>
+            <a:r>
+              <a:rPr lang="ru-RU" smtClean="0"/>
+              <a:t>Четвертый уровень</a:t>
+            </a:r>
+          </a:p>
+          <a:p>
+            <a:pPr lvl="4"/>
+            <a:r>
+              <a:rPr lang="ru-RU" smtClean="0"/>
+              <a:t>Пятый уровень</a:t>
+            </a:r>
+            <a:endParaRPr lang="ru-RU"/>
+          </a:p>
+        </p:txBody>
+      </p:sp>
+      <p:sp>
+        <p:nvSpPr>
+          <p:cNvPr id="4" name="Дата 3"/>
+          <p:cNvSpPr>
+            <a:spLocks noGrp="1"/>
+          </p:cNvSpPr>
+          <p:nvPr>
+            <p:ph type="dt" sz="half" idx="10"/>
           </p:nvPr>
         </p:nvSpPr>
         <p:spPr/>
@@ -796,30 +1124,72 @@
           <a:bodyPr/>
           <a:lstStyle/>
           <a:p>
-            <a:fld id="{F7021451-1387-4CA6-816F-3879F97B5CBC}" type="slidenum">
-              <a:rPr lang="en-US"/>
-              <a:t>3</a:t>
+            <a:fld id="{0FA2E1C2-6611-4A69-9E2B-D7A7241FA37C}" type="datetimeFigureOut">
+              <a:rPr lang="ru-RU" smtClean="0"/>
+              <a:t>18.02.2024</a:t>
             </a:fld>
-            <a:endParaRPr lang="en-US"/>
+            <a:endParaRPr lang="ru-RU"/>
+          </a:p>
+        </p:txBody>
+      </p:sp>
+      <p:sp>
+        <p:nvSpPr>
+          <p:cNvPr id="5" name="Нижний колонтитул 4"/>
+          <p:cNvSpPr>
+            <a:spLocks noGrp="1"/>
+          </p:cNvSpPr>
+          <p:nvPr>
+            <p:ph type="ftr" sz="quarter" idx="11"/>
+          </p:nvPr>
+        </p:nvSpPr>
+        <p:spPr/>
+        <p:txBody>
+          <a:bodyPr/>
+          <a:lstStyle/>
+          <a:p>
+            <a:endParaRPr lang="ru-RU"/>
+          </a:p>
+        </p:txBody>
+      </p:sp>
+      <p:sp>
+        <p:nvSpPr>
+          <p:cNvPr id="6" name="Номер слайда 5"/>
+          <p:cNvSpPr>
+            <a:spLocks noGrp="1"/>
+          </p:cNvSpPr>
+          <p:nvPr>
+            <p:ph type="sldNum" sz="quarter" idx="12"/>
+          </p:nvPr>
+        </p:nvSpPr>
+        <p:spPr/>
+        <p:txBody>
+          <a:bodyPr/>
+          <a:lstStyle/>
+          <a:p>
+            <a:fld id="{A609E921-FB5E-4B20-AF46-BD0602B07DE1}" type="slidenum">
+              <a:rPr lang="ru-RU" smtClean="0"/>
+              <a:t>‹#›</a:t>
+            </a:fld>
+            <a:endParaRPr lang="ru-RU"/>
           </a:p>
         </p:txBody>
       </p:sp>
     </p:spTree>
     <p:extLst>
       <p:ext uri="{BB962C8B-B14F-4D97-AF65-F5344CB8AC3E}">
-        <p14:creationId xmlns:p14="http://schemas.microsoft.com/office/powerpoint/2010/main" val="1024086991"/>
+        <p14:creationId xmlns:p14="http://schemas.microsoft.com/office/powerpoint/2010/main" val="214870553"/>
       </p:ext>
     </p:extLst>
   </p:cSld>
   <p:clrMapOvr>
     <a:masterClrMapping/>
   </p:clrMapOvr>
-</p:notes>
+</p:sldLayout>
 </file>
 
-<file path=ppt/notesSlides/notesSlide4.xml><?xml version="1.0" encoding="utf-8"?>
-<p:notes xmlns:a="http://schemas.openxmlformats.org/drawingml/2006/main" xmlns:r="http://schemas.openxmlformats.org/officeDocument/2006/relationships" xmlns:p="http://schemas.openxmlformats.org/presentationml/2006/main">
-  <p:cSld>
+<file path=ppt/slideLayouts/slideLayout3.xml><?xml version="1.0" encoding="utf-8"?>
+<p:sldLayout xmlns:a="http://schemas.openxmlformats.org/drawingml/2006/main" xmlns:r="http://schemas.openxmlformats.org/officeDocument/2006/relationships" xmlns:p="http://schemas.openxmlformats.org/presentationml/2006/main" type="secHead" preserve="1">
+  <p:cSld name="Заголовок раздела">
     <p:spTree>
       <p:nvGrpSpPr>
         <p:cNvPr id="1" name=""/>
@@ -836,24 +1206,186 @@
       </p:grpSpPr>
       <p:sp>
         <p:nvSpPr>
-          <p:cNvPr id="2" name="Slide Image Placeholder 1"/>
-          <p:cNvSpPr>
-            <a:spLocks noGrp="1" noRot="1" noChangeAspect="1"/>
-          </p:cNvSpPr>
-          <p:nvPr>
-            <p:ph type="sldImg"/>
+          <p:cNvPr id="2" name="Заголовок 1"/>
+          <p:cNvSpPr>
+            <a:spLocks noGrp="1"/>
+          </p:cNvSpPr>
+          <p:nvPr>
+            <p:ph type="title"/>
+          </p:nvPr>
+        </p:nvSpPr>
+        <p:spPr>
+          <a:xfrm>
+            <a:off x="831850" y="1709738"/>
+            <a:ext cx="10515600" cy="2852737"/>
+          </a:xfrm>
+        </p:spPr>
+        <p:txBody>
+          <a:bodyPr anchor="b"/>
+          <a:lstStyle>
+            <a:lvl1pPr>
+              <a:defRPr sz="6000"/>
+            </a:lvl1pPr>
+          </a:lstStyle>
+          <a:p>
+            <a:r>
+              <a:rPr lang="ru-RU" smtClean="0"/>
+              <a:t>Образец заголовка</a:t>
+            </a:r>
+            <a:endParaRPr lang="ru-RU"/>
+          </a:p>
+        </p:txBody>
+      </p:sp>
+      <p:sp>
+        <p:nvSpPr>
+          <p:cNvPr id="3" name="Текст 2"/>
+          <p:cNvSpPr>
+            <a:spLocks noGrp="1"/>
+          </p:cNvSpPr>
+          <p:nvPr>
+            <p:ph type="body" idx="1"/>
+          </p:nvPr>
+        </p:nvSpPr>
+        <p:spPr>
+          <a:xfrm>
+            <a:off x="831850" y="4589463"/>
+            <a:ext cx="10515600" cy="1500187"/>
+          </a:xfrm>
+        </p:spPr>
+        <p:txBody>
+          <a:bodyPr/>
+          <a:lstStyle>
+            <a:lvl1pPr marL="0" indent="0">
+              <a:buNone/>
+              <a:defRPr sz="2400">
+                <a:solidFill>
+                  <a:schemeClr val="tx1">
+                    <a:tint val="75000"/>
+                  </a:schemeClr>
+                </a:solidFill>
+              </a:defRPr>
+            </a:lvl1pPr>
+            <a:lvl2pPr marL="457200" indent="0">
+              <a:buNone/>
+              <a:defRPr sz="2000">
+                <a:solidFill>
+                  <a:schemeClr val="tx1">
+                    <a:tint val="75000"/>
+                  </a:schemeClr>
+                </a:solidFill>
+              </a:defRPr>
+            </a:lvl2pPr>
+            <a:lvl3pPr marL="914400" indent="0">
+              <a:buNone/>
+              <a:defRPr sz="1800">
+                <a:solidFill>
+                  <a:schemeClr val="tx1">
+                    <a:tint val="75000"/>
+                  </a:schemeClr>
+                </a:solidFill>
+              </a:defRPr>
+            </a:lvl3pPr>
+            <a:lvl4pPr marL="1371600" indent="0">
+              <a:buNone/>
+              <a:defRPr sz="1600">
+                <a:solidFill>
+                  <a:schemeClr val="tx1">
+                    <a:tint val="75000"/>
+                  </a:schemeClr>
+                </a:solidFill>
+              </a:defRPr>
+            </a:lvl4pPr>
+            <a:lvl5pPr marL="1828800" indent="0">
+              <a:buNone/>
+              <a:defRPr sz="1600">
+                <a:solidFill>
+                  <a:schemeClr val="tx1">
+                    <a:tint val="75000"/>
+                  </a:schemeClr>
+                </a:solidFill>
+              </a:defRPr>
+            </a:lvl5pPr>
+            <a:lvl6pPr marL="2286000" indent="0">
+              <a:buNone/>
+              <a:defRPr sz="1600">
+                <a:solidFill>
+                  <a:schemeClr val="tx1">
+                    <a:tint val="75000"/>
+                  </a:schemeClr>
+                </a:solidFill>
+              </a:defRPr>
+            </a:lvl6pPr>
+            <a:lvl7pPr marL="2743200" indent="0">
+              <a:buNone/>
+              <a:defRPr sz="1600">
+                <a:solidFill>
+                  <a:schemeClr val="tx1">
+                    <a:tint val="75000"/>
+                  </a:schemeClr>
+                </a:solidFill>
+              </a:defRPr>
+            </a:lvl7pPr>
+            <a:lvl8pPr marL="3200400" indent="0">
+              <a:buNone/>
+              <a:defRPr sz="1600">
+                <a:solidFill>
+                  <a:schemeClr val="tx1">
+                    <a:tint val="75000"/>
+                  </a:schemeClr>
+                </a:solidFill>
+              </a:defRPr>
+            </a:lvl8pPr>
+            <a:lvl9pPr marL="3657600" indent="0">
+              <a:buNone/>
+              <a:defRPr sz="1600">
+                <a:solidFill>
+                  <a:schemeClr val="tx1">
+                    <a:tint val="75000"/>
+                  </a:schemeClr>
+                </a:solidFill>
+              </a:defRPr>
+            </a:lvl9pPr>
+          </a:lstStyle>
+          <a:p>
+            <a:pPr lvl="0"/>
+            <a:r>
+              <a:rPr lang="ru-RU" smtClean="0"/>
+              <a:t>Образец текста</a:t>
+            </a:r>
+          </a:p>
+        </p:txBody>
+      </p:sp>
+      <p:sp>
+        <p:nvSpPr>
+          <p:cNvPr id="4" name="Дата 3"/>
+          <p:cNvSpPr>
+            <a:spLocks noGrp="1"/>
+          </p:cNvSpPr>
+          <p:nvPr>
+            <p:ph type="dt" sz="half" idx="10"/>
           </p:nvPr>
         </p:nvSpPr>
         <p:spPr/>
-      </p:sp>
-      <p:sp>
-        <p:nvSpPr>
-          <p:cNvPr id="3" name="Notes Placeholder 2"/>
-          <p:cNvSpPr>
-            <a:spLocks noGrp="1"/>
-          </p:cNvSpPr>
-          <p:nvPr>
-            <p:ph type="body" idx="1"/>
+        <p:txBody>
+          <a:bodyPr/>
+          <a:lstStyle/>
+          <a:p>
+            <a:fld id="{0FA2E1C2-6611-4A69-9E2B-D7A7241FA37C}" type="datetimeFigureOut">
+              <a:rPr lang="ru-RU" smtClean="0"/>
+              <a:t>18.02.2024</a:t>
+            </a:fld>
+            <a:endParaRPr lang="ru-RU"/>
+          </a:p>
+        </p:txBody>
+      </p:sp>
+      <p:sp>
+        <p:nvSpPr>
+          <p:cNvPr id="5" name="Нижний колонтитул 4"/>
+          <p:cNvSpPr>
+            <a:spLocks noGrp="1"/>
+          </p:cNvSpPr>
+          <p:nvPr>
+            <p:ph type="ftr" sz="quarter" idx="11"/>
           </p:nvPr>
         </p:nvSpPr>
         <p:spPr/>
@@ -861,22 +1393,18 @@
           <a:bodyPr/>
           <a:lstStyle/>
           <a:p>
-            <a:r>
-              <a:rPr lang="en-US" dirty="0"/>
-              <a:t/>
-            </a:r>
-            <a:endParaRPr lang="en-US" dirty="0"/>
-          </a:p>
-        </p:txBody>
-      </p:sp>
-      <p:sp>
-        <p:nvSpPr>
-          <p:cNvPr id="4" name="Slide Number Placeholder 3"/>
-          <p:cNvSpPr>
-            <a:spLocks noGrp="1"/>
-          </p:cNvSpPr>
-          <p:nvPr>
-            <p:ph type="sldNum" sz="quarter" idx="10"/>
+            <a:endParaRPr lang="ru-RU"/>
+          </a:p>
+        </p:txBody>
+      </p:sp>
+      <p:sp>
+        <p:nvSpPr>
+          <p:cNvPr id="6" name="Номер слайда 5"/>
+          <p:cNvSpPr>
+            <a:spLocks noGrp="1"/>
+          </p:cNvSpPr>
+          <p:nvPr>
+            <p:ph type="sldNum" sz="quarter" idx="12"/>
           </p:nvPr>
         </p:nvSpPr>
         <p:spPr/>
@@ -884,30 +1412,30 @@
           <a:bodyPr/>
           <a:lstStyle/>
           <a:p>
-            <a:fld id="{F7021451-1387-4CA6-816F-3879F97B5CBC}" type="slidenum">
-              <a:rPr lang="en-US"/>
-              <a:t>4</a:t>
+            <a:fld id="{A609E921-FB5E-4B20-AF46-BD0602B07DE1}" type="slidenum">
+              <a:rPr lang="ru-RU" smtClean="0"/>
+              <a:t>‹#›</a:t>
             </a:fld>
-            <a:endParaRPr lang="en-US"/>
+            <a:endParaRPr lang="ru-RU"/>
           </a:p>
         </p:txBody>
       </p:sp>
     </p:spTree>
     <p:extLst>
       <p:ext uri="{BB962C8B-B14F-4D97-AF65-F5344CB8AC3E}">
-        <p14:creationId xmlns:p14="http://schemas.microsoft.com/office/powerpoint/2010/main" val="1024086991"/>
+        <p14:creationId xmlns:p14="http://schemas.microsoft.com/office/powerpoint/2010/main" val="631262719"/>
       </p:ext>
     </p:extLst>
   </p:cSld>
   <p:clrMapOvr>
     <a:masterClrMapping/>
   </p:clrMapOvr>
-</p:notes>
+</p:sldLayout>
 </file>
 
-<file path=ppt/notesSlides/notesSlide5.xml><?xml version="1.0" encoding="utf-8"?>
-<p:notes xmlns:a="http://schemas.openxmlformats.org/drawingml/2006/main" xmlns:r="http://schemas.openxmlformats.org/officeDocument/2006/relationships" xmlns:p="http://schemas.openxmlformats.org/presentationml/2006/main">
-  <p:cSld>
+<file path=ppt/slideLayouts/slideLayout4.xml><?xml version="1.0" encoding="utf-8"?>
+<p:sldLayout xmlns:a="http://schemas.openxmlformats.org/drawingml/2006/main" xmlns:r="http://schemas.openxmlformats.org/officeDocument/2006/relationships" xmlns:p="http://schemas.openxmlformats.org/presentationml/2006/main" type="twoObj" preserve="1">
+  <p:cSld name="Два объекта">
     <p:spTree>
       <p:nvGrpSpPr>
         <p:cNvPr id="1" name=""/>
@@ -924,24 +1452,149 @@
       </p:grpSpPr>
       <p:sp>
         <p:nvSpPr>
-          <p:cNvPr id="2" name="Slide Image Placeholder 1"/>
-          <p:cNvSpPr>
-            <a:spLocks noGrp="1" noRot="1" noChangeAspect="1"/>
-          </p:cNvSpPr>
-          <p:nvPr>
-            <p:ph type="sldImg"/>
+          <p:cNvPr id="2" name="Заголовок 1"/>
+          <p:cNvSpPr>
+            <a:spLocks noGrp="1"/>
+          </p:cNvSpPr>
+          <p:nvPr>
+            <p:ph type="title"/>
           </p:nvPr>
         </p:nvSpPr>
         <p:spPr/>
-      </p:sp>
-      <p:sp>
-        <p:nvSpPr>
-          <p:cNvPr id="3" name="Notes Placeholder 2"/>
-          <p:cNvSpPr>
-            <a:spLocks noGrp="1"/>
-          </p:cNvSpPr>
-          <p:nvPr>
-            <p:ph type="body" idx="1"/>
+        <p:txBody>
+          <a:bodyPr/>
+          <a:lstStyle/>
+          <a:p>
+            <a:r>
+              <a:rPr lang="ru-RU" smtClean="0"/>
+              <a:t>Образец заголовка</a:t>
+            </a:r>
+            <a:endParaRPr lang="ru-RU"/>
+          </a:p>
+        </p:txBody>
+      </p:sp>
+      <p:sp>
+        <p:nvSpPr>
+          <p:cNvPr id="3" name="Объект 2"/>
+          <p:cNvSpPr>
+            <a:spLocks noGrp="1"/>
+          </p:cNvSpPr>
+          <p:nvPr>
+            <p:ph sz="half" idx="1"/>
+          </p:nvPr>
+        </p:nvSpPr>
+        <p:spPr>
+          <a:xfrm>
+            <a:off x="838200" y="1825625"/>
+            <a:ext cx="5181600" cy="4351338"/>
+          </a:xfrm>
+        </p:spPr>
+        <p:txBody>
+          <a:bodyPr/>
+          <a:lstStyle/>
+          <a:p>
+            <a:pPr lvl="0"/>
+            <a:r>
+              <a:rPr lang="ru-RU" smtClean="0"/>
+              <a:t>Образец текста</a:t>
+            </a:r>
+          </a:p>
+          <a:p>
+            <a:pPr lvl="1"/>
+            <a:r>
+              <a:rPr lang="ru-RU" smtClean="0"/>
+              <a:t>Второй уровень</a:t>
+            </a:r>
+          </a:p>
+          <a:p>
+            <a:pPr lvl="2"/>
+            <a:r>
+              <a:rPr lang="ru-RU" smtClean="0"/>
+              <a:t>Третий уровень</a:t>
+            </a:r>
+          </a:p>
+          <a:p>
+            <a:pPr lvl="3"/>
+            <a:r>
+              <a:rPr lang="ru-RU" smtClean="0"/>
+              <a:t>Четвертый уровень</a:t>
+            </a:r>
+          </a:p>
+          <a:p>
+            <a:pPr lvl="4"/>
+            <a:r>
+              <a:rPr lang="ru-RU" smtClean="0"/>
+              <a:t>Пятый уровень</a:t>
+            </a:r>
+            <a:endParaRPr lang="ru-RU"/>
+          </a:p>
+        </p:txBody>
+      </p:sp>
+      <p:sp>
+        <p:nvSpPr>
+          <p:cNvPr id="4" name="Объект 3"/>
+          <p:cNvSpPr>
+            <a:spLocks noGrp="1"/>
+          </p:cNvSpPr>
+          <p:nvPr>
+            <p:ph sz="half" idx="2"/>
+          </p:nvPr>
+        </p:nvSpPr>
+        <p:spPr>
+          <a:xfrm>
+            <a:off x="6172200" y="1825625"/>
+            <a:ext cx="5181600" cy="4351338"/>
+          </a:xfrm>
+        </p:spPr>
+        <p:txBody>
+          <a:bodyPr/>
+          <a:lstStyle/>
+          <a:p>
+            <a:pPr lvl="0"/>
+            <a:r>
+              <a:rPr lang="ru-RU" smtClean="0"/>
+              <a:t>Образец текста</a:t>
+            </a:r>
+          </a:p>
+          <a:p>
+            <a:pPr lvl="1"/>
+            <a:r>
+              <a:rPr lang="ru-RU" smtClean="0"/>
+              <a:t>Второй уровень</a:t>
+            </a:r>
+          </a:p>
+          <a:p>
+            <a:pPr lvl="2"/>
+            <a:r>
+              <a:rPr lang="ru-RU" smtClean="0"/>
+              <a:t>Третий уровень</a:t>
+            </a:r>
+          </a:p>
+          <a:p>
+            <a:pPr lvl="3"/>
+            <a:r>
+              <a:rPr lang="ru-RU" smtClean="0"/>
+              <a:t>Четвертый уровень</a:t>
+            </a:r>
+          </a:p>
+          <a:p>
+            <a:pPr lvl="4"/>
+            <a:r>
+              <a:rPr lang="ru-RU" smtClean="0"/>
+              <a:t>Пятый уровень</a:t>
+            </a:r>
+            <a:endParaRPr lang="ru-RU"/>
+          </a:p>
+        </p:txBody>
+      </p:sp>
+      <p:sp>
+        <p:nvSpPr>
+          <p:cNvPr id="5" name="Дата 4"/>
+          <p:cNvSpPr>
+            <a:spLocks noGrp="1"/>
+          </p:cNvSpPr>
+          <p:nvPr>
+            <p:ph type="dt" sz="half" idx="10"/>
           </p:nvPr>
         </p:nvSpPr>
         <p:spPr/>
@@ -949,22 +1602,22 @@
           <a:bodyPr/>
           <a:lstStyle/>
           <a:p>
-            <a:r>
-              <a:rPr lang="en-US" dirty="0"/>
-              <a:t/>
-            </a:r>
-            <a:endParaRPr lang="en-US" dirty="0"/>
-          </a:p>
-        </p:txBody>
-      </p:sp>
-      <p:sp>
-        <p:nvSpPr>
-          <p:cNvPr id="4" name="Slide Number Placeholder 3"/>
-          <p:cNvSpPr>
-            <a:spLocks noGrp="1"/>
-          </p:cNvSpPr>
-          <p:nvPr>
-            <p:ph type="sldNum" sz="quarter" idx="10"/>
+            <a:fld id="{0FA2E1C2-6611-4A69-9E2B-D7A7241FA37C}" type="datetimeFigureOut">
+              <a:rPr lang="ru-RU" smtClean="0"/>
+              <a:t>18.02.2024</a:t>
+            </a:fld>
+            <a:endParaRPr lang="ru-RU"/>
+          </a:p>
+        </p:txBody>
+      </p:sp>
+      <p:sp>
+        <p:nvSpPr>
+          <p:cNvPr id="6" name="Нижний колонтитул 5"/>
+          <p:cNvSpPr>
+            <a:spLocks noGrp="1"/>
+          </p:cNvSpPr>
+          <p:nvPr>
+            <p:ph type="ftr" sz="quarter" idx="11"/>
           </p:nvPr>
         </p:nvSpPr>
         <p:spPr/>
@@ -972,30 +1625,49 @@
           <a:bodyPr/>
           <a:lstStyle/>
           <a:p>
-            <a:fld id="{F7021451-1387-4CA6-816F-3879F97B5CBC}" type="slidenum">
-              <a:rPr lang="en-US"/>
-              <a:t>5</a:t>
+            <a:endParaRPr lang="ru-RU"/>
+          </a:p>
+        </p:txBody>
+      </p:sp>
+      <p:sp>
+        <p:nvSpPr>
+          <p:cNvPr id="7" name="Номер слайда 6"/>
+          <p:cNvSpPr>
+            <a:spLocks noGrp="1"/>
+          </p:cNvSpPr>
+          <p:nvPr>
+            <p:ph type="sldNum" sz="quarter" idx="12"/>
+          </p:nvPr>
+        </p:nvSpPr>
+        <p:spPr/>
+        <p:txBody>
+          <a:bodyPr/>
+          <a:lstStyle/>
+          <a:p>
+            <a:fld id="{A609E921-FB5E-4B20-AF46-BD0602B07DE1}" type="slidenum">
+              <a:rPr lang="ru-RU" smtClean="0"/>
+              <a:t>‹#›</a:t>
             </a:fld>
-            <a:endParaRPr lang="en-US"/>
+            <a:endParaRPr lang="ru-RU"/>
           </a:p>
         </p:txBody>
       </p:sp>
     </p:spTree>
     <p:extLst>
       <p:ext uri="{BB962C8B-B14F-4D97-AF65-F5344CB8AC3E}">
-        <p14:creationId xmlns:p14="http://schemas.microsoft.com/office/powerpoint/2010/main" val="1024086991"/>
+        <p14:creationId xmlns:p14="http://schemas.microsoft.com/office/powerpoint/2010/main" val="875057980"/>
       </p:ext>
     </p:extLst>
   </p:cSld>
   <p:clrMapOvr>
     <a:masterClrMapping/>
   </p:clrMapOvr>
-</p:notes>
+</p:sldLayout>
 </file>
 
-<file path=ppt/notesSlides/notesSlide6.xml><?xml version="1.0" encoding="utf-8"?>
-<p:notes xmlns:a="http://schemas.openxmlformats.org/drawingml/2006/main" xmlns:r="http://schemas.openxmlformats.org/officeDocument/2006/relationships" xmlns:p="http://schemas.openxmlformats.org/presentationml/2006/main">
-  <p:cSld>
+<file path=ppt/slideLayouts/slideLayout5.xml><?xml version="1.0" encoding="utf-8"?>
+<p:sldLayout xmlns:a="http://schemas.openxmlformats.org/drawingml/2006/main" xmlns:r="http://schemas.openxmlformats.org/officeDocument/2006/relationships" xmlns:p="http://schemas.openxmlformats.org/presentationml/2006/main" type="twoTxTwoObj" preserve="1">
+  <p:cSld name="Сравнение">
     <p:spTree>
       <p:nvGrpSpPr>
         <p:cNvPr id="1" name=""/>
@@ -1012,24 +1684,307 @@
       </p:grpSpPr>
       <p:sp>
         <p:nvSpPr>
-          <p:cNvPr id="2" name="Slide Image Placeholder 1"/>
-          <p:cNvSpPr>
-            <a:spLocks noGrp="1" noRot="1" noChangeAspect="1"/>
-          </p:cNvSpPr>
-          <p:nvPr>
-            <p:ph type="sldImg"/>
+          <p:cNvPr id="2" name="Заголовок 1"/>
+          <p:cNvSpPr>
+            <a:spLocks noGrp="1"/>
+          </p:cNvSpPr>
+          <p:nvPr>
+            <p:ph type="title"/>
+          </p:nvPr>
+        </p:nvSpPr>
+        <p:spPr>
+          <a:xfrm>
+            <a:off x="839788" y="365125"/>
+            <a:ext cx="10515600" cy="1325563"/>
+          </a:xfrm>
+        </p:spPr>
+        <p:txBody>
+          <a:bodyPr/>
+          <a:lstStyle/>
+          <a:p>
+            <a:r>
+              <a:rPr lang="ru-RU" smtClean="0"/>
+              <a:t>Образец заголовка</a:t>
+            </a:r>
+            <a:endParaRPr lang="ru-RU"/>
+          </a:p>
+        </p:txBody>
+      </p:sp>
+      <p:sp>
+        <p:nvSpPr>
+          <p:cNvPr id="3" name="Текст 2"/>
+          <p:cNvSpPr>
+            <a:spLocks noGrp="1"/>
+          </p:cNvSpPr>
+          <p:nvPr>
+            <p:ph type="body" idx="1"/>
+          </p:nvPr>
+        </p:nvSpPr>
+        <p:spPr>
+          <a:xfrm>
+            <a:off x="839788" y="1681163"/>
+            <a:ext cx="5157787" cy="823912"/>
+          </a:xfrm>
+        </p:spPr>
+        <p:txBody>
+          <a:bodyPr anchor="b"/>
+          <a:lstStyle>
+            <a:lvl1pPr marL="0" indent="0">
+              <a:buNone/>
+              <a:defRPr sz="2400" b="1"/>
+            </a:lvl1pPr>
+            <a:lvl2pPr marL="457200" indent="0">
+              <a:buNone/>
+              <a:defRPr sz="2000" b="1"/>
+            </a:lvl2pPr>
+            <a:lvl3pPr marL="914400" indent="0">
+              <a:buNone/>
+              <a:defRPr sz="1800" b="1"/>
+            </a:lvl3pPr>
+            <a:lvl4pPr marL="1371600" indent="0">
+              <a:buNone/>
+              <a:defRPr sz="1600" b="1"/>
+            </a:lvl4pPr>
+            <a:lvl5pPr marL="1828800" indent="0">
+              <a:buNone/>
+              <a:defRPr sz="1600" b="1"/>
+            </a:lvl5pPr>
+            <a:lvl6pPr marL="2286000" indent="0">
+              <a:buNone/>
+              <a:defRPr sz="1600" b="1"/>
+            </a:lvl6pPr>
+            <a:lvl7pPr marL="2743200" indent="0">
+              <a:buNone/>
+              <a:defRPr sz="1600" b="1"/>
+            </a:lvl7pPr>
+            <a:lvl8pPr marL="3200400" indent="0">
+              <a:buNone/>
+              <a:defRPr sz="1600" b="1"/>
+            </a:lvl8pPr>
+            <a:lvl9pPr marL="3657600" indent="0">
+              <a:buNone/>
+              <a:defRPr sz="1600" b="1"/>
+            </a:lvl9pPr>
+          </a:lstStyle>
+          <a:p>
+            <a:pPr lvl="0"/>
+            <a:r>
+              <a:rPr lang="ru-RU" smtClean="0"/>
+              <a:t>Образец текста</a:t>
+            </a:r>
+          </a:p>
+        </p:txBody>
+      </p:sp>
+      <p:sp>
+        <p:nvSpPr>
+          <p:cNvPr id="4" name="Объект 3"/>
+          <p:cNvSpPr>
+            <a:spLocks noGrp="1"/>
+          </p:cNvSpPr>
+          <p:nvPr>
+            <p:ph sz="half" idx="2"/>
+          </p:nvPr>
+        </p:nvSpPr>
+        <p:spPr>
+          <a:xfrm>
+            <a:off x="839788" y="2505075"/>
+            <a:ext cx="5157787" cy="3684588"/>
+          </a:xfrm>
+        </p:spPr>
+        <p:txBody>
+          <a:bodyPr/>
+          <a:lstStyle/>
+          <a:p>
+            <a:pPr lvl="0"/>
+            <a:r>
+              <a:rPr lang="ru-RU" smtClean="0"/>
+              <a:t>Образец текста</a:t>
+            </a:r>
+          </a:p>
+          <a:p>
+            <a:pPr lvl="1"/>
+            <a:r>
+              <a:rPr lang="ru-RU" smtClean="0"/>
+              <a:t>Второй уровень</a:t>
+            </a:r>
+          </a:p>
+          <a:p>
+            <a:pPr lvl="2"/>
+            <a:r>
+              <a:rPr lang="ru-RU" smtClean="0"/>
+              <a:t>Третий уровень</a:t>
+            </a:r>
+          </a:p>
+          <a:p>
+            <a:pPr lvl="3"/>
+            <a:r>
+              <a:rPr lang="ru-RU" smtClean="0"/>
+              <a:t>Четвертый уровень</a:t>
+            </a:r>
+          </a:p>
+          <a:p>
+            <a:pPr lvl="4"/>
+            <a:r>
+              <a:rPr lang="ru-RU" smtClean="0"/>
+              <a:t>Пятый уровень</a:t>
+            </a:r>
+            <a:endParaRPr lang="ru-RU"/>
+          </a:p>
+        </p:txBody>
+      </p:sp>
+      <p:sp>
+        <p:nvSpPr>
+          <p:cNvPr id="5" name="Текст 4"/>
+          <p:cNvSpPr>
+            <a:spLocks noGrp="1"/>
+          </p:cNvSpPr>
+          <p:nvPr>
+            <p:ph type="body" sz="quarter" idx="3"/>
+          </p:nvPr>
+        </p:nvSpPr>
+        <p:spPr>
+          <a:xfrm>
+            <a:off x="6172200" y="1681163"/>
+            <a:ext cx="5183188" cy="823912"/>
+          </a:xfrm>
+        </p:spPr>
+        <p:txBody>
+          <a:bodyPr anchor="b"/>
+          <a:lstStyle>
+            <a:lvl1pPr marL="0" indent="0">
+              <a:buNone/>
+              <a:defRPr sz="2400" b="1"/>
+            </a:lvl1pPr>
+            <a:lvl2pPr marL="457200" indent="0">
+              <a:buNone/>
+              <a:defRPr sz="2000" b="1"/>
+            </a:lvl2pPr>
+            <a:lvl3pPr marL="914400" indent="0">
+              <a:buNone/>
+              <a:defRPr sz="1800" b="1"/>
+            </a:lvl3pPr>
+            <a:lvl4pPr marL="1371600" indent="0">
+              <a:buNone/>
+              <a:defRPr sz="1600" b="1"/>
+            </a:lvl4pPr>
+            <a:lvl5pPr marL="1828800" indent="0">
+              <a:buNone/>
+              <a:defRPr sz="1600" b="1"/>
+            </a:lvl5pPr>
+            <a:lvl6pPr marL="2286000" indent="0">
+              <a:buNone/>
+              <a:defRPr sz="1600" b="1"/>
+            </a:lvl6pPr>
+            <a:lvl7pPr marL="2743200" indent="0">
+              <a:buNone/>
+              <a:defRPr sz="1600" b="1"/>
+            </a:lvl7pPr>
+            <a:lvl8pPr marL="3200400" indent="0">
+              <a:buNone/>
+              <a:defRPr sz="1600" b="1"/>
+            </a:lvl8pPr>
+            <a:lvl9pPr marL="3657600" indent="0">
+              <a:buNone/>
+              <a:defRPr sz="1600" b="1"/>
+            </a:lvl9pPr>
+          </a:lstStyle>
+          <a:p>
+            <a:pPr lvl="0"/>
+            <a:r>
+              <a:rPr lang="ru-RU" smtClean="0"/>
+              <a:t>Образец текста</a:t>
+            </a:r>
+          </a:p>
+        </p:txBody>
+      </p:sp>
+      <p:sp>
+        <p:nvSpPr>
+          <p:cNvPr id="6" name="Объект 5"/>
+          <p:cNvSpPr>
+            <a:spLocks noGrp="1"/>
+          </p:cNvSpPr>
+          <p:nvPr>
+            <p:ph sz="quarter" idx="4"/>
+          </p:nvPr>
+        </p:nvSpPr>
+        <p:spPr>
+          <a:xfrm>
+            <a:off x="6172200" y="2505075"/>
+            <a:ext cx="5183188" cy="3684588"/>
+          </a:xfrm>
+        </p:spPr>
+        <p:txBody>
+          <a:bodyPr/>
+          <a:lstStyle/>
+          <a:p>
+            <a:pPr lvl="0"/>
+            <a:r>
+              <a:rPr lang="ru-RU" smtClean="0"/>
+              <a:t>Образец текста</a:t>
+            </a:r>
+          </a:p>
+          <a:p>
+            <a:pPr lvl="1"/>
+            <a:r>
+              <a:rPr lang="ru-RU" smtClean="0"/>
+              <a:t>Второй уровень</a:t>
+            </a:r>
+          </a:p>
+          <a:p>
+            <a:pPr lvl="2"/>
+            <a:r>
+              <a:rPr lang="ru-RU" smtClean="0"/>
+              <a:t>Третий уровень</a:t>
+            </a:r>
+          </a:p>
+          <a:p>
+            <a:pPr lvl="3"/>
+            <a:r>
+              <a:rPr lang="ru-RU" smtClean="0"/>
+              <a:t>Четвертый уровень</a:t>
+            </a:r>
+          </a:p>
+          <a:p>
+            <a:pPr lvl="4"/>
+            <a:r>
+              <a:rPr lang="ru-RU" smtClean="0"/>
+              <a:t>Пятый уровень</a:t>
+            </a:r>
+            <a:endParaRPr lang="ru-RU"/>
+          </a:p>
+        </p:txBody>
+      </p:sp>
+      <p:sp>
+        <p:nvSpPr>
+          <p:cNvPr id="7" name="Дата 6"/>
+          <p:cNvSpPr>
+            <a:spLocks noGrp="1"/>
+          </p:cNvSpPr>
+          <p:nvPr>
+            <p:ph type="dt" sz="half" idx="10"/>
           </p:nvPr>
         </p:nvSpPr>
         <p:spPr/>
-      </p:sp>
-      <p:sp>
-        <p:nvSpPr>
-          <p:cNvPr id="3" name="Notes Placeholder 2"/>
-          <p:cNvSpPr>
-            <a:spLocks noGrp="1"/>
-          </p:cNvSpPr>
-          <p:nvPr>
-            <p:ph type="body" idx="1"/>
+        <p:txBody>
+          <a:bodyPr/>
+          <a:lstStyle/>
+          <a:p>
+            <a:fld id="{0FA2E1C2-6611-4A69-9E2B-D7A7241FA37C}" type="datetimeFigureOut">
+              <a:rPr lang="ru-RU" smtClean="0"/>
+              <a:t>18.02.2024</a:t>
+            </a:fld>
+            <a:endParaRPr lang="ru-RU"/>
+          </a:p>
+        </p:txBody>
+      </p:sp>
+      <p:sp>
+        <p:nvSpPr>
+          <p:cNvPr id="8" name="Нижний колонтитул 7"/>
+          <p:cNvSpPr>
+            <a:spLocks noGrp="1"/>
+          </p:cNvSpPr>
+          <p:nvPr>
+            <p:ph type="ftr" sz="quarter" idx="11"/>
           </p:nvPr>
         </p:nvSpPr>
         <p:spPr/>
@@ -1037,22 +1992,18 @@
           <a:bodyPr/>
           <a:lstStyle/>
           <a:p>
-            <a:r>
-              <a:rPr lang="en-US" dirty="0"/>
-              <a:t/>
-            </a:r>
-            <a:endParaRPr lang="en-US" dirty="0"/>
-          </a:p>
-        </p:txBody>
-      </p:sp>
-      <p:sp>
-        <p:nvSpPr>
-          <p:cNvPr id="4" name="Slide Number Placeholder 3"/>
-          <p:cNvSpPr>
-            <a:spLocks noGrp="1"/>
-          </p:cNvSpPr>
-          <p:nvPr>
-            <p:ph type="sldNum" sz="quarter" idx="10"/>
+            <a:endParaRPr lang="ru-RU"/>
+          </a:p>
+        </p:txBody>
+      </p:sp>
+      <p:sp>
+        <p:nvSpPr>
+          <p:cNvPr id="9" name="Номер слайда 8"/>
+          <p:cNvSpPr>
+            <a:spLocks noGrp="1"/>
+          </p:cNvSpPr>
+          <p:nvPr>
+            <p:ph type="sldNum" sz="quarter" idx="12"/>
           </p:nvPr>
         </p:nvSpPr>
         <p:spPr/>
@@ -1060,30 +2011,30 @@
           <a:bodyPr/>
           <a:lstStyle/>
           <a:p>
-            <a:fld id="{F7021451-1387-4CA6-816F-3879F97B5CBC}" type="slidenum">
-              <a:rPr lang="en-US"/>
-              <a:t>6</a:t>
+            <a:fld id="{A609E921-FB5E-4B20-AF46-BD0602B07DE1}" type="slidenum">
+              <a:rPr lang="ru-RU" smtClean="0"/>
+              <a:t>‹#›</a:t>
             </a:fld>
-            <a:endParaRPr lang="en-US"/>
+            <a:endParaRPr lang="ru-RU"/>
           </a:p>
         </p:txBody>
       </p:sp>
     </p:spTree>
     <p:extLst>
       <p:ext uri="{BB962C8B-B14F-4D97-AF65-F5344CB8AC3E}">
-        <p14:creationId xmlns:p14="http://schemas.microsoft.com/office/powerpoint/2010/main" val="1024086991"/>
+        <p14:creationId xmlns:p14="http://schemas.microsoft.com/office/powerpoint/2010/main" val="2930491709"/>
       </p:ext>
     </p:extLst>
   </p:cSld>
   <p:clrMapOvr>
     <a:masterClrMapping/>
   </p:clrMapOvr>
-</p:notes>
+</p:sldLayout>
 </file>
 
-<file path=ppt/notesSlides/notesSlide7.xml><?xml version="1.0" encoding="utf-8"?>
-<p:notes xmlns:a="http://schemas.openxmlformats.org/drawingml/2006/main" xmlns:r="http://schemas.openxmlformats.org/officeDocument/2006/relationships" xmlns:p="http://schemas.openxmlformats.org/presentationml/2006/main">
-  <p:cSld>
+<file path=ppt/slideLayouts/slideLayout6.xml><?xml version="1.0" encoding="utf-8"?>
+<p:sldLayout xmlns:a="http://schemas.openxmlformats.org/drawingml/2006/main" xmlns:r="http://schemas.openxmlformats.org/officeDocument/2006/relationships" xmlns:p="http://schemas.openxmlformats.org/presentationml/2006/main" type="titleOnly" preserve="1">
+  <p:cSld name="Только заголовок">
     <p:spTree>
       <p:nvGrpSpPr>
         <p:cNvPr id="1" name=""/>
@@ -1100,24 +2051,35 @@
       </p:grpSpPr>
       <p:sp>
         <p:nvSpPr>
-          <p:cNvPr id="2" name="Slide Image Placeholder 1"/>
-          <p:cNvSpPr>
-            <a:spLocks noGrp="1" noRot="1" noChangeAspect="1"/>
-          </p:cNvSpPr>
-          <p:nvPr>
-            <p:ph type="sldImg"/>
+          <p:cNvPr id="2" name="Заголовок 1"/>
+          <p:cNvSpPr>
+            <a:spLocks noGrp="1"/>
+          </p:cNvSpPr>
+          <p:nvPr>
+            <p:ph type="title"/>
           </p:nvPr>
         </p:nvSpPr>
         <p:spPr/>
-      </p:sp>
-      <p:sp>
-        <p:nvSpPr>
-          <p:cNvPr id="3" name="Notes Placeholder 2"/>
-          <p:cNvSpPr>
-            <a:spLocks noGrp="1"/>
-          </p:cNvSpPr>
-          <p:nvPr>
-            <p:ph type="body" idx="1"/>
+        <p:txBody>
+          <a:bodyPr/>
+          <a:lstStyle/>
+          <a:p>
+            <a:r>
+              <a:rPr lang="ru-RU" smtClean="0"/>
+              <a:t>Образец заголовка</a:t>
+            </a:r>
+            <a:endParaRPr lang="ru-RU"/>
+          </a:p>
+        </p:txBody>
+      </p:sp>
+      <p:sp>
+        <p:nvSpPr>
+          <p:cNvPr id="3" name="Дата 2"/>
+          <p:cNvSpPr>
+            <a:spLocks noGrp="1"/>
+          </p:cNvSpPr>
+          <p:nvPr>
+            <p:ph type="dt" sz="half" idx="10"/>
           </p:nvPr>
         </p:nvSpPr>
         <p:spPr/>
@@ -1125,22 +2087,22 @@
           <a:bodyPr/>
           <a:lstStyle/>
           <a:p>
-            <a:r>
-              <a:rPr lang="en-US" dirty="0"/>
-              <a:t/>
-            </a:r>
-            <a:endParaRPr lang="en-US" dirty="0"/>
-          </a:p>
-        </p:txBody>
-      </p:sp>
-      <p:sp>
-        <p:nvSpPr>
-          <p:cNvPr id="4" name="Slide Number Placeholder 3"/>
-          <p:cNvSpPr>
-            <a:spLocks noGrp="1"/>
-          </p:cNvSpPr>
-          <p:nvPr>
-            <p:ph type="sldNum" sz="quarter" idx="10"/>
+            <a:fld id="{0FA2E1C2-6611-4A69-9E2B-D7A7241FA37C}" type="datetimeFigureOut">
+              <a:rPr lang="ru-RU" smtClean="0"/>
+              <a:t>18.02.2024</a:t>
+            </a:fld>
+            <a:endParaRPr lang="ru-RU"/>
+          </a:p>
+        </p:txBody>
+      </p:sp>
+      <p:sp>
+        <p:nvSpPr>
+          <p:cNvPr id="4" name="Нижний колонтитул 3"/>
+          <p:cNvSpPr>
+            <a:spLocks noGrp="1"/>
+          </p:cNvSpPr>
+          <p:nvPr>
+            <p:ph type="ftr" sz="quarter" idx="11"/>
           </p:nvPr>
         </p:nvSpPr>
         <p:spPr/>
@@ -1148,30 +2110,49 @@
           <a:bodyPr/>
           <a:lstStyle/>
           <a:p>
-            <a:fld id="{F7021451-1387-4CA6-816F-3879F97B5CBC}" type="slidenum">
-              <a:rPr lang="en-US"/>
-              <a:t>7</a:t>
+            <a:endParaRPr lang="ru-RU"/>
+          </a:p>
+        </p:txBody>
+      </p:sp>
+      <p:sp>
+        <p:nvSpPr>
+          <p:cNvPr id="5" name="Номер слайда 4"/>
+          <p:cNvSpPr>
+            <a:spLocks noGrp="1"/>
+          </p:cNvSpPr>
+          <p:nvPr>
+            <p:ph type="sldNum" sz="quarter" idx="12"/>
+          </p:nvPr>
+        </p:nvSpPr>
+        <p:spPr/>
+        <p:txBody>
+          <a:bodyPr/>
+          <a:lstStyle/>
+          <a:p>
+            <a:fld id="{A609E921-FB5E-4B20-AF46-BD0602B07DE1}" type="slidenum">
+              <a:rPr lang="ru-RU" smtClean="0"/>
+              <a:t>‹#›</a:t>
             </a:fld>
-            <a:endParaRPr lang="en-US"/>
+            <a:endParaRPr lang="ru-RU"/>
           </a:p>
         </p:txBody>
       </p:sp>
     </p:spTree>
     <p:extLst>
       <p:ext uri="{BB962C8B-B14F-4D97-AF65-F5344CB8AC3E}">
-        <p14:creationId xmlns:p14="http://schemas.microsoft.com/office/powerpoint/2010/main" val="1024086991"/>
+        <p14:creationId xmlns:p14="http://schemas.microsoft.com/office/powerpoint/2010/main" val="1925082692"/>
       </p:ext>
     </p:extLst>
   </p:cSld>
   <p:clrMapOvr>
     <a:masterClrMapping/>
   </p:clrMapOvr>
-</p:notes>
+</p:sldLayout>
 </file>
 
-<file path=ppt/notesSlides/notesSlide8.xml><?xml version="1.0" encoding="utf-8"?>
-<p:notes xmlns:a="http://schemas.openxmlformats.org/drawingml/2006/main" xmlns:r="http://schemas.openxmlformats.org/officeDocument/2006/relationships" xmlns:p="http://schemas.openxmlformats.org/presentationml/2006/main">
-  <p:cSld>
+<file path=ppt/slideLayouts/slideLayout7.xml><?xml version="1.0" encoding="utf-8"?>
+<p:sldLayout xmlns:a="http://schemas.openxmlformats.org/drawingml/2006/main" xmlns:r="http://schemas.openxmlformats.org/officeDocument/2006/relationships" xmlns:p="http://schemas.openxmlformats.org/presentationml/2006/main" type="blank" preserve="1">
+  <p:cSld name="Пустой слайд">
     <p:spTree>
       <p:nvGrpSpPr>
         <p:cNvPr id="1" name=""/>
@@ -1188,24 +2169,35 @@
       </p:grpSpPr>
       <p:sp>
         <p:nvSpPr>
-          <p:cNvPr id="2" name="Slide Image Placeholder 1"/>
-          <p:cNvSpPr>
-            <a:spLocks noGrp="1" noRot="1" noChangeAspect="1"/>
-          </p:cNvSpPr>
-          <p:nvPr>
-            <p:ph type="sldImg"/>
+          <p:cNvPr id="2" name="Дата 1"/>
+          <p:cNvSpPr>
+            <a:spLocks noGrp="1"/>
+          </p:cNvSpPr>
+          <p:nvPr>
+            <p:ph type="dt" sz="half" idx="10"/>
           </p:nvPr>
         </p:nvSpPr>
         <p:spPr/>
-      </p:sp>
-      <p:sp>
-        <p:nvSpPr>
-          <p:cNvPr id="3" name="Notes Placeholder 2"/>
-          <p:cNvSpPr>
-            <a:spLocks noGrp="1"/>
-          </p:cNvSpPr>
-          <p:nvPr>
-            <p:ph type="body" idx="1"/>
+        <p:txBody>
+          <a:bodyPr/>
+          <a:lstStyle/>
+          <a:p>
+            <a:fld id="{0FA2E1C2-6611-4A69-9E2B-D7A7241FA37C}" type="datetimeFigureOut">
+              <a:rPr lang="ru-RU" smtClean="0"/>
+              <a:t>18.02.2024</a:t>
+            </a:fld>
+            <a:endParaRPr lang="ru-RU"/>
+          </a:p>
+        </p:txBody>
+      </p:sp>
+      <p:sp>
+        <p:nvSpPr>
+          <p:cNvPr id="3" name="Нижний колонтитул 2"/>
+          <p:cNvSpPr>
+            <a:spLocks noGrp="1"/>
+          </p:cNvSpPr>
+          <p:nvPr>
+            <p:ph type="ftr" sz="quarter" idx="11"/>
           </p:nvPr>
         </p:nvSpPr>
         <p:spPr/>
@@ -1213,22 +2205,18 @@
           <a:bodyPr/>
           <a:lstStyle/>
           <a:p>
-            <a:r>
-              <a:rPr lang="en-US" dirty="0"/>
-              <a:t/>
-            </a:r>
-            <a:endParaRPr lang="en-US" dirty="0"/>
-          </a:p>
-        </p:txBody>
-      </p:sp>
-      <p:sp>
-        <p:nvSpPr>
-          <p:cNvPr id="4" name="Slide Number Placeholder 3"/>
-          <p:cNvSpPr>
-            <a:spLocks noGrp="1"/>
-          </p:cNvSpPr>
-          <p:nvPr>
-            <p:ph type="sldNum" sz="quarter" idx="10"/>
+            <a:endParaRPr lang="ru-RU"/>
+          </a:p>
+        </p:txBody>
+      </p:sp>
+      <p:sp>
+        <p:nvSpPr>
+          <p:cNvPr id="4" name="Номер слайда 3"/>
+          <p:cNvSpPr>
+            <a:spLocks noGrp="1"/>
+          </p:cNvSpPr>
+          <p:nvPr>
+            <p:ph type="sldNum" sz="quarter" idx="12"/>
           </p:nvPr>
         </p:nvSpPr>
         <p:spPr/>
@@ -1236,30 +2224,30 @@
           <a:bodyPr/>
           <a:lstStyle/>
           <a:p>
-            <a:fld id="{F7021451-1387-4CA6-816F-3879F97B5CBC}" type="slidenum">
-              <a:rPr lang="en-US"/>
-              <a:t>8</a:t>
+            <a:fld id="{A609E921-FB5E-4B20-AF46-BD0602B07DE1}" type="slidenum">
+              <a:rPr lang="ru-RU" smtClean="0"/>
+              <a:t>‹#›</a:t>
             </a:fld>
-            <a:endParaRPr lang="en-US"/>
+            <a:endParaRPr lang="ru-RU"/>
           </a:p>
         </p:txBody>
       </p:sp>
     </p:spTree>
     <p:extLst>
       <p:ext uri="{BB962C8B-B14F-4D97-AF65-F5344CB8AC3E}">
-        <p14:creationId xmlns:p14="http://schemas.microsoft.com/office/powerpoint/2010/main" val="1024086991"/>
+        <p14:creationId xmlns:p14="http://schemas.microsoft.com/office/powerpoint/2010/main" val="3797124335"/>
       </p:ext>
     </p:extLst>
   </p:cSld>
   <p:clrMapOvr>
     <a:masterClrMapping/>
   </p:clrMapOvr>
-</p:notes>
+</p:sldLayout>
 </file>
 
-<file path=ppt/notesSlides/notesSlide9.xml><?xml version="1.0" encoding="utf-8"?>
-<p:notes xmlns:a="http://schemas.openxmlformats.org/drawingml/2006/main" xmlns:r="http://schemas.openxmlformats.org/officeDocument/2006/relationships" xmlns:p="http://schemas.openxmlformats.org/presentationml/2006/main">
-  <p:cSld>
+<file path=ppt/slideLayouts/slideLayout8.xml><?xml version="1.0" encoding="utf-8"?>
+<p:sldLayout xmlns:a="http://schemas.openxmlformats.org/drawingml/2006/main" xmlns:r="http://schemas.openxmlformats.org/officeDocument/2006/relationships" xmlns:p="http://schemas.openxmlformats.org/presentationml/2006/main" type="objTx" preserve="1">
+  <p:cSld name="Объект с подписью">
     <p:spTree>
       <p:nvGrpSpPr>
         <p:cNvPr id="1" name=""/>
@@ -1276,24 +2264,217 @@
       </p:grpSpPr>
       <p:sp>
         <p:nvSpPr>
-          <p:cNvPr id="2" name="Slide Image Placeholder 1"/>
-          <p:cNvSpPr>
-            <a:spLocks noGrp="1" noRot="1" noChangeAspect="1"/>
-          </p:cNvSpPr>
-          <p:nvPr>
-            <p:ph type="sldImg"/>
+          <p:cNvPr id="2" name="Заголовок 1"/>
+          <p:cNvSpPr>
+            <a:spLocks noGrp="1"/>
+          </p:cNvSpPr>
+          <p:nvPr>
+            <p:ph type="title"/>
+          </p:nvPr>
+        </p:nvSpPr>
+        <p:spPr>
+          <a:xfrm>
+            <a:off x="839788" y="457200"/>
+            <a:ext cx="3932237" cy="1600200"/>
+          </a:xfrm>
+        </p:spPr>
+        <p:txBody>
+          <a:bodyPr anchor="b"/>
+          <a:lstStyle>
+            <a:lvl1pPr>
+              <a:defRPr sz="3200"/>
+            </a:lvl1pPr>
+          </a:lstStyle>
+          <a:p>
+            <a:r>
+              <a:rPr lang="ru-RU" smtClean="0"/>
+              <a:t>Образец заголовка</a:t>
+            </a:r>
+            <a:endParaRPr lang="ru-RU"/>
+          </a:p>
+        </p:txBody>
+      </p:sp>
+      <p:sp>
+        <p:nvSpPr>
+          <p:cNvPr id="3" name="Объект 2"/>
+          <p:cNvSpPr>
+            <a:spLocks noGrp="1"/>
+          </p:cNvSpPr>
+          <p:nvPr>
+            <p:ph idx="1"/>
+          </p:nvPr>
+        </p:nvSpPr>
+        <p:spPr>
+          <a:xfrm>
+            <a:off x="5183188" y="987425"/>
+            <a:ext cx="6172200" cy="4873625"/>
+          </a:xfrm>
+        </p:spPr>
+        <p:txBody>
+          <a:bodyPr/>
+          <a:lstStyle>
+            <a:lvl1pPr>
+              <a:defRPr sz="3200"/>
+            </a:lvl1pPr>
+            <a:lvl2pPr>
+              <a:defRPr sz="2800"/>
+            </a:lvl2pPr>
+            <a:lvl3pPr>
+              <a:defRPr sz="2400"/>
+            </a:lvl3pPr>
+            <a:lvl4pPr>
+              <a:defRPr sz="2000"/>
+            </a:lvl4pPr>
+            <a:lvl5pPr>
+              <a:defRPr sz="2000"/>
+            </a:lvl5pPr>
+            <a:lvl6pPr>
+              <a:defRPr sz="2000"/>
+            </a:lvl6pPr>
+            <a:lvl7pPr>
+              <a:defRPr sz="2000"/>
+            </a:lvl7pPr>
+            <a:lvl8pPr>
+              <a:defRPr sz="2000"/>
+            </a:lvl8pPr>
+            <a:lvl9pPr>
+              <a:defRPr sz="2000"/>
+            </a:lvl9pPr>
+          </a:lstStyle>
+          <a:p>
+            <a:pPr lvl="0"/>
+            <a:r>
+              <a:rPr lang="ru-RU" smtClean="0"/>
+              <a:t>Образец текста</a:t>
+            </a:r>
+          </a:p>
+          <a:p>
+            <a:pPr lvl="1"/>
+            <a:r>
+              <a:rPr lang="ru-RU" smtClean="0"/>
+              <a:t>Второй уровень</a:t>
+            </a:r>
+          </a:p>
+          <a:p>
+            <a:pPr lvl="2"/>
+            <a:r>
+              <a:rPr lang="ru-RU" smtClean="0"/>
+              <a:t>Третий уровень</a:t>
+            </a:r>
+          </a:p>
+          <a:p>
+            <a:pPr lvl="3"/>
+            <a:r>
+              <a:rPr lang="ru-RU" smtClean="0"/>
+              <a:t>Четвертый уровень</a:t>
+            </a:r>
+          </a:p>
+          <a:p>
+            <a:pPr lvl="4"/>
+            <a:r>
+              <a:rPr lang="ru-RU" smtClean="0"/>
+              <a:t>Пятый уровень</a:t>
+            </a:r>
+            <a:endParaRPr lang="ru-RU"/>
+          </a:p>
+        </p:txBody>
+      </p:sp>
+      <p:sp>
+        <p:nvSpPr>
+          <p:cNvPr id="4" name="Текст 3"/>
+          <p:cNvSpPr>
+            <a:spLocks noGrp="1"/>
+          </p:cNvSpPr>
+          <p:nvPr>
+            <p:ph type="body" sz="half" idx="2"/>
+          </p:nvPr>
+        </p:nvSpPr>
+        <p:spPr>
+          <a:xfrm>
+            <a:off x="839788" y="2057400"/>
+            <a:ext cx="3932237" cy="3811588"/>
+          </a:xfrm>
+        </p:spPr>
+        <p:txBody>
+          <a:bodyPr/>
+          <a:lstStyle>
+            <a:lvl1pPr marL="0" indent="0">
+              <a:buNone/>
+              <a:defRPr sz="1600"/>
+            </a:lvl1pPr>
+            <a:lvl2pPr marL="457200" indent="0">
+              <a:buNone/>
+              <a:defRPr sz="1400"/>
+            </a:lvl2pPr>
+            <a:lvl3pPr marL="914400" indent="0">
+              <a:buNone/>
+              <a:defRPr sz="1200"/>
+            </a:lvl3pPr>
+            <a:lvl4pPr marL="1371600" indent="0">
+              <a:buNone/>
+              <a:defRPr sz="1000"/>
+            </a:lvl4pPr>
+            <a:lvl5pPr marL="1828800" indent="0">
+              <a:buNone/>
+              <a:defRPr sz="1000"/>
+            </a:lvl5pPr>
+            <a:lvl6pPr marL="2286000" indent="0">
+              <a:buNone/>
+              <a:defRPr sz="1000"/>
+            </a:lvl6pPr>
+            <a:lvl7pPr marL="2743200" indent="0">
+              <a:buNone/>
+              <a:defRPr sz="1000"/>
+            </a:lvl7pPr>
+            <a:lvl8pPr marL="3200400" indent="0">
+              <a:buNone/>
+              <a:defRPr sz="1000"/>
+            </a:lvl8pPr>
+            <a:lvl9pPr marL="3657600" indent="0">
+              <a:buNone/>
+              <a:defRPr sz="1000"/>
+            </a:lvl9pPr>
+          </a:lstStyle>
+          <a:p>
+            <a:pPr lvl="0"/>
+            <a:r>
+              <a:rPr lang="ru-RU" smtClean="0"/>
+              <a:t>Образец текста</a:t>
+            </a:r>
+          </a:p>
+        </p:txBody>
+      </p:sp>
+      <p:sp>
+        <p:nvSpPr>
+          <p:cNvPr id="5" name="Дата 4"/>
+          <p:cNvSpPr>
+            <a:spLocks noGrp="1"/>
+          </p:cNvSpPr>
+          <p:nvPr>
+            <p:ph type="dt" sz="half" idx="10"/>
           </p:nvPr>
         </p:nvSpPr>
         <p:spPr/>
-      </p:sp>
-      <p:sp>
-        <p:nvSpPr>
-          <p:cNvPr id="3" name="Notes Placeholder 2"/>
-          <p:cNvSpPr>
-            <a:spLocks noGrp="1"/>
-          </p:cNvSpPr>
-          <p:nvPr>
-            <p:ph type="body" idx="1"/>
+        <p:txBody>
+          <a:bodyPr/>
+          <a:lstStyle/>
+          <a:p>
+            <a:fld id="{0FA2E1C2-6611-4A69-9E2B-D7A7241FA37C}" type="datetimeFigureOut">
+              <a:rPr lang="ru-RU" smtClean="0"/>
+              <a:t>18.02.2024</a:t>
+            </a:fld>
+            <a:endParaRPr lang="ru-RU"/>
+          </a:p>
+        </p:txBody>
+      </p:sp>
+      <p:sp>
+        <p:nvSpPr>
+          <p:cNvPr id="6" name="Нижний колонтитул 5"/>
+          <p:cNvSpPr>
+            <a:spLocks noGrp="1"/>
+          </p:cNvSpPr>
+          <p:nvPr>
+            <p:ph type="ftr" sz="quarter" idx="11"/>
           </p:nvPr>
         </p:nvSpPr>
         <p:spPr/>
@@ -1301,22 +2482,18 @@
           <a:bodyPr/>
           <a:lstStyle/>
           <a:p>
-            <a:r>
-              <a:rPr lang="en-US" dirty="0"/>
-              <a:t/>
-            </a:r>
-            <a:endParaRPr lang="en-US" dirty="0"/>
-          </a:p>
-        </p:txBody>
-      </p:sp>
-      <p:sp>
-        <p:nvSpPr>
-          <p:cNvPr id="4" name="Slide Number Placeholder 3"/>
-          <p:cNvSpPr>
-            <a:spLocks noGrp="1"/>
-          </p:cNvSpPr>
-          <p:nvPr>
-            <p:ph type="sldNum" sz="quarter" idx="10"/>
+            <a:endParaRPr lang="ru-RU"/>
+          </a:p>
+        </p:txBody>
+      </p:sp>
+      <p:sp>
+        <p:nvSpPr>
+          <p:cNvPr id="7" name="Номер слайда 6"/>
+          <p:cNvSpPr>
+            <a:spLocks noGrp="1"/>
+          </p:cNvSpPr>
+          <p:nvPr>
+            <p:ph type="sldNum" sz="quarter" idx="12"/>
           </p:nvPr>
         </p:nvSpPr>
         <p:spPr/>
@@ -1324,34 +2501,308 @@
           <a:bodyPr/>
           <a:lstStyle/>
           <a:p>
-            <a:fld id="{F7021451-1387-4CA6-816F-3879F97B5CBC}" type="slidenum">
-              <a:rPr lang="en-US"/>
-              <a:t>9</a:t>
+            <a:fld id="{A609E921-FB5E-4B20-AF46-BD0602B07DE1}" type="slidenum">
+              <a:rPr lang="ru-RU" smtClean="0"/>
+              <a:t>‹#›</a:t>
             </a:fld>
-            <a:endParaRPr lang="en-US"/>
+            <a:endParaRPr lang="ru-RU"/>
           </a:p>
         </p:txBody>
       </p:sp>
     </p:spTree>
     <p:extLst>
       <p:ext uri="{BB962C8B-B14F-4D97-AF65-F5344CB8AC3E}">
-        <p14:creationId xmlns:p14="http://schemas.microsoft.com/office/powerpoint/2010/main" val="1024086991"/>
+        <p14:creationId xmlns:p14="http://schemas.microsoft.com/office/powerpoint/2010/main" val="385801802"/>
       </p:ext>
     </p:extLst>
   </p:cSld>
   <p:clrMapOvr>
     <a:masterClrMapping/>
   </p:clrMapOvr>
-</p:notes>
+</p:sldLayout>
 </file>
 
-<file path=ppt/slideLayouts/slideLayout1.xml><?xml version="1.0" encoding="utf-8"?>
-<p:sldLayout xmlns:a="http://schemas.openxmlformats.org/drawingml/2006/main" xmlns:r="http://schemas.openxmlformats.org/officeDocument/2006/relationships" xmlns:p="http://schemas.openxmlformats.org/presentationml/2006/main" preserve="1">
-  <p:cSld name="DEFAULT">
+<file path=ppt/slideLayouts/slideLayout9.xml><?xml version="1.0" encoding="utf-8"?>
+<p:sldLayout xmlns:a="http://schemas.openxmlformats.org/drawingml/2006/main" xmlns:r="http://schemas.openxmlformats.org/officeDocument/2006/relationships" xmlns:p="http://schemas.openxmlformats.org/presentationml/2006/main" type="picTx" preserve="1">
+  <p:cSld name="Рисунок с подписью">
+    <p:spTree>
+      <p:nvGrpSpPr>
+        <p:cNvPr id="1" name=""/>
+        <p:cNvGrpSpPr/>
+        <p:nvPr/>
+      </p:nvGrpSpPr>
+      <p:grpSpPr>
+        <a:xfrm>
+          <a:off x="0" y="0"/>
+          <a:ext cx="0" cy="0"/>
+          <a:chOff x="0" y="0"/>
+          <a:chExt cx="0" cy="0"/>
+        </a:xfrm>
+      </p:grpSpPr>
+      <p:sp>
+        <p:nvSpPr>
+          <p:cNvPr id="2" name="Заголовок 1"/>
+          <p:cNvSpPr>
+            <a:spLocks noGrp="1"/>
+          </p:cNvSpPr>
+          <p:nvPr>
+            <p:ph type="title"/>
+          </p:nvPr>
+        </p:nvSpPr>
+        <p:spPr>
+          <a:xfrm>
+            <a:off x="839788" y="457200"/>
+            <a:ext cx="3932237" cy="1600200"/>
+          </a:xfrm>
+        </p:spPr>
+        <p:txBody>
+          <a:bodyPr anchor="b"/>
+          <a:lstStyle>
+            <a:lvl1pPr>
+              <a:defRPr sz="3200"/>
+            </a:lvl1pPr>
+          </a:lstStyle>
+          <a:p>
+            <a:r>
+              <a:rPr lang="ru-RU" smtClean="0"/>
+              <a:t>Образец заголовка</a:t>
+            </a:r>
+            <a:endParaRPr lang="ru-RU"/>
+          </a:p>
+        </p:txBody>
+      </p:sp>
+      <p:sp>
+        <p:nvSpPr>
+          <p:cNvPr id="3" name="Рисунок 2"/>
+          <p:cNvSpPr>
+            <a:spLocks noGrp="1"/>
+          </p:cNvSpPr>
+          <p:nvPr>
+            <p:ph type="pic" idx="1"/>
+          </p:nvPr>
+        </p:nvSpPr>
+        <p:spPr>
+          <a:xfrm>
+            <a:off x="5183188" y="987425"/>
+            <a:ext cx="6172200" cy="4873625"/>
+          </a:xfrm>
+        </p:spPr>
+        <p:txBody>
+          <a:bodyPr/>
+          <a:lstStyle>
+            <a:lvl1pPr marL="0" indent="0">
+              <a:buNone/>
+              <a:defRPr sz="3200"/>
+            </a:lvl1pPr>
+            <a:lvl2pPr marL="457200" indent="0">
+              <a:buNone/>
+              <a:defRPr sz="2800"/>
+            </a:lvl2pPr>
+            <a:lvl3pPr marL="914400" indent="0">
+              <a:buNone/>
+              <a:defRPr sz="2400"/>
+            </a:lvl3pPr>
+            <a:lvl4pPr marL="1371600" indent="0">
+              <a:buNone/>
+              <a:defRPr sz="2000"/>
+            </a:lvl4pPr>
+            <a:lvl5pPr marL="1828800" indent="0">
+              <a:buNone/>
+              <a:defRPr sz="2000"/>
+            </a:lvl5pPr>
+            <a:lvl6pPr marL="2286000" indent="0">
+              <a:buNone/>
+              <a:defRPr sz="2000"/>
+            </a:lvl6pPr>
+            <a:lvl7pPr marL="2743200" indent="0">
+              <a:buNone/>
+              <a:defRPr sz="2000"/>
+            </a:lvl7pPr>
+            <a:lvl8pPr marL="3200400" indent="0">
+              <a:buNone/>
+              <a:defRPr sz="2000"/>
+            </a:lvl8pPr>
+            <a:lvl9pPr marL="3657600" indent="0">
+              <a:buNone/>
+              <a:defRPr sz="2000"/>
+            </a:lvl9pPr>
+          </a:lstStyle>
+          <a:p>
+            <a:endParaRPr lang="ru-RU"/>
+          </a:p>
+        </p:txBody>
+      </p:sp>
+      <p:sp>
+        <p:nvSpPr>
+          <p:cNvPr id="4" name="Текст 3"/>
+          <p:cNvSpPr>
+            <a:spLocks noGrp="1"/>
+          </p:cNvSpPr>
+          <p:nvPr>
+            <p:ph type="body" sz="half" idx="2"/>
+          </p:nvPr>
+        </p:nvSpPr>
+        <p:spPr>
+          <a:xfrm>
+            <a:off x="839788" y="2057400"/>
+            <a:ext cx="3932237" cy="3811588"/>
+          </a:xfrm>
+        </p:spPr>
+        <p:txBody>
+          <a:bodyPr/>
+          <a:lstStyle>
+            <a:lvl1pPr marL="0" indent="0">
+              <a:buNone/>
+              <a:defRPr sz="1600"/>
+            </a:lvl1pPr>
+            <a:lvl2pPr marL="457200" indent="0">
+              <a:buNone/>
+              <a:defRPr sz="1400"/>
+            </a:lvl2pPr>
+            <a:lvl3pPr marL="914400" indent="0">
+              <a:buNone/>
+              <a:defRPr sz="1200"/>
+            </a:lvl3pPr>
+            <a:lvl4pPr marL="1371600" indent="0">
+              <a:buNone/>
+              <a:defRPr sz="1000"/>
+            </a:lvl4pPr>
+            <a:lvl5pPr marL="1828800" indent="0">
+              <a:buNone/>
+              <a:defRPr sz="1000"/>
+            </a:lvl5pPr>
+            <a:lvl6pPr marL="2286000" indent="0">
+              <a:buNone/>
+              <a:defRPr sz="1000"/>
+            </a:lvl6pPr>
+            <a:lvl7pPr marL="2743200" indent="0">
+              <a:buNone/>
+              <a:defRPr sz="1000"/>
+            </a:lvl7pPr>
+            <a:lvl8pPr marL="3200400" indent="0">
+              <a:buNone/>
+              <a:defRPr sz="1000"/>
+            </a:lvl8pPr>
+            <a:lvl9pPr marL="3657600" indent="0">
+              <a:buNone/>
+              <a:defRPr sz="1000"/>
+            </a:lvl9pPr>
+          </a:lstStyle>
+          <a:p>
+            <a:pPr lvl="0"/>
+            <a:r>
+              <a:rPr lang="ru-RU" smtClean="0"/>
+              <a:t>Образец текста</a:t>
+            </a:r>
+          </a:p>
+        </p:txBody>
+      </p:sp>
+      <p:sp>
+        <p:nvSpPr>
+          <p:cNvPr id="5" name="Дата 4"/>
+          <p:cNvSpPr>
+            <a:spLocks noGrp="1"/>
+          </p:cNvSpPr>
+          <p:nvPr>
+            <p:ph type="dt" sz="half" idx="10"/>
+          </p:nvPr>
+        </p:nvSpPr>
+        <p:spPr/>
+        <p:txBody>
+          <a:bodyPr/>
+          <a:lstStyle/>
+          <a:p>
+            <a:fld id="{0FA2E1C2-6611-4A69-9E2B-D7A7241FA37C}" type="datetimeFigureOut">
+              <a:rPr lang="ru-RU" smtClean="0"/>
+              <a:t>18.02.2024</a:t>
+            </a:fld>
+            <a:endParaRPr lang="ru-RU"/>
+          </a:p>
+        </p:txBody>
+      </p:sp>
+      <p:sp>
+        <p:nvSpPr>
+          <p:cNvPr id="6" name="Нижний колонтитул 5"/>
+          <p:cNvSpPr>
+            <a:spLocks noGrp="1"/>
+          </p:cNvSpPr>
+          <p:nvPr>
+            <p:ph type="ftr" sz="quarter" idx="11"/>
+          </p:nvPr>
+        </p:nvSpPr>
+        <p:spPr/>
+        <p:txBody>
+          <a:bodyPr/>
+          <a:lstStyle/>
+          <a:p>
+            <a:endParaRPr lang="ru-RU"/>
+          </a:p>
+        </p:txBody>
+      </p:sp>
+      <p:sp>
+        <p:nvSpPr>
+          <p:cNvPr id="7" name="Номер слайда 6"/>
+          <p:cNvSpPr>
+            <a:spLocks noGrp="1"/>
+          </p:cNvSpPr>
+          <p:nvPr>
+            <p:ph type="sldNum" sz="quarter" idx="12"/>
+          </p:nvPr>
+        </p:nvSpPr>
+        <p:spPr/>
+        <p:txBody>
+          <a:bodyPr/>
+          <a:lstStyle/>
+          <a:p>
+            <a:fld id="{A609E921-FB5E-4B20-AF46-BD0602B07DE1}" type="slidenum">
+              <a:rPr lang="ru-RU" smtClean="0"/>
+              <a:t>‹#›</a:t>
+            </a:fld>
+            <a:endParaRPr lang="ru-RU"/>
+          </a:p>
+        </p:txBody>
+      </p:sp>
+    </p:spTree>
+    <p:extLst>
+      <p:ext uri="{BB962C8B-B14F-4D97-AF65-F5344CB8AC3E}">
+        <p14:creationId xmlns:p14="http://schemas.microsoft.com/office/powerpoint/2010/main" val="2505340207"/>
+      </p:ext>
+    </p:extLst>
+  </p:cSld>
+  <p:clrMapOvr>
+    <a:masterClrMapping/>
+  </p:clrMapOvr>
+</p:sldLayout>
+</file>
+
+<file path=ppt/slideMasters/slideMaster1.xml><?xml version="1.0" encoding="utf-8"?>
+<p:sldMaster xmlns:a="http://schemas.openxmlformats.org/drawingml/2006/main" xmlns:r="http://schemas.openxmlformats.org/officeDocument/2006/relationships" xmlns:p="http://schemas.openxmlformats.org/presentationml/2006/main">
+  <p:cSld>
     <p:bg>
-      <p:bgRef idx="1001">
-        <a:schemeClr val="bg1"/>
-      </p:bgRef>
+      <p:bgPr>
+        <a:gradFill flip="none" rotWithShape="1">
+          <a:gsLst>
+            <a:gs pos="0">
+              <a:srgbClr val="99FFCC"/>
+            </a:gs>
+            <a:gs pos="67000">
+              <a:schemeClr val="accent1">
+                <a:lumMod val="97000"/>
+                <a:lumOff val="3000"/>
+              </a:schemeClr>
+            </a:gs>
+            <a:gs pos="100000">
+              <a:schemeClr val="accent1">
+                <a:lumMod val="60000"/>
+                <a:lumOff val="40000"/>
+              </a:schemeClr>
+            </a:gs>
+          </a:gsLst>
+          <a:lin ang="16200000" scaled="1"/>
+          <a:tileRect/>
+        </a:gradFill>
+        <a:effectLst/>
+      </p:bgPr>
     </p:bg>
     <p:spTree>
       <p:nvGrpSpPr>
@@ -1367,41 +2818,247 @@
           <a:chExt cx="0" cy="0"/>
         </a:xfrm>
       </p:grpSpPr>
+      <p:sp>
+        <p:nvSpPr>
+          <p:cNvPr id="2" name="Заголовок 1"/>
+          <p:cNvSpPr>
+            <a:spLocks noGrp="1"/>
+          </p:cNvSpPr>
+          <p:nvPr>
+            <p:ph type="title"/>
+          </p:nvPr>
+        </p:nvSpPr>
+        <p:spPr>
+          <a:xfrm>
+            <a:off x="838200" y="365125"/>
+            <a:ext cx="10515600" cy="1325563"/>
+          </a:xfrm>
+          <a:prstGeom prst="rect">
+            <a:avLst/>
+          </a:prstGeom>
+        </p:spPr>
+        <p:txBody>
+          <a:bodyPr vert="horz" lIns="91440" tIns="45720" rIns="91440" bIns="45720" rtlCol="0" anchor="ctr">
+            <a:normAutofit/>
+          </a:bodyPr>
+          <a:lstStyle/>
+          <a:p>
+            <a:r>
+              <a:rPr lang="ru-RU" smtClean="0"/>
+              <a:t>Образец заголовка</a:t>
+            </a:r>
+            <a:endParaRPr lang="ru-RU"/>
+          </a:p>
+        </p:txBody>
+      </p:sp>
+      <p:sp>
+        <p:nvSpPr>
+          <p:cNvPr id="3" name="Текст 2"/>
+          <p:cNvSpPr>
+            <a:spLocks noGrp="1"/>
+          </p:cNvSpPr>
+          <p:nvPr>
+            <p:ph type="body" idx="1"/>
+          </p:nvPr>
+        </p:nvSpPr>
+        <p:spPr>
+          <a:xfrm>
+            <a:off x="838200" y="1825625"/>
+            <a:ext cx="10515600" cy="4351338"/>
+          </a:xfrm>
+          <a:prstGeom prst="rect">
+            <a:avLst/>
+          </a:prstGeom>
+        </p:spPr>
+        <p:txBody>
+          <a:bodyPr vert="horz" lIns="91440" tIns="45720" rIns="91440" bIns="45720" rtlCol="0">
+            <a:normAutofit/>
+          </a:bodyPr>
+          <a:lstStyle/>
+          <a:p>
+            <a:pPr lvl="0"/>
+            <a:r>
+              <a:rPr lang="ru-RU" smtClean="0"/>
+              <a:t>Образец текста</a:t>
+            </a:r>
+          </a:p>
+          <a:p>
+            <a:pPr lvl="1"/>
+            <a:r>
+              <a:rPr lang="ru-RU" smtClean="0"/>
+              <a:t>Второй уровень</a:t>
+            </a:r>
+          </a:p>
+          <a:p>
+            <a:pPr lvl="2"/>
+            <a:r>
+              <a:rPr lang="ru-RU" smtClean="0"/>
+              <a:t>Третий уровень</a:t>
+            </a:r>
+          </a:p>
+          <a:p>
+            <a:pPr lvl="3"/>
+            <a:r>
+              <a:rPr lang="ru-RU" smtClean="0"/>
+              <a:t>Четвертый уровень</a:t>
+            </a:r>
+          </a:p>
+          <a:p>
+            <a:pPr lvl="4"/>
+            <a:r>
+              <a:rPr lang="ru-RU" smtClean="0"/>
+              <a:t>Пятый уровень</a:t>
+            </a:r>
+            <a:endParaRPr lang="ru-RU"/>
+          </a:p>
+        </p:txBody>
+      </p:sp>
+      <p:sp>
+        <p:nvSpPr>
+          <p:cNvPr id="4" name="Дата 3"/>
+          <p:cNvSpPr>
+            <a:spLocks noGrp="1"/>
+          </p:cNvSpPr>
+          <p:nvPr>
+            <p:ph type="dt" sz="half" idx="2"/>
+          </p:nvPr>
+        </p:nvSpPr>
+        <p:spPr>
+          <a:xfrm>
+            <a:off x="838200" y="6356350"/>
+            <a:ext cx="2743200" cy="365125"/>
+          </a:xfrm>
+          <a:prstGeom prst="rect">
+            <a:avLst/>
+          </a:prstGeom>
+        </p:spPr>
+        <p:txBody>
+          <a:bodyPr vert="horz" lIns="91440" tIns="45720" rIns="91440" bIns="45720" rtlCol="0" anchor="ctr"/>
+          <a:lstStyle>
+            <a:lvl1pPr algn="l">
+              <a:defRPr sz="1200">
+                <a:solidFill>
+                  <a:schemeClr val="tx1">
+                    <a:tint val="75000"/>
+                  </a:schemeClr>
+                </a:solidFill>
+              </a:defRPr>
+            </a:lvl1pPr>
+          </a:lstStyle>
+          <a:p>
+            <a:fld id="{0FA2E1C2-6611-4A69-9E2B-D7A7241FA37C}" type="datetimeFigureOut">
+              <a:rPr lang="ru-RU" smtClean="0"/>
+              <a:t>18.02.2024</a:t>
+            </a:fld>
+            <a:endParaRPr lang="ru-RU"/>
+          </a:p>
+        </p:txBody>
+      </p:sp>
+      <p:sp>
+        <p:nvSpPr>
+          <p:cNvPr id="5" name="Нижний колонтитул 4"/>
+          <p:cNvSpPr>
+            <a:spLocks noGrp="1"/>
+          </p:cNvSpPr>
+          <p:nvPr>
+            <p:ph type="ftr" sz="quarter" idx="3"/>
+          </p:nvPr>
+        </p:nvSpPr>
+        <p:spPr>
+          <a:xfrm>
+            <a:off x="4038600" y="6356350"/>
+            <a:ext cx="4114800" cy="365125"/>
+          </a:xfrm>
+          <a:prstGeom prst="rect">
+            <a:avLst/>
+          </a:prstGeom>
+        </p:spPr>
+        <p:txBody>
+          <a:bodyPr vert="horz" lIns="91440" tIns="45720" rIns="91440" bIns="45720" rtlCol="0" anchor="ctr"/>
+          <a:lstStyle>
+            <a:lvl1pPr algn="ctr">
+              <a:defRPr sz="1200">
+                <a:solidFill>
+                  <a:schemeClr val="tx1">
+                    <a:tint val="75000"/>
+                  </a:schemeClr>
+                </a:solidFill>
+              </a:defRPr>
+            </a:lvl1pPr>
+          </a:lstStyle>
+          <a:p>
+            <a:endParaRPr lang="ru-RU"/>
+          </a:p>
+        </p:txBody>
+      </p:sp>
+      <p:sp>
+        <p:nvSpPr>
+          <p:cNvPr id="6" name="Номер слайда 5"/>
+          <p:cNvSpPr>
+            <a:spLocks noGrp="1"/>
+          </p:cNvSpPr>
+          <p:nvPr>
+            <p:ph type="sldNum" sz="quarter" idx="4"/>
+          </p:nvPr>
+        </p:nvSpPr>
+        <p:spPr>
+          <a:xfrm>
+            <a:off x="8610600" y="6356350"/>
+            <a:ext cx="2743200" cy="365125"/>
+          </a:xfrm>
+          <a:prstGeom prst="rect">
+            <a:avLst/>
+          </a:prstGeom>
+        </p:spPr>
+        <p:txBody>
+          <a:bodyPr vert="horz" lIns="91440" tIns="45720" rIns="91440" bIns="45720" rtlCol="0" anchor="ctr"/>
+          <a:lstStyle>
+            <a:lvl1pPr algn="r">
+              <a:defRPr sz="1200">
+                <a:solidFill>
+                  <a:schemeClr val="tx1">
+                    <a:tint val="75000"/>
+                  </a:schemeClr>
+                </a:solidFill>
+              </a:defRPr>
+            </a:lvl1pPr>
+          </a:lstStyle>
+          <a:p>
+            <a:fld id="{A609E921-FB5E-4B20-AF46-BD0602B07DE1}" type="slidenum">
+              <a:rPr lang="ru-RU" smtClean="0"/>
+              <a:t>‹#›</a:t>
+            </a:fld>
+            <a:endParaRPr lang="ru-RU"/>
+          </a:p>
+        </p:txBody>
+      </p:sp>
     </p:spTree>
-  </p:cSld>
-  <p:clrMapOvr>
-    <a:masterClrMapping/>
-  </p:clrMapOvr>
-</p:sldLayout>
-</file>
-
-<file path=ppt/slideMasters/slideMaster1.xml><?xml version="1.0" encoding="utf-8"?>
-<p:sldMaster xmlns:a="http://schemas.openxmlformats.org/drawingml/2006/main" xmlns:r="http://schemas.openxmlformats.org/officeDocument/2006/relationships" xmlns:p="http://schemas.openxmlformats.org/presentationml/2006/main">
-  <p:cSld>
-    <p:spTree>
-      <p:nvGrpSpPr>
-        <p:cNvPr id="1" name=""/>
-        <p:cNvGrpSpPr/>
-        <p:nvPr/>
-      </p:nvGrpSpPr>
-      <p:grpSpPr>
-        <a:xfrm>
-          <a:off x="0" y="0"/>
-          <a:ext cx="0" cy="0"/>
-          <a:chOff x="0" y="0"/>
-          <a:chExt cx="0" cy="0"/>
-        </a:xfrm>
-      </p:grpSpPr>
-    </p:spTree>
+    <p:extLst>
+      <p:ext uri="{BB962C8B-B14F-4D97-AF65-F5344CB8AC3E}">
+        <p14:creationId xmlns:p14="http://schemas.microsoft.com/office/powerpoint/2010/main" val="2054936555"/>
+      </p:ext>
+    </p:extLst>
   </p:cSld>
   <p:clrMap bg1="lt1" tx1="dk1" bg2="lt2" tx2="dk2" accent1="accent1" accent2="accent2" accent3="accent3" accent4="accent4" accent5="accent5" accent6="accent6" hlink="hlink" folHlink="folHlink"/>
   <p:sldLayoutIdLst>
-    <p:sldLayoutId id="2147483649" r:id="rId1"/>
+    <p:sldLayoutId id="2147483999" r:id="rId1"/>
+    <p:sldLayoutId id="2147484000" r:id="rId2"/>
+    <p:sldLayoutId id="2147484001" r:id="rId3"/>
+    <p:sldLayoutId id="2147484002" r:id="rId4"/>
+    <p:sldLayoutId id="2147484003" r:id="rId5"/>
+    <p:sldLayoutId id="2147484004" r:id="rId6"/>
+    <p:sldLayoutId id="2147484005" r:id="rId7"/>
+    <p:sldLayoutId id="2147484006" r:id="rId8"/>
+    <p:sldLayoutId id="2147484007" r:id="rId9"/>
+    <p:sldLayoutId id="2147484008" r:id="rId10"/>
+    <p:sldLayoutId id="2147484009" r:id="rId11"/>
   </p:sldLayoutIdLst>
-  <p:hf sldNum="0" hdr="0" ftr="0" dt="0"/>
   <p:txStyles>
     <p:titleStyle>
-      <a:lvl1pPr algn="ctr" defTabSz="914400" rtl="0" eaLnBrk="1" latinLnBrk="0" hangingPunct="1">
+      <a:lvl1pPr algn="l" defTabSz="914400" rtl="0" eaLnBrk="1" latinLnBrk="0" hangingPunct="1">
+        <a:lnSpc>
+          <a:spcPct val="90000"/>
+        </a:lnSpc>
         <a:spcBef>
           <a:spcPct val="0"/>
         </a:spcBef>
@@ -1417,13 +3074,16 @@
       </a:lvl1pPr>
     </p:titleStyle>
     <p:bodyStyle>
-      <a:lvl1pPr marL="342900" indent="-342900" algn="l" defTabSz="914400" rtl="0" eaLnBrk="1" latinLnBrk="0" hangingPunct="1">
+      <a:lvl1pPr marL="228600" indent="-228600" algn="l" defTabSz="914400" rtl="0" eaLnBrk="1" latinLnBrk="0" hangingPunct="1">
+        <a:lnSpc>
+          <a:spcPct val="90000"/>
+        </a:lnSpc>
         <a:spcBef>
-          <a:spcPct val="20000"/>
+          <a:spcPts val="1000"/>
         </a:spcBef>
-        <a:buFont typeface="Arial" pitchFamily="34" charset="0"/>
+        <a:buFont typeface="Arial" panose="020B0604020202020204" pitchFamily="34" charset="0"/>
         <a:buChar char="•"/>
-        <a:defRPr sz="3200" kern="1200">
+        <a:defRPr sz="2800" kern="1200">
           <a:solidFill>
             <a:schemeClr val="tx1"/>
           </a:solidFill>
@@ -1432,13 +3092,16 @@
           <a:cs typeface="+mn-cs"/>
         </a:defRPr>
       </a:lvl1pPr>
-      <a:lvl2pPr marL="742950" indent="-285750" algn="l" defTabSz="914400" rtl="0" eaLnBrk="1" latinLnBrk="0" hangingPunct="1">
+      <a:lvl2pPr marL="685800" indent="-228600" algn="l" defTabSz="914400" rtl="0" eaLnBrk="1" latinLnBrk="0" hangingPunct="1">
+        <a:lnSpc>
+          <a:spcPct val="90000"/>
+        </a:lnSpc>
         <a:spcBef>
-          <a:spcPct val="20000"/>
+          <a:spcPts val="500"/>
         </a:spcBef>
-        <a:buFont typeface="Arial" pitchFamily="34" charset="0"/>
-        <a:buChar char="–"/>
-        <a:defRPr sz="2800" kern="1200">
+        <a:buFont typeface="Arial" panose="020B0604020202020204" pitchFamily="34" charset="0"/>
+        <a:buChar char="•"/>
+        <a:defRPr sz="2400" kern="1200">
           <a:solidFill>
             <a:schemeClr val="tx1"/>
           </a:solidFill>
@@ -1448,12 +3111,15 @@
         </a:defRPr>
       </a:lvl2pPr>
       <a:lvl3pPr marL="1143000" indent="-228600" algn="l" defTabSz="914400" rtl="0" eaLnBrk="1" latinLnBrk="0" hangingPunct="1">
+        <a:lnSpc>
+          <a:spcPct val="90000"/>
+        </a:lnSpc>
         <a:spcBef>
-          <a:spcPct val="20000"/>
+          <a:spcPts val="500"/>
         </a:spcBef>
-        <a:buFont typeface="Arial" pitchFamily="34" charset="0"/>
+        <a:buFont typeface="Arial" panose="020B0604020202020204" pitchFamily="34" charset="0"/>
         <a:buChar char="•"/>
-        <a:defRPr sz="2400" kern="1200">
+        <a:defRPr sz="2000" kern="1200">
           <a:solidFill>
             <a:schemeClr val="tx1"/>
           </a:solidFill>
@@ -1463,12 +3129,15 @@
         </a:defRPr>
       </a:lvl3pPr>
       <a:lvl4pPr marL="1600200" indent="-228600" algn="l" defTabSz="914400" rtl="0" eaLnBrk="1" latinLnBrk="0" hangingPunct="1">
+        <a:lnSpc>
+          <a:spcPct val="90000"/>
+        </a:lnSpc>
         <a:spcBef>
-          <a:spcPct val="20000"/>
+          <a:spcPts val="500"/>
         </a:spcBef>
-        <a:buFont typeface="Arial" pitchFamily="34" charset="0"/>
-        <a:buChar char="–"/>
-        <a:defRPr sz="2000" kern="1200">
+        <a:buFont typeface="Arial" panose="020B0604020202020204" pitchFamily="34" charset="0"/>
+        <a:buChar char="•"/>
+        <a:defRPr sz="1800" kern="1200">
           <a:solidFill>
             <a:schemeClr val="tx1"/>
           </a:solidFill>
@@ -1478,12 +3147,15 @@
         </a:defRPr>
       </a:lvl4pPr>
       <a:lvl5pPr marL="2057400" indent="-228600" algn="l" defTabSz="914400" rtl="0" eaLnBrk="1" latinLnBrk="0" hangingPunct="1">
+        <a:lnSpc>
+          <a:spcPct val="90000"/>
+        </a:lnSpc>
         <a:spcBef>
-          <a:spcPct val="20000"/>
+          <a:spcPts val="500"/>
         </a:spcBef>
-        <a:buFont typeface="Arial" pitchFamily="34" charset="0"/>
-        <a:buChar char="»"/>
-        <a:defRPr sz="2000" kern="1200">
+        <a:buFont typeface="Arial" panose="020B0604020202020204" pitchFamily="34" charset="0"/>
+        <a:buChar char="•"/>
+        <a:defRPr sz="1800" kern="1200">
           <a:solidFill>
             <a:schemeClr val="tx1"/>
           </a:solidFill>
@@ -1493,12 +3165,15 @@
         </a:defRPr>
       </a:lvl5pPr>
       <a:lvl6pPr marL="2514600" indent="-228600" algn="l" defTabSz="914400" rtl="0" eaLnBrk="1" latinLnBrk="0" hangingPunct="1">
+        <a:lnSpc>
+          <a:spcPct val="90000"/>
+        </a:lnSpc>
         <a:spcBef>
-          <a:spcPct val="20000"/>
+          <a:spcPts val="500"/>
         </a:spcBef>
-        <a:buFont typeface="Arial" pitchFamily="34" charset="0"/>
+        <a:buFont typeface="Arial" panose="020B0604020202020204" pitchFamily="34" charset="0"/>
         <a:buChar char="•"/>
-        <a:defRPr sz="2000" kern="1200">
+        <a:defRPr sz="1800" kern="1200">
           <a:solidFill>
             <a:schemeClr val="tx1"/>
           </a:solidFill>
@@ -1508,12 +3183,15 @@
         </a:defRPr>
       </a:lvl6pPr>
       <a:lvl7pPr marL="2971800" indent="-228600" algn="l" defTabSz="914400" rtl="0" eaLnBrk="1" latinLnBrk="0" hangingPunct="1">
+        <a:lnSpc>
+          <a:spcPct val="90000"/>
+        </a:lnSpc>
         <a:spcBef>
-          <a:spcPct val="20000"/>
+          <a:spcPts val="500"/>
         </a:spcBef>
-        <a:buFont typeface="Arial" pitchFamily="34" charset="0"/>
+        <a:buFont typeface="Arial" panose="020B0604020202020204" pitchFamily="34" charset="0"/>
         <a:buChar char="•"/>
-        <a:defRPr sz="2000" kern="1200">
+        <a:defRPr sz="1800" kern="1200">
           <a:solidFill>
             <a:schemeClr val="tx1"/>
           </a:solidFill>
@@ -1523,12 +3201,15 @@
         </a:defRPr>
       </a:lvl7pPr>
       <a:lvl8pPr marL="3429000" indent="-228600" algn="l" defTabSz="914400" rtl="0" eaLnBrk="1" latinLnBrk="0" hangingPunct="1">
+        <a:lnSpc>
+          <a:spcPct val="90000"/>
+        </a:lnSpc>
         <a:spcBef>
-          <a:spcPct val="20000"/>
+          <a:spcPts val="500"/>
         </a:spcBef>
-        <a:buFont typeface="Arial" pitchFamily="34" charset="0"/>
+        <a:buFont typeface="Arial" panose="020B0604020202020204" pitchFamily="34" charset="0"/>
         <a:buChar char="•"/>
-        <a:defRPr sz="2000" kern="1200">
+        <a:defRPr sz="1800" kern="1200">
           <a:solidFill>
             <a:schemeClr val="tx1"/>
           </a:solidFill>
@@ -1538,12 +3219,15 @@
         </a:defRPr>
       </a:lvl8pPr>
       <a:lvl9pPr marL="3886200" indent="-228600" algn="l" defTabSz="914400" rtl="0" eaLnBrk="1" latinLnBrk="0" hangingPunct="1">
+        <a:lnSpc>
+          <a:spcPct val="90000"/>
+        </a:lnSpc>
         <a:spcBef>
-          <a:spcPct val="20000"/>
+          <a:spcPts val="500"/>
         </a:spcBef>
-        <a:buFont typeface="Arial" pitchFamily="34" charset="0"/>
+        <a:buFont typeface="Arial" panose="020B0604020202020204" pitchFamily="34" charset="0"/>
         <a:buChar char="•"/>
-        <a:defRPr sz="2000" kern="1200">
+        <a:defRPr sz="1800" kern="1200">
           <a:solidFill>
             <a:schemeClr val="tx1"/>
           </a:solidFill>
@@ -1555,7 +3239,7 @@
     </p:bodyStyle>
     <p:otherStyle>
       <a:defPPr>
-        <a:defRPr lang="en-US"/>
+        <a:defRPr lang="ru-RU"/>
       </a:defPPr>
       <a:lvl1pPr marL="0" algn="l" defTabSz="914400" rtl="0" eaLnBrk="1" latinLnBrk="0" hangingPunct="1">
         <a:defRPr sz="1800" kern="1200">
@@ -1654,21 +3338,7 @@
 
 <file path=ppt/slides/slide1.xml><?xml version="1.0" encoding="utf-8"?>
 <p:sld xmlns:a="http://schemas.openxmlformats.org/drawingml/2006/main" xmlns:r="http://schemas.openxmlformats.org/officeDocument/2006/relationships" xmlns:p="http://schemas.openxmlformats.org/presentationml/2006/main">
-  <p:cSld name="Slide 1">
-    <p:bg>
-      <p:bgPr>
-        <a:blipFill dpi="0" rotWithShape="1">
-          <a:blip r:embed="rId1">
-            <a:lum/>
-          </a:blip>
-          <a:srcRect/>
-          <a:stretch>
-            <a:fillRect/>
-          </a:stretch>
-        </a:blipFill>
-        <a:effectLst/>
-      </p:bgPr>
-    </p:bg>
+  <p:cSld>
     <p:spTree>
       <p:nvGrpSpPr>
         <p:cNvPr id="1" name=""/>
@@ -1683,31 +3353,151 @@
           <a:chExt cx="0" cy="0"/>
         </a:xfrm>
       </p:grpSpPr>
+      <p:sp>
+        <p:nvSpPr>
+          <p:cNvPr id="2" name="Заголовок 1"/>
+          <p:cNvSpPr>
+            <a:spLocks noGrp="1"/>
+          </p:cNvSpPr>
+          <p:nvPr>
+            <p:ph type="ctrTitle"/>
+          </p:nvPr>
+        </p:nvSpPr>
+        <p:spPr>
+          <a:xfrm>
+            <a:off x="1524000" y="875518"/>
+            <a:ext cx="9144000" cy="2387600"/>
+          </a:xfrm>
+        </p:spPr>
+        <p:txBody>
+          <a:bodyPr>
+            <a:normAutofit/>
+          </a:bodyPr>
+          <a:lstStyle/>
+          <a:p>
+            <a:r>
+              <a:rPr lang="en-GB" sz="8000" b="1" dirty="0" smtClean="0">
+                <a:effectLst>
+                  <a:outerShdw blurRad="38100" dist="38100" dir="2700000" algn="tl">
+                    <a:srgbClr val="000000">
+                      <a:alpha val="43137"/>
+                    </a:srgbClr>
+                  </a:outerShdw>
+                </a:effectLst>
+              </a:rPr>
+              <a:t>Danmaku</a:t>
+            </a:r>
+            <a:endParaRPr lang="ru-RU" sz="8000" b="1" dirty="0">
+              <a:effectLst>
+                <a:outerShdw blurRad="38100" dist="38100" dir="2700000" algn="tl">
+                  <a:srgbClr val="000000">
+                    <a:alpha val="43137"/>
+                  </a:srgbClr>
+                </a:outerShdw>
+              </a:effectLst>
+            </a:endParaRPr>
+          </a:p>
+        </p:txBody>
+      </p:sp>
+      <p:sp>
+        <p:nvSpPr>
+          <p:cNvPr id="3" name="Подзаголовок 2"/>
+          <p:cNvSpPr>
+            <a:spLocks noGrp="1"/>
+          </p:cNvSpPr>
+          <p:nvPr>
+            <p:ph type="subTitle" idx="1"/>
+          </p:nvPr>
+        </p:nvSpPr>
+        <p:spPr>
+          <a:xfrm>
+            <a:off x="1524000" y="3459352"/>
+            <a:ext cx="9144000" cy="1655762"/>
+          </a:xfrm>
+        </p:spPr>
+        <p:txBody>
+          <a:bodyPr/>
+          <a:lstStyle/>
+          <a:p>
+            <a:r>
+              <a:rPr lang="ru-RU" b="1" dirty="0" smtClean="0"/>
+              <a:t>Проект на </a:t>
+            </a:r>
+            <a:r>
+              <a:rPr lang="en-GB" b="1" dirty="0" smtClean="0"/>
+              <a:t>Python </a:t>
+            </a:r>
+            <a:r>
+              <a:rPr lang="ru-RU" b="1" dirty="0" smtClean="0"/>
+              <a:t>с использованием </a:t>
+            </a:r>
+            <a:r>
+              <a:rPr lang="en-GB" b="1" dirty="0" smtClean="0"/>
+              <a:t>Pygame</a:t>
+            </a:r>
+            <a:endParaRPr lang="ru-RU" b="1" dirty="0"/>
+          </a:p>
+        </p:txBody>
+      </p:sp>
+      <p:sp>
+        <p:nvSpPr>
+          <p:cNvPr id="5" name="Нижний колонтитул 4"/>
+          <p:cNvSpPr>
+            <a:spLocks noGrp="1"/>
+          </p:cNvSpPr>
+          <p:nvPr>
+            <p:ph type="ftr" sz="quarter" idx="11"/>
+          </p:nvPr>
+        </p:nvSpPr>
+        <p:spPr>
+          <a:xfrm>
+            <a:off x="7954819" y="5738049"/>
+            <a:ext cx="4114800" cy="365125"/>
+          </a:xfrm>
+        </p:spPr>
+        <p:txBody>
+          <a:bodyPr/>
+          <a:lstStyle/>
+          <a:p>
+            <a:r>
+              <a:rPr lang="ru-RU" sz="2000" dirty="0" smtClean="0">
+                <a:solidFill>
+                  <a:schemeClr val="tx1"/>
+                </a:solidFill>
+              </a:rPr>
+              <a:t>Сёмин В., Шелковкина М. 2024 </a:t>
+            </a:r>
+            <a:endParaRPr lang="ru-RU" sz="2000" dirty="0">
+              <a:solidFill>
+                <a:schemeClr val="tx1"/>
+              </a:solidFill>
+            </a:endParaRPr>
+          </a:p>
+        </p:txBody>
+      </p:sp>
     </p:spTree>
+    <p:extLst>
+      <p:ext uri="{BB962C8B-B14F-4D97-AF65-F5344CB8AC3E}">
+        <p14:creationId xmlns:p14="http://schemas.microsoft.com/office/powerpoint/2010/main" val="3252406554"/>
+      </p:ext>
+    </p:extLst>
   </p:cSld>
   <p:clrMapOvr>
     <a:masterClrMapping/>
   </p:clrMapOvr>
+  <p:timing>
+    <p:tnLst>
+      <p:par>
+        <p:cTn id="1" dur="indefinite" restart="never" nodeType="tmRoot"/>
+      </p:par>
+    </p:tnLst>
+  </p:timing>
 </p:sld>
 </file>
 
 <file path=ppt/slides/slide10.xml><?xml version="1.0" encoding="utf-8"?>
 <p:sld xmlns:a="http://schemas.openxmlformats.org/drawingml/2006/main" xmlns:r="http://schemas.openxmlformats.org/officeDocument/2006/relationships" xmlns:p="http://schemas.openxmlformats.org/presentationml/2006/main">
-  <p:cSld name="Slide 10">
-    <p:bg>
-      <p:bgPr>
-        <a:blipFill dpi="0" rotWithShape="1">
-          <a:blip r:embed="rId1">
-            <a:lum/>
-          </a:blip>
-          <a:srcRect/>
-          <a:stretch>
-            <a:fillRect/>
-          </a:stretch>
-        </a:blipFill>
-        <a:effectLst/>
-      </p:bgPr>
-    </p:bg>
+  <p:cSld>
     <p:spTree>
       <p:nvGrpSpPr>
         <p:cNvPr id="1" name=""/>
@@ -1722,31 +3512,59 @@
           <a:chExt cx="0" cy="0"/>
         </a:xfrm>
       </p:grpSpPr>
+      <p:sp>
+        <p:nvSpPr>
+          <p:cNvPr id="4" name="TextBox 3"/>
+          <p:cNvSpPr txBox="1"/>
+          <p:nvPr/>
+        </p:nvSpPr>
+        <p:spPr>
+          <a:xfrm>
+            <a:off x="3289738" y="2953406"/>
+            <a:ext cx="7094482" cy="523220"/>
+          </a:xfrm>
+          <a:prstGeom prst="rect">
+            <a:avLst/>
+          </a:prstGeom>
+          <a:noFill/>
+        </p:spPr>
+        <p:txBody>
+          <a:bodyPr wrap="square" rtlCol="0">
+            <a:spAutoFit/>
+          </a:bodyPr>
+          <a:lstStyle/>
+          <a:p>
+            <a:r>
+              <a:rPr lang="ru-RU" sz="2800" dirty="0" smtClean="0"/>
+              <a:t>*тут можно вставить видео игры*</a:t>
+            </a:r>
+            <a:endParaRPr lang="ru-RU" sz="2800" dirty="0"/>
+          </a:p>
+        </p:txBody>
+      </p:sp>
     </p:spTree>
+    <p:extLst>
+      <p:ext uri="{BB962C8B-B14F-4D97-AF65-F5344CB8AC3E}">
+        <p14:creationId xmlns:p14="http://schemas.microsoft.com/office/powerpoint/2010/main" val="3092105942"/>
+      </p:ext>
+    </p:extLst>
   </p:cSld>
   <p:clrMapOvr>
     <a:masterClrMapping/>
   </p:clrMapOvr>
+  <p:timing>
+    <p:tnLst>
+      <p:par>
+        <p:cTn id="1" dur="indefinite" restart="never" nodeType="tmRoot"/>
+      </p:par>
+    </p:tnLst>
+  </p:timing>
 </p:sld>
 </file>
 
-<file path=ppt/slides/slide2.xml><?xml version="1.0" encoding="utf-8"?>
+<file path=ppt/slides/slide11.xml><?xml version="1.0" encoding="utf-8"?>
 <p:sld xmlns:a="http://schemas.openxmlformats.org/drawingml/2006/main" xmlns:r="http://schemas.openxmlformats.org/officeDocument/2006/relationships" xmlns:p="http://schemas.openxmlformats.org/presentationml/2006/main">
-  <p:cSld name="Slide 2">
-    <p:bg>
-      <p:bgPr>
-        <a:blipFill dpi="0" rotWithShape="1">
-          <a:blip r:embed="rId1">
-            <a:lum/>
-          </a:blip>
-          <a:srcRect/>
-          <a:stretch>
-            <a:fillRect/>
-          </a:stretch>
-        </a:blipFill>
-        <a:effectLst/>
-      </p:bgPr>
-    </p:bg>
+  <p:cSld>
     <p:spTree>
       <p:nvGrpSpPr>
         <p:cNvPr id="1" name=""/>
@@ -1761,31 +3579,175 @@
           <a:chExt cx="0" cy="0"/>
         </a:xfrm>
       </p:grpSpPr>
+      <p:sp>
+        <p:nvSpPr>
+          <p:cNvPr id="6" name="TextBox 5"/>
+          <p:cNvSpPr txBox="1"/>
+          <p:nvPr/>
+        </p:nvSpPr>
+        <p:spPr>
+          <a:xfrm>
+            <a:off x="2932386" y="4466896"/>
+            <a:ext cx="7094482" cy="523220"/>
+          </a:xfrm>
+          <a:prstGeom prst="rect">
+            <a:avLst/>
+          </a:prstGeom>
+          <a:noFill/>
+        </p:spPr>
+        <p:txBody>
+          <a:bodyPr wrap="square" rtlCol="0">
+            <a:spAutoFit/>
+          </a:bodyPr>
+          <a:lstStyle/>
+          <a:p>
+            <a:r>
+              <a:rPr lang="ru-RU" sz="2800" dirty="0" smtClean="0"/>
+              <a:t>*тут можно вставить ссылку на гит*</a:t>
+            </a:r>
+            <a:endParaRPr lang="ru-RU" sz="2800" dirty="0"/>
+          </a:p>
+        </p:txBody>
+      </p:sp>
+      <p:sp>
+        <p:nvSpPr>
+          <p:cNvPr id="7" name="Прямоугольник 6"/>
+          <p:cNvSpPr/>
+          <p:nvPr/>
+        </p:nvSpPr>
+        <p:spPr>
+          <a:xfrm>
+            <a:off x="630621" y="1644479"/>
+            <a:ext cx="10930758" cy="1475404"/>
+          </a:xfrm>
+          <a:prstGeom prst="rect">
+            <a:avLst/>
+          </a:prstGeom>
+        </p:spPr>
+        <p:txBody>
+          <a:bodyPr wrap="square">
+            <a:spAutoFit/>
+          </a:bodyPr>
+          <a:lstStyle/>
+          <a:p>
+            <a:pPr algn="just">
+              <a:lnSpc>
+                <a:spcPct val="107000"/>
+              </a:lnSpc>
+              <a:spcAft>
+                <a:spcPts val="800"/>
+              </a:spcAft>
+            </a:pPr>
+            <a:r>
+              <a:rPr lang="ru-RU" dirty="0" smtClean="0">
+                <a:latin typeface="Calibri" panose="020F0502020204030204" pitchFamily="34" charset="0"/>
+                <a:ea typeface="Calibri" panose="020F0502020204030204" pitchFamily="34" charset="0"/>
+                <a:cs typeface="Times New Roman" panose="02020603050405020304" pitchFamily="18" charset="0"/>
+              </a:rPr>
+              <a:t>	</a:t>
+            </a:r>
+            <a:r>
+              <a:rPr lang="ru-RU" sz="2800" dirty="0" smtClean="0">
+                <a:latin typeface="Calibri" panose="020F0502020204030204" pitchFamily="34" charset="0"/>
+                <a:ea typeface="Calibri" panose="020F0502020204030204" pitchFamily="34" charset="0"/>
+                <a:cs typeface="Times New Roman" panose="02020603050405020304" pitchFamily="18" charset="0"/>
+              </a:rPr>
+              <a:t>В </a:t>
+            </a:r>
+            <a:r>
+              <a:rPr lang="ru-RU" sz="2800" dirty="0">
+                <a:latin typeface="Calibri" panose="020F0502020204030204" pitchFamily="34" charset="0"/>
+                <a:ea typeface="Calibri" panose="020F0502020204030204" pitchFamily="34" charset="0"/>
+                <a:cs typeface="Times New Roman" panose="02020603050405020304" pitchFamily="18" charset="0"/>
+              </a:rPr>
+              <a:t>качестве дальнейших доработок можно рассмотреть возможность выбора типа игрока, </a:t>
+            </a:r>
+            <a:r>
+              <a:rPr lang="ru-RU" sz="2800" dirty="0" smtClean="0">
+                <a:latin typeface="Calibri" panose="020F0502020204030204" pitchFamily="34" charset="0"/>
+                <a:ea typeface="Calibri" panose="020F0502020204030204" pitchFamily="34" charset="0"/>
+                <a:cs typeface="Times New Roman" panose="02020603050405020304" pitchFamily="18" charset="0"/>
+              </a:rPr>
+              <a:t>а также добавление новых типов врагов, пуль и усилений.</a:t>
+            </a:r>
+            <a:endParaRPr lang="ru-RU" sz="2800" dirty="0">
+              <a:latin typeface="Calibri" panose="020F0502020204030204" pitchFamily="34" charset="0"/>
+              <a:ea typeface="Calibri" panose="020F0502020204030204" pitchFamily="34" charset="0"/>
+              <a:cs typeface="Times New Roman" panose="02020603050405020304" pitchFamily="18" charset="0"/>
+            </a:endParaRPr>
+          </a:p>
+        </p:txBody>
+      </p:sp>
+      <p:sp>
+        <p:nvSpPr>
+          <p:cNvPr id="8" name="TextBox 7"/>
+          <p:cNvSpPr txBox="1"/>
+          <p:nvPr/>
+        </p:nvSpPr>
+        <p:spPr>
+          <a:xfrm>
+            <a:off x="1" y="94592"/>
+            <a:ext cx="12191999" cy="1323439"/>
+          </a:xfrm>
+          <a:prstGeom prst="rect">
+            <a:avLst/>
+          </a:prstGeom>
+          <a:noFill/>
+        </p:spPr>
+        <p:txBody>
+          <a:bodyPr wrap="square" rtlCol="0">
+            <a:spAutoFit/>
+          </a:bodyPr>
+          <a:lstStyle/>
+          <a:p>
+            <a:pPr algn="ctr"/>
+            <a:r>
+              <a:rPr lang="ru-RU" sz="8000" b="1" dirty="0" smtClean="0">
+                <a:effectLst>
+                  <a:outerShdw blurRad="38100" dist="38100" dir="2700000" algn="tl">
+                    <a:srgbClr val="000000">
+                      <a:alpha val="43137"/>
+                    </a:srgbClr>
+                  </a:outerShdw>
+                </a:effectLst>
+              </a:rPr>
+              <a:t>Дальнейшее развитие</a:t>
+            </a:r>
+            <a:endParaRPr lang="ru-RU" sz="8000" b="1" dirty="0">
+              <a:effectLst>
+                <a:outerShdw blurRad="38100" dist="38100" dir="2700000" algn="tl">
+                  <a:srgbClr val="000000">
+                    <a:alpha val="43137"/>
+                  </a:srgbClr>
+                </a:outerShdw>
+              </a:effectLst>
+            </a:endParaRPr>
+          </a:p>
+        </p:txBody>
+      </p:sp>
     </p:spTree>
+    <p:extLst>
+      <p:ext uri="{BB962C8B-B14F-4D97-AF65-F5344CB8AC3E}">
+        <p14:creationId xmlns:p14="http://schemas.microsoft.com/office/powerpoint/2010/main" val="1772446538"/>
+      </p:ext>
+    </p:extLst>
   </p:cSld>
   <p:clrMapOvr>
     <a:masterClrMapping/>
   </p:clrMapOvr>
+  <p:timing>
+    <p:tnLst>
+      <p:par>
+        <p:cTn id="1" dur="indefinite" restart="never" nodeType="tmRoot"/>
+      </p:par>
+    </p:tnLst>
+  </p:timing>
 </p:sld>
 </file>
 
-<file path=ppt/slides/slide3.xml><?xml version="1.0" encoding="utf-8"?>
+<file path=ppt/slides/slide2.xml><?xml version="1.0" encoding="utf-8"?>
 <p:sld xmlns:a="http://schemas.openxmlformats.org/drawingml/2006/main" xmlns:r="http://schemas.openxmlformats.org/officeDocument/2006/relationships" xmlns:p="http://schemas.openxmlformats.org/presentationml/2006/main">
-  <p:cSld name="Slide 3">
-    <p:bg>
-      <p:bgPr>
-        <a:blipFill dpi="0" rotWithShape="1">
-          <a:blip r:embed="rId1">
-            <a:lum/>
-          </a:blip>
-          <a:srcRect/>
-          <a:stretch>
-            <a:fillRect/>
-          </a:stretch>
-        </a:blipFill>
-        <a:effectLst/>
-      </p:bgPr>
-    </p:bg>
+  <p:cSld>
     <p:spTree>
       <p:nvGrpSpPr>
         <p:cNvPr id="1" name=""/>
@@ -1800,31 +3762,319 @@
           <a:chExt cx="0" cy="0"/>
         </a:xfrm>
       </p:grpSpPr>
-    </p:spTree>
-  </p:cSld>
-  <p:clrMapOvr>
-    <a:masterClrMapping/>
-  </p:clrMapOvr>
-</p:sld>
-</file>
-
-<file path=ppt/slides/slide4.xml><?xml version="1.0" encoding="utf-8"?>
-<p:sld xmlns:a="http://schemas.openxmlformats.org/drawingml/2006/main" xmlns:r="http://schemas.openxmlformats.org/officeDocument/2006/relationships" xmlns:p="http://schemas.openxmlformats.org/presentationml/2006/main">
-  <p:cSld name="Slide 4">
-    <p:bg>
-      <p:bgPr>
-        <a:blipFill dpi="0" rotWithShape="1">
-          <a:blip r:embed="rId1">
-            <a:lum/>
+      <p:sp>
+        <p:nvSpPr>
+          <p:cNvPr id="3" name="Подзаголовок 2"/>
+          <p:cNvSpPr>
+            <a:spLocks noGrp="1"/>
+          </p:cNvSpPr>
+          <p:nvPr>
+            <p:ph type="subTitle" idx="4294967295"/>
+          </p:nvPr>
+        </p:nvSpPr>
+        <p:spPr>
+          <a:xfrm>
+            <a:off x="0" y="1398588"/>
+            <a:ext cx="11185525" cy="2332037"/>
+          </a:xfrm>
+        </p:spPr>
+        <p:txBody>
+          <a:bodyPr>
+            <a:noAutofit/>
+          </a:bodyPr>
+          <a:lstStyle/>
+          <a:p>
+            <a:pPr marL="0" indent="0" algn="just">
+              <a:buNone/>
+            </a:pPr>
+            <a:r>
+              <a:rPr lang="ru-RU" dirty="0" smtClean="0"/>
+              <a:t>	Цель </a:t>
+            </a:r>
+            <a:r>
+              <a:rPr lang="ru-RU" dirty="0" smtClean="0"/>
+              <a:t>проекта: создать игру в жанре аркадных игр, «классический вертикальный Данмаку-шутер», также известный как </a:t>
+            </a:r>
+            <a:r>
+              <a:rPr lang="en-GB" dirty="0" smtClean="0"/>
+              <a:t>Bullet hell.</a:t>
+            </a:r>
+            <a:r>
+              <a:rPr lang="ru-RU" dirty="0" smtClean="0"/>
+              <a:t> В качестве примера похожих игр можно  привести серию игр «</a:t>
+            </a:r>
+            <a:r>
+              <a:rPr lang="en-GB" dirty="0" smtClean="0"/>
+              <a:t>Touhou Project</a:t>
+            </a:r>
+            <a:r>
+              <a:rPr lang="ru-RU" dirty="0" smtClean="0"/>
+              <a:t>»</a:t>
+            </a:r>
+            <a:r>
+              <a:rPr lang="en-GB" dirty="0" smtClean="0"/>
+              <a:t>, </a:t>
+            </a:r>
+            <a:r>
+              <a:rPr lang="ru-RU" dirty="0" smtClean="0"/>
+              <a:t>«</a:t>
+            </a:r>
+            <a:r>
+              <a:rPr lang="en-GB" dirty="0" smtClean="0"/>
+              <a:t>Batsugun</a:t>
+            </a:r>
+            <a:r>
+              <a:rPr lang="ru-RU" dirty="0" smtClean="0"/>
+              <a:t>»</a:t>
+            </a:r>
+            <a:r>
+              <a:rPr lang="en-GB" dirty="0" smtClean="0"/>
+              <a:t>.</a:t>
+            </a:r>
+            <a:r>
+              <a:rPr lang="ru-RU" dirty="0" smtClean="0"/>
+              <a:t> Также среди игр с похожими механиками можно назвать «</a:t>
+            </a:r>
+            <a:r>
+              <a:rPr lang="en-GB" dirty="0" smtClean="0"/>
+              <a:t>Undertale</a:t>
+            </a:r>
+            <a:r>
+              <a:rPr lang="ru-RU" dirty="0" smtClean="0"/>
+              <a:t>», «</a:t>
+            </a:r>
+            <a:r>
+              <a:rPr lang="en-GB" dirty="0" smtClean="0"/>
+              <a:t>Enter the Gungeon</a:t>
+            </a:r>
+            <a:r>
+              <a:rPr lang="ru-RU" dirty="0" smtClean="0"/>
+              <a:t>».</a:t>
+            </a:r>
+            <a:endParaRPr lang="en-GB" dirty="0" smtClean="0"/>
+          </a:p>
+        </p:txBody>
+      </p:sp>
+      <p:sp>
+        <p:nvSpPr>
+          <p:cNvPr id="2" name="Заголовок 1"/>
+          <p:cNvSpPr>
+            <a:spLocks noGrp="1"/>
+          </p:cNvSpPr>
+          <p:nvPr>
+            <p:ph type="ctrTitle" idx="4294967295"/>
+          </p:nvPr>
+        </p:nvSpPr>
+        <p:spPr>
+          <a:xfrm>
+            <a:off x="0" y="0"/>
+            <a:ext cx="12192000" cy="1306513"/>
+          </a:xfrm>
+        </p:spPr>
+        <p:txBody>
+          <a:bodyPr>
+            <a:normAutofit/>
+          </a:bodyPr>
+          <a:lstStyle/>
+          <a:p>
+            <a:pPr algn="ctr"/>
+            <a:r>
+              <a:rPr lang="ru-RU" sz="8000" b="1" dirty="0" smtClean="0">
+                <a:effectLst>
+                  <a:outerShdw blurRad="38100" dist="38100" dir="2700000" algn="tl">
+                    <a:srgbClr val="000000">
+                      <a:alpha val="43137"/>
+                    </a:srgbClr>
+                  </a:outerShdw>
+                </a:effectLst>
+              </a:rPr>
+              <a:t>Введение</a:t>
+            </a:r>
+            <a:endParaRPr lang="ru-RU" sz="8000" b="1" dirty="0">
+              <a:effectLst>
+                <a:outerShdw blurRad="38100" dist="38100" dir="2700000" algn="tl">
+                  <a:srgbClr val="000000">
+                    <a:alpha val="43137"/>
+                  </a:srgbClr>
+                </a:outerShdw>
+              </a:effectLst>
+            </a:endParaRPr>
+          </a:p>
+        </p:txBody>
+      </p:sp>
+      <p:pic>
+        <p:nvPicPr>
+          <p:cNvPr id="1026" name="Picture 2" descr="Batsugun"/>
+          <p:cNvPicPr>
+            <a:picLocks noChangeAspect="1" noChangeArrowheads="1"/>
+          </p:cNvPicPr>
+          <p:nvPr/>
+        </p:nvPicPr>
+        <p:blipFill>
+          <a:blip r:embed="rId2" cstate="print">
+            <a:extLst>
+              <a:ext uri="{28A0092B-C50C-407E-A947-70E740481C1C}">
+                <a14:useLocalDpi xmlns:a14="http://schemas.microsoft.com/office/drawing/2010/main" val="0"/>
+              </a:ext>
+            </a:extLst>
           </a:blip>
           <a:srcRect/>
           <a:stretch>
             <a:fillRect/>
           </a:stretch>
-        </a:blipFill>
-        <a:effectLst/>
-      </p:bgPr>
-    </p:bg>
+        </p:blipFill>
+        <p:spPr bwMode="auto">
+          <a:xfrm>
+            <a:off x="4446871" y="3728091"/>
+            <a:ext cx="2097438" cy="2796584"/>
+          </a:xfrm>
+          <a:prstGeom prst="rect">
+            <a:avLst/>
+          </a:prstGeom>
+          <a:ln>
+            <a:noFill/>
+          </a:ln>
+          <a:effectLst>
+            <a:outerShdw blurRad="292100" dist="139700" dir="2700000" algn="tl" rotWithShape="0">
+              <a:srgbClr val="333333">
+                <a:alpha val="65000"/>
+              </a:srgbClr>
+            </a:outerShdw>
+          </a:effectLst>
+          <a:extLst>
+            <a:ext uri="{909E8E84-426E-40DD-AFC4-6F175D3DCCD1}">
+              <a14:hiddenFill xmlns:a14="http://schemas.microsoft.com/office/drawing/2010/main">
+                <a:solidFill>
+                  <a:srgbClr val="FFFFFF"/>
+                </a:solidFill>
+              </a14:hiddenFill>
+            </a:ext>
+          </a:extLst>
+        </p:spPr>
+      </p:pic>
+      <p:pic>
+        <p:nvPicPr>
+          <p:cNvPr id="1028" name="Picture 4" descr="The Touhou Project (AKA Bullet Hell)"/>
+          <p:cNvPicPr>
+            <a:picLocks noChangeAspect="1" noChangeArrowheads="1"/>
+          </p:cNvPicPr>
+          <p:nvPr/>
+        </p:nvPicPr>
+        <p:blipFill>
+          <a:blip r:embed="rId3">
+            <a:extLst>
+              <a:ext uri="{28A0092B-C50C-407E-A947-70E740481C1C}">
+                <a14:useLocalDpi xmlns:a14="http://schemas.microsoft.com/office/drawing/2010/main" val="0"/>
+              </a:ext>
+            </a:extLst>
+          </a:blip>
+          <a:srcRect/>
+          <a:stretch>
+            <a:fillRect/>
+          </a:stretch>
+        </p:blipFill>
+        <p:spPr bwMode="auto">
+          <a:xfrm>
+            <a:off x="438915" y="3728091"/>
+            <a:ext cx="3733032" cy="2799775"/>
+          </a:xfrm>
+          <a:prstGeom prst="rect">
+            <a:avLst/>
+          </a:prstGeom>
+          <a:ln>
+            <a:noFill/>
+          </a:ln>
+          <a:effectLst>
+            <a:outerShdw blurRad="292100" dist="139700" dir="2700000" algn="tl" rotWithShape="0">
+              <a:srgbClr val="333333">
+                <a:alpha val="65000"/>
+              </a:srgbClr>
+            </a:outerShdw>
+          </a:effectLst>
+          <a:extLst>
+            <a:ext uri="{909E8E84-426E-40DD-AFC4-6F175D3DCCD1}">
+              <a14:hiddenFill xmlns:a14="http://schemas.microsoft.com/office/drawing/2010/main">
+                <a:solidFill>
+                  <a:srgbClr val="FFFFFF"/>
+                </a:solidFill>
+              </a14:hiddenFill>
+            </a:ext>
+          </a:extLst>
+        </p:spPr>
+      </p:pic>
+      <p:pic>
+        <p:nvPicPr>
+          <p:cNvPr id="1030" name="Picture 6" descr="Как генерируются подземелья в Enter The Gungeon / Хабр"/>
+          <p:cNvPicPr>
+            <a:picLocks noChangeAspect="1" noChangeArrowheads="1"/>
+          </p:cNvPicPr>
+          <p:nvPr/>
+        </p:nvPicPr>
+        <p:blipFill>
+          <a:blip r:embed="rId4">
+            <a:extLst>
+              <a:ext uri="{28A0092B-C50C-407E-A947-70E740481C1C}">
+                <a14:useLocalDpi xmlns:a14="http://schemas.microsoft.com/office/drawing/2010/main" val="0"/>
+              </a:ext>
+            </a:extLst>
+          </a:blip>
+          <a:srcRect/>
+          <a:stretch>
+            <a:fillRect/>
+          </a:stretch>
+        </p:blipFill>
+        <p:spPr bwMode="auto">
+          <a:xfrm>
+            <a:off x="6813080" y="3728091"/>
+            <a:ext cx="4948822" cy="2782773"/>
+          </a:xfrm>
+          <a:prstGeom prst="rect">
+            <a:avLst/>
+          </a:prstGeom>
+          <a:ln>
+            <a:noFill/>
+          </a:ln>
+          <a:effectLst>
+            <a:outerShdw blurRad="292100" dist="139700" dir="2700000" algn="tl" rotWithShape="0">
+              <a:srgbClr val="333333">
+                <a:alpha val="65000"/>
+              </a:srgbClr>
+            </a:outerShdw>
+          </a:effectLst>
+          <a:extLst>
+            <a:ext uri="{909E8E84-426E-40DD-AFC4-6F175D3DCCD1}">
+              <a14:hiddenFill xmlns:a14="http://schemas.microsoft.com/office/drawing/2010/main">
+                <a:solidFill>
+                  <a:srgbClr val="FFFFFF"/>
+                </a:solidFill>
+              </a14:hiddenFill>
+            </a:ext>
+          </a:extLst>
+        </p:spPr>
+      </p:pic>
+    </p:spTree>
+    <p:extLst>
+      <p:ext uri="{BB962C8B-B14F-4D97-AF65-F5344CB8AC3E}">
+        <p14:creationId xmlns:p14="http://schemas.microsoft.com/office/powerpoint/2010/main" val="3439908168"/>
+      </p:ext>
+    </p:extLst>
+  </p:cSld>
+  <p:clrMapOvr>
+    <a:masterClrMapping/>
+  </p:clrMapOvr>
+  <p:timing>
+    <p:tnLst>
+      <p:par>
+        <p:cTn id="1" dur="indefinite" restart="never" nodeType="tmRoot"/>
+      </p:par>
+    </p:tnLst>
+  </p:timing>
+</p:sld>
+</file>
+
+<file path=ppt/slides/slide3.xml><?xml version="1.0" encoding="utf-8"?>
+<p:sld xmlns:a="http://schemas.openxmlformats.org/drawingml/2006/main" xmlns:r="http://schemas.openxmlformats.org/officeDocument/2006/relationships" xmlns:p="http://schemas.openxmlformats.org/presentationml/2006/main">
+  <p:cSld>
     <p:spTree>
       <p:nvGrpSpPr>
         <p:cNvPr id="1" name=""/>
@@ -1839,31 +4089,170 @@
           <a:chExt cx="0" cy="0"/>
         </a:xfrm>
       </p:grpSpPr>
+      <p:sp>
+        <p:nvSpPr>
+          <p:cNvPr id="2" name="Заголовок 1"/>
+          <p:cNvSpPr>
+            <a:spLocks noGrp="1"/>
+          </p:cNvSpPr>
+          <p:nvPr>
+            <p:ph type="title"/>
+          </p:nvPr>
+        </p:nvSpPr>
+        <p:spPr>
+          <a:xfrm>
+            <a:off x="0" y="0"/>
+            <a:ext cx="12192000" cy="1325563"/>
+          </a:xfrm>
+        </p:spPr>
+        <p:txBody>
+          <a:bodyPr>
+            <a:normAutofit/>
+          </a:bodyPr>
+          <a:lstStyle/>
+          <a:p>
+            <a:pPr algn="ctr"/>
+            <a:r>
+              <a:rPr lang="ru-RU" sz="8000" b="1" dirty="0" smtClean="0">
+                <a:effectLst>
+                  <a:outerShdw blurRad="38100" dist="38100" dir="2700000" algn="tl">
+                    <a:srgbClr val="000000">
+                      <a:alpha val="43137"/>
+                    </a:srgbClr>
+                  </a:outerShdw>
+                </a:effectLst>
+              </a:rPr>
+              <a:t>Архитектура</a:t>
+            </a:r>
+            <a:endParaRPr lang="ru-RU" sz="8000" b="1" dirty="0">
+              <a:effectLst>
+                <a:outerShdw blurRad="38100" dist="38100" dir="2700000" algn="tl">
+                  <a:srgbClr val="000000">
+                    <a:alpha val="43137"/>
+                  </a:srgbClr>
+                </a:outerShdw>
+              </a:effectLst>
+            </a:endParaRPr>
+          </a:p>
+        </p:txBody>
+      </p:sp>
+      <p:sp>
+        <p:nvSpPr>
+          <p:cNvPr id="3" name="Подзаголовок 2"/>
+          <p:cNvSpPr>
+            <a:spLocks noGrp="1"/>
+          </p:cNvSpPr>
+          <p:nvPr>
+            <p:ph idx="1"/>
+          </p:nvPr>
+        </p:nvSpPr>
+        <p:spPr/>
+        <p:txBody>
+          <a:bodyPr>
+            <a:noAutofit/>
+          </a:bodyPr>
+          <a:lstStyle/>
+          <a:p>
+            <a:pPr marL="0" indent="0" algn="just">
+              <a:buNone/>
+            </a:pPr>
+            <a:r>
+              <a:rPr lang="ru-RU" dirty="0" smtClean="0"/>
+              <a:t>Разработка велась в </a:t>
+            </a:r>
+            <a:r>
+              <a:rPr lang="ru-RU" dirty="0" smtClean="0"/>
+              <a:t>двух </a:t>
+            </a:r>
+            <a:r>
+              <a:rPr lang="ru-RU" dirty="0" smtClean="0"/>
+              <a:t>направлениях:</a:t>
+            </a:r>
+          </a:p>
+          <a:p>
+            <a:pPr marL="342900" indent="-342900" algn="just">
+              <a:buFont typeface="Arial" panose="020B0604020202020204" pitchFamily="34" charset="0"/>
+              <a:buChar char="•"/>
+            </a:pPr>
+            <a:r>
+              <a:rPr lang="ru-RU" dirty="0" smtClean="0"/>
+              <a:t>Создание движка для удобной работы</a:t>
+            </a:r>
+          </a:p>
+          <a:p>
+            <a:pPr marL="342900" indent="-342900" algn="just">
+              <a:buFont typeface="Arial" panose="020B0604020202020204" pitchFamily="34" charset="0"/>
+              <a:buChar char="•"/>
+            </a:pPr>
+            <a:r>
+              <a:rPr lang="ru-RU" dirty="0" smtClean="0"/>
+              <a:t>Создание игровых </a:t>
+            </a:r>
+            <a:r>
+              <a:rPr lang="ru-RU" dirty="0" smtClean="0"/>
+              <a:t>механик и р</a:t>
+            </a:r>
+            <a:r>
+              <a:rPr lang="ru-RU" dirty="0" smtClean="0"/>
+              <a:t>азработка базы данных</a:t>
+            </a:r>
+            <a:endParaRPr lang="ru-RU" dirty="0"/>
+          </a:p>
+        </p:txBody>
+      </p:sp>
+      <p:sp>
+        <p:nvSpPr>
+          <p:cNvPr id="5" name="TextBox 4"/>
+          <p:cNvSpPr txBox="1"/>
+          <p:nvPr/>
+        </p:nvSpPr>
+        <p:spPr>
+          <a:xfrm>
+            <a:off x="3979106" y="4169951"/>
+            <a:ext cx="4615944" cy="523220"/>
+          </a:xfrm>
+          <a:prstGeom prst="rect">
+            <a:avLst/>
+          </a:prstGeom>
+          <a:noFill/>
+        </p:spPr>
+        <p:txBody>
+          <a:bodyPr wrap="none" rtlCol="0">
+            <a:spAutoFit/>
+          </a:bodyPr>
+          <a:lstStyle/>
+          <a:p>
+            <a:r>
+              <a:rPr lang="ru-RU" sz="2800" dirty="0" smtClean="0"/>
+              <a:t>*тут должны быть картинки*</a:t>
+            </a:r>
+            <a:endParaRPr lang="ru-RU" sz="2800" dirty="0"/>
+          </a:p>
+        </p:txBody>
+      </p:sp>
     </p:spTree>
+    <p:extLst>
+      <p:ext uri="{BB962C8B-B14F-4D97-AF65-F5344CB8AC3E}">
+        <p14:creationId xmlns:p14="http://schemas.microsoft.com/office/powerpoint/2010/main" val="1780194910"/>
+      </p:ext>
+    </p:extLst>
   </p:cSld>
   <p:clrMapOvr>
     <a:masterClrMapping/>
   </p:clrMapOvr>
+  <p:timing>
+    <p:tnLst>
+      <p:par>
+        <p:cTn id="1" dur="indefinite" restart="never" nodeType="tmRoot"/>
+      </p:par>
+    </p:tnLst>
+  </p:timing>
 </p:sld>
 </file>
 
-<file path=ppt/slides/slide5.xml><?xml version="1.0" encoding="utf-8"?>
+<file path=ppt/slides/slide4.xml><?xml version="1.0" encoding="utf-8"?>
 <p:sld xmlns:a="http://schemas.openxmlformats.org/drawingml/2006/main" xmlns:r="http://schemas.openxmlformats.org/officeDocument/2006/relationships" xmlns:p="http://schemas.openxmlformats.org/presentationml/2006/main">
-  <p:cSld name="Slide 5">
-    <p:bg>
-      <p:bgPr>
-        <a:blipFill dpi="0" rotWithShape="1">
-          <a:blip r:embed="rId1">
-            <a:lum/>
-          </a:blip>
-          <a:srcRect/>
-          <a:stretch>
-            <a:fillRect/>
-          </a:stretch>
-        </a:blipFill>
-        <a:effectLst/>
-      </p:bgPr>
-    </p:bg>
+  <p:cSld>
     <p:spTree>
       <p:nvGrpSpPr>
         <p:cNvPr id="1" name=""/>
@@ -1878,31 +4267,187 @@
           <a:chExt cx="0" cy="0"/>
         </a:xfrm>
       </p:grpSpPr>
+      <p:sp>
+        <p:nvSpPr>
+          <p:cNvPr id="2" name="Заголовок 1"/>
+          <p:cNvSpPr>
+            <a:spLocks noGrp="1"/>
+          </p:cNvSpPr>
+          <p:nvPr>
+            <p:ph type="title"/>
+          </p:nvPr>
+        </p:nvSpPr>
+        <p:spPr>
+          <a:xfrm>
+            <a:off x="0" y="0"/>
+            <a:ext cx="12192000" cy="1325563"/>
+          </a:xfrm>
+        </p:spPr>
+        <p:txBody>
+          <a:bodyPr>
+            <a:normAutofit/>
+          </a:bodyPr>
+          <a:lstStyle/>
+          <a:p>
+            <a:pPr algn="ctr"/>
+            <a:r>
+              <a:rPr lang="ru-RU" sz="8000" b="1" dirty="0" smtClean="0">
+                <a:effectLst>
+                  <a:outerShdw blurRad="38100" dist="38100" dir="2700000" algn="tl">
+                    <a:srgbClr val="000000">
+                      <a:alpha val="43137"/>
+                    </a:srgbClr>
+                  </a:outerShdw>
+                </a:effectLst>
+              </a:rPr>
+              <a:t>Движок</a:t>
+            </a:r>
+            <a:endParaRPr lang="ru-RU" sz="8000" b="1" dirty="0">
+              <a:effectLst>
+                <a:outerShdw blurRad="38100" dist="38100" dir="2700000" algn="tl">
+                  <a:srgbClr val="000000">
+                    <a:alpha val="43137"/>
+                  </a:srgbClr>
+                </a:outerShdw>
+              </a:effectLst>
+            </a:endParaRPr>
+          </a:p>
+        </p:txBody>
+      </p:sp>
+      <p:sp>
+        <p:nvSpPr>
+          <p:cNvPr id="3" name="Подзаголовок 2"/>
+          <p:cNvSpPr>
+            <a:spLocks noGrp="1"/>
+          </p:cNvSpPr>
+          <p:nvPr>
+            <p:ph idx="1"/>
+          </p:nvPr>
+        </p:nvSpPr>
+        <p:spPr/>
+        <p:txBody>
+          <a:bodyPr>
+            <a:noAutofit/>
+          </a:bodyPr>
+          <a:lstStyle/>
+          <a:p>
+            <a:pPr marL="0" indent="0" algn="just">
+              <a:buNone/>
+            </a:pPr>
+            <a:r>
+              <a:rPr lang="ru-RU" dirty="0" smtClean="0"/>
+              <a:t>	Получил </a:t>
+            </a:r>
+            <a:r>
+              <a:rPr lang="ru-RU" dirty="0" smtClean="0"/>
+              <a:t>название </a:t>
+            </a:r>
+            <a:r>
+              <a:rPr lang="en-GB" dirty="0" smtClean="0"/>
+              <a:t>Vgame</a:t>
+            </a:r>
+            <a:r>
+              <a:rPr lang="ru-RU" dirty="0" smtClean="0"/>
+              <a:t>, написан поверх </a:t>
+            </a:r>
+            <a:r>
+              <a:rPr lang="en-GB" dirty="0" smtClean="0"/>
+              <a:t>PyGame</a:t>
+            </a:r>
+            <a:r>
+              <a:rPr lang="ru-RU" dirty="0" smtClean="0"/>
+              <a:t>. </a:t>
+            </a:r>
+            <a:r>
+              <a:rPr lang="ru-RU" dirty="0" smtClean="0"/>
+              <a:t>Разделяет </a:t>
+            </a:r>
+            <a:r>
+              <a:rPr lang="ru-RU" dirty="0" smtClean="0"/>
+              <a:t>игру </a:t>
+            </a:r>
+            <a:r>
+              <a:rPr lang="ru-RU" dirty="0" smtClean="0"/>
+              <a:t>на отдельные </a:t>
+            </a:r>
+            <a:r>
+              <a:rPr lang="ru-RU" dirty="0" smtClean="0"/>
+              <a:t>треды. Создает абстракцию и интерфейс, подобный </a:t>
+            </a:r>
+            <a:r>
+              <a:rPr lang="en-GB" dirty="0" smtClean="0"/>
+              <a:t>Love2D</a:t>
+            </a:r>
+            <a:r>
+              <a:rPr lang="ru-RU" dirty="0" smtClean="0"/>
+              <a:t>.</a:t>
+            </a:r>
+          </a:p>
+          <a:p>
+            <a:pPr marL="0" indent="0" algn="just">
+              <a:buNone/>
+            </a:pPr>
+            <a:r>
+              <a:rPr lang="en-GB" dirty="0" smtClean="0"/>
+              <a:t>Git: </a:t>
+            </a:r>
+            <a:endParaRPr lang="ru-RU" dirty="0"/>
+          </a:p>
+        </p:txBody>
+      </p:sp>
+      <p:sp>
+        <p:nvSpPr>
+          <p:cNvPr id="5" name="TextBox 4"/>
+          <p:cNvSpPr txBox="1"/>
+          <p:nvPr/>
+        </p:nvSpPr>
+        <p:spPr>
+          <a:xfrm>
+            <a:off x="5087007" y="4529959"/>
+            <a:ext cx="2292807" cy="523220"/>
+          </a:xfrm>
+          <a:prstGeom prst="rect">
+            <a:avLst/>
+          </a:prstGeom>
+          <a:noFill/>
+        </p:spPr>
+        <p:txBody>
+          <a:bodyPr wrap="none" rtlCol="0">
+            <a:spAutoFit/>
+          </a:bodyPr>
+          <a:lstStyle/>
+          <a:p>
+            <a:r>
+              <a:rPr lang="ru-RU" sz="2800" dirty="0" smtClean="0"/>
+              <a:t>Картинки????</a:t>
+            </a:r>
+            <a:endParaRPr lang="ru-RU" sz="2800" dirty="0"/>
+          </a:p>
+        </p:txBody>
+      </p:sp>
     </p:spTree>
+    <p:extLst>
+      <p:ext uri="{BB962C8B-B14F-4D97-AF65-F5344CB8AC3E}">
+        <p14:creationId xmlns:p14="http://schemas.microsoft.com/office/powerpoint/2010/main" val="3500146176"/>
+      </p:ext>
+    </p:extLst>
   </p:cSld>
   <p:clrMapOvr>
     <a:masterClrMapping/>
   </p:clrMapOvr>
+  <p:timing>
+    <p:tnLst>
+      <p:par>
+        <p:cTn id="1" dur="indefinite" restart="never" nodeType="tmRoot"/>
+      </p:par>
+    </p:tnLst>
+  </p:timing>
 </p:sld>
 </file>
 
-<file path=ppt/slides/slide6.xml><?xml version="1.0" encoding="utf-8"?>
+<file path=ppt/slides/slide5.xml><?xml version="1.0" encoding="utf-8"?>
 <p:sld xmlns:a="http://schemas.openxmlformats.org/drawingml/2006/main" xmlns:r="http://schemas.openxmlformats.org/officeDocument/2006/relationships" xmlns:p="http://schemas.openxmlformats.org/presentationml/2006/main">
-  <p:cSld name="Slide 6">
-    <p:bg>
-      <p:bgPr>
-        <a:blipFill dpi="0" rotWithShape="1">
-          <a:blip r:embed="rId1">
-            <a:lum/>
-          </a:blip>
-          <a:srcRect/>
-          <a:stretch>
-            <a:fillRect/>
-          </a:stretch>
-        </a:blipFill>
-        <a:effectLst/>
-      </p:bgPr>
-    </p:bg>
+  <p:cSld>
     <p:spTree>
       <p:nvGrpSpPr>
         <p:cNvPr id="1" name=""/>
@@ -1917,31 +4462,196 @@
           <a:chExt cx="0" cy="0"/>
         </a:xfrm>
       </p:grpSpPr>
+      <p:sp>
+        <p:nvSpPr>
+          <p:cNvPr id="2" name="Заголовок 1"/>
+          <p:cNvSpPr>
+            <a:spLocks noGrp="1"/>
+          </p:cNvSpPr>
+          <p:nvPr>
+            <p:ph type="title"/>
+          </p:nvPr>
+        </p:nvSpPr>
+        <p:spPr>
+          <a:xfrm>
+            <a:off x="0" y="0"/>
+            <a:ext cx="12192000" cy="1325563"/>
+          </a:xfrm>
+        </p:spPr>
+        <p:txBody>
+          <a:bodyPr>
+            <a:normAutofit/>
+          </a:bodyPr>
+          <a:lstStyle/>
+          <a:p>
+            <a:pPr algn="ctr"/>
+            <a:r>
+              <a:rPr lang="ru-RU" sz="8000" b="1" dirty="0" smtClean="0">
+                <a:effectLst>
+                  <a:outerShdw blurRad="38100" dist="38100" dir="2700000" algn="tl">
+                    <a:srgbClr val="000000">
+                      <a:alpha val="43137"/>
+                    </a:srgbClr>
+                  </a:outerShdw>
+                </a:effectLst>
+              </a:rPr>
+              <a:t>Меню</a:t>
+            </a:r>
+            <a:endParaRPr lang="ru-RU" sz="8000" b="1" dirty="0">
+              <a:effectLst>
+                <a:outerShdw blurRad="38100" dist="38100" dir="2700000" algn="tl">
+                  <a:srgbClr val="000000">
+                    <a:alpha val="43137"/>
+                  </a:srgbClr>
+                </a:outerShdw>
+              </a:effectLst>
+            </a:endParaRPr>
+          </a:p>
+        </p:txBody>
+      </p:sp>
+      <p:pic>
+        <p:nvPicPr>
+          <p:cNvPr id="6" name="Рисунок 5"/>
+          <p:cNvPicPr>
+            <a:picLocks noChangeAspect="1"/>
+          </p:cNvPicPr>
+          <p:nvPr/>
+        </p:nvPicPr>
+        <p:blipFill>
+          <a:blip r:embed="rId2">
+            <a:extLst>
+              <a:ext uri="{28A0092B-C50C-407E-A947-70E740481C1C}">
+                <a14:useLocalDpi xmlns:a14="http://schemas.microsoft.com/office/drawing/2010/main" val="0"/>
+              </a:ext>
+            </a:extLst>
+          </a:blip>
+          <a:stretch>
+            <a:fillRect/>
+          </a:stretch>
+        </p:blipFill>
+        <p:spPr>
+          <a:xfrm>
+            <a:off x="794620" y="1382637"/>
+            <a:ext cx="4807393" cy="5102245"/>
+          </a:xfrm>
+          <a:prstGeom prst="rect">
+            <a:avLst/>
+          </a:prstGeom>
+          <a:ln>
+            <a:noFill/>
+          </a:ln>
+          <a:effectLst>
+            <a:outerShdw blurRad="292100" dist="139700" dir="2700000" algn="tl" rotWithShape="0">
+              <a:srgbClr val="333333">
+                <a:alpha val="65000"/>
+              </a:srgbClr>
+            </a:outerShdw>
+          </a:effectLst>
+        </p:spPr>
+      </p:pic>
+      <p:pic>
+        <p:nvPicPr>
+          <p:cNvPr id="7" name="Рисунок 6"/>
+          <p:cNvPicPr>
+            <a:picLocks noChangeAspect="1"/>
+          </p:cNvPicPr>
+          <p:nvPr/>
+        </p:nvPicPr>
+        <p:blipFill>
+          <a:blip r:embed="rId3" cstate="print">
+            <a:extLst>
+              <a:ext uri="{28A0092B-C50C-407E-A947-70E740481C1C}">
+                <a14:useLocalDpi xmlns:a14="http://schemas.microsoft.com/office/drawing/2010/main" val="0"/>
+              </a:ext>
+            </a:extLst>
+          </a:blip>
+          <a:stretch>
+            <a:fillRect/>
+          </a:stretch>
+        </p:blipFill>
+        <p:spPr>
+          <a:xfrm>
+            <a:off x="6301435" y="1482239"/>
+            <a:ext cx="3000599" cy="3184635"/>
+          </a:xfrm>
+          <a:prstGeom prst="rect">
+            <a:avLst/>
+          </a:prstGeom>
+          <a:ln>
+            <a:noFill/>
+          </a:ln>
+          <a:effectLst>
+            <a:outerShdw blurRad="292100" dist="139700" dir="2700000" algn="tl" rotWithShape="0">
+              <a:srgbClr val="333333">
+                <a:alpha val="65000"/>
+              </a:srgbClr>
+            </a:outerShdw>
+          </a:effectLst>
+        </p:spPr>
+      </p:pic>
+      <p:pic>
+        <p:nvPicPr>
+          <p:cNvPr id="8" name="Рисунок 7"/>
+          <p:cNvPicPr>
+            <a:picLocks noChangeAspect="1"/>
+          </p:cNvPicPr>
+          <p:nvPr/>
+        </p:nvPicPr>
+        <p:blipFill>
+          <a:blip r:embed="rId4" cstate="print">
+            <a:extLst>
+              <a:ext uri="{28A0092B-C50C-407E-A947-70E740481C1C}">
+                <a14:useLocalDpi xmlns:a14="http://schemas.microsoft.com/office/drawing/2010/main" val="0"/>
+              </a:ext>
+            </a:extLst>
+          </a:blip>
+          <a:stretch>
+            <a:fillRect/>
+          </a:stretch>
+        </p:blipFill>
+        <p:spPr>
+          <a:xfrm>
+            <a:off x="8498702" y="3289737"/>
+            <a:ext cx="3010501" cy="3195145"/>
+          </a:xfrm>
+          <a:prstGeom prst="rect">
+            <a:avLst/>
+          </a:prstGeom>
+          <a:ln>
+            <a:noFill/>
+          </a:ln>
+          <a:effectLst>
+            <a:outerShdw blurRad="292100" dist="139700" dir="2700000" algn="tl" rotWithShape="0">
+              <a:srgbClr val="333333">
+                <a:alpha val="65000"/>
+              </a:srgbClr>
+            </a:outerShdw>
+          </a:effectLst>
+        </p:spPr>
+      </p:pic>
     </p:spTree>
+    <p:extLst>
+      <p:ext uri="{BB962C8B-B14F-4D97-AF65-F5344CB8AC3E}">
+        <p14:creationId xmlns:p14="http://schemas.microsoft.com/office/powerpoint/2010/main" val="2062288154"/>
+      </p:ext>
+    </p:extLst>
   </p:cSld>
   <p:clrMapOvr>
     <a:masterClrMapping/>
   </p:clrMapOvr>
+  <p:timing>
+    <p:tnLst>
+      <p:par>
+        <p:cTn id="1" dur="indefinite" restart="never" nodeType="tmRoot"/>
+      </p:par>
+    </p:tnLst>
+  </p:timing>
 </p:sld>
 </file>
 
-<file path=ppt/slides/slide7.xml><?xml version="1.0" encoding="utf-8"?>
+<file path=ppt/slides/slide6.xml><?xml version="1.0" encoding="utf-8"?>
 <p:sld xmlns:a="http://schemas.openxmlformats.org/drawingml/2006/main" xmlns:r="http://schemas.openxmlformats.org/officeDocument/2006/relationships" xmlns:p="http://schemas.openxmlformats.org/presentationml/2006/main">
-  <p:cSld name="Slide 7">
-    <p:bg>
-      <p:bgPr>
-        <a:blipFill dpi="0" rotWithShape="1">
-          <a:blip r:embed="rId1">
-            <a:lum/>
-          </a:blip>
-          <a:srcRect/>
-          <a:stretch>
-            <a:fillRect/>
-          </a:stretch>
-        </a:blipFill>
-        <a:effectLst/>
-      </p:bgPr>
-    </p:bg>
+  <p:cSld>
     <p:spTree>
       <p:nvGrpSpPr>
         <p:cNvPr id="1" name=""/>
@@ -1956,31 +4666,206 @@
           <a:chExt cx="0" cy="0"/>
         </a:xfrm>
       </p:grpSpPr>
+      <p:sp>
+        <p:nvSpPr>
+          <p:cNvPr id="2" name="Заголовок 1"/>
+          <p:cNvSpPr>
+            <a:spLocks noGrp="1"/>
+          </p:cNvSpPr>
+          <p:nvPr>
+            <p:ph type="title"/>
+          </p:nvPr>
+        </p:nvSpPr>
+        <p:spPr>
+          <a:xfrm>
+            <a:off x="0" y="0"/>
+            <a:ext cx="12192000" cy="1325563"/>
+          </a:xfrm>
+        </p:spPr>
+        <p:txBody>
+          <a:bodyPr>
+            <a:normAutofit/>
+          </a:bodyPr>
+          <a:lstStyle/>
+          <a:p>
+            <a:pPr algn="ctr"/>
+            <a:r>
+              <a:rPr lang="ru-RU" sz="8000" b="1" dirty="0" smtClean="0">
+                <a:effectLst>
+                  <a:outerShdw blurRad="38100" dist="38100" dir="2700000" algn="tl">
+                    <a:srgbClr val="000000">
+                      <a:alpha val="43137"/>
+                    </a:srgbClr>
+                  </a:outerShdw>
+                </a:effectLst>
+              </a:rPr>
+              <a:t>И</a:t>
+            </a:r>
+            <a:r>
+              <a:rPr lang="ru-RU" sz="8000" b="1" dirty="0" smtClean="0">
+                <a:effectLst>
+                  <a:outerShdw blurRad="38100" dist="38100" dir="2700000" algn="tl">
+                    <a:srgbClr val="000000">
+                      <a:alpha val="43137"/>
+                    </a:srgbClr>
+                  </a:outerShdw>
+                </a:effectLst>
+              </a:rPr>
+              <a:t>гра</a:t>
+            </a:r>
+            <a:endParaRPr lang="ru-RU" sz="8000" b="1" dirty="0">
+              <a:effectLst>
+                <a:outerShdw blurRad="38100" dist="38100" dir="2700000" algn="tl">
+                  <a:srgbClr val="000000">
+                    <a:alpha val="43137"/>
+                  </a:srgbClr>
+                </a:outerShdw>
+              </a:effectLst>
+            </a:endParaRPr>
+          </a:p>
+        </p:txBody>
+      </p:sp>
+      <p:pic>
+        <p:nvPicPr>
+          <p:cNvPr id="3" name="Рисунок 2"/>
+          <p:cNvPicPr>
+            <a:picLocks noChangeAspect="1"/>
+          </p:cNvPicPr>
+          <p:nvPr/>
+        </p:nvPicPr>
+        <p:blipFill>
+          <a:blip r:embed="rId2">
+            <a:extLst>
+              <a:ext uri="{28A0092B-C50C-407E-A947-70E740481C1C}">
+                <a14:useLocalDpi xmlns:a14="http://schemas.microsoft.com/office/drawing/2010/main" val="0"/>
+              </a:ext>
+            </a:extLst>
+          </a:blip>
+          <a:stretch>
+            <a:fillRect/>
+          </a:stretch>
+        </p:blipFill>
+        <p:spPr>
+          <a:xfrm>
+            <a:off x="859522" y="1325563"/>
+            <a:ext cx="4670759" cy="4957232"/>
+          </a:xfrm>
+          <a:prstGeom prst="rect">
+            <a:avLst/>
+          </a:prstGeom>
+          <a:ln>
+            <a:noFill/>
+          </a:ln>
+          <a:effectLst>
+            <a:outerShdw blurRad="292100" dist="139700" dir="2700000" algn="tl" rotWithShape="0">
+              <a:srgbClr val="333333">
+                <a:alpha val="65000"/>
+              </a:srgbClr>
+            </a:outerShdw>
+          </a:effectLst>
+        </p:spPr>
+      </p:pic>
+      <p:pic>
+        <p:nvPicPr>
+          <p:cNvPr id="5" name="Рисунок 4"/>
+          <p:cNvPicPr>
+            <a:picLocks noChangeAspect="1"/>
+          </p:cNvPicPr>
+          <p:nvPr/>
+        </p:nvPicPr>
+        <p:blipFill>
+          <a:blip r:embed="rId3" cstate="print">
+            <a:extLst>
+              <a:ext uri="{28A0092B-C50C-407E-A947-70E740481C1C}">
+                <a14:useLocalDpi xmlns:a14="http://schemas.microsoft.com/office/drawing/2010/main" val="0"/>
+              </a:ext>
+            </a:extLst>
+          </a:blip>
+          <a:stretch>
+            <a:fillRect/>
+          </a:stretch>
+        </p:blipFill>
+        <p:spPr>
+          <a:xfrm>
+            <a:off x="7574277" y="1325563"/>
+            <a:ext cx="2921110" cy="3100271"/>
+          </a:xfrm>
+          <a:prstGeom prst="rect">
+            <a:avLst/>
+          </a:prstGeom>
+          <a:ln>
+            <a:noFill/>
+          </a:ln>
+          <a:effectLst>
+            <a:outerShdw blurRad="292100" dist="139700" dir="2700000" algn="tl" rotWithShape="0">
+              <a:srgbClr val="333333">
+                <a:alpha val="65000"/>
+              </a:srgbClr>
+            </a:outerShdw>
+          </a:effectLst>
+        </p:spPr>
+      </p:pic>
+      <p:sp>
+        <p:nvSpPr>
+          <p:cNvPr id="6" name="TextBox 5"/>
+          <p:cNvSpPr txBox="1"/>
+          <p:nvPr/>
+        </p:nvSpPr>
+        <p:spPr>
+          <a:xfrm>
+            <a:off x="6442841" y="5328745"/>
+            <a:ext cx="5183983" cy="369332"/>
+          </a:xfrm>
+          <a:prstGeom prst="rect">
+            <a:avLst/>
+          </a:prstGeom>
+          <a:noFill/>
+        </p:spPr>
+        <p:txBody>
+          <a:bodyPr wrap="none" rtlCol="0">
+            <a:spAutoFit/>
+          </a:bodyPr>
+          <a:lstStyle/>
+          <a:p>
+            <a:r>
+              <a:rPr lang="en-GB" dirty="0" smtClean="0"/>
+              <a:t>*</a:t>
+            </a:r>
+            <a:r>
+              <a:rPr lang="ru-RU" dirty="0" smtClean="0"/>
+              <a:t>тут должны быть картинки победы и поражения</a:t>
+            </a:r>
+            <a:r>
+              <a:rPr lang="en-GB" dirty="0" smtClean="0"/>
+              <a:t>*</a:t>
+            </a:r>
+            <a:endParaRPr lang="ru-RU" dirty="0"/>
+          </a:p>
+        </p:txBody>
+      </p:sp>
     </p:spTree>
+    <p:extLst>
+      <p:ext uri="{BB962C8B-B14F-4D97-AF65-F5344CB8AC3E}">
+        <p14:creationId xmlns:p14="http://schemas.microsoft.com/office/powerpoint/2010/main" val="1124737428"/>
+      </p:ext>
+    </p:extLst>
   </p:cSld>
   <p:clrMapOvr>
     <a:masterClrMapping/>
   </p:clrMapOvr>
+  <p:timing>
+    <p:tnLst>
+      <p:par>
+        <p:cTn id="1" dur="indefinite" restart="never" nodeType="tmRoot"/>
+      </p:par>
+    </p:tnLst>
+  </p:timing>
 </p:sld>
 </file>
 
-<file path=ppt/slides/slide8.xml><?xml version="1.0" encoding="utf-8"?>
+<file path=ppt/slides/slide7.xml><?xml version="1.0" encoding="utf-8"?>
 <p:sld xmlns:a="http://schemas.openxmlformats.org/drawingml/2006/main" xmlns:r="http://schemas.openxmlformats.org/officeDocument/2006/relationships" xmlns:p="http://schemas.openxmlformats.org/presentationml/2006/main">
-  <p:cSld name="Slide 8">
-    <p:bg>
-      <p:bgPr>
-        <a:blipFill dpi="0" rotWithShape="1">
-          <a:blip r:embed="rId1">
-            <a:lum/>
-          </a:blip>
-          <a:srcRect/>
-          <a:stretch>
-            <a:fillRect/>
-          </a:stretch>
-        </a:blipFill>
-        <a:effectLst/>
-      </p:bgPr>
-    </p:bg>
+  <p:cSld>
     <p:spTree>
       <p:nvGrpSpPr>
         <p:cNvPr id="1" name=""/>
@@ -1995,31 +4880,307 @@
           <a:chExt cx="0" cy="0"/>
         </a:xfrm>
       </p:grpSpPr>
+      <p:sp>
+        <p:nvSpPr>
+          <p:cNvPr id="2" name="Заголовок 1"/>
+          <p:cNvSpPr>
+            <a:spLocks noGrp="1"/>
+          </p:cNvSpPr>
+          <p:nvPr>
+            <p:ph type="title"/>
+          </p:nvPr>
+        </p:nvSpPr>
+        <p:spPr>
+          <a:xfrm>
+            <a:off x="0" y="0"/>
+            <a:ext cx="12192000" cy="1325563"/>
+          </a:xfrm>
+        </p:spPr>
+        <p:txBody>
+          <a:bodyPr/>
+          <a:lstStyle/>
+          <a:p>
+            <a:pPr algn="ctr"/>
+            <a:r>
+              <a:rPr lang="ru-RU" sz="8000" b="1" dirty="0" smtClean="0">
+                <a:effectLst>
+                  <a:outerShdw blurRad="38100" dist="38100" dir="2700000" algn="tl">
+                    <a:srgbClr val="000000">
+                      <a:alpha val="43137"/>
+                    </a:srgbClr>
+                  </a:outerShdw>
+                </a:effectLst>
+              </a:rPr>
+              <a:t>Игровые объекты</a:t>
+            </a:r>
+            <a:endParaRPr lang="ru-RU" sz="8000" b="1" dirty="0">
+              <a:effectLst>
+                <a:outerShdw blurRad="38100" dist="38100" dir="2700000" algn="tl">
+                  <a:srgbClr val="000000">
+                    <a:alpha val="43137"/>
+                  </a:srgbClr>
+                </a:outerShdw>
+              </a:effectLst>
+            </a:endParaRPr>
+          </a:p>
+        </p:txBody>
+      </p:sp>
+      <p:pic>
+        <p:nvPicPr>
+          <p:cNvPr id="15" name="Объект 14"/>
+          <p:cNvPicPr>
+            <a:picLocks noGrp="1" noChangeAspect="1"/>
+          </p:cNvPicPr>
+          <p:nvPr>
+            <p:ph idx="1"/>
+          </p:nvPr>
+        </p:nvPicPr>
+        <p:blipFill>
+          <a:blip r:embed="rId2">
+            <a:extLst>
+              <a:ext uri="{28A0092B-C50C-407E-A947-70E740481C1C}">
+                <a14:useLocalDpi xmlns:a14="http://schemas.microsoft.com/office/drawing/2010/main" val="0"/>
+              </a:ext>
+            </a:extLst>
+          </a:blip>
+          <a:stretch>
+            <a:fillRect/>
+          </a:stretch>
+        </p:blipFill>
+        <p:spPr>
+          <a:xfrm>
+            <a:off x="977463" y="1294241"/>
+            <a:ext cx="8959247" cy="4938346"/>
+          </a:xfrm>
+        </p:spPr>
+      </p:pic>
+      <p:pic>
+        <p:nvPicPr>
+          <p:cNvPr id="7" name="Рисунок 6"/>
+          <p:cNvPicPr>
+            <a:picLocks noChangeAspect="1"/>
+          </p:cNvPicPr>
+          <p:nvPr/>
+        </p:nvPicPr>
+        <p:blipFill>
+          <a:blip r:embed="rId3" cstate="print">
+            <a:extLst>
+              <a:ext uri="{28A0092B-C50C-407E-A947-70E740481C1C}">
+                <a14:useLocalDpi xmlns:a14="http://schemas.microsoft.com/office/drawing/2010/main" val="0"/>
+              </a:ext>
+            </a:extLst>
+          </a:blip>
+          <a:stretch>
+            <a:fillRect/>
+          </a:stretch>
+        </p:blipFill>
+        <p:spPr>
+          <a:xfrm>
+            <a:off x="6663074" y="1191102"/>
+            <a:ext cx="328440" cy="322857"/>
+          </a:xfrm>
+          <a:prstGeom prst="rect">
+            <a:avLst/>
+          </a:prstGeom>
+        </p:spPr>
+      </p:pic>
+      <p:pic>
+        <p:nvPicPr>
+          <p:cNvPr id="8" name="Рисунок 7"/>
+          <p:cNvPicPr>
+            <a:picLocks noChangeAspect="1"/>
+          </p:cNvPicPr>
+          <p:nvPr/>
+        </p:nvPicPr>
+        <p:blipFill>
+          <a:blip r:embed="rId4" cstate="print">
+            <a:extLst>
+              <a:ext uri="{28A0092B-C50C-407E-A947-70E740481C1C}">
+                <a14:useLocalDpi xmlns:a14="http://schemas.microsoft.com/office/drawing/2010/main" val="0"/>
+              </a:ext>
+            </a:extLst>
+          </a:blip>
+          <a:stretch>
+            <a:fillRect/>
+          </a:stretch>
+        </p:blipFill>
+        <p:spPr>
+          <a:xfrm>
+            <a:off x="7976688" y="1513959"/>
+            <a:ext cx="466462" cy="443139"/>
+          </a:xfrm>
+          <a:prstGeom prst="rect">
+            <a:avLst/>
+          </a:prstGeom>
+        </p:spPr>
+      </p:pic>
+      <p:pic>
+        <p:nvPicPr>
+          <p:cNvPr id="9" name="Рисунок 8"/>
+          <p:cNvPicPr>
+            <a:picLocks noChangeAspect="1"/>
+          </p:cNvPicPr>
+          <p:nvPr/>
+        </p:nvPicPr>
+        <p:blipFill>
+          <a:blip r:embed="rId5">
+            <a:extLst>
+              <a:ext uri="{28A0092B-C50C-407E-A947-70E740481C1C}">
+                <a14:useLocalDpi xmlns:a14="http://schemas.microsoft.com/office/drawing/2010/main" val="0"/>
+              </a:ext>
+            </a:extLst>
+          </a:blip>
+          <a:stretch>
+            <a:fillRect/>
+          </a:stretch>
+        </p:blipFill>
+        <p:spPr>
+          <a:xfrm>
+            <a:off x="9776362" y="2749229"/>
+            <a:ext cx="635748" cy="1014185"/>
+          </a:xfrm>
+          <a:prstGeom prst="rect">
+            <a:avLst/>
+          </a:prstGeom>
+        </p:spPr>
+      </p:pic>
+      <p:pic>
+        <p:nvPicPr>
+          <p:cNvPr id="11" name="Рисунок 10"/>
+          <p:cNvPicPr>
+            <a:picLocks noChangeAspect="1"/>
+          </p:cNvPicPr>
+          <p:nvPr/>
+        </p:nvPicPr>
+        <p:blipFill>
+          <a:blip r:embed="rId6">
+            <a:extLst>
+              <a:ext uri="{28A0092B-C50C-407E-A947-70E740481C1C}">
+                <a14:useLocalDpi xmlns:a14="http://schemas.microsoft.com/office/drawing/2010/main" val="0"/>
+              </a:ext>
+            </a:extLst>
+          </a:blip>
+          <a:stretch>
+            <a:fillRect/>
+          </a:stretch>
+        </p:blipFill>
+        <p:spPr>
+          <a:xfrm>
+            <a:off x="10117698" y="4432584"/>
+            <a:ext cx="878196" cy="1020123"/>
+          </a:xfrm>
+          <a:prstGeom prst="rect">
+            <a:avLst/>
+          </a:prstGeom>
+        </p:spPr>
+      </p:pic>
+      <p:pic>
+        <p:nvPicPr>
+          <p:cNvPr id="10" name="Рисунок 9"/>
+          <p:cNvPicPr>
+            <a:picLocks noChangeAspect="1"/>
+          </p:cNvPicPr>
+          <p:nvPr/>
+        </p:nvPicPr>
+        <p:blipFill>
+          <a:blip r:embed="rId7">
+            <a:extLst>
+              <a:ext uri="{28A0092B-C50C-407E-A947-70E740481C1C}">
+                <a14:useLocalDpi xmlns:a14="http://schemas.microsoft.com/office/drawing/2010/main" val="0"/>
+              </a:ext>
+            </a:extLst>
+          </a:blip>
+          <a:stretch>
+            <a:fillRect/>
+          </a:stretch>
+        </p:blipFill>
+        <p:spPr>
+          <a:xfrm>
+            <a:off x="8029960" y="5187081"/>
+            <a:ext cx="924054" cy="828791"/>
+          </a:xfrm>
+          <a:prstGeom prst="rect">
+            <a:avLst/>
+          </a:prstGeom>
+        </p:spPr>
+      </p:pic>
+      <p:pic>
+        <p:nvPicPr>
+          <p:cNvPr id="12" name="Рисунок 11"/>
+          <p:cNvPicPr>
+            <a:picLocks noChangeAspect="1"/>
+          </p:cNvPicPr>
+          <p:nvPr/>
+        </p:nvPicPr>
+        <p:blipFill>
+          <a:blip r:embed="rId8"/>
+          <a:stretch>
+            <a:fillRect/>
+          </a:stretch>
+        </p:blipFill>
+        <p:spPr>
+          <a:xfrm>
+            <a:off x="4740736" y="6258060"/>
+            <a:ext cx="339786" cy="339786"/>
+          </a:xfrm>
+          <a:prstGeom prst="rect">
+            <a:avLst/>
+          </a:prstGeom>
+        </p:spPr>
+      </p:pic>
+      <p:pic>
+        <p:nvPicPr>
+          <p:cNvPr id="13" name="Рисунок 12"/>
+          <p:cNvPicPr>
+            <a:picLocks noChangeAspect="1"/>
+          </p:cNvPicPr>
+          <p:nvPr/>
+        </p:nvPicPr>
+        <p:blipFill>
+          <a:blip r:embed="rId9" cstate="print">
+            <a:extLst>
+              <a:ext uri="{28A0092B-C50C-407E-A947-70E740481C1C}">
+                <a14:useLocalDpi xmlns:a14="http://schemas.microsoft.com/office/drawing/2010/main" val="0"/>
+              </a:ext>
+            </a:extLst>
+          </a:blip>
+          <a:stretch>
+            <a:fillRect/>
+          </a:stretch>
+        </p:blipFill>
+        <p:spPr>
+          <a:xfrm>
+            <a:off x="3818869" y="6262465"/>
+            <a:ext cx="339786" cy="339786"/>
+          </a:xfrm>
+          <a:prstGeom prst="rect">
+            <a:avLst/>
+          </a:prstGeom>
+        </p:spPr>
+      </p:pic>
     </p:spTree>
+    <p:extLst>
+      <p:ext uri="{BB962C8B-B14F-4D97-AF65-F5344CB8AC3E}">
+        <p14:creationId xmlns:p14="http://schemas.microsoft.com/office/powerpoint/2010/main" val="3123765795"/>
+      </p:ext>
+    </p:extLst>
   </p:cSld>
   <p:clrMapOvr>
     <a:masterClrMapping/>
   </p:clrMapOvr>
+  <p:timing>
+    <p:tnLst>
+      <p:par>
+        <p:cTn id="1" dur="indefinite" restart="never" nodeType="tmRoot"/>
+      </p:par>
+    </p:tnLst>
+  </p:timing>
 </p:sld>
 </file>
 
-<file path=ppt/slides/slide9.xml><?xml version="1.0" encoding="utf-8"?>
+<file path=ppt/slides/slide8.xml><?xml version="1.0" encoding="utf-8"?>
 <p:sld xmlns:a="http://schemas.openxmlformats.org/drawingml/2006/main" xmlns:r="http://schemas.openxmlformats.org/officeDocument/2006/relationships" xmlns:p="http://schemas.openxmlformats.org/presentationml/2006/main">
-  <p:cSld name="Slide 9">
-    <p:bg>
-      <p:bgPr>
-        <a:blipFill dpi="0" rotWithShape="1">
-          <a:blip r:embed="rId1">
-            <a:lum/>
-          </a:blip>
-          <a:srcRect/>
-          <a:stretch>
-            <a:fillRect/>
-          </a:stretch>
-        </a:blipFill>
-        <a:effectLst/>
-      </p:bgPr>
-    </p:bg>
+  <p:cSld>
     <p:spTree>
       <p:nvGrpSpPr>
         <p:cNvPr id="1" name=""/>
@@ -2034,18 +5195,218 @@
           <a:chExt cx="0" cy="0"/>
         </a:xfrm>
       </p:grpSpPr>
+      <p:sp>
+        <p:nvSpPr>
+          <p:cNvPr id="2" name="Заголовок 1"/>
+          <p:cNvSpPr>
+            <a:spLocks noGrp="1"/>
+          </p:cNvSpPr>
+          <p:nvPr>
+            <p:ph type="title"/>
+          </p:nvPr>
+        </p:nvSpPr>
+        <p:spPr>
+          <a:xfrm>
+            <a:off x="0" y="1"/>
+            <a:ext cx="12192000" cy="1274618"/>
+          </a:xfrm>
+        </p:spPr>
+        <p:txBody>
+          <a:bodyPr>
+            <a:noAutofit/>
+          </a:bodyPr>
+          <a:lstStyle/>
+          <a:p>
+            <a:pPr algn="ctr"/>
+            <a:r>
+              <a:rPr lang="ru-RU" sz="8000" b="1" dirty="0" smtClean="0">
+                <a:effectLst>
+                  <a:outerShdw blurRad="38100" dist="38100" dir="2700000" algn="tl">
+                    <a:srgbClr val="000000">
+                      <a:alpha val="43137"/>
+                    </a:srgbClr>
+                  </a:outerShdw>
+                </a:effectLst>
+              </a:rPr>
+              <a:t>Анимация. Звук</a:t>
+            </a:r>
+            <a:endParaRPr lang="ru-RU" sz="8000" b="1" dirty="0">
+              <a:effectLst>
+                <a:outerShdw blurRad="38100" dist="38100" dir="2700000" algn="tl">
+                  <a:srgbClr val="000000">
+                    <a:alpha val="43137"/>
+                  </a:srgbClr>
+                </a:outerShdw>
+              </a:effectLst>
+            </a:endParaRPr>
+          </a:p>
+        </p:txBody>
+      </p:sp>
+      <p:sp>
+        <p:nvSpPr>
+          <p:cNvPr id="4" name="TextBox 3"/>
+          <p:cNvSpPr txBox="1"/>
+          <p:nvPr/>
+        </p:nvSpPr>
+        <p:spPr>
+          <a:xfrm>
+            <a:off x="4404607" y="3573517"/>
+            <a:ext cx="3382786" cy="369332"/>
+          </a:xfrm>
+          <a:prstGeom prst="rect">
+            <a:avLst/>
+          </a:prstGeom>
+          <a:noFill/>
+        </p:spPr>
+        <p:txBody>
+          <a:bodyPr wrap="none" rtlCol="0">
+            <a:spAutoFit/>
+          </a:bodyPr>
+          <a:lstStyle/>
+          <a:p>
+            <a:r>
+              <a:rPr lang="ru-RU" dirty="0" smtClean="0"/>
+              <a:t>Картинки??? Гифки???</a:t>
+            </a:r>
+            <a:r>
+              <a:rPr lang="en-GB" smtClean="0"/>
+              <a:t> </a:t>
+            </a:r>
+            <a:r>
+              <a:rPr lang="ru-RU" smtClean="0"/>
+              <a:t>Видео???</a:t>
+            </a:r>
+            <a:endParaRPr lang="ru-RU" dirty="0"/>
+          </a:p>
+        </p:txBody>
+      </p:sp>
     </p:spTree>
+    <p:extLst>
+      <p:ext uri="{BB962C8B-B14F-4D97-AF65-F5344CB8AC3E}">
+        <p14:creationId xmlns:p14="http://schemas.microsoft.com/office/powerpoint/2010/main" val="2747999329"/>
+      </p:ext>
+    </p:extLst>
   </p:cSld>
   <p:clrMapOvr>
     <a:masterClrMapping/>
   </p:clrMapOvr>
+  <p:timing>
+    <p:tnLst>
+      <p:par>
+        <p:cTn id="1" dur="indefinite" restart="never" nodeType="tmRoot"/>
+      </p:par>
+    </p:tnLst>
+  </p:timing>
+</p:sld>
+</file>
+
+<file path=ppt/slides/slide9.xml><?xml version="1.0" encoding="utf-8"?>
+<p:sld xmlns:a="http://schemas.openxmlformats.org/drawingml/2006/main" xmlns:r="http://schemas.openxmlformats.org/officeDocument/2006/relationships" xmlns:p="http://schemas.openxmlformats.org/presentationml/2006/main">
+  <p:cSld>
+    <p:spTree>
+      <p:nvGrpSpPr>
+        <p:cNvPr id="1" name=""/>
+        <p:cNvGrpSpPr/>
+        <p:nvPr/>
+      </p:nvGrpSpPr>
+      <p:grpSpPr>
+        <a:xfrm>
+          <a:off x="0" y="0"/>
+          <a:ext cx="0" cy="0"/>
+          <a:chOff x="0" y="0"/>
+          <a:chExt cx="0" cy="0"/>
+        </a:xfrm>
+      </p:grpSpPr>
+      <p:sp>
+        <p:nvSpPr>
+          <p:cNvPr id="2" name="Заголовок 1"/>
+          <p:cNvSpPr>
+            <a:spLocks noGrp="1"/>
+          </p:cNvSpPr>
+          <p:nvPr>
+            <p:ph type="title"/>
+          </p:nvPr>
+        </p:nvSpPr>
+        <p:spPr>
+          <a:xfrm>
+            <a:off x="0" y="0"/>
+            <a:ext cx="12192000" cy="1325563"/>
+          </a:xfrm>
+        </p:spPr>
+        <p:txBody>
+          <a:bodyPr>
+            <a:normAutofit/>
+          </a:bodyPr>
+          <a:lstStyle/>
+          <a:p>
+            <a:pPr algn="ctr"/>
+            <a:r>
+              <a:rPr lang="ru-RU" sz="8000" b="1" dirty="0" smtClean="0">
+                <a:effectLst>
+                  <a:outerShdw blurRad="38100" dist="38100" dir="2700000" algn="tl">
+                    <a:srgbClr val="000000">
+                      <a:alpha val="43137"/>
+                    </a:srgbClr>
+                  </a:outerShdw>
+                </a:effectLst>
+              </a:rPr>
+              <a:t>База данных</a:t>
+            </a:r>
+            <a:endParaRPr lang="ru-RU" sz="8000" b="1" dirty="0">
+              <a:effectLst>
+                <a:outerShdw blurRad="38100" dist="38100" dir="2700000" algn="tl">
+                  <a:srgbClr val="000000">
+                    <a:alpha val="43137"/>
+                  </a:srgbClr>
+                </a:outerShdw>
+              </a:effectLst>
+            </a:endParaRPr>
+          </a:p>
+        </p:txBody>
+      </p:sp>
+      <p:sp>
+        <p:nvSpPr>
+          <p:cNvPr id="3" name="Объект 2"/>
+          <p:cNvSpPr>
+            <a:spLocks noGrp="1"/>
+          </p:cNvSpPr>
+          <p:nvPr>
+            <p:ph idx="1"/>
+          </p:nvPr>
+        </p:nvSpPr>
+        <p:spPr/>
+        <p:txBody>
+          <a:bodyPr/>
+          <a:lstStyle/>
+          <a:p>
+            <a:endParaRPr lang="ru-RU" dirty="0"/>
+          </a:p>
+        </p:txBody>
+      </p:sp>
+    </p:spTree>
+    <p:extLst>
+      <p:ext uri="{BB962C8B-B14F-4D97-AF65-F5344CB8AC3E}">
+        <p14:creationId xmlns:p14="http://schemas.microsoft.com/office/powerpoint/2010/main" val="1789036735"/>
+      </p:ext>
+    </p:extLst>
+  </p:cSld>
+  <p:clrMapOvr>
+    <a:masterClrMapping/>
+  </p:clrMapOvr>
+  <p:timing>
+    <p:tnLst>
+      <p:par>
+        <p:cTn id="1" dur="indefinite" restart="never" nodeType="tmRoot"/>
+      </p:par>
+    </p:tnLst>
+  </p:timing>
 </p:sld>
 </file>
 
 <file path=ppt/theme/theme1.xml><?xml version="1.0" encoding="utf-8"?>
-<a:theme xmlns:a="http://schemas.openxmlformats.org/drawingml/2006/main" name="Office Theme">
+<a:theme xmlns:a="http://schemas.openxmlformats.org/drawingml/2006/main" name="Тема Office">
   <a:themeElements>
-    <a:clrScheme name="Office">
+    <a:clrScheme name="Стандартная">
       <a:dk1>
         <a:sysClr val="windowText" lastClr="000000"/>
       </a:dk1>
@@ -2059,7 +5420,7 @@
         <a:srgbClr val="E7E6E6"/>
       </a:lt2>
       <a:accent1>
-        <a:srgbClr val="4472C4"/>
+        <a:srgbClr val="5B9BD5"/>
       </a:accent1>
       <a:accent2>
         <a:srgbClr val="ED7D31"/>
@@ -2071,7 +5432,7 @@
         <a:srgbClr val="FFC000"/>
       </a:accent4>
       <a:accent5>
-        <a:srgbClr val="5B9BD5"/>
+        <a:srgbClr val="4472C4"/>
       </a:accent5>
       <a:accent6>
         <a:srgbClr val="70AD47"/>
@@ -2083,7 +5444,7 @@
         <a:srgbClr val="954F72"/>
       </a:folHlink>
     </a:clrScheme>
-    <a:fontScheme name="Office">
+    <a:fontScheme name="Стандартная">
       <a:majorFont>
         <a:latin typeface="Calibri Light" panose="020F0302020204030204"/>
         <a:ea typeface=""/>
@@ -2118,23 +5479,6 @@
         <a:font script="Viet" typeface="Times New Roman"/>
         <a:font script="Uigh" typeface="Microsoft Uighur"/>
         <a:font script="Geor" typeface="Sylfaen"/>
-        <a:font script="Armn" typeface="Arial"/>
-        <a:font script="Bugi" typeface="Leelawadee UI"/>
-        <a:font script="Bopo" typeface="Microsoft JhengHei"/>
-        <a:font script="Java" typeface="Javanese Text"/>
-        <a:font script="Lisu" typeface="Segoe UI"/>
-        <a:font script="Mymr" typeface="Myanmar Text"/>
-        <a:font script="Nkoo" typeface="Ebrima"/>
-        <a:font script="Olck" typeface="Nirmala UI"/>
-        <a:font script="Osma" typeface="Ebrima"/>
-        <a:font script="Phag" typeface="Phagspa"/>
-        <a:font script="Syrn" typeface="Estrangelo Edessa"/>
-        <a:font script="Syrj" typeface="Estrangelo Edessa"/>
-        <a:font script="Syre" typeface="Estrangelo Edessa"/>
-        <a:font script="Sora" typeface="Nirmala UI"/>
-        <a:font script="Tale" typeface="Microsoft Tai Le"/>
-        <a:font script="Talu" typeface="Microsoft New Tai Lue"/>
-        <a:font script="Tfng" typeface="Ebrima"/>
       </a:majorFont>
       <a:minorFont>
         <a:latin typeface="Calibri" panose="020F0502020204030204"/>
@@ -2170,26 +5514,270 @@
         <a:font script="Viet" typeface="Arial"/>
         <a:font script="Uigh" typeface="Microsoft Uighur"/>
         <a:font script="Geor" typeface="Sylfaen"/>
-        <a:font script="Armn" typeface="Arial"/>
-        <a:font script="Bugi" typeface="Leelawadee UI"/>
-        <a:font script="Bopo" typeface="Microsoft JhengHei"/>
-        <a:font script="Java" typeface="Javanese Text"/>
-        <a:font script="Lisu" typeface="Segoe UI"/>
-        <a:font script="Mymr" typeface="Myanmar Text"/>
-        <a:font script="Nkoo" typeface="Ebrima"/>
-        <a:font script="Olck" typeface="Nirmala UI"/>
-        <a:font script="Osma" typeface="Ebrima"/>
-        <a:font script="Phag" typeface="Phagspa"/>
-        <a:font script="Syrn" typeface="Estrangelo Edessa"/>
-        <a:font script="Syrj" typeface="Estrangelo Edessa"/>
-        <a:font script="Syre" typeface="Estrangelo Edessa"/>
-        <a:font script="Sora" typeface="Nirmala UI"/>
-        <a:font script="Tale" typeface="Microsoft Tai Le"/>
-        <a:font script="Talu" typeface="Microsoft New Tai Lue"/>
-        <a:font script="Tfng" typeface="Ebrima"/>
       </a:minorFont>
     </a:fontScheme>
-    <a:fmtScheme name="Office">
+    <a:fmtScheme name="Стандартная">
+      <a:fillStyleLst>
+        <a:solidFill>
+          <a:schemeClr val="phClr"/>
+        </a:solidFill>
+        <a:gradFill rotWithShape="1">
+          <a:gsLst>
+            <a:gs pos="0">
+              <a:schemeClr val="phClr">
+                <a:lumMod val="110000"/>
+                <a:satMod val="105000"/>
+                <a:tint val="67000"/>
+              </a:schemeClr>
+            </a:gs>
+            <a:gs pos="50000">
+              <a:schemeClr val="phClr">
+                <a:lumMod val="105000"/>
+                <a:satMod val="103000"/>
+                <a:tint val="73000"/>
+              </a:schemeClr>
+            </a:gs>
+            <a:gs pos="100000">
+              <a:schemeClr val="phClr">
+                <a:lumMod val="105000"/>
+                <a:satMod val="109000"/>
+                <a:tint val="81000"/>
+              </a:schemeClr>
+            </a:gs>
+          </a:gsLst>
+          <a:lin ang="5400000" scaled="0"/>
+        </a:gradFill>
+        <a:gradFill rotWithShape="1">
+          <a:gsLst>
+            <a:gs pos="0">
+              <a:schemeClr val="phClr">
+                <a:satMod val="103000"/>
+                <a:lumMod val="102000"/>
+                <a:tint val="94000"/>
+              </a:schemeClr>
+            </a:gs>
+            <a:gs pos="50000">
+              <a:schemeClr val="phClr">
+                <a:satMod val="110000"/>
+                <a:lumMod val="100000"/>
+                <a:shade val="100000"/>
+              </a:schemeClr>
+            </a:gs>
+            <a:gs pos="100000">
+              <a:schemeClr val="phClr">
+                <a:lumMod val="99000"/>
+                <a:satMod val="120000"/>
+                <a:shade val="78000"/>
+              </a:schemeClr>
+            </a:gs>
+          </a:gsLst>
+          <a:lin ang="5400000" scaled="0"/>
+        </a:gradFill>
+      </a:fillStyleLst>
+      <a:lnStyleLst>
+        <a:ln w="6350" cap="flat" cmpd="sng" algn="ctr">
+          <a:solidFill>
+            <a:schemeClr val="phClr"/>
+          </a:solidFill>
+          <a:prstDash val="solid"/>
+          <a:miter lim="800000"/>
+        </a:ln>
+        <a:ln w="12700" cap="flat" cmpd="sng" algn="ctr">
+          <a:solidFill>
+            <a:schemeClr val="phClr"/>
+          </a:solidFill>
+          <a:prstDash val="solid"/>
+          <a:miter lim="800000"/>
+        </a:ln>
+        <a:ln w="19050" cap="flat" cmpd="sng" algn="ctr">
+          <a:solidFill>
+            <a:schemeClr val="phClr"/>
+          </a:solidFill>
+          <a:prstDash val="solid"/>
+          <a:miter lim="800000"/>
+        </a:ln>
+      </a:lnStyleLst>
+      <a:effectStyleLst>
+        <a:effectStyle>
+          <a:effectLst/>
+        </a:effectStyle>
+        <a:effectStyle>
+          <a:effectLst/>
+        </a:effectStyle>
+        <a:effectStyle>
+          <a:effectLst>
+            <a:outerShdw blurRad="57150" dist="19050" dir="5400000" algn="ctr" rotWithShape="0">
+              <a:srgbClr val="000000">
+                <a:alpha val="63000"/>
+              </a:srgbClr>
+            </a:outerShdw>
+          </a:effectLst>
+        </a:effectStyle>
+      </a:effectStyleLst>
+      <a:bgFillStyleLst>
+        <a:solidFill>
+          <a:schemeClr val="phClr"/>
+        </a:solidFill>
+        <a:solidFill>
+          <a:schemeClr val="phClr">
+            <a:tint val="95000"/>
+            <a:satMod val="170000"/>
+          </a:schemeClr>
+        </a:solidFill>
+        <a:gradFill rotWithShape="1">
+          <a:gsLst>
+            <a:gs pos="0">
+              <a:schemeClr val="phClr">
+                <a:tint val="93000"/>
+                <a:satMod val="150000"/>
+                <a:shade val="98000"/>
+                <a:lumMod val="102000"/>
+              </a:schemeClr>
+            </a:gs>
+            <a:gs pos="50000">
+              <a:schemeClr val="phClr">
+                <a:tint val="98000"/>
+                <a:satMod val="130000"/>
+                <a:shade val="90000"/>
+                <a:lumMod val="103000"/>
+              </a:schemeClr>
+            </a:gs>
+            <a:gs pos="100000">
+              <a:schemeClr val="phClr">
+                <a:shade val="63000"/>
+                <a:satMod val="120000"/>
+              </a:schemeClr>
+            </a:gs>
+          </a:gsLst>
+          <a:lin ang="5400000" scaled="0"/>
+        </a:gradFill>
+      </a:bgFillStyleLst>
+    </a:fmtScheme>
+  </a:themeElements>
+  <a:objectDefaults/>
+  <a:extraClrSchemeLst/>
+  <a:extLst>
+    <a:ext uri="{05A4C25C-085E-4340-85A3-A5531E510DB2}">
+      <thm15:themeFamily xmlns:thm15="http://schemas.microsoft.com/office/thememl/2012/main" name="Office Theme" id="{62F939B6-93AF-4DB8-9C6B-D6C7DFDC589F}" vid="{4A3C46E8-61CC-4603-A589-7422A47A8E4A}"/>
+    </a:ext>
+  </a:extLst>
+</a:theme>
+</file>
+
+<file path=ppt/theme/theme2.xml><?xml version="1.0" encoding="utf-8"?>
+<a:theme xmlns:a="http://schemas.openxmlformats.org/drawingml/2006/main" name="Тема Office">
+  <a:themeElements>
+    <a:clrScheme name="Стандартная">
+      <a:dk1>
+        <a:sysClr val="windowText" lastClr="000000"/>
+      </a:dk1>
+      <a:lt1>
+        <a:sysClr val="window" lastClr="FFFFFF"/>
+      </a:lt1>
+      <a:dk2>
+        <a:srgbClr val="44546A"/>
+      </a:dk2>
+      <a:lt2>
+        <a:srgbClr val="E7E6E6"/>
+      </a:lt2>
+      <a:accent1>
+        <a:srgbClr val="5B9BD5"/>
+      </a:accent1>
+      <a:accent2>
+        <a:srgbClr val="ED7D31"/>
+      </a:accent2>
+      <a:accent3>
+        <a:srgbClr val="A5A5A5"/>
+      </a:accent3>
+      <a:accent4>
+        <a:srgbClr val="FFC000"/>
+      </a:accent4>
+      <a:accent5>
+        <a:srgbClr val="4472C4"/>
+      </a:accent5>
+      <a:accent6>
+        <a:srgbClr val="70AD47"/>
+      </a:accent6>
+      <a:hlink>
+        <a:srgbClr val="0563C1"/>
+      </a:hlink>
+      <a:folHlink>
+        <a:srgbClr val="954F72"/>
+      </a:folHlink>
+    </a:clrScheme>
+    <a:fontScheme name="Стандартная">
+      <a:majorFont>
+        <a:latin typeface="Calibri Light" panose="020F0302020204030204"/>
+        <a:ea typeface=""/>
+        <a:cs typeface=""/>
+        <a:font script="Jpan" typeface="游ゴシック Light"/>
+        <a:font script="Hang" typeface="맑은 고딕"/>
+        <a:font script="Hans" typeface="等线 Light"/>
+        <a:font script="Hant" typeface="新細明體"/>
+        <a:font script="Arab" typeface="Times New Roman"/>
+        <a:font script="Hebr" typeface="Times New Roman"/>
+        <a:font script="Thai" typeface="Angsana New"/>
+        <a:font script="Ethi" typeface="Nyala"/>
+        <a:font script="Beng" typeface="Vrinda"/>
+        <a:font script="Gujr" typeface="Shruti"/>
+        <a:font script="Khmr" typeface="MoolBoran"/>
+        <a:font script="Knda" typeface="Tunga"/>
+        <a:font script="Guru" typeface="Raavi"/>
+        <a:font script="Cans" typeface="Euphemia"/>
+        <a:font script="Cher" typeface="Plantagenet Cherokee"/>
+        <a:font script="Yiii" typeface="Microsoft Yi Baiti"/>
+        <a:font script="Tibt" typeface="Microsoft Himalaya"/>
+        <a:font script="Thaa" typeface="MV Boli"/>
+        <a:font script="Deva" typeface="Mangal"/>
+        <a:font script="Telu" typeface="Gautami"/>
+        <a:font script="Taml" typeface="Latha"/>
+        <a:font script="Syrc" typeface="Estrangelo Edessa"/>
+        <a:font script="Orya" typeface="Kalinga"/>
+        <a:font script="Mlym" typeface="Kartika"/>
+        <a:font script="Laoo" typeface="DokChampa"/>
+        <a:font script="Sinh" typeface="Iskoola Pota"/>
+        <a:font script="Mong" typeface="Mongolian Baiti"/>
+        <a:font script="Viet" typeface="Times New Roman"/>
+        <a:font script="Uigh" typeface="Microsoft Uighur"/>
+        <a:font script="Geor" typeface="Sylfaen"/>
+      </a:majorFont>
+      <a:minorFont>
+        <a:latin typeface="Calibri" panose="020F0502020204030204"/>
+        <a:ea typeface=""/>
+        <a:cs typeface=""/>
+        <a:font script="Jpan" typeface="游ゴシック"/>
+        <a:font script="Hang" typeface="맑은 고딕"/>
+        <a:font script="Hans" typeface="等线"/>
+        <a:font script="Hant" typeface="新細明體"/>
+        <a:font script="Arab" typeface="Arial"/>
+        <a:font script="Hebr" typeface="Arial"/>
+        <a:font script="Thai" typeface="Cordia New"/>
+        <a:font script="Ethi" typeface="Nyala"/>
+        <a:font script="Beng" typeface="Vrinda"/>
+        <a:font script="Gujr" typeface="Shruti"/>
+        <a:font script="Khmr" typeface="DaunPenh"/>
+        <a:font script="Knda" typeface="Tunga"/>
+        <a:font script="Guru" typeface="Raavi"/>
+        <a:font script="Cans" typeface="Euphemia"/>
+        <a:font script="Cher" typeface="Plantagenet Cherokee"/>
+        <a:font script="Yiii" typeface="Microsoft Yi Baiti"/>
+        <a:font script="Tibt" typeface="Microsoft Himalaya"/>
+        <a:font script="Thaa" typeface="MV Boli"/>
+        <a:font script="Deva" typeface="Mangal"/>
+        <a:font script="Telu" typeface="Gautami"/>
+        <a:font script="Taml" typeface="Latha"/>
+        <a:font script="Syrc" typeface="Estrangelo Edessa"/>
+        <a:font script="Orya" typeface="Kalinga"/>
+        <a:font script="Mlym" typeface="Kartika"/>
+        <a:font script="Laoo" typeface="DokChampa"/>
+        <a:font script="Sinh" typeface="Iskoola Pota"/>
+        <a:font script="Mong" typeface="Mongolian Baiti"/>
+        <a:font script="Viet" typeface="Arial"/>
+        <a:font script="Uigh" typeface="Microsoft Uighur"/>
+        <a:font script="Geor" typeface="Sylfaen"/>
+      </a:minorFont>
+    </a:fontScheme>
+    <a:fmtScheme name="Стандартная">
       <a:fillStyleLst>
         <a:solidFill>
           <a:schemeClr val="phClr"/>

--- a/docs/presentation.pptx
+++ b/docs/presentation.pptx
@@ -5,20 +5,19 @@
     <p:sldMasterId id="2147483998" r:id="rId1"/>
   </p:sldMasterIdLst>
   <p:notesMasterIdLst>
-    <p:notesMasterId r:id="rId13"/>
+    <p:notesMasterId r:id="rId12"/>
   </p:notesMasterIdLst>
   <p:sldIdLst>
     <p:sldId id="256" r:id="rId2"/>
     <p:sldId id="257" r:id="rId3"/>
-    <p:sldId id="258" r:id="rId4"/>
-    <p:sldId id="259" r:id="rId5"/>
-    <p:sldId id="261" r:id="rId6"/>
-    <p:sldId id="262" r:id="rId7"/>
-    <p:sldId id="263" r:id="rId8"/>
-    <p:sldId id="264" r:id="rId9"/>
-    <p:sldId id="265" r:id="rId10"/>
-    <p:sldId id="266" r:id="rId11"/>
-    <p:sldId id="267" r:id="rId12"/>
+    <p:sldId id="259" r:id="rId4"/>
+    <p:sldId id="261" r:id="rId5"/>
+    <p:sldId id="262" r:id="rId6"/>
+    <p:sldId id="263" r:id="rId7"/>
+    <p:sldId id="264" r:id="rId8"/>
+    <p:sldId id="265" r:id="rId9"/>
+    <p:sldId id="266" r:id="rId10"/>
+    <p:sldId id="267" r:id="rId11"/>
   </p:sldIdLst>
   <p:sldSz cx="12192000" cy="6858000"/>
   <p:notesSz cx="6858000" cy="9144000"/>
@@ -3514,13 +3513,13 @@
       </p:grpSpPr>
       <p:sp>
         <p:nvSpPr>
-          <p:cNvPr id="4" name="TextBox 3"/>
+          <p:cNvPr id="6" name="TextBox 5"/>
           <p:cNvSpPr txBox="1"/>
           <p:nvPr/>
         </p:nvSpPr>
         <p:spPr>
           <a:xfrm>
-            <a:off x="3289738" y="2953406"/>
+            <a:off x="2548759" y="4393005"/>
             <a:ext cx="7094482" cy="523220"/>
           </a:xfrm>
           <a:prstGeom prst="rect">
@@ -3534,76 +3533,10 @@
           </a:bodyPr>
           <a:lstStyle/>
           <a:p>
+            <a:pPr algn="ctr"/>
             <a:r>
               <a:rPr lang="ru-RU" sz="2800" dirty="0" smtClean="0"/>
-              <a:t>*тут можно вставить видео игры*</a:t>
-            </a:r>
-            <a:endParaRPr lang="ru-RU" sz="2800" dirty="0"/>
-          </a:p>
-        </p:txBody>
-      </p:sp>
-    </p:spTree>
-    <p:extLst>
-      <p:ext uri="{BB962C8B-B14F-4D97-AF65-F5344CB8AC3E}">
-        <p14:creationId xmlns:p14="http://schemas.microsoft.com/office/powerpoint/2010/main" val="3092105942"/>
-      </p:ext>
-    </p:extLst>
-  </p:cSld>
-  <p:clrMapOvr>
-    <a:masterClrMapping/>
-  </p:clrMapOvr>
-  <p:timing>
-    <p:tnLst>
-      <p:par>
-        <p:cTn id="1" dur="indefinite" restart="never" nodeType="tmRoot"/>
-      </p:par>
-    </p:tnLst>
-  </p:timing>
-</p:sld>
-</file>
-
-<file path=ppt/slides/slide11.xml><?xml version="1.0" encoding="utf-8"?>
-<p:sld xmlns:a="http://schemas.openxmlformats.org/drawingml/2006/main" xmlns:r="http://schemas.openxmlformats.org/officeDocument/2006/relationships" xmlns:p="http://schemas.openxmlformats.org/presentationml/2006/main">
-  <p:cSld>
-    <p:spTree>
-      <p:nvGrpSpPr>
-        <p:cNvPr id="1" name=""/>
-        <p:cNvGrpSpPr/>
-        <p:nvPr/>
-      </p:nvGrpSpPr>
-      <p:grpSpPr>
-        <a:xfrm>
-          <a:off x="0" y="0"/>
-          <a:ext cx="0" cy="0"/>
-          <a:chOff x="0" y="0"/>
-          <a:chExt cx="0" cy="0"/>
-        </a:xfrm>
-      </p:grpSpPr>
-      <p:sp>
-        <p:nvSpPr>
-          <p:cNvPr id="6" name="TextBox 5"/>
-          <p:cNvSpPr txBox="1"/>
-          <p:nvPr/>
-        </p:nvSpPr>
-        <p:spPr>
-          <a:xfrm>
-            <a:off x="2932386" y="4466896"/>
-            <a:ext cx="7094482" cy="523220"/>
-          </a:xfrm>
-          <a:prstGeom prst="rect">
-            <a:avLst/>
-          </a:prstGeom>
-          <a:noFill/>
-        </p:spPr>
-        <p:txBody>
-          <a:bodyPr wrap="square" rtlCol="0">
-            <a:spAutoFit/>
-          </a:bodyPr>
-          <a:lstStyle/>
-          <a:p>
-            <a:r>
-              <a:rPr lang="ru-RU" sz="2800" dirty="0" smtClean="0"/>
-              <a:t>*тут можно вставить ссылку на гит*</a:t>
+              <a:t>тут будет ссылка на гит</a:t>
             </a:r>
             <a:endParaRPr lang="ru-RU" sz="2800" dirty="0"/>
           </a:p>
@@ -3774,7 +3707,7 @@
         </p:nvSpPr>
         <p:spPr>
           <a:xfrm>
-            <a:off x="0" y="1398588"/>
+            <a:off x="503237" y="1351283"/>
             <a:ext cx="11185525" cy="2332037"/>
           </a:xfrm>
         </p:spPr>
@@ -3789,11 +3722,7 @@
             </a:pPr>
             <a:r>
               <a:rPr lang="ru-RU" dirty="0" smtClean="0"/>
-              <a:t>	Цель </a:t>
-            </a:r>
-            <a:r>
-              <a:rPr lang="ru-RU" dirty="0" smtClean="0"/>
-              <a:t>проекта: создать игру в жанре аркадных игр, «классический вертикальный Данмаку-шутер», также известный как </a:t>
+              <a:t>	Цель проекта: создать игру в жанре аркадных игр, «классический вертикальный Данмаку-шутер», также известный как </a:t>
             </a:r>
             <a:r>
               <a:rPr lang="en-GB" dirty="0" smtClean="0"/>
@@ -4122,7 +4051,7 @@
                   </a:outerShdw>
                 </a:effectLst>
               </a:rPr>
-              <a:t>Архитектура</a:t>
+              <a:t>Движок</a:t>
             </a:r>
             <a:endParaRPr lang="ru-RU" sz="8000" b="1" dirty="0">
               <a:effectLst>
@@ -4158,43 +4087,40 @@
             </a:pPr>
             <a:r>
               <a:rPr lang="ru-RU" dirty="0" smtClean="0"/>
-              <a:t>Разработка велась в </a:t>
+              <a:t>	Получил название </a:t>
+            </a:r>
+            <a:r>
+              <a:rPr lang="en-GB" dirty="0" smtClean="0"/>
+              <a:t>Vgame</a:t>
             </a:r>
             <a:r>
               <a:rPr lang="ru-RU" dirty="0" smtClean="0"/>
-              <a:t>двух </a:t>
+              <a:t>, написан поверх </a:t>
+            </a:r>
+            <a:r>
+              <a:rPr lang="en-GB" dirty="0" smtClean="0"/>
+              <a:t>PyGame</a:t>
             </a:r>
             <a:r>
               <a:rPr lang="ru-RU" dirty="0" smtClean="0"/>
-              <a:t>направлениях:</a:t>
-            </a:r>
-          </a:p>
-          <a:p>
-            <a:pPr marL="342900" indent="-342900" algn="just">
-              <a:buFont typeface="Arial" panose="020B0604020202020204" pitchFamily="34" charset="0"/>
-              <a:buChar char="•"/>
+              <a:t>. Разделяет игру на отдельные треды. Создает абстракцию и интерфейс, подобный </a:t>
+            </a:r>
+            <a:r>
+              <a:rPr lang="en-GB" dirty="0" smtClean="0"/>
+              <a:t>Love2D</a:t>
+            </a:r>
+            <a:r>
+              <a:rPr lang="ru-RU" dirty="0" smtClean="0"/>
+              <a:t>.</a:t>
+            </a:r>
+          </a:p>
+          <a:p>
+            <a:pPr marL="0" indent="0" algn="just">
+              <a:buNone/>
             </a:pPr>
             <a:r>
-              <a:rPr lang="ru-RU" dirty="0" smtClean="0"/>
-              <a:t>Создание движка для удобной работы</a:t>
-            </a:r>
-          </a:p>
-          <a:p>
-            <a:pPr marL="342900" indent="-342900" algn="just">
-              <a:buFont typeface="Arial" panose="020B0604020202020204" pitchFamily="34" charset="0"/>
-              <a:buChar char="•"/>
-            </a:pPr>
-            <a:r>
-              <a:rPr lang="ru-RU" dirty="0" smtClean="0"/>
-              <a:t>Создание игровых </a:t>
-            </a:r>
-            <a:r>
-              <a:rPr lang="ru-RU" dirty="0" smtClean="0"/>
-              <a:t>механик и р</a:t>
-            </a:r>
-            <a:r>
-              <a:rPr lang="ru-RU" dirty="0" smtClean="0"/>
-              <a:t>азработка базы данных</a:t>
+              <a:rPr lang="en-GB" dirty="0" smtClean="0"/>
+              <a:t>Git: </a:t>
             </a:r>
             <a:endParaRPr lang="ru-RU" dirty="0"/>
           </a:p>
@@ -4208,8 +4134,8 @@
         </p:nvSpPr>
         <p:spPr>
           <a:xfrm>
-            <a:off x="3979106" y="4169951"/>
-            <a:ext cx="4615944" cy="523220"/>
+            <a:off x="5087007" y="4529959"/>
+            <a:ext cx="2292807" cy="523220"/>
           </a:xfrm>
           <a:prstGeom prst="rect">
             <a:avLst/>
@@ -4224,7 +4150,7 @@
           <a:p>
             <a:r>
               <a:rPr lang="ru-RU" sz="2800" dirty="0" smtClean="0"/>
-              <a:t>*тут должны быть картинки*</a:t>
+              <a:t>Картинки????</a:t>
             </a:r>
             <a:endParaRPr lang="ru-RU" sz="2800" dirty="0"/>
           </a:p>
@@ -4233,7 +4159,7 @@
     </p:spTree>
     <p:extLst>
       <p:ext uri="{BB962C8B-B14F-4D97-AF65-F5344CB8AC3E}">
-        <p14:creationId xmlns:p14="http://schemas.microsoft.com/office/powerpoint/2010/main" val="1780194910"/>
+        <p14:creationId xmlns:p14="http://schemas.microsoft.com/office/powerpoint/2010/main" val="3500146176"/>
       </p:ext>
     </p:extLst>
   </p:cSld>
@@ -4300,7 +4226,7 @@
                   </a:outerShdw>
                 </a:effectLst>
               </a:rPr>
-              <a:t>Движок</a:t>
+              <a:t>Меню</a:t>
             </a:r>
             <a:endParaRPr lang="ru-RU" sz="8000" b="1" dirty="0">
               <a:effectLst>
@@ -4314,121 +4240,130 @@
           </a:p>
         </p:txBody>
       </p:sp>
-      <p:sp>
-        <p:nvSpPr>
-          <p:cNvPr id="3" name="Подзаголовок 2"/>
-          <p:cNvSpPr>
-            <a:spLocks noGrp="1"/>
-          </p:cNvSpPr>
-          <p:nvPr>
-            <p:ph idx="1"/>
-          </p:nvPr>
-        </p:nvSpPr>
-        <p:spPr/>
-        <p:txBody>
-          <a:bodyPr>
-            <a:noAutofit/>
-          </a:bodyPr>
-          <a:lstStyle/>
-          <a:p>
-            <a:pPr marL="0" indent="0" algn="just">
-              <a:buNone/>
-            </a:pPr>
-            <a:r>
-              <a:rPr lang="ru-RU" dirty="0" smtClean="0"/>
-              <a:t>	Получил </a:t>
-            </a:r>
-            <a:r>
-              <a:rPr lang="ru-RU" dirty="0" smtClean="0"/>
-              <a:t>название </a:t>
-            </a:r>
-            <a:r>
-              <a:rPr lang="en-GB" dirty="0" smtClean="0"/>
-              <a:t>Vgame</a:t>
-            </a:r>
-            <a:r>
-              <a:rPr lang="ru-RU" dirty="0" smtClean="0"/>
-              <a:t>, написан поверх </a:t>
-            </a:r>
-            <a:r>
-              <a:rPr lang="en-GB" dirty="0" smtClean="0"/>
-              <a:t>PyGame</a:t>
-            </a:r>
-            <a:r>
-              <a:rPr lang="ru-RU" dirty="0" smtClean="0"/>
-              <a:t>. </a:t>
-            </a:r>
-            <a:r>
-              <a:rPr lang="ru-RU" dirty="0" smtClean="0"/>
-              <a:t>Разделяет </a:t>
-            </a:r>
-            <a:r>
-              <a:rPr lang="ru-RU" dirty="0" smtClean="0"/>
-              <a:t>игру </a:t>
-            </a:r>
-            <a:r>
-              <a:rPr lang="ru-RU" dirty="0" smtClean="0"/>
-              <a:t>на отдельные </a:t>
-            </a:r>
-            <a:r>
-              <a:rPr lang="ru-RU" dirty="0" smtClean="0"/>
-              <a:t>треды. Создает абстракцию и интерфейс, подобный </a:t>
-            </a:r>
-            <a:r>
-              <a:rPr lang="en-GB" dirty="0" smtClean="0"/>
-              <a:t>Love2D</a:t>
-            </a:r>
-            <a:r>
-              <a:rPr lang="ru-RU" dirty="0" smtClean="0"/>
-              <a:t>.</a:t>
-            </a:r>
-          </a:p>
-          <a:p>
-            <a:pPr marL="0" indent="0" algn="just">
-              <a:buNone/>
-            </a:pPr>
-            <a:r>
-              <a:rPr lang="en-GB" dirty="0" smtClean="0"/>
-              <a:t>Git: </a:t>
-            </a:r>
-            <a:endParaRPr lang="ru-RU" dirty="0"/>
-          </a:p>
-        </p:txBody>
-      </p:sp>
-      <p:sp>
-        <p:nvSpPr>
-          <p:cNvPr id="5" name="TextBox 4"/>
-          <p:cNvSpPr txBox="1"/>
+      <p:pic>
+        <p:nvPicPr>
+          <p:cNvPr id="6" name="Рисунок 5"/>
+          <p:cNvPicPr>
+            <a:picLocks noChangeAspect="1"/>
+          </p:cNvPicPr>
           <p:nvPr/>
-        </p:nvSpPr>
+        </p:nvPicPr>
+        <p:blipFill>
+          <a:blip r:embed="rId2">
+            <a:extLst>
+              <a:ext uri="{28A0092B-C50C-407E-A947-70E740481C1C}">
+                <a14:useLocalDpi xmlns:a14="http://schemas.microsoft.com/office/drawing/2010/main" val="0"/>
+              </a:ext>
+            </a:extLst>
+          </a:blip>
+          <a:stretch>
+            <a:fillRect/>
+          </a:stretch>
+        </p:blipFill>
         <p:spPr>
           <a:xfrm>
-            <a:off x="5087007" y="4529959"/>
-            <a:ext cx="2292807" cy="523220"/>
+            <a:off x="794620" y="1382637"/>
+            <a:ext cx="4807393" cy="5102245"/>
           </a:xfrm>
           <a:prstGeom prst="rect">
             <a:avLst/>
           </a:prstGeom>
-          <a:noFill/>
-        </p:spPr>
-        <p:txBody>
-          <a:bodyPr wrap="none" rtlCol="0">
-            <a:spAutoFit/>
-          </a:bodyPr>
-          <a:lstStyle/>
-          <a:p>
-            <a:r>
-              <a:rPr lang="ru-RU" sz="2800" dirty="0" smtClean="0"/>
-              <a:t>Картинки????</a:t>
-            </a:r>
-            <a:endParaRPr lang="ru-RU" sz="2800" dirty="0"/>
-          </a:p>
-        </p:txBody>
-      </p:sp>
+          <a:ln>
+            <a:noFill/>
+          </a:ln>
+          <a:effectLst>
+            <a:outerShdw blurRad="292100" dist="139700" dir="2700000" algn="tl" rotWithShape="0">
+              <a:srgbClr val="333333">
+                <a:alpha val="65000"/>
+              </a:srgbClr>
+            </a:outerShdw>
+          </a:effectLst>
+        </p:spPr>
+      </p:pic>
+      <p:pic>
+        <p:nvPicPr>
+          <p:cNvPr id="7" name="Рисунок 6"/>
+          <p:cNvPicPr>
+            <a:picLocks noChangeAspect="1"/>
+          </p:cNvPicPr>
+          <p:nvPr/>
+        </p:nvPicPr>
+        <p:blipFill>
+          <a:blip r:embed="rId3" cstate="print">
+            <a:extLst>
+              <a:ext uri="{28A0092B-C50C-407E-A947-70E740481C1C}">
+                <a14:useLocalDpi xmlns:a14="http://schemas.microsoft.com/office/drawing/2010/main" val="0"/>
+              </a:ext>
+            </a:extLst>
+          </a:blip>
+          <a:stretch>
+            <a:fillRect/>
+          </a:stretch>
+        </p:blipFill>
+        <p:spPr>
+          <a:xfrm>
+            <a:off x="6301435" y="1482239"/>
+            <a:ext cx="3000599" cy="3184635"/>
+          </a:xfrm>
+          <a:prstGeom prst="rect">
+            <a:avLst/>
+          </a:prstGeom>
+          <a:ln>
+            <a:noFill/>
+          </a:ln>
+          <a:effectLst>
+            <a:outerShdw blurRad="292100" dist="139700" dir="2700000" algn="tl" rotWithShape="0">
+              <a:srgbClr val="333333">
+                <a:alpha val="65000"/>
+              </a:srgbClr>
+            </a:outerShdw>
+          </a:effectLst>
+        </p:spPr>
+      </p:pic>
+      <p:pic>
+        <p:nvPicPr>
+          <p:cNvPr id="8" name="Рисунок 7"/>
+          <p:cNvPicPr>
+            <a:picLocks noChangeAspect="1"/>
+          </p:cNvPicPr>
+          <p:nvPr/>
+        </p:nvPicPr>
+        <p:blipFill>
+          <a:blip r:embed="rId4" cstate="print">
+            <a:extLst>
+              <a:ext uri="{28A0092B-C50C-407E-A947-70E740481C1C}">
+                <a14:useLocalDpi xmlns:a14="http://schemas.microsoft.com/office/drawing/2010/main" val="0"/>
+              </a:ext>
+            </a:extLst>
+          </a:blip>
+          <a:stretch>
+            <a:fillRect/>
+          </a:stretch>
+        </p:blipFill>
+        <p:spPr>
+          <a:xfrm>
+            <a:off x="8498702" y="3289737"/>
+            <a:ext cx="3010501" cy="3195145"/>
+          </a:xfrm>
+          <a:prstGeom prst="rect">
+            <a:avLst/>
+          </a:prstGeom>
+          <a:ln>
+            <a:noFill/>
+          </a:ln>
+          <a:effectLst>
+            <a:outerShdw blurRad="292100" dist="139700" dir="2700000" algn="tl" rotWithShape="0">
+              <a:srgbClr val="333333">
+                <a:alpha val="65000"/>
+              </a:srgbClr>
+            </a:outerShdw>
+          </a:effectLst>
+        </p:spPr>
+      </p:pic>
     </p:spTree>
     <p:extLst>
       <p:ext uri="{BB962C8B-B14F-4D97-AF65-F5344CB8AC3E}">
-        <p14:creationId xmlns:p14="http://schemas.microsoft.com/office/powerpoint/2010/main" val="3500146176"/>
+        <p14:creationId xmlns:p14="http://schemas.microsoft.com/office/powerpoint/2010/main" val="2062288154"/>
       </p:ext>
     </p:extLst>
   </p:cSld>
@@ -4462,63 +4397,16 @@
           <a:chExt cx="0" cy="0"/>
         </a:xfrm>
       </p:grpSpPr>
-      <p:sp>
-        <p:nvSpPr>
-          <p:cNvPr id="2" name="Заголовок 1"/>
-          <p:cNvSpPr>
-            <a:spLocks noGrp="1"/>
-          </p:cNvSpPr>
-          <p:nvPr>
-            <p:ph type="title"/>
-          </p:nvPr>
-        </p:nvSpPr>
-        <p:spPr>
-          <a:xfrm>
-            <a:off x="0" y="0"/>
-            <a:ext cx="12192000" cy="1325563"/>
-          </a:xfrm>
-        </p:spPr>
-        <p:txBody>
-          <a:bodyPr>
-            <a:normAutofit/>
-          </a:bodyPr>
-          <a:lstStyle/>
-          <a:p>
-            <a:pPr algn="ctr"/>
-            <a:r>
-              <a:rPr lang="ru-RU" sz="8000" b="1" dirty="0" smtClean="0">
-                <a:effectLst>
-                  <a:outerShdw blurRad="38100" dist="38100" dir="2700000" algn="tl">
-                    <a:srgbClr val="000000">
-                      <a:alpha val="43137"/>
-                    </a:srgbClr>
-                  </a:outerShdw>
-                </a:effectLst>
-              </a:rPr>
-              <a:t>Меню</a:t>
-            </a:r>
-            <a:endParaRPr lang="ru-RU" sz="8000" b="1" dirty="0">
-              <a:effectLst>
-                <a:outerShdw blurRad="38100" dist="38100" dir="2700000" algn="tl">
-                  <a:srgbClr val="000000">
-                    <a:alpha val="43137"/>
-                  </a:srgbClr>
-                </a:outerShdw>
-              </a:effectLst>
-            </a:endParaRPr>
-          </a:p>
-        </p:txBody>
-      </p:sp>
       <p:pic>
         <p:nvPicPr>
-          <p:cNvPr id="6" name="Рисунок 5"/>
+          <p:cNvPr id="8" name="Рисунок 7"/>
           <p:cNvPicPr>
             <a:picLocks noChangeAspect="1"/>
           </p:cNvPicPr>
           <p:nvPr/>
         </p:nvPicPr>
         <p:blipFill>
-          <a:blip r:embed="rId2">
+          <a:blip r:embed="rId2" cstate="print">
             <a:extLst>
               <a:ext uri="{28A0092B-C50C-407E-A947-70E740481C1C}">
                 <a14:useLocalDpi xmlns:a14="http://schemas.microsoft.com/office/drawing/2010/main" val="0"/>
@@ -4531,8 +4419,8 @@
         </p:blipFill>
         <p:spPr>
           <a:xfrm>
-            <a:off x="794620" y="1382637"/>
-            <a:ext cx="4807393" cy="5102245"/>
+            <a:off x="9493026" y="3740033"/>
+            <a:ext cx="2395818" cy="2542762"/>
           </a:xfrm>
           <a:prstGeom prst="rect">
             <a:avLst/>
@@ -4571,8 +4459,8 @@
         </p:blipFill>
         <p:spPr>
           <a:xfrm>
-            <a:off x="6301435" y="1482239"/>
-            <a:ext cx="3000599" cy="3184635"/>
+            <a:off x="6389803" y="3740033"/>
+            <a:ext cx="2395818" cy="2542762"/>
           </a:xfrm>
           <a:prstGeom prst="rect">
             <a:avLst/>
@@ -4589,16 +4477,63 @@
           </a:effectLst>
         </p:spPr>
       </p:pic>
+      <p:sp>
+        <p:nvSpPr>
+          <p:cNvPr id="2" name="Заголовок 1"/>
+          <p:cNvSpPr>
+            <a:spLocks noGrp="1"/>
+          </p:cNvSpPr>
+          <p:nvPr>
+            <p:ph type="title"/>
+          </p:nvPr>
+        </p:nvSpPr>
+        <p:spPr>
+          <a:xfrm>
+            <a:off x="0" y="0"/>
+            <a:ext cx="12192000" cy="1325563"/>
+          </a:xfrm>
+        </p:spPr>
+        <p:txBody>
+          <a:bodyPr>
+            <a:normAutofit/>
+          </a:bodyPr>
+          <a:lstStyle/>
+          <a:p>
+            <a:pPr algn="ctr"/>
+            <a:r>
+              <a:rPr lang="ru-RU" sz="8000" b="1" dirty="0" smtClean="0">
+                <a:effectLst>
+                  <a:outerShdw blurRad="38100" dist="38100" dir="2700000" algn="tl">
+                    <a:srgbClr val="000000">
+                      <a:alpha val="43137"/>
+                    </a:srgbClr>
+                  </a:outerShdw>
+                </a:effectLst>
+              </a:rPr>
+              <a:t>Игра</a:t>
+            </a:r>
+            <a:endParaRPr lang="ru-RU" sz="8000" b="1" dirty="0">
+              <a:effectLst>
+                <a:outerShdw blurRad="38100" dist="38100" dir="2700000" algn="tl">
+                  <a:srgbClr val="000000">
+                    <a:alpha val="43137"/>
+                  </a:srgbClr>
+                </a:outerShdw>
+              </a:effectLst>
+            </a:endParaRPr>
+          </a:p>
+        </p:txBody>
+      </p:sp>
       <p:pic>
         <p:nvPicPr>
-          <p:cNvPr id="8" name="Рисунок 7"/>
+          <p:cNvPr id="3" name="Рисунок 2"/>
           <p:cNvPicPr>
             <a:picLocks noChangeAspect="1"/>
           </p:cNvPicPr>
           <p:nvPr/>
         </p:nvPicPr>
         <p:blipFill>
-          <a:blip r:embed="rId4" cstate="print">
+          <a:blip r:embed="rId4">
             <a:extLst>
               <a:ext uri="{28A0092B-C50C-407E-A947-70E740481C1C}">
                 <a14:useLocalDpi xmlns:a14="http://schemas.microsoft.com/office/drawing/2010/main" val="0"/>
@@ -4611,8 +4546,8 @@
         </p:blipFill>
         <p:spPr>
           <a:xfrm>
-            <a:off x="8498702" y="3289737"/>
-            <a:ext cx="3010501" cy="3195145"/>
+            <a:off x="859522" y="1325563"/>
+            <a:ext cx="4670759" cy="4957232"/>
           </a:xfrm>
           <a:prstGeom prst="rect">
             <a:avLst/>
@@ -4629,10 +4564,50 @@
           </a:effectLst>
         </p:spPr>
       </p:pic>
+      <p:pic>
+        <p:nvPicPr>
+          <p:cNvPr id="5" name="Рисунок 4"/>
+          <p:cNvPicPr>
+            <a:picLocks noChangeAspect="1"/>
+          </p:cNvPicPr>
+          <p:nvPr/>
+        </p:nvPicPr>
+        <p:blipFill>
+          <a:blip r:embed="rId5" cstate="print">
+            <a:extLst>
+              <a:ext uri="{28A0092B-C50C-407E-A947-70E740481C1C}">
+                <a14:useLocalDpi xmlns:a14="http://schemas.microsoft.com/office/drawing/2010/main" val="0"/>
+              </a:ext>
+            </a:extLst>
+          </a:blip>
+          <a:stretch>
+            <a:fillRect/>
+          </a:stretch>
+        </p:blipFill>
+        <p:spPr>
+          <a:xfrm>
+            <a:off x="7574277" y="1325563"/>
+            <a:ext cx="2921110" cy="3100271"/>
+          </a:xfrm>
+          <a:prstGeom prst="rect">
+            <a:avLst/>
+          </a:prstGeom>
+          <a:ln>
+            <a:noFill/>
+          </a:ln>
+          <a:effectLst>
+            <a:outerShdw blurRad="292100" dist="139700" dir="2700000" algn="tl" rotWithShape="0">
+              <a:srgbClr val="333333">
+                <a:alpha val="65000"/>
+              </a:srgbClr>
+            </a:outerShdw>
+          </a:effectLst>
+        </p:spPr>
+      </p:pic>
     </p:spTree>
     <p:extLst>
       <p:ext uri="{BB962C8B-B14F-4D97-AF65-F5344CB8AC3E}">
-        <p14:creationId xmlns:p14="http://schemas.microsoft.com/office/powerpoint/2010/main" val="2062288154"/>
+        <p14:creationId xmlns:p14="http://schemas.microsoft.com/office/powerpoint/2010/main" val="1124737428"/>
       </p:ext>
     </p:extLst>
   </p:cSld>
@@ -4666,72 +4641,15 @@
           <a:chExt cx="0" cy="0"/>
         </a:xfrm>
       </p:grpSpPr>
-      <p:sp>
-        <p:nvSpPr>
-          <p:cNvPr id="2" name="Заголовок 1"/>
-          <p:cNvSpPr>
-            <a:spLocks noGrp="1"/>
-          </p:cNvSpPr>
-          <p:nvPr>
-            <p:ph type="title"/>
-          </p:nvPr>
-        </p:nvSpPr>
-        <p:spPr>
-          <a:xfrm>
-            <a:off x="0" y="0"/>
-            <a:ext cx="12192000" cy="1325563"/>
-          </a:xfrm>
-        </p:spPr>
-        <p:txBody>
-          <a:bodyPr>
-            <a:normAutofit/>
-          </a:bodyPr>
-          <a:lstStyle/>
-          <a:p>
-            <a:pPr algn="ctr"/>
-            <a:r>
-              <a:rPr lang="ru-RU" sz="8000" b="1" dirty="0" smtClean="0">
-                <a:effectLst>
-                  <a:outerShdw blurRad="38100" dist="38100" dir="2700000" algn="tl">
-                    <a:srgbClr val="000000">
-                      <a:alpha val="43137"/>
-                    </a:srgbClr>
-                  </a:outerShdw>
-                </a:effectLst>
-              </a:rPr>
-              <a:t>И</a:t>
-            </a:r>
-            <a:r>
-              <a:rPr lang="ru-RU" sz="8000" b="1" dirty="0" smtClean="0">
-                <a:effectLst>
-                  <a:outerShdw blurRad="38100" dist="38100" dir="2700000" algn="tl">
-                    <a:srgbClr val="000000">
-                      <a:alpha val="43137"/>
-                    </a:srgbClr>
-                  </a:outerShdw>
-                </a:effectLst>
-              </a:rPr>
-              <a:t>гра</a:t>
-            </a:r>
-            <a:endParaRPr lang="ru-RU" sz="8000" b="1" dirty="0">
-              <a:effectLst>
-                <a:outerShdw blurRad="38100" dist="38100" dir="2700000" algn="tl">
-                  <a:srgbClr val="000000">
-                    <a:alpha val="43137"/>
-                  </a:srgbClr>
-                </a:outerShdw>
-              </a:effectLst>
-            </a:endParaRPr>
-          </a:p>
-        </p:txBody>
-      </p:sp>
       <p:pic>
         <p:nvPicPr>
-          <p:cNvPr id="3" name="Рисунок 2"/>
+          <p:cNvPr id="4" name="Объект 3"/>
           <p:cNvPicPr>
-            <a:picLocks noChangeAspect="1"/>
+            <a:picLocks noGrp="1" noChangeAspect="1"/>
           </p:cNvPicPr>
-          <p:nvPr/>
+          <p:nvPr>
+            <p:ph idx="1"/>
+          </p:nvPr>
         </p:nvPicPr>
         <p:blipFill>
           <a:blip r:embed="rId2">
@@ -4747,27 +4665,59 @@
         </p:blipFill>
         <p:spPr>
           <a:xfrm>
-            <a:off x="859522" y="1325563"/>
-            <a:ext cx="4670759" cy="4957232"/>
-          </a:xfrm>
-          <a:prstGeom prst="rect">
-            <a:avLst/>
-          </a:prstGeom>
-          <a:ln>
-            <a:noFill/>
-          </a:ln>
-          <a:effectLst>
-            <a:outerShdw blurRad="292100" dist="139700" dir="2700000" algn="tl" rotWithShape="0">
-              <a:srgbClr val="333333">
-                <a:alpha val="65000"/>
-              </a:srgbClr>
-            </a:outerShdw>
-          </a:effectLst>
+            <a:off x="890448" y="1083702"/>
+            <a:ext cx="9749475" cy="5514144"/>
+          </a:xfrm>
         </p:spPr>
       </p:pic>
+      <p:sp>
+        <p:nvSpPr>
+          <p:cNvPr id="2" name="Заголовок 1"/>
+          <p:cNvSpPr>
+            <a:spLocks noGrp="1"/>
+          </p:cNvSpPr>
+          <p:nvPr>
+            <p:ph type="title"/>
+          </p:nvPr>
+        </p:nvSpPr>
+        <p:spPr>
+          <a:xfrm>
+            <a:off x="0" y="0"/>
+            <a:ext cx="12192000" cy="1325563"/>
+          </a:xfrm>
+        </p:spPr>
+        <p:txBody>
+          <a:bodyPr/>
+          <a:lstStyle/>
+          <a:p>
+            <a:pPr algn="ctr"/>
+            <a:r>
+              <a:rPr lang="ru-RU" sz="8000" b="1" dirty="0" smtClean="0">
+                <a:effectLst>
+                  <a:outerShdw blurRad="38100" dist="38100" dir="2700000" algn="tl">
+                    <a:srgbClr val="000000">
+                      <a:alpha val="43137"/>
+                    </a:srgbClr>
+                  </a:outerShdw>
+                </a:effectLst>
+              </a:rPr>
+              <a:t>Игровые объекты</a:t>
+            </a:r>
+            <a:endParaRPr lang="ru-RU" sz="8000" b="1" dirty="0">
+              <a:effectLst>
+                <a:outerShdw blurRad="38100" dist="38100" dir="2700000" algn="tl">
+                  <a:srgbClr val="000000">
+                    <a:alpha val="43137"/>
+                  </a:srgbClr>
+                </a:outerShdw>
+              </a:effectLst>
+            </a:endParaRPr>
+          </a:p>
+        </p:txBody>
+      </p:sp>
       <p:pic>
         <p:nvPicPr>
-          <p:cNvPr id="5" name="Рисунок 4"/>
+          <p:cNvPr id="7" name="Рисунок 6"/>
           <p:cNvPicPr>
             <a:picLocks noChangeAspect="1"/>
           </p:cNvPicPr>
@@ -4787,66 +4737,192 @@
         </p:blipFill>
         <p:spPr>
           <a:xfrm>
-            <a:off x="7574277" y="1325563"/>
-            <a:ext cx="2921110" cy="3100271"/>
+            <a:off x="8396778" y="1032537"/>
+            <a:ext cx="328440" cy="322857"/>
           </a:xfrm>
           <a:prstGeom prst="rect">
             <a:avLst/>
           </a:prstGeom>
-          <a:ln>
-            <a:noFill/>
-          </a:ln>
-          <a:effectLst>
-            <a:outerShdw blurRad="292100" dist="139700" dir="2700000" algn="tl" rotWithShape="0">
-              <a:srgbClr val="333333">
-                <a:alpha val="65000"/>
-              </a:srgbClr>
-            </a:outerShdw>
-          </a:effectLst>
         </p:spPr>
       </p:pic>
-      <p:sp>
-        <p:nvSpPr>
-          <p:cNvPr id="6" name="TextBox 5"/>
-          <p:cNvSpPr txBox="1"/>
+      <p:pic>
+        <p:nvPicPr>
+          <p:cNvPr id="8" name="Рисунок 7"/>
+          <p:cNvPicPr>
+            <a:picLocks noChangeAspect="1"/>
+          </p:cNvPicPr>
           <p:nvPr/>
-        </p:nvSpPr>
+        </p:nvPicPr>
+        <p:blipFill>
+          <a:blip r:embed="rId4" cstate="print">
+            <a:extLst>
+              <a:ext uri="{28A0092B-C50C-407E-A947-70E740481C1C}">
+                <a14:useLocalDpi xmlns:a14="http://schemas.microsoft.com/office/drawing/2010/main" val="0"/>
+              </a:ext>
+            </a:extLst>
+          </a:blip>
+          <a:stretch>
+            <a:fillRect/>
+          </a:stretch>
+        </p:blipFill>
         <p:spPr>
           <a:xfrm>
-            <a:off x="6442841" y="5328745"/>
-            <a:ext cx="5183983" cy="369332"/>
+            <a:off x="8725218" y="1325563"/>
+            <a:ext cx="466462" cy="443139"/>
           </a:xfrm>
           <a:prstGeom prst="rect">
             <a:avLst/>
           </a:prstGeom>
-          <a:noFill/>
-        </p:spPr>
-        <p:txBody>
-          <a:bodyPr wrap="none" rtlCol="0">
-            <a:spAutoFit/>
-          </a:bodyPr>
-          <a:lstStyle/>
-          <a:p>
-            <a:r>
-              <a:rPr lang="en-GB" dirty="0" smtClean="0"/>
-              <a:t>*</a:t>
-            </a:r>
-            <a:r>
-              <a:rPr lang="ru-RU" dirty="0" smtClean="0"/>
-              <a:t>тут должны быть картинки победы и поражения</a:t>
-            </a:r>
-            <a:r>
-              <a:rPr lang="en-GB" dirty="0" smtClean="0"/>
-              <a:t>*</a:t>
-            </a:r>
-            <a:endParaRPr lang="ru-RU" dirty="0"/>
-          </a:p>
-        </p:txBody>
-      </p:sp>
+        </p:spPr>
+      </p:pic>
+      <p:pic>
+        <p:nvPicPr>
+          <p:cNvPr id="9" name="Рисунок 8"/>
+          <p:cNvPicPr>
+            <a:picLocks noChangeAspect="1"/>
+          </p:cNvPicPr>
+          <p:nvPr/>
+        </p:nvPicPr>
+        <p:blipFill>
+          <a:blip r:embed="rId5">
+            <a:extLst>
+              <a:ext uri="{28A0092B-C50C-407E-A947-70E740481C1C}">
+                <a14:useLocalDpi xmlns:a14="http://schemas.microsoft.com/office/drawing/2010/main" val="0"/>
+              </a:ext>
+            </a:extLst>
+          </a:blip>
+          <a:stretch>
+            <a:fillRect/>
+          </a:stretch>
+        </p:blipFill>
+        <p:spPr>
+          <a:xfrm>
+            <a:off x="10219891" y="2666789"/>
+            <a:ext cx="635748" cy="1014185"/>
+          </a:xfrm>
+          <a:prstGeom prst="rect">
+            <a:avLst/>
+          </a:prstGeom>
+        </p:spPr>
+      </p:pic>
+      <p:pic>
+        <p:nvPicPr>
+          <p:cNvPr id="11" name="Рисунок 10"/>
+          <p:cNvPicPr>
+            <a:picLocks noChangeAspect="1"/>
+          </p:cNvPicPr>
+          <p:nvPr/>
+        </p:nvPicPr>
+        <p:blipFill>
+          <a:blip r:embed="rId6">
+            <a:extLst>
+              <a:ext uri="{28A0092B-C50C-407E-A947-70E740481C1C}">
+                <a14:useLocalDpi xmlns:a14="http://schemas.microsoft.com/office/drawing/2010/main" val="0"/>
+              </a:ext>
+            </a:extLst>
+          </a:blip>
+          <a:stretch>
+            <a:fillRect/>
+          </a:stretch>
+        </p:blipFill>
+        <p:spPr>
+          <a:xfrm>
+            <a:off x="10537765" y="4451057"/>
+            <a:ext cx="878196" cy="1020123"/>
+          </a:xfrm>
+          <a:prstGeom prst="rect">
+            <a:avLst/>
+          </a:prstGeom>
+        </p:spPr>
+      </p:pic>
+      <p:pic>
+        <p:nvPicPr>
+          <p:cNvPr id="10" name="Рисунок 9"/>
+          <p:cNvPicPr>
+            <a:picLocks noChangeAspect="1"/>
+          </p:cNvPicPr>
+          <p:nvPr/>
+        </p:nvPicPr>
+        <p:blipFill>
+          <a:blip r:embed="rId7">
+            <a:extLst>
+              <a:ext uri="{28A0092B-C50C-407E-A947-70E740481C1C}">
+                <a14:useLocalDpi xmlns:a14="http://schemas.microsoft.com/office/drawing/2010/main" val="0"/>
+              </a:ext>
+            </a:extLst>
+          </a:blip>
+          <a:stretch>
+            <a:fillRect/>
+          </a:stretch>
+        </p:blipFill>
+        <p:spPr>
+          <a:xfrm>
+            <a:off x="8560998" y="5251735"/>
+            <a:ext cx="924054" cy="828791"/>
+          </a:xfrm>
+          <a:prstGeom prst="rect">
+            <a:avLst/>
+          </a:prstGeom>
+        </p:spPr>
+      </p:pic>
+      <p:pic>
+        <p:nvPicPr>
+          <p:cNvPr id="12" name="Рисунок 11"/>
+          <p:cNvPicPr>
+            <a:picLocks noChangeAspect="1"/>
+          </p:cNvPicPr>
+          <p:nvPr/>
+        </p:nvPicPr>
+        <p:blipFill>
+          <a:blip r:embed="rId8"/>
+          <a:stretch>
+            <a:fillRect/>
+          </a:stretch>
+        </p:blipFill>
+        <p:spPr>
+          <a:xfrm>
+            <a:off x="4740736" y="6258060"/>
+            <a:ext cx="339786" cy="339786"/>
+          </a:xfrm>
+          <a:prstGeom prst="rect">
+            <a:avLst/>
+          </a:prstGeom>
+        </p:spPr>
+      </p:pic>
+      <p:pic>
+        <p:nvPicPr>
+          <p:cNvPr id="13" name="Рисунок 12"/>
+          <p:cNvPicPr>
+            <a:picLocks noChangeAspect="1"/>
+          </p:cNvPicPr>
+          <p:nvPr/>
+        </p:nvPicPr>
+        <p:blipFill>
+          <a:blip r:embed="rId9" cstate="print">
+            <a:extLst>
+              <a:ext uri="{28A0092B-C50C-407E-A947-70E740481C1C}">
+                <a14:useLocalDpi xmlns:a14="http://schemas.microsoft.com/office/drawing/2010/main" val="0"/>
+              </a:ext>
+            </a:extLst>
+          </a:blip>
+          <a:stretch>
+            <a:fillRect/>
+          </a:stretch>
+        </p:blipFill>
+        <p:spPr>
+          <a:xfrm>
+            <a:off x="3818869" y="6262465"/>
+            <a:ext cx="339786" cy="339786"/>
+          </a:xfrm>
+          <a:prstGeom prst="rect">
+            <a:avLst/>
+          </a:prstGeom>
+        </p:spPr>
+      </p:pic>
     </p:spTree>
     <p:extLst>
       <p:ext uri="{BB962C8B-B14F-4D97-AF65-F5344CB8AC3E}">
-        <p14:creationId xmlns:p14="http://schemas.microsoft.com/office/powerpoint/2010/main" val="1124737428"/>
+        <p14:creationId xmlns:p14="http://schemas.microsoft.com/office/powerpoint/2010/main" val="3123765795"/>
       </p:ext>
     </p:extLst>
   </p:cSld>
@@ -4892,12 +4968,14 @@
         </p:nvSpPr>
         <p:spPr>
           <a:xfrm>
-            <a:off x="0" y="0"/>
-            <a:ext cx="12192000" cy="1325563"/>
-          </a:xfrm>
-        </p:spPr>
-        <p:txBody>
-          <a:bodyPr/>
+            <a:off x="0" y="1"/>
+            <a:ext cx="12192000" cy="1274618"/>
+          </a:xfrm>
+        </p:spPr>
+        <p:txBody>
+          <a:bodyPr>
+            <a:noAutofit/>
+          </a:bodyPr>
           <a:lstStyle/>
           <a:p>
             <a:pPr algn="ctr"/>
@@ -4911,7 +4989,7 @@
                   </a:outerShdw>
                 </a:effectLst>
               </a:rPr>
-              <a:t>Игровые объекты</a:t>
+              <a:t>Анимация. Звук</a:t>
             </a:r>
             <a:endParaRPr lang="ru-RU" sz="8000" b="1" dirty="0">
               <a:effectLst>
@@ -4925,243 +5003,44 @@
           </a:p>
         </p:txBody>
       </p:sp>
-      <p:pic>
-        <p:nvPicPr>
-          <p:cNvPr id="15" name="Объект 14"/>
-          <p:cNvPicPr>
-            <a:picLocks noGrp="1" noChangeAspect="1"/>
-          </p:cNvPicPr>
-          <p:nvPr>
-            <p:ph idx="1"/>
-          </p:nvPr>
-        </p:nvPicPr>
-        <p:blipFill>
-          <a:blip r:embed="rId2">
-            <a:extLst>
-              <a:ext uri="{28A0092B-C50C-407E-A947-70E740481C1C}">
-                <a14:useLocalDpi xmlns:a14="http://schemas.microsoft.com/office/drawing/2010/main" val="0"/>
-              </a:ext>
-            </a:extLst>
-          </a:blip>
-          <a:stretch>
-            <a:fillRect/>
-          </a:stretch>
-        </p:blipFill>
+      <p:sp>
+        <p:nvSpPr>
+          <p:cNvPr id="4" name="TextBox 3"/>
+          <p:cNvSpPr txBox="1"/>
+          <p:nvPr/>
+        </p:nvSpPr>
         <p:spPr>
           <a:xfrm>
-            <a:off x="977463" y="1294241"/>
-            <a:ext cx="8959247" cy="4938346"/>
-          </a:xfrm>
-        </p:spPr>
-      </p:pic>
-      <p:pic>
-        <p:nvPicPr>
-          <p:cNvPr id="7" name="Рисунок 6"/>
-          <p:cNvPicPr>
-            <a:picLocks noChangeAspect="1"/>
-          </p:cNvPicPr>
-          <p:nvPr/>
-        </p:nvPicPr>
-        <p:blipFill>
-          <a:blip r:embed="rId3" cstate="print">
-            <a:extLst>
-              <a:ext uri="{28A0092B-C50C-407E-A947-70E740481C1C}">
-                <a14:useLocalDpi xmlns:a14="http://schemas.microsoft.com/office/drawing/2010/main" val="0"/>
-              </a:ext>
-            </a:extLst>
-          </a:blip>
-          <a:stretch>
-            <a:fillRect/>
-          </a:stretch>
-        </p:blipFill>
-        <p:spPr>
-          <a:xfrm>
-            <a:off x="6663074" y="1191102"/>
-            <a:ext cx="328440" cy="322857"/>
+            <a:off x="4404607" y="3573517"/>
+            <a:ext cx="2476960" cy="369332"/>
           </a:xfrm>
           <a:prstGeom prst="rect">
             <a:avLst/>
           </a:prstGeom>
-        </p:spPr>
-      </p:pic>
-      <p:pic>
-        <p:nvPicPr>
-          <p:cNvPr id="8" name="Рисунок 7"/>
-          <p:cNvPicPr>
-            <a:picLocks noChangeAspect="1"/>
-          </p:cNvPicPr>
-          <p:nvPr/>
-        </p:nvPicPr>
-        <p:blipFill>
-          <a:blip r:embed="rId4" cstate="print">
-            <a:extLst>
-              <a:ext uri="{28A0092B-C50C-407E-A947-70E740481C1C}">
-                <a14:useLocalDpi xmlns:a14="http://schemas.microsoft.com/office/drawing/2010/main" val="0"/>
-              </a:ext>
-            </a:extLst>
-          </a:blip>
-          <a:stretch>
-            <a:fillRect/>
-          </a:stretch>
-        </p:blipFill>
-        <p:spPr>
-          <a:xfrm>
-            <a:off x="7976688" y="1513959"/>
-            <a:ext cx="466462" cy="443139"/>
-          </a:xfrm>
-          <a:prstGeom prst="rect">
-            <a:avLst/>
-          </a:prstGeom>
-        </p:spPr>
-      </p:pic>
-      <p:pic>
-        <p:nvPicPr>
-          <p:cNvPr id="9" name="Рисунок 8"/>
-          <p:cNvPicPr>
-            <a:picLocks noChangeAspect="1"/>
-          </p:cNvPicPr>
-          <p:nvPr/>
-        </p:nvPicPr>
-        <p:blipFill>
-          <a:blip r:embed="rId5">
-            <a:extLst>
-              <a:ext uri="{28A0092B-C50C-407E-A947-70E740481C1C}">
-                <a14:useLocalDpi xmlns:a14="http://schemas.microsoft.com/office/drawing/2010/main" val="0"/>
-              </a:ext>
-            </a:extLst>
-          </a:blip>
-          <a:stretch>
-            <a:fillRect/>
-          </a:stretch>
-        </p:blipFill>
-        <p:spPr>
-          <a:xfrm>
-            <a:off x="9776362" y="2749229"/>
-            <a:ext cx="635748" cy="1014185"/>
-          </a:xfrm>
-          <a:prstGeom prst="rect">
-            <a:avLst/>
-          </a:prstGeom>
-        </p:spPr>
-      </p:pic>
-      <p:pic>
-        <p:nvPicPr>
-          <p:cNvPr id="11" name="Рисунок 10"/>
-          <p:cNvPicPr>
-            <a:picLocks noChangeAspect="1"/>
-          </p:cNvPicPr>
-          <p:nvPr/>
-        </p:nvPicPr>
-        <p:blipFill>
-          <a:blip r:embed="rId6">
-            <a:extLst>
-              <a:ext uri="{28A0092B-C50C-407E-A947-70E740481C1C}">
-                <a14:useLocalDpi xmlns:a14="http://schemas.microsoft.com/office/drawing/2010/main" val="0"/>
-              </a:ext>
-            </a:extLst>
-          </a:blip>
-          <a:stretch>
-            <a:fillRect/>
-          </a:stretch>
-        </p:blipFill>
-        <p:spPr>
-          <a:xfrm>
-            <a:off x="10117698" y="4432584"/>
-            <a:ext cx="878196" cy="1020123"/>
-          </a:xfrm>
-          <a:prstGeom prst="rect">
-            <a:avLst/>
-          </a:prstGeom>
-        </p:spPr>
-      </p:pic>
-      <p:pic>
-        <p:nvPicPr>
-          <p:cNvPr id="10" name="Рисунок 9"/>
-          <p:cNvPicPr>
-            <a:picLocks noChangeAspect="1"/>
-          </p:cNvPicPr>
-          <p:nvPr/>
-        </p:nvPicPr>
-        <p:blipFill>
-          <a:blip r:embed="rId7">
-            <a:extLst>
-              <a:ext uri="{28A0092B-C50C-407E-A947-70E740481C1C}">
-                <a14:useLocalDpi xmlns:a14="http://schemas.microsoft.com/office/drawing/2010/main" val="0"/>
-              </a:ext>
-            </a:extLst>
-          </a:blip>
-          <a:stretch>
-            <a:fillRect/>
-          </a:stretch>
-        </p:blipFill>
-        <p:spPr>
-          <a:xfrm>
-            <a:off x="8029960" y="5187081"/>
-            <a:ext cx="924054" cy="828791"/>
-          </a:xfrm>
-          <a:prstGeom prst="rect">
-            <a:avLst/>
-          </a:prstGeom>
-        </p:spPr>
-      </p:pic>
-      <p:pic>
-        <p:nvPicPr>
-          <p:cNvPr id="12" name="Рисунок 11"/>
-          <p:cNvPicPr>
-            <a:picLocks noChangeAspect="1"/>
-          </p:cNvPicPr>
-          <p:nvPr/>
-        </p:nvPicPr>
-        <p:blipFill>
-          <a:blip r:embed="rId8"/>
-          <a:stretch>
-            <a:fillRect/>
-          </a:stretch>
-        </p:blipFill>
-        <p:spPr>
-          <a:xfrm>
-            <a:off x="4740736" y="6258060"/>
-            <a:ext cx="339786" cy="339786"/>
-          </a:xfrm>
-          <a:prstGeom prst="rect">
-            <a:avLst/>
-          </a:prstGeom>
-        </p:spPr>
-      </p:pic>
-      <p:pic>
-        <p:nvPicPr>
-          <p:cNvPr id="13" name="Рисунок 12"/>
-          <p:cNvPicPr>
-            <a:picLocks noChangeAspect="1"/>
-          </p:cNvPicPr>
-          <p:nvPr/>
-        </p:nvPicPr>
-        <p:blipFill>
-          <a:blip r:embed="rId9" cstate="print">
-            <a:extLst>
-              <a:ext uri="{28A0092B-C50C-407E-A947-70E740481C1C}">
-                <a14:useLocalDpi xmlns:a14="http://schemas.microsoft.com/office/drawing/2010/main" val="0"/>
-              </a:ext>
-            </a:extLst>
-          </a:blip>
-          <a:stretch>
-            <a:fillRect/>
-          </a:stretch>
-        </p:blipFill>
-        <p:spPr>
-          <a:xfrm>
-            <a:off x="3818869" y="6262465"/>
-            <a:ext cx="339786" cy="339786"/>
-          </a:xfrm>
-          <a:prstGeom prst="rect">
-            <a:avLst/>
-          </a:prstGeom>
-        </p:spPr>
-      </p:pic>
+          <a:noFill/>
+        </p:spPr>
+        <p:txBody>
+          <a:bodyPr wrap="none" rtlCol="0">
+            <a:spAutoFit/>
+          </a:bodyPr>
+          <a:lstStyle/>
+          <a:p>
+            <a:r>
+              <a:rPr lang="ru-RU" dirty="0" smtClean="0"/>
+              <a:t>Тут будут видео или </a:t>
+            </a:r>
+            <a:r>
+              <a:rPr lang="en-GB" dirty="0" smtClean="0"/>
+              <a:t>gif</a:t>
+            </a:r>
+            <a:endParaRPr lang="ru-RU" dirty="0"/>
+          </a:p>
+        </p:txBody>
+      </p:sp>
     </p:spTree>
     <p:extLst>
       <p:ext uri="{BB962C8B-B14F-4D97-AF65-F5344CB8AC3E}">
-        <p14:creationId xmlns:p14="http://schemas.microsoft.com/office/powerpoint/2010/main" val="3123765795"/>
+        <p14:creationId xmlns:p14="http://schemas.microsoft.com/office/powerpoint/2010/main" val="2747999329"/>
       </p:ext>
     </p:extLst>
   </p:cSld>
@@ -5207,13 +5086,13 @@
         </p:nvSpPr>
         <p:spPr>
           <a:xfrm>
-            <a:off x="0" y="1"/>
-            <a:ext cx="12192000" cy="1274618"/>
+            <a:off x="0" y="51473"/>
+            <a:ext cx="12192000" cy="1325563"/>
           </a:xfrm>
         </p:spPr>
         <p:txBody>
           <a:bodyPr>
-            <a:noAutofit/>
+            <a:normAutofit/>
           </a:bodyPr>
           <a:lstStyle/>
           <a:p>
@@ -5228,7 +5107,7 @@
                   </a:outerShdw>
                 </a:effectLst>
               </a:rPr>
-              <a:t>Анимация. Звук</a:t>
+              <a:t>База данных</a:t>
             </a:r>
             <a:endParaRPr lang="ru-RU" sz="8000" b="1" dirty="0">
               <a:effectLst>
@@ -5242,48 +5121,604 @@
           </a:p>
         </p:txBody>
       </p:sp>
-      <p:sp>
-        <p:nvSpPr>
-          <p:cNvPr id="4" name="TextBox 3"/>
-          <p:cNvSpPr txBox="1"/>
+      <p:graphicFrame>
+        <p:nvGraphicFramePr>
+          <p:cNvPr id="1032" name="Таблица 1031"/>
+          <p:cNvGraphicFramePr>
+            <a:graphicFrameLocks noGrp="1"/>
+          </p:cNvGraphicFramePr>
+          <p:nvPr>
+            <p:extLst>
+              <p:ext uri="{D42A27DB-BD31-4B8C-83A1-F6EECF244321}">
+                <p14:modId xmlns:p14="http://schemas.microsoft.com/office/powerpoint/2010/main" val="1727616131"/>
+              </p:ext>
+            </p:extLst>
+          </p:nvPr>
+        </p:nvGraphicFramePr>
+        <p:xfrm>
+          <a:off x="805649" y="1959227"/>
+          <a:ext cx="2982448" cy="1645920"/>
+        </p:xfrm>
+        <a:graphic>
+          <a:graphicData uri="http://schemas.openxmlformats.org/drawingml/2006/table">
+            <a:tbl>
+              <a:tblPr firstRow="1" bandRow="1">
+                <a:tableStyleId>{5C22544A-7EE6-4342-B048-85BDC9FD1C3A}</a:tableStyleId>
+              </a:tblPr>
+              <a:tblGrid>
+                <a:gridCol w="2982448">
+                  <a:extLst>
+                    <a:ext uri="{9D8B030D-6E8A-4147-A177-3AD203B41FA5}">
+                      <a16:colId xmlns:a16="http://schemas.microsoft.com/office/drawing/2014/main" val="1857196245"/>
+                    </a:ext>
+                  </a:extLst>
+                </a:gridCol>
+              </a:tblGrid>
+              <a:tr h="370840">
+                <a:tc>
+                  <a:txBody>
+                    <a:bodyPr/>
+                    <a:lstStyle/>
+                    <a:p>
+                      <a:pPr algn="ctr"/>
+                      <a:r>
+                        <a:rPr lang="en-GB" sz="2400" dirty="0" smtClean="0"/>
+                        <a:t>SavedObjects</a:t>
+                      </a:r>
+                      <a:endParaRPr lang="ru-RU" sz="2400" dirty="0"/>
+                    </a:p>
+                  </a:txBody>
+                  <a:tcPr/>
+                </a:tc>
+                <a:extLst>
+                  <a:ext uri="{0D108BD9-81ED-4DB2-BD59-A6C34878D82A}">
+                    <a16:rowId xmlns:a16="http://schemas.microsoft.com/office/drawing/2014/main" val="3193513481"/>
+                  </a:ext>
+                </a:extLst>
+              </a:tr>
+              <a:tr h="370840">
+                <a:tc>
+                  <a:txBody>
+                    <a:bodyPr/>
+                    <a:lstStyle/>
+                    <a:p>
+                      <a:pPr algn="l"/>
+                      <a:r>
+                        <a:rPr lang="ru-RU" sz="2400" dirty="0" smtClean="0"/>
+                        <a:t>Координаты</a:t>
+                      </a:r>
+                      <a:r>
+                        <a:rPr lang="ru-RU" sz="2400" baseline="0" dirty="0" smtClean="0"/>
+                        <a:t> и состояния </a:t>
+                      </a:r>
+                      <a:r>
+                        <a:rPr lang="ru-RU" sz="2400" dirty="0" smtClean="0"/>
+                        <a:t>объектов</a:t>
+                      </a:r>
+                      <a:r>
+                        <a:rPr lang="ru-RU" sz="2400" baseline="0" dirty="0" smtClean="0"/>
+                        <a:t> в момент сохранения</a:t>
+                      </a:r>
+                      <a:endParaRPr lang="ru-RU" sz="2400" dirty="0"/>
+                    </a:p>
+                  </a:txBody>
+                  <a:tcPr/>
+                </a:tc>
+                <a:extLst>
+                  <a:ext uri="{0D108BD9-81ED-4DB2-BD59-A6C34878D82A}">
+                    <a16:rowId xmlns:a16="http://schemas.microsoft.com/office/drawing/2014/main" val="1085372526"/>
+                  </a:ext>
+                </a:extLst>
+              </a:tr>
+            </a:tbl>
+          </a:graphicData>
+        </a:graphic>
+      </p:graphicFrame>
+      <p:graphicFrame>
+        <p:nvGraphicFramePr>
+          <p:cNvPr id="1033" name="Таблица 1032"/>
+          <p:cNvGraphicFramePr>
+            <a:graphicFrameLocks noGrp="1"/>
+          </p:cNvGraphicFramePr>
+          <p:nvPr>
+            <p:extLst>
+              <p:ext uri="{D42A27DB-BD31-4B8C-83A1-F6EECF244321}">
+                <p14:modId xmlns:p14="http://schemas.microsoft.com/office/powerpoint/2010/main" val="3845610045"/>
+              </p:ext>
+            </p:extLst>
+          </p:nvPr>
+        </p:nvGraphicFramePr>
+        <p:xfrm>
+          <a:off x="9021546" y="2324987"/>
+          <a:ext cx="2259686" cy="914400"/>
+        </p:xfrm>
+        <a:graphic>
+          <a:graphicData uri="http://schemas.openxmlformats.org/drawingml/2006/table">
+            <a:tbl>
+              <a:tblPr firstRow="1" bandRow="1">
+                <a:tableStyleId>{5C22544A-7EE6-4342-B048-85BDC9FD1C3A}</a:tableStyleId>
+              </a:tblPr>
+              <a:tblGrid>
+                <a:gridCol w="2259686">
+                  <a:extLst>
+                    <a:ext uri="{9D8B030D-6E8A-4147-A177-3AD203B41FA5}">
+                      <a16:colId xmlns:a16="http://schemas.microsoft.com/office/drawing/2014/main" val="1326540487"/>
+                    </a:ext>
+                  </a:extLst>
+                </a:gridCol>
+              </a:tblGrid>
+              <a:tr h="451009">
+                <a:tc>
+                  <a:txBody>
+                    <a:bodyPr/>
+                    <a:lstStyle/>
+                    <a:p>
+                      <a:pPr algn="ctr"/>
+                      <a:r>
+                        <a:rPr lang="en-GB" sz="2400" dirty="0" smtClean="0"/>
+                        <a:t>SavedGame</a:t>
+                      </a:r>
+                      <a:endParaRPr lang="ru-RU" sz="2400" dirty="0"/>
+                    </a:p>
+                  </a:txBody>
+                  <a:tcPr/>
+                </a:tc>
+                <a:extLst>
+                  <a:ext uri="{0D108BD9-81ED-4DB2-BD59-A6C34878D82A}">
+                    <a16:rowId xmlns:a16="http://schemas.microsoft.com/office/drawing/2014/main" val="3079054417"/>
+                  </a:ext>
+                </a:extLst>
+              </a:tr>
+              <a:tr h="370840">
+                <a:tc>
+                  <a:txBody>
+                    <a:bodyPr/>
+                    <a:lstStyle/>
+                    <a:p>
+                      <a:r>
+                        <a:rPr lang="ru-RU" sz="2400" baseline="0" dirty="0" smtClean="0"/>
+                        <a:t>Статистика игр</a:t>
+                      </a:r>
+                      <a:endParaRPr lang="ru-RU" sz="2400" dirty="0"/>
+                    </a:p>
+                  </a:txBody>
+                  <a:tcPr/>
+                </a:tc>
+                <a:extLst>
+                  <a:ext uri="{0D108BD9-81ED-4DB2-BD59-A6C34878D82A}">
+                    <a16:rowId xmlns:a16="http://schemas.microsoft.com/office/drawing/2014/main" val="1590451929"/>
+                  </a:ext>
+                </a:extLst>
+              </a:tr>
+            </a:tbl>
+          </a:graphicData>
+        </a:graphic>
+      </p:graphicFrame>
+      <p:graphicFrame>
+        <p:nvGraphicFramePr>
+          <p:cNvPr id="1034" name="Таблица 1033"/>
+          <p:cNvGraphicFramePr>
+            <a:graphicFrameLocks noGrp="1"/>
+          </p:cNvGraphicFramePr>
+          <p:nvPr>
+            <p:extLst>
+              <p:ext uri="{D42A27DB-BD31-4B8C-83A1-F6EECF244321}">
+                <p14:modId xmlns:p14="http://schemas.microsoft.com/office/powerpoint/2010/main" val="612825551"/>
+              </p:ext>
+            </p:extLst>
+          </p:nvPr>
+        </p:nvGraphicFramePr>
+        <p:xfrm>
+          <a:off x="4749800" y="1486902"/>
+          <a:ext cx="2895600" cy="914400"/>
+        </p:xfrm>
+        <a:graphic>
+          <a:graphicData uri="http://schemas.openxmlformats.org/drawingml/2006/table">
+            <a:tbl>
+              <a:tblPr firstRow="1" bandRow="1">
+                <a:tableStyleId>{7DF18680-E054-41AD-8BC1-D1AEF772440D}</a:tableStyleId>
+              </a:tblPr>
+              <a:tblGrid>
+                <a:gridCol w="2895600">
+                  <a:extLst>
+                    <a:ext uri="{9D8B030D-6E8A-4147-A177-3AD203B41FA5}">
+                      <a16:colId xmlns:a16="http://schemas.microsoft.com/office/drawing/2014/main" val="3331380483"/>
+                    </a:ext>
+                  </a:extLst>
+                </a:gridCol>
+              </a:tblGrid>
+              <a:tr h="145325">
+                <a:tc>
+                  <a:txBody>
+                    <a:bodyPr/>
+                    <a:lstStyle/>
+                    <a:p>
+                      <a:pPr algn="ctr"/>
+                      <a:r>
+                        <a:rPr lang="en-GB" sz="2400" dirty="0" smtClean="0"/>
+                        <a:t>Settings</a:t>
+                      </a:r>
+                      <a:endParaRPr lang="ru-RU" sz="2400" dirty="0"/>
+                    </a:p>
+                  </a:txBody>
+                  <a:tcPr/>
+                </a:tc>
+                <a:extLst>
+                  <a:ext uri="{0D108BD9-81ED-4DB2-BD59-A6C34878D82A}">
+                    <a16:rowId xmlns:a16="http://schemas.microsoft.com/office/drawing/2014/main" val="1381129114"/>
+                  </a:ext>
+                </a:extLst>
+              </a:tr>
+              <a:tr h="370840">
+                <a:tc>
+                  <a:txBody>
+                    <a:bodyPr/>
+                    <a:lstStyle/>
+                    <a:p>
+                      <a:r>
+                        <a:rPr lang="ru-RU" sz="2400" dirty="0" smtClean="0"/>
+                        <a:t>Заданные настройки</a:t>
+                      </a:r>
+                      <a:endParaRPr lang="ru-RU" sz="2400" dirty="0"/>
+                    </a:p>
+                  </a:txBody>
+                  <a:tcPr/>
+                </a:tc>
+                <a:extLst>
+                  <a:ext uri="{0D108BD9-81ED-4DB2-BD59-A6C34878D82A}">
+                    <a16:rowId xmlns:a16="http://schemas.microsoft.com/office/drawing/2014/main" val="3482507410"/>
+                  </a:ext>
+                </a:extLst>
+              </a:tr>
+            </a:tbl>
+          </a:graphicData>
+        </a:graphic>
+      </p:graphicFrame>
+      <p:graphicFrame>
+        <p:nvGraphicFramePr>
+          <p:cNvPr id="1035" name="Таблица 1034"/>
+          <p:cNvGraphicFramePr>
+            <a:graphicFrameLocks noGrp="1"/>
+          </p:cNvGraphicFramePr>
+          <p:nvPr>
+            <p:extLst>
+              <p:ext uri="{D42A27DB-BD31-4B8C-83A1-F6EECF244321}">
+                <p14:modId xmlns:p14="http://schemas.microsoft.com/office/powerpoint/2010/main" val="2883806120"/>
+              </p:ext>
+            </p:extLst>
+          </p:nvPr>
+        </p:nvGraphicFramePr>
+        <p:xfrm>
+          <a:off x="690323" y="4187338"/>
+          <a:ext cx="3213100" cy="1645920"/>
+        </p:xfrm>
+        <a:graphic>
+          <a:graphicData uri="http://schemas.openxmlformats.org/drawingml/2006/table">
+            <a:tbl>
+              <a:tblPr firstRow="1" bandRow="1">
+                <a:tableStyleId>{93296810-A885-4BE3-A3E7-6D5BEEA58F35}</a:tableStyleId>
+              </a:tblPr>
+              <a:tblGrid>
+                <a:gridCol w="3213100">
+                  <a:extLst>
+                    <a:ext uri="{9D8B030D-6E8A-4147-A177-3AD203B41FA5}">
+                      <a16:colId xmlns:a16="http://schemas.microsoft.com/office/drawing/2014/main" val="1316750782"/>
+                    </a:ext>
+                  </a:extLst>
+                </a:gridCol>
+              </a:tblGrid>
+              <a:tr h="370840">
+                <a:tc>
+                  <a:txBody>
+                    <a:bodyPr/>
+                    <a:lstStyle/>
+                    <a:p>
+                      <a:pPr marL="0" marR="0" indent="0" algn="ctr" defTabSz="914400" rtl="0" eaLnBrk="1" fontAlgn="auto" latinLnBrk="0" hangingPunct="1">
+                        <a:lnSpc>
+                          <a:spcPct val="100000"/>
+                        </a:lnSpc>
+                        <a:spcBef>
+                          <a:spcPts val="0"/>
+                        </a:spcBef>
+                        <a:spcAft>
+                          <a:spcPts val="0"/>
+                        </a:spcAft>
+                        <a:buClrTx/>
+                        <a:buSzTx/>
+                        <a:buFontTx/>
+                        <a:buNone/>
+                        <a:tabLst/>
+                        <a:defRPr/>
+                      </a:pPr>
+                      <a:r>
+                        <a:rPr lang="en-GB" sz="2400" dirty="0" smtClean="0"/>
+                        <a:t>EnemyTypes</a:t>
+                      </a:r>
+                      <a:endParaRPr lang="ru-RU" sz="2400" dirty="0" smtClean="0"/>
+                    </a:p>
+                  </a:txBody>
+                  <a:tcPr/>
+                </a:tc>
+                <a:extLst>
+                  <a:ext uri="{0D108BD9-81ED-4DB2-BD59-A6C34878D82A}">
+                    <a16:rowId xmlns:a16="http://schemas.microsoft.com/office/drawing/2014/main" val="845860484"/>
+                  </a:ext>
+                </a:extLst>
+              </a:tr>
+              <a:tr h="370840">
+                <a:tc>
+                  <a:txBody>
+                    <a:bodyPr/>
+                    <a:lstStyle/>
+                    <a:p>
+                      <a:r>
+                        <a:rPr lang="ru-RU" sz="2400" dirty="0" smtClean="0"/>
+                        <a:t>Данные, необходимые для</a:t>
+                      </a:r>
+                      <a:r>
+                        <a:rPr lang="ru-RU" sz="2400" baseline="0" dirty="0" smtClean="0"/>
+                        <a:t> создания врага конкретного типа</a:t>
+                      </a:r>
+                      <a:endParaRPr lang="ru-RU" sz="2400" dirty="0"/>
+                    </a:p>
+                  </a:txBody>
+                  <a:tcPr/>
+                </a:tc>
+                <a:extLst>
+                  <a:ext uri="{0D108BD9-81ED-4DB2-BD59-A6C34878D82A}">
+                    <a16:rowId xmlns:a16="http://schemas.microsoft.com/office/drawing/2014/main" val="2271648856"/>
+                  </a:ext>
+                </a:extLst>
+              </a:tr>
+            </a:tbl>
+          </a:graphicData>
+        </a:graphic>
+      </p:graphicFrame>
+      <p:graphicFrame>
+        <p:nvGraphicFramePr>
+          <p:cNvPr id="45" name="Таблица 44"/>
+          <p:cNvGraphicFramePr>
+            <a:graphicFrameLocks noGrp="1"/>
+          </p:cNvGraphicFramePr>
+          <p:nvPr>
+            <p:extLst>
+              <p:ext uri="{D42A27DB-BD31-4B8C-83A1-F6EECF244321}">
+                <p14:modId xmlns:p14="http://schemas.microsoft.com/office/powerpoint/2010/main" val="2633988740"/>
+              </p:ext>
+            </p:extLst>
+          </p:nvPr>
+        </p:nvGraphicFramePr>
+        <p:xfrm>
+          <a:off x="4549775" y="4733438"/>
+          <a:ext cx="3295650" cy="1645920"/>
+        </p:xfrm>
+        <a:graphic>
+          <a:graphicData uri="http://schemas.openxmlformats.org/drawingml/2006/table">
+            <a:tbl>
+              <a:tblPr firstRow="1" bandRow="1">
+                <a:tableStyleId>{93296810-A885-4BE3-A3E7-6D5BEEA58F35}</a:tableStyleId>
+              </a:tblPr>
+              <a:tblGrid>
+                <a:gridCol w="3295650">
+                  <a:extLst>
+                    <a:ext uri="{9D8B030D-6E8A-4147-A177-3AD203B41FA5}">
+                      <a16:colId xmlns:a16="http://schemas.microsoft.com/office/drawing/2014/main" val="1316750782"/>
+                    </a:ext>
+                  </a:extLst>
+                </a:gridCol>
+              </a:tblGrid>
+              <a:tr h="0">
+                <a:tc>
+                  <a:txBody>
+                    <a:bodyPr/>
+                    <a:lstStyle/>
+                    <a:p>
+                      <a:pPr marL="0" marR="0" indent="0" algn="ctr" defTabSz="914400" rtl="0" eaLnBrk="1" fontAlgn="auto" latinLnBrk="0" hangingPunct="1">
+                        <a:lnSpc>
+                          <a:spcPct val="100000"/>
+                        </a:lnSpc>
+                        <a:spcBef>
+                          <a:spcPts val="0"/>
+                        </a:spcBef>
+                        <a:spcAft>
+                          <a:spcPts val="0"/>
+                        </a:spcAft>
+                        <a:buClrTx/>
+                        <a:buSzTx/>
+                        <a:buFontTx/>
+                        <a:buNone/>
+                        <a:tabLst/>
+                        <a:defRPr/>
+                      </a:pPr>
+                      <a:r>
+                        <a:rPr lang="en-GB" sz="2400" dirty="0" smtClean="0"/>
+                        <a:t>PlayerTypes</a:t>
+                      </a:r>
+                      <a:endParaRPr lang="ru-RU" sz="2400" dirty="0" smtClean="0"/>
+                    </a:p>
+                  </a:txBody>
+                  <a:tcPr/>
+                </a:tc>
+                <a:extLst>
+                  <a:ext uri="{0D108BD9-81ED-4DB2-BD59-A6C34878D82A}">
+                    <a16:rowId xmlns:a16="http://schemas.microsoft.com/office/drawing/2014/main" val="845860484"/>
+                  </a:ext>
+                </a:extLst>
+              </a:tr>
+              <a:tr h="1188720">
+                <a:tc>
+                  <a:txBody>
+                    <a:bodyPr/>
+                    <a:lstStyle/>
+                    <a:p>
+                      <a:r>
+                        <a:rPr lang="ru-RU" sz="2400" dirty="0" smtClean="0"/>
+                        <a:t>Данные, необходимые для</a:t>
+                      </a:r>
+                      <a:r>
+                        <a:rPr lang="ru-RU" sz="2400" baseline="0" dirty="0" smtClean="0"/>
+                        <a:t> создания игрока конкретного типа</a:t>
+                      </a:r>
+                      <a:endParaRPr lang="ru-RU" sz="2400" dirty="0"/>
+                    </a:p>
+                  </a:txBody>
+                  <a:tcPr/>
+                </a:tc>
+                <a:extLst>
+                  <a:ext uri="{0D108BD9-81ED-4DB2-BD59-A6C34878D82A}">
+                    <a16:rowId xmlns:a16="http://schemas.microsoft.com/office/drawing/2014/main" val="2271648856"/>
+                  </a:ext>
+                </a:extLst>
+              </a:tr>
+            </a:tbl>
+          </a:graphicData>
+        </a:graphic>
+      </p:graphicFrame>
+      <p:graphicFrame>
+        <p:nvGraphicFramePr>
+          <p:cNvPr id="46" name="Таблица 45"/>
+          <p:cNvGraphicFramePr>
+            <a:graphicFrameLocks noGrp="1"/>
+          </p:cNvGraphicFramePr>
+          <p:nvPr>
+            <p:extLst>
+              <p:ext uri="{D42A27DB-BD31-4B8C-83A1-F6EECF244321}">
+                <p14:modId xmlns:p14="http://schemas.microsoft.com/office/powerpoint/2010/main" val="26154152"/>
+              </p:ext>
+            </p:extLst>
+          </p:nvPr>
+        </p:nvGraphicFramePr>
+        <p:xfrm>
+          <a:off x="8491777" y="4187338"/>
+          <a:ext cx="3319224" cy="1645920"/>
+        </p:xfrm>
+        <a:graphic>
+          <a:graphicData uri="http://schemas.openxmlformats.org/drawingml/2006/table">
+            <a:tbl>
+              <a:tblPr firstRow="1" bandRow="1">
+                <a:tableStyleId>{93296810-A885-4BE3-A3E7-6D5BEEA58F35}</a:tableStyleId>
+              </a:tblPr>
+              <a:tblGrid>
+                <a:gridCol w="3319224">
+                  <a:extLst>
+                    <a:ext uri="{9D8B030D-6E8A-4147-A177-3AD203B41FA5}">
+                      <a16:colId xmlns:a16="http://schemas.microsoft.com/office/drawing/2014/main" val="1316750782"/>
+                    </a:ext>
+                  </a:extLst>
+                </a:gridCol>
+              </a:tblGrid>
+              <a:tr h="370840">
+                <a:tc>
+                  <a:txBody>
+                    <a:bodyPr/>
+                    <a:lstStyle/>
+                    <a:p>
+                      <a:pPr marL="0" marR="0" indent="0" algn="ctr" defTabSz="914400" rtl="0" eaLnBrk="1" fontAlgn="auto" latinLnBrk="0" hangingPunct="1">
+                        <a:lnSpc>
+                          <a:spcPct val="100000"/>
+                        </a:lnSpc>
+                        <a:spcBef>
+                          <a:spcPts val="0"/>
+                        </a:spcBef>
+                        <a:spcAft>
+                          <a:spcPts val="0"/>
+                        </a:spcAft>
+                        <a:buClrTx/>
+                        <a:buSzTx/>
+                        <a:buFontTx/>
+                        <a:buNone/>
+                        <a:tabLst/>
+                        <a:defRPr/>
+                      </a:pPr>
+                      <a:r>
+                        <a:rPr lang="en-GB" sz="2400" dirty="0" smtClean="0"/>
+                        <a:t>BulletTypes</a:t>
+                      </a:r>
+                      <a:endParaRPr lang="ru-RU" sz="2400" dirty="0" smtClean="0"/>
+                    </a:p>
+                  </a:txBody>
+                  <a:tcPr/>
+                </a:tc>
+                <a:extLst>
+                  <a:ext uri="{0D108BD9-81ED-4DB2-BD59-A6C34878D82A}">
+                    <a16:rowId xmlns:a16="http://schemas.microsoft.com/office/drawing/2014/main" val="845860484"/>
+                  </a:ext>
+                </a:extLst>
+              </a:tr>
+              <a:tr h="370840">
+                <a:tc>
+                  <a:txBody>
+                    <a:bodyPr/>
+                    <a:lstStyle/>
+                    <a:p>
+                      <a:r>
+                        <a:rPr lang="ru-RU" sz="2400" dirty="0" smtClean="0"/>
+                        <a:t>Данные, необходимые для</a:t>
+                      </a:r>
+                      <a:r>
+                        <a:rPr lang="ru-RU" sz="2400" baseline="0" dirty="0" smtClean="0"/>
+                        <a:t> создания пуль конкретного типа</a:t>
+                      </a:r>
+                      <a:endParaRPr lang="ru-RU" sz="2400" dirty="0"/>
+                    </a:p>
+                  </a:txBody>
+                  <a:tcPr/>
+                </a:tc>
+                <a:extLst>
+                  <a:ext uri="{0D108BD9-81ED-4DB2-BD59-A6C34878D82A}">
+                    <a16:rowId xmlns:a16="http://schemas.microsoft.com/office/drawing/2014/main" val="2271648856"/>
+                  </a:ext>
+                </a:extLst>
+              </a:tr>
+            </a:tbl>
+          </a:graphicData>
+        </a:graphic>
+      </p:graphicFrame>
+      <p:pic>
+        <p:nvPicPr>
+          <p:cNvPr id="1038" name="Picture 12" descr="peewee — peewee 3.17.1 documentation"/>
+          <p:cNvPicPr>
+            <a:picLocks noChangeAspect="1" noChangeArrowheads="1"/>
+          </p:cNvPicPr>
           <p:nvPr/>
-        </p:nvSpPr>
-        <p:spPr>
-          <a:xfrm>
-            <a:off x="4404607" y="3573517"/>
-            <a:ext cx="3382786" cy="369332"/>
+        </p:nvPicPr>
+        <p:blipFill>
+          <a:blip r:embed="rId2" cstate="print">
+            <a:extLst>
+              <a:ext uri="{28A0092B-C50C-407E-A947-70E740481C1C}">
+                <a14:useLocalDpi xmlns:a14="http://schemas.microsoft.com/office/drawing/2010/main" val="0"/>
+              </a:ext>
+            </a:extLst>
+          </a:blip>
+          <a:srcRect/>
+          <a:stretch>
+            <a:fillRect/>
+          </a:stretch>
+        </p:blipFill>
+        <p:spPr bwMode="auto">
+          <a:xfrm>
+            <a:off x="4549775" y="2947402"/>
+            <a:ext cx="3306496" cy="1239936"/>
           </a:xfrm>
           <a:prstGeom prst="rect">
             <a:avLst/>
           </a:prstGeom>
           <a:noFill/>
-        </p:spPr>
-        <p:txBody>
-          <a:bodyPr wrap="none" rtlCol="0">
-            <a:spAutoFit/>
-          </a:bodyPr>
-          <a:lstStyle/>
-          <a:p>
-            <a:r>
-              <a:rPr lang="ru-RU" dirty="0" smtClean="0"/>
-              <a:t>Картинки??? Гифки???</a:t>
-            </a:r>
-            <a:r>
-              <a:rPr lang="en-GB" smtClean="0"/>
-              <a:t> </a:t>
-            </a:r>
-            <a:r>
-              <a:rPr lang="ru-RU" smtClean="0"/>
-              <a:t>Видео???</a:t>
-            </a:r>
-            <a:endParaRPr lang="ru-RU" dirty="0"/>
-          </a:p>
-        </p:txBody>
-      </p:sp>
+          <a:extLst>
+            <a:ext uri="{909E8E84-426E-40DD-AFC4-6F175D3DCCD1}">
+              <a14:hiddenFill xmlns:a14="http://schemas.microsoft.com/office/drawing/2010/main">
+                <a:solidFill>
+                  <a:srgbClr val="FFFFFF"/>
+                </a:solidFill>
+              </a14:hiddenFill>
+            </a:ext>
+          </a:extLst>
+        </p:spPr>
+      </p:pic>
     </p:spTree>
     <p:extLst>
       <p:ext uri="{BB962C8B-B14F-4D97-AF65-F5344CB8AC3E}">
-        <p14:creationId xmlns:p14="http://schemas.microsoft.com/office/powerpoint/2010/main" val="2747999329"/>
+        <p14:creationId xmlns:p14="http://schemas.microsoft.com/office/powerpoint/2010/main" val="1789036735"/>
       </p:ext>
     </p:extLst>
   </p:cSld>
@@ -5319,74 +5754,39 @@
       </p:grpSpPr>
       <p:sp>
         <p:nvSpPr>
-          <p:cNvPr id="2" name="Заголовок 1"/>
-          <p:cNvSpPr>
-            <a:spLocks noGrp="1"/>
-          </p:cNvSpPr>
-          <p:nvPr>
-            <p:ph type="title"/>
-          </p:nvPr>
+          <p:cNvPr id="4" name="TextBox 3"/>
+          <p:cNvSpPr txBox="1"/>
+          <p:nvPr/>
         </p:nvSpPr>
         <p:spPr>
           <a:xfrm>
-            <a:off x="0" y="0"/>
-            <a:ext cx="12192000" cy="1325563"/>
-          </a:xfrm>
-        </p:spPr>
-        <p:txBody>
-          <a:bodyPr>
-            <a:normAutofit/>
+            <a:off x="2550828" y="2916460"/>
+            <a:ext cx="7094482" cy="523220"/>
+          </a:xfrm>
+          <a:prstGeom prst="rect">
+            <a:avLst/>
+          </a:prstGeom>
+          <a:noFill/>
+        </p:spPr>
+        <p:txBody>
+          <a:bodyPr wrap="square" rtlCol="0">
+            <a:spAutoFit/>
           </a:bodyPr>
           <a:lstStyle/>
           <a:p>
             <a:pPr algn="ctr"/>
             <a:r>
-              <a:rPr lang="ru-RU" sz="8000" b="1" dirty="0" smtClean="0">
-                <a:effectLst>
-                  <a:outerShdw blurRad="38100" dist="38100" dir="2700000" algn="tl">
-                    <a:srgbClr val="000000">
-                      <a:alpha val="43137"/>
-                    </a:srgbClr>
-                  </a:outerShdw>
-                </a:effectLst>
-              </a:rPr>
-              <a:t>База данных</a:t>
-            </a:r>
-            <a:endParaRPr lang="ru-RU" sz="8000" b="1" dirty="0">
-              <a:effectLst>
-                <a:outerShdw blurRad="38100" dist="38100" dir="2700000" algn="tl">
-                  <a:srgbClr val="000000">
-                    <a:alpha val="43137"/>
-                  </a:srgbClr>
-                </a:outerShdw>
-              </a:effectLst>
-            </a:endParaRPr>
-          </a:p>
-        </p:txBody>
-      </p:sp>
-      <p:sp>
-        <p:nvSpPr>
-          <p:cNvPr id="3" name="Объект 2"/>
-          <p:cNvSpPr>
-            <a:spLocks noGrp="1"/>
-          </p:cNvSpPr>
-          <p:nvPr>
-            <p:ph idx="1"/>
-          </p:nvPr>
-        </p:nvSpPr>
-        <p:spPr/>
-        <p:txBody>
-          <a:bodyPr/>
-          <a:lstStyle/>
-          <a:p>
-            <a:endParaRPr lang="ru-RU" dirty="0"/>
+              <a:rPr lang="ru-RU" sz="2800" dirty="0" smtClean="0"/>
+              <a:t>тут будет видео игры</a:t>
+            </a:r>
+            <a:endParaRPr lang="ru-RU" sz="2800" dirty="0"/>
           </a:p>
         </p:txBody>
       </p:sp>
     </p:spTree>
     <p:extLst>
       <p:ext uri="{BB962C8B-B14F-4D97-AF65-F5344CB8AC3E}">
-        <p14:creationId xmlns:p14="http://schemas.microsoft.com/office/powerpoint/2010/main" val="1789036735"/>
+        <p14:creationId xmlns:p14="http://schemas.microsoft.com/office/powerpoint/2010/main" val="3092105942"/>
       </p:ext>
     </p:extLst>
   </p:cSld>

--- a/docs/presentation.pptx
+++ b/docs/presentation.pptx
@@ -5,19 +5,22 @@
     <p:sldMasterId id="2147483998" r:id="rId1"/>
   </p:sldMasterIdLst>
   <p:notesMasterIdLst>
-    <p:notesMasterId r:id="rId12"/>
+    <p:notesMasterId r:id="rId15"/>
   </p:notesMasterIdLst>
   <p:sldIdLst>
     <p:sldId id="256" r:id="rId2"/>
     <p:sldId id="257" r:id="rId3"/>
-    <p:sldId id="259" r:id="rId4"/>
-    <p:sldId id="261" r:id="rId5"/>
-    <p:sldId id="262" r:id="rId6"/>
-    <p:sldId id="263" r:id="rId7"/>
-    <p:sldId id="264" r:id="rId8"/>
-    <p:sldId id="265" r:id="rId9"/>
-    <p:sldId id="266" r:id="rId10"/>
-    <p:sldId id="267" r:id="rId11"/>
+    <p:sldId id="269" r:id="rId4"/>
+    <p:sldId id="259" r:id="rId5"/>
+    <p:sldId id="261" r:id="rId6"/>
+    <p:sldId id="262" r:id="rId7"/>
+    <p:sldId id="268" r:id="rId8"/>
+    <p:sldId id="264" r:id="rId9"/>
+    <p:sldId id="270" r:id="rId10"/>
+    <p:sldId id="263" r:id="rId11"/>
+    <p:sldId id="265" r:id="rId12"/>
+    <p:sldId id="266" r:id="rId13"/>
+    <p:sldId id="267" r:id="rId14"/>
   </p:sldIdLst>
   <p:sldSz cx="12192000" cy="6858000"/>
   <p:notesSz cx="6858000" cy="9144000"/>
@@ -206,7 +209,7 @@
           <a:p>
             <a:fld id="{4C0AFF91-DC91-4E71-806A-79AB4B178085}" type="datetimeFigureOut">
               <a:rPr lang="ru-RU" smtClean="0"/>
-              <a:t>18.02.2024</a:t>
+              <a:t>21.02.2024</a:t>
             </a:fld>
             <a:endParaRPr lang="ru-RU"/>
           </a:p>
@@ -605,7 +608,7 @@
           <a:p>
             <a:fld id="{0FA2E1C2-6611-4A69-9E2B-D7A7241FA37C}" type="datetimeFigureOut">
               <a:rPr lang="ru-RU" smtClean="0"/>
-              <a:t>18.02.2024</a:t>
+              <a:t>21.02.2024</a:t>
             </a:fld>
             <a:endParaRPr lang="ru-RU"/>
           </a:p>
@@ -775,7 +778,7 @@
           <a:p>
             <a:fld id="{0FA2E1C2-6611-4A69-9E2B-D7A7241FA37C}" type="datetimeFigureOut">
               <a:rPr lang="ru-RU" smtClean="0"/>
-              <a:t>18.02.2024</a:t>
+              <a:t>21.02.2024</a:t>
             </a:fld>
             <a:endParaRPr lang="ru-RU"/>
           </a:p>
@@ -955,7 +958,7 @@
           <a:p>
             <a:fld id="{0FA2E1C2-6611-4A69-9E2B-D7A7241FA37C}" type="datetimeFigureOut">
               <a:rPr lang="ru-RU" smtClean="0"/>
-              <a:t>18.02.2024</a:t>
+              <a:t>21.02.2024</a:t>
             </a:fld>
             <a:endParaRPr lang="ru-RU"/>
           </a:p>
@@ -1125,7 +1128,7 @@
           <a:p>
             <a:fld id="{0FA2E1C2-6611-4A69-9E2B-D7A7241FA37C}" type="datetimeFigureOut">
               <a:rPr lang="ru-RU" smtClean="0"/>
-              <a:t>18.02.2024</a:t>
+              <a:t>21.02.2024</a:t>
             </a:fld>
             <a:endParaRPr lang="ru-RU"/>
           </a:p>
@@ -1371,7 +1374,7 @@
           <a:p>
             <a:fld id="{0FA2E1C2-6611-4A69-9E2B-D7A7241FA37C}" type="datetimeFigureOut">
               <a:rPr lang="ru-RU" smtClean="0"/>
-              <a:t>18.02.2024</a:t>
+              <a:t>21.02.2024</a:t>
             </a:fld>
             <a:endParaRPr lang="ru-RU"/>
           </a:p>
@@ -1603,7 +1606,7 @@
           <a:p>
             <a:fld id="{0FA2E1C2-6611-4A69-9E2B-D7A7241FA37C}" type="datetimeFigureOut">
               <a:rPr lang="ru-RU" smtClean="0"/>
-              <a:t>18.02.2024</a:t>
+              <a:t>21.02.2024</a:t>
             </a:fld>
             <a:endParaRPr lang="ru-RU"/>
           </a:p>
@@ -1970,7 +1973,7 @@
           <a:p>
             <a:fld id="{0FA2E1C2-6611-4A69-9E2B-D7A7241FA37C}" type="datetimeFigureOut">
               <a:rPr lang="ru-RU" smtClean="0"/>
-              <a:t>18.02.2024</a:t>
+              <a:t>21.02.2024</a:t>
             </a:fld>
             <a:endParaRPr lang="ru-RU"/>
           </a:p>
@@ -2088,7 +2091,7 @@
           <a:p>
             <a:fld id="{0FA2E1C2-6611-4A69-9E2B-D7A7241FA37C}" type="datetimeFigureOut">
               <a:rPr lang="ru-RU" smtClean="0"/>
-              <a:t>18.02.2024</a:t>
+              <a:t>21.02.2024</a:t>
             </a:fld>
             <a:endParaRPr lang="ru-RU"/>
           </a:p>
@@ -2183,7 +2186,7 @@
           <a:p>
             <a:fld id="{0FA2E1C2-6611-4A69-9E2B-D7A7241FA37C}" type="datetimeFigureOut">
               <a:rPr lang="ru-RU" smtClean="0"/>
-              <a:t>18.02.2024</a:t>
+              <a:t>21.02.2024</a:t>
             </a:fld>
             <a:endParaRPr lang="ru-RU"/>
           </a:p>
@@ -2460,7 +2463,7 @@
           <a:p>
             <a:fld id="{0FA2E1C2-6611-4A69-9E2B-D7A7241FA37C}" type="datetimeFigureOut">
               <a:rPr lang="ru-RU" smtClean="0"/>
-              <a:t>18.02.2024</a:t>
+              <a:t>21.02.2024</a:t>
             </a:fld>
             <a:endParaRPr lang="ru-RU"/>
           </a:p>
@@ -2713,7 +2716,7 @@
           <a:p>
             <a:fld id="{0FA2E1C2-6611-4A69-9E2B-D7A7241FA37C}" type="datetimeFigureOut">
               <a:rPr lang="ru-RU" smtClean="0"/>
-              <a:t>18.02.2024</a:t>
+              <a:t>21.02.2024</a:t>
             </a:fld>
             <a:endParaRPr lang="ru-RU"/>
           </a:p>
@@ -2947,7 +2950,7 @@
           <a:p>
             <a:fld id="{0FA2E1C2-6611-4A69-9E2B-D7A7241FA37C}" type="datetimeFigureOut">
               <a:rPr lang="ru-RU" smtClean="0"/>
-              <a:t>18.02.2024</a:t>
+              <a:t>21.02.2024</a:t>
             </a:fld>
             <a:endParaRPr lang="ru-RU"/>
           </a:p>
@@ -3354,52 +3357,6 @@
       </p:grpSpPr>
       <p:sp>
         <p:nvSpPr>
-          <p:cNvPr id="2" name="Заголовок 1"/>
-          <p:cNvSpPr>
-            <a:spLocks noGrp="1"/>
-          </p:cNvSpPr>
-          <p:nvPr>
-            <p:ph type="ctrTitle"/>
-          </p:nvPr>
-        </p:nvSpPr>
-        <p:spPr>
-          <a:xfrm>
-            <a:off x="1524000" y="875518"/>
-            <a:ext cx="9144000" cy="2387600"/>
-          </a:xfrm>
-        </p:spPr>
-        <p:txBody>
-          <a:bodyPr>
-            <a:normAutofit/>
-          </a:bodyPr>
-          <a:lstStyle/>
-          <a:p>
-            <a:r>
-              <a:rPr lang="en-GB" sz="8000" b="1" dirty="0" smtClean="0">
-                <a:effectLst>
-                  <a:outerShdw blurRad="38100" dist="38100" dir="2700000" algn="tl">
-                    <a:srgbClr val="000000">
-                      <a:alpha val="43137"/>
-                    </a:srgbClr>
-                  </a:outerShdw>
-                </a:effectLst>
-              </a:rPr>
-              <a:t>Danmaku</a:t>
-            </a:r>
-            <a:endParaRPr lang="ru-RU" sz="8000" b="1" dirty="0">
-              <a:effectLst>
-                <a:outerShdw blurRad="38100" dist="38100" dir="2700000" algn="tl">
-                  <a:srgbClr val="000000">
-                    <a:alpha val="43137"/>
-                  </a:srgbClr>
-                </a:outerShdw>
-              </a:effectLst>
-            </a:endParaRPr>
-          </a:p>
-        </p:txBody>
-      </p:sp>
-      <p:sp>
-        <p:nvSpPr>
           <p:cNvPr id="3" name="Подзаголовок 2"/>
           <p:cNvSpPr>
             <a:spLocks noGrp="1"/>
@@ -3410,7 +3367,7 @@
         </p:nvSpPr>
         <p:spPr>
           <a:xfrm>
-            <a:off x="1524000" y="3459352"/>
+            <a:off x="1523996" y="4724734"/>
             <a:ext cx="9144000" cy="1655762"/>
           </a:xfrm>
         </p:spPr>
@@ -3474,6 +3431,36 @@
           </a:p>
         </p:txBody>
       </p:sp>
+      <p:pic>
+        <p:nvPicPr>
+          <p:cNvPr id="6" name="Рисунок 5"/>
+          <p:cNvPicPr>
+            <a:picLocks noChangeAspect="1"/>
+          </p:cNvPicPr>
+          <p:nvPr/>
+        </p:nvPicPr>
+        <p:blipFill>
+          <a:blip r:embed="rId2">
+            <a:extLst>
+              <a:ext uri="{28A0092B-C50C-407E-A947-70E740481C1C}">
+                <a14:useLocalDpi xmlns:a14="http://schemas.microsoft.com/office/drawing/2010/main" val="0"/>
+              </a:ext>
+            </a:extLst>
+          </a:blip>
+          <a:stretch>
+            <a:fillRect/>
+          </a:stretch>
+        </p:blipFill>
+        <p:spPr>
+          <a:xfrm>
+            <a:off x="3080324" y="1855818"/>
+            <a:ext cx="6031345" cy="2591594"/>
+          </a:xfrm>
+          <a:prstGeom prst="rect">
+            <a:avLst/>
+          </a:prstGeom>
+        </p:spPr>
+      </p:pic>
     </p:spTree>
     <p:extLst>
       <p:ext uri="{BB962C8B-B14F-4D97-AF65-F5344CB8AC3E}">
@@ -3511,742 +3498,15 @@
           <a:chExt cx="0" cy="0"/>
         </a:xfrm>
       </p:grpSpPr>
-      <p:sp>
-        <p:nvSpPr>
-          <p:cNvPr id="6" name="TextBox 5"/>
-          <p:cNvSpPr txBox="1"/>
-          <p:nvPr/>
-        </p:nvSpPr>
-        <p:spPr>
-          <a:xfrm>
-            <a:off x="2548759" y="4393005"/>
-            <a:ext cx="7094482" cy="523220"/>
-          </a:xfrm>
-          <a:prstGeom prst="rect">
-            <a:avLst/>
-          </a:prstGeom>
-          <a:noFill/>
-        </p:spPr>
-        <p:txBody>
-          <a:bodyPr wrap="square" rtlCol="0">
-            <a:spAutoFit/>
-          </a:bodyPr>
-          <a:lstStyle/>
-          <a:p>
-            <a:pPr algn="ctr"/>
-            <a:r>
-              <a:rPr lang="ru-RU" sz="2800" dirty="0" smtClean="0"/>
-              <a:t>тут будет ссылка на гит</a:t>
-            </a:r>
-            <a:endParaRPr lang="ru-RU" sz="2800" dirty="0"/>
-          </a:p>
-        </p:txBody>
-      </p:sp>
-      <p:sp>
-        <p:nvSpPr>
-          <p:cNvPr id="7" name="Прямоугольник 6"/>
-          <p:cNvSpPr/>
-          <p:nvPr/>
-        </p:nvSpPr>
-        <p:spPr>
-          <a:xfrm>
-            <a:off x="630621" y="1644479"/>
-            <a:ext cx="10930758" cy="1475404"/>
-          </a:xfrm>
-          <a:prstGeom prst="rect">
-            <a:avLst/>
-          </a:prstGeom>
-        </p:spPr>
-        <p:txBody>
-          <a:bodyPr wrap="square">
-            <a:spAutoFit/>
-          </a:bodyPr>
-          <a:lstStyle/>
-          <a:p>
-            <a:pPr algn="just">
-              <a:lnSpc>
-                <a:spcPct val="107000"/>
-              </a:lnSpc>
-              <a:spcAft>
-                <a:spcPts val="800"/>
-              </a:spcAft>
-            </a:pPr>
-            <a:r>
-              <a:rPr lang="ru-RU" dirty="0" smtClean="0">
-                <a:latin typeface="Calibri" panose="020F0502020204030204" pitchFamily="34" charset="0"/>
-                <a:ea typeface="Calibri" panose="020F0502020204030204" pitchFamily="34" charset="0"/>
-                <a:cs typeface="Times New Roman" panose="02020603050405020304" pitchFamily="18" charset="0"/>
-              </a:rPr>
-              <a:t>	</a:t>
-            </a:r>
-            <a:r>
-              <a:rPr lang="ru-RU" sz="2800" dirty="0" smtClean="0">
-                <a:latin typeface="Calibri" panose="020F0502020204030204" pitchFamily="34" charset="0"/>
-                <a:ea typeface="Calibri" panose="020F0502020204030204" pitchFamily="34" charset="0"/>
-                <a:cs typeface="Times New Roman" panose="02020603050405020304" pitchFamily="18" charset="0"/>
-              </a:rPr>
-              <a:t>В </a:t>
-            </a:r>
-            <a:r>
-              <a:rPr lang="ru-RU" sz="2800" dirty="0">
-                <a:latin typeface="Calibri" panose="020F0502020204030204" pitchFamily="34" charset="0"/>
-                <a:ea typeface="Calibri" panose="020F0502020204030204" pitchFamily="34" charset="0"/>
-                <a:cs typeface="Times New Roman" panose="02020603050405020304" pitchFamily="18" charset="0"/>
-              </a:rPr>
-              <a:t>качестве дальнейших доработок можно рассмотреть возможность выбора типа игрока, </a:t>
-            </a:r>
-            <a:r>
-              <a:rPr lang="ru-RU" sz="2800" dirty="0" smtClean="0">
-                <a:latin typeface="Calibri" panose="020F0502020204030204" pitchFamily="34" charset="0"/>
-                <a:ea typeface="Calibri" panose="020F0502020204030204" pitchFamily="34" charset="0"/>
-                <a:cs typeface="Times New Roman" panose="02020603050405020304" pitchFamily="18" charset="0"/>
-              </a:rPr>
-              <a:t>а также добавление новых типов врагов, пуль и усилений.</a:t>
-            </a:r>
-            <a:endParaRPr lang="ru-RU" sz="2800" dirty="0">
-              <a:latin typeface="Calibri" panose="020F0502020204030204" pitchFamily="34" charset="0"/>
-              <a:ea typeface="Calibri" panose="020F0502020204030204" pitchFamily="34" charset="0"/>
-              <a:cs typeface="Times New Roman" panose="02020603050405020304" pitchFamily="18" charset="0"/>
-            </a:endParaRPr>
-          </a:p>
-        </p:txBody>
-      </p:sp>
-      <p:sp>
-        <p:nvSpPr>
-          <p:cNvPr id="8" name="TextBox 7"/>
-          <p:cNvSpPr txBox="1"/>
-          <p:nvPr/>
-        </p:nvSpPr>
-        <p:spPr>
-          <a:xfrm>
-            <a:off x="1" y="94592"/>
-            <a:ext cx="12191999" cy="1323439"/>
-          </a:xfrm>
-          <a:prstGeom prst="rect">
-            <a:avLst/>
-          </a:prstGeom>
-          <a:noFill/>
-        </p:spPr>
-        <p:txBody>
-          <a:bodyPr wrap="square" rtlCol="0">
-            <a:spAutoFit/>
-          </a:bodyPr>
-          <a:lstStyle/>
-          <a:p>
-            <a:pPr algn="ctr"/>
-            <a:r>
-              <a:rPr lang="ru-RU" sz="8000" b="1" dirty="0" smtClean="0">
-                <a:effectLst>
-                  <a:outerShdw blurRad="38100" dist="38100" dir="2700000" algn="tl">
-                    <a:srgbClr val="000000">
-                      <a:alpha val="43137"/>
-                    </a:srgbClr>
-                  </a:outerShdw>
-                </a:effectLst>
-              </a:rPr>
-              <a:t>Дальнейшее развитие</a:t>
-            </a:r>
-            <a:endParaRPr lang="ru-RU" sz="8000" b="1" dirty="0">
-              <a:effectLst>
-                <a:outerShdw blurRad="38100" dist="38100" dir="2700000" algn="tl">
-                  <a:srgbClr val="000000">
-                    <a:alpha val="43137"/>
-                  </a:srgbClr>
-                </a:outerShdw>
-              </a:effectLst>
-            </a:endParaRPr>
-          </a:p>
-        </p:txBody>
-      </p:sp>
-    </p:spTree>
-    <p:extLst>
-      <p:ext uri="{BB962C8B-B14F-4D97-AF65-F5344CB8AC3E}">
-        <p14:creationId xmlns:p14="http://schemas.microsoft.com/office/powerpoint/2010/main" val="1772446538"/>
-      </p:ext>
-    </p:extLst>
-  </p:cSld>
-  <p:clrMapOvr>
-    <a:masterClrMapping/>
-  </p:clrMapOvr>
-  <p:timing>
-    <p:tnLst>
-      <p:par>
-        <p:cTn id="1" dur="indefinite" restart="never" nodeType="tmRoot"/>
-      </p:par>
-    </p:tnLst>
-  </p:timing>
-</p:sld>
-</file>
-
-<file path=ppt/slides/slide2.xml><?xml version="1.0" encoding="utf-8"?>
-<p:sld xmlns:a="http://schemas.openxmlformats.org/drawingml/2006/main" xmlns:r="http://schemas.openxmlformats.org/officeDocument/2006/relationships" xmlns:p="http://schemas.openxmlformats.org/presentationml/2006/main">
-  <p:cSld>
-    <p:spTree>
-      <p:nvGrpSpPr>
-        <p:cNvPr id="1" name=""/>
-        <p:cNvGrpSpPr/>
-        <p:nvPr/>
-      </p:nvGrpSpPr>
-      <p:grpSpPr>
-        <a:xfrm>
-          <a:off x="0" y="0"/>
-          <a:ext cx="0" cy="0"/>
-          <a:chOff x="0" y="0"/>
-          <a:chExt cx="0" cy="0"/>
-        </a:xfrm>
-      </p:grpSpPr>
-      <p:sp>
-        <p:nvSpPr>
-          <p:cNvPr id="3" name="Подзаголовок 2"/>
-          <p:cNvSpPr>
-            <a:spLocks noGrp="1"/>
-          </p:cNvSpPr>
-          <p:nvPr>
-            <p:ph type="subTitle" idx="4294967295"/>
-          </p:nvPr>
-        </p:nvSpPr>
-        <p:spPr>
-          <a:xfrm>
-            <a:off x="503237" y="1351283"/>
-            <a:ext cx="11185525" cy="2332037"/>
-          </a:xfrm>
-        </p:spPr>
-        <p:txBody>
-          <a:bodyPr>
-            <a:noAutofit/>
-          </a:bodyPr>
-          <a:lstStyle/>
-          <a:p>
-            <a:pPr marL="0" indent="0" algn="just">
-              <a:buNone/>
-            </a:pPr>
-            <a:r>
-              <a:rPr lang="ru-RU" dirty="0" smtClean="0"/>
-              <a:t>	Цель проекта: создать игру в жанре аркадных игр, «классический вертикальный Данмаку-шутер», также известный как </a:t>
-            </a:r>
-            <a:r>
-              <a:rPr lang="en-GB" dirty="0" smtClean="0"/>
-              <a:t>Bullet hell.</a:t>
-            </a:r>
-            <a:r>
-              <a:rPr lang="ru-RU" dirty="0" smtClean="0"/>
-              <a:t> В качестве примера похожих игр можно  привести серию игр «</a:t>
-            </a:r>
-            <a:r>
-              <a:rPr lang="en-GB" dirty="0" smtClean="0"/>
-              <a:t>Touhou Project</a:t>
-            </a:r>
-            <a:r>
-              <a:rPr lang="ru-RU" dirty="0" smtClean="0"/>
-              <a:t>»</a:t>
-            </a:r>
-            <a:r>
-              <a:rPr lang="en-GB" dirty="0" smtClean="0"/>
-              <a:t>, </a:t>
-            </a:r>
-            <a:r>
-              <a:rPr lang="ru-RU" dirty="0" smtClean="0"/>
-              <a:t>«</a:t>
-            </a:r>
-            <a:r>
-              <a:rPr lang="en-GB" dirty="0" smtClean="0"/>
-              <a:t>Batsugun</a:t>
-            </a:r>
-            <a:r>
-              <a:rPr lang="ru-RU" dirty="0" smtClean="0"/>
-              <a:t>»</a:t>
-            </a:r>
-            <a:r>
-              <a:rPr lang="en-GB" dirty="0" smtClean="0"/>
-              <a:t>.</a:t>
-            </a:r>
-            <a:r>
-              <a:rPr lang="ru-RU" dirty="0" smtClean="0"/>
-              <a:t> Также среди игр с похожими механиками можно назвать «</a:t>
-            </a:r>
-            <a:r>
-              <a:rPr lang="en-GB" dirty="0" smtClean="0"/>
-              <a:t>Undertale</a:t>
-            </a:r>
-            <a:r>
-              <a:rPr lang="ru-RU" dirty="0" smtClean="0"/>
-              <a:t>», «</a:t>
-            </a:r>
-            <a:r>
-              <a:rPr lang="en-GB" dirty="0" smtClean="0"/>
-              <a:t>Enter the Gungeon</a:t>
-            </a:r>
-            <a:r>
-              <a:rPr lang="ru-RU" dirty="0" smtClean="0"/>
-              <a:t>».</a:t>
-            </a:r>
-            <a:endParaRPr lang="en-GB" dirty="0" smtClean="0"/>
-          </a:p>
-        </p:txBody>
-      </p:sp>
-      <p:sp>
-        <p:nvSpPr>
-          <p:cNvPr id="2" name="Заголовок 1"/>
-          <p:cNvSpPr>
-            <a:spLocks noGrp="1"/>
-          </p:cNvSpPr>
-          <p:nvPr>
-            <p:ph type="ctrTitle" idx="4294967295"/>
-          </p:nvPr>
-        </p:nvSpPr>
-        <p:spPr>
-          <a:xfrm>
-            <a:off x="0" y="0"/>
-            <a:ext cx="12192000" cy="1306513"/>
-          </a:xfrm>
-        </p:spPr>
-        <p:txBody>
-          <a:bodyPr>
-            <a:normAutofit/>
-          </a:bodyPr>
-          <a:lstStyle/>
-          <a:p>
-            <a:pPr algn="ctr"/>
-            <a:r>
-              <a:rPr lang="ru-RU" sz="8000" b="1" dirty="0" smtClean="0">
-                <a:effectLst>
-                  <a:outerShdw blurRad="38100" dist="38100" dir="2700000" algn="tl">
-                    <a:srgbClr val="000000">
-                      <a:alpha val="43137"/>
-                    </a:srgbClr>
-                  </a:outerShdw>
-                </a:effectLst>
-              </a:rPr>
-              <a:t>Введение</a:t>
-            </a:r>
-            <a:endParaRPr lang="ru-RU" sz="8000" b="1" dirty="0">
-              <a:effectLst>
-                <a:outerShdw blurRad="38100" dist="38100" dir="2700000" algn="tl">
-                  <a:srgbClr val="000000">
-                    <a:alpha val="43137"/>
-                  </a:srgbClr>
-                </a:outerShdw>
-              </a:effectLst>
-            </a:endParaRPr>
-          </a:p>
-        </p:txBody>
-      </p:sp>
       <p:pic>
         <p:nvPicPr>
-          <p:cNvPr id="1026" name="Picture 2" descr="Batsugun"/>
+          <p:cNvPr id="4" name="Объект 3"/>
           <p:cNvPicPr>
-            <a:picLocks noChangeAspect="1" noChangeArrowheads="1"/>
+            <a:picLocks noGrp="1" noChangeAspect="1"/>
           </p:cNvPicPr>
-          <p:nvPr/>
-        </p:nvPicPr>
-        <p:blipFill>
-          <a:blip r:embed="rId2" cstate="print">
-            <a:extLst>
-              <a:ext uri="{28A0092B-C50C-407E-A947-70E740481C1C}">
-                <a14:useLocalDpi xmlns:a14="http://schemas.microsoft.com/office/drawing/2010/main" val="0"/>
-              </a:ext>
-            </a:extLst>
-          </a:blip>
-          <a:srcRect/>
-          <a:stretch>
-            <a:fillRect/>
-          </a:stretch>
-        </p:blipFill>
-        <p:spPr bwMode="auto">
-          <a:xfrm>
-            <a:off x="4446871" y="3728091"/>
-            <a:ext cx="2097438" cy="2796584"/>
-          </a:xfrm>
-          <a:prstGeom prst="rect">
-            <a:avLst/>
-          </a:prstGeom>
-          <a:ln>
-            <a:noFill/>
-          </a:ln>
-          <a:effectLst>
-            <a:outerShdw blurRad="292100" dist="139700" dir="2700000" algn="tl" rotWithShape="0">
-              <a:srgbClr val="333333">
-                <a:alpha val="65000"/>
-              </a:srgbClr>
-            </a:outerShdw>
-          </a:effectLst>
-          <a:extLst>
-            <a:ext uri="{909E8E84-426E-40DD-AFC4-6F175D3DCCD1}">
-              <a14:hiddenFill xmlns:a14="http://schemas.microsoft.com/office/drawing/2010/main">
-                <a:solidFill>
-                  <a:srgbClr val="FFFFFF"/>
-                </a:solidFill>
-              </a14:hiddenFill>
-            </a:ext>
-          </a:extLst>
-        </p:spPr>
-      </p:pic>
-      <p:pic>
-        <p:nvPicPr>
-          <p:cNvPr id="1028" name="Picture 4" descr="The Touhou Project (AKA Bullet Hell)"/>
-          <p:cNvPicPr>
-            <a:picLocks noChangeAspect="1" noChangeArrowheads="1"/>
-          </p:cNvPicPr>
-          <p:nvPr/>
-        </p:nvPicPr>
-        <p:blipFill>
-          <a:blip r:embed="rId3">
-            <a:extLst>
-              <a:ext uri="{28A0092B-C50C-407E-A947-70E740481C1C}">
-                <a14:useLocalDpi xmlns:a14="http://schemas.microsoft.com/office/drawing/2010/main" val="0"/>
-              </a:ext>
-            </a:extLst>
-          </a:blip>
-          <a:srcRect/>
-          <a:stretch>
-            <a:fillRect/>
-          </a:stretch>
-        </p:blipFill>
-        <p:spPr bwMode="auto">
-          <a:xfrm>
-            <a:off x="438915" y="3728091"/>
-            <a:ext cx="3733032" cy="2799775"/>
-          </a:xfrm>
-          <a:prstGeom prst="rect">
-            <a:avLst/>
-          </a:prstGeom>
-          <a:ln>
-            <a:noFill/>
-          </a:ln>
-          <a:effectLst>
-            <a:outerShdw blurRad="292100" dist="139700" dir="2700000" algn="tl" rotWithShape="0">
-              <a:srgbClr val="333333">
-                <a:alpha val="65000"/>
-              </a:srgbClr>
-            </a:outerShdw>
-          </a:effectLst>
-          <a:extLst>
-            <a:ext uri="{909E8E84-426E-40DD-AFC4-6F175D3DCCD1}">
-              <a14:hiddenFill xmlns:a14="http://schemas.microsoft.com/office/drawing/2010/main">
-                <a:solidFill>
-                  <a:srgbClr val="FFFFFF"/>
-                </a:solidFill>
-              </a14:hiddenFill>
-            </a:ext>
-          </a:extLst>
-        </p:spPr>
-      </p:pic>
-      <p:pic>
-        <p:nvPicPr>
-          <p:cNvPr id="1030" name="Picture 6" descr="Как генерируются подземелья в Enter The Gungeon / Хабр"/>
-          <p:cNvPicPr>
-            <a:picLocks noChangeAspect="1" noChangeArrowheads="1"/>
-          </p:cNvPicPr>
-          <p:nvPr/>
-        </p:nvPicPr>
-        <p:blipFill>
-          <a:blip r:embed="rId4">
-            <a:extLst>
-              <a:ext uri="{28A0092B-C50C-407E-A947-70E740481C1C}">
-                <a14:useLocalDpi xmlns:a14="http://schemas.microsoft.com/office/drawing/2010/main" val="0"/>
-              </a:ext>
-            </a:extLst>
-          </a:blip>
-          <a:srcRect/>
-          <a:stretch>
-            <a:fillRect/>
-          </a:stretch>
-        </p:blipFill>
-        <p:spPr bwMode="auto">
-          <a:xfrm>
-            <a:off x="6813080" y="3728091"/>
-            <a:ext cx="4948822" cy="2782773"/>
-          </a:xfrm>
-          <a:prstGeom prst="rect">
-            <a:avLst/>
-          </a:prstGeom>
-          <a:ln>
-            <a:noFill/>
-          </a:ln>
-          <a:effectLst>
-            <a:outerShdw blurRad="292100" dist="139700" dir="2700000" algn="tl" rotWithShape="0">
-              <a:srgbClr val="333333">
-                <a:alpha val="65000"/>
-              </a:srgbClr>
-            </a:outerShdw>
-          </a:effectLst>
-          <a:extLst>
-            <a:ext uri="{909E8E84-426E-40DD-AFC4-6F175D3DCCD1}">
-              <a14:hiddenFill xmlns:a14="http://schemas.microsoft.com/office/drawing/2010/main">
-                <a:solidFill>
-                  <a:srgbClr val="FFFFFF"/>
-                </a:solidFill>
-              </a14:hiddenFill>
-            </a:ext>
-          </a:extLst>
-        </p:spPr>
-      </p:pic>
-    </p:spTree>
-    <p:extLst>
-      <p:ext uri="{BB962C8B-B14F-4D97-AF65-F5344CB8AC3E}">
-        <p14:creationId xmlns:p14="http://schemas.microsoft.com/office/powerpoint/2010/main" val="3439908168"/>
-      </p:ext>
-    </p:extLst>
-  </p:cSld>
-  <p:clrMapOvr>
-    <a:masterClrMapping/>
-  </p:clrMapOvr>
-  <p:timing>
-    <p:tnLst>
-      <p:par>
-        <p:cTn id="1" dur="indefinite" restart="never" nodeType="tmRoot"/>
-      </p:par>
-    </p:tnLst>
-  </p:timing>
-</p:sld>
-</file>
-
-<file path=ppt/slides/slide3.xml><?xml version="1.0" encoding="utf-8"?>
-<p:sld xmlns:a="http://schemas.openxmlformats.org/drawingml/2006/main" xmlns:r="http://schemas.openxmlformats.org/officeDocument/2006/relationships" xmlns:p="http://schemas.openxmlformats.org/presentationml/2006/main">
-  <p:cSld>
-    <p:spTree>
-      <p:nvGrpSpPr>
-        <p:cNvPr id="1" name=""/>
-        <p:cNvGrpSpPr/>
-        <p:nvPr/>
-      </p:nvGrpSpPr>
-      <p:grpSpPr>
-        <a:xfrm>
-          <a:off x="0" y="0"/>
-          <a:ext cx="0" cy="0"/>
-          <a:chOff x="0" y="0"/>
-          <a:chExt cx="0" cy="0"/>
-        </a:xfrm>
-      </p:grpSpPr>
-      <p:sp>
-        <p:nvSpPr>
-          <p:cNvPr id="2" name="Заголовок 1"/>
-          <p:cNvSpPr>
-            <a:spLocks noGrp="1"/>
-          </p:cNvSpPr>
-          <p:nvPr>
-            <p:ph type="title"/>
-          </p:nvPr>
-        </p:nvSpPr>
-        <p:spPr>
-          <a:xfrm>
-            <a:off x="0" y="0"/>
-            <a:ext cx="12192000" cy="1325563"/>
-          </a:xfrm>
-        </p:spPr>
-        <p:txBody>
-          <a:bodyPr>
-            <a:normAutofit/>
-          </a:bodyPr>
-          <a:lstStyle/>
-          <a:p>
-            <a:pPr algn="ctr"/>
-            <a:r>
-              <a:rPr lang="ru-RU" sz="8000" b="1" dirty="0" smtClean="0">
-                <a:effectLst>
-                  <a:outerShdw blurRad="38100" dist="38100" dir="2700000" algn="tl">
-                    <a:srgbClr val="000000">
-                      <a:alpha val="43137"/>
-                    </a:srgbClr>
-                  </a:outerShdw>
-                </a:effectLst>
-              </a:rPr>
-              <a:t>Движок</a:t>
-            </a:r>
-            <a:endParaRPr lang="ru-RU" sz="8000" b="1" dirty="0">
-              <a:effectLst>
-                <a:outerShdw blurRad="38100" dist="38100" dir="2700000" algn="tl">
-                  <a:srgbClr val="000000">
-                    <a:alpha val="43137"/>
-                  </a:srgbClr>
-                </a:outerShdw>
-              </a:effectLst>
-            </a:endParaRPr>
-          </a:p>
-        </p:txBody>
-      </p:sp>
-      <p:sp>
-        <p:nvSpPr>
-          <p:cNvPr id="3" name="Подзаголовок 2"/>
-          <p:cNvSpPr>
-            <a:spLocks noGrp="1"/>
-          </p:cNvSpPr>
           <p:nvPr>
             <p:ph idx="1"/>
           </p:nvPr>
-        </p:nvSpPr>
-        <p:spPr/>
-        <p:txBody>
-          <a:bodyPr>
-            <a:noAutofit/>
-          </a:bodyPr>
-          <a:lstStyle/>
-          <a:p>
-            <a:pPr marL="0" indent="0" algn="just">
-              <a:buNone/>
-            </a:pPr>
-            <a:r>
-              <a:rPr lang="ru-RU" dirty="0" smtClean="0"/>
-              <a:t>	Получил название </a:t>
-            </a:r>
-            <a:r>
-              <a:rPr lang="en-GB" dirty="0" smtClean="0"/>
-              <a:t>Vgame</a:t>
-            </a:r>
-            <a:r>
-              <a:rPr lang="ru-RU" dirty="0" smtClean="0"/>
-              <a:t>, написан поверх </a:t>
-            </a:r>
-            <a:r>
-              <a:rPr lang="en-GB" dirty="0" smtClean="0"/>
-              <a:t>PyGame</a:t>
-            </a:r>
-            <a:r>
-              <a:rPr lang="ru-RU" dirty="0" smtClean="0"/>
-              <a:t>. Разделяет игру на отдельные треды. Создает абстракцию и интерфейс, подобный </a:t>
-            </a:r>
-            <a:r>
-              <a:rPr lang="en-GB" dirty="0" smtClean="0"/>
-              <a:t>Love2D</a:t>
-            </a:r>
-            <a:r>
-              <a:rPr lang="ru-RU" dirty="0" smtClean="0"/>
-              <a:t>.</a:t>
-            </a:r>
-          </a:p>
-          <a:p>
-            <a:pPr marL="0" indent="0" algn="just">
-              <a:buNone/>
-            </a:pPr>
-            <a:r>
-              <a:rPr lang="en-GB" dirty="0" smtClean="0"/>
-              <a:t>Git: </a:t>
-            </a:r>
-            <a:endParaRPr lang="ru-RU" dirty="0"/>
-          </a:p>
-        </p:txBody>
-      </p:sp>
-      <p:sp>
-        <p:nvSpPr>
-          <p:cNvPr id="5" name="TextBox 4"/>
-          <p:cNvSpPr txBox="1"/>
-          <p:nvPr/>
-        </p:nvSpPr>
-        <p:spPr>
-          <a:xfrm>
-            <a:off x="5087007" y="4529959"/>
-            <a:ext cx="2292807" cy="523220"/>
-          </a:xfrm>
-          <a:prstGeom prst="rect">
-            <a:avLst/>
-          </a:prstGeom>
-          <a:noFill/>
-        </p:spPr>
-        <p:txBody>
-          <a:bodyPr wrap="none" rtlCol="0">
-            <a:spAutoFit/>
-          </a:bodyPr>
-          <a:lstStyle/>
-          <a:p>
-            <a:r>
-              <a:rPr lang="ru-RU" sz="2800" dirty="0" smtClean="0"/>
-              <a:t>Картинки????</a:t>
-            </a:r>
-            <a:endParaRPr lang="ru-RU" sz="2800" dirty="0"/>
-          </a:p>
-        </p:txBody>
-      </p:sp>
-    </p:spTree>
-    <p:extLst>
-      <p:ext uri="{BB962C8B-B14F-4D97-AF65-F5344CB8AC3E}">
-        <p14:creationId xmlns:p14="http://schemas.microsoft.com/office/powerpoint/2010/main" val="3500146176"/>
-      </p:ext>
-    </p:extLst>
-  </p:cSld>
-  <p:clrMapOvr>
-    <a:masterClrMapping/>
-  </p:clrMapOvr>
-  <p:timing>
-    <p:tnLst>
-      <p:par>
-        <p:cTn id="1" dur="indefinite" restart="never" nodeType="tmRoot"/>
-      </p:par>
-    </p:tnLst>
-  </p:timing>
-</p:sld>
-</file>
-
-<file path=ppt/slides/slide4.xml><?xml version="1.0" encoding="utf-8"?>
-<p:sld xmlns:a="http://schemas.openxmlformats.org/drawingml/2006/main" xmlns:r="http://schemas.openxmlformats.org/officeDocument/2006/relationships" xmlns:p="http://schemas.openxmlformats.org/presentationml/2006/main">
-  <p:cSld>
-    <p:spTree>
-      <p:nvGrpSpPr>
-        <p:cNvPr id="1" name=""/>
-        <p:cNvGrpSpPr/>
-        <p:nvPr/>
-      </p:nvGrpSpPr>
-      <p:grpSpPr>
-        <a:xfrm>
-          <a:off x="0" y="0"/>
-          <a:ext cx="0" cy="0"/>
-          <a:chOff x="0" y="0"/>
-          <a:chExt cx="0" cy="0"/>
-        </a:xfrm>
-      </p:grpSpPr>
-      <p:sp>
-        <p:nvSpPr>
-          <p:cNvPr id="2" name="Заголовок 1"/>
-          <p:cNvSpPr>
-            <a:spLocks noGrp="1"/>
-          </p:cNvSpPr>
-          <p:nvPr>
-            <p:ph type="title"/>
-          </p:nvPr>
-        </p:nvSpPr>
-        <p:spPr>
-          <a:xfrm>
-            <a:off x="0" y="0"/>
-            <a:ext cx="12192000" cy="1325563"/>
-          </a:xfrm>
-        </p:spPr>
-        <p:txBody>
-          <a:bodyPr>
-            <a:normAutofit/>
-          </a:bodyPr>
-          <a:lstStyle/>
-          <a:p>
-            <a:pPr algn="ctr"/>
-            <a:r>
-              <a:rPr lang="ru-RU" sz="8000" b="1" dirty="0" smtClean="0">
-                <a:effectLst>
-                  <a:outerShdw blurRad="38100" dist="38100" dir="2700000" algn="tl">
-                    <a:srgbClr val="000000">
-                      <a:alpha val="43137"/>
-                    </a:srgbClr>
-                  </a:outerShdw>
-                </a:effectLst>
-              </a:rPr>
-              <a:t>Меню</a:t>
-            </a:r>
-            <a:endParaRPr lang="ru-RU" sz="8000" b="1" dirty="0">
-              <a:effectLst>
-                <a:outerShdw blurRad="38100" dist="38100" dir="2700000" algn="tl">
-                  <a:srgbClr val="000000">
-                    <a:alpha val="43137"/>
-                  </a:srgbClr>
-                </a:outerShdw>
-              </a:effectLst>
-            </a:endParaRPr>
-          </a:p>
-        </p:txBody>
-      </p:sp>
-      <p:pic>
-        <p:nvPicPr>
-          <p:cNvPr id="6" name="Рисунок 5"/>
-          <p:cNvPicPr>
-            <a:picLocks noChangeAspect="1"/>
-          </p:cNvPicPr>
-          <p:nvPr/>
         </p:nvPicPr>
         <p:blipFill>
           <a:blip r:embed="rId2">
@@ -4262,24 +3522,56 @@
         </p:blipFill>
         <p:spPr>
           <a:xfrm>
-            <a:off x="794620" y="1382637"/>
-            <a:ext cx="4807393" cy="5102245"/>
-          </a:xfrm>
-          <a:prstGeom prst="rect">
-            <a:avLst/>
-          </a:prstGeom>
-          <a:ln>
-            <a:noFill/>
-          </a:ln>
-          <a:effectLst>
-            <a:outerShdw blurRad="292100" dist="139700" dir="2700000" algn="tl" rotWithShape="0">
-              <a:srgbClr val="333333">
-                <a:alpha val="65000"/>
-              </a:srgbClr>
-            </a:outerShdw>
-          </a:effectLst>
+            <a:off x="890448" y="1083702"/>
+            <a:ext cx="9749475" cy="5514144"/>
+          </a:xfrm>
         </p:spPr>
       </p:pic>
+      <p:sp>
+        <p:nvSpPr>
+          <p:cNvPr id="2" name="Заголовок 1"/>
+          <p:cNvSpPr>
+            <a:spLocks noGrp="1"/>
+          </p:cNvSpPr>
+          <p:nvPr>
+            <p:ph type="title"/>
+          </p:nvPr>
+        </p:nvSpPr>
+        <p:spPr>
+          <a:xfrm>
+            <a:off x="0" y="0"/>
+            <a:ext cx="12192000" cy="1325563"/>
+          </a:xfrm>
+        </p:spPr>
+        <p:txBody>
+          <a:bodyPr/>
+          <a:lstStyle/>
+          <a:p>
+            <a:pPr algn="ctr"/>
+            <a:r>
+              <a:rPr lang="ru-RU" sz="8000" b="1" dirty="0" smtClean="0">
+                <a:effectLst>
+                  <a:outerShdw blurRad="38100" dist="38100" dir="2700000" algn="tl">
+                    <a:srgbClr val="000000">
+                      <a:alpha val="43137"/>
+                    </a:srgbClr>
+                  </a:outerShdw>
+                </a:effectLst>
+              </a:rPr>
+              <a:t>Игровые объекты</a:t>
+            </a:r>
+            <a:endParaRPr lang="ru-RU" sz="8000" b="1" dirty="0">
+              <a:effectLst>
+                <a:outerShdw blurRad="38100" dist="38100" dir="2700000" algn="tl">
+                  <a:srgbClr val="000000">
+                    <a:alpha val="43137"/>
+                  </a:srgbClr>
+                </a:outerShdw>
+              </a:effectLst>
+            </a:endParaRPr>
+          </a:p>
+        </p:txBody>
+      </p:sp>
       <p:pic>
         <p:nvPicPr>
           <p:cNvPr id="7" name="Рисунок 6"/>
@@ -4302,22 +3594,12 @@
         </p:blipFill>
         <p:spPr>
           <a:xfrm>
-            <a:off x="6301435" y="1482239"/>
-            <a:ext cx="3000599" cy="3184635"/>
+            <a:off x="8396778" y="1032537"/>
+            <a:ext cx="328440" cy="322857"/>
           </a:xfrm>
           <a:prstGeom prst="rect">
             <a:avLst/>
           </a:prstGeom>
-          <a:ln>
-            <a:noFill/>
-          </a:ln>
-          <a:effectLst>
-            <a:outerShdw blurRad="292100" dist="139700" dir="2700000" algn="tl" rotWithShape="0">
-              <a:srgbClr val="333333">
-                <a:alpha val="65000"/>
-              </a:srgbClr>
-            </a:outerShdw>
-          </a:effectLst>
         </p:spPr>
       </p:pic>
       <p:pic>
@@ -4342,431 +3624,6 @@
         </p:blipFill>
         <p:spPr>
           <a:xfrm>
-            <a:off x="8498702" y="3289737"/>
-            <a:ext cx="3010501" cy="3195145"/>
-          </a:xfrm>
-          <a:prstGeom prst="rect">
-            <a:avLst/>
-          </a:prstGeom>
-          <a:ln>
-            <a:noFill/>
-          </a:ln>
-          <a:effectLst>
-            <a:outerShdw blurRad="292100" dist="139700" dir="2700000" algn="tl" rotWithShape="0">
-              <a:srgbClr val="333333">
-                <a:alpha val="65000"/>
-              </a:srgbClr>
-            </a:outerShdw>
-          </a:effectLst>
-        </p:spPr>
-      </p:pic>
-    </p:spTree>
-    <p:extLst>
-      <p:ext uri="{BB962C8B-B14F-4D97-AF65-F5344CB8AC3E}">
-        <p14:creationId xmlns:p14="http://schemas.microsoft.com/office/powerpoint/2010/main" val="2062288154"/>
-      </p:ext>
-    </p:extLst>
-  </p:cSld>
-  <p:clrMapOvr>
-    <a:masterClrMapping/>
-  </p:clrMapOvr>
-  <p:timing>
-    <p:tnLst>
-      <p:par>
-        <p:cTn id="1" dur="indefinite" restart="never" nodeType="tmRoot"/>
-      </p:par>
-    </p:tnLst>
-  </p:timing>
-</p:sld>
-</file>
-
-<file path=ppt/slides/slide5.xml><?xml version="1.0" encoding="utf-8"?>
-<p:sld xmlns:a="http://schemas.openxmlformats.org/drawingml/2006/main" xmlns:r="http://schemas.openxmlformats.org/officeDocument/2006/relationships" xmlns:p="http://schemas.openxmlformats.org/presentationml/2006/main">
-  <p:cSld>
-    <p:spTree>
-      <p:nvGrpSpPr>
-        <p:cNvPr id="1" name=""/>
-        <p:cNvGrpSpPr/>
-        <p:nvPr/>
-      </p:nvGrpSpPr>
-      <p:grpSpPr>
-        <a:xfrm>
-          <a:off x="0" y="0"/>
-          <a:ext cx="0" cy="0"/>
-          <a:chOff x="0" y="0"/>
-          <a:chExt cx="0" cy="0"/>
-        </a:xfrm>
-      </p:grpSpPr>
-      <p:pic>
-        <p:nvPicPr>
-          <p:cNvPr id="8" name="Рисунок 7"/>
-          <p:cNvPicPr>
-            <a:picLocks noChangeAspect="1"/>
-          </p:cNvPicPr>
-          <p:nvPr/>
-        </p:nvPicPr>
-        <p:blipFill>
-          <a:blip r:embed="rId2" cstate="print">
-            <a:extLst>
-              <a:ext uri="{28A0092B-C50C-407E-A947-70E740481C1C}">
-                <a14:useLocalDpi xmlns:a14="http://schemas.microsoft.com/office/drawing/2010/main" val="0"/>
-              </a:ext>
-            </a:extLst>
-          </a:blip>
-          <a:stretch>
-            <a:fillRect/>
-          </a:stretch>
-        </p:blipFill>
-        <p:spPr>
-          <a:xfrm>
-            <a:off x="9493026" y="3740033"/>
-            <a:ext cx="2395818" cy="2542762"/>
-          </a:xfrm>
-          <a:prstGeom prst="rect">
-            <a:avLst/>
-          </a:prstGeom>
-          <a:ln>
-            <a:noFill/>
-          </a:ln>
-          <a:effectLst>
-            <a:outerShdw blurRad="292100" dist="139700" dir="2700000" algn="tl" rotWithShape="0">
-              <a:srgbClr val="333333">
-                <a:alpha val="65000"/>
-              </a:srgbClr>
-            </a:outerShdw>
-          </a:effectLst>
-        </p:spPr>
-      </p:pic>
-      <p:pic>
-        <p:nvPicPr>
-          <p:cNvPr id="7" name="Рисунок 6"/>
-          <p:cNvPicPr>
-            <a:picLocks noChangeAspect="1"/>
-          </p:cNvPicPr>
-          <p:nvPr/>
-        </p:nvPicPr>
-        <p:blipFill>
-          <a:blip r:embed="rId3" cstate="print">
-            <a:extLst>
-              <a:ext uri="{28A0092B-C50C-407E-A947-70E740481C1C}">
-                <a14:useLocalDpi xmlns:a14="http://schemas.microsoft.com/office/drawing/2010/main" val="0"/>
-              </a:ext>
-            </a:extLst>
-          </a:blip>
-          <a:stretch>
-            <a:fillRect/>
-          </a:stretch>
-        </p:blipFill>
-        <p:spPr>
-          <a:xfrm>
-            <a:off x="6389803" y="3740033"/>
-            <a:ext cx="2395818" cy="2542762"/>
-          </a:xfrm>
-          <a:prstGeom prst="rect">
-            <a:avLst/>
-          </a:prstGeom>
-          <a:ln>
-            <a:noFill/>
-          </a:ln>
-          <a:effectLst>
-            <a:outerShdw blurRad="292100" dist="139700" dir="2700000" algn="tl" rotWithShape="0">
-              <a:srgbClr val="333333">
-                <a:alpha val="65000"/>
-              </a:srgbClr>
-            </a:outerShdw>
-          </a:effectLst>
-        </p:spPr>
-      </p:pic>
-      <p:sp>
-        <p:nvSpPr>
-          <p:cNvPr id="2" name="Заголовок 1"/>
-          <p:cNvSpPr>
-            <a:spLocks noGrp="1"/>
-          </p:cNvSpPr>
-          <p:nvPr>
-            <p:ph type="title"/>
-          </p:nvPr>
-        </p:nvSpPr>
-        <p:spPr>
-          <a:xfrm>
-            <a:off x="0" y="0"/>
-            <a:ext cx="12192000" cy="1325563"/>
-          </a:xfrm>
-        </p:spPr>
-        <p:txBody>
-          <a:bodyPr>
-            <a:normAutofit/>
-          </a:bodyPr>
-          <a:lstStyle/>
-          <a:p>
-            <a:pPr algn="ctr"/>
-            <a:r>
-              <a:rPr lang="ru-RU" sz="8000" b="1" dirty="0" smtClean="0">
-                <a:effectLst>
-                  <a:outerShdw blurRad="38100" dist="38100" dir="2700000" algn="tl">
-                    <a:srgbClr val="000000">
-                      <a:alpha val="43137"/>
-                    </a:srgbClr>
-                  </a:outerShdw>
-                </a:effectLst>
-              </a:rPr>
-              <a:t>Игра</a:t>
-            </a:r>
-            <a:endParaRPr lang="ru-RU" sz="8000" b="1" dirty="0">
-              <a:effectLst>
-                <a:outerShdw blurRad="38100" dist="38100" dir="2700000" algn="tl">
-                  <a:srgbClr val="000000">
-                    <a:alpha val="43137"/>
-                  </a:srgbClr>
-                </a:outerShdw>
-              </a:effectLst>
-            </a:endParaRPr>
-          </a:p>
-        </p:txBody>
-      </p:sp>
-      <p:pic>
-        <p:nvPicPr>
-          <p:cNvPr id="3" name="Рисунок 2"/>
-          <p:cNvPicPr>
-            <a:picLocks noChangeAspect="1"/>
-          </p:cNvPicPr>
-          <p:nvPr/>
-        </p:nvPicPr>
-        <p:blipFill>
-          <a:blip r:embed="rId4">
-            <a:extLst>
-              <a:ext uri="{28A0092B-C50C-407E-A947-70E740481C1C}">
-                <a14:useLocalDpi xmlns:a14="http://schemas.microsoft.com/office/drawing/2010/main" val="0"/>
-              </a:ext>
-            </a:extLst>
-          </a:blip>
-          <a:stretch>
-            <a:fillRect/>
-          </a:stretch>
-        </p:blipFill>
-        <p:spPr>
-          <a:xfrm>
-            <a:off x="859522" y="1325563"/>
-            <a:ext cx="4670759" cy="4957232"/>
-          </a:xfrm>
-          <a:prstGeom prst="rect">
-            <a:avLst/>
-          </a:prstGeom>
-          <a:ln>
-            <a:noFill/>
-          </a:ln>
-          <a:effectLst>
-            <a:outerShdw blurRad="292100" dist="139700" dir="2700000" algn="tl" rotWithShape="0">
-              <a:srgbClr val="333333">
-                <a:alpha val="65000"/>
-              </a:srgbClr>
-            </a:outerShdw>
-          </a:effectLst>
-        </p:spPr>
-      </p:pic>
-      <p:pic>
-        <p:nvPicPr>
-          <p:cNvPr id="5" name="Рисунок 4"/>
-          <p:cNvPicPr>
-            <a:picLocks noChangeAspect="1"/>
-          </p:cNvPicPr>
-          <p:nvPr/>
-        </p:nvPicPr>
-        <p:blipFill>
-          <a:blip r:embed="rId5" cstate="print">
-            <a:extLst>
-              <a:ext uri="{28A0092B-C50C-407E-A947-70E740481C1C}">
-                <a14:useLocalDpi xmlns:a14="http://schemas.microsoft.com/office/drawing/2010/main" val="0"/>
-              </a:ext>
-            </a:extLst>
-          </a:blip>
-          <a:stretch>
-            <a:fillRect/>
-          </a:stretch>
-        </p:blipFill>
-        <p:spPr>
-          <a:xfrm>
-            <a:off x="7574277" y="1325563"/>
-            <a:ext cx="2921110" cy="3100271"/>
-          </a:xfrm>
-          <a:prstGeom prst="rect">
-            <a:avLst/>
-          </a:prstGeom>
-          <a:ln>
-            <a:noFill/>
-          </a:ln>
-          <a:effectLst>
-            <a:outerShdw blurRad="292100" dist="139700" dir="2700000" algn="tl" rotWithShape="0">
-              <a:srgbClr val="333333">
-                <a:alpha val="65000"/>
-              </a:srgbClr>
-            </a:outerShdw>
-          </a:effectLst>
-        </p:spPr>
-      </p:pic>
-    </p:spTree>
-    <p:extLst>
-      <p:ext uri="{BB962C8B-B14F-4D97-AF65-F5344CB8AC3E}">
-        <p14:creationId xmlns:p14="http://schemas.microsoft.com/office/powerpoint/2010/main" val="1124737428"/>
-      </p:ext>
-    </p:extLst>
-  </p:cSld>
-  <p:clrMapOvr>
-    <a:masterClrMapping/>
-  </p:clrMapOvr>
-  <p:timing>
-    <p:tnLst>
-      <p:par>
-        <p:cTn id="1" dur="indefinite" restart="never" nodeType="tmRoot"/>
-      </p:par>
-    </p:tnLst>
-  </p:timing>
-</p:sld>
-</file>
-
-<file path=ppt/slides/slide6.xml><?xml version="1.0" encoding="utf-8"?>
-<p:sld xmlns:a="http://schemas.openxmlformats.org/drawingml/2006/main" xmlns:r="http://schemas.openxmlformats.org/officeDocument/2006/relationships" xmlns:p="http://schemas.openxmlformats.org/presentationml/2006/main">
-  <p:cSld>
-    <p:spTree>
-      <p:nvGrpSpPr>
-        <p:cNvPr id="1" name=""/>
-        <p:cNvGrpSpPr/>
-        <p:nvPr/>
-      </p:nvGrpSpPr>
-      <p:grpSpPr>
-        <a:xfrm>
-          <a:off x="0" y="0"/>
-          <a:ext cx="0" cy="0"/>
-          <a:chOff x="0" y="0"/>
-          <a:chExt cx="0" cy="0"/>
-        </a:xfrm>
-      </p:grpSpPr>
-      <p:pic>
-        <p:nvPicPr>
-          <p:cNvPr id="4" name="Объект 3"/>
-          <p:cNvPicPr>
-            <a:picLocks noGrp="1" noChangeAspect="1"/>
-          </p:cNvPicPr>
-          <p:nvPr>
-            <p:ph idx="1"/>
-          </p:nvPr>
-        </p:nvPicPr>
-        <p:blipFill>
-          <a:blip r:embed="rId2">
-            <a:extLst>
-              <a:ext uri="{28A0092B-C50C-407E-A947-70E740481C1C}">
-                <a14:useLocalDpi xmlns:a14="http://schemas.microsoft.com/office/drawing/2010/main" val="0"/>
-              </a:ext>
-            </a:extLst>
-          </a:blip>
-          <a:stretch>
-            <a:fillRect/>
-          </a:stretch>
-        </p:blipFill>
-        <p:spPr>
-          <a:xfrm>
-            <a:off x="890448" y="1083702"/>
-            <a:ext cx="9749475" cy="5514144"/>
-          </a:xfrm>
-        </p:spPr>
-      </p:pic>
-      <p:sp>
-        <p:nvSpPr>
-          <p:cNvPr id="2" name="Заголовок 1"/>
-          <p:cNvSpPr>
-            <a:spLocks noGrp="1"/>
-          </p:cNvSpPr>
-          <p:nvPr>
-            <p:ph type="title"/>
-          </p:nvPr>
-        </p:nvSpPr>
-        <p:spPr>
-          <a:xfrm>
-            <a:off x="0" y="0"/>
-            <a:ext cx="12192000" cy="1325563"/>
-          </a:xfrm>
-        </p:spPr>
-        <p:txBody>
-          <a:bodyPr/>
-          <a:lstStyle/>
-          <a:p>
-            <a:pPr algn="ctr"/>
-            <a:r>
-              <a:rPr lang="ru-RU" sz="8000" b="1" dirty="0" smtClean="0">
-                <a:effectLst>
-                  <a:outerShdw blurRad="38100" dist="38100" dir="2700000" algn="tl">
-                    <a:srgbClr val="000000">
-                      <a:alpha val="43137"/>
-                    </a:srgbClr>
-                  </a:outerShdw>
-                </a:effectLst>
-              </a:rPr>
-              <a:t>Игровые объекты</a:t>
-            </a:r>
-            <a:endParaRPr lang="ru-RU" sz="8000" b="1" dirty="0">
-              <a:effectLst>
-                <a:outerShdw blurRad="38100" dist="38100" dir="2700000" algn="tl">
-                  <a:srgbClr val="000000">
-                    <a:alpha val="43137"/>
-                  </a:srgbClr>
-                </a:outerShdw>
-              </a:effectLst>
-            </a:endParaRPr>
-          </a:p>
-        </p:txBody>
-      </p:sp>
-      <p:pic>
-        <p:nvPicPr>
-          <p:cNvPr id="7" name="Рисунок 6"/>
-          <p:cNvPicPr>
-            <a:picLocks noChangeAspect="1"/>
-          </p:cNvPicPr>
-          <p:nvPr/>
-        </p:nvPicPr>
-        <p:blipFill>
-          <a:blip r:embed="rId3" cstate="print">
-            <a:extLst>
-              <a:ext uri="{28A0092B-C50C-407E-A947-70E740481C1C}">
-                <a14:useLocalDpi xmlns:a14="http://schemas.microsoft.com/office/drawing/2010/main" val="0"/>
-              </a:ext>
-            </a:extLst>
-          </a:blip>
-          <a:stretch>
-            <a:fillRect/>
-          </a:stretch>
-        </p:blipFill>
-        <p:spPr>
-          <a:xfrm>
-            <a:off x="8396778" y="1032537"/>
-            <a:ext cx="328440" cy="322857"/>
-          </a:xfrm>
-          <a:prstGeom prst="rect">
-            <a:avLst/>
-          </a:prstGeom>
-        </p:spPr>
-      </p:pic>
-      <p:pic>
-        <p:nvPicPr>
-          <p:cNvPr id="8" name="Рисунок 7"/>
-          <p:cNvPicPr>
-            <a:picLocks noChangeAspect="1"/>
-          </p:cNvPicPr>
-          <p:nvPr/>
-        </p:nvPicPr>
-        <p:blipFill>
-          <a:blip r:embed="rId4" cstate="print">
-            <a:extLst>
-              <a:ext uri="{28A0092B-C50C-407E-A947-70E740481C1C}">
-                <a14:useLocalDpi xmlns:a14="http://schemas.microsoft.com/office/drawing/2010/main" val="0"/>
-              </a:ext>
-            </a:extLst>
-          </a:blip>
-          <a:stretch>
-            <a:fillRect/>
-          </a:stretch>
-        </p:blipFill>
-        <p:spPr>
-          <a:xfrm>
             <a:off x="8725218" y="1325563"/>
             <a:ext cx="466462" cy="443139"/>
           </a:xfrm>
@@ -4939,125 +3796,7 @@
 </p:sld>
 </file>
 
-<file path=ppt/slides/slide7.xml><?xml version="1.0" encoding="utf-8"?>
-<p:sld xmlns:a="http://schemas.openxmlformats.org/drawingml/2006/main" xmlns:r="http://schemas.openxmlformats.org/officeDocument/2006/relationships" xmlns:p="http://schemas.openxmlformats.org/presentationml/2006/main">
-  <p:cSld>
-    <p:spTree>
-      <p:nvGrpSpPr>
-        <p:cNvPr id="1" name=""/>
-        <p:cNvGrpSpPr/>
-        <p:nvPr/>
-      </p:nvGrpSpPr>
-      <p:grpSpPr>
-        <a:xfrm>
-          <a:off x="0" y="0"/>
-          <a:ext cx="0" cy="0"/>
-          <a:chOff x="0" y="0"/>
-          <a:chExt cx="0" cy="0"/>
-        </a:xfrm>
-      </p:grpSpPr>
-      <p:sp>
-        <p:nvSpPr>
-          <p:cNvPr id="2" name="Заголовок 1"/>
-          <p:cNvSpPr>
-            <a:spLocks noGrp="1"/>
-          </p:cNvSpPr>
-          <p:nvPr>
-            <p:ph type="title"/>
-          </p:nvPr>
-        </p:nvSpPr>
-        <p:spPr>
-          <a:xfrm>
-            <a:off x="0" y="1"/>
-            <a:ext cx="12192000" cy="1274618"/>
-          </a:xfrm>
-        </p:spPr>
-        <p:txBody>
-          <a:bodyPr>
-            <a:noAutofit/>
-          </a:bodyPr>
-          <a:lstStyle/>
-          <a:p>
-            <a:pPr algn="ctr"/>
-            <a:r>
-              <a:rPr lang="ru-RU" sz="8000" b="1" dirty="0" smtClean="0">
-                <a:effectLst>
-                  <a:outerShdw blurRad="38100" dist="38100" dir="2700000" algn="tl">
-                    <a:srgbClr val="000000">
-                      <a:alpha val="43137"/>
-                    </a:srgbClr>
-                  </a:outerShdw>
-                </a:effectLst>
-              </a:rPr>
-              <a:t>Анимация. Звук</a:t>
-            </a:r>
-            <a:endParaRPr lang="ru-RU" sz="8000" b="1" dirty="0">
-              <a:effectLst>
-                <a:outerShdw blurRad="38100" dist="38100" dir="2700000" algn="tl">
-                  <a:srgbClr val="000000">
-                    <a:alpha val="43137"/>
-                  </a:srgbClr>
-                </a:outerShdw>
-              </a:effectLst>
-            </a:endParaRPr>
-          </a:p>
-        </p:txBody>
-      </p:sp>
-      <p:sp>
-        <p:nvSpPr>
-          <p:cNvPr id="4" name="TextBox 3"/>
-          <p:cNvSpPr txBox="1"/>
-          <p:nvPr/>
-        </p:nvSpPr>
-        <p:spPr>
-          <a:xfrm>
-            <a:off x="4404607" y="3573517"/>
-            <a:ext cx="2476960" cy="369332"/>
-          </a:xfrm>
-          <a:prstGeom prst="rect">
-            <a:avLst/>
-          </a:prstGeom>
-          <a:noFill/>
-        </p:spPr>
-        <p:txBody>
-          <a:bodyPr wrap="none" rtlCol="0">
-            <a:spAutoFit/>
-          </a:bodyPr>
-          <a:lstStyle/>
-          <a:p>
-            <a:r>
-              <a:rPr lang="ru-RU" dirty="0" smtClean="0"/>
-              <a:t>Тут будут видео или </a:t>
-            </a:r>
-            <a:r>
-              <a:rPr lang="en-GB" dirty="0" smtClean="0"/>
-              <a:t>gif</a:t>
-            </a:r>
-            <a:endParaRPr lang="ru-RU" dirty="0"/>
-          </a:p>
-        </p:txBody>
-      </p:sp>
-    </p:spTree>
-    <p:extLst>
-      <p:ext uri="{BB962C8B-B14F-4D97-AF65-F5344CB8AC3E}">
-        <p14:creationId xmlns:p14="http://schemas.microsoft.com/office/powerpoint/2010/main" val="2747999329"/>
-      </p:ext>
-    </p:extLst>
-  </p:cSld>
-  <p:clrMapOvr>
-    <a:masterClrMapping/>
-  </p:clrMapOvr>
-  <p:timing>
-    <p:tnLst>
-      <p:par>
-        <p:cTn id="1" dur="indefinite" restart="never" nodeType="tmRoot"/>
-      </p:par>
-    </p:tnLst>
-  </p:timing>
-</p:sld>
-</file>
-
-<file path=ppt/slides/slide8.xml><?xml version="1.0" encoding="utf-8"?>
+<file path=ppt/slides/slide11.xml><?xml version="1.0" encoding="utf-8"?>
 <p:sld xmlns:a="http://schemas.openxmlformats.org/drawingml/2006/main" xmlns:r="http://schemas.openxmlformats.org/officeDocument/2006/relationships" xmlns:p="http://schemas.openxmlformats.org/presentationml/2006/main">
   <p:cSld>
     <p:spTree>
@@ -5735,6 +4474,3153 @@
 </p:sld>
 </file>
 
+<file path=ppt/slides/slide12.xml><?xml version="1.0" encoding="utf-8"?>
+<p:sld xmlns:a="http://schemas.openxmlformats.org/drawingml/2006/main" xmlns:r="http://schemas.openxmlformats.org/officeDocument/2006/relationships" xmlns:p="http://schemas.openxmlformats.org/presentationml/2006/main">
+  <p:cSld>
+    <p:spTree>
+      <p:nvGrpSpPr>
+        <p:cNvPr id="1" name=""/>
+        <p:cNvGrpSpPr/>
+        <p:nvPr/>
+      </p:nvGrpSpPr>
+      <p:grpSpPr>
+        <a:xfrm>
+          <a:off x="0" y="0"/>
+          <a:ext cx="0" cy="0"/>
+          <a:chOff x="0" y="0"/>
+          <a:chExt cx="0" cy="0"/>
+        </a:xfrm>
+      </p:grpSpPr>
+      <p:sp>
+        <p:nvSpPr>
+          <p:cNvPr id="4" name="TextBox 3"/>
+          <p:cNvSpPr txBox="1"/>
+          <p:nvPr/>
+        </p:nvSpPr>
+        <p:spPr>
+          <a:xfrm>
+            <a:off x="2550828" y="2916460"/>
+            <a:ext cx="7094482" cy="523220"/>
+          </a:xfrm>
+          <a:prstGeom prst="rect">
+            <a:avLst/>
+          </a:prstGeom>
+          <a:noFill/>
+        </p:spPr>
+        <p:txBody>
+          <a:bodyPr wrap="square" rtlCol="0">
+            <a:spAutoFit/>
+          </a:bodyPr>
+          <a:lstStyle/>
+          <a:p>
+            <a:pPr algn="ctr"/>
+            <a:r>
+              <a:rPr lang="ru-RU" sz="2800" dirty="0" smtClean="0"/>
+              <a:t>тут будет видео игры</a:t>
+            </a:r>
+            <a:endParaRPr lang="ru-RU" sz="2800" dirty="0"/>
+          </a:p>
+        </p:txBody>
+      </p:sp>
+    </p:spTree>
+    <p:extLst>
+      <p:ext uri="{BB962C8B-B14F-4D97-AF65-F5344CB8AC3E}">
+        <p14:creationId xmlns:p14="http://schemas.microsoft.com/office/powerpoint/2010/main" val="3092105942"/>
+      </p:ext>
+    </p:extLst>
+  </p:cSld>
+  <p:clrMapOvr>
+    <a:masterClrMapping/>
+  </p:clrMapOvr>
+  <p:timing>
+    <p:tnLst>
+      <p:par>
+        <p:cTn id="1" dur="indefinite" restart="never" nodeType="tmRoot"/>
+      </p:par>
+    </p:tnLst>
+  </p:timing>
+</p:sld>
+</file>
+
+<file path=ppt/slides/slide13.xml><?xml version="1.0" encoding="utf-8"?>
+<p:sld xmlns:a="http://schemas.openxmlformats.org/drawingml/2006/main" xmlns:r="http://schemas.openxmlformats.org/officeDocument/2006/relationships" xmlns:p="http://schemas.openxmlformats.org/presentationml/2006/main">
+  <p:cSld>
+    <p:spTree>
+      <p:nvGrpSpPr>
+        <p:cNvPr id="1" name=""/>
+        <p:cNvGrpSpPr/>
+        <p:nvPr/>
+      </p:nvGrpSpPr>
+      <p:grpSpPr>
+        <a:xfrm>
+          <a:off x="0" y="0"/>
+          <a:ext cx="0" cy="0"/>
+          <a:chOff x="0" y="0"/>
+          <a:chExt cx="0" cy="0"/>
+        </a:xfrm>
+      </p:grpSpPr>
+      <p:sp>
+        <p:nvSpPr>
+          <p:cNvPr id="7" name="Прямоугольник 6"/>
+          <p:cNvSpPr/>
+          <p:nvPr/>
+        </p:nvSpPr>
+        <p:spPr>
+          <a:xfrm>
+            <a:off x="630621" y="1644479"/>
+            <a:ext cx="10930758" cy="1454950"/>
+          </a:xfrm>
+          <a:prstGeom prst="rect">
+            <a:avLst/>
+          </a:prstGeom>
+        </p:spPr>
+        <p:txBody>
+          <a:bodyPr wrap="square">
+            <a:spAutoFit/>
+          </a:bodyPr>
+          <a:lstStyle/>
+          <a:p>
+            <a:pPr algn="just">
+              <a:lnSpc>
+                <a:spcPct val="107000"/>
+              </a:lnSpc>
+              <a:spcAft>
+                <a:spcPts val="800"/>
+              </a:spcAft>
+            </a:pPr>
+            <a:r>
+              <a:rPr lang="ru-RU" dirty="0" smtClean="0">
+                <a:latin typeface="Calibri" panose="020F0502020204030204" pitchFamily="34" charset="0"/>
+                <a:ea typeface="Calibri" panose="020F0502020204030204" pitchFamily="34" charset="0"/>
+                <a:cs typeface="Times New Roman" panose="02020603050405020304" pitchFamily="18" charset="0"/>
+              </a:rPr>
+              <a:t>	</a:t>
+            </a:r>
+            <a:r>
+              <a:rPr lang="ru-RU" sz="2800" dirty="0" smtClean="0">
+                <a:latin typeface="Calibri" panose="020F0502020204030204" pitchFamily="34" charset="0"/>
+                <a:ea typeface="Calibri" panose="020F0502020204030204" pitchFamily="34" charset="0"/>
+                <a:cs typeface="Times New Roman" panose="02020603050405020304" pitchFamily="18" charset="0"/>
+              </a:rPr>
+              <a:t>В </a:t>
+            </a:r>
+            <a:r>
+              <a:rPr lang="ru-RU" sz="2800" dirty="0">
+                <a:latin typeface="Calibri" panose="020F0502020204030204" pitchFamily="34" charset="0"/>
+                <a:ea typeface="Calibri" panose="020F0502020204030204" pitchFamily="34" charset="0"/>
+                <a:cs typeface="Times New Roman" panose="02020603050405020304" pitchFamily="18" charset="0"/>
+              </a:rPr>
+              <a:t>качестве дальнейших доработок можно рассмотреть возможность выбора типа игрока, </a:t>
+            </a:r>
+            <a:r>
+              <a:rPr lang="ru-RU" sz="2800" dirty="0" smtClean="0">
+                <a:latin typeface="Calibri" panose="020F0502020204030204" pitchFamily="34" charset="0"/>
+                <a:ea typeface="Calibri" panose="020F0502020204030204" pitchFamily="34" charset="0"/>
+                <a:cs typeface="Times New Roman" panose="02020603050405020304" pitchFamily="18" charset="0"/>
+              </a:rPr>
+              <a:t>а также добавление новых типов врагов, пуль и усилений</a:t>
+            </a:r>
+            <a:r>
+              <a:rPr lang="ru-RU" sz="2800" dirty="0" smtClean="0">
+                <a:latin typeface="Calibri" panose="020F0502020204030204" pitchFamily="34" charset="0"/>
+                <a:ea typeface="Calibri" panose="020F0502020204030204" pitchFamily="34" charset="0"/>
+                <a:cs typeface="Times New Roman" panose="02020603050405020304" pitchFamily="18" charset="0"/>
+              </a:rPr>
+              <a:t>.</a:t>
+            </a:r>
+            <a:endParaRPr lang="en-GB" sz="2800" dirty="0" smtClean="0">
+              <a:latin typeface="Calibri" panose="020F0502020204030204" pitchFamily="34" charset="0"/>
+              <a:ea typeface="Calibri" panose="020F0502020204030204" pitchFamily="34" charset="0"/>
+              <a:cs typeface="Times New Roman" panose="02020603050405020304" pitchFamily="18" charset="0"/>
+            </a:endParaRPr>
+          </a:p>
+        </p:txBody>
+      </p:sp>
+      <p:sp>
+        <p:nvSpPr>
+          <p:cNvPr id="8" name="TextBox 7"/>
+          <p:cNvSpPr txBox="1"/>
+          <p:nvPr/>
+        </p:nvSpPr>
+        <p:spPr>
+          <a:xfrm>
+            <a:off x="1" y="94592"/>
+            <a:ext cx="12191999" cy="1323439"/>
+          </a:xfrm>
+          <a:prstGeom prst="rect">
+            <a:avLst/>
+          </a:prstGeom>
+          <a:noFill/>
+        </p:spPr>
+        <p:txBody>
+          <a:bodyPr wrap="square" rtlCol="0">
+            <a:spAutoFit/>
+          </a:bodyPr>
+          <a:lstStyle/>
+          <a:p>
+            <a:pPr algn="ctr"/>
+            <a:r>
+              <a:rPr lang="ru-RU" sz="8000" b="1" dirty="0" smtClean="0">
+                <a:effectLst>
+                  <a:outerShdw blurRad="38100" dist="38100" dir="2700000" algn="tl">
+                    <a:srgbClr val="000000">
+                      <a:alpha val="43137"/>
+                    </a:srgbClr>
+                  </a:outerShdw>
+                </a:effectLst>
+              </a:rPr>
+              <a:t>Дальнейшее развитие</a:t>
+            </a:r>
+            <a:endParaRPr lang="ru-RU" sz="8000" b="1" dirty="0">
+              <a:effectLst>
+                <a:outerShdw blurRad="38100" dist="38100" dir="2700000" algn="tl">
+                  <a:srgbClr val="000000">
+                    <a:alpha val="43137"/>
+                  </a:srgbClr>
+                </a:outerShdw>
+              </a:effectLst>
+            </a:endParaRPr>
+          </a:p>
+        </p:txBody>
+      </p:sp>
+      <p:pic>
+        <p:nvPicPr>
+          <p:cNvPr id="3" name="Рисунок 2"/>
+          <p:cNvPicPr>
+            <a:picLocks noChangeAspect="1"/>
+          </p:cNvPicPr>
+          <p:nvPr/>
+        </p:nvPicPr>
+        <p:blipFill>
+          <a:blip r:embed="rId2" cstate="print">
+            <a:extLst>
+              <a:ext uri="{28A0092B-C50C-407E-A947-70E740481C1C}">
+                <a14:useLocalDpi xmlns:a14="http://schemas.microsoft.com/office/drawing/2010/main" val="0"/>
+              </a:ext>
+            </a:extLst>
+          </a:blip>
+          <a:stretch>
+            <a:fillRect/>
+          </a:stretch>
+        </p:blipFill>
+        <p:spPr>
+          <a:xfrm>
+            <a:off x="4206009" y="3188854"/>
+            <a:ext cx="3355109" cy="3355109"/>
+          </a:xfrm>
+          <a:prstGeom prst="rect">
+            <a:avLst/>
+          </a:prstGeom>
+        </p:spPr>
+      </p:pic>
+    </p:spTree>
+    <p:extLst>
+      <p:ext uri="{BB962C8B-B14F-4D97-AF65-F5344CB8AC3E}">
+        <p14:creationId xmlns:p14="http://schemas.microsoft.com/office/powerpoint/2010/main" val="1772446538"/>
+      </p:ext>
+    </p:extLst>
+  </p:cSld>
+  <p:clrMapOvr>
+    <a:masterClrMapping/>
+  </p:clrMapOvr>
+  <p:timing>
+    <p:tnLst>
+      <p:par>
+        <p:cTn id="1" dur="indefinite" restart="never" nodeType="tmRoot"/>
+      </p:par>
+    </p:tnLst>
+  </p:timing>
+</p:sld>
+</file>
+
+<file path=ppt/slides/slide2.xml><?xml version="1.0" encoding="utf-8"?>
+<p:sld xmlns:a="http://schemas.openxmlformats.org/drawingml/2006/main" xmlns:r="http://schemas.openxmlformats.org/officeDocument/2006/relationships" xmlns:p="http://schemas.openxmlformats.org/presentationml/2006/main">
+  <p:cSld>
+    <p:spTree>
+      <p:nvGrpSpPr>
+        <p:cNvPr id="1" name=""/>
+        <p:cNvGrpSpPr/>
+        <p:nvPr/>
+      </p:nvGrpSpPr>
+      <p:grpSpPr>
+        <a:xfrm>
+          <a:off x="0" y="0"/>
+          <a:ext cx="0" cy="0"/>
+          <a:chOff x="0" y="0"/>
+          <a:chExt cx="0" cy="0"/>
+        </a:xfrm>
+      </p:grpSpPr>
+      <p:sp>
+        <p:nvSpPr>
+          <p:cNvPr id="3" name="Подзаголовок 2"/>
+          <p:cNvSpPr>
+            <a:spLocks noGrp="1"/>
+          </p:cNvSpPr>
+          <p:nvPr>
+            <p:ph type="subTitle" idx="4294967295"/>
+          </p:nvPr>
+        </p:nvSpPr>
+        <p:spPr>
+          <a:xfrm>
+            <a:off x="503237" y="1351283"/>
+            <a:ext cx="11185525" cy="2332037"/>
+          </a:xfrm>
+        </p:spPr>
+        <p:txBody>
+          <a:bodyPr>
+            <a:noAutofit/>
+          </a:bodyPr>
+          <a:lstStyle/>
+          <a:p>
+            <a:pPr marL="0" indent="0" algn="just">
+              <a:buNone/>
+            </a:pPr>
+            <a:r>
+              <a:rPr lang="ru-RU" dirty="0" smtClean="0"/>
+              <a:t>	Цель проекта: создать игру в жанре аркадных игр, «классический вертикальный Данмаку-шутер», также известный как </a:t>
+            </a:r>
+            <a:r>
+              <a:rPr lang="en-GB" dirty="0" smtClean="0"/>
+              <a:t>Bullet hell.</a:t>
+            </a:r>
+            <a:r>
+              <a:rPr lang="ru-RU" dirty="0" smtClean="0"/>
+              <a:t> В качестве примера похожих игр можно  привести серию игр «</a:t>
+            </a:r>
+            <a:r>
+              <a:rPr lang="en-GB" dirty="0" smtClean="0"/>
+              <a:t>Touhou Project</a:t>
+            </a:r>
+            <a:r>
+              <a:rPr lang="ru-RU" dirty="0" smtClean="0"/>
+              <a:t>»</a:t>
+            </a:r>
+            <a:r>
+              <a:rPr lang="en-GB" dirty="0" smtClean="0"/>
+              <a:t>, </a:t>
+            </a:r>
+            <a:r>
+              <a:rPr lang="ru-RU" dirty="0" smtClean="0"/>
+              <a:t>«</a:t>
+            </a:r>
+            <a:r>
+              <a:rPr lang="en-GB" dirty="0" smtClean="0"/>
+              <a:t>Batsugun</a:t>
+            </a:r>
+            <a:r>
+              <a:rPr lang="ru-RU" dirty="0" smtClean="0"/>
+              <a:t>»</a:t>
+            </a:r>
+            <a:r>
+              <a:rPr lang="en-GB" dirty="0" smtClean="0"/>
+              <a:t>.</a:t>
+            </a:r>
+            <a:r>
+              <a:rPr lang="ru-RU" dirty="0" smtClean="0"/>
+              <a:t> Также среди игр с похожими механиками можно назвать «</a:t>
+            </a:r>
+            <a:r>
+              <a:rPr lang="en-GB" dirty="0" smtClean="0"/>
+              <a:t>Undertale</a:t>
+            </a:r>
+            <a:r>
+              <a:rPr lang="ru-RU" dirty="0" smtClean="0"/>
+              <a:t>», «</a:t>
+            </a:r>
+            <a:r>
+              <a:rPr lang="en-GB" dirty="0" smtClean="0"/>
+              <a:t>Enter the Gungeon</a:t>
+            </a:r>
+            <a:r>
+              <a:rPr lang="ru-RU" dirty="0" smtClean="0"/>
+              <a:t>».</a:t>
+            </a:r>
+            <a:endParaRPr lang="en-GB" dirty="0" smtClean="0"/>
+          </a:p>
+        </p:txBody>
+      </p:sp>
+      <p:sp>
+        <p:nvSpPr>
+          <p:cNvPr id="2" name="Заголовок 1"/>
+          <p:cNvSpPr>
+            <a:spLocks noGrp="1"/>
+          </p:cNvSpPr>
+          <p:nvPr>
+            <p:ph type="ctrTitle" idx="4294967295"/>
+          </p:nvPr>
+        </p:nvSpPr>
+        <p:spPr>
+          <a:xfrm>
+            <a:off x="0" y="0"/>
+            <a:ext cx="12192000" cy="1306513"/>
+          </a:xfrm>
+        </p:spPr>
+        <p:txBody>
+          <a:bodyPr>
+            <a:normAutofit/>
+          </a:bodyPr>
+          <a:lstStyle/>
+          <a:p>
+            <a:pPr algn="ctr"/>
+            <a:r>
+              <a:rPr lang="ru-RU" sz="8000" b="1" dirty="0" smtClean="0">
+                <a:effectLst>
+                  <a:outerShdw blurRad="38100" dist="38100" dir="2700000" algn="tl">
+                    <a:srgbClr val="000000">
+                      <a:alpha val="43137"/>
+                    </a:srgbClr>
+                  </a:outerShdw>
+                </a:effectLst>
+              </a:rPr>
+              <a:t>Введение</a:t>
+            </a:r>
+            <a:endParaRPr lang="ru-RU" sz="8000" b="1" dirty="0">
+              <a:effectLst>
+                <a:outerShdw blurRad="38100" dist="38100" dir="2700000" algn="tl">
+                  <a:srgbClr val="000000">
+                    <a:alpha val="43137"/>
+                  </a:srgbClr>
+                </a:outerShdw>
+              </a:effectLst>
+            </a:endParaRPr>
+          </a:p>
+        </p:txBody>
+      </p:sp>
+      <p:pic>
+        <p:nvPicPr>
+          <p:cNvPr id="1026" name="Picture 2" descr="Batsugun"/>
+          <p:cNvPicPr>
+            <a:picLocks noChangeAspect="1" noChangeArrowheads="1"/>
+          </p:cNvPicPr>
+          <p:nvPr/>
+        </p:nvPicPr>
+        <p:blipFill>
+          <a:blip r:embed="rId2" cstate="print">
+            <a:extLst>
+              <a:ext uri="{28A0092B-C50C-407E-A947-70E740481C1C}">
+                <a14:useLocalDpi xmlns:a14="http://schemas.microsoft.com/office/drawing/2010/main" val="0"/>
+              </a:ext>
+            </a:extLst>
+          </a:blip>
+          <a:srcRect/>
+          <a:stretch>
+            <a:fillRect/>
+          </a:stretch>
+        </p:blipFill>
+        <p:spPr bwMode="auto">
+          <a:xfrm>
+            <a:off x="4446871" y="3728091"/>
+            <a:ext cx="2097438" cy="2796584"/>
+          </a:xfrm>
+          <a:prstGeom prst="rect">
+            <a:avLst/>
+          </a:prstGeom>
+          <a:ln>
+            <a:noFill/>
+          </a:ln>
+          <a:effectLst>
+            <a:outerShdw blurRad="292100" dist="139700" dir="2700000" algn="tl" rotWithShape="0">
+              <a:srgbClr val="333333">
+                <a:alpha val="65000"/>
+              </a:srgbClr>
+            </a:outerShdw>
+          </a:effectLst>
+          <a:extLst>
+            <a:ext uri="{909E8E84-426E-40DD-AFC4-6F175D3DCCD1}">
+              <a14:hiddenFill xmlns:a14="http://schemas.microsoft.com/office/drawing/2010/main">
+                <a:solidFill>
+                  <a:srgbClr val="FFFFFF"/>
+                </a:solidFill>
+              </a14:hiddenFill>
+            </a:ext>
+          </a:extLst>
+        </p:spPr>
+      </p:pic>
+      <p:pic>
+        <p:nvPicPr>
+          <p:cNvPr id="1028" name="Picture 4" descr="The Touhou Project (AKA Bullet Hell)"/>
+          <p:cNvPicPr>
+            <a:picLocks noChangeAspect="1" noChangeArrowheads="1"/>
+          </p:cNvPicPr>
+          <p:nvPr/>
+        </p:nvPicPr>
+        <p:blipFill>
+          <a:blip r:embed="rId3">
+            <a:extLst>
+              <a:ext uri="{28A0092B-C50C-407E-A947-70E740481C1C}">
+                <a14:useLocalDpi xmlns:a14="http://schemas.microsoft.com/office/drawing/2010/main" val="0"/>
+              </a:ext>
+            </a:extLst>
+          </a:blip>
+          <a:srcRect/>
+          <a:stretch>
+            <a:fillRect/>
+          </a:stretch>
+        </p:blipFill>
+        <p:spPr bwMode="auto">
+          <a:xfrm>
+            <a:off x="438915" y="3728091"/>
+            <a:ext cx="3733032" cy="2799775"/>
+          </a:xfrm>
+          <a:prstGeom prst="rect">
+            <a:avLst/>
+          </a:prstGeom>
+          <a:ln>
+            <a:noFill/>
+          </a:ln>
+          <a:effectLst>
+            <a:outerShdw blurRad="292100" dist="139700" dir="2700000" algn="tl" rotWithShape="0">
+              <a:srgbClr val="333333">
+                <a:alpha val="65000"/>
+              </a:srgbClr>
+            </a:outerShdw>
+          </a:effectLst>
+          <a:extLst>
+            <a:ext uri="{909E8E84-426E-40DD-AFC4-6F175D3DCCD1}">
+              <a14:hiddenFill xmlns:a14="http://schemas.microsoft.com/office/drawing/2010/main">
+                <a:solidFill>
+                  <a:srgbClr val="FFFFFF"/>
+                </a:solidFill>
+              </a14:hiddenFill>
+            </a:ext>
+          </a:extLst>
+        </p:spPr>
+      </p:pic>
+      <p:pic>
+        <p:nvPicPr>
+          <p:cNvPr id="1030" name="Picture 6" descr="Как генерируются подземелья в Enter The Gungeon / Хабр"/>
+          <p:cNvPicPr>
+            <a:picLocks noChangeAspect="1" noChangeArrowheads="1"/>
+          </p:cNvPicPr>
+          <p:nvPr/>
+        </p:nvPicPr>
+        <p:blipFill>
+          <a:blip r:embed="rId4">
+            <a:extLst>
+              <a:ext uri="{28A0092B-C50C-407E-A947-70E740481C1C}">
+                <a14:useLocalDpi xmlns:a14="http://schemas.microsoft.com/office/drawing/2010/main" val="0"/>
+              </a:ext>
+            </a:extLst>
+          </a:blip>
+          <a:srcRect/>
+          <a:stretch>
+            <a:fillRect/>
+          </a:stretch>
+        </p:blipFill>
+        <p:spPr bwMode="auto">
+          <a:xfrm>
+            <a:off x="6813080" y="3728091"/>
+            <a:ext cx="4948822" cy="2782773"/>
+          </a:xfrm>
+          <a:prstGeom prst="rect">
+            <a:avLst/>
+          </a:prstGeom>
+          <a:ln>
+            <a:noFill/>
+          </a:ln>
+          <a:effectLst>
+            <a:outerShdw blurRad="292100" dist="139700" dir="2700000" algn="tl" rotWithShape="0">
+              <a:srgbClr val="333333">
+                <a:alpha val="65000"/>
+              </a:srgbClr>
+            </a:outerShdw>
+          </a:effectLst>
+          <a:extLst>
+            <a:ext uri="{909E8E84-426E-40DD-AFC4-6F175D3DCCD1}">
+              <a14:hiddenFill xmlns:a14="http://schemas.microsoft.com/office/drawing/2010/main">
+                <a:solidFill>
+                  <a:srgbClr val="FFFFFF"/>
+                </a:solidFill>
+              </a14:hiddenFill>
+            </a:ext>
+          </a:extLst>
+        </p:spPr>
+      </p:pic>
+    </p:spTree>
+    <p:extLst>
+      <p:ext uri="{BB962C8B-B14F-4D97-AF65-F5344CB8AC3E}">
+        <p14:creationId xmlns:p14="http://schemas.microsoft.com/office/powerpoint/2010/main" val="3439908168"/>
+      </p:ext>
+    </p:extLst>
+  </p:cSld>
+  <p:clrMapOvr>
+    <a:masterClrMapping/>
+  </p:clrMapOvr>
+  <p:timing>
+    <p:tnLst>
+      <p:par>
+        <p:cTn id="1" dur="indefinite" restart="never" nodeType="tmRoot"/>
+      </p:par>
+    </p:tnLst>
+  </p:timing>
+</p:sld>
+</file>
+
+<file path=ppt/slides/slide3.xml><?xml version="1.0" encoding="utf-8"?>
+<p:sld xmlns:a="http://schemas.openxmlformats.org/drawingml/2006/main" xmlns:r="http://schemas.openxmlformats.org/officeDocument/2006/relationships" xmlns:p="http://schemas.openxmlformats.org/presentationml/2006/main">
+  <p:cSld>
+    <p:spTree>
+      <p:nvGrpSpPr>
+        <p:cNvPr id="1" name=""/>
+        <p:cNvGrpSpPr/>
+        <p:nvPr/>
+      </p:nvGrpSpPr>
+      <p:grpSpPr>
+        <a:xfrm>
+          <a:off x="0" y="0"/>
+          <a:ext cx="0" cy="0"/>
+          <a:chOff x="0" y="0"/>
+          <a:chExt cx="0" cy="0"/>
+        </a:xfrm>
+      </p:grpSpPr>
+      <p:sp>
+        <p:nvSpPr>
+          <p:cNvPr id="2" name="Заголовок 1"/>
+          <p:cNvSpPr>
+            <a:spLocks noGrp="1"/>
+          </p:cNvSpPr>
+          <p:nvPr>
+            <p:ph type="title"/>
+          </p:nvPr>
+        </p:nvSpPr>
+        <p:spPr/>
+        <p:txBody>
+          <a:bodyPr>
+            <a:normAutofit/>
+          </a:bodyPr>
+          <a:lstStyle/>
+          <a:p>
+            <a:pPr algn="ctr"/>
+            <a:r>
+              <a:rPr lang="en-GB" sz="8000" b="1" dirty="0" smtClean="0">
+                <a:effectLst>
+                  <a:outerShdw blurRad="38100" dist="38100" dir="2700000" algn="tl">
+                    <a:srgbClr val="000000">
+                      <a:alpha val="43137"/>
+                    </a:srgbClr>
+                  </a:outerShdw>
+                </a:effectLst>
+              </a:rPr>
+              <a:t>Bubble Hell</a:t>
+            </a:r>
+            <a:endParaRPr lang="ru-RU" sz="8000" b="1" dirty="0">
+              <a:effectLst>
+                <a:outerShdw blurRad="38100" dist="38100" dir="2700000" algn="tl">
+                  <a:srgbClr val="000000">
+                    <a:alpha val="43137"/>
+                  </a:srgbClr>
+                </a:outerShdw>
+              </a:effectLst>
+            </a:endParaRPr>
+          </a:p>
+        </p:txBody>
+      </p:sp>
+      <p:pic>
+        <p:nvPicPr>
+          <p:cNvPr id="4" name="Объект 3"/>
+          <p:cNvPicPr>
+            <a:picLocks noGrp="1" noChangeAspect="1"/>
+          </p:cNvPicPr>
+          <p:nvPr>
+            <p:ph idx="1"/>
+          </p:nvPr>
+        </p:nvPicPr>
+        <p:blipFill>
+          <a:blip r:embed="rId2">
+            <a:extLst>
+              <a:ext uri="{28A0092B-C50C-407E-A947-70E740481C1C}">
+                <a14:useLocalDpi xmlns:a14="http://schemas.microsoft.com/office/drawing/2010/main" val="0"/>
+              </a:ext>
+            </a:extLst>
+          </a:blip>
+          <a:stretch>
+            <a:fillRect/>
+          </a:stretch>
+        </p:blipFill>
+        <p:spPr>
+          <a:xfrm>
+            <a:off x="5524495" y="4939613"/>
+            <a:ext cx="1747107" cy="1566993"/>
+          </a:xfrm>
+        </p:spPr>
+      </p:pic>
+      <p:pic>
+        <p:nvPicPr>
+          <p:cNvPr id="5" name="Рисунок 4"/>
+          <p:cNvPicPr>
+            <a:picLocks noChangeAspect="1"/>
+          </p:cNvPicPr>
+          <p:nvPr/>
+        </p:nvPicPr>
+        <p:blipFill>
+          <a:blip r:embed="rId3">
+            <a:extLst>
+              <a:ext uri="{28A0092B-C50C-407E-A947-70E740481C1C}">
+                <a14:useLocalDpi xmlns:a14="http://schemas.microsoft.com/office/drawing/2010/main" val="0"/>
+              </a:ext>
+            </a:extLst>
+          </a:blip>
+          <a:stretch>
+            <a:fillRect/>
+          </a:stretch>
+        </p:blipFill>
+        <p:spPr>
+          <a:xfrm>
+            <a:off x="1352234" y="4433888"/>
+            <a:ext cx="689001" cy="1266014"/>
+          </a:xfrm>
+          <a:prstGeom prst="rect">
+            <a:avLst/>
+          </a:prstGeom>
+        </p:spPr>
+      </p:pic>
+      <p:pic>
+        <p:nvPicPr>
+          <p:cNvPr id="6" name="Рисунок 5"/>
+          <p:cNvPicPr>
+            <a:picLocks noChangeAspect="1"/>
+          </p:cNvPicPr>
+          <p:nvPr/>
+        </p:nvPicPr>
+        <p:blipFill>
+          <a:blip r:embed="rId3">
+            <a:extLst>
+              <a:ext uri="{28A0092B-C50C-407E-A947-70E740481C1C}">
+                <a14:useLocalDpi xmlns:a14="http://schemas.microsoft.com/office/drawing/2010/main" val="0"/>
+              </a:ext>
+            </a:extLst>
+          </a:blip>
+          <a:stretch>
+            <a:fillRect/>
+          </a:stretch>
+        </p:blipFill>
+        <p:spPr>
+          <a:xfrm>
+            <a:off x="4774307" y="3024840"/>
+            <a:ext cx="689001" cy="1266014"/>
+          </a:xfrm>
+          <a:prstGeom prst="rect">
+            <a:avLst/>
+          </a:prstGeom>
+        </p:spPr>
+      </p:pic>
+      <p:pic>
+        <p:nvPicPr>
+          <p:cNvPr id="7" name="Рисунок 6"/>
+          <p:cNvPicPr>
+            <a:picLocks noChangeAspect="1"/>
+          </p:cNvPicPr>
+          <p:nvPr/>
+        </p:nvPicPr>
+        <p:blipFill>
+          <a:blip r:embed="rId3">
+            <a:extLst>
+              <a:ext uri="{28A0092B-C50C-407E-A947-70E740481C1C}">
+                <a14:useLocalDpi xmlns:a14="http://schemas.microsoft.com/office/drawing/2010/main" val="0"/>
+              </a:ext>
+            </a:extLst>
+          </a:blip>
+          <a:stretch>
+            <a:fillRect/>
+          </a:stretch>
+        </p:blipFill>
+        <p:spPr>
+          <a:xfrm>
+            <a:off x="10306891" y="3930190"/>
+            <a:ext cx="689001" cy="1266014"/>
+          </a:xfrm>
+          <a:prstGeom prst="rect">
+            <a:avLst/>
+          </a:prstGeom>
+        </p:spPr>
+      </p:pic>
+      <p:pic>
+        <p:nvPicPr>
+          <p:cNvPr id="8" name="Рисунок 7"/>
+          <p:cNvPicPr>
+            <a:picLocks noChangeAspect="1"/>
+          </p:cNvPicPr>
+          <p:nvPr/>
+        </p:nvPicPr>
+        <p:blipFill>
+          <a:blip r:embed="rId4">
+            <a:extLst>
+              <a:ext uri="{28A0092B-C50C-407E-A947-70E740481C1C}">
+                <a14:useLocalDpi xmlns:a14="http://schemas.microsoft.com/office/drawing/2010/main" val="0"/>
+              </a:ext>
+            </a:extLst>
+          </a:blip>
+          <a:stretch>
+            <a:fillRect/>
+          </a:stretch>
+        </p:blipFill>
+        <p:spPr>
+          <a:xfrm>
+            <a:off x="8264492" y="2332658"/>
+            <a:ext cx="787412" cy="1160878"/>
+          </a:xfrm>
+          <a:prstGeom prst="rect">
+            <a:avLst/>
+          </a:prstGeom>
+        </p:spPr>
+      </p:pic>
+      <p:pic>
+        <p:nvPicPr>
+          <p:cNvPr id="9" name="Рисунок 8"/>
+          <p:cNvPicPr>
+            <a:picLocks noChangeAspect="1"/>
+          </p:cNvPicPr>
+          <p:nvPr/>
+        </p:nvPicPr>
+        <p:blipFill>
+          <a:blip r:embed="rId4">
+            <a:extLst>
+              <a:ext uri="{28A0092B-C50C-407E-A947-70E740481C1C}">
+                <a14:useLocalDpi xmlns:a14="http://schemas.microsoft.com/office/drawing/2010/main" val="0"/>
+              </a:ext>
+            </a:extLst>
+          </a:blip>
+          <a:stretch>
+            <a:fillRect/>
+          </a:stretch>
+        </p:blipFill>
+        <p:spPr>
+          <a:xfrm>
+            <a:off x="2518045" y="1752219"/>
+            <a:ext cx="787412" cy="1160878"/>
+          </a:xfrm>
+          <a:prstGeom prst="rect">
+            <a:avLst/>
+          </a:prstGeom>
+        </p:spPr>
+      </p:pic>
+      <p:pic>
+        <p:nvPicPr>
+          <p:cNvPr id="10" name="Рисунок 9"/>
+          <p:cNvPicPr>
+            <a:picLocks noChangeAspect="1"/>
+          </p:cNvPicPr>
+          <p:nvPr/>
+        </p:nvPicPr>
+        <p:blipFill>
+          <a:blip r:embed="rId5" cstate="print">
+            <a:extLst>
+              <a:ext uri="{28A0092B-C50C-407E-A947-70E740481C1C}">
+                <a14:useLocalDpi xmlns:a14="http://schemas.microsoft.com/office/drawing/2010/main" val="0"/>
+              </a:ext>
+            </a:extLst>
+          </a:blip>
+          <a:stretch>
+            <a:fillRect/>
+          </a:stretch>
+        </p:blipFill>
+        <p:spPr>
+          <a:xfrm flipV="1">
+            <a:off x="2679687" y="3489269"/>
+            <a:ext cx="464127" cy="440921"/>
+          </a:xfrm>
+          <a:prstGeom prst="rect">
+            <a:avLst/>
+          </a:prstGeom>
+        </p:spPr>
+      </p:pic>
+      <p:pic>
+        <p:nvPicPr>
+          <p:cNvPr id="11" name="Рисунок 10"/>
+          <p:cNvPicPr>
+            <a:picLocks noChangeAspect="1"/>
+          </p:cNvPicPr>
+          <p:nvPr/>
+        </p:nvPicPr>
+        <p:blipFill>
+          <a:blip r:embed="rId5" cstate="print">
+            <a:extLst>
+              <a:ext uri="{28A0092B-C50C-407E-A947-70E740481C1C}">
+                <a14:useLocalDpi xmlns:a14="http://schemas.microsoft.com/office/drawing/2010/main" val="0"/>
+              </a:ext>
+            </a:extLst>
+          </a:blip>
+          <a:stretch>
+            <a:fillRect/>
+          </a:stretch>
+        </p:blipFill>
+        <p:spPr>
+          <a:xfrm flipV="1">
+            <a:off x="3866560" y="2841827"/>
+            <a:ext cx="464127" cy="440921"/>
+          </a:xfrm>
+          <a:prstGeom prst="rect">
+            <a:avLst/>
+          </a:prstGeom>
+        </p:spPr>
+      </p:pic>
+      <p:pic>
+        <p:nvPicPr>
+          <p:cNvPr id="12" name="Рисунок 11"/>
+          <p:cNvPicPr>
+            <a:picLocks noChangeAspect="1"/>
+          </p:cNvPicPr>
+          <p:nvPr/>
+        </p:nvPicPr>
+        <p:blipFill>
+          <a:blip r:embed="rId5" cstate="print">
+            <a:extLst>
+              <a:ext uri="{28A0092B-C50C-407E-A947-70E740481C1C}">
+                <a14:useLocalDpi xmlns:a14="http://schemas.microsoft.com/office/drawing/2010/main" val="0"/>
+              </a:ext>
+            </a:extLst>
+          </a:blip>
+          <a:stretch>
+            <a:fillRect/>
+          </a:stretch>
+        </p:blipFill>
+        <p:spPr>
+          <a:xfrm flipV="1">
+            <a:off x="3866560" y="5258981"/>
+            <a:ext cx="464127" cy="440921"/>
+          </a:xfrm>
+          <a:prstGeom prst="rect">
+            <a:avLst/>
+          </a:prstGeom>
+        </p:spPr>
+      </p:pic>
+      <p:pic>
+        <p:nvPicPr>
+          <p:cNvPr id="13" name="Рисунок 12"/>
+          <p:cNvPicPr>
+            <a:picLocks noChangeAspect="1"/>
+          </p:cNvPicPr>
+          <p:nvPr/>
+        </p:nvPicPr>
+        <p:blipFill>
+          <a:blip r:embed="rId5" cstate="print">
+            <a:extLst>
+              <a:ext uri="{28A0092B-C50C-407E-A947-70E740481C1C}">
+                <a14:useLocalDpi xmlns:a14="http://schemas.microsoft.com/office/drawing/2010/main" val="0"/>
+              </a:ext>
+            </a:extLst>
+          </a:blip>
+          <a:stretch>
+            <a:fillRect/>
+          </a:stretch>
+        </p:blipFill>
+        <p:spPr>
+          <a:xfrm flipV="1">
+            <a:off x="625405" y="2583919"/>
+            <a:ext cx="464127" cy="440921"/>
+          </a:xfrm>
+          <a:prstGeom prst="rect">
+            <a:avLst/>
+          </a:prstGeom>
+        </p:spPr>
+      </p:pic>
+      <p:pic>
+        <p:nvPicPr>
+          <p:cNvPr id="14" name="Рисунок 13"/>
+          <p:cNvPicPr>
+            <a:picLocks noChangeAspect="1"/>
+          </p:cNvPicPr>
+          <p:nvPr/>
+        </p:nvPicPr>
+        <p:blipFill>
+          <a:blip r:embed="rId5" cstate="print">
+            <a:extLst>
+              <a:ext uri="{28A0092B-C50C-407E-A947-70E740481C1C}">
+                <a14:useLocalDpi xmlns:a14="http://schemas.microsoft.com/office/drawing/2010/main" val="0"/>
+              </a:ext>
+            </a:extLst>
+          </a:blip>
+          <a:stretch>
+            <a:fillRect/>
+          </a:stretch>
+        </p:blipFill>
+        <p:spPr>
+          <a:xfrm flipV="1">
+            <a:off x="7403662" y="2045797"/>
+            <a:ext cx="464127" cy="440921"/>
+          </a:xfrm>
+          <a:prstGeom prst="rect">
+            <a:avLst/>
+          </a:prstGeom>
+        </p:spPr>
+      </p:pic>
+      <p:pic>
+        <p:nvPicPr>
+          <p:cNvPr id="15" name="Рисунок 14"/>
+          <p:cNvPicPr>
+            <a:picLocks noChangeAspect="1"/>
+          </p:cNvPicPr>
+          <p:nvPr/>
+        </p:nvPicPr>
+        <p:blipFill>
+          <a:blip r:embed="rId5" cstate="print">
+            <a:extLst>
+              <a:ext uri="{28A0092B-C50C-407E-A947-70E740481C1C}">
+                <a14:useLocalDpi xmlns:a14="http://schemas.microsoft.com/office/drawing/2010/main" val="0"/>
+              </a:ext>
+            </a:extLst>
+          </a:blip>
+          <a:stretch>
+            <a:fillRect/>
+          </a:stretch>
+        </p:blipFill>
+        <p:spPr>
+          <a:xfrm flipV="1">
+            <a:off x="7000637" y="3798844"/>
+            <a:ext cx="464127" cy="440921"/>
+          </a:xfrm>
+          <a:prstGeom prst="rect">
+            <a:avLst/>
+          </a:prstGeom>
+        </p:spPr>
+      </p:pic>
+      <p:pic>
+        <p:nvPicPr>
+          <p:cNvPr id="16" name="Рисунок 15"/>
+          <p:cNvPicPr>
+            <a:picLocks noChangeAspect="1"/>
+          </p:cNvPicPr>
+          <p:nvPr/>
+        </p:nvPicPr>
+        <p:blipFill>
+          <a:blip r:embed="rId5" cstate="print">
+            <a:extLst>
+              <a:ext uri="{28A0092B-C50C-407E-A947-70E740481C1C}">
+                <a14:useLocalDpi xmlns:a14="http://schemas.microsoft.com/office/drawing/2010/main" val="0"/>
+              </a:ext>
+            </a:extLst>
+          </a:blip>
+          <a:stretch>
+            <a:fillRect/>
+          </a:stretch>
+        </p:blipFill>
+        <p:spPr>
+          <a:xfrm flipV="1">
+            <a:off x="8819840" y="5282189"/>
+            <a:ext cx="464127" cy="440921"/>
+          </a:xfrm>
+          <a:prstGeom prst="rect">
+            <a:avLst/>
+          </a:prstGeom>
+        </p:spPr>
+      </p:pic>
+      <p:pic>
+        <p:nvPicPr>
+          <p:cNvPr id="17" name="Рисунок 16"/>
+          <p:cNvPicPr>
+            <a:picLocks noChangeAspect="1"/>
+          </p:cNvPicPr>
+          <p:nvPr/>
+        </p:nvPicPr>
+        <p:blipFill>
+          <a:blip r:embed="rId5" cstate="print">
+            <a:extLst>
+              <a:ext uri="{28A0092B-C50C-407E-A947-70E740481C1C}">
+                <a14:useLocalDpi xmlns:a14="http://schemas.microsoft.com/office/drawing/2010/main" val="0"/>
+              </a:ext>
+            </a:extLst>
+          </a:blip>
+          <a:stretch>
+            <a:fillRect/>
+          </a:stretch>
+        </p:blipFill>
+        <p:spPr>
+          <a:xfrm flipV="1">
+            <a:off x="10703256" y="2203152"/>
+            <a:ext cx="464127" cy="440921"/>
+          </a:xfrm>
+          <a:prstGeom prst="rect">
+            <a:avLst/>
+          </a:prstGeom>
+        </p:spPr>
+      </p:pic>
+      <p:pic>
+        <p:nvPicPr>
+          <p:cNvPr id="18" name="Рисунок 17"/>
+          <p:cNvPicPr>
+            <a:picLocks noChangeAspect="1"/>
+          </p:cNvPicPr>
+          <p:nvPr/>
+        </p:nvPicPr>
+        <p:blipFill>
+          <a:blip r:embed="rId6" cstate="print">
+            <a:extLst>
+              <a:ext uri="{28A0092B-C50C-407E-A947-70E740481C1C}">
+                <a14:useLocalDpi xmlns:a14="http://schemas.microsoft.com/office/drawing/2010/main" val="0"/>
+              </a:ext>
+            </a:extLst>
+          </a:blip>
+          <a:stretch>
+            <a:fillRect/>
+          </a:stretch>
+        </p:blipFill>
+        <p:spPr>
+          <a:xfrm>
+            <a:off x="4924271" y="4697513"/>
+            <a:ext cx="389071" cy="382457"/>
+          </a:xfrm>
+          <a:prstGeom prst="rect">
+            <a:avLst/>
+          </a:prstGeom>
+        </p:spPr>
+      </p:pic>
+    </p:spTree>
+    <p:extLst>
+      <p:ext uri="{BB962C8B-B14F-4D97-AF65-F5344CB8AC3E}">
+        <p14:creationId xmlns:p14="http://schemas.microsoft.com/office/powerpoint/2010/main" val="225620375"/>
+      </p:ext>
+    </p:extLst>
+  </p:cSld>
+  <p:clrMapOvr>
+    <a:masterClrMapping/>
+  </p:clrMapOvr>
+  <p:timing>
+    <p:tnLst>
+      <p:par>
+        <p:cTn id="1" dur="indefinite" restart="never" nodeType="tmRoot"/>
+      </p:par>
+    </p:tnLst>
+  </p:timing>
+</p:sld>
+</file>
+
+<file path=ppt/slides/slide4.xml><?xml version="1.0" encoding="utf-8"?>
+<p:sld xmlns:a="http://schemas.openxmlformats.org/drawingml/2006/main" xmlns:r="http://schemas.openxmlformats.org/officeDocument/2006/relationships" xmlns:p="http://schemas.openxmlformats.org/presentationml/2006/main">
+  <p:cSld>
+    <p:spTree>
+      <p:nvGrpSpPr>
+        <p:cNvPr id="1" name=""/>
+        <p:cNvGrpSpPr/>
+        <p:nvPr/>
+      </p:nvGrpSpPr>
+      <p:grpSpPr>
+        <a:xfrm>
+          <a:off x="0" y="0"/>
+          <a:ext cx="0" cy="0"/>
+          <a:chOff x="0" y="0"/>
+          <a:chExt cx="0" cy="0"/>
+        </a:xfrm>
+      </p:grpSpPr>
+      <p:sp>
+        <p:nvSpPr>
+          <p:cNvPr id="2" name="Заголовок 1"/>
+          <p:cNvSpPr>
+            <a:spLocks noGrp="1"/>
+          </p:cNvSpPr>
+          <p:nvPr>
+            <p:ph type="title"/>
+          </p:nvPr>
+        </p:nvSpPr>
+        <p:spPr>
+          <a:xfrm>
+            <a:off x="0" y="0"/>
+            <a:ext cx="12192000" cy="1325563"/>
+          </a:xfrm>
+        </p:spPr>
+        <p:txBody>
+          <a:bodyPr>
+            <a:normAutofit/>
+          </a:bodyPr>
+          <a:lstStyle/>
+          <a:p>
+            <a:pPr algn="ctr"/>
+            <a:r>
+              <a:rPr lang="ru-RU" sz="8000" b="1" dirty="0" smtClean="0">
+                <a:effectLst>
+                  <a:outerShdw blurRad="38100" dist="38100" dir="2700000" algn="tl">
+                    <a:srgbClr val="000000">
+                      <a:alpha val="43137"/>
+                    </a:srgbClr>
+                  </a:outerShdw>
+                </a:effectLst>
+              </a:rPr>
+              <a:t>Движок</a:t>
+            </a:r>
+            <a:endParaRPr lang="ru-RU" sz="8000" b="1" dirty="0">
+              <a:effectLst>
+                <a:outerShdw blurRad="38100" dist="38100" dir="2700000" algn="tl">
+                  <a:srgbClr val="000000">
+                    <a:alpha val="43137"/>
+                  </a:srgbClr>
+                </a:outerShdw>
+              </a:effectLst>
+            </a:endParaRPr>
+          </a:p>
+        </p:txBody>
+      </p:sp>
+      <p:sp>
+        <p:nvSpPr>
+          <p:cNvPr id="3" name="Подзаголовок 2"/>
+          <p:cNvSpPr>
+            <a:spLocks noGrp="1"/>
+          </p:cNvSpPr>
+          <p:nvPr>
+            <p:ph idx="1"/>
+          </p:nvPr>
+        </p:nvSpPr>
+        <p:spPr>
+          <a:xfrm>
+            <a:off x="838200" y="1465407"/>
+            <a:ext cx="10515600" cy="4351338"/>
+          </a:xfrm>
+        </p:spPr>
+        <p:txBody>
+          <a:bodyPr>
+            <a:noAutofit/>
+          </a:bodyPr>
+          <a:lstStyle/>
+          <a:p>
+            <a:pPr marL="0" indent="0" algn="just">
+              <a:buNone/>
+            </a:pPr>
+            <a:r>
+              <a:rPr lang="ru-RU" dirty="0" smtClean="0"/>
+              <a:t>	Получил название </a:t>
+            </a:r>
+            <a:r>
+              <a:rPr lang="en-GB" dirty="0" smtClean="0"/>
+              <a:t>Vgame</a:t>
+            </a:r>
+            <a:r>
+              <a:rPr lang="ru-RU" dirty="0" smtClean="0"/>
+              <a:t>, написан поверх </a:t>
+            </a:r>
+            <a:r>
+              <a:rPr lang="en-GB" dirty="0" smtClean="0"/>
+              <a:t>PyGame</a:t>
+            </a:r>
+            <a:r>
+              <a:rPr lang="ru-RU" dirty="0" smtClean="0"/>
+              <a:t>. Разделяет игру на отдельные треды. </a:t>
+            </a:r>
+          </a:p>
+          <a:p>
+            <a:pPr marL="0" indent="0" algn="just">
+              <a:buNone/>
+            </a:pPr>
+            <a:r>
+              <a:rPr lang="en-GB" dirty="0" smtClean="0"/>
+              <a:t>Git</a:t>
+            </a:r>
+            <a:r>
+              <a:rPr lang="en-GB" dirty="0" smtClean="0"/>
+              <a:t>:</a:t>
+            </a:r>
+            <a:endParaRPr lang="ru-RU" dirty="0"/>
+          </a:p>
+        </p:txBody>
+      </p:sp>
+      <p:graphicFrame>
+        <p:nvGraphicFramePr>
+          <p:cNvPr id="4" name="Таблица 3"/>
+          <p:cNvGraphicFramePr>
+            <a:graphicFrameLocks noGrp="1"/>
+          </p:cNvGraphicFramePr>
+          <p:nvPr>
+            <p:extLst>
+              <p:ext uri="{D42A27DB-BD31-4B8C-83A1-F6EECF244321}">
+                <p14:modId xmlns:p14="http://schemas.microsoft.com/office/powerpoint/2010/main" val="817166789"/>
+              </p:ext>
+            </p:extLst>
+          </p:nvPr>
+        </p:nvGraphicFramePr>
+        <p:xfrm>
+          <a:off x="3971637" y="3688612"/>
+          <a:ext cx="4248726" cy="792480"/>
+        </p:xfrm>
+        <a:graphic>
+          <a:graphicData uri="http://schemas.openxmlformats.org/drawingml/2006/table">
+            <a:tbl>
+              <a:tblPr firstRow="1" bandRow="1">
+                <a:tableStyleId>{5C22544A-7EE6-4342-B048-85BDC9FD1C3A}</a:tableStyleId>
+              </a:tblPr>
+              <a:tblGrid>
+                <a:gridCol w="4248726">
+                  <a:extLst>
+                    <a:ext uri="{9D8B030D-6E8A-4147-A177-3AD203B41FA5}">
+                      <a16:colId xmlns:a16="http://schemas.microsoft.com/office/drawing/2014/main" val="1471074225"/>
+                    </a:ext>
+                  </a:extLst>
+                </a:gridCol>
+              </a:tblGrid>
+              <a:tr h="370840">
+                <a:tc>
+                  <a:txBody>
+                    <a:bodyPr/>
+                    <a:lstStyle/>
+                    <a:p>
+                      <a:pPr algn="ctr"/>
+                      <a:r>
+                        <a:rPr lang="en-GB" sz="2000" dirty="0" smtClean="0"/>
+                        <a:t>Scene</a:t>
+                      </a:r>
+                      <a:endParaRPr lang="ru-RU" sz="2000" dirty="0"/>
+                    </a:p>
+                  </a:txBody>
+                  <a:tcPr/>
+                </a:tc>
+                <a:extLst>
+                  <a:ext uri="{0D108BD9-81ED-4DB2-BD59-A6C34878D82A}">
+                    <a16:rowId xmlns:a16="http://schemas.microsoft.com/office/drawing/2014/main" val="1949608620"/>
+                  </a:ext>
+                </a:extLst>
+              </a:tr>
+              <a:tr h="370840">
+                <a:tc>
+                  <a:txBody>
+                    <a:bodyPr/>
+                    <a:lstStyle/>
+                    <a:p>
+                      <a:pPr marL="0" marR="0" indent="0" algn="l" defTabSz="914400" rtl="0" eaLnBrk="1" fontAlgn="auto" latinLnBrk="0" hangingPunct="1">
+                        <a:lnSpc>
+                          <a:spcPct val="100000"/>
+                        </a:lnSpc>
+                        <a:spcBef>
+                          <a:spcPts val="0"/>
+                        </a:spcBef>
+                        <a:spcAft>
+                          <a:spcPts val="0"/>
+                        </a:spcAft>
+                        <a:buClrTx/>
+                        <a:buSzTx/>
+                        <a:buFontTx/>
+                        <a:buNone/>
+                        <a:tabLst/>
+                        <a:defRPr/>
+                      </a:pPr>
+                      <a:r>
+                        <a:rPr lang="en-US" sz="2000" i="0" kern="1200" dirty="0" smtClean="0">
+                          <a:solidFill>
+                            <a:schemeClr val="dk1"/>
+                          </a:solidFill>
+                          <a:effectLst/>
+                          <a:latin typeface="+mn-lt"/>
+                          <a:ea typeface="+mn-ea"/>
+                          <a:cs typeface="+mn-cs"/>
+                        </a:rPr>
+                        <a:t>width, height, framerate, tickrate, title </a:t>
+                      </a:r>
+                    </a:p>
+                  </a:txBody>
+                  <a:tcPr/>
+                </a:tc>
+                <a:extLst>
+                  <a:ext uri="{0D108BD9-81ED-4DB2-BD59-A6C34878D82A}">
+                    <a16:rowId xmlns:a16="http://schemas.microsoft.com/office/drawing/2014/main" val="661479901"/>
+                  </a:ext>
+                </a:extLst>
+              </a:tr>
+            </a:tbl>
+          </a:graphicData>
+        </a:graphic>
+      </p:graphicFrame>
+      <p:graphicFrame>
+        <p:nvGraphicFramePr>
+          <p:cNvPr id="6" name="Таблица 5"/>
+          <p:cNvGraphicFramePr>
+            <a:graphicFrameLocks noGrp="1"/>
+          </p:cNvGraphicFramePr>
+          <p:nvPr>
+            <p:extLst>
+              <p:ext uri="{D42A27DB-BD31-4B8C-83A1-F6EECF244321}">
+                <p14:modId xmlns:p14="http://schemas.microsoft.com/office/powerpoint/2010/main" val="2999841600"/>
+              </p:ext>
+            </p:extLst>
+          </p:nvPr>
+        </p:nvGraphicFramePr>
+        <p:xfrm>
+          <a:off x="385619" y="3530745"/>
+          <a:ext cx="3186545" cy="1097280"/>
+        </p:xfrm>
+        <a:graphic>
+          <a:graphicData uri="http://schemas.openxmlformats.org/drawingml/2006/table">
+            <a:tbl>
+              <a:tblPr firstRow="1" bandRow="1">
+                <a:tableStyleId>{93296810-A885-4BE3-A3E7-6D5BEEA58F35}</a:tableStyleId>
+              </a:tblPr>
+              <a:tblGrid>
+                <a:gridCol w="3186545">
+                  <a:extLst>
+                    <a:ext uri="{9D8B030D-6E8A-4147-A177-3AD203B41FA5}">
+                      <a16:colId xmlns:a16="http://schemas.microsoft.com/office/drawing/2014/main" val="398874571"/>
+                    </a:ext>
+                  </a:extLst>
+                </a:gridCol>
+              </a:tblGrid>
+              <a:tr h="370840">
+                <a:tc>
+                  <a:txBody>
+                    <a:bodyPr/>
+                    <a:lstStyle/>
+                    <a:p>
+                      <a:pPr algn="ctr"/>
+                      <a:r>
+                        <a:rPr lang="en-GB" sz="2000" dirty="0" smtClean="0"/>
+                        <a:t>load</a:t>
+                      </a:r>
+                      <a:endParaRPr lang="ru-RU" sz="2000" dirty="0"/>
+                    </a:p>
+                  </a:txBody>
+                  <a:tcPr/>
+                </a:tc>
+                <a:extLst>
+                  <a:ext uri="{0D108BD9-81ED-4DB2-BD59-A6C34878D82A}">
+                    <a16:rowId xmlns:a16="http://schemas.microsoft.com/office/drawing/2014/main" val="2813974104"/>
+                  </a:ext>
+                </a:extLst>
+              </a:tr>
+              <a:tr h="370840">
+                <a:tc>
+                  <a:txBody>
+                    <a:bodyPr/>
+                    <a:lstStyle/>
+                    <a:p>
+                      <a:r>
+                        <a:rPr lang="ru-RU" sz="2000" dirty="0" smtClean="0"/>
+                        <a:t>Происходит 1 раз при запуске</a:t>
+                      </a:r>
+                      <a:endParaRPr lang="ru-RU" sz="2000" dirty="0"/>
+                    </a:p>
+                  </a:txBody>
+                  <a:tcPr/>
+                </a:tc>
+                <a:extLst>
+                  <a:ext uri="{0D108BD9-81ED-4DB2-BD59-A6C34878D82A}">
+                    <a16:rowId xmlns:a16="http://schemas.microsoft.com/office/drawing/2014/main" val="1734077988"/>
+                  </a:ext>
+                </a:extLst>
+              </a:tr>
+            </a:tbl>
+          </a:graphicData>
+        </a:graphic>
+      </p:graphicFrame>
+      <p:graphicFrame>
+        <p:nvGraphicFramePr>
+          <p:cNvPr id="7" name="Таблица 6"/>
+          <p:cNvGraphicFramePr>
+            <a:graphicFrameLocks noGrp="1"/>
+          </p:cNvGraphicFramePr>
+          <p:nvPr>
+            <p:extLst>
+              <p:ext uri="{D42A27DB-BD31-4B8C-83A1-F6EECF244321}">
+                <p14:modId xmlns:p14="http://schemas.microsoft.com/office/powerpoint/2010/main" val="3179445325"/>
+              </p:ext>
+            </p:extLst>
+          </p:nvPr>
+        </p:nvGraphicFramePr>
+        <p:xfrm>
+          <a:off x="7114886" y="4991487"/>
+          <a:ext cx="3811732" cy="1188720"/>
+        </p:xfrm>
+        <a:graphic>
+          <a:graphicData uri="http://schemas.openxmlformats.org/drawingml/2006/table">
+            <a:tbl>
+              <a:tblPr firstRow="1" bandRow="1">
+                <a:tableStyleId>{93296810-A885-4BE3-A3E7-6D5BEEA58F35}</a:tableStyleId>
+              </a:tblPr>
+              <a:tblGrid>
+                <a:gridCol w="3811732">
+                  <a:extLst>
+                    <a:ext uri="{9D8B030D-6E8A-4147-A177-3AD203B41FA5}">
+                      <a16:colId xmlns:a16="http://schemas.microsoft.com/office/drawing/2014/main" val="515591258"/>
+                    </a:ext>
+                  </a:extLst>
+                </a:gridCol>
+              </a:tblGrid>
+              <a:tr h="0">
+                <a:tc>
+                  <a:txBody>
+                    <a:bodyPr/>
+                    <a:lstStyle/>
+                    <a:p>
+                      <a:pPr algn="ctr"/>
+                      <a:r>
+                        <a:rPr lang="en-GB" sz="2000" dirty="0" smtClean="0"/>
+                        <a:t>draw</a:t>
+                      </a:r>
+                      <a:endParaRPr lang="ru-RU" sz="2000" dirty="0"/>
+                    </a:p>
+                  </a:txBody>
+                  <a:tcPr/>
+                </a:tc>
+                <a:extLst>
+                  <a:ext uri="{0D108BD9-81ED-4DB2-BD59-A6C34878D82A}">
+                    <a16:rowId xmlns:a16="http://schemas.microsoft.com/office/drawing/2014/main" val="1319674958"/>
+                  </a:ext>
+                </a:extLst>
+              </a:tr>
+              <a:tr h="370840">
+                <a:tc>
+                  <a:txBody>
+                    <a:bodyPr/>
+                    <a:lstStyle/>
+                    <a:p>
+                      <a:r>
+                        <a:rPr lang="ru-RU" sz="2000" dirty="0" smtClean="0"/>
+                        <a:t>Происходит с частотой </a:t>
+                      </a:r>
+                      <a:r>
+                        <a:rPr lang="en-GB" sz="2000" dirty="0" smtClean="0"/>
+                        <a:t>framerate</a:t>
+                      </a:r>
+                      <a:endParaRPr lang="ru-RU" sz="2000" dirty="0"/>
+                    </a:p>
+                  </a:txBody>
+                  <a:tcPr/>
+                </a:tc>
+                <a:extLst>
+                  <a:ext uri="{0D108BD9-81ED-4DB2-BD59-A6C34878D82A}">
+                    <a16:rowId xmlns:a16="http://schemas.microsoft.com/office/drawing/2014/main" val="2818520114"/>
+                  </a:ext>
+                </a:extLst>
+              </a:tr>
+              <a:tr h="370840">
+                <a:tc>
+                  <a:txBody>
+                    <a:bodyPr/>
+                    <a:lstStyle/>
+                    <a:p>
+                      <a:r>
+                        <a:rPr lang="en-GB" sz="2000" dirty="0" smtClean="0"/>
+                        <a:t>fps, graphics_delta </a:t>
+                      </a:r>
+                      <a:endParaRPr lang="ru-RU" sz="2000" dirty="0"/>
+                    </a:p>
+                  </a:txBody>
+                  <a:tcPr/>
+                </a:tc>
+                <a:extLst>
+                  <a:ext uri="{0D108BD9-81ED-4DB2-BD59-A6C34878D82A}">
+                    <a16:rowId xmlns:a16="http://schemas.microsoft.com/office/drawing/2014/main" val="1779163932"/>
+                  </a:ext>
+                </a:extLst>
+              </a:tr>
+            </a:tbl>
+          </a:graphicData>
+        </a:graphic>
+      </p:graphicFrame>
+      <p:graphicFrame>
+        <p:nvGraphicFramePr>
+          <p:cNvPr id="8" name="Таблица 7"/>
+          <p:cNvGraphicFramePr>
+            <a:graphicFrameLocks noGrp="1"/>
+          </p:cNvGraphicFramePr>
+          <p:nvPr>
+            <p:extLst>
+              <p:ext uri="{D42A27DB-BD31-4B8C-83A1-F6EECF244321}">
+                <p14:modId xmlns:p14="http://schemas.microsoft.com/office/powerpoint/2010/main" val="2003265237"/>
+              </p:ext>
+            </p:extLst>
+          </p:nvPr>
+        </p:nvGraphicFramePr>
+        <p:xfrm>
+          <a:off x="1752456" y="4991487"/>
+          <a:ext cx="3639416" cy="1188720"/>
+        </p:xfrm>
+        <a:graphic>
+          <a:graphicData uri="http://schemas.openxmlformats.org/drawingml/2006/table">
+            <a:tbl>
+              <a:tblPr firstRow="1" bandRow="1">
+                <a:tableStyleId>{93296810-A885-4BE3-A3E7-6D5BEEA58F35}</a:tableStyleId>
+              </a:tblPr>
+              <a:tblGrid>
+                <a:gridCol w="3639416">
+                  <a:extLst>
+                    <a:ext uri="{9D8B030D-6E8A-4147-A177-3AD203B41FA5}">
+                      <a16:colId xmlns:a16="http://schemas.microsoft.com/office/drawing/2014/main" val="2503458428"/>
+                    </a:ext>
+                  </a:extLst>
+                </a:gridCol>
+              </a:tblGrid>
+              <a:tr h="240761">
+                <a:tc>
+                  <a:txBody>
+                    <a:bodyPr/>
+                    <a:lstStyle/>
+                    <a:p>
+                      <a:pPr algn="ctr"/>
+                      <a:r>
+                        <a:rPr lang="en-GB" sz="2000" dirty="0" smtClean="0"/>
+                        <a:t>update</a:t>
+                      </a:r>
+                      <a:endParaRPr lang="ru-RU" sz="2000" dirty="0"/>
+                    </a:p>
+                  </a:txBody>
+                  <a:tcPr/>
+                </a:tc>
+                <a:extLst>
+                  <a:ext uri="{0D108BD9-81ED-4DB2-BD59-A6C34878D82A}">
+                    <a16:rowId xmlns:a16="http://schemas.microsoft.com/office/drawing/2014/main" val="2974610595"/>
+                  </a:ext>
+                </a:extLst>
+              </a:tr>
+              <a:tr h="370840">
+                <a:tc>
+                  <a:txBody>
+                    <a:bodyPr/>
+                    <a:lstStyle/>
+                    <a:p>
+                      <a:r>
+                        <a:rPr lang="ru-RU" sz="2000" i="0" kern="1200" baseline="0" dirty="0" smtClean="0">
+                          <a:solidFill>
+                            <a:schemeClr val="dk1"/>
+                          </a:solidFill>
+                          <a:effectLst/>
+                          <a:latin typeface="+mn-lt"/>
+                          <a:ea typeface="+mn-ea"/>
+                          <a:cs typeface="+mn-cs"/>
+                        </a:rPr>
+                        <a:t>Происходит с частотой </a:t>
+                      </a:r>
+                      <a:r>
+                        <a:rPr lang="en-US" sz="2000" i="0" kern="1200" dirty="0" smtClean="0">
+                          <a:solidFill>
+                            <a:schemeClr val="dk1"/>
+                          </a:solidFill>
+                          <a:effectLst/>
+                          <a:latin typeface="+mn-lt"/>
+                          <a:ea typeface="+mn-ea"/>
+                          <a:cs typeface="+mn-cs"/>
+                        </a:rPr>
+                        <a:t>tickrate</a:t>
+                      </a:r>
+                      <a:endParaRPr lang="ru-RU" sz="2000" i="0" dirty="0"/>
+                    </a:p>
+                  </a:txBody>
+                  <a:tcPr/>
+                </a:tc>
+                <a:extLst>
+                  <a:ext uri="{0D108BD9-81ED-4DB2-BD59-A6C34878D82A}">
+                    <a16:rowId xmlns:a16="http://schemas.microsoft.com/office/drawing/2014/main" val="2137431430"/>
+                  </a:ext>
+                </a:extLst>
+              </a:tr>
+              <a:tr h="370840">
+                <a:tc>
+                  <a:txBody>
+                    <a:bodyPr/>
+                    <a:lstStyle/>
+                    <a:p>
+                      <a:r>
+                        <a:rPr lang="en-GB" sz="2000" dirty="0" smtClean="0"/>
+                        <a:t>tps, delta</a:t>
+                      </a:r>
+                      <a:endParaRPr lang="ru-RU" sz="2000" dirty="0"/>
+                    </a:p>
+                  </a:txBody>
+                  <a:tcPr/>
+                </a:tc>
+                <a:extLst>
+                  <a:ext uri="{0D108BD9-81ED-4DB2-BD59-A6C34878D82A}">
+                    <a16:rowId xmlns:a16="http://schemas.microsoft.com/office/drawing/2014/main" val="322113309"/>
+                  </a:ext>
+                </a:extLst>
+              </a:tr>
+            </a:tbl>
+          </a:graphicData>
+        </a:graphic>
+      </p:graphicFrame>
+      <p:graphicFrame>
+        <p:nvGraphicFramePr>
+          <p:cNvPr id="9" name="Таблица 8"/>
+          <p:cNvGraphicFramePr>
+            <a:graphicFrameLocks noGrp="1"/>
+          </p:cNvGraphicFramePr>
+          <p:nvPr>
+            <p:extLst>
+              <p:ext uri="{D42A27DB-BD31-4B8C-83A1-F6EECF244321}">
+                <p14:modId xmlns:p14="http://schemas.microsoft.com/office/powerpoint/2010/main" val="439849525"/>
+              </p:ext>
+            </p:extLst>
+          </p:nvPr>
+        </p:nvGraphicFramePr>
+        <p:xfrm>
+          <a:off x="8619836" y="3530745"/>
+          <a:ext cx="3161145" cy="1097280"/>
+        </p:xfrm>
+        <a:graphic>
+          <a:graphicData uri="http://schemas.openxmlformats.org/drawingml/2006/table">
+            <a:tbl>
+              <a:tblPr firstRow="1" bandRow="1">
+                <a:tableStyleId>{93296810-A885-4BE3-A3E7-6D5BEEA58F35}</a:tableStyleId>
+              </a:tblPr>
+              <a:tblGrid>
+                <a:gridCol w="3161145">
+                  <a:extLst>
+                    <a:ext uri="{9D8B030D-6E8A-4147-A177-3AD203B41FA5}">
+                      <a16:colId xmlns:a16="http://schemas.microsoft.com/office/drawing/2014/main" val="3622763726"/>
+                    </a:ext>
+                  </a:extLst>
+                </a:gridCol>
+              </a:tblGrid>
+              <a:tr h="370840">
+                <a:tc>
+                  <a:txBody>
+                    <a:bodyPr/>
+                    <a:lstStyle/>
+                    <a:p>
+                      <a:pPr algn="ctr"/>
+                      <a:r>
+                        <a:rPr lang="en-GB" sz="2000" dirty="0" smtClean="0"/>
+                        <a:t>exit</a:t>
+                      </a:r>
+                      <a:endParaRPr lang="ru-RU" sz="2000" dirty="0"/>
+                    </a:p>
+                  </a:txBody>
+                  <a:tcPr/>
+                </a:tc>
+                <a:extLst>
+                  <a:ext uri="{0D108BD9-81ED-4DB2-BD59-A6C34878D82A}">
+                    <a16:rowId xmlns:a16="http://schemas.microsoft.com/office/drawing/2014/main" val="595499234"/>
+                  </a:ext>
+                </a:extLst>
+              </a:tr>
+              <a:tr h="370840">
+                <a:tc>
+                  <a:txBody>
+                    <a:bodyPr/>
+                    <a:lstStyle/>
+                    <a:p>
+                      <a:r>
+                        <a:rPr lang="ru-RU" sz="2000" dirty="0" smtClean="0"/>
+                        <a:t>Выполняется после заверения циклов</a:t>
+                      </a:r>
+                      <a:endParaRPr lang="ru-RU" sz="2000" dirty="0"/>
+                    </a:p>
+                  </a:txBody>
+                  <a:tcPr/>
+                </a:tc>
+                <a:extLst>
+                  <a:ext uri="{0D108BD9-81ED-4DB2-BD59-A6C34878D82A}">
+                    <a16:rowId xmlns:a16="http://schemas.microsoft.com/office/drawing/2014/main" val="3766967078"/>
+                  </a:ext>
+                </a:extLst>
+              </a:tr>
+            </a:tbl>
+          </a:graphicData>
+        </a:graphic>
+      </p:graphicFrame>
+      <p:cxnSp>
+        <p:nvCxnSpPr>
+          <p:cNvPr id="11" name="Прямая со стрелкой 10"/>
+          <p:cNvCxnSpPr>
+            <a:stCxn id="4" idx="1"/>
+            <a:endCxn id="6" idx="3"/>
+          </p:cNvCxnSpPr>
+          <p:nvPr/>
+        </p:nvCxnSpPr>
+        <p:spPr>
+          <a:xfrm flipH="1" flipV="1">
+            <a:off x="3572164" y="4079385"/>
+            <a:ext cx="399473" cy="5467"/>
+          </a:xfrm>
+          <a:prstGeom prst="straightConnector1">
+            <a:avLst/>
+          </a:prstGeom>
+          <a:ln>
+            <a:tailEnd type="triangle"/>
+          </a:ln>
+        </p:spPr>
+        <p:style>
+          <a:lnRef idx="1">
+            <a:schemeClr val="dk1"/>
+          </a:lnRef>
+          <a:fillRef idx="0">
+            <a:schemeClr val="dk1"/>
+          </a:fillRef>
+          <a:effectRef idx="0">
+            <a:schemeClr val="dk1"/>
+          </a:effectRef>
+          <a:fontRef idx="minor">
+            <a:schemeClr val="tx1"/>
+          </a:fontRef>
+        </p:style>
+      </p:cxnSp>
+      <p:cxnSp>
+        <p:nvCxnSpPr>
+          <p:cNvPr id="14" name="Прямая со стрелкой 13"/>
+          <p:cNvCxnSpPr>
+            <a:stCxn id="4" idx="2"/>
+            <a:endCxn id="8" idx="0"/>
+          </p:cNvCxnSpPr>
+          <p:nvPr/>
+        </p:nvCxnSpPr>
+        <p:spPr>
+          <a:xfrm flipH="1">
+            <a:off x="3572164" y="4481092"/>
+            <a:ext cx="2523836" cy="510395"/>
+          </a:xfrm>
+          <a:prstGeom prst="straightConnector1">
+            <a:avLst/>
+          </a:prstGeom>
+          <a:ln>
+            <a:tailEnd type="triangle"/>
+          </a:ln>
+        </p:spPr>
+        <p:style>
+          <a:lnRef idx="1">
+            <a:schemeClr val="dk1"/>
+          </a:lnRef>
+          <a:fillRef idx="0">
+            <a:schemeClr val="dk1"/>
+          </a:fillRef>
+          <a:effectRef idx="0">
+            <a:schemeClr val="dk1"/>
+          </a:effectRef>
+          <a:fontRef idx="minor">
+            <a:schemeClr val="tx1"/>
+          </a:fontRef>
+        </p:style>
+      </p:cxnSp>
+      <p:cxnSp>
+        <p:nvCxnSpPr>
+          <p:cNvPr id="18" name="Прямая со стрелкой 17"/>
+          <p:cNvCxnSpPr>
+            <a:stCxn id="4" idx="2"/>
+            <a:endCxn id="7" idx="0"/>
+          </p:cNvCxnSpPr>
+          <p:nvPr/>
+        </p:nvCxnSpPr>
+        <p:spPr>
+          <a:xfrm>
+            <a:off x="6096000" y="4481092"/>
+            <a:ext cx="2924752" cy="510395"/>
+          </a:xfrm>
+          <a:prstGeom prst="straightConnector1">
+            <a:avLst/>
+          </a:prstGeom>
+          <a:ln>
+            <a:tailEnd type="triangle"/>
+          </a:ln>
+        </p:spPr>
+        <p:style>
+          <a:lnRef idx="1">
+            <a:schemeClr val="dk1"/>
+          </a:lnRef>
+          <a:fillRef idx="0">
+            <a:schemeClr val="dk1"/>
+          </a:fillRef>
+          <a:effectRef idx="0">
+            <a:schemeClr val="dk1"/>
+          </a:effectRef>
+          <a:fontRef idx="minor">
+            <a:schemeClr val="tx1"/>
+          </a:fontRef>
+        </p:style>
+      </p:cxnSp>
+      <p:cxnSp>
+        <p:nvCxnSpPr>
+          <p:cNvPr id="45" name="Прямая со стрелкой 44"/>
+          <p:cNvCxnSpPr>
+            <a:stCxn id="4" idx="3"/>
+            <a:endCxn id="9" idx="1"/>
+          </p:cNvCxnSpPr>
+          <p:nvPr/>
+        </p:nvCxnSpPr>
+        <p:spPr>
+          <a:xfrm flipV="1">
+            <a:off x="8220363" y="4079385"/>
+            <a:ext cx="399473" cy="5467"/>
+          </a:xfrm>
+          <a:prstGeom prst="straightConnector1">
+            <a:avLst/>
+          </a:prstGeom>
+          <a:ln>
+            <a:tailEnd type="triangle"/>
+          </a:ln>
+        </p:spPr>
+        <p:style>
+          <a:lnRef idx="1">
+            <a:schemeClr val="dk1"/>
+          </a:lnRef>
+          <a:fillRef idx="0">
+            <a:schemeClr val="dk1"/>
+          </a:fillRef>
+          <a:effectRef idx="0">
+            <a:schemeClr val="dk1"/>
+          </a:effectRef>
+          <a:fontRef idx="minor">
+            <a:schemeClr val="tx1"/>
+          </a:fontRef>
+        </p:style>
+      </p:cxnSp>
+    </p:spTree>
+    <p:extLst>
+      <p:ext uri="{BB962C8B-B14F-4D97-AF65-F5344CB8AC3E}">
+        <p14:creationId xmlns:p14="http://schemas.microsoft.com/office/powerpoint/2010/main" val="3500146176"/>
+      </p:ext>
+    </p:extLst>
+  </p:cSld>
+  <p:clrMapOvr>
+    <a:masterClrMapping/>
+  </p:clrMapOvr>
+  <p:timing>
+    <p:tnLst>
+      <p:par>
+        <p:cTn id="1" dur="indefinite" restart="never" nodeType="tmRoot"/>
+      </p:par>
+    </p:tnLst>
+  </p:timing>
+</p:sld>
+</file>
+
+<file path=ppt/slides/slide5.xml><?xml version="1.0" encoding="utf-8"?>
+<p:sld xmlns:a="http://schemas.openxmlformats.org/drawingml/2006/main" xmlns:r="http://schemas.openxmlformats.org/officeDocument/2006/relationships" xmlns:p="http://schemas.openxmlformats.org/presentationml/2006/main">
+  <p:cSld>
+    <p:spTree>
+      <p:nvGrpSpPr>
+        <p:cNvPr id="1" name=""/>
+        <p:cNvGrpSpPr/>
+        <p:nvPr/>
+      </p:nvGrpSpPr>
+      <p:grpSpPr>
+        <a:xfrm>
+          <a:off x="0" y="0"/>
+          <a:ext cx="0" cy="0"/>
+          <a:chOff x="0" y="0"/>
+          <a:chExt cx="0" cy="0"/>
+        </a:xfrm>
+      </p:grpSpPr>
+      <p:sp>
+        <p:nvSpPr>
+          <p:cNvPr id="2" name="Заголовок 1"/>
+          <p:cNvSpPr>
+            <a:spLocks noGrp="1"/>
+          </p:cNvSpPr>
+          <p:nvPr>
+            <p:ph type="title"/>
+          </p:nvPr>
+        </p:nvSpPr>
+        <p:spPr>
+          <a:xfrm>
+            <a:off x="0" y="0"/>
+            <a:ext cx="12192000" cy="1325563"/>
+          </a:xfrm>
+        </p:spPr>
+        <p:txBody>
+          <a:bodyPr>
+            <a:normAutofit/>
+          </a:bodyPr>
+          <a:lstStyle/>
+          <a:p>
+            <a:pPr algn="ctr"/>
+            <a:r>
+              <a:rPr lang="ru-RU" sz="8000" b="1" dirty="0" smtClean="0">
+                <a:effectLst>
+                  <a:outerShdw blurRad="38100" dist="38100" dir="2700000" algn="tl">
+                    <a:srgbClr val="000000">
+                      <a:alpha val="43137"/>
+                    </a:srgbClr>
+                  </a:outerShdw>
+                </a:effectLst>
+              </a:rPr>
+              <a:t>Меню</a:t>
+            </a:r>
+            <a:endParaRPr lang="ru-RU" sz="8000" b="1" dirty="0">
+              <a:effectLst>
+                <a:outerShdw blurRad="38100" dist="38100" dir="2700000" algn="tl">
+                  <a:srgbClr val="000000">
+                    <a:alpha val="43137"/>
+                  </a:srgbClr>
+                </a:outerShdw>
+              </a:effectLst>
+            </a:endParaRPr>
+          </a:p>
+        </p:txBody>
+      </p:sp>
+      <p:pic>
+        <p:nvPicPr>
+          <p:cNvPr id="6" name="Рисунок 5"/>
+          <p:cNvPicPr>
+            <a:picLocks noChangeAspect="1"/>
+          </p:cNvPicPr>
+          <p:nvPr/>
+        </p:nvPicPr>
+        <p:blipFill>
+          <a:blip r:embed="rId2">
+            <a:extLst>
+              <a:ext uri="{28A0092B-C50C-407E-A947-70E740481C1C}">
+                <a14:useLocalDpi xmlns:a14="http://schemas.microsoft.com/office/drawing/2010/main" val="0"/>
+              </a:ext>
+            </a:extLst>
+          </a:blip>
+          <a:stretch>
+            <a:fillRect/>
+          </a:stretch>
+        </p:blipFill>
+        <p:spPr>
+          <a:xfrm>
+            <a:off x="794620" y="1382637"/>
+            <a:ext cx="4807393" cy="5102245"/>
+          </a:xfrm>
+          <a:prstGeom prst="rect">
+            <a:avLst/>
+          </a:prstGeom>
+          <a:ln>
+            <a:noFill/>
+          </a:ln>
+          <a:effectLst>
+            <a:outerShdw blurRad="292100" dist="139700" dir="2700000" algn="tl" rotWithShape="0">
+              <a:srgbClr val="333333">
+                <a:alpha val="65000"/>
+              </a:srgbClr>
+            </a:outerShdw>
+          </a:effectLst>
+        </p:spPr>
+      </p:pic>
+      <p:pic>
+        <p:nvPicPr>
+          <p:cNvPr id="7" name="Рисунок 6"/>
+          <p:cNvPicPr>
+            <a:picLocks noChangeAspect="1"/>
+          </p:cNvPicPr>
+          <p:nvPr/>
+        </p:nvPicPr>
+        <p:blipFill>
+          <a:blip r:embed="rId3" cstate="print">
+            <a:extLst>
+              <a:ext uri="{28A0092B-C50C-407E-A947-70E740481C1C}">
+                <a14:useLocalDpi xmlns:a14="http://schemas.microsoft.com/office/drawing/2010/main" val="0"/>
+              </a:ext>
+            </a:extLst>
+          </a:blip>
+          <a:stretch>
+            <a:fillRect/>
+          </a:stretch>
+        </p:blipFill>
+        <p:spPr>
+          <a:xfrm>
+            <a:off x="6301435" y="1482239"/>
+            <a:ext cx="3000599" cy="3184635"/>
+          </a:xfrm>
+          <a:prstGeom prst="rect">
+            <a:avLst/>
+          </a:prstGeom>
+          <a:ln>
+            <a:noFill/>
+          </a:ln>
+          <a:effectLst>
+            <a:outerShdw blurRad="292100" dist="139700" dir="2700000" algn="tl" rotWithShape="0">
+              <a:srgbClr val="333333">
+                <a:alpha val="65000"/>
+              </a:srgbClr>
+            </a:outerShdw>
+          </a:effectLst>
+        </p:spPr>
+      </p:pic>
+      <p:pic>
+        <p:nvPicPr>
+          <p:cNvPr id="8" name="Рисунок 7"/>
+          <p:cNvPicPr>
+            <a:picLocks noChangeAspect="1"/>
+          </p:cNvPicPr>
+          <p:nvPr/>
+        </p:nvPicPr>
+        <p:blipFill>
+          <a:blip r:embed="rId4" cstate="print">
+            <a:extLst>
+              <a:ext uri="{28A0092B-C50C-407E-A947-70E740481C1C}">
+                <a14:useLocalDpi xmlns:a14="http://schemas.microsoft.com/office/drawing/2010/main" val="0"/>
+              </a:ext>
+            </a:extLst>
+          </a:blip>
+          <a:stretch>
+            <a:fillRect/>
+          </a:stretch>
+        </p:blipFill>
+        <p:spPr>
+          <a:xfrm>
+            <a:off x="8498702" y="3289737"/>
+            <a:ext cx="3010501" cy="3195145"/>
+          </a:xfrm>
+          <a:prstGeom prst="rect">
+            <a:avLst/>
+          </a:prstGeom>
+          <a:ln>
+            <a:noFill/>
+          </a:ln>
+          <a:effectLst>
+            <a:outerShdw blurRad="292100" dist="139700" dir="2700000" algn="tl" rotWithShape="0">
+              <a:srgbClr val="333333">
+                <a:alpha val="65000"/>
+              </a:srgbClr>
+            </a:outerShdw>
+          </a:effectLst>
+        </p:spPr>
+      </p:pic>
+    </p:spTree>
+    <p:extLst>
+      <p:ext uri="{BB962C8B-B14F-4D97-AF65-F5344CB8AC3E}">
+        <p14:creationId xmlns:p14="http://schemas.microsoft.com/office/powerpoint/2010/main" val="2062288154"/>
+      </p:ext>
+    </p:extLst>
+  </p:cSld>
+  <p:clrMapOvr>
+    <a:masterClrMapping/>
+  </p:clrMapOvr>
+  <p:timing>
+    <p:tnLst>
+      <p:par>
+        <p:cTn id="1" dur="indefinite" restart="never" nodeType="tmRoot"/>
+      </p:par>
+    </p:tnLst>
+  </p:timing>
+</p:sld>
+</file>
+
+<file path=ppt/slides/slide6.xml><?xml version="1.0" encoding="utf-8"?>
+<p:sld xmlns:a="http://schemas.openxmlformats.org/drawingml/2006/main" xmlns:r="http://schemas.openxmlformats.org/officeDocument/2006/relationships" xmlns:p="http://schemas.openxmlformats.org/presentationml/2006/main">
+  <p:cSld>
+    <p:spTree>
+      <p:nvGrpSpPr>
+        <p:cNvPr id="1" name=""/>
+        <p:cNvGrpSpPr/>
+        <p:nvPr/>
+      </p:nvGrpSpPr>
+      <p:grpSpPr>
+        <a:xfrm>
+          <a:off x="0" y="0"/>
+          <a:ext cx="0" cy="0"/>
+          <a:chOff x="0" y="0"/>
+          <a:chExt cx="0" cy="0"/>
+        </a:xfrm>
+      </p:grpSpPr>
+      <p:pic>
+        <p:nvPicPr>
+          <p:cNvPr id="8" name="Рисунок 7"/>
+          <p:cNvPicPr>
+            <a:picLocks noChangeAspect="1"/>
+          </p:cNvPicPr>
+          <p:nvPr/>
+        </p:nvPicPr>
+        <p:blipFill>
+          <a:blip r:embed="rId2" cstate="print">
+            <a:extLst>
+              <a:ext uri="{28A0092B-C50C-407E-A947-70E740481C1C}">
+                <a14:useLocalDpi xmlns:a14="http://schemas.microsoft.com/office/drawing/2010/main" val="0"/>
+              </a:ext>
+            </a:extLst>
+          </a:blip>
+          <a:stretch>
+            <a:fillRect/>
+          </a:stretch>
+        </p:blipFill>
+        <p:spPr>
+          <a:xfrm>
+            <a:off x="9493026" y="3740033"/>
+            <a:ext cx="2395818" cy="2542762"/>
+          </a:xfrm>
+          <a:prstGeom prst="rect">
+            <a:avLst/>
+          </a:prstGeom>
+          <a:ln>
+            <a:noFill/>
+          </a:ln>
+          <a:effectLst>
+            <a:outerShdw blurRad="292100" dist="139700" dir="2700000" algn="tl" rotWithShape="0">
+              <a:srgbClr val="333333">
+                <a:alpha val="65000"/>
+              </a:srgbClr>
+            </a:outerShdw>
+          </a:effectLst>
+        </p:spPr>
+      </p:pic>
+      <p:pic>
+        <p:nvPicPr>
+          <p:cNvPr id="7" name="Рисунок 6"/>
+          <p:cNvPicPr>
+            <a:picLocks noChangeAspect="1"/>
+          </p:cNvPicPr>
+          <p:nvPr/>
+        </p:nvPicPr>
+        <p:blipFill>
+          <a:blip r:embed="rId3" cstate="print">
+            <a:extLst>
+              <a:ext uri="{28A0092B-C50C-407E-A947-70E740481C1C}">
+                <a14:useLocalDpi xmlns:a14="http://schemas.microsoft.com/office/drawing/2010/main" val="0"/>
+              </a:ext>
+            </a:extLst>
+          </a:blip>
+          <a:stretch>
+            <a:fillRect/>
+          </a:stretch>
+        </p:blipFill>
+        <p:spPr>
+          <a:xfrm>
+            <a:off x="6389803" y="3740033"/>
+            <a:ext cx="2395818" cy="2542762"/>
+          </a:xfrm>
+          <a:prstGeom prst="rect">
+            <a:avLst/>
+          </a:prstGeom>
+          <a:ln>
+            <a:noFill/>
+          </a:ln>
+          <a:effectLst>
+            <a:outerShdw blurRad="292100" dist="139700" dir="2700000" algn="tl" rotWithShape="0">
+              <a:srgbClr val="333333">
+                <a:alpha val="65000"/>
+              </a:srgbClr>
+            </a:outerShdw>
+          </a:effectLst>
+        </p:spPr>
+      </p:pic>
+      <p:sp>
+        <p:nvSpPr>
+          <p:cNvPr id="2" name="Заголовок 1"/>
+          <p:cNvSpPr>
+            <a:spLocks noGrp="1"/>
+          </p:cNvSpPr>
+          <p:nvPr>
+            <p:ph type="title"/>
+          </p:nvPr>
+        </p:nvSpPr>
+        <p:spPr>
+          <a:xfrm>
+            <a:off x="0" y="0"/>
+            <a:ext cx="12192000" cy="1325563"/>
+          </a:xfrm>
+        </p:spPr>
+        <p:txBody>
+          <a:bodyPr>
+            <a:normAutofit/>
+          </a:bodyPr>
+          <a:lstStyle/>
+          <a:p>
+            <a:pPr algn="ctr"/>
+            <a:r>
+              <a:rPr lang="ru-RU" sz="8000" b="1" dirty="0" smtClean="0">
+                <a:effectLst>
+                  <a:outerShdw blurRad="38100" dist="38100" dir="2700000" algn="tl">
+                    <a:srgbClr val="000000">
+                      <a:alpha val="43137"/>
+                    </a:srgbClr>
+                  </a:outerShdw>
+                </a:effectLst>
+              </a:rPr>
+              <a:t>Игра</a:t>
+            </a:r>
+            <a:endParaRPr lang="ru-RU" sz="8000" b="1" dirty="0">
+              <a:effectLst>
+                <a:outerShdw blurRad="38100" dist="38100" dir="2700000" algn="tl">
+                  <a:srgbClr val="000000">
+                    <a:alpha val="43137"/>
+                  </a:srgbClr>
+                </a:outerShdw>
+              </a:effectLst>
+            </a:endParaRPr>
+          </a:p>
+        </p:txBody>
+      </p:sp>
+      <p:pic>
+        <p:nvPicPr>
+          <p:cNvPr id="3" name="Рисунок 2"/>
+          <p:cNvPicPr>
+            <a:picLocks noChangeAspect="1"/>
+          </p:cNvPicPr>
+          <p:nvPr/>
+        </p:nvPicPr>
+        <p:blipFill>
+          <a:blip r:embed="rId4">
+            <a:extLst>
+              <a:ext uri="{28A0092B-C50C-407E-A947-70E740481C1C}">
+                <a14:useLocalDpi xmlns:a14="http://schemas.microsoft.com/office/drawing/2010/main" val="0"/>
+              </a:ext>
+            </a:extLst>
+          </a:blip>
+          <a:stretch>
+            <a:fillRect/>
+          </a:stretch>
+        </p:blipFill>
+        <p:spPr>
+          <a:xfrm>
+            <a:off x="859522" y="1325563"/>
+            <a:ext cx="4670759" cy="4957232"/>
+          </a:xfrm>
+          <a:prstGeom prst="rect">
+            <a:avLst/>
+          </a:prstGeom>
+          <a:ln>
+            <a:noFill/>
+          </a:ln>
+          <a:effectLst>
+            <a:outerShdw blurRad="292100" dist="139700" dir="2700000" algn="tl" rotWithShape="0">
+              <a:srgbClr val="333333">
+                <a:alpha val="65000"/>
+              </a:srgbClr>
+            </a:outerShdw>
+          </a:effectLst>
+        </p:spPr>
+      </p:pic>
+      <p:pic>
+        <p:nvPicPr>
+          <p:cNvPr id="5" name="Рисунок 4"/>
+          <p:cNvPicPr>
+            <a:picLocks noChangeAspect="1"/>
+          </p:cNvPicPr>
+          <p:nvPr/>
+        </p:nvPicPr>
+        <p:blipFill>
+          <a:blip r:embed="rId5" cstate="print">
+            <a:extLst>
+              <a:ext uri="{28A0092B-C50C-407E-A947-70E740481C1C}">
+                <a14:useLocalDpi xmlns:a14="http://schemas.microsoft.com/office/drawing/2010/main" val="0"/>
+              </a:ext>
+            </a:extLst>
+          </a:blip>
+          <a:stretch>
+            <a:fillRect/>
+          </a:stretch>
+        </p:blipFill>
+        <p:spPr>
+          <a:xfrm>
+            <a:off x="7574277" y="1325563"/>
+            <a:ext cx="2921110" cy="3100271"/>
+          </a:xfrm>
+          <a:prstGeom prst="rect">
+            <a:avLst/>
+          </a:prstGeom>
+          <a:ln>
+            <a:noFill/>
+          </a:ln>
+          <a:effectLst>
+            <a:outerShdw blurRad="292100" dist="139700" dir="2700000" algn="tl" rotWithShape="0">
+              <a:srgbClr val="333333">
+                <a:alpha val="65000"/>
+              </a:srgbClr>
+            </a:outerShdw>
+          </a:effectLst>
+        </p:spPr>
+      </p:pic>
+    </p:spTree>
+    <p:extLst>
+      <p:ext uri="{BB962C8B-B14F-4D97-AF65-F5344CB8AC3E}">
+        <p14:creationId xmlns:p14="http://schemas.microsoft.com/office/powerpoint/2010/main" val="1124737428"/>
+      </p:ext>
+    </p:extLst>
+  </p:cSld>
+  <p:clrMapOvr>
+    <a:masterClrMapping/>
+  </p:clrMapOvr>
+  <p:timing>
+    <p:tnLst>
+      <p:par>
+        <p:cTn id="1" dur="indefinite" restart="never" nodeType="tmRoot"/>
+      </p:par>
+    </p:tnLst>
+  </p:timing>
+</p:sld>
+</file>
+
+<file path=ppt/slides/slide7.xml><?xml version="1.0" encoding="utf-8"?>
+<p:sld xmlns:a="http://schemas.openxmlformats.org/drawingml/2006/main" xmlns:r="http://schemas.openxmlformats.org/officeDocument/2006/relationships" xmlns:p="http://schemas.openxmlformats.org/presentationml/2006/main">
+  <p:cSld>
+    <p:spTree>
+      <p:nvGrpSpPr>
+        <p:cNvPr id="1" name=""/>
+        <p:cNvGrpSpPr/>
+        <p:nvPr/>
+      </p:nvGrpSpPr>
+      <p:grpSpPr>
+        <a:xfrm>
+          <a:off x="0" y="0"/>
+          <a:ext cx="0" cy="0"/>
+          <a:chOff x="0" y="0"/>
+          <a:chExt cx="0" cy="0"/>
+        </a:xfrm>
+      </p:grpSpPr>
+      <p:sp>
+        <p:nvSpPr>
+          <p:cNvPr id="2" name="Заголовок 1"/>
+          <p:cNvSpPr>
+            <a:spLocks noGrp="1"/>
+          </p:cNvSpPr>
+          <p:nvPr>
+            <p:ph type="title"/>
+          </p:nvPr>
+        </p:nvSpPr>
+        <p:spPr>
+          <a:xfrm>
+            <a:off x="0" y="39752"/>
+            <a:ext cx="12192000" cy="1325563"/>
+          </a:xfrm>
+        </p:spPr>
+        <p:txBody>
+          <a:bodyPr>
+            <a:normAutofit/>
+          </a:bodyPr>
+          <a:lstStyle/>
+          <a:p>
+            <a:pPr algn="ctr"/>
+            <a:r>
+              <a:rPr lang="ru-RU" sz="8000" b="1" dirty="0" smtClean="0">
+                <a:effectLst>
+                  <a:outerShdw blurRad="38100" dist="38100" dir="2700000" algn="tl">
+                    <a:srgbClr val="000000">
+                      <a:alpha val="43137"/>
+                    </a:srgbClr>
+                  </a:outerShdw>
+                </a:effectLst>
+              </a:rPr>
+              <a:t>Уровни</a:t>
+            </a:r>
+            <a:endParaRPr lang="ru-RU" sz="8000" b="1" dirty="0">
+              <a:effectLst>
+                <a:outerShdw blurRad="38100" dist="38100" dir="2700000" algn="tl">
+                  <a:srgbClr val="000000">
+                    <a:alpha val="43137"/>
+                  </a:srgbClr>
+                </a:outerShdw>
+              </a:effectLst>
+            </a:endParaRPr>
+          </a:p>
+        </p:txBody>
+      </p:sp>
+      <p:sp>
+        <p:nvSpPr>
+          <p:cNvPr id="4" name="TextBox 3"/>
+          <p:cNvSpPr txBox="1"/>
+          <p:nvPr/>
+        </p:nvSpPr>
+        <p:spPr>
+          <a:xfrm>
+            <a:off x="465709" y="2556131"/>
+            <a:ext cx="2534668" cy="523220"/>
+          </a:xfrm>
+          <a:prstGeom prst="rect">
+            <a:avLst/>
+          </a:prstGeom>
+          <a:noFill/>
+        </p:spPr>
+        <p:txBody>
+          <a:bodyPr wrap="none" rtlCol="0">
+            <a:spAutoFit/>
+          </a:bodyPr>
+          <a:lstStyle/>
+          <a:p>
+            <a:r>
+              <a:rPr lang="ru-RU" sz="2800" dirty="0" smtClean="0"/>
+              <a:t>Новый уровень</a:t>
+            </a:r>
+            <a:endParaRPr lang="ru-RU" sz="2800" dirty="0"/>
+          </a:p>
+        </p:txBody>
+      </p:sp>
+      <p:sp>
+        <p:nvSpPr>
+          <p:cNvPr id="5" name="TextBox 4"/>
+          <p:cNvSpPr txBox="1"/>
+          <p:nvPr/>
+        </p:nvSpPr>
+        <p:spPr>
+          <a:xfrm>
+            <a:off x="1491765" y="3589600"/>
+            <a:ext cx="2093586" cy="523220"/>
+          </a:xfrm>
+          <a:prstGeom prst="rect">
+            <a:avLst/>
+          </a:prstGeom>
+          <a:noFill/>
+        </p:spPr>
+        <p:txBody>
+          <a:bodyPr wrap="none" rtlCol="0">
+            <a:spAutoFit/>
+          </a:bodyPr>
+          <a:lstStyle/>
+          <a:p>
+            <a:r>
+              <a:rPr lang="ru-RU" sz="2800" dirty="0" smtClean="0"/>
+              <a:t>Новая волна</a:t>
+            </a:r>
+            <a:endParaRPr lang="ru-RU" sz="2800" dirty="0"/>
+          </a:p>
+        </p:txBody>
+      </p:sp>
+      <p:sp>
+        <p:nvSpPr>
+          <p:cNvPr id="7" name="TextBox 6"/>
+          <p:cNvSpPr txBox="1"/>
+          <p:nvPr/>
+        </p:nvSpPr>
+        <p:spPr>
+          <a:xfrm>
+            <a:off x="3896844" y="4144292"/>
+            <a:ext cx="3872279" cy="954107"/>
+          </a:xfrm>
+          <a:prstGeom prst="rect">
+            <a:avLst/>
+          </a:prstGeom>
+          <a:noFill/>
+        </p:spPr>
+        <p:txBody>
+          <a:bodyPr wrap="none" rtlCol="0">
+            <a:spAutoFit/>
+          </a:bodyPr>
+          <a:lstStyle/>
+          <a:p>
+            <a:pPr algn="ctr"/>
+            <a:r>
+              <a:rPr lang="ru-RU" sz="2800" dirty="0"/>
+              <a:t>В</a:t>
+            </a:r>
+            <a:r>
+              <a:rPr lang="ru-RU" sz="2800" dirty="0" smtClean="0"/>
+              <a:t>се </a:t>
+            </a:r>
+            <a:r>
+              <a:rPr lang="ru-RU" sz="2800" dirty="0"/>
+              <a:t>враги убиты </a:t>
+            </a:r>
+            <a:r>
+              <a:rPr lang="ru-RU" sz="2800" dirty="0" smtClean="0"/>
+              <a:t>или</a:t>
+            </a:r>
+          </a:p>
+          <a:p>
+            <a:pPr algn="ctr"/>
+            <a:r>
+              <a:rPr lang="ru-RU" sz="2800" dirty="0" smtClean="0"/>
+              <a:t> </a:t>
+            </a:r>
+            <a:r>
+              <a:rPr lang="ru-RU" sz="2800" dirty="0"/>
+              <a:t>исчезли из поля зрения</a:t>
+            </a:r>
+            <a:endParaRPr lang="ru-RU" sz="2800" dirty="0"/>
+          </a:p>
+        </p:txBody>
+      </p:sp>
+      <p:sp>
+        <p:nvSpPr>
+          <p:cNvPr id="8" name="TextBox 7"/>
+          <p:cNvSpPr txBox="1"/>
+          <p:nvPr/>
+        </p:nvSpPr>
+        <p:spPr>
+          <a:xfrm>
+            <a:off x="7567267" y="5494048"/>
+            <a:ext cx="2359685" cy="954107"/>
+          </a:xfrm>
+          <a:prstGeom prst="rect">
+            <a:avLst/>
+          </a:prstGeom>
+          <a:noFill/>
+        </p:spPr>
+        <p:txBody>
+          <a:bodyPr wrap="none" rtlCol="0">
+            <a:spAutoFit/>
+          </a:bodyPr>
+          <a:lstStyle/>
+          <a:p>
+            <a:r>
+              <a:rPr lang="ru-RU" sz="2800" dirty="0" smtClean="0">
+                <a:solidFill>
+                  <a:sysClr val="windowText" lastClr="000000"/>
+                </a:solidFill>
+              </a:rPr>
+              <a:t>Все ли волны </a:t>
+            </a:r>
+          </a:p>
+          <a:p>
+            <a:r>
+              <a:rPr lang="ru-RU" sz="2800" dirty="0" smtClean="0">
+                <a:solidFill>
+                  <a:sysClr val="windowText" lastClr="000000"/>
+                </a:solidFill>
+              </a:rPr>
+              <a:t>закончились? </a:t>
+            </a:r>
+            <a:endParaRPr lang="ru-RU" sz="2800" dirty="0">
+              <a:solidFill>
+                <a:sysClr val="windowText" lastClr="000000"/>
+              </a:solidFill>
+            </a:endParaRPr>
+          </a:p>
+        </p:txBody>
+      </p:sp>
+      <p:sp>
+        <p:nvSpPr>
+          <p:cNvPr id="19" name="TextBox 18"/>
+          <p:cNvSpPr txBox="1"/>
+          <p:nvPr/>
+        </p:nvSpPr>
+        <p:spPr>
+          <a:xfrm>
+            <a:off x="4137600" y="2046638"/>
+            <a:ext cx="571567" cy="400110"/>
+          </a:xfrm>
+          <a:prstGeom prst="rect">
+            <a:avLst/>
+          </a:prstGeom>
+          <a:noFill/>
+        </p:spPr>
+        <p:txBody>
+          <a:bodyPr wrap="none" rtlCol="0">
+            <a:spAutoFit/>
+          </a:bodyPr>
+          <a:lstStyle/>
+          <a:p>
+            <a:r>
+              <a:rPr lang="ru-RU" sz="2000" dirty="0" smtClean="0"/>
+              <a:t>Нет</a:t>
+            </a:r>
+            <a:endParaRPr lang="ru-RU" sz="2000" dirty="0"/>
+          </a:p>
+        </p:txBody>
+      </p:sp>
+      <p:sp>
+        <p:nvSpPr>
+          <p:cNvPr id="42" name="TextBox 41"/>
+          <p:cNvSpPr txBox="1"/>
+          <p:nvPr/>
+        </p:nvSpPr>
+        <p:spPr>
+          <a:xfrm>
+            <a:off x="8258115" y="2114257"/>
+            <a:ext cx="473206" cy="400110"/>
+          </a:xfrm>
+          <a:prstGeom prst="rect">
+            <a:avLst/>
+          </a:prstGeom>
+          <a:noFill/>
+        </p:spPr>
+        <p:txBody>
+          <a:bodyPr wrap="none" rtlCol="0">
+            <a:spAutoFit/>
+          </a:bodyPr>
+          <a:lstStyle/>
+          <a:p>
+            <a:r>
+              <a:rPr lang="ru-RU" sz="2000" dirty="0" smtClean="0"/>
+              <a:t>Да</a:t>
+            </a:r>
+            <a:endParaRPr lang="ru-RU" sz="2000" dirty="0"/>
+          </a:p>
+        </p:txBody>
+      </p:sp>
+      <p:sp>
+        <p:nvSpPr>
+          <p:cNvPr id="46" name="TextBox 45"/>
+          <p:cNvSpPr txBox="1"/>
+          <p:nvPr/>
+        </p:nvSpPr>
+        <p:spPr>
+          <a:xfrm>
+            <a:off x="6179128" y="2781647"/>
+            <a:ext cx="2348720" cy="954107"/>
+          </a:xfrm>
+          <a:prstGeom prst="rect">
+            <a:avLst/>
+          </a:prstGeom>
+          <a:noFill/>
+        </p:spPr>
+        <p:txBody>
+          <a:bodyPr wrap="none" rtlCol="0">
+            <a:spAutoFit/>
+          </a:bodyPr>
+          <a:lstStyle/>
+          <a:p>
+            <a:pPr algn="ctr"/>
+            <a:r>
+              <a:rPr lang="ru-RU" sz="2800" dirty="0" smtClean="0"/>
+              <a:t>Все ли уровни</a:t>
+            </a:r>
+          </a:p>
+          <a:p>
+            <a:pPr algn="ctr"/>
+            <a:r>
+              <a:rPr lang="ru-RU" sz="2800" dirty="0" smtClean="0"/>
+              <a:t>закончились?</a:t>
+            </a:r>
+            <a:endParaRPr lang="ru-RU" sz="2800" dirty="0"/>
+          </a:p>
+        </p:txBody>
+      </p:sp>
+      <p:sp>
+        <p:nvSpPr>
+          <p:cNvPr id="107" name="TextBox 106"/>
+          <p:cNvSpPr txBox="1"/>
+          <p:nvPr/>
+        </p:nvSpPr>
+        <p:spPr>
+          <a:xfrm>
+            <a:off x="8836733" y="1662723"/>
+            <a:ext cx="1332288" cy="523220"/>
+          </a:xfrm>
+          <a:prstGeom prst="rect">
+            <a:avLst/>
+          </a:prstGeom>
+          <a:noFill/>
+        </p:spPr>
+        <p:txBody>
+          <a:bodyPr wrap="none" rtlCol="0">
+            <a:spAutoFit/>
+          </a:bodyPr>
+          <a:lstStyle/>
+          <a:p>
+            <a:r>
+              <a:rPr lang="ru-RU" sz="2800" dirty="0" smtClean="0"/>
+              <a:t>Победа</a:t>
+            </a:r>
+            <a:endParaRPr lang="ru-RU" sz="2800" dirty="0"/>
+          </a:p>
+        </p:txBody>
+      </p:sp>
+      <p:cxnSp>
+        <p:nvCxnSpPr>
+          <p:cNvPr id="125" name="Скругленная соединительная линия 124"/>
+          <p:cNvCxnSpPr>
+            <a:stCxn id="4" idx="2"/>
+            <a:endCxn id="5" idx="0"/>
+          </p:cNvCxnSpPr>
+          <p:nvPr/>
+        </p:nvCxnSpPr>
+        <p:spPr>
+          <a:xfrm rot="16200000" flipH="1">
+            <a:off x="1880676" y="2931717"/>
+            <a:ext cx="510249" cy="805515"/>
+          </a:xfrm>
+          <a:prstGeom prst="curvedConnector3">
+            <a:avLst/>
+          </a:prstGeom>
+          <a:ln>
+            <a:tailEnd type="triangle"/>
+          </a:ln>
+        </p:spPr>
+        <p:style>
+          <a:lnRef idx="1">
+            <a:schemeClr val="dk1"/>
+          </a:lnRef>
+          <a:fillRef idx="0">
+            <a:schemeClr val="dk1"/>
+          </a:fillRef>
+          <a:effectRef idx="0">
+            <a:schemeClr val="dk1"/>
+          </a:effectRef>
+          <a:fontRef idx="minor">
+            <a:schemeClr val="tx1"/>
+          </a:fontRef>
+        </p:style>
+      </p:cxnSp>
+      <p:cxnSp>
+        <p:nvCxnSpPr>
+          <p:cNvPr id="128" name="Скругленная соединительная линия 127"/>
+          <p:cNvCxnSpPr>
+            <a:stCxn id="5" idx="3"/>
+            <a:endCxn id="7" idx="0"/>
+          </p:cNvCxnSpPr>
+          <p:nvPr/>
+        </p:nvCxnSpPr>
+        <p:spPr>
+          <a:xfrm>
+            <a:off x="3585351" y="3851210"/>
+            <a:ext cx="2247633" cy="293082"/>
+          </a:xfrm>
+          <a:prstGeom prst="curvedConnector2">
+            <a:avLst/>
+          </a:prstGeom>
+          <a:ln>
+            <a:tailEnd type="triangle"/>
+          </a:ln>
+        </p:spPr>
+        <p:style>
+          <a:lnRef idx="1">
+            <a:schemeClr val="dk1"/>
+          </a:lnRef>
+          <a:fillRef idx="0">
+            <a:schemeClr val="dk1"/>
+          </a:fillRef>
+          <a:effectRef idx="0">
+            <a:schemeClr val="dk1"/>
+          </a:effectRef>
+          <a:fontRef idx="minor">
+            <a:schemeClr val="tx1"/>
+          </a:fontRef>
+        </p:style>
+      </p:cxnSp>
+      <p:cxnSp>
+        <p:nvCxnSpPr>
+          <p:cNvPr id="131" name="Скругленная соединительная линия 130"/>
+          <p:cNvCxnSpPr>
+            <a:stCxn id="7" idx="3"/>
+            <a:endCxn id="8" idx="0"/>
+          </p:cNvCxnSpPr>
+          <p:nvPr/>
+        </p:nvCxnSpPr>
+        <p:spPr>
+          <a:xfrm>
+            <a:off x="7769123" y="4621346"/>
+            <a:ext cx="977987" cy="872702"/>
+          </a:xfrm>
+          <a:prstGeom prst="curvedConnector2">
+            <a:avLst/>
+          </a:prstGeom>
+          <a:ln>
+            <a:tailEnd type="triangle"/>
+          </a:ln>
+        </p:spPr>
+        <p:style>
+          <a:lnRef idx="1">
+            <a:schemeClr val="dk1"/>
+          </a:lnRef>
+          <a:fillRef idx="0">
+            <a:schemeClr val="dk1"/>
+          </a:fillRef>
+          <a:effectRef idx="0">
+            <a:schemeClr val="dk1"/>
+          </a:effectRef>
+          <a:fontRef idx="minor">
+            <a:schemeClr val="tx1"/>
+          </a:fontRef>
+        </p:style>
+      </p:cxnSp>
+      <p:cxnSp>
+        <p:nvCxnSpPr>
+          <p:cNvPr id="146" name="Скругленная соединительная линия 145"/>
+          <p:cNvCxnSpPr>
+            <a:stCxn id="8" idx="1"/>
+            <a:endCxn id="5" idx="2"/>
+          </p:cNvCxnSpPr>
+          <p:nvPr/>
+        </p:nvCxnSpPr>
+        <p:spPr>
+          <a:xfrm rot="10800000">
+            <a:off x="2538559" y="4112820"/>
+            <a:ext cx="5028709" cy="1858282"/>
+          </a:xfrm>
+          <a:prstGeom prst="curvedConnector2">
+            <a:avLst/>
+          </a:prstGeom>
+          <a:ln>
+            <a:tailEnd type="triangle"/>
+          </a:ln>
+        </p:spPr>
+        <p:style>
+          <a:lnRef idx="1">
+            <a:schemeClr val="dk1"/>
+          </a:lnRef>
+          <a:fillRef idx="0">
+            <a:schemeClr val="dk1"/>
+          </a:fillRef>
+          <a:effectRef idx="0">
+            <a:schemeClr val="dk1"/>
+          </a:effectRef>
+          <a:fontRef idx="minor">
+            <a:schemeClr val="tx1"/>
+          </a:fontRef>
+        </p:style>
+      </p:cxnSp>
+      <p:sp>
+        <p:nvSpPr>
+          <p:cNvPr id="166" name="TextBox 165"/>
+          <p:cNvSpPr txBox="1"/>
+          <p:nvPr/>
+        </p:nvSpPr>
+        <p:spPr>
+          <a:xfrm>
+            <a:off x="4223327" y="5532271"/>
+            <a:ext cx="571567" cy="400110"/>
+          </a:xfrm>
+          <a:prstGeom prst="rect">
+            <a:avLst/>
+          </a:prstGeom>
+          <a:noFill/>
+        </p:spPr>
+        <p:txBody>
+          <a:bodyPr wrap="none" rtlCol="0">
+            <a:spAutoFit/>
+          </a:bodyPr>
+          <a:lstStyle/>
+          <a:p>
+            <a:r>
+              <a:rPr lang="ru-RU" sz="2000" dirty="0" smtClean="0"/>
+              <a:t>Нет</a:t>
+            </a:r>
+            <a:endParaRPr lang="ru-RU" sz="2000" dirty="0"/>
+          </a:p>
+        </p:txBody>
+      </p:sp>
+      <p:cxnSp>
+        <p:nvCxnSpPr>
+          <p:cNvPr id="168" name="Скругленная соединительная линия 167"/>
+          <p:cNvCxnSpPr>
+            <a:stCxn id="8" idx="3"/>
+            <a:endCxn id="46" idx="3"/>
+          </p:cNvCxnSpPr>
+          <p:nvPr/>
+        </p:nvCxnSpPr>
+        <p:spPr>
+          <a:xfrm flipH="1" flipV="1">
+            <a:off x="8527848" y="3258701"/>
+            <a:ext cx="1399104" cy="2712401"/>
+          </a:xfrm>
+          <a:prstGeom prst="curvedConnector3">
+            <a:avLst>
+              <a:gd name="adj1" fmla="val -16339"/>
+            </a:avLst>
+          </a:prstGeom>
+          <a:ln>
+            <a:tailEnd type="triangle"/>
+          </a:ln>
+        </p:spPr>
+        <p:style>
+          <a:lnRef idx="1">
+            <a:schemeClr val="dk1"/>
+          </a:lnRef>
+          <a:fillRef idx="0">
+            <a:schemeClr val="dk1"/>
+          </a:fillRef>
+          <a:effectRef idx="0">
+            <a:schemeClr val="dk1"/>
+          </a:effectRef>
+          <a:fontRef idx="minor">
+            <a:schemeClr val="tx1"/>
+          </a:fontRef>
+        </p:style>
+      </p:cxnSp>
+      <p:sp>
+        <p:nvSpPr>
+          <p:cNvPr id="171" name="TextBox 170"/>
+          <p:cNvSpPr txBox="1"/>
+          <p:nvPr/>
+        </p:nvSpPr>
+        <p:spPr>
+          <a:xfrm>
+            <a:off x="9917558" y="3696662"/>
+            <a:ext cx="473206" cy="400110"/>
+          </a:xfrm>
+          <a:prstGeom prst="rect">
+            <a:avLst/>
+          </a:prstGeom>
+          <a:noFill/>
+        </p:spPr>
+        <p:txBody>
+          <a:bodyPr wrap="none" rtlCol="0">
+            <a:spAutoFit/>
+          </a:bodyPr>
+          <a:lstStyle/>
+          <a:p>
+            <a:r>
+              <a:rPr lang="ru-RU" sz="2000" dirty="0" smtClean="0"/>
+              <a:t>Да</a:t>
+            </a:r>
+            <a:endParaRPr lang="ru-RU" sz="2000" dirty="0"/>
+          </a:p>
+        </p:txBody>
+      </p:sp>
+      <p:cxnSp>
+        <p:nvCxnSpPr>
+          <p:cNvPr id="173" name="Скругленная соединительная линия 172"/>
+          <p:cNvCxnSpPr>
+            <a:stCxn id="46" idx="1"/>
+            <a:endCxn id="4" idx="0"/>
+          </p:cNvCxnSpPr>
+          <p:nvPr/>
+        </p:nvCxnSpPr>
+        <p:spPr>
+          <a:xfrm rot="10800000">
+            <a:off x="1733044" y="2556131"/>
+            <a:ext cx="4446085" cy="702570"/>
+          </a:xfrm>
+          <a:prstGeom prst="curvedConnector4">
+            <a:avLst>
+              <a:gd name="adj1" fmla="val 35748"/>
+              <a:gd name="adj2" fmla="val 132538"/>
+            </a:avLst>
+          </a:prstGeom>
+          <a:ln>
+            <a:tailEnd type="triangle"/>
+          </a:ln>
+        </p:spPr>
+        <p:style>
+          <a:lnRef idx="1">
+            <a:schemeClr val="dk1"/>
+          </a:lnRef>
+          <a:fillRef idx="0">
+            <a:schemeClr val="dk1"/>
+          </a:fillRef>
+          <a:effectRef idx="0">
+            <a:schemeClr val="dk1"/>
+          </a:effectRef>
+          <a:fontRef idx="minor">
+            <a:schemeClr val="tx1"/>
+          </a:fontRef>
+        </p:style>
+      </p:cxnSp>
+      <p:cxnSp>
+        <p:nvCxnSpPr>
+          <p:cNvPr id="176" name="Скругленная соединительная линия 175"/>
+          <p:cNvCxnSpPr>
+            <a:stCxn id="46" idx="0"/>
+            <a:endCxn id="107" idx="2"/>
+          </p:cNvCxnSpPr>
+          <p:nvPr/>
+        </p:nvCxnSpPr>
+        <p:spPr>
+          <a:xfrm rot="5400000" flipH="1" flipV="1">
+            <a:off x="8130330" y="1409101"/>
+            <a:ext cx="595704" cy="2149389"/>
+          </a:xfrm>
+          <a:prstGeom prst="curvedConnector3">
+            <a:avLst/>
+          </a:prstGeom>
+          <a:ln>
+            <a:tailEnd type="triangle"/>
+          </a:ln>
+        </p:spPr>
+        <p:style>
+          <a:lnRef idx="1">
+            <a:schemeClr val="dk1"/>
+          </a:lnRef>
+          <a:fillRef idx="0">
+            <a:schemeClr val="dk1"/>
+          </a:fillRef>
+          <a:effectRef idx="0">
+            <a:schemeClr val="dk1"/>
+          </a:effectRef>
+          <a:fontRef idx="minor">
+            <a:schemeClr val="tx1"/>
+          </a:fontRef>
+        </p:style>
+      </p:cxnSp>
+    </p:spTree>
+    <p:extLst>
+      <p:ext uri="{BB962C8B-B14F-4D97-AF65-F5344CB8AC3E}">
+        <p14:creationId xmlns:p14="http://schemas.microsoft.com/office/powerpoint/2010/main" val="149807628"/>
+      </p:ext>
+    </p:extLst>
+  </p:cSld>
+  <p:clrMapOvr>
+    <a:masterClrMapping/>
+  </p:clrMapOvr>
+  <p:timing>
+    <p:tnLst>
+      <p:par>
+        <p:cTn id="1" dur="indefinite" restart="never" nodeType="tmRoot"/>
+      </p:par>
+    </p:tnLst>
+  </p:timing>
+</p:sld>
+</file>
+
+<file path=ppt/slides/slide8.xml><?xml version="1.0" encoding="utf-8"?>
+<p:sld xmlns:a="http://schemas.openxmlformats.org/drawingml/2006/main" xmlns:r="http://schemas.openxmlformats.org/officeDocument/2006/relationships" xmlns:p="http://schemas.openxmlformats.org/presentationml/2006/main">
+  <p:cSld>
+    <p:spTree>
+      <p:nvGrpSpPr>
+        <p:cNvPr id="1" name=""/>
+        <p:cNvGrpSpPr/>
+        <p:nvPr/>
+      </p:nvGrpSpPr>
+      <p:grpSpPr>
+        <a:xfrm>
+          <a:off x="0" y="0"/>
+          <a:ext cx="0" cy="0"/>
+          <a:chOff x="0" y="0"/>
+          <a:chExt cx="0" cy="0"/>
+        </a:xfrm>
+      </p:grpSpPr>
+      <p:sp>
+        <p:nvSpPr>
+          <p:cNvPr id="2" name="Заголовок 1"/>
+          <p:cNvSpPr>
+            <a:spLocks noGrp="1"/>
+          </p:cNvSpPr>
+          <p:nvPr>
+            <p:ph type="title"/>
+          </p:nvPr>
+        </p:nvSpPr>
+        <p:spPr>
+          <a:xfrm>
+            <a:off x="0" y="1"/>
+            <a:ext cx="12192000" cy="1274618"/>
+          </a:xfrm>
+        </p:spPr>
+        <p:txBody>
+          <a:bodyPr>
+            <a:noAutofit/>
+          </a:bodyPr>
+          <a:lstStyle/>
+          <a:p>
+            <a:pPr algn="ctr"/>
+            <a:r>
+              <a:rPr lang="ru-RU" sz="8000" b="1" dirty="0" smtClean="0">
+                <a:effectLst>
+                  <a:outerShdw blurRad="38100" dist="38100" dir="2700000" algn="tl">
+                    <a:srgbClr val="000000">
+                      <a:alpha val="43137"/>
+                    </a:srgbClr>
+                  </a:outerShdw>
+                </a:effectLst>
+              </a:rPr>
+              <a:t>Анимация. Звук</a:t>
+            </a:r>
+            <a:endParaRPr lang="ru-RU" sz="8000" b="1" dirty="0">
+              <a:effectLst>
+                <a:outerShdw blurRad="38100" dist="38100" dir="2700000" algn="tl">
+                  <a:srgbClr val="000000">
+                    <a:alpha val="43137"/>
+                  </a:srgbClr>
+                </a:outerShdw>
+              </a:effectLst>
+            </a:endParaRPr>
+          </a:p>
+        </p:txBody>
+      </p:sp>
+      <p:sp>
+        <p:nvSpPr>
+          <p:cNvPr id="4" name="TextBox 3"/>
+          <p:cNvSpPr txBox="1"/>
+          <p:nvPr/>
+        </p:nvSpPr>
+        <p:spPr>
+          <a:xfrm>
+            <a:off x="4404607" y="3573517"/>
+            <a:ext cx="2476960" cy="369332"/>
+          </a:xfrm>
+          <a:prstGeom prst="rect">
+            <a:avLst/>
+          </a:prstGeom>
+          <a:noFill/>
+        </p:spPr>
+        <p:txBody>
+          <a:bodyPr wrap="none" rtlCol="0">
+            <a:spAutoFit/>
+          </a:bodyPr>
+          <a:lstStyle/>
+          <a:p>
+            <a:r>
+              <a:rPr lang="ru-RU" dirty="0" smtClean="0"/>
+              <a:t>Тут будут видео или </a:t>
+            </a:r>
+            <a:r>
+              <a:rPr lang="en-GB" dirty="0" smtClean="0"/>
+              <a:t>gif</a:t>
+            </a:r>
+            <a:endParaRPr lang="ru-RU" dirty="0"/>
+          </a:p>
+        </p:txBody>
+      </p:sp>
+    </p:spTree>
+    <p:extLst>
+      <p:ext uri="{BB962C8B-B14F-4D97-AF65-F5344CB8AC3E}">
+        <p14:creationId xmlns:p14="http://schemas.microsoft.com/office/powerpoint/2010/main" val="2747999329"/>
+      </p:ext>
+    </p:extLst>
+  </p:cSld>
+  <p:clrMapOvr>
+    <a:masterClrMapping/>
+  </p:clrMapOvr>
+  <p:timing>
+    <p:tnLst>
+      <p:par>
+        <p:cTn id="1" dur="indefinite" restart="never" nodeType="tmRoot"/>
+      </p:par>
+    </p:tnLst>
+  </p:timing>
+</p:sld>
+</file>
+
 <file path=ppt/slides/slide9.xml><?xml version="1.0" encoding="utf-8"?>
 <p:sld xmlns:a="http://schemas.openxmlformats.org/drawingml/2006/main" xmlns:r="http://schemas.openxmlformats.org/officeDocument/2006/relationships" xmlns:p="http://schemas.openxmlformats.org/presentationml/2006/main">
   <p:cSld>
@@ -5752,41 +7638,177 @@
           <a:chExt cx="0" cy="0"/>
         </a:xfrm>
       </p:grpSpPr>
-      <p:sp>
-        <p:nvSpPr>
-          <p:cNvPr id="4" name="TextBox 3"/>
-          <p:cNvSpPr txBox="1"/>
+      <p:pic>
+        <p:nvPicPr>
+          <p:cNvPr id="6" name="Рисунок 5"/>
+          <p:cNvPicPr>
+            <a:picLocks noChangeAspect="1"/>
+          </p:cNvPicPr>
           <p:nvPr/>
-        </p:nvSpPr>
-        <p:spPr>
-          <a:xfrm>
-            <a:off x="2550828" y="2916460"/>
-            <a:ext cx="7094482" cy="523220"/>
+        </p:nvPicPr>
+        <p:blipFill>
+          <a:blip r:embed="rId2">
+            <a:extLst>
+              <a:ext uri="{28A0092B-C50C-407E-A947-70E740481C1C}">
+                <a14:useLocalDpi xmlns:a14="http://schemas.microsoft.com/office/drawing/2010/main" val="0"/>
+              </a:ext>
+            </a:extLst>
+          </a:blip>
+          <a:stretch>
+            <a:fillRect/>
+          </a:stretch>
+        </p:blipFill>
+        <p:spPr>
+          <a:xfrm>
+            <a:off x="776418" y="1566249"/>
+            <a:ext cx="3346657" cy="3278986"/>
           </a:xfrm>
           <a:prstGeom prst="rect">
             <a:avLst/>
           </a:prstGeom>
-          <a:noFill/>
-        </p:spPr>
-        <p:txBody>
-          <a:bodyPr wrap="square" rtlCol="0">
-            <a:spAutoFit/>
-          </a:bodyPr>
+          <a:ln>
+            <a:noFill/>
+          </a:ln>
+          <a:effectLst>
+            <a:outerShdw blurRad="292100" dist="139700" dir="2700000" algn="tl" rotWithShape="0">
+              <a:srgbClr val="333333">
+                <a:alpha val="65000"/>
+              </a:srgbClr>
+            </a:outerShdw>
+          </a:effectLst>
+        </p:spPr>
+      </p:pic>
+      <p:sp>
+        <p:nvSpPr>
+          <p:cNvPr id="2" name="Заголовок 1"/>
+          <p:cNvSpPr>
+            <a:spLocks noGrp="1"/>
+          </p:cNvSpPr>
+          <p:nvPr>
+            <p:ph type="title"/>
+          </p:nvPr>
+        </p:nvSpPr>
+        <p:spPr>
+          <a:xfrm>
+            <a:off x="0" y="0"/>
+            <a:ext cx="12192000" cy="1325563"/>
+          </a:xfrm>
+        </p:spPr>
+        <p:txBody>
+          <a:bodyPr/>
           <a:lstStyle/>
           <a:p>
             <a:pPr algn="ctr"/>
             <a:r>
-              <a:rPr lang="ru-RU" sz="2800" dirty="0" smtClean="0"/>
-              <a:t>тут будет видео игры</a:t>
-            </a:r>
-            <a:endParaRPr lang="ru-RU" sz="2800" dirty="0"/>
-          </a:p>
-        </p:txBody>
-      </p:sp>
+              <a:rPr lang="ru-RU" sz="8000" b="1" dirty="0" smtClean="0">
+                <a:effectLst>
+                  <a:outerShdw blurRad="38100" dist="38100" dir="2700000" algn="tl">
+                    <a:srgbClr val="000000">
+                      <a:alpha val="43137"/>
+                    </a:srgbClr>
+                  </a:outerShdw>
+                </a:effectLst>
+              </a:rPr>
+              <a:t>Механики стрельбы</a:t>
+            </a:r>
+            <a:endParaRPr lang="ru-RU" sz="8000" b="1" dirty="0">
+              <a:effectLst>
+                <a:outerShdw blurRad="38100" dist="38100" dir="2700000" algn="tl">
+                  <a:srgbClr val="000000">
+                    <a:alpha val="43137"/>
+                  </a:srgbClr>
+                </a:outerShdw>
+              </a:effectLst>
+            </a:endParaRPr>
+          </a:p>
+        </p:txBody>
+      </p:sp>
+      <p:pic>
+        <p:nvPicPr>
+          <p:cNvPr id="5" name="Рисунок 4"/>
+          <p:cNvPicPr>
+            <a:picLocks noChangeAspect="1"/>
+          </p:cNvPicPr>
+          <p:nvPr/>
+        </p:nvPicPr>
+        <p:blipFill>
+          <a:blip r:embed="rId3">
+            <a:extLst>
+              <a:ext uri="{28A0092B-C50C-407E-A947-70E740481C1C}">
+                <a14:useLocalDpi xmlns:a14="http://schemas.microsoft.com/office/drawing/2010/main" val="0"/>
+              </a:ext>
+            </a:extLst>
+          </a:blip>
+          <a:stretch>
+            <a:fillRect/>
+          </a:stretch>
+        </p:blipFill>
+        <p:spPr>
+          <a:xfrm>
+            <a:off x="7734973" y="1566249"/>
+            <a:ext cx="3146147" cy="3278986"/>
+          </a:xfrm>
+          <a:prstGeom prst="rect">
+            <a:avLst/>
+          </a:prstGeom>
+          <a:ln>
+            <a:noFill/>
+          </a:ln>
+          <a:effectLst>
+            <a:outerShdw blurRad="292100" dist="139700" dir="2700000" algn="tl" rotWithShape="0">
+              <a:srgbClr val="333333">
+                <a:alpha val="65000"/>
+              </a:srgbClr>
+            </a:outerShdw>
+          </a:effectLst>
+        </p:spPr>
+      </p:pic>
+      <p:pic>
+        <p:nvPicPr>
+          <p:cNvPr id="4" name="Объект 3"/>
+          <p:cNvPicPr>
+            <a:picLocks noGrp="1" noChangeAspect="1"/>
+          </p:cNvPicPr>
+          <p:nvPr>
+            <p:ph idx="1"/>
+          </p:nvPr>
+        </p:nvPicPr>
+        <p:blipFill>
+          <a:blip r:embed="rId4">
+            <a:extLst>
+              <a:ext uri="{28A0092B-C50C-407E-A947-70E740481C1C}">
+                <a14:useLocalDpi xmlns:a14="http://schemas.microsoft.com/office/drawing/2010/main" val="0"/>
+              </a:ext>
+            </a:extLst>
+          </a:blip>
+          <a:stretch>
+            <a:fillRect/>
+          </a:stretch>
+        </p:blipFill>
+        <p:spPr>
+          <a:xfrm>
+            <a:off x="3897556" y="2965596"/>
+            <a:ext cx="3931271" cy="3185821"/>
+          </a:xfrm>
+          <a:prstGeom prst="rect">
+            <a:avLst/>
+          </a:prstGeom>
+          <a:ln>
+            <a:noFill/>
+          </a:ln>
+          <a:effectLst>
+            <a:outerShdw blurRad="292100" dist="139700" dir="2700000" algn="tl" rotWithShape="0">
+              <a:srgbClr val="333333">
+                <a:alpha val="65000"/>
+              </a:srgbClr>
+            </a:outerShdw>
+          </a:effectLst>
+        </p:spPr>
+      </p:pic>
     </p:spTree>
     <p:extLst>
       <p:ext uri="{BB962C8B-B14F-4D97-AF65-F5344CB8AC3E}">
-        <p14:creationId xmlns:p14="http://schemas.microsoft.com/office/powerpoint/2010/main" val="3092105942"/>
+        <p14:creationId xmlns:p14="http://schemas.microsoft.com/office/powerpoint/2010/main" val="704911689"/>
       </p:ext>
     </p:extLst>
   </p:cSld>

--- a/docs/presentation.pptx
+++ b/docs/presentation.pptx
@@ -1,35 +1,32 @@
 
 <file path=ppt/presentation.xml><?xml version="1.0" encoding="utf-8"?>
-<p:presentation xmlns:a="http://schemas.openxmlformats.org/drawingml/2006/main" xmlns:r="http://schemas.openxmlformats.org/officeDocument/2006/relationships" xmlns:p="http://schemas.openxmlformats.org/presentationml/2006/main" saveSubsetFonts="1">
+<p:presentation xmlns:a="http://schemas.openxmlformats.org/drawingml/2006/main" xmlns:r="http://schemas.openxmlformats.org/officeDocument/2006/relationships" xmlns:p="http://schemas.openxmlformats.org/presentationml/2006/main" xmlns:m="http://schemas.openxmlformats.org/officeDocument/2006/math" xmlns:w="http://schemas.openxmlformats.org/wordprocessingml/2006/main" saveSubsetFonts="1">
   <p:sldMasterIdLst>
-    <p:sldMasterId id="2147483998" r:id="rId1"/>
+    <p:sldMasterId id="2147483648" r:id="rId1"/>
   </p:sldMasterIdLst>
-  <p:notesMasterIdLst>
-    <p:notesMasterId r:id="rId15"/>
-  </p:notesMasterIdLst>
   <p:sldIdLst>
-    <p:sldId id="256" r:id="rId2"/>
-    <p:sldId id="257" r:id="rId3"/>
-    <p:sldId id="269" r:id="rId4"/>
-    <p:sldId id="259" r:id="rId5"/>
-    <p:sldId id="261" r:id="rId6"/>
-    <p:sldId id="262" r:id="rId7"/>
-    <p:sldId id="268" r:id="rId8"/>
-    <p:sldId id="264" r:id="rId9"/>
-    <p:sldId id="270" r:id="rId10"/>
-    <p:sldId id="263" r:id="rId11"/>
+    <p:sldId id="256" r:id="rId3"/>
+    <p:sldId id="257" r:id="rId4"/>
+    <p:sldId id="258" r:id="rId5"/>
+    <p:sldId id="259" r:id="rId6"/>
+    <p:sldId id="260" r:id="rId7"/>
+    <p:sldId id="261" r:id="rId8"/>
+    <p:sldId id="262" r:id="rId9"/>
+    <p:sldId id="263" r:id="rId10"/>
+    <p:sldId id="264" r:id="rId11"/>
     <p:sldId id="265" r:id="rId12"/>
     <p:sldId id="266" r:id="rId13"/>
     <p:sldId id="267" r:id="rId14"/>
+    <p:sldId id="268" r:id="rId15"/>
   </p:sldIdLst>
   <p:sldSz cx="12192000" cy="6858000"/>
-  <p:notesSz cx="6858000" cy="9144000"/>
+  <p:notesSz cx="12192000" cy="6858000"/>
   <p:defaultTextStyle>
     <a:defPPr>
       <a:defRPr lang="ru-RU"/>
     </a:defPPr>
-    <a:lvl1pPr marL="0" algn="l" defTabSz="914400" rtl="0" eaLnBrk="1" latinLnBrk="0" hangingPunct="1">
-      <a:defRPr sz="1800" kern="1200">
+    <a:lvl1pPr marL="0" algn="l" defTabSz="914400">
+      <a:defRPr sz="1800">
         <a:solidFill>
           <a:schemeClr val="tx1"/>
         </a:solidFill>
@@ -38,8 +35,8 @@
         <a:cs typeface="+mn-cs"/>
       </a:defRPr>
     </a:lvl1pPr>
-    <a:lvl2pPr marL="457200" algn="l" defTabSz="914400" rtl="0" eaLnBrk="1" latinLnBrk="0" hangingPunct="1">
-      <a:defRPr sz="1800" kern="1200">
+    <a:lvl2pPr marL="457200" algn="l" defTabSz="914400">
+      <a:defRPr sz="1800">
         <a:solidFill>
           <a:schemeClr val="tx1"/>
         </a:solidFill>
@@ -48,8 +45,8 @@
         <a:cs typeface="+mn-cs"/>
       </a:defRPr>
     </a:lvl2pPr>
-    <a:lvl3pPr marL="914400" algn="l" defTabSz="914400" rtl="0" eaLnBrk="1" latinLnBrk="0" hangingPunct="1">
-      <a:defRPr sz="1800" kern="1200">
+    <a:lvl3pPr marL="914400" algn="l" defTabSz="914400">
+      <a:defRPr sz="1800">
         <a:solidFill>
           <a:schemeClr val="tx1"/>
         </a:solidFill>
@@ -58,8 +55,8 @@
         <a:cs typeface="+mn-cs"/>
       </a:defRPr>
     </a:lvl3pPr>
-    <a:lvl4pPr marL="1371600" algn="l" defTabSz="914400" rtl="0" eaLnBrk="1" latinLnBrk="0" hangingPunct="1">
-      <a:defRPr sz="1800" kern="1200">
+    <a:lvl4pPr marL="1371600" algn="l" defTabSz="914400">
+      <a:defRPr sz="1800">
         <a:solidFill>
           <a:schemeClr val="tx1"/>
         </a:solidFill>
@@ -68,8 +65,8 @@
         <a:cs typeface="+mn-cs"/>
       </a:defRPr>
     </a:lvl4pPr>
-    <a:lvl5pPr marL="1828800" algn="l" defTabSz="914400" rtl="0" eaLnBrk="1" latinLnBrk="0" hangingPunct="1">
-      <a:defRPr sz="1800" kern="1200">
+    <a:lvl5pPr marL="1828800" algn="l" defTabSz="914400">
+      <a:defRPr sz="1800">
         <a:solidFill>
           <a:schemeClr val="tx1"/>
         </a:solidFill>
@@ -78,8 +75,8 @@
         <a:cs typeface="+mn-cs"/>
       </a:defRPr>
     </a:lvl5pPr>
-    <a:lvl6pPr marL="2286000" algn="l" defTabSz="914400" rtl="0" eaLnBrk="1" latinLnBrk="0" hangingPunct="1">
-      <a:defRPr sz="1800" kern="1200">
+    <a:lvl6pPr marL="2286000" algn="l" defTabSz="914400">
+      <a:defRPr sz="1800">
         <a:solidFill>
           <a:schemeClr val="tx1"/>
         </a:solidFill>
@@ -88,8 +85,8 @@
         <a:cs typeface="+mn-cs"/>
       </a:defRPr>
     </a:lvl6pPr>
-    <a:lvl7pPr marL="2743200" algn="l" defTabSz="914400" rtl="0" eaLnBrk="1" latinLnBrk="0" hangingPunct="1">
-      <a:defRPr sz="1800" kern="1200">
+    <a:lvl7pPr marL="2743200" algn="l" defTabSz="914400">
+      <a:defRPr sz="1800">
         <a:solidFill>
           <a:schemeClr val="tx1"/>
         </a:solidFill>
@@ -98,8 +95,8 @@
         <a:cs typeface="+mn-cs"/>
       </a:defRPr>
     </a:lvl7pPr>
-    <a:lvl8pPr marL="3200400" algn="l" defTabSz="914400" rtl="0" eaLnBrk="1" latinLnBrk="0" hangingPunct="1">
-      <a:defRPr sz="1800" kern="1200">
+    <a:lvl8pPr marL="3200400" algn="l" defTabSz="914400">
+      <a:defRPr sz="1800">
         <a:solidFill>
           <a:schemeClr val="tx1"/>
         </a:solidFill>
@@ -108,8 +105,8 @@
         <a:cs typeface="+mn-cs"/>
       </a:defRPr>
     </a:lvl8pPr>
-    <a:lvl9pPr marL="3657600" algn="l" defTabSz="914400" rtl="0" eaLnBrk="1" latinLnBrk="0" hangingPunct="1">
-      <a:defRPr sz="1800" kern="1200">
+    <a:lvl9pPr marL="3657600" algn="l" defTabSz="914400">
+      <a:defRPr sz="1800">
         <a:solidFill>
           <a:schemeClr val="tx1"/>
         </a:solidFill>
@@ -119,29 +116,19 @@
       </a:defRPr>
     </a:lvl9pPr>
   </p:defaultTextStyle>
-  <p:extLst>
-    <p:ext uri="{EFAFB233-063F-42B5-8137-9DF3F51BA10A}">
-      <p15:sldGuideLst xmlns:p15="http://schemas.microsoft.com/office/powerpoint/2012/main"/>
-    </p:ext>
-  </p:extLst>
 </p:presentation>
 </file>
 
-<file path=ppt/notesMasters/notesMaster1.xml><?xml version="1.0" encoding="utf-8"?>
-<p:notesMaster xmlns:a="http://schemas.openxmlformats.org/drawingml/2006/main" xmlns:r="http://schemas.openxmlformats.org/officeDocument/2006/relationships" xmlns:p="http://schemas.openxmlformats.org/presentationml/2006/main">
-  <p:cSld>
-    <p:bg>
-      <p:bgRef idx="1001">
-        <a:schemeClr val="bg1"/>
-      </p:bgRef>
-    </p:bg>
+<file path=ppt/slideLayouts/slideLayout1.xml><?xml version="1.0" encoding="utf-8"?>
+<p:sldLayout xmlns:a="http://schemas.openxmlformats.org/drawingml/2006/main" xmlns:r="http://schemas.openxmlformats.org/officeDocument/2006/relationships" xmlns:p="http://schemas.openxmlformats.org/presentationml/2006/main" xmlns:m="http://schemas.openxmlformats.org/officeDocument/2006/math" xmlns:w="http://schemas.openxmlformats.org/wordprocessingml/2006/main" matchingName="" preserve="1" showMasterPhAnim="0" type="title" userDrawn="1">
+  <p:cSld name="Титульный слайд">
     <p:spTree>
       <p:nvGrpSpPr>
         <p:cNvPr id="1" name=""/>
         <p:cNvGrpSpPr/>
         <p:nvPr/>
       </p:nvGrpSpPr>
-      <p:grpSpPr>
+      <p:grpSpPr bwMode="auto">
         <a:xfrm>
           <a:off x="0" y="0"/>
           <a:ext cx="0" cy="0"/>
@@ -151,351 +138,6 @@
       </p:grpSpPr>
       <p:sp>
         <p:nvSpPr>
-          <p:cNvPr id="2" name="Верхний колонтитул 1"/>
-          <p:cNvSpPr>
-            <a:spLocks noGrp="1"/>
-          </p:cNvSpPr>
-          <p:nvPr>
-            <p:ph type="hdr" sz="quarter"/>
-          </p:nvPr>
-        </p:nvSpPr>
-        <p:spPr>
-          <a:xfrm>
-            <a:off x="0" y="0"/>
-            <a:ext cx="2971800" cy="458788"/>
-          </a:xfrm>
-          <a:prstGeom prst="rect">
-            <a:avLst/>
-          </a:prstGeom>
-        </p:spPr>
-        <p:txBody>
-          <a:bodyPr vert="horz" lIns="91440" tIns="45720" rIns="91440" bIns="45720" rtlCol="0"/>
-          <a:lstStyle>
-            <a:lvl1pPr algn="l">
-              <a:defRPr sz="1200"/>
-            </a:lvl1pPr>
-          </a:lstStyle>
-          <a:p>
-            <a:endParaRPr lang="ru-RU"/>
-          </a:p>
-        </p:txBody>
-      </p:sp>
-      <p:sp>
-        <p:nvSpPr>
-          <p:cNvPr id="3" name="Дата 2"/>
-          <p:cNvSpPr>
-            <a:spLocks noGrp="1"/>
-          </p:cNvSpPr>
-          <p:nvPr>
-            <p:ph type="dt" idx="1"/>
-          </p:nvPr>
-        </p:nvSpPr>
-        <p:spPr>
-          <a:xfrm>
-            <a:off x="3884613" y="0"/>
-            <a:ext cx="2971800" cy="458788"/>
-          </a:xfrm>
-          <a:prstGeom prst="rect">
-            <a:avLst/>
-          </a:prstGeom>
-        </p:spPr>
-        <p:txBody>
-          <a:bodyPr vert="horz" lIns="91440" tIns="45720" rIns="91440" bIns="45720" rtlCol="0"/>
-          <a:lstStyle>
-            <a:lvl1pPr algn="r">
-              <a:defRPr sz="1200"/>
-            </a:lvl1pPr>
-          </a:lstStyle>
-          <a:p>
-            <a:fld id="{4C0AFF91-DC91-4E71-806A-79AB4B178085}" type="datetimeFigureOut">
-              <a:rPr lang="ru-RU" smtClean="0"/>
-              <a:t>21.02.2024</a:t>
-            </a:fld>
-            <a:endParaRPr lang="ru-RU"/>
-          </a:p>
-        </p:txBody>
-      </p:sp>
-      <p:sp>
-        <p:nvSpPr>
-          <p:cNvPr id="4" name="Образ слайда 3"/>
-          <p:cNvSpPr>
-            <a:spLocks noGrp="1" noRot="1" noChangeAspect="1"/>
-          </p:cNvSpPr>
-          <p:nvPr>
-            <p:ph type="sldImg" idx="2"/>
-          </p:nvPr>
-        </p:nvSpPr>
-        <p:spPr>
-          <a:xfrm>
-            <a:off x="685800" y="1143000"/>
-            <a:ext cx="5486400" cy="3086100"/>
-          </a:xfrm>
-          <a:prstGeom prst="rect">
-            <a:avLst/>
-          </a:prstGeom>
-          <a:noFill/>
-          <a:ln w="12700">
-            <a:solidFill>
-              <a:prstClr val="black"/>
-            </a:solidFill>
-          </a:ln>
-        </p:spPr>
-        <p:txBody>
-          <a:bodyPr vert="horz" lIns="91440" tIns="45720" rIns="91440" bIns="45720" rtlCol="0" anchor="ctr"/>
-          <a:lstStyle/>
-          <a:p>
-            <a:endParaRPr lang="ru-RU"/>
-          </a:p>
-        </p:txBody>
-      </p:sp>
-      <p:sp>
-        <p:nvSpPr>
-          <p:cNvPr id="5" name="Заметки 4"/>
-          <p:cNvSpPr>
-            <a:spLocks noGrp="1"/>
-          </p:cNvSpPr>
-          <p:nvPr>
-            <p:ph type="body" sz="quarter" idx="3"/>
-          </p:nvPr>
-        </p:nvSpPr>
-        <p:spPr>
-          <a:xfrm>
-            <a:off x="685800" y="4400550"/>
-            <a:ext cx="5486400" cy="3600450"/>
-          </a:xfrm>
-          <a:prstGeom prst="rect">
-            <a:avLst/>
-          </a:prstGeom>
-        </p:spPr>
-        <p:txBody>
-          <a:bodyPr vert="horz" lIns="91440" tIns="45720" rIns="91440" bIns="45720" rtlCol="0"/>
-          <a:lstStyle/>
-          <a:p>
-            <a:pPr lvl="0"/>
-            <a:r>
-              <a:rPr lang="ru-RU" smtClean="0"/>
-              <a:t>Образец текста</a:t>
-            </a:r>
-          </a:p>
-          <a:p>
-            <a:pPr lvl="1"/>
-            <a:r>
-              <a:rPr lang="ru-RU" smtClean="0"/>
-              <a:t>Второй уровень</a:t>
-            </a:r>
-          </a:p>
-          <a:p>
-            <a:pPr lvl="2"/>
-            <a:r>
-              <a:rPr lang="ru-RU" smtClean="0"/>
-              <a:t>Третий уровень</a:t>
-            </a:r>
-          </a:p>
-          <a:p>
-            <a:pPr lvl="3"/>
-            <a:r>
-              <a:rPr lang="ru-RU" smtClean="0"/>
-              <a:t>Четвертый уровень</a:t>
-            </a:r>
-          </a:p>
-          <a:p>
-            <a:pPr lvl="4"/>
-            <a:r>
-              <a:rPr lang="ru-RU" smtClean="0"/>
-              <a:t>Пятый уровень</a:t>
-            </a:r>
-            <a:endParaRPr lang="ru-RU"/>
-          </a:p>
-        </p:txBody>
-      </p:sp>
-      <p:sp>
-        <p:nvSpPr>
-          <p:cNvPr id="6" name="Нижний колонтитул 5"/>
-          <p:cNvSpPr>
-            <a:spLocks noGrp="1"/>
-          </p:cNvSpPr>
-          <p:nvPr>
-            <p:ph type="ftr" sz="quarter" idx="4"/>
-          </p:nvPr>
-        </p:nvSpPr>
-        <p:spPr>
-          <a:xfrm>
-            <a:off x="0" y="8685213"/>
-            <a:ext cx="2971800" cy="458787"/>
-          </a:xfrm>
-          <a:prstGeom prst="rect">
-            <a:avLst/>
-          </a:prstGeom>
-        </p:spPr>
-        <p:txBody>
-          <a:bodyPr vert="horz" lIns="91440" tIns="45720" rIns="91440" bIns="45720" rtlCol="0" anchor="b"/>
-          <a:lstStyle>
-            <a:lvl1pPr algn="l">
-              <a:defRPr sz="1200"/>
-            </a:lvl1pPr>
-          </a:lstStyle>
-          <a:p>
-            <a:endParaRPr lang="ru-RU"/>
-          </a:p>
-        </p:txBody>
-      </p:sp>
-      <p:sp>
-        <p:nvSpPr>
-          <p:cNvPr id="7" name="Номер слайда 6"/>
-          <p:cNvSpPr>
-            <a:spLocks noGrp="1"/>
-          </p:cNvSpPr>
-          <p:nvPr>
-            <p:ph type="sldNum" sz="quarter" idx="5"/>
-          </p:nvPr>
-        </p:nvSpPr>
-        <p:spPr>
-          <a:xfrm>
-            <a:off x="3884613" y="8685213"/>
-            <a:ext cx="2971800" cy="458787"/>
-          </a:xfrm>
-          <a:prstGeom prst="rect">
-            <a:avLst/>
-          </a:prstGeom>
-        </p:spPr>
-        <p:txBody>
-          <a:bodyPr vert="horz" lIns="91440" tIns="45720" rIns="91440" bIns="45720" rtlCol="0" anchor="b"/>
-          <a:lstStyle>
-            <a:lvl1pPr algn="r">
-              <a:defRPr sz="1200"/>
-            </a:lvl1pPr>
-          </a:lstStyle>
-          <a:p>
-            <a:fld id="{183491E7-02BC-4D39-A4BC-B1D00A8104C0}" type="slidenum">
-              <a:rPr lang="ru-RU" smtClean="0"/>
-              <a:t>‹#›</a:t>
-            </a:fld>
-            <a:endParaRPr lang="ru-RU"/>
-          </a:p>
-        </p:txBody>
-      </p:sp>
-    </p:spTree>
-    <p:extLst>
-      <p:ext uri="{BB962C8B-B14F-4D97-AF65-F5344CB8AC3E}">
-        <p14:creationId xmlns:p14="http://schemas.microsoft.com/office/powerpoint/2010/main" val="608048258"/>
-      </p:ext>
-    </p:extLst>
-  </p:cSld>
-  <p:clrMap bg1="lt1" tx1="dk1" bg2="lt2" tx2="dk2" accent1="accent1" accent2="accent2" accent3="accent3" accent4="accent4" accent5="accent5" accent6="accent6" hlink="hlink" folHlink="folHlink"/>
-  <p:notesStyle>
-    <a:lvl1pPr marL="0" algn="l" defTabSz="914400" rtl="0" eaLnBrk="1" latinLnBrk="0" hangingPunct="1">
-      <a:defRPr sz="1200" kern="1200">
-        <a:solidFill>
-          <a:schemeClr val="tx1"/>
-        </a:solidFill>
-        <a:latin typeface="+mn-lt"/>
-        <a:ea typeface="+mn-ea"/>
-        <a:cs typeface="+mn-cs"/>
-      </a:defRPr>
-    </a:lvl1pPr>
-    <a:lvl2pPr marL="457200" algn="l" defTabSz="914400" rtl="0" eaLnBrk="1" latinLnBrk="0" hangingPunct="1">
-      <a:defRPr sz="1200" kern="1200">
-        <a:solidFill>
-          <a:schemeClr val="tx1"/>
-        </a:solidFill>
-        <a:latin typeface="+mn-lt"/>
-        <a:ea typeface="+mn-ea"/>
-        <a:cs typeface="+mn-cs"/>
-      </a:defRPr>
-    </a:lvl2pPr>
-    <a:lvl3pPr marL="914400" algn="l" defTabSz="914400" rtl="0" eaLnBrk="1" latinLnBrk="0" hangingPunct="1">
-      <a:defRPr sz="1200" kern="1200">
-        <a:solidFill>
-          <a:schemeClr val="tx1"/>
-        </a:solidFill>
-        <a:latin typeface="+mn-lt"/>
-        <a:ea typeface="+mn-ea"/>
-        <a:cs typeface="+mn-cs"/>
-      </a:defRPr>
-    </a:lvl3pPr>
-    <a:lvl4pPr marL="1371600" algn="l" defTabSz="914400" rtl="0" eaLnBrk="1" latinLnBrk="0" hangingPunct="1">
-      <a:defRPr sz="1200" kern="1200">
-        <a:solidFill>
-          <a:schemeClr val="tx1"/>
-        </a:solidFill>
-        <a:latin typeface="+mn-lt"/>
-        <a:ea typeface="+mn-ea"/>
-        <a:cs typeface="+mn-cs"/>
-      </a:defRPr>
-    </a:lvl4pPr>
-    <a:lvl5pPr marL="1828800" algn="l" defTabSz="914400" rtl="0" eaLnBrk="1" latinLnBrk="0" hangingPunct="1">
-      <a:defRPr sz="1200" kern="1200">
-        <a:solidFill>
-          <a:schemeClr val="tx1"/>
-        </a:solidFill>
-        <a:latin typeface="+mn-lt"/>
-        <a:ea typeface="+mn-ea"/>
-        <a:cs typeface="+mn-cs"/>
-      </a:defRPr>
-    </a:lvl5pPr>
-    <a:lvl6pPr marL="2286000" algn="l" defTabSz="914400" rtl="0" eaLnBrk="1" latinLnBrk="0" hangingPunct="1">
-      <a:defRPr sz="1200" kern="1200">
-        <a:solidFill>
-          <a:schemeClr val="tx1"/>
-        </a:solidFill>
-        <a:latin typeface="+mn-lt"/>
-        <a:ea typeface="+mn-ea"/>
-        <a:cs typeface="+mn-cs"/>
-      </a:defRPr>
-    </a:lvl6pPr>
-    <a:lvl7pPr marL="2743200" algn="l" defTabSz="914400" rtl="0" eaLnBrk="1" latinLnBrk="0" hangingPunct="1">
-      <a:defRPr sz="1200" kern="1200">
-        <a:solidFill>
-          <a:schemeClr val="tx1"/>
-        </a:solidFill>
-        <a:latin typeface="+mn-lt"/>
-        <a:ea typeface="+mn-ea"/>
-        <a:cs typeface="+mn-cs"/>
-      </a:defRPr>
-    </a:lvl7pPr>
-    <a:lvl8pPr marL="3200400" algn="l" defTabSz="914400" rtl="0" eaLnBrk="1" latinLnBrk="0" hangingPunct="1">
-      <a:defRPr sz="1200" kern="1200">
-        <a:solidFill>
-          <a:schemeClr val="tx1"/>
-        </a:solidFill>
-        <a:latin typeface="+mn-lt"/>
-        <a:ea typeface="+mn-ea"/>
-        <a:cs typeface="+mn-cs"/>
-      </a:defRPr>
-    </a:lvl8pPr>
-    <a:lvl9pPr marL="3657600" algn="l" defTabSz="914400" rtl="0" eaLnBrk="1" latinLnBrk="0" hangingPunct="1">
-      <a:defRPr sz="1200" kern="1200">
-        <a:solidFill>
-          <a:schemeClr val="tx1"/>
-        </a:solidFill>
-        <a:latin typeface="+mn-lt"/>
-        <a:ea typeface="+mn-ea"/>
-        <a:cs typeface="+mn-cs"/>
-      </a:defRPr>
-    </a:lvl9pPr>
-  </p:notesStyle>
-</p:notesMaster>
-</file>
-
-<file path=ppt/slideLayouts/slideLayout1.xml><?xml version="1.0" encoding="utf-8"?>
-<p:sldLayout xmlns:a="http://schemas.openxmlformats.org/drawingml/2006/main" xmlns:r="http://schemas.openxmlformats.org/officeDocument/2006/relationships" xmlns:p="http://schemas.openxmlformats.org/presentationml/2006/main" type="title" preserve="1">
-  <p:cSld name="Титульный слайд">
-    <p:spTree>
-      <p:nvGrpSpPr>
-        <p:cNvPr id="1" name=""/>
-        <p:cNvGrpSpPr/>
-        <p:nvPr/>
-      </p:nvGrpSpPr>
-      <p:grpSpPr>
-        <a:xfrm>
-          <a:off x="0" y="0"/>
-          <a:ext cx="0" cy="0"/>
-          <a:chOff x="0" y="0"/>
-          <a:chExt cx="0" cy="0"/>
-        </a:xfrm>
-      </p:grpSpPr>
-      <p:sp>
-        <p:nvSpPr>
           <p:cNvPr id="2" name="Заголовок 1"/>
           <p:cNvSpPr>
             <a:spLocks noGrp="1"/>
@@ -504,7 +146,7 @@
             <p:ph type="ctrTitle"/>
           </p:nvPr>
         </p:nvSpPr>
-        <p:spPr>
+        <p:spPr bwMode="auto">
           <a:xfrm>
             <a:off x="1524000" y="1122363"/>
             <a:ext cx="9144000" cy="2387600"/>
@@ -518,8 +160,11 @@
             </a:lvl1pPr>
           </a:lstStyle>
           <a:p>
-            <a:r>
-              <a:rPr lang="ru-RU" smtClean="0"/>
+            <a:pPr>
+              <a:defRPr/>
+            </a:pPr>
+            <a:r>
+              <a:rPr lang="ru-RU"/>
               <a:t>Образец заголовка</a:t>
             </a:r>
             <a:endParaRPr lang="ru-RU"/>
@@ -536,7 +181,7 @@
             <p:ph type="subTitle" idx="1"/>
           </p:nvPr>
         </p:nvSpPr>
-        <p:spPr>
+        <p:spPr bwMode="auto">
           <a:xfrm>
             <a:off x="1524000" y="3602038"/>
             <a:ext cx="9144000" cy="1655762"/>
@@ -583,8 +228,11 @@
             </a:lvl9pPr>
           </a:lstStyle>
           <a:p>
-            <a:r>
-              <a:rPr lang="ru-RU" smtClean="0"/>
+            <a:pPr>
+              <a:defRPr/>
+            </a:pPr>
+            <a:r>
+              <a:rPr lang="ru-RU"/>
               <a:t>Образец подзаголовка</a:t>
             </a:r>
             <a:endParaRPr lang="ru-RU"/>
@@ -601,14 +249,17 @@
             <p:ph type="dt" sz="half" idx="10"/>
           </p:nvPr>
         </p:nvSpPr>
-        <p:spPr/>
+        <p:spPr bwMode="auto"/>
         <p:txBody>
           <a:bodyPr/>
           <a:lstStyle/>
           <a:p>
+            <a:pPr>
+              <a:defRPr/>
+            </a:pPr>
             <a:fld id="{0FA2E1C2-6611-4A69-9E2B-D7A7241FA37C}" type="datetimeFigureOut">
-              <a:rPr lang="ru-RU" smtClean="0"/>
-              <a:t>21.02.2024</a:t>
+              <a:rPr lang="ru-RU"/>
+              <a:t/>
             </a:fld>
             <a:endParaRPr lang="ru-RU"/>
           </a:p>
@@ -624,11 +275,14 @@
             <p:ph type="ftr" sz="quarter" idx="11"/>
           </p:nvPr>
         </p:nvSpPr>
-        <p:spPr/>
+        <p:spPr bwMode="auto"/>
         <p:txBody>
           <a:bodyPr/>
           <a:lstStyle/>
           <a:p>
+            <a:pPr>
+              <a:defRPr/>
+            </a:pPr>
             <a:endParaRPr lang="ru-RU"/>
           </a:p>
         </p:txBody>
@@ -643,25 +297,23 @@
             <p:ph type="sldNum" sz="quarter" idx="12"/>
           </p:nvPr>
         </p:nvSpPr>
-        <p:spPr/>
+        <p:spPr bwMode="auto"/>
         <p:txBody>
           <a:bodyPr/>
           <a:lstStyle/>
           <a:p>
+            <a:pPr>
+              <a:defRPr/>
+            </a:pPr>
             <a:fld id="{A609E921-FB5E-4B20-AF46-BD0602B07DE1}" type="slidenum">
-              <a:rPr lang="ru-RU" smtClean="0"/>
-              <a:t>‹#›</a:t>
+              <a:rPr lang="ru-RU"/>
+              <a:t/>
             </a:fld>
             <a:endParaRPr lang="ru-RU"/>
           </a:p>
         </p:txBody>
       </p:sp>
     </p:spTree>
-    <p:extLst>
-      <p:ext uri="{BB962C8B-B14F-4D97-AF65-F5344CB8AC3E}">
-        <p14:creationId xmlns:p14="http://schemas.microsoft.com/office/powerpoint/2010/main" val="129676899"/>
-      </p:ext>
-    </p:extLst>
   </p:cSld>
   <p:clrMapOvr>
     <a:masterClrMapping/>
@@ -670,7 +322,7 @@
 </file>
 
 <file path=ppt/slideLayouts/slideLayout10.xml><?xml version="1.0" encoding="utf-8"?>
-<p:sldLayout xmlns:a="http://schemas.openxmlformats.org/drawingml/2006/main" xmlns:r="http://schemas.openxmlformats.org/officeDocument/2006/relationships" xmlns:p="http://schemas.openxmlformats.org/presentationml/2006/main" type="vertTx" preserve="1">
+<p:sldLayout xmlns:a="http://schemas.openxmlformats.org/drawingml/2006/main" xmlns:r="http://schemas.openxmlformats.org/officeDocument/2006/relationships" xmlns:p="http://schemas.openxmlformats.org/presentationml/2006/main" xmlns:m="http://schemas.openxmlformats.org/officeDocument/2006/math" xmlns:w="http://schemas.openxmlformats.org/wordprocessingml/2006/main" matchingName="" preserve="1" showMasterPhAnim="0" type="vertTx" userDrawn="1">
   <p:cSld name="Заголовок и вертикальный текст">
     <p:spTree>
       <p:nvGrpSpPr>
@@ -678,7 +330,7 @@
         <p:cNvGrpSpPr/>
         <p:nvPr/>
       </p:nvGrpSpPr>
-      <p:grpSpPr>
+      <p:grpSpPr bwMode="auto">
         <a:xfrm>
           <a:off x="0" y="0"/>
           <a:ext cx="0" cy="0"/>
@@ -696,13 +348,16 @@
             <p:ph type="title"/>
           </p:nvPr>
         </p:nvSpPr>
-        <p:spPr/>
+        <p:spPr bwMode="auto"/>
         <p:txBody>
           <a:bodyPr/>
           <a:lstStyle/>
           <a:p>
-            <a:r>
-              <a:rPr lang="ru-RU" smtClean="0"/>
+            <a:pPr>
+              <a:defRPr/>
+            </a:pPr>
+            <a:r>
+              <a:rPr lang="ru-RU"/>
               <a:t>Образец заголовка</a:t>
             </a:r>
             <a:endParaRPr lang="ru-RU"/>
@@ -719,42 +374,56 @@
             <p:ph type="body" orient="vert" idx="1"/>
           </p:nvPr>
         </p:nvSpPr>
-        <p:spPr/>
+        <p:spPr bwMode="auto"/>
         <p:txBody>
           <a:bodyPr vert="eaVert"/>
           <a:lstStyle/>
           <a:p>
-            <a:pPr lvl="0"/>
-            <a:r>
-              <a:rPr lang="ru-RU" smtClean="0"/>
+            <a:pPr lvl="0">
+              <a:defRPr/>
+            </a:pPr>
+            <a:r>
+              <a:rPr lang="ru-RU"/>
               <a:t>Образец текста</a:t>
             </a:r>
-          </a:p>
-          <a:p>
-            <a:pPr lvl="1"/>
-            <a:r>
-              <a:rPr lang="ru-RU" smtClean="0"/>
+            <a:endParaRPr/>
+          </a:p>
+          <a:p>
+            <a:pPr lvl="1">
+              <a:defRPr/>
+            </a:pPr>
+            <a:r>
+              <a:rPr lang="ru-RU"/>
               <a:t>Второй уровень</a:t>
             </a:r>
-          </a:p>
-          <a:p>
-            <a:pPr lvl="2"/>
-            <a:r>
-              <a:rPr lang="ru-RU" smtClean="0"/>
+            <a:endParaRPr/>
+          </a:p>
+          <a:p>
+            <a:pPr lvl="2">
+              <a:defRPr/>
+            </a:pPr>
+            <a:r>
+              <a:rPr lang="ru-RU"/>
               <a:t>Третий уровень</a:t>
             </a:r>
-          </a:p>
-          <a:p>
-            <a:pPr lvl="3"/>
-            <a:r>
-              <a:rPr lang="ru-RU" smtClean="0"/>
+            <a:endParaRPr/>
+          </a:p>
+          <a:p>
+            <a:pPr lvl="3">
+              <a:defRPr/>
+            </a:pPr>
+            <a:r>
+              <a:rPr lang="ru-RU"/>
               <a:t>Четвертый уровень</a:t>
             </a:r>
-          </a:p>
-          <a:p>
-            <a:pPr lvl="4"/>
-            <a:r>
-              <a:rPr lang="ru-RU" smtClean="0"/>
+            <a:endParaRPr/>
+          </a:p>
+          <a:p>
+            <a:pPr lvl="4">
+              <a:defRPr/>
+            </a:pPr>
+            <a:r>
+              <a:rPr lang="ru-RU"/>
               <a:t>Пятый уровень</a:t>
             </a:r>
             <a:endParaRPr lang="ru-RU"/>
@@ -771,14 +440,17 @@
             <p:ph type="dt" sz="half" idx="10"/>
           </p:nvPr>
         </p:nvSpPr>
-        <p:spPr/>
+        <p:spPr bwMode="auto"/>
         <p:txBody>
           <a:bodyPr/>
           <a:lstStyle/>
           <a:p>
+            <a:pPr>
+              <a:defRPr/>
+            </a:pPr>
             <a:fld id="{0FA2E1C2-6611-4A69-9E2B-D7A7241FA37C}" type="datetimeFigureOut">
-              <a:rPr lang="ru-RU" smtClean="0"/>
-              <a:t>21.02.2024</a:t>
+              <a:rPr lang="ru-RU"/>
+              <a:t/>
             </a:fld>
             <a:endParaRPr lang="ru-RU"/>
           </a:p>
@@ -794,11 +466,14 @@
             <p:ph type="ftr" sz="quarter" idx="11"/>
           </p:nvPr>
         </p:nvSpPr>
-        <p:spPr/>
+        <p:spPr bwMode="auto"/>
         <p:txBody>
           <a:bodyPr/>
           <a:lstStyle/>
           <a:p>
+            <a:pPr>
+              <a:defRPr/>
+            </a:pPr>
             <a:endParaRPr lang="ru-RU"/>
           </a:p>
         </p:txBody>
@@ -813,25 +488,23 @@
             <p:ph type="sldNum" sz="quarter" idx="12"/>
           </p:nvPr>
         </p:nvSpPr>
-        <p:spPr/>
+        <p:spPr bwMode="auto"/>
         <p:txBody>
           <a:bodyPr/>
           <a:lstStyle/>
           <a:p>
+            <a:pPr>
+              <a:defRPr/>
+            </a:pPr>
             <a:fld id="{A609E921-FB5E-4B20-AF46-BD0602B07DE1}" type="slidenum">
-              <a:rPr lang="ru-RU" smtClean="0"/>
-              <a:t>‹#›</a:t>
+              <a:rPr lang="ru-RU"/>
+              <a:t/>
             </a:fld>
             <a:endParaRPr lang="ru-RU"/>
           </a:p>
         </p:txBody>
       </p:sp>
     </p:spTree>
-    <p:extLst>
-      <p:ext uri="{BB962C8B-B14F-4D97-AF65-F5344CB8AC3E}">
-        <p14:creationId xmlns:p14="http://schemas.microsoft.com/office/powerpoint/2010/main" val="832227863"/>
-      </p:ext>
-    </p:extLst>
   </p:cSld>
   <p:clrMapOvr>
     <a:masterClrMapping/>
@@ -840,7 +513,7 @@
 </file>
 
 <file path=ppt/slideLayouts/slideLayout11.xml><?xml version="1.0" encoding="utf-8"?>
-<p:sldLayout xmlns:a="http://schemas.openxmlformats.org/drawingml/2006/main" xmlns:r="http://schemas.openxmlformats.org/officeDocument/2006/relationships" xmlns:p="http://schemas.openxmlformats.org/presentationml/2006/main" type="vertTitleAndTx" preserve="1">
+<p:sldLayout xmlns:a="http://schemas.openxmlformats.org/drawingml/2006/main" xmlns:r="http://schemas.openxmlformats.org/officeDocument/2006/relationships" xmlns:p="http://schemas.openxmlformats.org/presentationml/2006/main" xmlns:m="http://schemas.openxmlformats.org/officeDocument/2006/math" xmlns:w="http://schemas.openxmlformats.org/wordprocessingml/2006/main" matchingName="" preserve="1" showMasterPhAnim="0" type="vertTitleAndTx" userDrawn="1">
   <p:cSld name="Вертикальный заголовок и текст">
     <p:spTree>
       <p:nvGrpSpPr>
@@ -848,7 +521,7 @@
         <p:cNvGrpSpPr/>
         <p:nvPr/>
       </p:nvGrpSpPr>
-      <p:grpSpPr>
+      <p:grpSpPr bwMode="auto">
         <a:xfrm>
           <a:off x="0" y="0"/>
           <a:ext cx="0" cy="0"/>
@@ -866,7 +539,7 @@
             <p:ph type="title" orient="vert"/>
           </p:nvPr>
         </p:nvSpPr>
-        <p:spPr>
+        <p:spPr bwMode="auto">
           <a:xfrm>
             <a:off x="8724900" y="365125"/>
             <a:ext cx="2628900" cy="5811838"/>
@@ -876,8 +549,11 @@
           <a:bodyPr vert="eaVert"/>
           <a:lstStyle/>
           <a:p>
-            <a:r>
-              <a:rPr lang="ru-RU" smtClean="0"/>
+            <a:pPr>
+              <a:defRPr/>
+            </a:pPr>
+            <a:r>
+              <a:rPr lang="ru-RU"/>
               <a:t>Образец заголовка</a:t>
             </a:r>
             <a:endParaRPr lang="ru-RU"/>
@@ -894,7 +570,7 @@
             <p:ph type="body" orient="vert" idx="1"/>
           </p:nvPr>
         </p:nvSpPr>
-        <p:spPr>
+        <p:spPr bwMode="auto">
           <a:xfrm>
             <a:off x="838200" y="365125"/>
             <a:ext cx="7734300" cy="5811838"/>
@@ -904,37 +580,51 @@
           <a:bodyPr vert="eaVert"/>
           <a:lstStyle/>
           <a:p>
-            <a:pPr lvl="0"/>
-            <a:r>
-              <a:rPr lang="ru-RU" smtClean="0"/>
+            <a:pPr lvl="0">
+              <a:defRPr/>
+            </a:pPr>
+            <a:r>
+              <a:rPr lang="ru-RU"/>
               <a:t>Образец текста</a:t>
             </a:r>
-          </a:p>
-          <a:p>
-            <a:pPr lvl="1"/>
-            <a:r>
-              <a:rPr lang="ru-RU" smtClean="0"/>
+            <a:endParaRPr/>
+          </a:p>
+          <a:p>
+            <a:pPr lvl="1">
+              <a:defRPr/>
+            </a:pPr>
+            <a:r>
+              <a:rPr lang="ru-RU"/>
               <a:t>Второй уровень</a:t>
             </a:r>
-          </a:p>
-          <a:p>
-            <a:pPr lvl="2"/>
-            <a:r>
-              <a:rPr lang="ru-RU" smtClean="0"/>
+            <a:endParaRPr/>
+          </a:p>
+          <a:p>
+            <a:pPr lvl="2">
+              <a:defRPr/>
+            </a:pPr>
+            <a:r>
+              <a:rPr lang="ru-RU"/>
               <a:t>Третий уровень</a:t>
             </a:r>
-          </a:p>
-          <a:p>
-            <a:pPr lvl="3"/>
-            <a:r>
-              <a:rPr lang="ru-RU" smtClean="0"/>
+            <a:endParaRPr/>
+          </a:p>
+          <a:p>
+            <a:pPr lvl="3">
+              <a:defRPr/>
+            </a:pPr>
+            <a:r>
+              <a:rPr lang="ru-RU"/>
               <a:t>Четвертый уровень</a:t>
             </a:r>
-          </a:p>
-          <a:p>
-            <a:pPr lvl="4"/>
-            <a:r>
-              <a:rPr lang="ru-RU" smtClean="0"/>
+            <a:endParaRPr/>
+          </a:p>
+          <a:p>
+            <a:pPr lvl="4">
+              <a:defRPr/>
+            </a:pPr>
+            <a:r>
+              <a:rPr lang="ru-RU"/>
               <a:t>Пятый уровень</a:t>
             </a:r>
             <a:endParaRPr lang="ru-RU"/>
@@ -951,14 +641,17 @@
             <p:ph type="dt" sz="half" idx="10"/>
           </p:nvPr>
         </p:nvSpPr>
-        <p:spPr/>
+        <p:spPr bwMode="auto"/>
         <p:txBody>
           <a:bodyPr/>
           <a:lstStyle/>
           <a:p>
+            <a:pPr>
+              <a:defRPr/>
+            </a:pPr>
             <a:fld id="{0FA2E1C2-6611-4A69-9E2B-D7A7241FA37C}" type="datetimeFigureOut">
-              <a:rPr lang="ru-RU" smtClean="0"/>
-              <a:t>21.02.2024</a:t>
+              <a:rPr lang="ru-RU"/>
+              <a:t/>
             </a:fld>
             <a:endParaRPr lang="ru-RU"/>
           </a:p>
@@ -974,11 +667,14 @@
             <p:ph type="ftr" sz="quarter" idx="11"/>
           </p:nvPr>
         </p:nvSpPr>
-        <p:spPr/>
+        <p:spPr bwMode="auto"/>
         <p:txBody>
           <a:bodyPr/>
           <a:lstStyle/>
           <a:p>
+            <a:pPr>
+              <a:defRPr/>
+            </a:pPr>
             <a:endParaRPr lang="ru-RU"/>
           </a:p>
         </p:txBody>
@@ -993,25 +689,23 @@
             <p:ph type="sldNum" sz="quarter" idx="12"/>
           </p:nvPr>
         </p:nvSpPr>
-        <p:spPr/>
+        <p:spPr bwMode="auto"/>
         <p:txBody>
           <a:bodyPr/>
           <a:lstStyle/>
           <a:p>
+            <a:pPr>
+              <a:defRPr/>
+            </a:pPr>
             <a:fld id="{A609E921-FB5E-4B20-AF46-BD0602B07DE1}" type="slidenum">
-              <a:rPr lang="ru-RU" smtClean="0"/>
-              <a:t>‹#›</a:t>
+              <a:rPr lang="ru-RU"/>
+              <a:t/>
             </a:fld>
             <a:endParaRPr lang="ru-RU"/>
           </a:p>
         </p:txBody>
       </p:sp>
     </p:spTree>
-    <p:extLst>
-      <p:ext uri="{BB962C8B-B14F-4D97-AF65-F5344CB8AC3E}">
-        <p14:creationId xmlns:p14="http://schemas.microsoft.com/office/powerpoint/2010/main" val="3445075405"/>
-      </p:ext>
-    </p:extLst>
   </p:cSld>
   <p:clrMapOvr>
     <a:masterClrMapping/>
@@ -1020,7 +714,7 @@
 </file>
 
 <file path=ppt/slideLayouts/slideLayout2.xml><?xml version="1.0" encoding="utf-8"?>
-<p:sldLayout xmlns:a="http://schemas.openxmlformats.org/drawingml/2006/main" xmlns:r="http://schemas.openxmlformats.org/officeDocument/2006/relationships" xmlns:p="http://schemas.openxmlformats.org/presentationml/2006/main" type="obj" preserve="1">
+<p:sldLayout xmlns:a="http://schemas.openxmlformats.org/drawingml/2006/main" xmlns:r="http://schemas.openxmlformats.org/officeDocument/2006/relationships" xmlns:p="http://schemas.openxmlformats.org/presentationml/2006/main" xmlns:m="http://schemas.openxmlformats.org/officeDocument/2006/math" xmlns:w="http://schemas.openxmlformats.org/wordprocessingml/2006/main" matchingName="" preserve="1" showMasterPhAnim="0" type="obj" userDrawn="1">
   <p:cSld name="Заголовок и объект">
     <p:spTree>
       <p:nvGrpSpPr>
@@ -1028,7 +722,7 @@
         <p:cNvGrpSpPr/>
         <p:nvPr/>
       </p:nvGrpSpPr>
-      <p:grpSpPr>
+      <p:grpSpPr bwMode="auto">
         <a:xfrm>
           <a:off x="0" y="0"/>
           <a:ext cx="0" cy="0"/>
@@ -1046,13 +740,16 @@
             <p:ph type="title"/>
           </p:nvPr>
         </p:nvSpPr>
-        <p:spPr/>
+        <p:spPr bwMode="auto"/>
         <p:txBody>
           <a:bodyPr/>
           <a:lstStyle/>
           <a:p>
-            <a:r>
-              <a:rPr lang="ru-RU" smtClean="0"/>
+            <a:pPr>
+              <a:defRPr/>
+            </a:pPr>
+            <a:r>
+              <a:rPr lang="ru-RU"/>
               <a:t>Образец заголовка</a:t>
             </a:r>
             <a:endParaRPr lang="ru-RU"/>
@@ -1069,42 +766,56 @@
             <p:ph idx="1"/>
           </p:nvPr>
         </p:nvSpPr>
-        <p:spPr/>
+        <p:spPr bwMode="auto"/>
         <p:txBody>
           <a:bodyPr/>
           <a:lstStyle/>
           <a:p>
-            <a:pPr lvl="0"/>
-            <a:r>
-              <a:rPr lang="ru-RU" smtClean="0"/>
+            <a:pPr lvl="0">
+              <a:defRPr/>
+            </a:pPr>
+            <a:r>
+              <a:rPr lang="ru-RU"/>
               <a:t>Образец текста</a:t>
             </a:r>
-          </a:p>
-          <a:p>
-            <a:pPr lvl="1"/>
-            <a:r>
-              <a:rPr lang="ru-RU" smtClean="0"/>
+            <a:endParaRPr/>
+          </a:p>
+          <a:p>
+            <a:pPr lvl="1">
+              <a:defRPr/>
+            </a:pPr>
+            <a:r>
+              <a:rPr lang="ru-RU"/>
               <a:t>Второй уровень</a:t>
             </a:r>
-          </a:p>
-          <a:p>
-            <a:pPr lvl="2"/>
-            <a:r>
-              <a:rPr lang="ru-RU" smtClean="0"/>
+            <a:endParaRPr/>
+          </a:p>
+          <a:p>
+            <a:pPr lvl="2">
+              <a:defRPr/>
+            </a:pPr>
+            <a:r>
+              <a:rPr lang="ru-RU"/>
               <a:t>Третий уровень</a:t>
             </a:r>
-          </a:p>
-          <a:p>
-            <a:pPr lvl="3"/>
-            <a:r>
-              <a:rPr lang="ru-RU" smtClean="0"/>
+            <a:endParaRPr/>
+          </a:p>
+          <a:p>
+            <a:pPr lvl="3">
+              <a:defRPr/>
+            </a:pPr>
+            <a:r>
+              <a:rPr lang="ru-RU"/>
               <a:t>Четвертый уровень</a:t>
             </a:r>
-          </a:p>
-          <a:p>
-            <a:pPr lvl="4"/>
-            <a:r>
-              <a:rPr lang="ru-RU" smtClean="0"/>
+            <a:endParaRPr/>
+          </a:p>
+          <a:p>
+            <a:pPr lvl="4">
+              <a:defRPr/>
+            </a:pPr>
+            <a:r>
+              <a:rPr lang="ru-RU"/>
               <a:t>Пятый уровень</a:t>
             </a:r>
             <a:endParaRPr lang="ru-RU"/>
@@ -1121,14 +832,17 @@
             <p:ph type="dt" sz="half" idx="10"/>
           </p:nvPr>
         </p:nvSpPr>
-        <p:spPr/>
+        <p:spPr bwMode="auto"/>
         <p:txBody>
           <a:bodyPr/>
           <a:lstStyle/>
           <a:p>
+            <a:pPr>
+              <a:defRPr/>
+            </a:pPr>
             <a:fld id="{0FA2E1C2-6611-4A69-9E2B-D7A7241FA37C}" type="datetimeFigureOut">
-              <a:rPr lang="ru-RU" smtClean="0"/>
-              <a:t>21.02.2024</a:t>
+              <a:rPr lang="ru-RU"/>
+              <a:t/>
             </a:fld>
             <a:endParaRPr lang="ru-RU"/>
           </a:p>
@@ -1144,11 +858,14 @@
             <p:ph type="ftr" sz="quarter" idx="11"/>
           </p:nvPr>
         </p:nvSpPr>
-        <p:spPr/>
+        <p:spPr bwMode="auto"/>
         <p:txBody>
           <a:bodyPr/>
           <a:lstStyle/>
           <a:p>
+            <a:pPr>
+              <a:defRPr/>
+            </a:pPr>
             <a:endParaRPr lang="ru-RU"/>
           </a:p>
         </p:txBody>
@@ -1163,25 +880,23 @@
             <p:ph type="sldNum" sz="quarter" idx="12"/>
           </p:nvPr>
         </p:nvSpPr>
-        <p:spPr/>
+        <p:spPr bwMode="auto"/>
         <p:txBody>
           <a:bodyPr/>
           <a:lstStyle/>
           <a:p>
+            <a:pPr>
+              <a:defRPr/>
+            </a:pPr>
             <a:fld id="{A609E921-FB5E-4B20-AF46-BD0602B07DE1}" type="slidenum">
-              <a:rPr lang="ru-RU" smtClean="0"/>
-              <a:t>‹#›</a:t>
+              <a:rPr lang="ru-RU"/>
+              <a:t/>
             </a:fld>
             <a:endParaRPr lang="ru-RU"/>
           </a:p>
         </p:txBody>
       </p:sp>
     </p:spTree>
-    <p:extLst>
-      <p:ext uri="{BB962C8B-B14F-4D97-AF65-F5344CB8AC3E}">
-        <p14:creationId xmlns:p14="http://schemas.microsoft.com/office/powerpoint/2010/main" val="214870553"/>
-      </p:ext>
-    </p:extLst>
   </p:cSld>
   <p:clrMapOvr>
     <a:masterClrMapping/>
@@ -1190,7 +905,7 @@
 </file>
 
 <file path=ppt/slideLayouts/slideLayout3.xml><?xml version="1.0" encoding="utf-8"?>
-<p:sldLayout xmlns:a="http://schemas.openxmlformats.org/drawingml/2006/main" xmlns:r="http://schemas.openxmlformats.org/officeDocument/2006/relationships" xmlns:p="http://schemas.openxmlformats.org/presentationml/2006/main" type="secHead" preserve="1">
+<p:sldLayout xmlns:a="http://schemas.openxmlformats.org/drawingml/2006/main" xmlns:r="http://schemas.openxmlformats.org/officeDocument/2006/relationships" xmlns:p="http://schemas.openxmlformats.org/presentationml/2006/main" xmlns:m="http://schemas.openxmlformats.org/officeDocument/2006/math" xmlns:w="http://schemas.openxmlformats.org/wordprocessingml/2006/main" matchingName="" preserve="1" showMasterPhAnim="0" type="secHead" userDrawn="1">
   <p:cSld name="Заголовок раздела">
     <p:spTree>
       <p:nvGrpSpPr>
@@ -1198,7 +913,7 @@
         <p:cNvGrpSpPr/>
         <p:nvPr/>
       </p:nvGrpSpPr>
-      <p:grpSpPr>
+      <p:grpSpPr bwMode="auto">
         <a:xfrm>
           <a:off x="0" y="0"/>
           <a:ext cx="0" cy="0"/>
@@ -1216,7 +931,7 @@
             <p:ph type="title"/>
           </p:nvPr>
         </p:nvSpPr>
-        <p:spPr>
+        <p:spPr bwMode="auto">
           <a:xfrm>
             <a:off x="831850" y="1709738"/>
             <a:ext cx="10515600" cy="2852737"/>
@@ -1230,8 +945,11 @@
             </a:lvl1pPr>
           </a:lstStyle>
           <a:p>
-            <a:r>
-              <a:rPr lang="ru-RU" smtClean="0"/>
+            <a:pPr>
+              <a:defRPr/>
+            </a:pPr>
+            <a:r>
+              <a:rPr lang="ru-RU"/>
               <a:t>Образец заголовка</a:t>
             </a:r>
             <a:endParaRPr lang="ru-RU"/>
@@ -1248,7 +966,7 @@
             <p:ph type="body" idx="1"/>
           </p:nvPr>
         </p:nvSpPr>
-        <p:spPr>
+        <p:spPr bwMode="auto">
           <a:xfrm>
             <a:off x="831850" y="4589463"/>
             <a:ext cx="10515600" cy="1500187"/>
@@ -1349,11 +1067,14 @@
             </a:lvl9pPr>
           </a:lstStyle>
           <a:p>
-            <a:pPr lvl="0"/>
-            <a:r>
-              <a:rPr lang="ru-RU" smtClean="0"/>
+            <a:pPr lvl="0">
+              <a:defRPr/>
+            </a:pPr>
+            <a:r>
+              <a:rPr lang="ru-RU"/>
               <a:t>Образец текста</a:t>
             </a:r>
+            <a:endParaRPr/>
           </a:p>
         </p:txBody>
       </p:sp>
@@ -1367,14 +1088,17 @@
             <p:ph type="dt" sz="half" idx="10"/>
           </p:nvPr>
         </p:nvSpPr>
-        <p:spPr/>
+        <p:spPr bwMode="auto"/>
         <p:txBody>
           <a:bodyPr/>
           <a:lstStyle/>
           <a:p>
+            <a:pPr>
+              <a:defRPr/>
+            </a:pPr>
             <a:fld id="{0FA2E1C2-6611-4A69-9E2B-D7A7241FA37C}" type="datetimeFigureOut">
-              <a:rPr lang="ru-RU" smtClean="0"/>
-              <a:t>21.02.2024</a:t>
+              <a:rPr lang="ru-RU"/>
+              <a:t/>
             </a:fld>
             <a:endParaRPr lang="ru-RU"/>
           </a:p>
@@ -1390,11 +1114,14 @@
             <p:ph type="ftr" sz="quarter" idx="11"/>
           </p:nvPr>
         </p:nvSpPr>
-        <p:spPr/>
+        <p:spPr bwMode="auto"/>
         <p:txBody>
           <a:bodyPr/>
           <a:lstStyle/>
           <a:p>
+            <a:pPr>
+              <a:defRPr/>
+            </a:pPr>
             <a:endParaRPr lang="ru-RU"/>
           </a:p>
         </p:txBody>
@@ -1409,25 +1136,23 @@
             <p:ph type="sldNum" sz="quarter" idx="12"/>
           </p:nvPr>
         </p:nvSpPr>
-        <p:spPr/>
+        <p:spPr bwMode="auto"/>
         <p:txBody>
           <a:bodyPr/>
           <a:lstStyle/>
           <a:p>
+            <a:pPr>
+              <a:defRPr/>
+            </a:pPr>
             <a:fld id="{A609E921-FB5E-4B20-AF46-BD0602B07DE1}" type="slidenum">
-              <a:rPr lang="ru-RU" smtClean="0"/>
-              <a:t>‹#›</a:t>
+              <a:rPr lang="ru-RU"/>
+              <a:t/>
             </a:fld>
             <a:endParaRPr lang="ru-RU"/>
           </a:p>
         </p:txBody>
       </p:sp>
     </p:spTree>
-    <p:extLst>
-      <p:ext uri="{BB962C8B-B14F-4D97-AF65-F5344CB8AC3E}">
-        <p14:creationId xmlns:p14="http://schemas.microsoft.com/office/powerpoint/2010/main" val="631262719"/>
-      </p:ext>
-    </p:extLst>
   </p:cSld>
   <p:clrMapOvr>
     <a:masterClrMapping/>
@@ -1436,7 +1161,7 @@
 </file>
 
 <file path=ppt/slideLayouts/slideLayout4.xml><?xml version="1.0" encoding="utf-8"?>
-<p:sldLayout xmlns:a="http://schemas.openxmlformats.org/drawingml/2006/main" xmlns:r="http://schemas.openxmlformats.org/officeDocument/2006/relationships" xmlns:p="http://schemas.openxmlformats.org/presentationml/2006/main" type="twoObj" preserve="1">
+<p:sldLayout xmlns:a="http://schemas.openxmlformats.org/drawingml/2006/main" xmlns:r="http://schemas.openxmlformats.org/officeDocument/2006/relationships" xmlns:p="http://schemas.openxmlformats.org/presentationml/2006/main" xmlns:m="http://schemas.openxmlformats.org/officeDocument/2006/math" xmlns:w="http://schemas.openxmlformats.org/wordprocessingml/2006/main" matchingName="" preserve="1" showMasterPhAnim="0" type="twoObj" userDrawn="1">
   <p:cSld name="Два объекта">
     <p:spTree>
       <p:nvGrpSpPr>
@@ -1444,7 +1169,7 @@
         <p:cNvGrpSpPr/>
         <p:nvPr/>
       </p:nvGrpSpPr>
-      <p:grpSpPr>
+      <p:grpSpPr bwMode="auto">
         <a:xfrm>
           <a:off x="0" y="0"/>
           <a:ext cx="0" cy="0"/>
@@ -1462,13 +1187,16 @@
             <p:ph type="title"/>
           </p:nvPr>
         </p:nvSpPr>
-        <p:spPr/>
+        <p:spPr bwMode="auto"/>
         <p:txBody>
           <a:bodyPr/>
           <a:lstStyle/>
           <a:p>
-            <a:r>
-              <a:rPr lang="ru-RU" smtClean="0"/>
+            <a:pPr>
+              <a:defRPr/>
+            </a:pPr>
+            <a:r>
+              <a:rPr lang="ru-RU"/>
               <a:t>Образец заголовка</a:t>
             </a:r>
             <a:endParaRPr lang="ru-RU"/>
@@ -1485,7 +1213,7 @@
             <p:ph sz="half" idx="1"/>
           </p:nvPr>
         </p:nvSpPr>
-        <p:spPr>
+        <p:spPr bwMode="auto">
           <a:xfrm>
             <a:off x="838200" y="1825625"/>
             <a:ext cx="5181600" cy="4351338"/>
@@ -1495,37 +1223,51 @@
           <a:bodyPr/>
           <a:lstStyle/>
           <a:p>
-            <a:pPr lvl="0"/>
-            <a:r>
-              <a:rPr lang="ru-RU" smtClean="0"/>
+            <a:pPr lvl="0">
+              <a:defRPr/>
+            </a:pPr>
+            <a:r>
+              <a:rPr lang="ru-RU"/>
               <a:t>Образец текста</a:t>
             </a:r>
-          </a:p>
-          <a:p>
-            <a:pPr lvl="1"/>
-            <a:r>
-              <a:rPr lang="ru-RU" smtClean="0"/>
+            <a:endParaRPr/>
+          </a:p>
+          <a:p>
+            <a:pPr lvl="1">
+              <a:defRPr/>
+            </a:pPr>
+            <a:r>
+              <a:rPr lang="ru-RU"/>
               <a:t>Второй уровень</a:t>
             </a:r>
-          </a:p>
-          <a:p>
-            <a:pPr lvl="2"/>
-            <a:r>
-              <a:rPr lang="ru-RU" smtClean="0"/>
+            <a:endParaRPr/>
+          </a:p>
+          <a:p>
+            <a:pPr lvl="2">
+              <a:defRPr/>
+            </a:pPr>
+            <a:r>
+              <a:rPr lang="ru-RU"/>
               <a:t>Третий уровень</a:t>
             </a:r>
-          </a:p>
-          <a:p>
-            <a:pPr lvl="3"/>
-            <a:r>
-              <a:rPr lang="ru-RU" smtClean="0"/>
+            <a:endParaRPr/>
+          </a:p>
+          <a:p>
+            <a:pPr lvl="3">
+              <a:defRPr/>
+            </a:pPr>
+            <a:r>
+              <a:rPr lang="ru-RU"/>
               <a:t>Четвертый уровень</a:t>
             </a:r>
-          </a:p>
-          <a:p>
-            <a:pPr lvl="4"/>
-            <a:r>
-              <a:rPr lang="ru-RU" smtClean="0"/>
+            <a:endParaRPr/>
+          </a:p>
+          <a:p>
+            <a:pPr lvl="4">
+              <a:defRPr/>
+            </a:pPr>
+            <a:r>
+              <a:rPr lang="ru-RU"/>
               <a:t>Пятый уровень</a:t>
             </a:r>
             <a:endParaRPr lang="ru-RU"/>
@@ -1542,7 +1284,7 @@
             <p:ph sz="half" idx="2"/>
           </p:nvPr>
         </p:nvSpPr>
-        <p:spPr>
+        <p:spPr bwMode="auto">
           <a:xfrm>
             <a:off x="6172200" y="1825625"/>
             <a:ext cx="5181600" cy="4351338"/>
@@ -1552,37 +1294,51 @@
           <a:bodyPr/>
           <a:lstStyle/>
           <a:p>
-            <a:pPr lvl="0"/>
-            <a:r>
-              <a:rPr lang="ru-RU" smtClean="0"/>
+            <a:pPr lvl="0">
+              <a:defRPr/>
+            </a:pPr>
+            <a:r>
+              <a:rPr lang="ru-RU"/>
               <a:t>Образец текста</a:t>
             </a:r>
-          </a:p>
-          <a:p>
-            <a:pPr lvl="1"/>
-            <a:r>
-              <a:rPr lang="ru-RU" smtClean="0"/>
+            <a:endParaRPr/>
+          </a:p>
+          <a:p>
+            <a:pPr lvl="1">
+              <a:defRPr/>
+            </a:pPr>
+            <a:r>
+              <a:rPr lang="ru-RU"/>
               <a:t>Второй уровень</a:t>
             </a:r>
-          </a:p>
-          <a:p>
-            <a:pPr lvl="2"/>
-            <a:r>
-              <a:rPr lang="ru-RU" smtClean="0"/>
+            <a:endParaRPr/>
+          </a:p>
+          <a:p>
+            <a:pPr lvl="2">
+              <a:defRPr/>
+            </a:pPr>
+            <a:r>
+              <a:rPr lang="ru-RU"/>
               <a:t>Третий уровень</a:t>
             </a:r>
-          </a:p>
-          <a:p>
-            <a:pPr lvl="3"/>
-            <a:r>
-              <a:rPr lang="ru-RU" smtClean="0"/>
+            <a:endParaRPr/>
+          </a:p>
+          <a:p>
+            <a:pPr lvl="3">
+              <a:defRPr/>
+            </a:pPr>
+            <a:r>
+              <a:rPr lang="ru-RU"/>
               <a:t>Четвертый уровень</a:t>
             </a:r>
-          </a:p>
-          <a:p>
-            <a:pPr lvl="4"/>
-            <a:r>
-              <a:rPr lang="ru-RU" smtClean="0"/>
+            <a:endParaRPr/>
+          </a:p>
+          <a:p>
+            <a:pPr lvl="4">
+              <a:defRPr/>
+            </a:pPr>
+            <a:r>
+              <a:rPr lang="ru-RU"/>
               <a:t>Пятый уровень</a:t>
             </a:r>
             <a:endParaRPr lang="ru-RU"/>
@@ -1599,14 +1355,17 @@
             <p:ph type="dt" sz="half" idx="10"/>
           </p:nvPr>
         </p:nvSpPr>
-        <p:spPr/>
+        <p:spPr bwMode="auto"/>
         <p:txBody>
           <a:bodyPr/>
           <a:lstStyle/>
           <a:p>
+            <a:pPr>
+              <a:defRPr/>
+            </a:pPr>
             <a:fld id="{0FA2E1C2-6611-4A69-9E2B-D7A7241FA37C}" type="datetimeFigureOut">
-              <a:rPr lang="ru-RU" smtClean="0"/>
-              <a:t>21.02.2024</a:t>
+              <a:rPr lang="ru-RU"/>
+              <a:t/>
             </a:fld>
             <a:endParaRPr lang="ru-RU"/>
           </a:p>
@@ -1622,11 +1381,14 @@
             <p:ph type="ftr" sz="quarter" idx="11"/>
           </p:nvPr>
         </p:nvSpPr>
-        <p:spPr/>
+        <p:spPr bwMode="auto"/>
         <p:txBody>
           <a:bodyPr/>
           <a:lstStyle/>
           <a:p>
+            <a:pPr>
+              <a:defRPr/>
+            </a:pPr>
             <a:endParaRPr lang="ru-RU"/>
           </a:p>
         </p:txBody>
@@ -1641,25 +1403,23 @@
             <p:ph type="sldNum" sz="quarter" idx="12"/>
           </p:nvPr>
         </p:nvSpPr>
-        <p:spPr/>
+        <p:spPr bwMode="auto"/>
         <p:txBody>
           <a:bodyPr/>
           <a:lstStyle/>
           <a:p>
+            <a:pPr>
+              <a:defRPr/>
+            </a:pPr>
             <a:fld id="{A609E921-FB5E-4B20-AF46-BD0602B07DE1}" type="slidenum">
-              <a:rPr lang="ru-RU" smtClean="0"/>
-              <a:t>‹#›</a:t>
+              <a:rPr lang="ru-RU"/>
+              <a:t/>
             </a:fld>
             <a:endParaRPr lang="ru-RU"/>
           </a:p>
         </p:txBody>
       </p:sp>
     </p:spTree>
-    <p:extLst>
-      <p:ext uri="{BB962C8B-B14F-4D97-AF65-F5344CB8AC3E}">
-        <p14:creationId xmlns:p14="http://schemas.microsoft.com/office/powerpoint/2010/main" val="875057980"/>
-      </p:ext>
-    </p:extLst>
   </p:cSld>
   <p:clrMapOvr>
     <a:masterClrMapping/>
@@ -1668,7 +1428,7 @@
 </file>
 
 <file path=ppt/slideLayouts/slideLayout5.xml><?xml version="1.0" encoding="utf-8"?>
-<p:sldLayout xmlns:a="http://schemas.openxmlformats.org/drawingml/2006/main" xmlns:r="http://schemas.openxmlformats.org/officeDocument/2006/relationships" xmlns:p="http://schemas.openxmlformats.org/presentationml/2006/main" type="twoTxTwoObj" preserve="1">
+<p:sldLayout xmlns:a="http://schemas.openxmlformats.org/drawingml/2006/main" xmlns:r="http://schemas.openxmlformats.org/officeDocument/2006/relationships" xmlns:p="http://schemas.openxmlformats.org/presentationml/2006/main" xmlns:m="http://schemas.openxmlformats.org/officeDocument/2006/math" xmlns:w="http://schemas.openxmlformats.org/wordprocessingml/2006/main" matchingName="" preserve="1" showMasterPhAnim="0" type="twoTxTwoObj" userDrawn="1">
   <p:cSld name="Сравнение">
     <p:spTree>
       <p:nvGrpSpPr>
@@ -1676,7 +1436,7 @@
         <p:cNvGrpSpPr/>
         <p:nvPr/>
       </p:nvGrpSpPr>
-      <p:grpSpPr>
+      <p:grpSpPr bwMode="auto">
         <a:xfrm>
           <a:off x="0" y="0"/>
           <a:ext cx="0" cy="0"/>
@@ -1694,7 +1454,7 @@
             <p:ph type="title"/>
           </p:nvPr>
         </p:nvSpPr>
-        <p:spPr>
+        <p:spPr bwMode="auto">
           <a:xfrm>
             <a:off x="839788" y="365125"/>
             <a:ext cx="10515600" cy="1325563"/>
@@ -1704,8 +1464,11 @@
           <a:bodyPr/>
           <a:lstStyle/>
           <a:p>
-            <a:r>
-              <a:rPr lang="ru-RU" smtClean="0"/>
+            <a:pPr>
+              <a:defRPr/>
+            </a:pPr>
+            <a:r>
+              <a:rPr lang="ru-RU"/>
               <a:t>Образец заголовка</a:t>
             </a:r>
             <a:endParaRPr lang="ru-RU"/>
@@ -1722,7 +1485,7 @@
             <p:ph type="body" idx="1"/>
           </p:nvPr>
         </p:nvSpPr>
-        <p:spPr>
+        <p:spPr bwMode="auto">
           <a:xfrm>
             <a:off x="839788" y="1681163"/>
             <a:ext cx="5157787" cy="823912"/>
@@ -1769,11 +1532,14 @@
             </a:lvl9pPr>
           </a:lstStyle>
           <a:p>
-            <a:pPr lvl="0"/>
-            <a:r>
-              <a:rPr lang="ru-RU" smtClean="0"/>
+            <a:pPr lvl="0">
+              <a:defRPr/>
+            </a:pPr>
+            <a:r>
+              <a:rPr lang="ru-RU"/>
               <a:t>Образец текста</a:t>
             </a:r>
+            <a:endParaRPr/>
           </a:p>
         </p:txBody>
       </p:sp>
@@ -1787,9 +1553,9 @@
             <p:ph sz="half" idx="2"/>
           </p:nvPr>
         </p:nvSpPr>
-        <p:spPr>
-          <a:xfrm>
-            <a:off x="839788" y="2505075"/>
+        <p:spPr bwMode="auto">
+          <a:xfrm>
+            <a:off x="839788" y="2505074"/>
             <a:ext cx="5157787" cy="3684588"/>
           </a:xfrm>
         </p:spPr>
@@ -1797,37 +1563,51 @@
           <a:bodyPr/>
           <a:lstStyle/>
           <a:p>
-            <a:pPr lvl="0"/>
-            <a:r>
-              <a:rPr lang="ru-RU" smtClean="0"/>
+            <a:pPr lvl="0">
+              <a:defRPr/>
+            </a:pPr>
+            <a:r>
+              <a:rPr lang="ru-RU"/>
               <a:t>Образец текста</a:t>
             </a:r>
-          </a:p>
-          <a:p>
-            <a:pPr lvl="1"/>
-            <a:r>
-              <a:rPr lang="ru-RU" smtClean="0"/>
+            <a:endParaRPr/>
+          </a:p>
+          <a:p>
+            <a:pPr lvl="1">
+              <a:defRPr/>
+            </a:pPr>
+            <a:r>
+              <a:rPr lang="ru-RU"/>
               <a:t>Второй уровень</a:t>
             </a:r>
-          </a:p>
-          <a:p>
-            <a:pPr lvl="2"/>
-            <a:r>
-              <a:rPr lang="ru-RU" smtClean="0"/>
+            <a:endParaRPr/>
+          </a:p>
+          <a:p>
+            <a:pPr lvl="2">
+              <a:defRPr/>
+            </a:pPr>
+            <a:r>
+              <a:rPr lang="ru-RU"/>
               <a:t>Третий уровень</a:t>
             </a:r>
-          </a:p>
-          <a:p>
-            <a:pPr lvl="3"/>
-            <a:r>
-              <a:rPr lang="ru-RU" smtClean="0"/>
+            <a:endParaRPr/>
+          </a:p>
+          <a:p>
+            <a:pPr lvl="3">
+              <a:defRPr/>
+            </a:pPr>
+            <a:r>
+              <a:rPr lang="ru-RU"/>
               <a:t>Четвертый уровень</a:t>
             </a:r>
-          </a:p>
-          <a:p>
-            <a:pPr lvl="4"/>
-            <a:r>
-              <a:rPr lang="ru-RU" smtClean="0"/>
+            <a:endParaRPr/>
+          </a:p>
+          <a:p>
+            <a:pPr lvl="4">
+              <a:defRPr/>
+            </a:pPr>
+            <a:r>
+              <a:rPr lang="ru-RU"/>
               <a:t>Пятый уровень</a:t>
             </a:r>
             <a:endParaRPr lang="ru-RU"/>
@@ -1844,7 +1624,7 @@
             <p:ph type="body" sz="quarter" idx="3"/>
           </p:nvPr>
         </p:nvSpPr>
-        <p:spPr>
+        <p:spPr bwMode="auto">
           <a:xfrm>
             <a:off x="6172200" y="1681163"/>
             <a:ext cx="5183188" cy="823912"/>
@@ -1891,11 +1671,14 @@
             </a:lvl9pPr>
           </a:lstStyle>
           <a:p>
-            <a:pPr lvl="0"/>
-            <a:r>
-              <a:rPr lang="ru-RU" smtClean="0"/>
+            <a:pPr lvl="0">
+              <a:defRPr/>
+            </a:pPr>
+            <a:r>
+              <a:rPr lang="ru-RU"/>
               <a:t>Образец текста</a:t>
             </a:r>
+            <a:endParaRPr/>
           </a:p>
         </p:txBody>
       </p:sp>
@@ -1909,9 +1692,9 @@
             <p:ph sz="quarter" idx="4"/>
           </p:nvPr>
         </p:nvSpPr>
-        <p:spPr>
-          <a:xfrm>
-            <a:off x="6172200" y="2505075"/>
+        <p:spPr bwMode="auto">
+          <a:xfrm>
+            <a:off x="6172200" y="2505074"/>
             <a:ext cx="5183188" cy="3684588"/>
           </a:xfrm>
         </p:spPr>
@@ -1919,37 +1702,51 @@
           <a:bodyPr/>
           <a:lstStyle/>
           <a:p>
-            <a:pPr lvl="0"/>
-            <a:r>
-              <a:rPr lang="ru-RU" smtClean="0"/>
+            <a:pPr lvl="0">
+              <a:defRPr/>
+            </a:pPr>
+            <a:r>
+              <a:rPr lang="ru-RU"/>
               <a:t>Образец текста</a:t>
             </a:r>
-          </a:p>
-          <a:p>
-            <a:pPr lvl="1"/>
-            <a:r>
-              <a:rPr lang="ru-RU" smtClean="0"/>
+            <a:endParaRPr/>
+          </a:p>
+          <a:p>
+            <a:pPr lvl="1">
+              <a:defRPr/>
+            </a:pPr>
+            <a:r>
+              <a:rPr lang="ru-RU"/>
               <a:t>Второй уровень</a:t>
             </a:r>
-          </a:p>
-          <a:p>
-            <a:pPr lvl="2"/>
-            <a:r>
-              <a:rPr lang="ru-RU" smtClean="0"/>
+            <a:endParaRPr/>
+          </a:p>
+          <a:p>
+            <a:pPr lvl="2">
+              <a:defRPr/>
+            </a:pPr>
+            <a:r>
+              <a:rPr lang="ru-RU"/>
               <a:t>Третий уровень</a:t>
             </a:r>
-          </a:p>
-          <a:p>
-            <a:pPr lvl="3"/>
-            <a:r>
-              <a:rPr lang="ru-RU" smtClean="0"/>
+            <a:endParaRPr/>
+          </a:p>
+          <a:p>
+            <a:pPr lvl="3">
+              <a:defRPr/>
+            </a:pPr>
+            <a:r>
+              <a:rPr lang="ru-RU"/>
               <a:t>Четвертый уровень</a:t>
             </a:r>
-          </a:p>
-          <a:p>
-            <a:pPr lvl="4"/>
-            <a:r>
-              <a:rPr lang="ru-RU" smtClean="0"/>
+            <a:endParaRPr/>
+          </a:p>
+          <a:p>
+            <a:pPr lvl="4">
+              <a:defRPr/>
+            </a:pPr>
+            <a:r>
+              <a:rPr lang="ru-RU"/>
               <a:t>Пятый уровень</a:t>
             </a:r>
             <a:endParaRPr lang="ru-RU"/>
@@ -1966,14 +1763,17 @@
             <p:ph type="dt" sz="half" idx="10"/>
           </p:nvPr>
         </p:nvSpPr>
-        <p:spPr/>
+        <p:spPr bwMode="auto"/>
         <p:txBody>
           <a:bodyPr/>
           <a:lstStyle/>
           <a:p>
+            <a:pPr>
+              <a:defRPr/>
+            </a:pPr>
             <a:fld id="{0FA2E1C2-6611-4A69-9E2B-D7A7241FA37C}" type="datetimeFigureOut">
-              <a:rPr lang="ru-RU" smtClean="0"/>
-              <a:t>21.02.2024</a:t>
+              <a:rPr lang="ru-RU"/>
+              <a:t/>
             </a:fld>
             <a:endParaRPr lang="ru-RU"/>
           </a:p>
@@ -1989,11 +1789,14 @@
             <p:ph type="ftr" sz="quarter" idx="11"/>
           </p:nvPr>
         </p:nvSpPr>
-        <p:spPr/>
+        <p:spPr bwMode="auto"/>
         <p:txBody>
           <a:bodyPr/>
           <a:lstStyle/>
           <a:p>
+            <a:pPr>
+              <a:defRPr/>
+            </a:pPr>
             <a:endParaRPr lang="ru-RU"/>
           </a:p>
         </p:txBody>
@@ -2008,25 +1811,23 @@
             <p:ph type="sldNum" sz="quarter" idx="12"/>
           </p:nvPr>
         </p:nvSpPr>
-        <p:spPr/>
+        <p:spPr bwMode="auto"/>
         <p:txBody>
           <a:bodyPr/>
           <a:lstStyle/>
           <a:p>
+            <a:pPr>
+              <a:defRPr/>
+            </a:pPr>
             <a:fld id="{A609E921-FB5E-4B20-AF46-BD0602B07DE1}" type="slidenum">
-              <a:rPr lang="ru-RU" smtClean="0"/>
-              <a:t>‹#›</a:t>
+              <a:rPr lang="ru-RU"/>
+              <a:t/>
             </a:fld>
             <a:endParaRPr lang="ru-RU"/>
           </a:p>
         </p:txBody>
       </p:sp>
     </p:spTree>
-    <p:extLst>
-      <p:ext uri="{BB962C8B-B14F-4D97-AF65-F5344CB8AC3E}">
-        <p14:creationId xmlns:p14="http://schemas.microsoft.com/office/powerpoint/2010/main" val="2930491709"/>
-      </p:ext>
-    </p:extLst>
   </p:cSld>
   <p:clrMapOvr>
     <a:masterClrMapping/>
@@ -2035,7 +1836,7 @@
 </file>
 
 <file path=ppt/slideLayouts/slideLayout6.xml><?xml version="1.0" encoding="utf-8"?>
-<p:sldLayout xmlns:a="http://schemas.openxmlformats.org/drawingml/2006/main" xmlns:r="http://schemas.openxmlformats.org/officeDocument/2006/relationships" xmlns:p="http://schemas.openxmlformats.org/presentationml/2006/main" type="titleOnly" preserve="1">
+<p:sldLayout xmlns:a="http://schemas.openxmlformats.org/drawingml/2006/main" xmlns:r="http://schemas.openxmlformats.org/officeDocument/2006/relationships" xmlns:p="http://schemas.openxmlformats.org/presentationml/2006/main" xmlns:m="http://schemas.openxmlformats.org/officeDocument/2006/math" xmlns:w="http://schemas.openxmlformats.org/wordprocessingml/2006/main" matchingName="" preserve="1" showMasterPhAnim="0" type="titleOnly" userDrawn="1">
   <p:cSld name="Только заголовок">
     <p:spTree>
       <p:nvGrpSpPr>
@@ -2043,7 +1844,7 @@
         <p:cNvGrpSpPr/>
         <p:nvPr/>
       </p:nvGrpSpPr>
-      <p:grpSpPr>
+      <p:grpSpPr bwMode="auto">
         <a:xfrm>
           <a:off x="0" y="0"/>
           <a:ext cx="0" cy="0"/>
@@ -2061,13 +1862,16 @@
             <p:ph type="title"/>
           </p:nvPr>
         </p:nvSpPr>
-        <p:spPr/>
+        <p:spPr bwMode="auto"/>
         <p:txBody>
           <a:bodyPr/>
           <a:lstStyle/>
           <a:p>
-            <a:r>
-              <a:rPr lang="ru-RU" smtClean="0"/>
+            <a:pPr>
+              <a:defRPr/>
+            </a:pPr>
+            <a:r>
+              <a:rPr lang="ru-RU"/>
               <a:t>Образец заголовка</a:t>
             </a:r>
             <a:endParaRPr lang="ru-RU"/>
@@ -2084,14 +1888,17 @@
             <p:ph type="dt" sz="half" idx="10"/>
           </p:nvPr>
         </p:nvSpPr>
-        <p:spPr/>
+        <p:spPr bwMode="auto"/>
         <p:txBody>
           <a:bodyPr/>
           <a:lstStyle/>
           <a:p>
+            <a:pPr>
+              <a:defRPr/>
+            </a:pPr>
             <a:fld id="{0FA2E1C2-6611-4A69-9E2B-D7A7241FA37C}" type="datetimeFigureOut">
-              <a:rPr lang="ru-RU" smtClean="0"/>
-              <a:t>21.02.2024</a:t>
+              <a:rPr lang="ru-RU"/>
+              <a:t/>
             </a:fld>
             <a:endParaRPr lang="ru-RU"/>
           </a:p>
@@ -2107,11 +1914,14 @@
             <p:ph type="ftr" sz="quarter" idx="11"/>
           </p:nvPr>
         </p:nvSpPr>
-        <p:spPr/>
+        <p:spPr bwMode="auto"/>
         <p:txBody>
           <a:bodyPr/>
           <a:lstStyle/>
           <a:p>
+            <a:pPr>
+              <a:defRPr/>
+            </a:pPr>
             <a:endParaRPr lang="ru-RU"/>
           </a:p>
         </p:txBody>
@@ -2126,25 +1936,23 @@
             <p:ph type="sldNum" sz="quarter" idx="12"/>
           </p:nvPr>
         </p:nvSpPr>
-        <p:spPr/>
+        <p:spPr bwMode="auto"/>
         <p:txBody>
           <a:bodyPr/>
           <a:lstStyle/>
           <a:p>
+            <a:pPr>
+              <a:defRPr/>
+            </a:pPr>
             <a:fld id="{A609E921-FB5E-4B20-AF46-BD0602B07DE1}" type="slidenum">
-              <a:rPr lang="ru-RU" smtClean="0"/>
-              <a:t>‹#›</a:t>
+              <a:rPr lang="ru-RU"/>
+              <a:t/>
             </a:fld>
             <a:endParaRPr lang="ru-RU"/>
           </a:p>
         </p:txBody>
       </p:sp>
     </p:spTree>
-    <p:extLst>
-      <p:ext uri="{BB962C8B-B14F-4D97-AF65-F5344CB8AC3E}">
-        <p14:creationId xmlns:p14="http://schemas.microsoft.com/office/powerpoint/2010/main" val="1925082692"/>
-      </p:ext>
-    </p:extLst>
   </p:cSld>
   <p:clrMapOvr>
     <a:masterClrMapping/>
@@ -2153,7 +1961,7 @@
 </file>
 
 <file path=ppt/slideLayouts/slideLayout7.xml><?xml version="1.0" encoding="utf-8"?>
-<p:sldLayout xmlns:a="http://schemas.openxmlformats.org/drawingml/2006/main" xmlns:r="http://schemas.openxmlformats.org/officeDocument/2006/relationships" xmlns:p="http://schemas.openxmlformats.org/presentationml/2006/main" type="blank" preserve="1">
+<p:sldLayout xmlns:a="http://schemas.openxmlformats.org/drawingml/2006/main" xmlns:r="http://schemas.openxmlformats.org/officeDocument/2006/relationships" xmlns:p="http://schemas.openxmlformats.org/presentationml/2006/main" xmlns:m="http://schemas.openxmlformats.org/officeDocument/2006/math" xmlns:w="http://schemas.openxmlformats.org/wordprocessingml/2006/main" matchingName="" preserve="1" showMasterPhAnim="0" type="blank" userDrawn="1">
   <p:cSld name="Пустой слайд">
     <p:spTree>
       <p:nvGrpSpPr>
@@ -2161,7 +1969,7 @@
         <p:cNvGrpSpPr/>
         <p:nvPr/>
       </p:nvGrpSpPr>
-      <p:grpSpPr>
+      <p:grpSpPr bwMode="auto">
         <a:xfrm>
           <a:off x="0" y="0"/>
           <a:ext cx="0" cy="0"/>
@@ -2179,14 +1987,17 @@
             <p:ph type="dt" sz="half" idx="10"/>
           </p:nvPr>
         </p:nvSpPr>
-        <p:spPr/>
+        <p:spPr bwMode="auto"/>
         <p:txBody>
           <a:bodyPr/>
           <a:lstStyle/>
           <a:p>
+            <a:pPr>
+              <a:defRPr/>
+            </a:pPr>
             <a:fld id="{0FA2E1C2-6611-4A69-9E2B-D7A7241FA37C}" type="datetimeFigureOut">
-              <a:rPr lang="ru-RU" smtClean="0"/>
-              <a:t>21.02.2024</a:t>
+              <a:rPr lang="ru-RU"/>
+              <a:t/>
             </a:fld>
             <a:endParaRPr lang="ru-RU"/>
           </a:p>
@@ -2202,11 +2013,14 @@
             <p:ph type="ftr" sz="quarter" idx="11"/>
           </p:nvPr>
         </p:nvSpPr>
-        <p:spPr/>
+        <p:spPr bwMode="auto"/>
         <p:txBody>
           <a:bodyPr/>
           <a:lstStyle/>
           <a:p>
+            <a:pPr>
+              <a:defRPr/>
+            </a:pPr>
             <a:endParaRPr lang="ru-RU"/>
           </a:p>
         </p:txBody>
@@ -2221,25 +2035,23 @@
             <p:ph type="sldNum" sz="quarter" idx="12"/>
           </p:nvPr>
         </p:nvSpPr>
-        <p:spPr/>
+        <p:spPr bwMode="auto"/>
         <p:txBody>
           <a:bodyPr/>
           <a:lstStyle/>
           <a:p>
+            <a:pPr>
+              <a:defRPr/>
+            </a:pPr>
             <a:fld id="{A609E921-FB5E-4B20-AF46-BD0602B07DE1}" type="slidenum">
-              <a:rPr lang="ru-RU" smtClean="0"/>
-              <a:t>‹#›</a:t>
+              <a:rPr lang="ru-RU"/>
+              <a:t/>
             </a:fld>
             <a:endParaRPr lang="ru-RU"/>
           </a:p>
         </p:txBody>
       </p:sp>
     </p:spTree>
-    <p:extLst>
-      <p:ext uri="{BB962C8B-B14F-4D97-AF65-F5344CB8AC3E}">
-        <p14:creationId xmlns:p14="http://schemas.microsoft.com/office/powerpoint/2010/main" val="3797124335"/>
-      </p:ext>
-    </p:extLst>
   </p:cSld>
   <p:clrMapOvr>
     <a:masterClrMapping/>
@@ -2248,7 +2060,7 @@
 </file>
 
 <file path=ppt/slideLayouts/slideLayout8.xml><?xml version="1.0" encoding="utf-8"?>
-<p:sldLayout xmlns:a="http://schemas.openxmlformats.org/drawingml/2006/main" xmlns:r="http://schemas.openxmlformats.org/officeDocument/2006/relationships" xmlns:p="http://schemas.openxmlformats.org/presentationml/2006/main" type="objTx" preserve="1">
+<p:sldLayout xmlns:a="http://schemas.openxmlformats.org/drawingml/2006/main" xmlns:r="http://schemas.openxmlformats.org/officeDocument/2006/relationships" xmlns:p="http://schemas.openxmlformats.org/presentationml/2006/main" xmlns:m="http://schemas.openxmlformats.org/officeDocument/2006/math" xmlns:w="http://schemas.openxmlformats.org/wordprocessingml/2006/main" matchingName="" preserve="1" showMasterPhAnim="0" type="objTx" userDrawn="1">
   <p:cSld name="Объект с подписью">
     <p:spTree>
       <p:nvGrpSpPr>
@@ -2256,7 +2068,7 @@
         <p:cNvGrpSpPr/>
         <p:nvPr/>
       </p:nvGrpSpPr>
-      <p:grpSpPr>
+      <p:grpSpPr bwMode="auto">
         <a:xfrm>
           <a:off x="0" y="0"/>
           <a:ext cx="0" cy="0"/>
@@ -2274,7 +2086,7 @@
             <p:ph type="title"/>
           </p:nvPr>
         </p:nvSpPr>
-        <p:spPr>
+        <p:spPr bwMode="auto">
           <a:xfrm>
             <a:off x="839788" y="457200"/>
             <a:ext cx="3932237" cy="1600200"/>
@@ -2288,8 +2100,11 @@
             </a:lvl1pPr>
           </a:lstStyle>
           <a:p>
-            <a:r>
-              <a:rPr lang="ru-RU" smtClean="0"/>
+            <a:pPr>
+              <a:defRPr/>
+            </a:pPr>
+            <a:r>
+              <a:rPr lang="ru-RU"/>
               <a:t>Образец заголовка</a:t>
             </a:r>
             <a:endParaRPr lang="ru-RU"/>
@@ -2306,7 +2121,7 @@
             <p:ph idx="1"/>
           </p:nvPr>
         </p:nvSpPr>
-        <p:spPr>
+        <p:spPr bwMode="auto">
           <a:xfrm>
             <a:off x="5183188" y="987425"/>
             <a:ext cx="6172200" cy="4873625"/>
@@ -2344,37 +2159,51 @@
             </a:lvl9pPr>
           </a:lstStyle>
           <a:p>
-            <a:pPr lvl="0"/>
-            <a:r>
-              <a:rPr lang="ru-RU" smtClean="0"/>
+            <a:pPr lvl="0">
+              <a:defRPr/>
+            </a:pPr>
+            <a:r>
+              <a:rPr lang="ru-RU"/>
               <a:t>Образец текста</a:t>
             </a:r>
-          </a:p>
-          <a:p>
-            <a:pPr lvl="1"/>
-            <a:r>
-              <a:rPr lang="ru-RU" smtClean="0"/>
+            <a:endParaRPr/>
+          </a:p>
+          <a:p>
+            <a:pPr lvl="1">
+              <a:defRPr/>
+            </a:pPr>
+            <a:r>
+              <a:rPr lang="ru-RU"/>
               <a:t>Второй уровень</a:t>
             </a:r>
-          </a:p>
-          <a:p>
-            <a:pPr lvl="2"/>
-            <a:r>
-              <a:rPr lang="ru-RU" smtClean="0"/>
+            <a:endParaRPr/>
+          </a:p>
+          <a:p>
+            <a:pPr lvl="2">
+              <a:defRPr/>
+            </a:pPr>
+            <a:r>
+              <a:rPr lang="ru-RU"/>
               <a:t>Третий уровень</a:t>
             </a:r>
-          </a:p>
-          <a:p>
-            <a:pPr lvl="3"/>
-            <a:r>
-              <a:rPr lang="ru-RU" smtClean="0"/>
+            <a:endParaRPr/>
+          </a:p>
+          <a:p>
+            <a:pPr lvl="3">
+              <a:defRPr/>
+            </a:pPr>
+            <a:r>
+              <a:rPr lang="ru-RU"/>
               <a:t>Четвертый уровень</a:t>
             </a:r>
-          </a:p>
-          <a:p>
-            <a:pPr lvl="4"/>
-            <a:r>
-              <a:rPr lang="ru-RU" smtClean="0"/>
+            <a:endParaRPr/>
+          </a:p>
+          <a:p>
+            <a:pPr lvl="4">
+              <a:defRPr/>
+            </a:pPr>
+            <a:r>
+              <a:rPr lang="ru-RU"/>
               <a:t>Пятый уровень</a:t>
             </a:r>
             <a:endParaRPr lang="ru-RU"/>
@@ -2391,7 +2220,7 @@
             <p:ph type="body" sz="half" idx="2"/>
           </p:nvPr>
         </p:nvSpPr>
-        <p:spPr>
+        <p:spPr bwMode="auto">
           <a:xfrm>
             <a:off x="839788" y="2057400"/>
             <a:ext cx="3932237" cy="3811588"/>
@@ -2438,11 +2267,14 @@
             </a:lvl9pPr>
           </a:lstStyle>
           <a:p>
-            <a:pPr lvl="0"/>
-            <a:r>
-              <a:rPr lang="ru-RU" smtClean="0"/>
+            <a:pPr lvl="0">
+              <a:defRPr/>
+            </a:pPr>
+            <a:r>
+              <a:rPr lang="ru-RU"/>
               <a:t>Образец текста</a:t>
             </a:r>
+            <a:endParaRPr/>
           </a:p>
         </p:txBody>
       </p:sp>
@@ -2456,14 +2288,17 @@
             <p:ph type="dt" sz="half" idx="10"/>
           </p:nvPr>
         </p:nvSpPr>
-        <p:spPr/>
+        <p:spPr bwMode="auto"/>
         <p:txBody>
           <a:bodyPr/>
           <a:lstStyle/>
           <a:p>
+            <a:pPr>
+              <a:defRPr/>
+            </a:pPr>
             <a:fld id="{0FA2E1C2-6611-4A69-9E2B-D7A7241FA37C}" type="datetimeFigureOut">
-              <a:rPr lang="ru-RU" smtClean="0"/>
-              <a:t>21.02.2024</a:t>
+              <a:rPr lang="ru-RU"/>
+              <a:t/>
             </a:fld>
             <a:endParaRPr lang="ru-RU"/>
           </a:p>
@@ -2479,11 +2314,14 @@
             <p:ph type="ftr" sz="quarter" idx="11"/>
           </p:nvPr>
         </p:nvSpPr>
-        <p:spPr/>
+        <p:spPr bwMode="auto"/>
         <p:txBody>
           <a:bodyPr/>
           <a:lstStyle/>
           <a:p>
+            <a:pPr>
+              <a:defRPr/>
+            </a:pPr>
             <a:endParaRPr lang="ru-RU"/>
           </a:p>
         </p:txBody>
@@ -2498,25 +2336,23 @@
             <p:ph type="sldNum" sz="quarter" idx="12"/>
           </p:nvPr>
         </p:nvSpPr>
-        <p:spPr/>
+        <p:spPr bwMode="auto"/>
         <p:txBody>
           <a:bodyPr/>
           <a:lstStyle/>
           <a:p>
+            <a:pPr>
+              <a:defRPr/>
+            </a:pPr>
             <a:fld id="{A609E921-FB5E-4B20-AF46-BD0602B07DE1}" type="slidenum">
-              <a:rPr lang="ru-RU" smtClean="0"/>
-              <a:t>‹#›</a:t>
+              <a:rPr lang="ru-RU"/>
+              <a:t/>
             </a:fld>
             <a:endParaRPr lang="ru-RU"/>
           </a:p>
         </p:txBody>
       </p:sp>
     </p:spTree>
-    <p:extLst>
-      <p:ext uri="{BB962C8B-B14F-4D97-AF65-F5344CB8AC3E}">
-        <p14:creationId xmlns:p14="http://schemas.microsoft.com/office/powerpoint/2010/main" val="385801802"/>
-      </p:ext>
-    </p:extLst>
   </p:cSld>
   <p:clrMapOvr>
     <a:masterClrMapping/>
@@ -2525,7 +2361,7 @@
 </file>
 
 <file path=ppt/slideLayouts/slideLayout9.xml><?xml version="1.0" encoding="utf-8"?>
-<p:sldLayout xmlns:a="http://schemas.openxmlformats.org/drawingml/2006/main" xmlns:r="http://schemas.openxmlformats.org/officeDocument/2006/relationships" xmlns:p="http://schemas.openxmlformats.org/presentationml/2006/main" type="picTx" preserve="1">
+<p:sldLayout xmlns:a="http://schemas.openxmlformats.org/drawingml/2006/main" xmlns:r="http://schemas.openxmlformats.org/officeDocument/2006/relationships" xmlns:p="http://schemas.openxmlformats.org/presentationml/2006/main" xmlns:m="http://schemas.openxmlformats.org/officeDocument/2006/math" xmlns:w="http://schemas.openxmlformats.org/wordprocessingml/2006/main" matchingName="" preserve="1" showMasterPhAnim="0" type="picTx" userDrawn="1">
   <p:cSld name="Рисунок с подписью">
     <p:spTree>
       <p:nvGrpSpPr>
@@ -2533,7 +2369,7 @@
         <p:cNvGrpSpPr/>
         <p:nvPr/>
       </p:nvGrpSpPr>
-      <p:grpSpPr>
+      <p:grpSpPr bwMode="auto">
         <a:xfrm>
           <a:off x="0" y="0"/>
           <a:ext cx="0" cy="0"/>
@@ -2551,7 +2387,7 @@
             <p:ph type="title"/>
           </p:nvPr>
         </p:nvSpPr>
-        <p:spPr>
+        <p:spPr bwMode="auto">
           <a:xfrm>
             <a:off x="839788" y="457200"/>
             <a:ext cx="3932237" cy="1600200"/>
@@ -2565,8 +2401,11 @@
             </a:lvl1pPr>
           </a:lstStyle>
           <a:p>
-            <a:r>
-              <a:rPr lang="ru-RU" smtClean="0"/>
+            <a:pPr>
+              <a:defRPr/>
+            </a:pPr>
+            <a:r>
+              <a:rPr lang="ru-RU"/>
               <a:t>Образец заголовка</a:t>
             </a:r>
             <a:endParaRPr lang="ru-RU"/>
@@ -2583,7 +2422,7 @@
             <p:ph type="pic" idx="1"/>
           </p:nvPr>
         </p:nvSpPr>
-        <p:spPr>
+        <p:spPr bwMode="auto">
           <a:xfrm>
             <a:off x="5183188" y="987425"/>
             <a:ext cx="6172200" cy="4873625"/>
@@ -2630,6 +2469,9 @@
             </a:lvl9pPr>
           </a:lstStyle>
           <a:p>
+            <a:pPr>
+              <a:defRPr/>
+            </a:pPr>
             <a:endParaRPr lang="ru-RU"/>
           </a:p>
         </p:txBody>
@@ -2644,7 +2486,7 @@
             <p:ph type="body" sz="half" idx="2"/>
           </p:nvPr>
         </p:nvSpPr>
-        <p:spPr>
+        <p:spPr bwMode="auto">
           <a:xfrm>
             <a:off x="839788" y="2057400"/>
             <a:ext cx="3932237" cy="3811588"/>
@@ -2691,11 +2533,14 @@
             </a:lvl9pPr>
           </a:lstStyle>
           <a:p>
-            <a:pPr lvl="0"/>
-            <a:r>
-              <a:rPr lang="ru-RU" smtClean="0"/>
+            <a:pPr lvl="0">
+              <a:defRPr/>
+            </a:pPr>
+            <a:r>
+              <a:rPr lang="ru-RU"/>
               <a:t>Образец текста</a:t>
             </a:r>
+            <a:endParaRPr/>
           </a:p>
         </p:txBody>
       </p:sp>
@@ -2709,14 +2554,17 @@
             <p:ph type="dt" sz="half" idx="10"/>
           </p:nvPr>
         </p:nvSpPr>
-        <p:spPr/>
+        <p:spPr bwMode="auto"/>
         <p:txBody>
           <a:bodyPr/>
           <a:lstStyle/>
           <a:p>
+            <a:pPr>
+              <a:defRPr/>
+            </a:pPr>
             <a:fld id="{0FA2E1C2-6611-4A69-9E2B-D7A7241FA37C}" type="datetimeFigureOut">
-              <a:rPr lang="ru-RU" smtClean="0"/>
-              <a:t>21.02.2024</a:t>
+              <a:rPr lang="ru-RU"/>
+              <a:t/>
             </a:fld>
             <a:endParaRPr lang="ru-RU"/>
           </a:p>
@@ -2732,11 +2580,14 @@
             <p:ph type="ftr" sz="quarter" idx="11"/>
           </p:nvPr>
         </p:nvSpPr>
-        <p:spPr/>
+        <p:spPr bwMode="auto"/>
         <p:txBody>
           <a:bodyPr/>
           <a:lstStyle/>
           <a:p>
+            <a:pPr>
+              <a:defRPr/>
+            </a:pPr>
             <a:endParaRPr lang="ru-RU"/>
           </a:p>
         </p:txBody>
@@ -2751,25 +2602,23 @@
             <p:ph type="sldNum" sz="quarter" idx="12"/>
           </p:nvPr>
         </p:nvSpPr>
-        <p:spPr/>
+        <p:spPr bwMode="auto"/>
         <p:txBody>
           <a:bodyPr/>
           <a:lstStyle/>
           <a:p>
+            <a:pPr>
+              <a:defRPr/>
+            </a:pPr>
             <a:fld id="{A609E921-FB5E-4B20-AF46-BD0602B07DE1}" type="slidenum">
-              <a:rPr lang="ru-RU" smtClean="0"/>
-              <a:t>‹#›</a:t>
+              <a:rPr lang="ru-RU"/>
+              <a:t/>
             </a:fld>
             <a:endParaRPr lang="ru-RU"/>
           </a:p>
         </p:txBody>
       </p:sp>
     </p:spTree>
-    <p:extLst>
-      <p:ext uri="{BB962C8B-B14F-4D97-AF65-F5344CB8AC3E}">
-        <p14:creationId xmlns:p14="http://schemas.microsoft.com/office/powerpoint/2010/main" val="2505340207"/>
-      </p:ext>
-    </p:extLst>
   </p:cSld>
   <p:clrMapOvr>
     <a:masterClrMapping/>
@@ -2778,11 +2627,11 @@
 </file>
 
 <file path=ppt/slideMasters/slideMaster1.xml><?xml version="1.0" encoding="utf-8"?>
-<p:sldMaster xmlns:a="http://schemas.openxmlformats.org/drawingml/2006/main" xmlns:r="http://schemas.openxmlformats.org/officeDocument/2006/relationships" xmlns:p="http://schemas.openxmlformats.org/presentationml/2006/main">
-  <p:cSld>
+<p:sldMaster xmlns:a="http://schemas.openxmlformats.org/drawingml/2006/main" xmlns:r="http://schemas.openxmlformats.org/officeDocument/2006/relationships" xmlns:p="http://schemas.openxmlformats.org/presentationml/2006/main" xmlns:m="http://schemas.openxmlformats.org/officeDocument/2006/math" xmlns:w="http://schemas.openxmlformats.org/wordprocessingml/2006/main" preserve="0">
+  <p:cSld name="">
     <p:bg>
-      <p:bgPr>
-        <a:gradFill flip="none" rotWithShape="1">
+      <p:bgPr shadeToTitle="0">
+        <a:gradFill>
           <a:gsLst>
             <a:gs pos="0">
               <a:srgbClr val="99FFCC"/>
@@ -2801,9 +2650,7 @@
             </a:gs>
           </a:gsLst>
           <a:lin ang="16200000" scaled="1"/>
-          <a:tileRect/>
         </a:gradFill>
-        <a:effectLst/>
       </p:bgPr>
     </p:bg>
     <p:spTree>
@@ -2812,7 +2659,7 @@
         <p:cNvGrpSpPr/>
         <p:nvPr/>
       </p:nvGrpSpPr>
-      <p:grpSpPr>
+      <p:grpSpPr bwMode="auto">
         <a:xfrm>
           <a:off x="0" y="0"/>
           <a:ext cx="0" cy="0"/>
@@ -2830,7 +2677,7 @@
             <p:ph type="title"/>
           </p:nvPr>
         </p:nvSpPr>
-        <p:spPr>
+        <p:spPr bwMode="auto">
           <a:xfrm>
             <a:off x="838200" y="365125"/>
             <a:ext cx="10515600" cy="1325563"/>
@@ -2845,8 +2692,11 @@
           </a:bodyPr>
           <a:lstStyle/>
           <a:p>
-            <a:r>
-              <a:rPr lang="ru-RU" smtClean="0"/>
+            <a:pPr>
+              <a:defRPr/>
+            </a:pPr>
+            <a:r>
+              <a:rPr lang="ru-RU"/>
               <a:t>Образец заголовка</a:t>
             </a:r>
             <a:endParaRPr lang="ru-RU"/>
@@ -2863,7 +2713,7 @@
             <p:ph type="body" idx="1"/>
           </p:nvPr>
         </p:nvSpPr>
-        <p:spPr>
+        <p:spPr bwMode="auto">
           <a:xfrm>
             <a:off x="838200" y="1825625"/>
             <a:ext cx="10515600" cy="4351338"/>
@@ -2878,37 +2728,51 @@
           </a:bodyPr>
           <a:lstStyle/>
           <a:p>
-            <a:pPr lvl="0"/>
-            <a:r>
-              <a:rPr lang="ru-RU" smtClean="0"/>
+            <a:pPr lvl="0">
+              <a:defRPr/>
+            </a:pPr>
+            <a:r>
+              <a:rPr lang="ru-RU"/>
               <a:t>Образец текста</a:t>
             </a:r>
-          </a:p>
-          <a:p>
-            <a:pPr lvl="1"/>
-            <a:r>
-              <a:rPr lang="ru-RU" smtClean="0"/>
+            <a:endParaRPr/>
+          </a:p>
+          <a:p>
+            <a:pPr lvl="1">
+              <a:defRPr/>
+            </a:pPr>
+            <a:r>
+              <a:rPr lang="ru-RU"/>
               <a:t>Второй уровень</a:t>
             </a:r>
-          </a:p>
-          <a:p>
-            <a:pPr lvl="2"/>
-            <a:r>
-              <a:rPr lang="ru-RU" smtClean="0"/>
+            <a:endParaRPr/>
+          </a:p>
+          <a:p>
+            <a:pPr lvl="2">
+              <a:defRPr/>
+            </a:pPr>
+            <a:r>
+              <a:rPr lang="ru-RU"/>
               <a:t>Третий уровень</a:t>
             </a:r>
-          </a:p>
-          <a:p>
-            <a:pPr lvl="3"/>
-            <a:r>
-              <a:rPr lang="ru-RU" smtClean="0"/>
+            <a:endParaRPr/>
+          </a:p>
+          <a:p>
+            <a:pPr lvl="3">
+              <a:defRPr/>
+            </a:pPr>
+            <a:r>
+              <a:rPr lang="ru-RU"/>
               <a:t>Четвертый уровень</a:t>
             </a:r>
-          </a:p>
-          <a:p>
-            <a:pPr lvl="4"/>
-            <a:r>
-              <a:rPr lang="ru-RU" smtClean="0"/>
+            <a:endParaRPr/>
+          </a:p>
+          <a:p>
+            <a:pPr lvl="4">
+              <a:defRPr/>
+            </a:pPr>
+            <a:r>
+              <a:rPr lang="ru-RU"/>
               <a:t>Пятый уровень</a:t>
             </a:r>
             <a:endParaRPr lang="ru-RU"/>
@@ -2925,7 +2789,7 @@
             <p:ph type="dt" sz="half" idx="2"/>
           </p:nvPr>
         </p:nvSpPr>
-        <p:spPr>
+        <p:spPr bwMode="auto">
           <a:xfrm>
             <a:off x="838200" y="6356350"/>
             <a:ext cx="2743200" cy="365125"/>
@@ -2948,9 +2812,12 @@
             </a:lvl1pPr>
           </a:lstStyle>
           <a:p>
+            <a:pPr>
+              <a:defRPr/>
+            </a:pPr>
             <a:fld id="{0FA2E1C2-6611-4A69-9E2B-D7A7241FA37C}" type="datetimeFigureOut">
-              <a:rPr lang="ru-RU" smtClean="0"/>
-              <a:t>21.02.2024</a:t>
+              <a:rPr lang="ru-RU"/>
+              <a:t/>
             </a:fld>
             <a:endParaRPr lang="ru-RU"/>
           </a:p>
@@ -2966,7 +2833,7 @@
             <p:ph type="ftr" sz="quarter" idx="3"/>
           </p:nvPr>
         </p:nvSpPr>
-        <p:spPr>
+        <p:spPr bwMode="auto">
           <a:xfrm>
             <a:off x="4038600" y="6356350"/>
             <a:ext cx="4114800" cy="365125"/>
@@ -2989,6 +2856,9 @@
             </a:lvl1pPr>
           </a:lstStyle>
           <a:p>
+            <a:pPr>
+              <a:defRPr/>
+            </a:pPr>
             <a:endParaRPr lang="ru-RU"/>
           </a:p>
         </p:txBody>
@@ -3003,7 +2873,7 @@
             <p:ph type="sldNum" sz="quarter" idx="4"/>
           </p:nvPr>
         </p:nvSpPr>
-        <p:spPr>
+        <p:spPr bwMode="auto">
           <a:xfrm>
             <a:off x="8610600" y="6356350"/>
             <a:ext cx="2743200" cy="365125"/>
@@ -3026,46 +2896,44 @@
             </a:lvl1pPr>
           </a:lstStyle>
           <a:p>
+            <a:pPr>
+              <a:defRPr/>
+            </a:pPr>
             <a:fld id="{A609E921-FB5E-4B20-AF46-BD0602B07DE1}" type="slidenum">
-              <a:rPr lang="ru-RU" smtClean="0"/>
-              <a:t>‹#›</a:t>
+              <a:rPr lang="ru-RU"/>
+              <a:t/>
             </a:fld>
             <a:endParaRPr lang="ru-RU"/>
           </a:p>
         </p:txBody>
       </p:sp>
     </p:spTree>
-    <p:extLst>
-      <p:ext uri="{BB962C8B-B14F-4D97-AF65-F5344CB8AC3E}">
-        <p14:creationId xmlns:p14="http://schemas.microsoft.com/office/powerpoint/2010/main" val="2054936555"/>
-      </p:ext>
-    </p:extLst>
   </p:cSld>
   <p:clrMap bg1="lt1" tx1="dk1" bg2="lt2" tx2="dk2" accent1="accent1" accent2="accent2" accent3="accent3" accent4="accent4" accent5="accent5" accent6="accent6" hlink="hlink" folHlink="folHlink"/>
   <p:sldLayoutIdLst>
-    <p:sldLayoutId id="2147483999" r:id="rId1"/>
-    <p:sldLayoutId id="2147484000" r:id="rId2"/>
-    <p:sldLayoutId id="2147484001" r:id="rId3"/>
-    <p:sldLayoutId id="2147484002" r:id="rId4"/>
-    <p:sldLayoutId id="2147484003" r:id="rId5"/>
-    <p:sldLayoutId id="2147484004" r:id="rId6"/>
-    <p:sldLayoutId id="2147484005" r:id="rId7"/>
-    <p:sldLayoutId id="2147484006" r:id="rId8"/>
-    <p:sldLayoutId id="2147484007" r:id="rId9"/>
-    <p:sldLayoutId id="2147484008" r:id="rId10"/>
-    <p:sldLayoutId id="2147484009" r:id="rId11"/>
+    <p:sldLayoutId id="2147483649" r:id="rId1"/>
+    <p:sldLayoutId id="2147483650" r:id="rId2"/>
+    <p:sldLayoutId id="2147483651" r:id="rId3"/>
+    <p:sldLayoutId id="2147483652" r:id="rId4"/>
+    <p:sldLayoutId id="2147483653" r:id="rId5"/>
+    <p:sldLayoutId id="2147483654" r:id="rId6"/>
+    <p:sldLayoutId id="2147483655" r:id="rId7"/>
+    <p:sldLayoutId id="2147483656" r:id="rId8"/>
+    <p:sldLayoutId id="2147483657" r:id="rId9"/>
+    <p:sldLayoutId id="2147483658" r:id="rId10"/>
+    <p:sldLayoutId id="2147483659" r:id="rId11"/>
   </p:sldLayoutIdLst>
   <p:txStyles>
     <p:titleStyle>
-      <a:lvl1pPr algn="l" defTabSz="914400" rtl="0" eaLnBrk="1" latinLnBrk="0" hangingPunct="1">
+      <a:lvl1pPr algn="l" defTabSz="914400">
         <a:lnSpc>
           <a:spcPct val="90000"/>
         </a:lnSpc>
         <a:spcBef>
-          <a:spcPct val="0"/>
+          <a:spcPts val="0"/>
         </a:spcBef>
         <a:buNone/>
-        <a:defRPr sz="4400" kern="1200">
+        <a:defRPr sz="4400">
           <a:solidFill>
             <a:schemeClr val="tx1"/>
           </a:solidFill>
@@ -3076,16 +2944,16 @@
       </a:lvl1pPr>
     </p:titleStyle>
     <p:bodyStyle>
-      <a:lvl1pPr marL="228600" indent="-228600" algn="l" defTabSz="914400" rtl="0" eaLnBrk="1" latinLnBrk="0" hangingPunct="1">
+      <a:lvl1pPr marL="228600" indent="-228600" algn="l" defTabSz="914400">
         <a:lnSpc>
           <a:spcPct val="90000"/>
         </a:lnSpc>
         <a:spcBef>
           <a:spcPts val="1000"/>
         </a:spcBef>
-        <a:buFont typeface="Arial" panose="020B0604020202020204" pitchFamily="34" charset="0"/>
+        <a:buFont typeface="Arial"/>
         <a:buChar char="•"/>
-        <a:defRPr sz="2800" kern="1200">
+        <a:defRPr sz="2800">
           <a:solidFill>
             <a:schemeClr val="tx1"/>
           </a:solidFill>
@@ -3094,16 +2962,16 @@
           <a:cs typeface="+mn-cs"/>
         </a:defRPr>
       </a:lvl1pPr>
-      <a:lvl2pPr marL="685800" indent="-228600" algn="l" defTabSz="914400" rtl="0" eaLnBrk="1" latinLnBrk="0" hangingPunct="1">
+      <a:lvl2pPr marL="685800" indent="-228600" algn="l" defTabSz="914400">
         <a:lnSpc>
           <a:spcPct val="90000"/>
         </a:lnSpc>
         <a:spcBef>
           <a:spcPts val="500"/>
         </a:spcBef>
-        <a:buFont typeface="Arial" panose="020B0604020202020204" pitchFamily="34" charset="0"/>
+        <a:buFont typeface="Arial"/>
         <a:buChar char="•"/>
-        <a:defRPr sz="2400" kern="1200">
+        <a:defRPr sz="2400">
           <a:solidFill>
             <a:schemeClr val="tx1"/>
           </a:solidFill>
@@ -3112,16 +2980,16 @@
           <a:cs typeface="+mn-cs"/>
         </a:defRPr>
       </a:lvl2pPr>
-      <a:lvl3pPr marL="1143000" indent="-228600" algn="l" defTabSz="914400" rtl="0" eaLnBrk="1" latinLnBrk="0" hangingPunct="1">
+      <a:lvl3pPr marL="1143000" indent="-228600" algn="l" defTabSz="914400">
         <a:lnSpc>
           <a:spcPct val="90000"/>
         </a:lnSpc>
         <a:spcBef>
           <a:spcPts val="500"/>
         </a:spcBef>
-        <a:buFont typeface="Arial" panose="020B0604020202020204" pitchFamily="34" charset="0"/>
+        <a:buFont typeface="Arial"/>
         <a:buChar char="•"/>
-        <a:defRPr sz="2000" kern="1200">
+        <a:defRPr sz="2000">
           <a:solidFill>
             <a:schemeClr val="tx1"/>
           </a:solidFill>
@@ -3130,16 +2998,16 @@
           <a:cs typeface="+mn-cs"/>
         </a:defRPr>
       </a:lvl3pPr>
-      <a:lvl4pPr marL="1600200" indent="-228600" algn="l" defTabSz="914400" rtl="0" eaLnBrk="1" latinLnBrk="0" hangingPunct="1">
+      <a:lvl4pPr marL="1600200" indent="-228600" algn="l" defTabSz="914400">
         <a:lnSpc>
           <a:spcPct val="90000"/>
         </a:lnSpc>
         <a:spcBef>
           <a:spcPts val="500"/>
         </a:spcBef>
-        <a:buFont typeface="Arial" panose="020B0604020202020204" pitchFamily="34" charset="0"/>
+        <a:buFont typeface="Arial"/>
         <a:buChar char="•"/>
-        <a:defRPr sz="1800" kern="1200">
+        <a:defRPr sz="1800">
           <a:solidFill>
             <a:schemeClr val="tx1"/>
           </a:solidFill>
@@ -3148,16 +3016,16 @@
           <a:cs typeface="+mn-cs"/>
         </a:defRPr>
       </a:lvl4pPr>
-      <a:lvl5pPr marL="2057400" indent="-228600" algn="l" defTabSz="914400" rtl="0" eaLnBrk="1" latinLnBrk="0" hangingPunct="1">
+      <a:lvl5pPr marL="2057400" indent="-228600" algn="l" defTabSz="914400">
         <a:lnSpc>
           <a:spcPct val="90000"/>
         </a:lnSpc>
         <a:spcBef>
           <a:spcPts val="500"/>
         </a:spcBef>
-        <a:buFont typeface="Arial" panose="020B0604020202020204" pitchFamily="34" charset="0"/>
+        <a:buFont typeface="Arial"/>
         <a:buChar char="•"/>
-        <a:defRPr sz="1800" kern="1200">
+        <a:defRPr sz="1800">
           <a:solidFill>
             <a:schemeClr val="tx1"/>
           </a:solidFill>
@@ -3166,16 +3034,16 @@
           <a:cs typeface="+mn-cs"/>
         </a:defRPr>
       </a:lvl5pPr>
-      <a:lvl6pPr marL="2514600" indent="-228600" algn="l" defTabSz="914400" rtl="0" eaLnBrk="1" latinLnBrk="0" hangingPunct="1">
+      <a:lvl6pPr marL="2514600" indent="-228600" algn="l" defTabSz="914400">
         <a:lnSpc>
           <a:spcPct val="90000"/>
         </a:lnSpc>
         <a:spcBef>
           <a:spcPts val="500"/>
         </a:spcBef>
-        <a:buFont typeface="Arial" panose="020B0604020202020204" pitchFamily="34" charset="0"/>
+        <a:buFont typeface="Arial"/>
         <a:buChar char="•"/>
-        <a:defRPr sz="1800" kern="1200">
+        <a:defRPr sz="1800">
           <a:solidFill>
             <a:schemeClr val="tx1"/>
           </a:solidFill>
@@ -3184,16 +3052,16 @@
           <a:cs typeface="+mn-cs"/>
         </a:defRPr>
       </a:lvl6pPr>
-      <a:lvl7pPr marL="2971800" indent="-228600" algn="l" defTabSz="914400" rtl="0" eaLnBrk="1" latinLnBrk="0" hangingPunct="1">
+      <a:lvl7pPr marL="2971800" indent="-228600" algn="l" defTabSz="914400">
         <a:lnSpc>
           <a:spcPct val="90000"/>
         </a:lnSpc>
         <a:spcBef>
           <a:spcPts val="500"/>
         </a:spcBef>
-        <a:buFont typeface="Arial" panose="020B0604020202020204" pitchFamily="34" charset="0"/>
+        <a:buFont typeface="Arial"/>
         <a:buChar char="•"/>
-        <a:defRPr sz="1800" kern="1200">
+        <a:defRPr sz="1800">
           <a:solidFill>
             <a:schemeClr val="tx1"/>
           </a:solidFill>
@@ -3202,16 +3070,16 @@
           <a:cs typeface="+mn-cs"/>
         </a:defRPr>
       </a:lvl7pPr>
-      <a:lvl8pPr marL="3429000" indent="-228600" algn="l" defTabSz="914400" rtl="0" eaLnBrk="1" latinLnBrk="0" hangingPunct="1">
+      <a:lvl8pPr marL="3429000" indent="-228600" algn="l" defTabSz="914400">
         <a:lnSpc>
           <a:spcPct val="90000"/>
         </a:lnSpc>
         <a:spcBef>
           <a:spcPts val="500"/>
         </a:spcBef>
-        <a:buFont typeface="Arial" panose="020B0604020202020204" pitchFamily="34" charset="0"/>
+        <a:buFont typeface="Arial"/>
         <a:buChar char="•"/>
-        <a:defRPr sz="1800" kern="1200">
+        <a:defRPr sz="1800">
           <a:solidFill>
             <a:schemeClr val="tx1"/>
           </a:solidFill>
@@ -3220,16 +3088,16 @@
           <a:cs typeface="+mn-cs"/>
         </a:defRPr>
       </a:lvl8pPr>
-      <a:lvl9pPr marL="3886200" indent="-228600" algn="l" defTabSz="914400" rtl="0" eaLnBrk="1" latinLnBrk="0" hangingPunct="1">
+      <a:lvl9pPr marL="3886200" indent="-228600" algn="l" defTabSz="914400">
         <a:lnSpc>
           <a:spcPct val="90000"/>
         </a:lnSpc>
         <a:spcBef>
           <a:spcPts val="500"/>
         </a:spcBef>
-        <a:buFont typeface="Arial" panose="020B0604020202020204" pitchFamily="34" charset="0"/>
+        <a:buFont typeface="Arial"/>
         <a:buChar char="•"/>
-        <a:defRPr sz="1800" kern="1200">
+        <a:defRPr sz="1800">
           <a:solidFill>
             <a:schemeClr val="tx1"/>
           </a:solidFill>
@@ -3243,8 +3111,8 @@
       <a:defPPr>
         <a:defRPr lang="ru-RU"/>
       </a:defPPr>
-      <a:lvl1pPr marL="0" algn="l" defTabSz="914400" rtl="0" eaLnBrk="1" latinLnBrk="0" hangingPunct="1">
-        <a:defRPr sz="1800" kern="1200">
+      <a:lvl1pPr marL="0" algn="l" defTabSz="914400">
+        <a:defRPr sz="1800">
           <a:solidFill>
             <a:schemeClr val="tx1"/>
           </a:solidFill>
@@ -3253,8 +3121,8 @@
           <a:cs typeface="+mn-cs"/>
         </a:defRPr>
       </a:lvl1pPr>
-      <a:lvl2pPr marL="457200" algn="l" defTabSz="914400" rtl="0" eaLnBrk="1" latinLnBrk="0" hangingPunct="1">
-        <a:defRPr sz="1800" kern="1200">
+      <a:lvl2pPr marL="457200" algn="l" defTabSz="914400">
+        <a:defRPr sz="1800">
           <a:solidFill>
             <a:schemeClr val="tx1"/>
           </a:solidFill>
@@ -3263,8 +3131,8 @@
           <a:cs typeface="+mn-cs"/>
         </a:defRPr>
       </a:lvl2pPr>
-      <a:lvl3pPr marL="914400" algn="l" defTabSz="914400" rtl="0" eaLnBrk="1" latinLnBrk="0" hangingPunct="1">
-        <a:defRPr sz="1800" kern="1200">
+      <a:lvl3pPr marL="914400" algn="l" defTabSz="914400">
+        <a:defRPr sz="1800">
           <a:solidFill>
             <a:schemeClr val="tx1"/>
           </a:solidFill>
@@ -3273,8 +3141,8 @@
           <a:cs typeface="+mn-cs"/>
         </a:defRPr>
       </a:lvl3pPr>
-      <a:lvl4pPr marL="1371600" algn="l" defTabSz="914400" rtl="0" eaLnBrk="1" latinLnBrk="0" hangingPunct="1">
-        <a:defRPr sz="1800" kern="1200">
+      <a:lvl4pPr marL="1371600" algn="l" defTabSz="914400">
+        <a:defRPr sz="1800">
           <a:solidFill>
             <a:schemeClr val="tx1"/>
           </a:solidFill>
@@ -3283,8 +3151,8 @@
           <a:cs typeface="+mn-cs"/>
         </a:defRPr>
       </a:lvl4pPr>
-      <a:lvl5pPr marL="1828800" algn="l" defTabSz="914400" rtl="0" eaLnBrk="1" latinLnBrk="0" hangingPunct="1">
-        <a:defRPr sz="1800" kern="1200">
+      <a:lvl5pPr marL="1828800" algn="l" defTabSz="914400">
+        <a:defRPr sz="1800">
           <a:solidFill>
             <a:schemeClr val="tx1"/>
           </a:solidFill>
@@ -3293,8 +3161,8 @@
           <a:cs typeface="+mn-cs"/>
         </a:defRPr>
       </a:lvl5pPr>
-      <a:lvl6pPr marL="2286000" algn="l" defTabSz="914400" rtl="0" eaLnBrk="1" latinLnBrk="0" hangingPunct="1">
-        <a:defRPr sz="1800" kern="1200">
+      <a:lvl6pPr marL="2286000" algn="l" defTabSz="914400">
+        <a:defRPr sz="1800">
           <a:solidFill>
             <a:schemeClr val="tx1"/>
           </a:solidFill>
@@ -3303,8 +3171,8 @@
           <a:cs typeface="+mn-cs"/>
         </a:defRPr>
       </a:lvl6pPr>
-      <a:lvl7pPr marL="2743200" algn="l" defTabSz="914400" rtl="0" eaLnBrk="1" latinLnBrk="0" hangingPunct="1">
-        <a:defRPr sz="1800" kern="1200">
+      <a:lvl7pPr marL="2743200" algn="l" defTabSz="914400">
+        <a:defRPr sz="1800">
           <a:solidFill>
             <a:schemeClr val="tx1"/>
           </a:solidFill>
@@ -3313,8 +3181,8 @@
           <a:cs typeface="+mn-cs"/>
         </a:defRPr>
       </a:lvl7pPr>
-      <a:lvl8pPr marL="3200400" algn="l" defTabSz="914400" rtl="0" eaLnBrk="1" latinLnBrk="0" hangingPunct="1">
-        <a:defRPr sz="1800" kern="1200">
+      <a:lvl8pPr marL="3200400" algn="l" defTabSz="914400">
+        <a:defRPr sz="1800">
           <a:solidFill>
             <a:schemeClr val="tx1"/>
           </a:solidFill>
@@ -3323,8 +3191,8 @@
           <a:cs typeface="+mn-cs"/>
         </a:defRPr>
       </a:lvl8pPr>
-      <a:lvl9pPr marL="3657600" algn="l" defTabSz="914400" rtl="0" eaLnBrk="1" latinLnBrk="0" hangingPunct="1">
-        <a:defRPr sz="1800" kern="1200">
+      <a:lvl9pPr marL="3657600" algn="l" defTabSz="914400">
+        <a:defRPr sz="1800">
           <a:solidFill>
             <a:schemeClr val="tx1"/>
           </a:solidFill>
@@ -3339,15 +3207,15 @@
 </file>
 
 <file path=ppt/slides/slide1.xml><?xml version="1.0" encoding="utf-8"?>
-<p:sld xmlns:a="http://schemas.openxmlformats.org/drawingml/2006/main" xmlns:r="http://schemas.openxmlformats.org/officeDocument/2006/relationships" xmlns:p="http://schemas.openxmlformats.org/presentationml/2006/main">
-  <p:cSld>
+<p:sld xmlns:a="http://schemas.openxmlformats.org/drawingml/2006/main" xmlns:r="http://schemas.openxmlformats.org/officeDocument/2006/relationships" xmlns:p="http://schemas.openxmlformats.org/presentationml/2006/main" xmlns:m="http://schemas.openxmlformats.org/officeDocument/2006/math" xmlns:w="http://schemas.openxmlformats.org/wordprocessingml/2006/main" showMasterPhAnim="0" show="1">
+  <p:cSld name="">
     <p:spTree>
       <p:nvGrpSpPr>
         <p:cNvPr id="1" name=""/>
         <p:cNvGrpSpPr/>
         <p:nvPr/>
       </p:nvGrpSpPr>
-      <p:grpSpPr>
+      <p:grpSpPr bwMode="auto">
         <a:xfrm>
           <a:off x="0" y="0"/>
           <a:ext cx="0" cy="0"/>
@@ -3365,7 +3233,7 @@
             <p:ph type="subTitle" idx="1"/>
           </p:nvPr>
         </p:nvSpPr>
-        <p:spPr>
+        <p:spPr bwMode="auto">
           <a:xfrm>
             <a:off x="1523996" y="4724734"/>
             <a:ext cx="9144000" cy="1655762"/>
@@ -3375,23 +3243,26 @@
           <a:bodyPr/>
           <a:lstStyle/>
           <a:p>
-            <a:r>
-              <a:rPr lang="ru-RU" b="1" dirty="0" smtClean="0"/>
+            <a:pPr>
+              <a:defRPr/>
+            </a:pPr>
+            <a:r>
+              <a:rPr lang="ru-RU" b="1"/>
               <a:t>Проект на </a:t>
             </a:r>
             <a:r>
-              <a:rPr lang="en-GB" b="1" dirty="0" smtClean="0"/>
+              <a:rPr lang="en-GB" b="1"/>
               <a:t>Python </a:t>
             </a:r>
             <a:r>
-              <a:rPr lang="ru-RU" b="1" dirty="0" smtClean="0"/>
+              <a:rPr lang="ru-RU" b="1"/>
               <a:t>с использованием </a:t>
             </a:r>
             <a:r>
-              <a:rPr lang="en-GB" b="1" dirty="0" smtClean="0"/>
+              <a:rPr lang="en-GB" b="1"/>
               <a:t>Pygame</a:t>
             </a:r>
-            <a:endParaRPr lang="ru-RU" b="1" dirty="0"/>
+            <a:endParaRPr lang="ru-RU" b="1"/>
           </a:p>
         </p:txBody>
       </p:sp>
@@ -3405,9 +3276,9 @@
             <p:ph type="ftr" sz="quarter" idx="11"/>
           </p:nvPr>
         </p:nvSpPr>
-        <p:spPr>
-          <a:xfrm>
-            <a:off x="7954819" y="5738049"/>
+        <p:spPr bwMode="auto">
+          <a:xfrm>
+            <a:off x="7954818" y="5738049"/>
             <a:ext cx="4114800" cy="365125"/>
           </a:xfrm>
         </p:spPr>
@@ -3415,15 +3286,18 @@
           <a:bodyPr/>
           <a:lstStyle/>
           <a:p>
-            <a:r>
-              <a:rPr lang="ru-RU" sz="2000" dirty="0" smtClean="0">
+            <a:pPr>
+              <a:defRPr/>
+            </a:pPr>
+            <a:r>
+              <a:rPr lang="ru-RU" sz="2000">
                 <a:solidFill>
                   <a:schemeClr val="tx1"/>
                 </a:solidFill>
               </a:rPr>
               <a:t>Сёмин В., Шелковкина М. 2024 </a:t>
             </a:r>
-            <a:endParaRPr lang="ru-RU" sz="2000" dirty="0">
+            <a:endParaRPr lang="ru-RU" sz="2000">
               <a:solidFill>
                 <a:schemeClr val="tx1"/>
               </a:solidFill>
@@ -3440,18 +3314,10 @@
           <p:nvPr/>
         </p:nvPicPr>
         <p:blipFill>
-          <a:blip r:embed="rId2">
-            <a:extLst>
-              <a:ext uri="{28A0092B-C50C-407E-A947-70E740481C1C}">
-                <a14:useLocalDpi xmlns:a14="http://schemas.microsoft.com/office/drawing/2010/main" val="0"/>
-              </a:ext>
-            </a:extLst>
-          </a:blip>
-          <a:stretch>
-            <a:fillRect/>
-          </a:stretch>
+          <a:blip r:embed="rId2"/>
+          <a:stretch/>
         </p:blipFill>
-        <p:spPr>
+        <p:spPr bwMode="auto">
           <a:xfrm>
             <a:off x="3080324" y="1855818"/>
             <a:ext cx="6031345" cy="2591594"/>
@@ -3462,15 +3328,18 @@
         </p:spPr>
       </p:pic>
     </p:spTree>
-    <p:extLst>
-      <p:ext uri="{BB962C8B-B14F-4D97-AF65-F5344CB8AC3E}">
-        <p14:creationId xmlns:p14="http://schemas.microsoft.com/office/powerpoint/2010/main" val="3252406554"/>
-      </p:ext>
-    </p:extLst>
   </p:cSld>
   <p:clrMapOvr>
     <a:masterClrMapping/>
   </p:clrMapOvr>
+  <mc:AlternateContent xmlns:mc="http://schemas.openxmlformats.org/markup-compatibility/2006">
+    <mc:Choice xmlns:p14="http://schemas.microsoft.com/office/powerpoint/2010/main" Requires="p14">
+      <p:transition p14:dur="2000" advClick="1"/>
+    </mc:Choice>
+    <mc:Fallback>
+      <p:transition advClick="1"/>
+    </mc:Fallback>
+  </mc:AlternateContent>
   <p:timing>
     <p:tnLst>
       <p:par>
@@ -3482,15 +3351,15 @@
 </file>
 
 <file path=ppt/slides/slide10.xml><?xml version="1.0" encoding="utf-8"?>
-<p:sld xmlns:a="http://schemas.openxmlformats.org/drawingml/2006/main" xmlns:r="http://schemas.openxmlformats.org/officeDocument/2006/relationships" xmlns:p="http://schemas.openxmlformats.org/presentationml/2006/main">
-  <p:cSld>
+<p:sld xmlns:a="http://schemas.openxmlformats.org/drawingml/2006/main" xmlns:r="http://schemas.openxmlformats.org/officeDocument/2006/relationships" xmlns:p="http://schemas.openxmlformats.org/presentationml/2006/main" xmlns:m="http://schemas.openxmlformats.org/officeDocument/2006/math" xmlns:w="http://schemas.openxmlformats.org/wordprocessingml/2006/main" showMasterPhAnim="0" show="1">
+  <p:cSld name="">
     <p:spTree>
       <p:nvGrpSpPr>
         <p:cNvPr id="1" name=""/>
         <p:cNvGrpSpPr/>
         <p:nvPr/>
       </p:nvGrpSpPr>
-      <p:grpSpPr>
+      <p:grpSpPr bwMode="auto">
         <a:xfrm>
           <a:off x="0" y="0"/>
           <a:ext cx="0" cy="0"/>
@@ -3502,29 +3371,24 @@
         <p:nvPicPr>
           <p:cNvPr id="4" name="Объект 3"/>
           <p:cNvPicPr>
-            <a:picLocks noGrp="1" noChangeAspect="1"/>
+            <a:picLocks noChangeAspect="1" noGrp="1"/>
           </p:cNvPicPr>
           <p:nvPr>
             <p:ph idx="1"/>
           </p:nvPr>
         </p:nvPicPr>
         <p:blipFill>
-          <a:blip r:embed="rId2">
-            <a:extLst>
-              <a:ext uri="{28A0092B-C50C-407E-A947-70E740481C1C}">
-                <a14:useLocalDpi xmlns:a14="http://schemas.microsoft.com/office/drawing/2010/main" val="0"/>
-              </a:ext>
-            </a:extLst>
-          </a:blip>
-          <a:stretch>
-            <a:fillRect/>
-          </a:stretch>
+          <a:blip r:embed="rId2"/>
+          <a:stretch/>
         </p:blipFill>
-        <p:spPr>
+        <p:spPr bwMode="auto">
           <a:xfrm>
             <a:off x="890448" y="1083702"/>
             <a:ext cx="9749475" cy="5514144"/>
           </a:xfrm>
+          <a:prstGeom prst="rect">
+            <a:avLst/>
+          </a:prstGeom>
         </p:spPr>
       </p:pic>
       <p:sp>
@@ -3537,7 +3401,7 @@
             <p:ph type="title"/>
           </p:nvPr>
         </p:nvSpPr>
-        <p:spPr>
+        <p:spPr bwMode="auto">
           <a:xfrm>
             <a:off x="0" y="0"/>
             <a:ext cx="12192000" cy="1325563"/>
@@ -3547,28 +3411,14 @@
           <a:bodyPr/>
           <a:lstStyle/>
           <a:p>
-            <a:pPr algn="ctr"/>
-            <a:r>
-              <a:rPr lang="ru-RU" sz="8000" b="1" dirty="0" smtClean="0">
-                <a:effectLst>
-                  <a:outerShdw blurRad="38100" dist="38100" dir="2700000" algn="tl">
-                    <a:srgbClr val="000000">
-                      <a:alpha val="43137"/>
-                    </a:srgbClr>
-                  </a:outerShdw>
-                </a:effectLst>
-              </a:rPr>
+            <a:pPr algn="ctr">
+              <a:defRPr/>
+            </a:pPr>
+            <a:r>
+              <a:rPr lang="ru-RU" sz="8000" b="1"/>
               <a:t>Игровые объекты</a:t>
             </a:r>
-            <a:endParaRPr lang="ru-RU" sz="8000" b="1" dirty="0">
-              <a:effectLst>
-                <a:outerShdw blurRad="38100" dist="38100" dir="2700000" algn="tl">
-                  <a:srgbClr val="000000">
-                    <a:alpha val="43137"/>
-                  </a:srgbClr>
-                </a:outerShdw>
-              </a:effectLst>
-            </a:endParaRPr>
+            <a:endParaRPr lang="ru-RU" sz="8000" b="1"/>
           </a:p>
         </p:txBody>
       </p:sp>
@@ -3581,18 +3431,10 @@
           <p:nvPr/>
         </p:nvPicPr>
         <p:blipFill>
-          <a:blip r:embed="rId3" cstate="print">
-            <a:extLst>
-              <a:ext uri="{28A0092B-C50C-407E-A947-70E740481C1C}">
-                <a14:useLocalDpi xmlns:a14="http://schemas.microsoft.com/office/drawing/2010/main" val="0"/>
-              </a:ext>
-            </a:extLst>
-          </a:blip>
-          <a:stretch>
-            <a:fillRect/>
-          </a:stretch>
+          <a:blip r:embed="rId3"/>
+          <a:stretch/>
         </p:blipFill>
-        <p:spPr>
+        <p:spPr bwMode="auto">
           <a:xfrm>
             <a:off x="8396778" y="1032537"/>
             <a:ext cx="328440" cy="322857"/>
@@ -3611,18 +3453,10 @@
           <p:nvPr/>
         </p:nvPicPr>
         <p:blipFill>
-          <a:blip r:embed="rId4" cstate="print">
-            <a:extLst>
-              <a:ext uri="{28A0092B-C50C-407E-A947-70E740481C1C}">
-                <a14:useLocalDpi xmlns:a14="http://schemas.microsoft.com/office/drawing/2010/main" val="0"/>
-              </a:ext>
-            </a:extLst>
-          </a:blip>
-          <a:stretch>
-            <a:fillRect/>
-          </a:stretch>
+          <a:blip r:embed="rId4"/>
+          <a:stretch/>
         </p:blipFill>
-        <p:spPr>
+        <p:spPr bwMode="auto">
           <a:xfrm>
             <a:off x="8725218" y="1325563"/>
             <a:ext cx="466462" cy="443139"/>
@@ -3641,18 +3475,10 @@
           <p:nvPr/>
         </p:nvPicPr>
         <p:blipFill>
-          <a:blip r:embed="rId5">
-            <a:extLst>
-              <a:ext uri="{28A0092B-C50C-407E-A947-70E740481C1C}">
-                <a14:useLocalDpi xmlns:a14="http://schemas.microsoft.com/office/drawing/2010/main" val="0"/>
-              </a:ext>
-            </a:extLst>
-          </a:blip>
-          <a:stretch>
-            <a:fillRect/>
-          </a:stretch>
+          <a:blip r:embed="rId5"/>
+          <a:stretch/>
         </p:blipFill>
-        <p:spPr>
+        <p:spPr bwMode="auto">
           <a:xfrm>
             <a:off x="10219891" y="2666789"/>
             <a:ext cx="635748" cy="1014185"/>
@@ -3671,18 +3497,10 @@
           <p:nvPr/>
         </p:nvPicPr>
         <p:blipFill>
-          <a:blip r:embed="rId6">
-            <a:extLst>
-              <a:ext uri="{28A0092B-C50C-407E-A947-70E740481C1C}">
-                <a14:useLocalDpi xmlns:a14="http://schemas.microsoft.com/office/drawing/2010/main" val="0"/>
-              </a:ext>
-            </a:extLst>
-          </a:blip>
-          <a:stretch>
-            <a:fillRect/>
-          </a:stretch>
+          <a:blip r:embed="rId6"/>
+          <a:stretch/>
         </p:blipFill>
-        <p:spPr>
+        <p:spPr bwMode="auto">
           <a:xfrm>
             <a:off x="10537765" y="4451057"/>
             <a:ext cx="878196" cy="1020123"/>
@@ -3701,18 +3519,10 @@
           <p:nvPr/>
         </p:nvPicPr>
         <p:blipFill>
-          <a:blip r:embed="rId7">
-            <a:extLst>
-              <a:ext uri="{28A0092B-C50C-407E-A947-70E740481C1C}">
-                <a14:useLocalDpi xmlns:a14="http://schemas.microsoft.com/office/drawing/2010/main" val="0"/>
-              </a:ext>
-            </a:extLst>
-          </a:blip>
-          <a:stretch>
-            <a:fillRect/>
-          </a:stretch>
+          <a:blip r:embed="rId7"/>
+          <a:stretch/>
         </p:blipFill>
-        <p:spPr>
+        <p:spPr bwMode="auto">
           <a:xfrm>
             <a:off x="8560998" y="5251735"/>
             <a:ext cx="924054" cy="828791"/>
@@ -3732,11 +3542,9 @@
         </p:nvPicPr>
         <p:blipFill>
           <a:blip r:embed="rId8"/>
-          <a:stretch>
-            <a:fillRect/>
-          </a:stretch>
+          <a:stretch/>
         </p:blipFill>
-        <p:spPr>
+        <p:spPr bwMode="auto">
           <a:xfrm>
             <a:off x="4740736" y="6258060"/>
             <a:ext cx="339786" cy="339786"/>
@@ -3755,18 +3563,10 @@
           <p:nvPr/>
         </p:nvPicPr>
         <p:blipFill>
-          <a:blip r:embed="rId9" cstate="print">
-            <a:extLst>
-              <a:ext uri="{28A0092B-C50C-407E-A947-70E740481C1C}">
-                <a14:useLocalDpi xmlns:a14="http://schemas.microsoft.com/office/drawing/2010/main" val="0"/>
-              </a:ext>
-            </a:extLst>
-          </a:blip>
-          <a:stretch>
-            <a:fillRect/>
-          </a:stretch>
+          <a:blip r:embed="rId9"/>
+          <a:stretch/>
         </p:blipFill>
-        <p:spPr>
+        <p:spPr bwMode="auto">
           <a:xfrm>
             <a:off x="3818869" y="6262465"/>
             <a:ext cx="339786" cy="339786"/>
@@ -3777,15 +3577,18 @@
         </p:spPr>
       </p:pic>
     </p:spTree>
-    <p:extLst>
-      <p:ext uri="{BB962C8B-B14F-4D97-AF65-F5344CB8AC3E}">
-        <p14:creationId xmlns:p14="http://schemas.microsoft.com/office/powerpoint/2010/main" val="3123765795"/>
-      </p:ext>
-    </p:extLst>
   </p:cSld>
   <p:clrMapOvr>
     <a:masterClrMapping/>
   </p:clrMapOvr>
+  <mc:AlternateContent xmlns:mc="http://schemas.openxmlformats.org/markup-compatibility/2006">
+    <mc:Choice xmlns:p14="http://schemas.microsoft.com/office/powerpoint/2010/main" Requires="p14">
+      <p:transition p14:dur="2000" advClick="1"/>
+    </mc:Choice>
+    <mc:Fallback>
+      <p:transition advClick="1"/>
+    </mc:Fallback>
+  </mc:AlternateContent>
   <p:timing>
     <p:tnLst>
       <p:par>
@@ -3797,15 +3600,15 @@
 </file>
 
 <file path=ppt/slides/slide11.xml><?xml version="1.0" encoding="utf-8"?>
-<p:sld xmlns:a="http://schemas.openxmlformats.org/drawingml/2006/main" xmlns:r="http://schemas.openxmlformats.org/officeDocument/2006/relationships" xmlns:p="http://schemas.openxmlformats.org/presentationml/2006/main">
-  <p:cSld>
+<p:sld xmlns:a="http://schemas.openxmlformats.org/drawingml/2006/main" xmlns:r="http://schemas.openxmlformats.org/officeDocument/2006/relationships" xmlns:p="http://schemas.openxmlformats.org/presentationml/2006/main" xmlns:m="http://schemas.openxmlformats.org/officeDocument/2006/math" xmlns:w="http://schemas.openxmlformats.org/wordprocessingml/2006/main" showMasterPhAnim="0" show="1">
+  <p:cSld name="">
     <p:spTree>
       <p:nvGrpSpPr>
         <p:cNvPr id="1" name=""/>
         <p:cNvGrpSpPr/>
         <p:nvPr/>
       </p:nvGrpSpPr>
-      <p:grpSpPr>
+      <p:grpSpPr bwMode="auto">
         <a:xfrm>
           <a:off x="0" y="0"/>
           <a:ext cx="0" cy="0"/>
@@ -3823,7 +3626,7 @@
             <p:ph type="title"/>
           </p:nvPr>
         </p:nvSpPr>
-        <p:spPr>
+        <p:spPr bwMode="auto">
           <a:xfrm>
             <a:off x="0" y="51473"/>
             <a:ext cx="12192000" cy="1325563"/>
@@ -3835,28 +3638,14 @@
           </a:bodyPr>
           <a:lstStyle/>
           <a:p>
-            <a:pPr algn="ctr"/>
-            <a:r>
-              <a:rPr lang="ru-RU" sz="8000" b="1" dirty="0" smtClean="0">
-                <a:effectLst>
-                  <a:outerShdw blurRad="38100" dist="38100" dir="2700000" algn="tl">
-                    <a:srgbClr val="000000">
-                      <a:alpha val="43137"/>
-                    </a:srgbClr>
-                  </a:outerShdw>
-                </a:effectLst>
-              </a:rPr>
+            <a:pPr algn="ctr">
+              <a:defRPr/>
+            </a:pPr>
+            <a:r>
+              <a:rPr lang="ru-RU" sz="8000" b="1"/>
               <a:t>База данных</a:t>
             </a:r>
-            <a:endParaRPr lang="ru-RU" sz="8000" b="1" dirty="0">
-              <a:effectLst>
-                <a:outerShdw blurRad="38100" dist="38100" dir="2700000" algn="tl">
-                  <a:srgbClr val="000000">
-                    <a:alpha val="43137"/>
-                  </a:srgbClr>
-                </a:outerShdw>
-              </a:effectLst>
-            </a:endParaRPr>
+            <a:endParaRPr lang="ru-RU" sz="8000" b="1"/>
           </a:p>
         </p:txBody>
       </p:sp>
@@ -3864,15 +3653,9 @@
         <p:nvGraphicFramePr>
           <p:cNvPr id="1032" name="Таблица 1031"/>
           <p:cNvGraphicFramePr>
-            <a:graphicFrameLocks noGrp="1"/>
+            <a:graphicFrameLocks xmlns:a="http://schemas.openxmlformats.org/drawingml/2006/main" noGrp="1"/>
           </p:cNvGraphicFramePr>
-          <p:nvPr>
-            <p:extLst>
-              <p:ext uri="{D42A27DB-BD31-4B8C-83A1-F6EECF244321}">
-                <p14:modId xmlns:p14="http://schemas.microsoft.com/office/powerpoint/2010/main" val="1727616131"/>
-              </p:ext>
-            </p:extLst>
-          </p:nvPr>
+          <p:nvPr/>
         </p:nvGraphicFramePr>
         <p:xfrm>
           <a:off x="805649" y="1959227"/>
@@ -3881,73 +3664,59 @@
         <a:graphic>
           <a:graphicData uri="http://schemas.openxmlformats.org/drawingml/2006/table">
             <a:tbl>
-              <a:tblPr firstRow="1" bandRow="1">
+              <a:tblPr firstRow="1" firstCol="0" lastRow="0" lastCol="0" bandRow="1" bandCol="0">
                 <a:tableStyleId>{5C22544A-7EE6-4342-B048-85BDC9FD1C3A}</a:tableStyleId>
               </a:tblPr>
               <a:tblGrid>
-                <a:gridCol w="2982448">
-                  <a:extLst>
-                    <a:ext uri="{9D8B030D-6E8A-4147-A177-3AD203B41FA5}">
-                      <a16:colId xmlns:a16="http://schemas.microsoft.com/office/drawing/2014/main" val="1857196245"/>
-                    </a:ext>
-                  </a:extLst>
-                </a:gridCol>
+                <a:gridCol w="2982448"/>
               </a:tblGrid>
               <a:tr h="370840">
                 <a:tc>
                   <a:txBody>
                     <a:bodyPr/>
-                    <a:lstStyle/>
                     <a:p>
-                      <a:pPr algn="ctr"/>
+                      <a:pPr algn="ctr">
+                        <a:defRPr/>
+                      </a:pPr>
                       <a:r>
-                        <a:rPr lang="en-GB" sz="2400" dirty="0" smtClean="0"/>
+                        <a:rPr lang="en-GB" sz="2400"/>
                         <a:t>SavedObjects</a:t>
                       </a:r>
-                      <a:endParaRPr lang="ru-RU" sz="2400" dirty="0"/>
+                      <a:endParaRPr lang="ru-RU" sz="2400"/>
                     </a:p>
                   </a:txBody>
                   <a:tcPr/>
                 </a:tc>
-                <a:extLst>
-                  <a:ext uri="{0D108BD9-81ED-4DB2-BD59-A6C34878D82A}">
-                    <a16:rowId xmlns:a16="http://schemas.microsoft.com/office/drawing/2014/main" val="3193513481"/>
-                  </a:ext>
-                </a:extLst>
               </a:tr>
               <a:tr h="370840">
                 <a:tc>
                   <a:txBody>
                     <a:bodyPr/>
-                    <a:lstStyle/>
                     <a:p>
-                      <a:pPr algn="l"/>
+                      <a:pPr algn="l">
+                        <a:defRPr/>
+                      </a:pPr>
                       <a:r>
-                        <a:rPr lang="ru-RU" sz="2400" dirty="0" smtClean="0"/>
+                        <a:rPr lang="ru-RU" sz="2400"/>
                         <a:t>Координаты</a:t>
                       </a:r>
                       <a:r>
-                        <a:rPr lang="ru-RU" sz="2400" baseline="0" dirty="0" smtClean="0"/>
+                        <a:rPr lang="ru-RU" sz="2400"/>
                         <a:t> и состояния </a:t>
                       </a:r>
                       <a:r>
-                        <a:rPr lang="ru-RU" sz="2400" dirty="0" smtClean="0"/>
+                        <a:rPr lang="ru-RU" sz="2400"/>
                         <a:t>объектов</a:t>
                       </a:r>
                       <a:r>
-                        <a:rPr lang="ru-RU" sz="2400" baseline="0" dirty="0" smtClean="0"/>
+                        <a:rPr lang="ru-RU" sz="2400"/>
                         <a:t> в момент сохранения</a:t>
                       </a:r>
-                      <a:endParaRPr lang="ru-RU" sz="2400" dirty="0"/>
+                      <a:endParaRPr lang="ru-RU" sz="2400"/>
                     </a:p>
                   </a:txBody>
                   <a:tcPr/>
                 </a:tc>
-                <a:extLst>
-                  <a:ext uri="{0D108BD9-81ED-4DB2-BD59-A6C34878D82A}">
-                    <a16:rowId xmlns:a16="http://schemas.microsoft.com/office/drawing/2014/main" val="1085372526"/>
-                  </a:ext>
-                </a:extLst>
               </a:tr>
             </a:tbl>
           </a:graphicData>
@@ -3957,15 +3726,9 @@
         <p:nvGraphicFramePr>
           <p:cNvPr id="1033" name="Таблица 1032"/>
           <p:cNvGraphicFramePr>
-            <a:graphicFrameLocks noGrp="1"/>
+            <a:graphicFrameLocks xmlns:a="http://schemas.openxmlformats.org/drawingml/2006/main" noGrp="1"/>
           </p:cNvGraphicFramePr>
-          <p:nvPr>
-            <p:extLst>
-              <p:ext uri="{D42A27DB-BD31-4B8C-83A1-F6EECF244321}">
-                <p14:modId xmlns:p14="http://schemas.microsoft.com/office/powerpoint/2010/main" val="3845610045"/>
-              </p:ext>
-            </p:extLst>
-          </p:nvPr>
+          <p:nvPr/>
         </p:nvGraphicFramePr>
         <p:xfrm>
           <a:off x="9021546" y="2324987"/>
@@ -3974,60 +3737,47 @@
         <a:graphic>
           <a:graphicData uri="http://schemas.openxmlformats.org/drawingml/2006/table">
             <a:tbl>
-              <a:tblPr firstRow="1" bandRow="1">
+              <a:tblPr firstRow="1" firstCol="0" lastRow="0" lastCol="0" bandRow="1" bandCol="0">
                 <a:tableStyleId>{5C22544A-7EE6-4342-B048-85BDC9FD1C3A}</a:tableStyleId>
               </a:tblPr>
               <a:tblGrid>
-                <a:gridCol w="2259686">
-                  <a:extLst>
-                    <a:ext uri="{9D8B030D-6E8A-4147-A177-3AD203B41FA5}">
-                      <a16:colId xmlns:a16="http://schemas.microsoft.com/office/drawing/2014/main" val="1326540487"/>
-                    </a:ext>
-                  </a:extLst>
-                </a:gridCol>
+                <a:gridCol w="2259686"/>
               </a:tblGrid>
               <a:tr h="451009">
                 <a:tc>
                   <a:txBody>
                     <a:bodyPr/>
-                    <a:lstStyle/>
                     <a:p>
-                      <a:pPr algn="ctr"/>
+                      <a:pPr algn="ctr">
+                        <a:defRPr/>
+                      </a:pPr>
                       <a:r>
-                        <a:rPr lang="en-GB" sz="2400" dirty="0" smtClean="0"/>
+                        <a:rPr lang="en-GB" sz="2400"/>
                         <a:t>SavedGame</a:t>
                       </a:r>
-                      <a:endParaRPr lang="ru-RU" sz="2400" dirty="0"/>
+                      <a:endParaRPr lang="ru-RU" sz="2400"/>
                     </a:p>
                   </a:txBody>
                   <a:tcPr/>
                 </a:tc>
-                <a:extLst>
-                  <a:ext uri="{0D108BD9-81ED-4DB2-BD59-A6C34878D82A}">
-                    <a16:rowId xmlns:a16="http://schemas.microsoft.com/office/drawing/2014/main" val="3079054417"/>
-                  </a:ext>
-                </a:extLst>
               </a:tr>
               <a:tr h="370840">
                 <a:tc>
                   <a:txBody>
                     <a:bodyPr/>
-                    <a:lstStyle/>
                     <a:p>
+                      <a:pPr>
+                        <a:defRPr/>
+                      </a:pPr>
                       <a:r>
-                        <a:rPr lang="ru-RU" sz="2400" baseline="0" dirty="0" smtClean="0"/>
+                        <a:rPr lang="ru-RU" sz="2400"/>
                         <a:t>Статистика игр</a:t>
                       </a:r>
-                      <a:endParaRPr lang="ru-RU" sz="2400" dirty="0"/>
+                      <a:endParaRPr lang="ru-RU" sz="2400"/>
                     </a:p>
                   </a:txBody>
                   <a:tcPr/>
                 </a:tc>
-                <a:extLst>
-                  <a:ext uri="{0D108BD9-81ED-4DB2-BD59-A6C34878D82A}">
-                    <a16:rowId xmlns:a16="http://schemas.microsoft.com/office/drawing/2014/main" val="1590451929"/>
-                  </a:ext>
-                </a:extLst>
               </a:tr>
             </a:tbl>
           </a:graphicData>
@@ -4037,15 +3787,9 @@
         <p:nvGraphicFramePr>
           <p:cNvPr id="1034" name="Таблица 1033"/>
           <p:cNvGraphicFramePr>
-            <a:graphicFrameLocks noGrp="1"/>
+            <a:graphicFrameLocks xmlns:a="http://schemas.openxmlformats.org/drawingml/2006/main" noGrp="1"/>
           </p:cNvGraphicFramePr>
-          <p:nvPr>
-            <p:extLst>
-              <p:ext uri="{D42A27DB-BD31-4B8C-83A1-F6EECF244321}">
-                <p14:modId xmlns:p14="http://schemas.microsoft.com/office/powerpoint/2010/main" val="612825551"/>
-              </p:ext>
-            </p:extLst>
-          </p:nvPr>
+          <p:nvPr/>
         </p:nvGraphicFramePr>
         <p:xfrm>
           <a:off x="4749800" y="1486902"/>
@@ -4054,60 +3798,47 @@
         <a:graphic>
           <a:graphicData uri="http://schemas.openxmlformats.org/drawingml/2006/table">
             <a:tbl>
-              <a:tblPr firstRow="1" bandRow="1">
+              <a:tblPr firstRow="1" firstCol="0" lastRow="0" lastCol="0" bandRow="1" bandCol="0">
                 <a:tableStyleId>{7DF18680-E054-41AD-8BC1-D1AEF772440D}</a:tableStyleId>
               </a:tblPr>
               <a:tblGrid>
-                <a:gridCol w="2895600">
-                  <a:extLst>
-                    <a:ext uri="{9D8B030D-6E8A-4147-A177-3AD203B41FA5}">
-                      <a16:colId xmlns:a16="http://schemas.microsoft.com/office/drawing/2014/main" val="3331380483"/>
-                    </a:ext>
-                  </a:extLst>
-                </a:gridCol>
+                <a:gridCol w="2895600"/>
               </a:tblGrid>
               <a:tr h="145325">
                 <a:tc>
                   <a:txBody>
                     <a:bodyPr/>
-                    <a:lstStyle/>
                     <a:p>
-                      <a:pPr algn="ctr"/>
+                      <a:pPr algn="ctr">
+                        <a:defRPr/>
+                      </a:pPr>
                       <a:r>
-                        <a:rPr lang="en-GB" sz="2400" dirty="0" smtClean="0"/>
+                        <a:rPr lang="en-GB" sz="2400"/>
                         <a:t>Settings</a:t>
                       </a:r>
-                      <a:endParaRPr lang="ru-RU" sz="2400" dirty="0"/>
+                      <a:endParaRPr lang="ru-RU" sz="2400"/>
                     </a:p>
                   </a:txBody>
                   <a:tcPr/>
                 </a:tc>
-                <a:extLst>
-                  <a:ext uri="{0D108BD9-81ED-4DB2-BD59-A6C34878D82A}">
-                    <a16:rowId xmlns:a16="http://schemas.microsoft.com/office/drawing/2014/main" val="1381129114"/>
-                  </a:ext>
-                </a:extLst>
               </a:tr>
               <a:tr h="370840">
                 <a:tc>
                   <a:txBody>
                     <a:bodyPr/>
-                    <a:lstStyle/>
                     <a:p>
+                      <a:pPr>
+                        <a:defRPr/>
+                      </a:pPr>
                       <a:r>
-                        <a:rPr lang="ru-RU" sz="2400" dirty="0" smtClean="0"/>
+                        <a:rPr lang="ru-RU" sz="2400"/>
                         <a:t>Заданные настройки</a:t>
                       </a:r>
-                      <a:endParaRPr lang="ru-RU" sz="2400" dirty="0"/>
+                      <a:endParaRPr lang="ru-RU" sz="2400"/>
                     </a:p>
                   </a:txBody>
                   <a:tcPr/>
                 </a:tc>
-                <a:extLst>
-                  <a:ext uri="{0D108BD9-81ED-4DB2-BD59-A6C34878D82A}">
-                    <a16:rowId xmlns:a16="http://schemas.microsoft.com/office/drawing/2014/main" val="3482507410"/>
-                  </a:ext>
-                </a:extLst>
               </a:tr>
             </a:tbl>
           </a:graphicData>
@@ -4117,42 +3848,29 @@
         <p:nvGraphicFramePr>
           <p:cNvPr id="1035" name="Таблица 1034"/>
           <p:cNvGraphicFramePr>
-            <a:graphicFrameLocks noGrp="1"/>
+            <a:graphicFrameLocks xmlns:a="http://schemas.openxmlformats.org/drawingml/2006/main" noGrp="1"/>
           </p:cNvGraphicFramePr>
-          <p:nvPr>
-            <p:extLst>
-              <p:ext uri="{D42A27DB-BD31-4B8C-83A1-F6EECF244321}">
-                <p14:modId xmlns:p14="http://schemas.microsoft.com/office/powerpoint/2010/main" val="2883806120"/>
-              </p:ext>
-            </p:extLst>
-          </p:nvPr>
+          <p:nvPr/>
         </p:nvGraphicFramePr>
         <p:xfrm>
-          <a:off x="690323" y="4187338"/>
+          <a:off x="690322" y="4187338"/>
           <a:ext cx="3213100" cy="1645920"/>
         </p:xfrm>
         <a:graphic>
           <a:graphicData uri="http://schemas.openxmlformats.org/drawingml/2006/table">
             <a:tbl>
-              <a:tblPr firstRow="1" bandRow="1">
+              <a:tblPr firstRow="1" firstCol="0" lastRow="0" lastCol="0" bandRow="1" bandCol="0">
                 <a:tableStyleId>{93296810-A885-4BE3-A3E7-6D5BEEA58F35}</a:tableStyleId>
               </a:tblPr>
               <a:tblGrid>
-                <a:gridCol w="3213100">
-                  <a:extLst>
-                    <a:ext uri="{9D8B030D-6E8A-4147-A177-3AD203B41FA5}">
-                      <a16:colId xmlns:a16="http://schemas.microsoft.com/office/drawing/2014/main" val="1316750782"/>
-                    </a:ext>
-                  </a:extLst>
-                </a:gridCol>
+                <a:gridCol w="3213100"/>
               </a:tblGrid>
               <a:tr h="370840">
                 <a:tc>
                   <a:txBody>
                     <a:bodyPr/>
-                    <a:lstStyle/>
                     <a:p>
-                      <a:pPr marL="0" marR="0" indent="0" algn="ctr" defTabSz="914400" rtl="0" eaLnBrk="1" fontAlgn="auto" latinLnBrk="0" hangingPunct="1">
+                      <a:pPr marL="0" marR="0" indent="0" algn="ctr" defTabSz="914400">
                         <a:lnSpc>
                           <a:spcPct val="100000"/>
                         </a:lnSpc>
@@ -4166,48 +3884,39 @@
                         <a:buSzTx/>
                         <a:buFontTx/>
                         <a:buNone/>
-                        <a:tabLst/>
                         <a:defRPr/>
                       </a:pPr>
                       <a:r>
-                        <a:rPr lang="en-GB" sz="2400" dirty="0" smtClean="0"/>
+                        <a:rPr lang="en-GB" sz="2400"/>
                         <a:t>EnemyTypes</a:t>
                       </a:r>
-                      <a:endParaRPr lang="ru-RU" sz="2400" dirty="0" smtClean="0"/>
+                      <a:endParaRPr lang="ru-RU" sz="2400"/>
                     </a:p>
                   </a:txBody>
                   <a:tcPr/>
                 </a:tc>
-                <a:extLst>
-                  <a:ext uri="{0D108BD9-81ED-4DB2-BD59-A6C34878D82A}">
-                    <a16:rowId xmlns:a16="http://schemas.microsoft.com/office/drawing/2014/main" val="845860484"/>
-                  </a:ext>
-                </a:extLst>
               </a:tr>
               <a:tr h="370840">
                 <a:tc>
                   <a:txBody>
                     <a:bodyPr/>
-                    <a:lstStyle/>
                     <a:p>
+                      <a:pPr>
+                        <a:defRPr/>
+                      </a:pPr>
                       <a:r>
-                        <a:rPr lang="ru-RU" sz="2400" dirty="0" smtClean="0"/>
+                        <a:rPr lang="ru-RU" sz="2400"/>
                         <a:t>Данные, необходимые для</a:t>
                       </a:r>
                       <a:r>
-                        <a:rPr lang="ru-RU" sz="2400" baseline="0" dirty="0" smtClean="0"/>
+                        <a:rPr lang="ru-RU" sz="2400"/>
                         <a:t> создания врага конкретного типа</a:t>
                       </a:r>
-                      <a:endParaRPr lang="ru-RU" sz="2400" dirty="0"/>
+                      <a:endParaRPr lang="ru-RU" sz="2400"/>
                     </a:p>
                   </a:txBody>
                   <a:tcPr/>
                 </a:tc>
-                <a:extLst>
-                  <a:ext uri="{0D108BD9-81ED-4DB2-BD59-A6C34878D82A}">
-                    <a16:rowId xmlns:a16="http://schemas.microsoft.com/office/drawing/2014/main" val="2271648856"/>
-                  </a:ext>
-                </a:extLst>
               </a:tr>
             </a:tbl>
           </a:graphicData>
@@ -4217,15 +3926,9 @@
         <p:nvGraphicFramePr>
           <p:cNvPr id="45" name="Таблица 44"/>
           <p:cNvGraphicFramePr>
-            <a:graphicFrameLocks noGrp="1"/>
+            <a:graphicFrameLocks xmlns:a="http://schemas.openxmlformats.org/drawingml/2006/main" noGrp="1"/>
           </p:cNvGraphicFramePr>
-          <p:nvPr>
-            <p:extLst>
-              <p:ext uri="{D42A27DB-BD31-4B8C-83A1-F6EECF244321}">
-                <p14:modId xmlns:p14="http://schemas.microsoft.com/office/powerpoint/2010/main" val="2633988740"/>
-              </p:ext>
-            </p:extLst>
-          </p:nvPr>
+          <p:nvPr/>
         </p:nvGraphicFramePr>
         <p:xfrm>
           <a:off x="4549775" y="4733438"/>
@@ -4234,25 +3937,18 @@
         <a:graphic>
           <a:graphicData uri="http://schemas.openxmlformats.org/drawingml/2006/table">
             <a:tbl>
-              <a:tblPr firstRow="1" bandRow="1">
+              <a:tblPr firstRow="1" firstCol="0" lastRow="0" lastCol="0" bandRow="1" bandCol="0">
                 <a:tableStyleId>{93296810-A885-4BE3-A3E7-6D5BEEA58F35}</a:tableStyleId>
               </a:tblPr>
               <a:tblGrid>
-                <a:gridCol w="3295650">
-                  <a:extLst>
-                    <a:ext uri="{9D8B030D-6E8A-4147-A177-3AD203B41FA5}">
-                      <a16:colId xmlns:a16="http://schemas.microsoft.com/office/drawing/2014/main" val="1316750782"/>
-                    </a:ext>
-                  </a:extLst>
-                </a:gridCol>
+                <a:gridCol w="3295650"/>
               </a:tblGrid>
               <a:tr h="0">
                 <a:tc>
                   <a:txBody>
                     <a:bodyPr/>
-                    <a:lstStyle/>
                     <a:p>
-                      <a:pPr marL="0" marR="0" indent="0" algn="ctr" defTabSz="914400" rtl="0" eaLnBrk="1" fontAlgn="auto" latinLnBrk="0" hangingPunct="1">
+                      <a:pPr marL="0" marR="0" indent="0" algn="ctr" defTabSz="914400">
                         <a:lnSpc>
                           <a:spcPct val="100000"/>
                         </a:lnSpc>
@@ -4266,48 +3962,39 @@
                         <a:buSzTx/>
                         <a:buFontTx/>
                         <a:buNone/>
-                        <a:tabLst/>
                         <a:defRPr/>
                       </a:pPr>
                       <a:r>
-                        <a:rPr lang="en-GB" sz="2400" dirty="0" smtClean="0"/>
+                        <a:rPr lang="en-GB" sz="2400"/>
                         <a:t>PlayerTypes</a:t>
                       </a:r>
-                      <a:endParaRPr lang="ru-RU" sz="2400" dirty="0" smtClean="0"/>
+                      <a:endParaRPr lang="ru-RU" sz="2400"/>
                     </a:p>
                   </a:txBody>
                   <a:tcPr/>
                 </a:tc>
-                <a:extLst>
-                  <a:ext uri="{0D108BD9-81ED-4DB2-BD59-A6C34878D82A}">
-                    <a16:rowId xmlns:a16="http://schemas.microsoft.com/office/drawing/2014/main" val="845860484"/>
-                  </a:ext>
-                </a:extLst>
               </a:tr>
               <a:tr h="1188720">
                 <a:tc>
                   <a:txBody>
                     <a:bodyPr/>
-                    <a:lstStyle/>
                     <a:p>
+                      <a:pPr>
+                        <a:defRPr/>
+                      </a:pPr>
                       <a:r>
-                        <a:rPr lang="ru-RU" sz="2400" dirty="0" smtClean="0"/>
+                        <a:rPr lang="ru-RU" sz="2400"/>
                         <a:t>Данные, необходимые для</a:t>
                       </a:r>
                       <a:r>
-                        <a:rPr lang="ru-RU" sz="2400" baseline="0" dirty="0" smtClean="0"/>
+                        <a:rPr lang="ru-RU" sz="2400"/>
                         <a:t> создания игрока конкретного типа</a:t>
                       </a:r>
-                      <a:endParaRPr lang="ru-RU" sz="2400" dirty="0"/>
+                      <a:endParaRPr lang="ru-RU" sz="2400"/>
                     </a:p>
                   </a:txBody>
                   <a:tcPr/>
                 </a:tc>
-                <a:extLst>
-                  <a:ext uri="{0D108BD9-81ED-4DB2-BD59-A6C34878D82A}">
-                    <a16:rowId xmlns:a16="http://schemas.microsoft.com/office/drawing/2014/main" val="2271648856"/>
-                  </a:ext>
-                </a:extLst>
               </a:tr>
             </a:tbl>
           </a:graphicData>
@@ -4317,15 +4004,9 @@
         <p:nvGraphicFramePr>
           <p:cNvPr id="46" name="Таблица 45"/>
           <p:cNvGraphicFramePr>
-            <a:graphicFrameLocks noGrp="1"/>
+            <a:graphicFrameLocks xmlns:a="http://schemas.openxmlformats.org/drawingml/2006/main" noGrp="1"/>
           </p:cNvGraphicFramePr>
-          <p:nvPr>
-            <p:extLst>
-              <p:ext uri="{D42A27DB-BD31-4B8C-83A1-F6EECF244321}">
-                <p14:modId xmlns:p14="http://schemas.microsoft.com/office/powerpoint/2010/main" val="26154152"/>
-              </p:ext>
-            </p:extLst>
-          </p:nvPr>
+          <p:nvPr/>
         </p:nvGraphicFramePr>
         <p:xfrm>
           <a:off x="8491777" y="4187338"/>
@@ -4334,25 +4015,18 @@
         <a:graphic>
           <a:graphicData uri="http://schemas.openxmlformats.org/drawingml/2006/table">
             <a:tbl>
-              <a:tblPr firstRow="1" bandRow="1">
+              <a:tblPr firstRow="1" firstCol="0" lastRow="0" lastCol="0" bandRow="1" bandCol="0">
                 <a:tableStyleId>{93296810-A885-4BE3-A3E7-6D5BEEA58F35}</a:tableStyleId>
               </a:tblPr>
               <a:tblGrid>
-                <a:gridCol w="3319224">
-                  <a:extLst>
-                    <a:ext uri="{9D8B030D-6E8A-4147-A177-3AD203B41FA5}">
-                      <a16:colId xmlns:a16="http://schemas.microsoft.com/office/drawing/2014/main" val="1316750782"/>
-                    </a:ext>
-                  </a:extLst>
-                </a:gridCol>
+                <a:gridCol w="3319224"/>
               </a:tblGrid>
               <a:tr h="370840">
                 <a:tc>
                   <a:txBody>
                     <a:bodyPr/>
-                    <a:lstStyle/>
                     <a:p>
-                      <a:pPr marL="0" marR="0" indent="0" algn="ctr" defTabSz="914400" rtl="0" eaLnBrk="1" fontAlgn="auto" latinLnBrk="0" hangingPunct="1">
+                      <a:pPr marL="0" marR="0" indent="0" algn="ctr" defTabSz="914400">
                         <a:lnSpc>
                           <a:spcPct val="100000"/>
                         </a:lnSpc>
@@ -4366,48 +4040,39 @@
                         <a:buSzTx/>
                         <a:buFontTx/>
                         <a:buNone/>
-                        <a:tabLst/>
                         <a:defRPr/>
                       </a:pPr>
                       <a:r>
-                        <a:rPr lang="en-GB" sz="2400" dirty="0" smtClean="0"/>
+                        <a:rPr lang="en-GB" sz="2400"/>
                         <a:t>BulletTypes</a:t>
                       </a:r>
-                      <a:endParaRPr lang="ru-RU" sz="2400" dirty="0" smtClean="0"/>
+                      <a:endParaRPr lang="ru-RU" sz="2400"/>
                     </a:p>
                   </a:txBody>
                   <a:tcPr/>
                 </a:tc>
-                <a:extLst>
-                  <a:ext uri="{0D108BD9-81ED-4DB2-BD59-A6C34878D82A}">
-                    <a16:rowId xmlns:a16="http://schemas.microsoft.com/office/drawing/2014/main" val="845860484"/>
-                  </a:ext>
-                </a:extLst>
               </a:tr>
               <a:tr h="370840">
                 <a:tc>
                   <a:txBody>
                     <a:bodyPr/>
-                    <a:lstStyle/>
                     <a:p>
+                      <a:pPr>
+                        <a:defRPr/>
+                      </a:pPr>
                       <a:r>
-                        <a:rPr lang="ru-RU" sz="2400" dirty="0" smtClean="0"/>
+                        <a:rPr lang="ru-RU" sz="2400"/>
                         <a:t>Данные, необходимые для</a:t>
                       </a:r>
                       <a:r>
-                        <a:rPr lang="ru-RU" sz="2400" baseline="0" dirty="0" smtClean="0"/>
+                        <a:rPr lang="ru-RU" sz="2400"/>
                         <a:t> создания пуль конкретного типа</a:t>
                       </a:r>
-                      <a:endParaRPr lang="ru-RU" sz="2400" dirty="0"/>
+                      <a:endParaRPr lang="ru-RU" sz="2400"/>
                     </a:p>
                   </a:txBody>
                   <a:tcPr/>
                 </a:tc>
-                <a:extLst>
-                  <a:ext uri="{0D108BD9-81ED-4DB2-BD59-A6C34878D82A}">
-                    <a16:rowId xmlns:a16="http://schemas.microsoft.com/office/drawing/2014/main" val="2271648856"/>
-                  </a:ext>
-                </a:extLst>
               </a:tr>
             </a:tbl>
           </a:graphicData>
@@ -4422,48 +4087,33 @@
           <p:nvPr/>
         </p:nvPicPr>
         <p:blipFill>
-          <a:blip r:embed="rId2" cstate="print">
-            <a:extLst>
-              <a:ext uri="{28A0092B-C50C-407E-A947-70E740481C1C}">
-                <a14:useLocalDpi xmlns:a14="http://schemas.microsoft.com/office/drawing/2010/main" val="0"/>
-              </a:ext>
-            </a:extLst>
-          </a:blip>
-          <a:srcRect/>
-          <a:stretch>
-            <a:fillRect/>
-          </a:stretch>
+          <a:blip r:embed="rId2"/>
+          <a:stretch/>
         </p:blipFill>
         <p:spPr bwMode="auto">
           <a:xfrm>
             <a:off x="4549775" y="2947402"/>
-            <a:ext cx="3306496" cy="1239936"/>
+            <a:ext cx="3306495" cy="1239936"/>
           </a:xfrm>
           <a:prstGeom prst="rect">
             <a:avLst/>
           </a:prstGeom>
           <a:noFill/>
-          <a:extLst>
-            <a:ext uri="{909E8E84-426E-40DD-AFC4-6F175D3DCCD1}">
-              <a14:hiddenFill xmlns:a14="http://schemas.microsoft.com/office/drawing/2010/main">
-                <a:solidFill>
-                  <a:srgbClr val="FFFFFF"/>
-                </a:solidFill>
-              </a14:hiddenFill>
-            </a:ext>
-          </a:extLst>
         </p:spPr>
       </p:pic>
     </p:spTree>
-    <p:extLst>
-      <p:ext uri="{BB962C8B-B14F-4D97-AF65-F5344CB8AC3E}">
-        <p14:creationId xmlns:p14="http://schemas.microsoft.com/office/powerpoint/2010/main" val="1789036735"/>
-      </p:ext>
-    </p:extLst>
   </p:cSld>
   <p:clrMapOvr>
     <a:masterClrMapping/>
   </p:clrMapOvr>
+  <mc:AlternateContent xmlns:mc="http://schemas.openxmlformats.org/markup-compatibility/2006">
+    <mc:Choice xmlns:p14="http://schemas.microsoft.com/office/powerpoint/2010/main" Requires="p14">
+      <p:transition p14:dur="2000" advClick="1"/>
+    </mc:Choice>
+    <mc:Fallback>
+      <p:transition advClick="1"/>
+    </mc:Fallback>
+  </mc:AlternateContent>
   <p:timing>
     <p:tnLst>
       <p:par>
@@ -4475,15 +4125,15 @@
 </file>
 
 <file path=ppt/slides/slide12.xml><?xml version="1.0" encoding="utf-8"?>
-<p:sld xmlns:a="http://schemas.openxmlformats.org/drawingml/2006/main" xmlns:r="http://schemas.openxmlformats.org/officeDocument/2006/relationships" xmlns:p="http://schemas.openxmlformats.org/presentationml/2006/main">
-  <p:cSld>
+<p:sld xmlns:a="http://schemas.openxmlformats.org/drawingml/2006/main" xmlns:r="http://schemas.openxmlformats.org/officeDocument/2006/relationships" xmlns:p="http://schemas.openxmlformats.org/presentationml/2006/main" xmlns:m="http://schemas.openxmlformats.org/officeDocument/2006/math" xmlns:w="http://schemas.openxmlformats.org/wordprocessingml/2006/main" showMasterPhAnim="0" show="1">
+  <p:cSld name="">
     <p:spTree>
       <p:nvGrpSpPr>
         <p:cNvPr id="1" name=""/>
         <p:cNvGrpSpPr/>
         <p:nvPr/>
       </p:nvGrpSpPr>
-      <p:grpSpPr>
+      <p:grpSpPr bwMode="auto">
         <a:xfrm>
           <a:off x="0" y="0"/>
           <a:ext cx="0" cy="0"/>
@@ -4497,9 +4147,9 @@
           <p:cNvSpPr txBox="1"/>
           <p:nvPr/>
         </p:nvSpPr>
-        <p:spPr>
-          <a:xfrm>
-            <a:off x="2550828" y="2916460"/>
+        <p:spPr bwMode="auto">
+          <a:xfrm>
+            <a:off x="2550828" y="2916459"/>
             <a:ext cx="7094482" cy="523220"/>
           </a:xfrm>
           <a:prstGeom prst="rect">
@@ -4513,25 +4163,30 @@
           </a:bodyPr>
           <a:lstStyle/>
           <a:p>
-            <a:pPr algn="ctr"/>
-            <a:r>
-              <a:rPr lang="ru-RU" sz="2800" dirty="0" smtClean="0"/>
+            <a:pPr algn="ctr">
+              <a:defRPr/>
+            </a:pPr>
+            <a:r>
+              <a:rPr lang="ru-RU" sz="2800"/>
               <a:t>тут будет видео игры</a:t>
             </a:r>
-            <a:endParaRPr lang="ru-RU" sz="2800" dirty="0"/>
+            <a:endParaRPr lang="ru-RU" sz="2800"/>
           </a:p>
         </p:txBody>
       </p:sp>
     </p:spTree>
-    <p:extLst>
-      <p:ext uri="{BB962C8B-B14F-4D97-AF65-F5344CB8AC3E}">
-        <p14:creationId xmlns:p14="http://schemas.microsoft.com/office/powerpoint/2010/main" val="3092105942"/>
-      </p:ext>
-    </p:extLst>
   </p:cSld>
   <p:clrMapOvr>
     <a:masterClrMapping/>
   </p:clrMapOvr>
+  <mc:AlternateContent xmlns:mc="http://schemas.openxmlformats.org/markup-compatibility/2006">
+    <mc:Choice xmlns:p14="http://schemas.microsoft.com/office/powerpoint/2010/main" Requires="p14">
+      <p:transition p14:dur="2000" advClick="1"/>
+    </mc:Choice>
+    <mc:Fallback>
+      <p:transition advClick="1"/>
+    </mc:Fallback>
+  </mc:AlternateContent>
   <p:timing>
     <p:tnLst>
       <p:par>
@@ -4543,15 +4198,15 @@
 </file>
 
 <file path=ppt/slides/slide13.xml><?xml version="1.0" encoding="utf-8"?>
-<p:sld xmlns:a="http://schemas.openxmlformats.org/drawingml/2006/main" xmlns:r="http://schemas.openxmlformats.org/officeDocument/2006/relationships" xmlns:p="http://schemas.openxmlformats.org/presentationml/2006/main">
-  <p:cSld>
+<p:sld xmlns:a="http://schemas.openxmlformats.org/drawingml/2006/main" xmlns:r="http://schemas.openxmlformats.org/officeDocument/2006/relationships" xmlns:p="http://schemas.openxmlformats.org/presentationml/2006/main" xmlns:m="http://schemas.openxmlformats.org/officeDocument/2006/math" xmlns:w="http://schemas.openxmlformats.org/wordprocessingml/2006/main" showMasterPhAnim="0" show="1">
+  <p:cSld name="">
     <p:spTree>
       <p:nvGrpSpPr>
         <p:cNvPr id="1" name=""/>
         <p:cNvGrpSpPr/>
         <p:nvPr/>
       </p:nvGrpSpPr>
-      <p:grpSpPr>
+      <p:grpSpPr bwMode="auto">
         <a:xfrm>
           <a:off x="0" y="0"/>
           <a:ext cx="0" cy="0"/>
@@ -4565,10 +4220,10 @@
           <p:cNvSpPr/>
           <p:nvPr/>
         </p:nvSpPr>
-        <p:spPr>
+        <p:spPr bwMode="auto">
           <a:xfrm>
             <a:off x="630621" y="1644479"/>
-            <a:ext cx="10930758" cy="1454950"/>
+            <a:ext cx="10930758" cy="1454949"/>
           </a:xfrm>
           <a:prstGeom prst="rect">
             <a:avLst/>
@@ -4587,51 +4242,52 @@
               <a:spcAft>
                 <a:spcPts val="800"/>
               </a:spcAft>
-            </a:pPr>
-            <a:r>
-              <a:rPr lang="ru-RU" dirty="0" smtClean="0">
-                <a:latin typeface="Calibri" panose="020F0502020204030204" pitchFamily="34" charset="0"/>
-                <a:ea typeface="Calibri" panose="020F0502020204030204" pitchFamily="34" charset="0"/>
-                <a:cs typeface="Times New Roman" panose="02020603050405020304" pitchFamily="18" charset="0"/>
+              <a:defRPr/>
+            </a:pPr>
+            <a:r>
+              <a:rPr lang="ru-RU">
+                <a:latin typeface="Calibri"/>
+                <a:ea typeface="Calibri"/>
+                <a:cs typeface="Times New Roman"/>
               </a:rPr>
               <a:t>	</a:t>
             </a:r>
             <a:r>
-              <a:rPr lang="ru-RU" sz="2800" dirty="0" smtClean="0">
-                <a:latin typeface="Calibri" panose="020F0502020204030204" pitchFamily="34" charset="0"/>
-                <a:ea typeface="Calibri" panose="020F0502020204030204" pitchFamily="34" charset="0"/>
-                <a:cs typeface="Times New Roman" panose="02020603050405020304" pitchFamily="18" charset="0"/>
+              <a:rPr lang="ru-RU" sz="2800">
+                <a:latin typeface="Calibri"/>
+                <a:ea typeface="Calibri"/>
+                <a:cs typeface="Times New Roman"/>
               </a:rPr>
               <a:t>В </a:t>
             </a:r>
             <a:r>
-              <a:rPr lang="ru-RU" sz="2800" dirty="0">
-                <a:latin typeface="Calibri" panose="020F0502020204030204" pitchFamily="34" charset="0"/>
-                <a:ea typeface="Calibri" panose="020F0502020204030204" pitchFamily="34" charset="0"/>
-                <a:cs typeface="Times New Roman" panose="02020603050405020304" pitchFamily="18" charset="0"/>
+              <a:rPr lang="ru-RU" sz="2800">
+                <a:latin typeface="Calibri"/>
+                <a:ea typeface="Calibri"/>
+                <a:cs typeface="Times New Roman"/>
               </a:rPr>
               <a:t>качестве дальнейших доработок можно рассмотреть возможность выбора типа игрока, </a:t>
             </a:r>
             <a:r>
-              <a:rPr lang="ru-RU" sz="2800" dirty="0" smtClean="0">
-                <a:latin typeface="Calibri" panose="020F0502020204030204" pitchFamily="34" charset="0"/>
-                <a:ea typeface="Calibri" panose="020F0502020204030204" pitchFamily="34" charset="0"/>
-                <a:cs typeface="Times New Roman" panose="02020603050405020304" pitchFamily="18" charset="0"/>
+              <a:rPr lang="ru-RU" sz="2800">
+                <a:latin typeface="Calibri"/>
+                <a:ea typeface="Calibri"/>
+                <a:cs typeface="Times New Roman"/>
               </a:rPr>
               <a:t>а также добавление новых типов врагов, пуль и усилений</a:t>
             </a:r>
             <a:r>
-              <a:rPr lang="ru-RU" sz="2800" dirty="0" smtClean="0">
-                <a:latin typeface="Calibri" panose="020F0502020204030204" pitchFamily="34" charset="0"/>
-                <a:ea typeface="Calibri" panose="020F0502020204030204" pitchFamily="34" charset="0"/>
-                <a:cs typeface="Times New Roman" panose="02020603050405020304" pitchFamily="18" charset="0"/>
+              <a:rPr lang="ru-RU" sz="2800">
+                <a:latin typeface="Calibri"/>
+                <a:ea typeface="Calibri"/>
+                <a:cs typeface="Times New Roman"/>
               </a:rPr>
               <a:t>.</a:t>
             </a:r>
-            <a:endParaRPr lang="en-GB" sz="2800" dirty="0" smtClean="0">
-              <a:latin typeface="Calibri" panose="020F0502020204030204" pitchFamily="34" charset="0"/>
-              <a:ea typeface="Calibri" panose="020F0502020204030204" pitchFamily="34" charset="0"/>
-              <a:cs typeface="Times New Roman" panose="02020603050405020304" pitchFamily="18" charset="0"/>
+            <a:endParaRPr lang="en-GB" sz="2800">
+              <a:latin typeface="Calibri"/>
+              <a:ea typeface="Calibri"/>
+              <a:cs typeface="Times New Roman"/>
             </a:endParaRPr>
           </a:p>
         </p:txBody>
@@ -4642,7 +4298,7 @@
           <p:cNvSpPr txBox="1"/>
           <p:nvPr/>
         </p:nvSpPr>
-        <p:spPr>
+        <p:spPr bwMode="auto">
           <a:xfrm>
             <a:off x="1" y="94592"/>
             <a:ext cx="12191999" cy="1323439"/>
@@ -4658,71 +4314,115 @@
           </a:bodyPr>
           <a:lstStyle/>
           <a:p>
-            <a:pPr algn="ctr"/>
-            <a:r>
-              <a:rPr lang="ru-RU" sz="8000" b="1" dirty="0" smtClean="0">
-                <a:effectLst>
-                  <a:outerShdw blurRad="38100" dist="38100" dir="2700000" algn="tl">
-                    <a:srgbClr val="000000">
-                      <a:alpha val="43137"/>
-                    </a:srgbClr>
-                  </a:outerShdw>
-                </a:effectLst>
-              </a:rPr>
+            <a:pPr algn="ctr">
+              <a:defRPr/>
+            </a:pPr>
+            <a:r>
+              <a:rPr lang="ru-RU" sz="8000" b="1"/>
               <a:t>Дальнейшее развитие</a:t>
             </a:r>
-            <a:endParaRPr lang="ru-RU" sz="8000" b="1" dirty="0">
-              <a:effectLst>
-                <a:outerShdw blurRad="38100" dist="38100" dir="2700000" algn="tl">
-                  <a:srgbClr val="000000">
-                    <a:alpha val="43137"/>
-                  </a:srgbClr>
-                </a:outerShdw>
-              </a:effectLst>
-            </a:endParaRPr>
+            <a:endParaRPr lang="ru-RU" sz="8000" b="1"/>
           </a:p>
         </p:txBody>
       </p:sp>
       <p:pic>
         <p:nvPicPr>
-          <p:cNvPr id="3" name="Рисунок 2"/>
+          <p:cNvPr id="372670891" name=""/>
           <p:cNvPicPr>
             <a:picLocks noChangeAspect="1"/>
           </p:cNvPicPr>
           <p:nvPr/>
         </p:nvPicPr>
         <p:blipFill>
-          <a:blip r:embed="rId2" cstate="print">
-            <a:extLst>
-              <a:ext uri="{28A0092B-C50C-407E-A947-70E740481C1C}">
-                <a14:useLocalDpi xmlns:a14="http://schemas.microsoft.com/office/drawing/2010/main" val="0"/>
-              </a:ext>
-            </a:extLst>
-          </a:blip>
-          <a:stretch>
-            <a:fillRect/>
-          </a:stretch>
+          <a:blip r:embed="rId2"/>
+          <a:stretch/>
         </p:blipFill>
-        <p:spPr>
-          <a:xfrm>
-            <a:off x="4206009" y="3188854"/>
-            <a:ext cx="3355109" cy="3355109"/>
+        <p:spPr bwMode="auto">
+          <a:xfrm flipH="0" flipV="0">
+            <a:off x="4719204" y="2960883"/>
+            <a:ext cx="2753590" cy="2753590"/>
           </a:xfrm>
           <a:prstGeom prst="rect">
             <a:avLst/>
           </a:prstGeom>
         </p:spPr>
       </p:pic>
+      <p:sp>
+        <p:nvSpPr>
+          <p:cNvPr id="1728839601" name=""/>
+          <p:cNvSpPr txBox="1"/>
+          <p:nvPr/>
+        </p:nvSpPr>
+        <p:spPr bwMode="auto">
+          <a:xfrm flipH="0" flipV="0">
+            <a:off x="4258249" y="5714474"/>
+            <a:ext cx="3675501" cy="366119"/>
+          </a:xfrm>
+          <a:prstGeom prst="rect">
+            <a:avLst/>
+          </a:prstGeom>
+          <a:noFill/>
+        </p:spPr>
+        <p:txBody>
+          <a:bodyPr vertOverflow="overflow" horzOverflow="overflow" vert="horz" wrap="none" lIns="91440" tIns="45720" rIns="91440" bIns="45720" numCol="1" spcCol="0" rtlCol="0" fromWordArt="0" anchor="t" anchorCtr="0" forceAA="0" upright="0" compatLnSpc="0">
+            <a:spAutoFit/>
+          </a:bodyPr>
+          <a:p>
+            <a:pPr>
+              <a:defRPr/>
+            </a:pPr>
+            <a:r>
+              <a:rPr lang="en-US" i="0">
+                <a:solidFill>
+                  <a:schemeClr val="tx1">
+                    <a:lumMod val="65000"/>
+                    <a:lumOff val="35000"/>
+                  </a:schemeClr>
+                </a:solidFill>
+              </a:rPr>
+              <a:t>https://github.com/</a:t>
+            </a:r>
+            <a:r>
+              <a:rPr lang="en-US" i="0">
+                <a:solidFill>
+                  <a:schemeClr val="tx1"/>
+                </a:solidFill>
+              </a:rPr>
+              <a:t>virashu</a:t>
+            </a:r>
+            <a:r>
+              <a:rPr lang="en-US" i="0">
+                <a:solidFill>
+                  <a:schemeClr val="tx1"/>
+                </a:solidFill>
+              </a:rPr>
+              <a:t>/</a:t>
+            </a:r>
+            <a:r>
+              <a:rPr lang="en-US" i="0">
+                <a:solidFill>
+                  <a:schemeClr val="tx1"/>
+                </a:solidFill>
+              </a:rPr>
+              <a:t>danmaku</a:t>
+            </a:r>
+            <a:endParaRPr/>
+          </a:p>
+        </p:txBody>
+      </p:sp>
     </p:spTree>
-    <p:extLst>
-      <p:ext uri="{BB962C8B-B14F-4D97-AF65-F5344CB8AC3E}">
-        <p14:creationId xmlns:p14="http://schemas.microsoft.com/office/powerpoint/2010/main" val="1772446538"/>
-      </p:ext>
-    </p:extLst>
   </p:cSld>
   <p:clrMapOvr>
     <a:masterClrMapping/>
   </p:clrMapOvr>
+  <mc:AlternateContent xmlns:mc="http://schemas.openxmlformats.org/markup-compatibility/2006">
+    <mc:Choice xmlns:p14="http://schemas.microsoft.com/office/powerpoint/2010/main" Requires="p14">
+      <p:transition p14:dur="2000" advClick="1"/>
+    </mc:Choice>
+    <mc:Fallback>
+      <p:transition advClick="1"/>
+    </mc:Fallback>
+  </mc:AlternateContent>
   <p:timing>
     <p:tnLst>
       <p:par>
@@ -4734,15 +4434,15 @@
 </file>
 
 <file path=ppt/slides/slide2.xml><?xml version="1.0" encoding="utf-8"?>
-<p:sld xmlns:a="http://schemas.openxmlformats.org/drawingml/2006/main" xmlns:r="http://schemas.openxmlformats.org/officeDocument/2006/relationships" xmlns:p="http://schemas.openxmlformats.org/presentationml/2006/main">
-  <p:cSld>
+<p:sld xmlns:a="http://schemas.openxmlformats.org/drawingml/2006/main" xmlns:r="http://schemas.openxmlformats.org/officeDocument/2006/relationships" xmlns:p="http://schemas.openxmlformats.org/presentationml/2006/main" xmlns:m="http://schemas.openxmlformats.org/officeDocument/2006/math" xmlns:w="http://schemas.openxmlformats.org/wordprocessingml/2006/main" showMasterPhAnim="0" show="1">
+  <p:cSld name="">
     <p:spTree>
       <p:nvGrpSpPr>
         <p:cNvPr id="1" name=""/>
         <p:cNvGrpSpPr/>
         <p:nvPr/>
       </p:nvGrpSpPr>
-      <p:grpSpPr>
+      <p:grpSpPr bwMode="auto">
         <a:xfrm>
           <a:off x="0" y="0"/>
           <a:ext cx="0" cy="0"/>
@@ -4760,7 +4460,7 @@
             <p:ph type="subTitle" idx="4294967295"/>
           </p:nvPr>
         </p:nvSpPr>
-        <p:spPr>
+        <p:spPr bwMode="auto">
           <a:xfrm>
             <a:off x="503237" y="1351283"/>
             <a:ext cx="11185525" cy="2332037"/>
@@ -4774,68 +4474,69 @@
           <a:p>
             <a:pPr marL="0" indent="0" algn="just">
               <a:buNone/>
-            </a:pPr>
-            <a:r>
-              <a:rPr lang="ru-RU" dirty="0" smtClean="0"/>
+              <a:defRPr/>
+            </a:pPr>
+            <a:r>
+              <a:rPr lang="ru-RU"/>
               <a:t>	Цель проекта: создать игру в жанре аркадных игр, «классический вертикальный Данмаку-шутер», также известный как </a:t>
             </a:r>
             <a:r>
-              <a:rPr lang="en-GB" dirty="0" smtClean="0"/>
+              <a:rPr lang="en-GB"/>
               <a:t>Bullet hell.</a:t>
             </a:r>
             <a:r>
-              <a:rPr lang="ru-RU" dirty="0" smtClean="0"/>
+              <a:rPr lang="ru-RU"/>
               <a:t> В качестве примера похожих игр можно  привести серию игр «</a:t>
             </a:r>
             <a:r>
-              <a:rPr lang="en-GB" dirty="0" smtClean="0"/>
+              <a:rPr lang="en-GB"/>
               <a:t>Touhou Project</a:t>
             </a:r>
             <a:r>
-              <a:rPr lang="ru-RU" dirty="0" smtClean="0"/>
+              <a:rPr lang="ru-RU"/>
               <a:t>»</a:t>
             </a:r>
             <a:r>
-              <a:rPr lang="en-GB" dirty="0" smtClean="0"/>
+              <a:rPr lang="en-GB"/>
               <a:t>, </a:t>
             </a:r>
             <a:r>
-              <a:rPr lang="ru-RU" dirty="0" smtClean="0"/>
+              <a:rPr lang="ru-RU"/>
               <a:t>«</a:t>
             </a:r>
             <a:r>
-              <a:rPr lang="en-GB" dirty="0" smtClean="0"/>
+              <a:rPr lang="en-GB"/>
               <a:t>Batsugun</a:t>
             </a:r>
             <a:r>
-              <a:rPr lang="ru-RU" dirty="0" smtClean="0"/>
+              <a:rPr lang="ru-RU"/>
               <a:t>»</a:t>
             </a:r>
             <a:r>
-              <a:rPr lang="en-GB" dirty="0" smtClean="0"/>
+              <a:rPr lang="en-GB"/>
               <a:t>.</a:t>
             </a:r>
             <a:r>
-              <a:rPr lang="ru-RU" dirty="0" smtClean="0"/>
+              <a:rPr lang="ru-RU"/>
               <a:t> Также среди игр с похожими механиками можно назвать «</a:t>
             </a:r>
             <a:r>
-              <a:rPr lang="en-GB" dirty="0" smtClean="0"/>
+              <a:rPr lang="en-GB"/>
               <a:t>Undertale</a:t>
             </a:r>
             <a:r>
-              <a:rPr lang="ru-RU" dirty="0" smtClean="0"/>
+              <a:rPr lang="ru-RU"/>
               <a:t>», «</a:t>
             </a:r>
             <a:r>
-              <a:rPr lang="en-GB" dirty="0" smtClean="0"/>
+              <a:rPr lang="en-GB"/>
               <a:t>Enter the Gungeon</a:t>
             </a:r>
             <a:r>
-              <a:rPr lang="ru-RU" dirty="0" smtClean="0"/>
+              <a:rPr lang="ru-RU"/>
               <a:t>».</a:t>
             </a:r>
-            <a:endParaRPr lang="en-GB" dirty="0" smtClean="0"/>
+            <a:endParaRPr lang="en-GB"/>
           </a:p>
         </p:txBody>
       </p:sp>
@@ -4849,7 +4550,7 @@
             <p:ph type="ctrTitle" idx="4294967295"/>
           </p:nvPr>
         </p:nvSpPr>
-        <p:spPr>
+        <p:spPr bwMode="auto">
           <a:xfrm>
             <a:off x="0" y="0"/>
             <a:ext cx="12192000" cy="1306513"/>
@@ -4861,28 +4562,14 @@
           </a:bodyPr>
           <a:lstStyle/>
           <a:p>
-            <a:pPr algn="ctr"/>
-            <a:r>
-              <a:rPr lang="ru-RU" sz="8000" b="1" dirty="0" smtClean="0">
-                <a:effectLst>
-                  <a:outerShdw blurRad="38100" dist="38100" dir="2700000" algn="tl">
-                    <a:srgbClr val="000000">
-                      <a:alpha val="43137"/>
-                    </a:srgbClr>
-                  </a:outerShdw>
-                </a:effectLst>
-              </a:rPr>
+            <a:pPr algn="ctr">
+              <a:defRPr/>
+            </a:pPr>
+            <a:r>
+              <a:rPr lang="ru-RU" sz="8000" b="1"/>
               <a:t>Введение</a:t>
             </a:r>
-            <a:endParaRPr lang="ru-RU" sz="8000" b="1" dirty="0">
-              <a:effectLst>
-                <a:outerShdw blurRad="38100" dist="38100" dir="2700000" algn="tl">
-                  <a:srgbClr val="000000">
-                    <a:alpha val="43137"/>
-                  </a:srgbClr>
-                </a:outerShdw>
-              </a:effectLst>
-            </a:endParaRPr>
+            <a:endParaRPr lang="ru-RU" sz="8000" b="1"/>
           </a:p>
         </p:txBody>
       </p:sp>
@@ -4895,17 +4582,8 @@
           <p:nvPr/>
         </p:nvPicPr>
         <p:blipFill>
-          <a:blip r:embed="rId2" cstate="print">
-            <a:extLst>
-              <a:ext uri="{28A0092B-C50C-407E-A947-70E740481C1C}">
-                <a14:useLocalDpi xmlns:a14="http://schemas.microsoft.com/office/drawing/2010/main" val="0"/>
-              </a:ext>
-            </a:extLst>
-          </a:blip>
-          <a:srcRect/>
-          <a:stretch>
-            <a:fillRect/>
-          </a:stretch>
+          <a:blip r:embed="rId2"/>
+          <a:stretch/>
         </p:blipFill>
         <p:spPr bwMode="auto">
           <a:xfrm>
@@ -4925,15 +4603,6 @@
               </a:srgbClr>
             </a:outerShdw>
           </a:effectLst>
-          <a:extLst>
-            <a:ext uri="{909E8E84-426E-40DD-AFC4-6F175D3DCCD1}">
-              <a14:hiddenFill xmlns:a14="http://schemas.microsoft.com/office/drawing/2010/main">
-                <a:solidFill>
-                  <a:srgbClr val="FFFFFF"/>
-                </a:solidFill>
-              </a14:hiddenFill>
-            </a:ext>
-          </a:extLst>
         </p:spPr>
       </p:pic>
       <p:pic>
@@ -4945,17 +4614,8 @@
           <p:nvPr/>
         </p:nvPicPr>
         <p:blipFill>
-          <a:blip r:embed="rId3">
-            <a:extLst>
-              <a:ext uri="{28A0092B-C50C-407E-A947-70E740481C1C}">
-                <a14:useLocalDpi xmlns:a14="http://schemas.microsoft.com/office/drawing/2010/main" val="0"/>
-              </a:ext>
-            </a:extLst>
-          </a:blip>
-          <a:srcRect/>
-          <a:stretch>
-            <a:fillRect/>
-          </a:stretch>
+          <a:blip r:embed="rId3"/>
+          <a:stretch/>
         </p:blipFill>
         <p:spPr bwMode="auto">
           <a:xfrm>
@@ -4975,15 +4635,6 @@
               </a:srgbClr>
             </a:outerShdw>
           </a:effectLst>
-          <a:extLst>
-            <a:ext uri="{909E8E84-426E-40DD-AFC4-6F175D3DCCD1}">
-              <a14:hiddenFill xmlns:a14="http://schemas.microsoft.com/office/drawing/2010/main">
-                <a:solidFill>
-                  <a:srgbClr val="FFFFFF"/>
-                </a:solidFill>
-              </a14:hiddenFill>
-            </a:ext>
-          </a:extLst>
         </p:spPr>
       </p:pic>
       <p:pic>
@@ -4995,17 +4646,8 @@
           <p:nvPr/>
         </p:nvPicPr>
         <p:blipFill>
-          <a:blip r:embed="rId4">
-            <a:extLst>
-              <a:ext uri="{28A0092B-C50C-407E-A947-70E740481C1C}">
-                <a14:useLocalDpi xmlns:a14="http://schemas.microsoft.com/office/drawing/2010/main" val="0"/>
-              </a:ext>
-            </a:extLst>
-          </a:blip>
-          <a:srcRect/>
-          <a:stretch>
-            <a:fillRect/>
-          </a:stretch>
+          <a:blip r:embed="rId4"/>
+          <a:stretch/>
         </p:blipFill>
         <p:spPr bwMode="auto">
           <a:xfrm>
@@ -5025,27 +4667,21 @@
               </a:srgbClr>
             </a:outerShdw>
           </a:effectLst>
-          <a:extLst>
-            <a:ext uri="{909E8E84-426E-40DD-AFC4-6F175D3DCCD1}">
-              <a14:hiddenFill xmlns:a14="http://schemas.microsoft.com/office/drawing/2010/main">
-                <a:solidFill>
-                  <a:srgbClr val="FFFFFF"/>
-                </a:solidFill>
-              </a14:hiddenFill>
-            </a:ext>
-          </a:extLst>
         </p:spPr>
       </p:pic>
     </p:spTree>
-    <p:extLst>
-      <p:ext uri="{BB962C8B-B14F-4D97-AF65-F5344CB8AC3E}">
-        <p14:creationId xmlns:p14="http://schemas.microsoft.com/office/powerpoint/2010/main" val="3439908168"/>
-      </p:ext>
-    </p:extLst>
   </p:cSld>
   <p:clrMapOvr>
     <a:masterClrMapping/>
   </p:clrMapOvr>
+  <mc:AlternateContent xmlns:mc="http://schemas.openxmlformats.org/markup-compatibility/2006">
+    <mc:Choice xmlns:p14="http://schemas.microsoft.com/office/powerpoint/2010/main" Requires="p14">
+      <p:transition p14:dur="2000" advClick="1"/>
+    </mc:Choice>
+    <mc:Fallback>
+      <p:transition advClick="1"/>
+    </mc:Fallback>
+  </mc:AlternateContent>
   <p:timing>
     <p:tnLst>
       <p:par>
@@ -5057,15 +4693,15 @@
 </file>
 
 <file path=ppt/slides/slide3.xml><?xml version="1.0" encoding="utf-8"?>
-<p:sld xmlns:a="http://schemas.openxmlformats.org/drawingml/2006/main" xmlns:r="http://schemas.openxmlformats.org/officeDocument/2006/relationships" xmlns:p="http://schemas.openxmlformats.org/presentationml/2006/main">
-  <p:cSld>
+<p:sld xmlns:a="http://schemas.openxmlformats.org/drawingml/2006/main" xmlns:r="http://schemas.openxmlformats.org/officeDocument/2006/relationships" xmlns:p="http://schemas.openxmlformats.org/presentationml/2006/main" xmlns:m="http://schemas.openxmlformats.org/officeDocument/2006/math" xmlns:w="http://schemas.openxmlformats.org/wordprocessingml/2006/main" showMasterPhAnim="0" show="1">
+  <p:cSld name="">
     <p:spTree>
       <p:nvGrpSpPr>
         <p:cNvPr id="1" name=""/>
         <p:cNvGrpSpPr/>
         <p:nvPr/>
       </p:nvGrpSpPr>
-      <p:grpSpPr>
+      <p:grpSpPr bwMode="auto">
         <a:xfrm>
           <a:off x="0" y="0"/>
           <a:ext cx="0" cy="0"/>
@@ -5083,35 +4719,21 @@
             <p:ph type="title"/>
           </p:nvPr>
         </p:nvSpPr>
-        <p:spPr/>
+        <p:spPr bwMode="auto"/>
         <p:txBody>
           <a:bodyPr>
             <a:normAutofit/>
           </a:bodyPr>
           <a:lstStyle/>
           <a:p>
-            <a:pPr algn="ctr"/>
-            <a:r>
-              <a:rPr lang="en-GB" sz="8000" b="1" dirty="0" smtClean="0">
-                <a:effectLst>
-                  <a:outerShdw blurRad="38100" dist="38100" dir="2700000" algn="tl">
-                    <a:srgbClr val="000000">
-                      <a:alpha val="43137"/>
-                    </a:srgbClr>
-                  </a:outerShdw>
-                </a:effectLst>
-              </a:rPr>
+            <a:pPr algn="ctr">
+              <a:defRPr/>
+            </a:pPr>
+            <a:r>
+              <a:rPr lang="en-GB" sz="8000" b="1"/>
               <a:t>Bubble Hell</a:t>
             </a:r>
-            <a:endParaRPr lang="ru-RU" sz="8000" b="1" dirty="0">
-              <a:effectLst>
-                <a:outerShdw blurRad="38100" dist="38100" dir="2700000" algn="tl">
-                  <a:srgbClr val="000000">
-                    <a:alpha val="43137"/>
-                  </a:srgbClr>
-                </a:outerShdw>
-              </a:effectLst>
-            </a:endParaRPr>
+            <a:endParaRPr lang="ru-RU" sz="8000" b="1"/>
           </a:p>
         </p:txBody>
       </p:sp>
@@ -5119,29 +4741,24 @@
         <p:nvPicPr>
           <p:cNvPr id="4" name="Объект 3"/>
           <p:cNvPicPr>
-            <a:picLocks noGrp="1" noChangeAspect="1"/>
+            <a:picLocks noChangeAspect="1" noGrp="1"/>
           </p:cNvPicPr>
           <p:nvPr>
             <p:ph idx="1"/>
           </p:nvPr>
         </p:nvPicPr>
         <p:blipFill>
-          <a:blip r:embed="rId2">
-            <a:extLst>
-              <a:ext uri="{28A0092B-C50C-407E-A947-70E740481C1C}">
-                <a14:useLocalDpi xmlns:a14="http://schemas.microsoft.com/office/drawing/2010/main" val="0"/>
-              </a:ext>
-            </a:extLst>
-          </a:blip>
-          <a:stretch>
-            <a:fillRect/>
-          </a:stretch>
+          <a:blip r:embed="rId2"/>
+          <a:stretch/>
         </p:blipFill>
-        <p:spPr>
+        <p:spPr bwMode="auto">
           <a:xfrm>
             <a:off x="5524495" y="4939613"/>
             <a:ext cx="1747107" cy="1566993"/>
           </a:xfrm>
+          <a:prstGeom prst="rect">
+            <a:avLst/>
+          </a:prstGeom>
         </p:spPr>
       </p:pic>
       <p:pic>
@@ -5153,18 +4770,10 @@
           <p:nvPr/>
         </p:nvPicPr>
         <p:blipFill>
-          <a:blip r:embed="rId3">
-            <a:extLst>
-              <a:ext uri="{28A0092B-C50C-407E-A947-70E740481C1C}">
-                <a14:useLocalDpi xmlns:a14="http://schemas.microsoft.com/office/drawing/2010/main" val="0"/>
-              </a:ext>
-            </a:extLst>
-          </a:blip>
-          <a:stretch>
-            <a:fillRect/>
-          </a:stretch>
+          <a:blip r:embed="rId3"/>
+          <a:stretch/>
         </p:blipFill>
-        <p:spPr>
+        <p:spPr bwMode="auto">
           <a:xfrm>
             <a:off x="1352234" y="4433888"/>
             <a:ext cx="689001" cy="1266014"/>
@@ -5183,20 +4792,12 @@
           <p:nvPr/>
         </p:nvPicPr>
         <p:blipFill>
-          <a:blip r:embed="rId3">
-            <a:extLst>
-              <a:ext uri="{28A0092B-C50C-407E-A947-70E740481C1C}">
-                <a14:useLocalDpi xmlns:a14="http://schemas.microsoft.com/office/drawing/2010/main" val="0"/>
-              </a:ext>
-            </a:extLst>
-          </a:blip>
-          <a:stretch>
-            <a:fillRect/>
-          </a:stretch>
+          <a:blip r:embed="rId3"/>
+          <a:stretch/>
         </p:blipFill>
-        <p:spPr>
-          <a:xfrm>
-            <a:off x="4774307" y="3024840"/>
+        <p:spPr bwMode="auto">
+          <a:xfrm>
+            <a:off x="4774307" y="3024839"/>
             <a:ext cx="689001" cy="1266014"/>
           </a:xfrm>
           <a:prstGeom prst="rect">
@@ -5213,18 +4814,10 @@
           <p:nvPr/>
         </p:nvPicPr>
         <p:blipFill>
-          <a:blip r:embed="rId3">
-            <a:extLst>
-              <a:ext uri="{28A0092B-C50C-407E-A947-70E740481C1C}">
-                <a14:useLocalDpi xmlns:a14="http://schemas.microsoft.com/office/drawing/2010/main" val="0"/>
-              </a:ext>
-            </a:extLst>
-          </a:blip>
-          <a:stretch>
-            <a:fillRect/>
-          </a:stretch>
+          <a:blip r:embed="rId3"/>
+          <a:stretch/>
         </p:blipFill>
-        <p:spPr>
+        <p:spPr bwMode="auto">
           <a:xfrm>
             <a:off x="10306891" y="3930190"/>
             <a:ext cx="689001" cy="1266014"/>
@@ -5243,21 +4836,13 @@
           <p:nvPr/>
         </p:nvPicPr>
         <p:blipFill>
-          <a:blip r:embed="rId4">
-            <a:extLst>
-              <a:ext uri="{28A0092B-C50C-407E-A947-70E740481C1C}">
-                <a14:useLocalDpi xmlns:a14="http://schemas.microsoft.com/office/drawing/2010/main" val="0"/>
-              </a:ext>
-            </a:extLst>
-          </a:blip>
-          <a:stretch>
-            <a:fillRect/>
-          </a:stretch>
+          <a:blip r:embed="rId4"/>
+          <a:stretch/>
         </p:blipFill>
-        <p:spPr>
-          <a:xfrm>
-            <a:off x="8264492" y="2332658"/>
-            <a:ext cx="787412" cy="1160878"/>
+        <p:spPr bwMode="auto">
+          <a:xfrm>
+            <a:off x="8264491" y="2332658"/>
+            <a:ext cx="787412" cy="1160877"/>
           </a:xfrm>
           <a:prstGeom prst="rect">
             <a:avLst/>
@@ -5273,21 +4858,13 @@
           <p:nvPr/>
         </p:nvPicPr>
         <p:blipFill>
-          <a:blip r:embed="rId4">
-            <a:extLst>
-              <a:ext uri="{28A0092B-C50C-407E-A947-70E740481C1C}">
-                <a14:useLocalDpi xmlns:a14="http://schemas.microsoft.com/office/drawing/2010/main" val="0"/>
-              </a:ext>
-            </a:extLst>
-          </a:blip>
-          <a:stretch>
-            <a:fillRect/>
-          </a:stretch>
+          <a:blip r:embed="rId4"/>
+          <a:stretch/>
         </p:blipFill>
-        <p:spPr>
+        <p:spPr bwMode="auto">
           <a:xfrm>
             <a:off x="2518045" y="1752219"/>
-            <a:ext cx="787412" cy="1160878"/>
+            <a:ext cx="787412" cy="1160877"/>
           </a:xfrm>
           <a:prstGeom prst="rect">
             <a:avLst/>
@@ -5303,18 +4880,10 @@
           <p:nvPr/>
         </p:nvPicPr>
         <p:blipFill>
-          <a:blip r:embed="rId5" cstate="print">
-            <a:extLst>
-              <a:ext uri="{28A0092B-C50C-407E-A947-70E740481C1C}">
-                <a14:useLocalDpi xmlns:a14="http://schemas.microsoft.com/office/drawing/2010/main" val="0"/>
-              </a:ext>
-            </a:extLst>
-          </a:blip>
-          <a:stretch>
-            <a:fillRect/>
-          </a:stretch>
+          <a:blip r:embed="rId5"/>
+          <a:stretch/>
         </p:blipFill>
-        <p:spPr>
+        <p:spPr bwMode="auto">
           <a:xfrm flipV="1">
             <a:off x="2679687" y="3489269"/>
             <a:ext cx="464127" cy="440921"/>
@@ -5333,18 +4902,10 @@
           <p:nvPr/>
         </p:nvPicPr>
         <p:blipFill>
-          <a:blip r:embed="rId5" cstate="print">
-            <a:extLst>
-              <a:ext uri="{28A0092B-C50C-407E-A947-70E740481C1C}">
-                <a14:useLocalDpi xmlns:a14="http://schemas.microsoft.com/office/drawing/2010/main" val="0"/>
-              </a:ext>
-            </a:extLst>
-          </a:blip>
-          <a:stretch>
-            <a:fillRect/>
-          </a:stretch>
+          <a:blip r:embed="rId5"/>
+          <a:stretch/>
         </p:blipFill>
-        <p:spPr>
+        <p:spPr bwMode="auto">
           <a:xfrm flipV="1">
             <a:off x="3866560" y="2841827"/>
             <a:ext cx="464127" cy="440921"/>
@@ -5363,18 +4924,10 @@
           <p:nvPr/>
         </p:nvPicPr>
         <p:blipFill>
-          <a:blip r:embed="rId5" cstate="print">
-            <a:extLst>
-              <a:ext uri="{28A0092B-C50C-407E-A947-70E740481C1C}">
-                <a14:useLocalDpi xmlns:a14="http://schemas.microsoft.com/office/drawing/2010/main" val="0"/>
-              </a:ext>
-            </a:extLst>
-          </a:blip>
-          <a:stretch>
-            <a:fillRect/>
-          </a:stretch>
+          <a:blip r:embed="rId5"/>
+          <a:stretch/>
         </p:blipFill>
-        <p:spPr>
+        <p:spPr bwMode="auto">
           <a:xfrm flipV="1">
             <a:off x="3866560" y="5258981"/>
             <a:ext cx="464127" cy="440921"/>
@@ -5393,18 +4946,10 @@
           <p:nvPr/>
         </p:nvPicPr>
         <p:blipFill>
-          <a:blip r:embed="rId5" cstate="print">
-            <a:extLst>
-              <a:ext uri="{28A0092B-C50C-407E-A947-70E740481C1C}">
-                <a14:useLocalDpi xmlns:a14="http://schemas.microsoft.com/office/drawing/2010/main" val="0"/>
-              </a:ext>
-            </a:extLst>
-          </a:blip>
-          <a:stretch>
-            <a:fillRect/>
-          </a:stretch>
+          <a:blip r:embed="rId5"/>
+          <a:stretch/>
         </p:blipFill>
-        <p:spPr>
+        <p:spPr bwMode="auto">
           <a:xfrm flipV="1">
             <a:off x="625405" y="2583919"/>
             <a:ext cx="464127" cy="440921"/>
@@ -5423,18 +4968,10 @@
           <p:nvPr/>
         </p:nvPicPr>
         <p:blipFill>
-          <a:blip r:embed="rId5" cstate="print">
-            <a:extLst>
-              <a:ext uri="{28A0092B-C50C-407E-A947-70E740481C1C}">
-                <a14:useLocalDpi xmlns:a14="http://schemas.microsoft.com/office/drawing/2010/main" val="0"/>
-              </a:ext>
-            </a:extLst>
-          </a:blip>
-          <a:stretch>
-            <a:fillRect/>
-          </a:stretch>
+          <a:blip r:embed="rId5"/>
+          <a:stretch/>
         </p:blipFill>
-        <p:spPr>
+        <p:spPr bwMode="auto">
           <a:xfrm flipV="1">
             <a:off x="7403662" y="2045797"/>
             <a:ext cx="464127" cy="440921"/>
@@ -5453,18 +4990,10 @@
           <p:nvPr/>
         </p:nvPicPr>
         <p:blipFill>
-          <a:blip r:embed="rId5" cstate="print">
-            <a:extLst>
-              <a:ext uri="{28A0092B-C50C-407E-A947-70E740481C1C}">
-                <a14:useLocalDpi xmlns:a14="http://schemas.microsoft.com/office/drawing/2010/main" val="0"/>
-              </a:ext>
-            </a:extLst>
-          </a:blip>
-          <a:stretch>
-            <a:fillRect/>
-          </a:stretch>
+          <a:blip r:embed="rId5"/>
+          <a:stretch/>
         </p:blipFill>
-        <p:spPr>
+        <p:spPr bwMode="auto">
           <a:xfrm flipV="1">
             <a:off x="7000637" y="3798844"/>
             <a:ext cx="464127" cy="440921"/>
@@ -5483,18 +5012,10 @@
           <p:nvPr/>
         </p:nvPicPr>
         <p:blipFill>
-          <a:blip r:embed="rId5" cstate="print">
-            <a:extLst>
-              <a:ext uri="{28A0092B-C50C-407E-A947-70E740481C1C}">
-                <a14:useLocalDpi xmlns:a14="http://schemas.microsoft.com/office/drawing/2010/main" val="0"/>
-              </a:ext>
-            </a:extLst>
-          </a:blip>
-          <a:stretch>
-            <a:fillRect/>
-          </a:stretch>
+          <a:blip r:embed="rId5"/>
+          <a:stretch/>
         </p:blipFill>
-        <p:spPr>
+        <p:spPr bwMode="auto">
           <a:xfrm flipV="1">
             <a:off x="8819840" y="5282189"/>
             <a:ext cx="464127" cy="440921"/>
@@ -5513,18 +5034,10 @@
           <p:nvPr/>
         </p:nvPicPr>
         <p:blipFill>
-          <a:blip r:embed="rId5" cstate="print">
-            <a:extLst>
-              <a:ext uri="{28A0092B-C50C-407E-A947-70E740481C1C}">
-                <a14:useLocalDpi xmlns:a14="http://schemas.microsoft.com/office/drawing/2010/main" val="0"/>
-              </a:ext>
-            </a:extLst>
-          </a:blip>
-          <a:stretch>
-            <a:fillRect/>
-          </a:stretch>
+          <a:blip r:embed="rId5"/>
+          <a:stretch/>
         </p:blipFill>
-        <p:spPr>
+        <p:spPr bwMode="auto">
           <a:xfrm flipV="1">
             <a:off x="10703256" y="2203152"/>
             <a:ext cx="464127" cy="440921"/>
@@ -5543,18 +5056,10 @@
           <p:nvPr/>
         </p:nvPicPr>
         <p:blipFill>
-          <a:blip r:embed="rId6" cstate="print">
-            <a:extLst>
-              <a:ext uri="{28A0092B-C50C-407E-A947-70E740481C1C}">
-                <a14:useLocalDpi xmlns:a14="http://schemas.microsoft.com/office/drawing/2010/main" val="0"/>
-              </a:ext>
-            </a:extLst>
-          </a:blip>
-          <a:stretch>
-            <a:fillRect/>
-          </a:stretch>
+          <a:blip r:embed="rId6"/>
+          <a:stretch/>
         </p:blipFill>
-        <p:spPr>
+        <p:spPr bwMode="auto">
           <a:xfrm>
             <a:off x="4924271" y="4697513"/>
             <a:ext cx="389071" cy="382457"/>
@@ -5565,15 +5070,18 @@
         </p:spPr>
       </p:pic>
     </p:spTree>
-    <p:extLst>
-      <p:ext uri="{BB962C8B-B14F-4D97-AF65-F5344CB8AC3E}">
-        <p14:creationId xmlns:p14="http://schemas.microsoft.com/office/powerpoint/2010/main" val="225620375"/>
-      </p:ext>
-    </p:extLst>
   </p:cSld>
   <p:clrMapOvr>
     <a:masterClrMapping/>
   </p:clrMapOvr>
+  <mc:AlternateContent xmlns:mc="http://schemas.openxmlformats.org/markup-compatibility/2006">
+    <mc:Choice xmlns:p14="http://schemas.microsoft.com/office/powerpoint/2010/main" Requires="p14">
+      <p:transition p14:dur="2000" advClick="1"/>
+    </mc:Choice>
+    <mc:Fallback>
+      <p:transition advClick="1"/>
+    </mc:Fallback>
+  </mc:AlternateContent>
   <p:timing>
     <p:tnLst>
       <p:par>
@@ -5585,15 +5093,15 @@
 </file>
 
 <file path=ppt/slides/slide4.xml><?xml version="1.0" encoding="utf-8"?>
-<p:sld xmlns:a="http://schemas.openxmlformats.org/drawingml/2006/main" xmlns:r="http://schemas.openxmlformats.org/officeDocument/2006/relationships" xmlns:p="http://schemas.openxmlformats.org/presentationml/2006/main">
-  <p:cSld>
+<p:sld xmlns:a="http://schemas.openxmlformats.org/drawingml/2006/main" xmlns:r="http://schemas.openxmlformats.org/officeDocument/2006/relationships" xmlns:p="http://schemas.openxmlformats.org/presentationml/2006/main" xmlns:m="http://schemas.openxmlformats.org/officeDocument/2006/math" xmlns:w="http://schemas.openxmlformats.org/wordprocessingml/2006/main" showMasterPhAnim="0" show="1">
+  <p:cSld name="">
     <p:spTree>
       <p:nvGrpSpPr>
         <p:cNvPr id="1" name=""/>
         <p:cNvGrpSpPr/>
         <p:nvPr/>
       </p:nvGrpSpPr>
-      <p:grpSpPr>
+      <p:grpSpPr bwMode="auto">
         <a:xfrm>
           <a:off x="0" y="0"/>
           <a:ext cx="0" cy="0"/>
@@ -5611,7 +5119,7 @@
             <p:ph type="title"/>
           </p:nvPr>
         </p:nvSpPr>
-        <p:spPr>
+        <p:spPr bwMode="auto">
           <a:xfrm>
             <a:off x="0" y="0"/>
             <a:ext cx="12192000" cy="1325563"/>
@@ -5623,28 +5131,14 @@
           </a:bodyPr>
           <a:lstStyle/>
           <a:p>
-            <a:pPr algn="ctr"/>
-            <a:r>
-              <a:rPr lang="ru-RU" sz="8000" b="1" dirty="0" smtClean="0">
-                <a:effectLst>
-                  <a:outerShdw blurRad="38100" dist="38100" dir="2700000" algn="tl">
-                    <a:srgbClr val="000000">
-                      <a:alpha val="43137"/>
-                    </a:srgbClr>
-                  </a:outerShdw>
-                </a:effectLst>
-              </a:rPr>
+            <a:pPr algn="ctr">
+              <a:defRPr/>
+            </a:pPr>
+            <a:r>
+              <a:rPr lang="ru-RU" sz="8000" b="1"/>
               <a:t>Движок</a:t>
             </a:r>
-            <a:endParaRPr lang="ru-RU" sz="8000" b="1" dirty="0">
-              <a:effectLst>
-                <a:outerShdw blurRad="38100" dist="38100" dir="2700000" algn="tl">
-                  <a:srgbClr val="000000">
-                    <a:alpha val="43137"/>
-                  </a:srgbClr>
-                </a:outerShdw>
-              </a:effectLst>
-            </a:endParaRPr>
+            <a:endParaRPr lang="ru-RU" sz="8000" b="1"/>
           </a:p>
         </p:txBody>
       </p:sp>
@@ -5658,7 +5152,7 @@
             <p:ph idx="1"/>
           </p:nvPr>
         </p:nvSpPr>
-        <p:spPr>
+        <p:spPr bwMode="auto">
           <a:xfrm>
             <a:off x="838200" y="1465407"/>
             <a:ext cx="10515600" cy="4351338"/>
@@ -5672,41 +5166,44 @@
           <a:p>
             <a:pPr marL="0" indent="0" algn="just">
               <a:buNone/>
-            </a:pPr>
-            <a:r>
-              <a:rPr lang="ru-RU" dirty="0" smtClean="0"/>
+              <a:defRPr/>
+            </a:pPr>
+            <a:r>
+              <a:rPr lang="ru-RU"/>
               <a:t>	Получил название </a:t>
             </a:r>
             <a:r>
-              <a:rPr lang="en-GB" dirty="0" smtClean="0"/>
+              <a:rPr lang="en-GB"/>
               <a:t>Vgame</a:t>
             </a:r>
             <a:r>
-              <a:rPr lang="ru-RU" dirty="0" smtClean="0"/>
+              <a:rPr lang="ru-RU"/>
               <a:t>, написан поверх </a:t>
             </a:r>
             <a:r>
-              <a:rPr lang="en-GB" dirty="0" smtClean="0"/>
+              <a:rPr lang="en-GB"/>
               <a:t>PyGame</a:t>
             </a:r>
             <a:r>
-              <a:rPr lang="ru-RU" dirty="0" smtClean="0"/>
+              <a:rPr lang="ru-RU"/>
               <a:t>. Разделяет игру на отдельные треды. </a:t>
             </a:r>
+            <a:endParaRPr/>
           </a:p>
           <a:p>
             <a:pPr marL="0" indent="0" algn="just">
               <a:buNone/>
-            </a:pPr>
-            <a:r>
-              <a:rPr lang="en-GB" dirty="0" smtClean="0"/>
+              <a:defRPr/>
+            </a:pPr>
+            <a:r>
+              <a:rPr lang="en-GB"/>
               <a:t>Git</a:t>
             </a:r>
             <a:r>
-              <a:rPr lang="en-GB" dirty="0" smtClean="0"/>
+              <a:rPr lang="en-GB"/>
               <a:t>:</a:t>
             </a:r>
-            <a:endParaRPr lang="ru-RU" dirty="0"/>
+            <a:endParaRPr lang="ru-RU"/>
           </a:p>
         </p:txBody>
       </p:sp>
@@ -5714,15 +5211,9 @@
         <p:nvGraphicFramePr>
           <p:cNvPr id="4" name="Таблица 3"/>
           <p:cNvGraphicFramePr>
-            <a:graphicFrameLocks noGrp="1"/>
+            <a:graphicFrameLocks xmlns:a="http://schemas.openxmlformats.org/drawingml/2006/main" noGrp="1"/>
           </p:cNvGraphicFramePr>
-          <p:nvPr>
-            <p:extLst>
-              <p:ext uri="{D42A27DB-BD31-4B8C-83A1-F6EECF244321}">
-                <p14:modId xmlns:p14="http://schemas.microsoft.com/office/powerpoint/2010/main" val="817166789"/>
-              </p:ext>
-            </p:extLst>
-          </p:nvPr>
+          <p:nvPr/>
         </p:nvGraphicFramePr>
         <p:xfrm>
           <a:off x="3971637" y="3688612"/>
@@ -5731,47 +5222,36 @@
         <a:graphic>
           <a:graphicData uri="http://schemas.openxmlformats.org/drawingml/2006/table">
             <a:tbl>
-              <a:tblPr firstRow="1" bandRow="1">
+              <a:tblPr firstRow="1" firstCol="0" lastRow="0" lastCol="0" bandRow="1" bandCol="0">
                 <a:tableStyleId>{5C22544A-7EE6-4342-B048-85BDC9FD1C3A}</a:tableStyleId>
               </a:tblPr>
               <a:tblGrid>
-                <a:gridCol w="4248726">
-                  <a:extLst>
-                    <a:ext uri="{9D8B030D-6E8A-4147-A177-3AD203B41FA5}">
-                      <a16:colId xmlns:a16="http://schemas.microsoft.com/office/drawing/2014/main" val="1471074225"/>
-                    </a:ext>
-                  </a:extLst>
-                </a:gridCol>
+                <a:gridCol w="4248726"/>
               </a:tblGrid>
               <a:tr h="370840">
                 <a:tc>
                   <a:txBody>
                     <a:bodyPr/>
-                    <a:lstStyle/>
                     <a:p>
-                      <a:pPr algn="ctr"/>
+                      <a:pPr algn="ctr">
+                        <a:defRPr/>
+                      </a:pPr>
                       <a:r>
-                        <a:rPr lang="en-GB" sz="2000" dirty="0" smtClean="0"/>
+                        <a:rPr lang="en-GB" sz="2000"/>
                         <a:t>Scene</a:t>
                       </a:r>
-                      <a:endParaRPr lang="ru-RU" sz="2000" dirty="0"/>
+                      <a:endParaRPr lang="ru-RU" sz="2000"/>
                     </a:p>
                   </a:txBody>
                   <a:tcPr/>
                 </a:tc>
-                <a:extLst>
-                  <a:ext uri="{0D108BD9-81ED-4DB2-BD59-A6C34878D82A}">
-                    <a16:rowId xmlns:a16="http://schemas.microsoft.com/office/drawing/2014/main" val="1949608620"/>
-                  </a:ext>
-                </a:extLst>
               </a:tr>
               <a:tr h="370840">
                 <a:tc>
                   <a:txBody>
                     <a:bodyPr/>
-                    <a:lstStyle/>
                     <a:p>
-                      <a:pPr marL="0" marR="0" indent="0" algn="l" defTabSz="914400" rtl="0" eaLnBrk="1" fontAlgn="auto" latinLnBrk="0" hangingPunct="1">
+                      <a:pPr marL="0" marR="0" indent="0" algn="l" defTabSz="914400">
                         <a:lnSpc>
                           <a:spcPct val="100000"/>
                         </a:lnSpc>
@@ -5785,30 +5265,24 @@
                         <a:buSzTx/>
                         <a:buFontTx/>
                         <a:buNone/>
-                        <a:tabLst/>
                         <a:defRPr/>
                       </a:pPr>
                       <a:r>
-                        <a:rPr lang="en-US" sz="2000" i="0" kern="1200" dirty="0" smtClean="0">
+                        <a:rPr lang="en-US" sz="2000" i="0">
                           <a:solidFill>
                             <a:schemeClr val="dk1"/>
                           </a:solidFill>
-                          <a:effectLst/>
                           <a:latin typeface="+mn-lt"/>
                           <a:ea typeface="+mn-ea"/>
                           <a:cs typeface="+mn-cs"/>
                         </a:rPr>
                         <a:t>width, height, framerate, tickrate, title </a:t>
                       </a:r>
+                      <a:endParaRPr/>
                     </a:p>
                   </a:txBody>
                   <a:tcPr/>
                 </a:tc>
-                <a:extLst>
-                  <a:ext uri="{0D108BD9-81ED-4DB2-BD59-A6C34878D82A}">
-                    <a16:rowId xmlns:a16="http://schemas.microsoft.com/office/drawing/2014/main" val="661479901"/>
-                  </a:ext>
-                </a:extLst>
               </a:tr>
             </a:tbl>
           </a:graphicData>
@@ -5818,15 +5292,9 @@
         <p:nvGraphicFramePr>
           <p:cNvPr id="6" name="Таблица 5"/>
           <p:cNvGraphicFramePr>
-            <a:graphicFrameLocks noGrp="1"/>
+            <a:graphicFrameLocks xmlns:a="http://schemas.openxmlformats.org/drawingml/2006/main" noGrp="1"/>
           </p:cNvGraphicFramePr>
-          <p:nvPr>
-            <p:extLst>
-              <p:ext uri="{D42A27DB-BD31-4B8C-83A1-F6EECF244321}">
-                <p14:modId xmlns:p14="http://schemas.microsoft.com/office/powerpoint/2010/main" val="2999841600"/>
-              </p:ext>
-            </p:extLst>
-          </p:nvPr>
+          <p:nvPr/>
         </p:nvGraphicFramePr>
         <p:xfrm>
           <a:off x="385619" y="3530745"/>
@@ -5835,60 +5303,47 @@
         <a:graphic>
           <a:graphicData uri="http://schemas.openxmlformats.org/drawingml/2006/table">
             <a:tbl>
-              <a:tblPr firstRow="1" bandRow="1">
+              <a:tblPr firstRow="1" firstCol="0" lastRow="0" lastCol="0" bandRow="1" bandCol="0">
                 <a:tableStyleId>{93296810-A885-4BE3-A3E7-6D5BEEA58F35}</a:tableStyleId>
               </a:tblPr>
               <a:tblGrid>
-                <a:gridCol w="3186545">
-                  <a:extLst>
-                    <a:ext uri="{9D8B030D-6E8A-4147-A177-3AD203B41FA5}">
-                      <a16:colId xmlns:a16="http://schemas.microsoft.com/office/drawing/2014/main" val="398874571"/>
-                    </a:ext>
-                  </a:extLst>
-                </a:gridCol>
+                <a:gridCol w="3186545"/>
               </a:tblGrid>
               <a:tr h="370840">
                 <a:tc>
                   <a:txBody>
                     <a:bodyPr/>
-                    <a:lstStyle/>
                     <a:p>
-                      <a:pPr algn="ctr"/>
+                      <a:pPr algn="ctr">
+                        <a:defRPr/>
+                      </a:pPr>
                       <a:r>
-                        <a:rPr lang="en-GB" sz="2000" dirty="0" smtClean="0"/>
+                        <a:rPr lang="en-GB" sz="2000"/>
                         <a:t>load</a:t>
                       </a:r>
-                      <a:endParaRPr lang="ru-RU" sz="2000" dirty="0"/>
+                      <a:endParaRPr lang="ru-RU" sz="2000"/>
                     </a:p>
                   </a:txBody>
                   <a:tcPr/>
                 </a:tc>
-                <a:extLst>
-                  <a:ext uri="{0D108BD9-81ED-4DB2-BD59-A6C34878D82A}">
-                    <a16:rowId xmlns:a16="http://schemas.microsoft.com/office/drawing/2014/main" val="2813974104"/>
-                  </a:ext>
-                </a:extLst>
               </a:tr>
               <a:tr h="370840">
                 <a:tc>
                   <a:txBody>
                     <a:bodyPr/>
-                    <a:lstStyle/>
                     <a:p>
+                      <a:pPr>
+                        <a:defRPr/>
+                      </a:pPr>
                       <a:r>
-                        <a:rPr lang="ru-RU" sz="2000" dirty="0" smtClean="0"/>
+                        <a:rPr lang="ru-RU" sz="2000"/>
                         <a:t>Происходит 1 раз при запуске</a:t>
                       </a:r>
-                      <a:endParaRPr lang="ru-RU" sz="2000" dirty="0"/>
+                      <a:endParaRPr lang="ru-RU" sz="2000"/>
                     </a:p>
                   </a:txBody>
                   <a:tcPr/>
                 </a:tc>
-                <a:extLst>
-                  <a:ext uri="{0D108BD9-81ED-4DB2-BD59-A6C34878D82A}">
-                    <a16:rowId xmlns:a16="http://schemas.microsoft.com/office/drawing/2014/main" val="1734077988"/>
-                  </a:ext>
-                </a:extLst>
               </a:tr>
             </a:tbl>
           </a:graphicData>
@@ -5898,102 +5353,80 @@
         <p:nvGraphicFramePr>
           <p:cNvPr id="7" name="Таблица 6"/>
           <p:cNvGraphicFramePr>
-            <a:graphicFrameLocks noGrp="1"/>
+            <a:graphicFrameLocks xmlns:a="http://schemas.openxmlformats.org/drawingml/2006/main" noGrp="1"/>
           </p:cNvGraphicFramePr>
-          <p:nvPr>
-            <p:extLst>
-              <p:ext uri="{D42A27DB-BD31-4B8C-83A1-F6EECF244321}">
-                <p14:modId xmlns:p14="http://schemas.microsoft.com/office/powerpoint/2010/main" val="3179445325"/>
-              </p:ext>
-            </p:extLst>
-          </p:nvPr>
+          <p:nvPr/>
         </p:nvGraphicFramePr>
         <p:xfrm>
-          <a:off x="7114886" y="4991487"/>
+          <a:off x="7114886" y="4991486"/>
           <a:ext cx="3811732" cy="1188720"/>
         </p:xfrm>
         <a:graphic>
           <a:graphicData uri="http://schemas.openxmlformats.org/drawingml/2006/table">
             <a:tbl>
-              <a:tblPr firstRow="1" bandRow="1">
+              <a:tblPr firstRow="1" firstCol="0" lastRow="0" lastCol="0" bandRow="1" bandCol="0">
                 <a:tableStyleId>{93296810-A885-4BE3-A3E7-6D5BEEA58F35}</a:tableStyleId>
               </a:tblPr>
               <a:tblGrid>
-                <a:gridCol w="3811732">
-                  <a:extLst>
-                    <a:ext uri="{9D8B030D-6E8A-4147-A177-3AD203B41FA5}">
-                      <a16:colId xmlns:a16="http://schemas.microsoft.com/office/drawing/2014/main" val="515591258"/>
-                    </a:ext>
-                  </a:extLst>
-                </a:gridCol>
+                <a:gridCol w="3811732"/>
               </a:tblGrid>
               <a:tr h="0">
                 <a:tc>
                   <a:txBody>
                     <a:bodyPr/>
-                    <a:lstStyle/>
                     <a:p>
-                      <a:pPr algn="ctr"/>
+                      <a:pPr algn="ctr">
+                        <a:defRPr/>
+                      </a:pPr>
                       <a:r>
-                        <a:rPr lang="en-GB" sz="2000" dirty="0" smtClean="0"/>
+                        <a:rPr lang="en-GB" sz="2000"/>
                         <a:t>draw</a:t>
                       </a:r>
-                      <a:endParaRPr lang="ru-RU" sz="2000" dirty="0"/>
+                      <a:endParaRPr lang="ru-RU" sz="2000"/>
                     </a:p>
                   </a:txBody>
                   <a:tcPr/>
                 </a:tc>
-                <a:extLst>
-                  <a:ext uri="{0D108BD9-81ED-4DB2-BD59-A6C34878D82A}">
-                    <a16:rowId xmlns:a16="http://schemas.microsoft.com/office/drawing/2014/main" val="1319674958"/>
-                  </a:ext>
-                </a:extLst>
               </a:tr>
               <a:tr h="370840">
                 <a:tc>
                   <a:txBody>
                     <a:bodyPr/>
-                    <a:lstStyle/>
                     <a:p>
+                      <a:pPr>
+                        <a:defRPr/>
+                      </a:pPr>
                       <a:r>
-                        <a:rPr lang="ru-RU" sz="2000" dirty="0" smtClean="0"/>
+                        <a:rPr lang="ru-RU" sz="2000"/>
                         <a:t>Происходит с частотой </a:t>
                       </a:r>
                       <a:r>
-                        <a:rPr lang="en-GB" sz="2000" dirty="0" smtClean="0"/>
+                        <a:rPr lang="en-GB" sz="2000"/>
                         <a:t>framerate</a:t>
                       </a:r>
-                      <a:endParaRPr lang="ru-RU" sz="2000" dirty="0"/>
+                      <a:endParaRPr lang="ru-RU" sz="2000"/>
                     </a:p>
                   </a:txBody>
                   <a:tcPr/>
                 </a:tc>
-                <a:extLst>
-                  <a:ext uri="{0D108BD9-81ED-4DB2-BD59-A6C34878D82A}">
-                    <a16:rowId xmlns:a16="http://schemas.microsoft.com/office/drawing/2014/main" val="2818520114"/>
-                  </a:ext>
-                </a:extLst>
               </a:tr>
               <a:tr h="370840">
                 <a:tc>
                   <a:txBody>
                     <a:bodyPr/>
-                    <a:lstStyle/>
                     <a:p>
+                      <a:pPr>
+                        <a:defRPr/>
+                      </a:pPr>
                       <a:r>
-                        <a:rPr lang="en-GB" sz="2000" dirty="0" smtClean="0"/>
+                        <a:rPr lang="en-GB" sz="2000"/>
                         <a:t>fps, graphics_delta </a:t>
                       </a:r>
-                      <a:endParaRPr lang="ru-RU" sz="2000" dirty="0"/>
+                      <a:endParaRPr lang="ru-RU" sz="2000"/>
                     </a:p>
                   </a:txBody>
                   <a:tcPr/>
                 </a:tc>
-                <a:extLst>
-                  <a:ext uri="{0D108BD9-81ED-4DB2-BD59-A6C34878D82A}">
-                    <a16:rowId xmlns:a16="http://schemas.microsoft.com/office/drawing/2014/main" val="1779163932"/>
-                  </a:ext>
-                </a:extLst>
               </a:tr>
             </a:tbl>
           </a:graphicData>
@@ -6003,69 +5436,54 @@
         <p:nvGraphicFramePr>
           <p:cNvPr id="8" name="Таблица 7"/>
           <p:cNvGraphicFramePr>
-            <a:graphicFrameLocks noGrp="1"/>
+            <a:graphicFrameLocks xmlns:a="http://schemas.openxmlformats.org/drawingml/2006/main" noGrp="1"/>
           </p:cNvGraphicFramePr>
-          <p:nvPr>
-            <p:extLst>
-              <p:ext uri="{D42A27DB-BD31-4B8C-83A1-F6EECF244321}">
-                <p14:modId xmlns:p14="http://schemas.microsoft.com/office/powerpoint/2010/main" val="2003265237"/>
-              </p:ext>
-            </p:extLst>
-          </p:nvPr>
+          <p:nvPr/>
         </p:nvGraphicFramePr>
         <p:xfrm>
-          <a:off x="1752456" y="4991487"/>
+          <a:off x="1752456" y="4991486"/>
           <a:ext cx="3639416" cy="1188720"/>
         </p:xfrm>
         <a:graphic>
           <a:graphicData uri="http://schemas.openxmlformats.org/drawingml/2006/table">
             <a:tbl>
-              <a:tblPr firstRow="1" bandRow="1">
+              <a:tblPr firstRow="1" firstCol="0" lastRow="0" lastCol="0" bandRow="1" bandCol="0">
                 <a:tableStyleId>{93296810-A885-4BE3-A3E7-6D5BEEA58F35}</a:tableStyleId>
               </a:tblPr>
               <a:tblGrid>
-                <a:gridCol w="3639416">
-                  <a:extLst>
-                    <a:ext uri="{9D8B030D-6E8A-4147-A177-3AD203B41FA5}">
-                      <a16:colId xmlns:a16="http://schemas.microsoft.com/office/drawing/2014/main" val="2503458428"/>
-                    </a:ext>
-                  </a:extLst>
-                </a:gridCol>
+                <a:gridCol w="3639416"/>
               </a:tblGrid>
               <a:tr h="240761">
                 <a:tc>
                   <a:txBody>
                     <a:bodyPr/>
-                    <a:lstStyle/>
                     <a:p>
-                      <a:pPr algn="ctr"/>
+                      <a:pPr algn="ctr">
+                        <a:defRPr/>
+                      </a:pPr>
                       <a:r>
-                        <a:rPr lang="en-GB" sz="2000" dirty="0" smtClean="0"/>
+                        <a:rPr lang="en-GB" sz="2000"/>
                         <a:t>update</a:t>
                       </a:r>
-                      <a:endParaRPr lang="ru-RU" sz="2000" dirty="0"/>
+                      <a:endParaRPr lang="ru-RU" sz="2000"/>
                     </a:p>
                   </a:txBody>
                   <a:tcPr/>
                 </a:tc>
-                <a:extLst>
-                  <a:ext uri="{0D108BD9-81ED-4DB2-BD59-A6C34878D82A}">
-                    <a16:rowId xmlns:a16="http://schemas.microsoft.com/office/drawing/2014/main" val="2974610595"/>
-                  </a:ext>
-                </a:extLst>
               </a:tr>
               <a:tr h="370840">
                 <a:tc>
                   <a:txBody>
                     <a:bodyPr/>
-                    <a:lstStyle/>
                     <a:p>
+                      <a:pPr>
+                        <a:defRPr/>
+                      </a:pPr>
                       <a:r>
-                        <a:rPr lang="ru-RU" sz="2000" i="0" kern="1200" baseline="0" dirty="0" smtClean="0">
+                        <a:rPr lang="ru-RU" sz="2000" i="0">
                           <a:solidFill>
                             <a:schemeClr val="dk1"/>
                           </a:solidFill>
-                          <a:effectLst/>
                           <a:latin typeface="+mn-lt"/>
                           <a:ea typeface="+mn-ea"/>
                           <a:cs typeface="+mn-cs"/>
@@ -6073,48 +5491,39 @@
                         <a:t>Происходит с частотой </a:t>
                       </a:r>
                       <a:r>
-                        <a:rPr lang="en-US" sz="2000" i="0" kern="1200" dirty="0" smtClean="0">
+                        <a:rPr lang="en-US" sz="2000" i="0">
                           <a:solidFill>
                             <a:schemeClr val="dk1"/>
                           </a:solidFill>
-                          <a:effectLst/>
                           <a:latin typeface="+mn-lt"/>
                           <a:ea typeface="+mn-ea"/>
                           <a:cs typeface="+mn-cs"/>
                         </a:rPr>
                         <a:t>tickrate</a:t>
                       </a:r>
-                      <a:endParaRPr lang="ru-RU" sz="2000" i="0" dirty="0"/>
+                      <a:endParaRPr lang="ru-RU" sz="2000" i="0"/>
                     </a:p>
                   </a:txBody>
                   <a:tcPr/>
                 </a:tc>
-                <a:extLst>
-                  <a:ext uri="{0D108BD9-81ED-4DB2-BD59-A6C34878D82A}">
-                    <a16:rowId xmlns:a16="http://schemas.microsoft.com/office/drawing/2014/main" val="2137431430"/>
-                  </a:ext>
-                </a:extLst>
               </a:tr>
               <a:tr h="370840">
                 <a:tc>
                   <a:txBody>
                     <a:bodyPr/>
-                    <a:lstStyle/>
                     <a:p>
+                      <a:pPr>
+                        <a:defRPr/>
+                      </a:pPr>
                       <a:r>
-                        <a:rPr lang="en-GB" sz="2000" dirty="0" smtClean="0"/>
+                        <a:rPr lang="en-GB" sz="2000"/>
                         <a:t>tps, delta</a:t>
                       </a:r>
-                      <a:endParaRPr lang="ru-RU" sz="2000" dirty="0"/>
+                      <a:endParaRPr lang="ru-RU" sz="2000"/>
                     </a:p>
                   </a:txBody>
                   <a:tcPr/>
                 </a:tc>
-                <a:extLst>
-                  <a:ext uri="{0D108BD9-81ED-4DB2-BD59-A6C34878D82A}">
-                    <a16:rowId xmlns:a16="http://schemas.microsoft.com/office/drawing/2014/main" val="322113309"/>
-                  </a:ext>
-                </a:extLst>
               </a:tr>
             </a:tbl>
           </a:graphicData>
@@ -6124,15 +5533,9 @@
         <p:nvGraphicFramePr>
           <p:cNvPr id="9" name="Таблица 8"/>
           <p:cNvGraphicFramePr>
-            <a:graphicFrameLocks noGrp="1"/>
+            <a:graphicFrameLocks xmlns:a="http://schemas.openxmlformats.org/drawingml/2006/main" noGrp="1"/>
           </p:cNvGraphicFramePr>
-          <p:nvPr>
-            <p:extLst>
-              <p:ext uri="{D42A27DB-BD31-4B8C-83A1-F6EECF244321}">
-                <p14:modId xmlns:p14="http://schemas.microsoft.com/office/powerpoint/2010/main" val="439849525"/>
-              </p:ext>
-            </p:extLst>
-          </p:nvPr>
+          <p:nvPr/>
         </p:nvGraphicFramePr>
         <p:xfrm>
           <a:off x="8619836" y="3530745"/>
@@ -6141,60 +5544,47 @@
         <a:graphic>
           <a:graphicData uri="http://schemas.openxmlformats.org/drawingml/2006/table">
             <a:tbl>
-              <a:tblPr firstRow="1" bandRow="1">
+              <a:tblPr firstRow="1" firstCol="0" lastRow="0" lastCol="0" bandRow="1" bandCol="0">
                 <a:tableStyleId>{93296810-A885-4BE3-A3E7-6D5BEEA58F35}</a:tableStyleId>
               </a:tblPr>
               <a:tblGrid>
-                <a:gridCol w="3161145">
-                  <a:extLst>
-                    <a:ext uri="{9D8B030D-6E8A-4147-A177-3AD203B41FA5}">
-                      <a16:colId xmlns:a16="http://schemas.microsoft.com/office/drawing/2014/main" val="3622763726"/>
-                    </a:ext>
-                  </a:extLst>
-                </a:gridCol>
+                <a:gridCol w="3161145"/>
               </a:tblGrid>
               <a:tr h="370840">
                 <a:tc>
                   <a:txBody>
                     <a:bodyPr/>
-                    <a:lstStyle/>
                     <a:p>
-                      <a:pPr algn="ctr"/>
+                      <a:pPr algn="ctr">
+                        <a:defRPr/>
+                      </a:pPr>
                       <a:r>
-                        <a:rPr lang="en-GB" sz="2000" dirty="0" smtClean="0"/>
+                        <a:rPr lang="en-GB" sz="2000"/>
                         <a:t>exit</a:t>
                       </a:r>
-                      <a:endParaRPr lang="ru-RU" sz="2000" dirty="0"/>
+                      <a:endParaRPr lang="ru-RU" sz="2000"/>
                     </a:p>
                   </a:txBody>
                   <a:tcPr/>
                 </a:tc>
-                <a:extLst>
-                  <a:ext uri="{0D108BD9-81ED-4DB2-BD59-A6C34878D82A}">
-                    <a16:rowId xmlns:a16="http://schemas.microsoft.com/office/drawing/2014/main" val="595499234"/>
-                  </a:ext>
-                </a:extLst>
               </a:tr>
               <a:tr h="370840">
                 <a:tc>
                   <a:txBody>
                     <a:bodyPr/>
-                    <a:lstStyle/>
                     <a:p>
+                      <a:pPr>
+                        <a:defRPr/>
+                      </a:pPr>
                       <a:r>
-                        <a:rPr lang="ru-RU" sz="2000" dirty="0" smtClean="0"/>
+                        <a:rPr lang="ru-RU" sz="2000"/>
                         <a:t>Выполняется после заверения циклов</a:t>
                       </a:r>
-                      <a:endParaRPr lang="ru-RU" sz="2000" dirty="0"/>
+                      <a:endParaRPr lang="ru-RU" sz="2000"/>
                     </a:p>
                   </a:txBody>
                   <a:tcPr/>
                 </a:tc>
-                <a:extLst>
-                  <a:ext uri="{0D108BD9-81ED-4DB2-BD59-A6C34878D82A}">
-                    <a16:rowId xmlns:a16="http://schemas.microsoft.com/office/drawing/2014/main" val="3766967078"/>
-                  </a:ext>
-                </a:extLst>
               </a:tr>
             </a:tbl>
           </a:graphicData>
@@ -6204,15 +5594,16 @@
         <p:nvCxnSpPr>
           <p:cNvPr id="11" name="Прямая со стрелкой 10"/>
           <p:cNvCxnSpPr>
+            <a:cxnSpLocks/>
             <a:stCxn id="4" idx="1"/>
             <a:endCxn id="6" idx="3"/>
           </p:cNvCxnSpPr>
           <p:nvPr/>
         </p:nvCxnSpPr>
-        <p:spPr>
+        <p:spPr bwMode="auto">
           <a:xfrm flipH="1" flipV="1">
             <a:off x="3572164" y="4079385"/>
-            <a:ext cx="399473" cy="5467"/>
+            <a:ext cx="399472" cy="5467"/>
           </a:xfrm>
           <a:prstGeom prst="straightConnector1">
             <a:avLst/>
@@ -6240,12 +5631,13 @@
         <p:nvCxnSpPr>
           <p:cNvPr id="14" name="Прямая со стрелкой 13"/>
           <p:cNvCxnSpPr>
+            <a:cxnSpLocks/>
             <a:stCxn id="4" idx="2"/>
             <a:endCxn id="8" idx="0"/>
           </p:cNvCxnSpPr>
           <p:nvPr/>
         </p:nvCxnSpPr>
-        <p:spPr>
+        <p:spPr bwMode="auto">
           <a:xfrm flipH="1">
             <a:off x="3572164" y="4481092"/>
             <a:ext cx="2523836" cy="510395"/>
@@ -6276,12 +5668,13 @@
         <p:nvCxnSpPr>
           <p:cNvPr id="18" name="Прямая со стрелкой 17"/>
           <p:cNvCxnSpPr>
+            <a:cxnSpLocks/>
             <a:stCxn id="4" idx="2"/>
             <a:endCxn id="7" idx="0"/>
           </p:cNvCxnSpPr>
           <p:nvPr/>
         </p:nvCxnSpPr>
-        <p:spPr>
+        <p:spPr bwMode="auto">
           <a:xfrm>
             <a:off x="6096000" y="4481092"/>
             <a:ext cx="2924752" cy="510395"/>
@@ -6312,15 +5705,16 @@
         <p:nvCxnSpPr>
           <p:cNvPr id="45" name="Прямая со стрелкой 44"/>
           <p:cNvCxnSpPr>
+            <a:cxnSpLocks/>
             <a:stCxn id="4" idx="3"/>
             <a:endCxn id="9" idx="1"/>
           </p:cNvCxnSpPr>
           <p:nvPr/>
         </p:nvCxnSpPr>
-        <p:spPr>
+        <p:spPr bwMode="auto">
           <a:xfrm flipV="1">
             <a:off x="8220363" y="4079385"/>
-            <a:ext cx="399473" cy="5467"/>
+            <a:ext cx="399472" cy="5467"/>
           </a:xfrm>
           <a:prstGeom prst="straightConnector1">
             <a:avLst/>
@@ -6345,15 +5739,18 @@
         </p:style>
       </p:cxnSp>
     </p:spTree>
-    <p:extLst>
-      <p:ext uri="{BB962C8B-B14F-4D97-AF65-F5344CB8AC3E}">
-        <p14:creationId xmlns:p14="http://schemas.microsoft.com/office/powerpoint/2010/main" val="3500146176"/>
-      </p:ext>
-    </p:extLst>
   </p:cSld>
   <p:clrMapOvr>
     <a:masterClrMapping/>
   </p:clrMapOvr>
+  <mc:AlternateContent xmlns:mc="http://schemas.openxmlformats.org/markup-compatibility/2006">
+    <mc:Choice xmlns:p14="http://schemas.microsoft.com/office/powerpoint/2010/main" Requires="p14">
+      <p:transition p14:dur="2000" advClick="1"/>
+    </mc:Choice>
+    <mc:Fallback>
+      <p:transition advClick="1"/>
+    </mc:Fallback>
+  </mc:AlternateContent>
   <p:timing>
     <p:tnLst>
       <p:par>
@@ -6365,15 +5762,15 @@
 </file>
 
 <file path=ppt/slides/slide5.xml><?xml version="1.0" encoding="utf-8"?>
-<p:sld xmlns:a="http://schemas.openxmlformats.org/drawingml/2006/main" xmlns:r="http://schemas.openxmlformats.org/officeDocument/2006/relationships" xmlns:p="http://schemas.openxmlformats.org/presentationml/2006/main">
-  <p:cSld>
+<p:sld xmlns:a="http://schemas.openxmlformats.org/drawingml/2006/main" xmlns:r="http://schemas.openxmlformats.org/officeDocument/2006/relationships" xmlns:p="http://schemas.openxmlformats.org/presentationml/2006/main" xmlns:m="http://schemas.openxmlformats.org/officeDocument/2006/math" xmlns:w="http://schemas.openxmlformats.org/wordprocessingml/2006/main" showMasterPhAnim="0" show="1">
+  <p:cSld name="">
     <p:spTree>
       <p:nvGrpSpPr>
         <p:cNvPr id="1" name=""/>
         <p:cNvGrpSpPr/>
         <p:nvPr/>
       </p:nvGrpSpPr>
-      <p:grpSpPr>
+      <p:grpSpPr bwMode="auto">
         <a:xfrm>
           <a:off x="0" y="0"/>
           <a:ext cx="0" cy="0"/>
@@ -6391,7 +5788,7 @@
             <p:ph type="title"/>
           </p:nvPr>
         </p:nvSpPr>
-        <p:spPr>
+        <p:spPr bwMode="auto">
           <a:xfrm>
             <a:off x="0" y="0"/>
             <a:ext cx="12192000" cy="1325563"/>
@@ -6403,28 +5800,14 @@
           </a:bodyPr>
           <a:lstStyle/>
           <a:p>
-            <a:pPr algn="ctr"/>
-            <a:r>
-              <a:rPr lang="ru-RU" sz="8000" b="1" dirty="0" smtClean="0">
-                <a:effectLst>
-                  <a:outerShdw blurRad="38100" dist="38100" dir="2700000" algn="tl">
-                    <a:srgbClr val="000000">
-                      <a:alpha val="43137"/>
-                    </a:srgbClr>
-                  </a:outerShdw>
-                </a:effectLst>
-              </a:rPr>
+            <a:pPr algn="ctr">
+              <a:defRPr/>
+            </a:pPr>
+            <a:r>
+              <a:rPr lang="ru-RU" sz="8000" b="1"/>
               <a:t>Меню</a:t>
             </a:r>
-            <a:endParaRPr lang="ru-RU" sz="8000" b="1" dirty="0">
-              <a:effectLst>
-                <a:outerShdw blurRad="38100" dist="38100" dir="2700000" algn="tl">
-                  <a:srgbClr val="000000">
-                    <a:alpha val="43137"/>
-                  </a:srgbClr>
-                </a:outerShdw>
-              </a:effectLst>
-            </a:endParaRPr>
+            <a:endParaRPr lang="ru-RU" sz="8000" b="1"/>
           </a:p>
         </p:txBody>
       </p:sp>
@@ -6437,18 +5820,10 @@
           <p:nvPr/>
         </p:nvPicPr>
         <p:blipFill>
-          <a:blip r:embed="rId2">
-            <a:extLst>
-              <a:ext uri="{28A0092B-C50C-407E-A947-70E740481C1C}">
-                <a14:useLocalDpi xmlns:a14="http://schemas.microsoft.com/office/drawing/2010/main" val="0"/>
-              </a:ext>
-            </a:extLst>
-          </a:blip>
-          <a:stretch>
-            <a:fillRect/>
-          </a:stretch>
+          <a:blip r:embed="rId2"/>
+          <a:stretch/>
         </p:blipFill>
-        <p:spPr>
+        <p:spPr bwMode="auto">
           <a:xfrm>
             <a:off x="794620" y="1382637"/>
             <a:ext cx="4807393" cy="5102245"/>
@@ -6477,18 +5852,10 @@
           <p:nvPr/>
         </p:nvPicPr>
         <p:blipFill>
-          <a:blip r:embed="rId3" cstate="print">
-            <a:extLst>
-              <a:ext uri="{28A0092B-C50C-407E-A947-70E740481C1C}">
-                <a14:useLocalDpi xmlns:a14="http://schemas.microsoft.com/office/drawing/2010/main" val="0"/>
-              </a:ext>
-            </a:extLst>
-          </a:blip>
-          <a:stretch>
-            <a:fillRect/>
-          </a:stretch>
+          <a:blip r:embed="rId3"/>
+          <a:stretch/>
         </p:blipFill>
-        <p:spPr>
+        <p:spPr bwMode="auto">
           <a:xfrm>
             <a:off x="6301435" y="1482239"/>
             <a:ext cx="3000599" cy="3184635"/>
@@ -6517,18 +5884,10 @@
           <p:nvPr/>
         </p:nvPicPr>
         <p:blipFill>
-          <a:blip r:embed="rId4" cstate="print">
-            <a:extLst>
-              <a:ext uri="{28A0092B-C50C-407E-A947-70E740481C1C}">
-                <a14:useLocalDpi xmlns:a14="http://schemas.microsoft.com/office/drawing/2010/main" val="0"/>
-              </a:ext>
-            </a:extLst>
-          </a:blip>
-          <a:stretch>
-            <a:fillRect/>
-          </a:stretch>
+          <a:blip r:embed="rId4"/>
+          <a:stretch/>
         </p:blipFill>
-        <p:spPr>
+        <p:spPr bwMode="auto">
           <a:xfrm>
             <a:off x="8498702" y="3289737"/>
             <a:ext cx="3010501" cy="3195145"/>
@@ -6549,15 +5908,18 @@
         </p:spPr>
       </p:pic>
     </p:spTree>
-    <p:extLst>
-      <p:ext uri="{BB962C8B-B14F-4D97-AF65-F5344CB8AC3E}">
-        <p14:creationId xmlns:p14="http://schemas.microsoft.com/office/powerpoint/2010/main" val="2062288154"/>
-      </p:ext>
-    </p:extLst>
   </p:cSld>
   <p:clrMapOvr>
     <a:masterClrMapping/>
   </p:clrMapOvr>
+  <mc:AlternateContent xmlns:mc="http://schemas.openxmlformats.org/markup-compatibility/2006">
+    <mc:Choice xmlns:p14="http://schemas.microsoft.com/office/powerpoint/2010/main" Requires="p14">
+      <p:transition p14:dur="2000" advClick="1"/>
+    </mc:Choice>
+    <mc:Fallback>
+      <p:transition advClick="1"/>
+    </mc:Fallback>
+  </mc:AlternateContent>
   <p:timing>
     <p:tnLst>
       <p:par>
@@ -6569,15 +5931,15 @@
 </file>
 
 <file path=ppt/slides/slide6.xml><?xml version="1.0" encoding="utf-8"?>
-<p:sld xmlns:a="http://schemas.openxmlformats.org/drawingml/2006/main" xmlns:r="http://schemas.openxmlformats.org/officeDocument/2006/relationships" xmlns:p="http://schemas.openxmlformats.org/presentationml/2006/main">
-  <p:cSld>
+<p:sld xmlns:a="http://schemas.openxmlformats.org/drawingml/2006/main" xmlns:r="http://schemas.openxmlformats.org/officeDocument/2006/relationships" xmlns:p="http://schemas.openxmlformats.org/presentationml/2006/main" xmlns:m="http://schemas.openxmlformats.org/officeDocument/2006/math" xmlns:w="http://schemas.openxmlformats.org/wordprocessingml/2006/main" showMasterPhAnim="0" show="1">
+  <p:cSld name="">
     <p:spTree>
       <p:nvGrpSpPr>
         <p:cNvPr id="1" name=""/>
         <p:cNvGrpSpPr/>
         <p:nvPr/>
       </p:nvGrpSpPr>
-      <p:grpSpPr>
+      <p:grpSpPr bwMode="auto">
         <a:xfrm>
           <a:off x="0" y="0"/>
           <a:ext cx="0" cy="0"/>
@@ -6594,18 +5956,10 @@
           <p:nvPr/>
         </p:nvPicPr>
         <p:blipFill>
-          <a:blip r:embed="rId2" cstate="print">
-            <a:extLst>
-              <a:ext uri="{28A0092B-C50C-407E-A947-70E740481C1C}">
-                <a14:useLocalDpi xmlns:a14="http://schemas.microsoft.com/office/drawing/2010/main" val="0"/>
-              </a:ext>
-            </a:extLst>
-          </a:blip>
-          <a:stretch>
-            <a:fillRect/>
-          </a:stretch>
+          <a:blip r:embed="rId2"/>
+          <a:stretch/>
         </p:blipFill>
-        <p:spPr>
+        <p:spPr bwMode="auto">
           <a:xfrm>
             <a:off x="9493026" y="3740033"/>
             <a:ext cx="2395818" cy="2542762"/>
@@ -6634,18 +5988,10 @@
           <p:nvPr/>
         </p:nvPicPr>
         <p:blipFill>
-          <a:blip r:embed="rId3" cstate="print">
-            <a:extLst>
-              <a:ext uri="{28A0092B-C50C-407E-A947-70E740481C1C}">
-                <a14:useLocalDpi xmlns:a14="http://schemas.microsoft.com/office/drawing/2010/main" val="0"/>
-              </a:ext>
-            </a:extLst>
-          </a:blip>
-          <a:stretch>
-            <a:fillRect/>
-          </a:stretch>
+          <a:blip r:embed="rId3"/>
+          <a:stretch/>
         </p:blipFill>
-        <p:spPr>
+        <p:spPr bwMode="auto">
           <a:xfrm>
             <a:off x="6389803" y="3740033"/>
             <a:ext cx="2395818" cy="2542762"/>
@@ -6675,7 +6021,7 @@
             <p:ph type="title"/>
           </p:nvPr>
         </p:nvSpPr>
-        <p:spPr>
+        <p:spPr bwMode="auto">
           <a:xfrm>
             <a:off x="0" y="0"/>
             <a:ext cx="12192000" cy="1325563"/>
@@ -6687,28 +6033,14 @@
           </a:bodyPr>
           <a:lstStyle/>
           <a:p>
-            <a:pPr algn="ctr"/>
-            <a:r>
-              <a:rPr lang="ru-RU" sz="8000" b="1" dirty="0" smtClean="0">
-                <a:effectLst>
-                  <a:outerShdw blurRad="38100" dist="38100" dir="2700000" algn="tl">
-                    <a:srgbClr val="000000">
-                      <a:alpha val="43137"/>
-                    </a:srgbClr>
-                  </a:outerShdw>
-                </a:effectLst>
-              </a:rPr>
+            <a:pPr algn="ctr">
+              <a:defRPr/>
+            </a:pPr>
+            <a:r>
+              <a:rPr lang="ru-RU" sz="8000" b="1"/>
               <a:t>Игра</a:t>
             </a:r>
-            <a:endParaRPr lang="ru-RU" sz="8000" b="1" dirty="0">
-              <a:effectLst>
-                <a:outerShdw blurRad="38100" dist="38100" dir="2700000" algn="tl">
-                  <a:srgbClr val="000000">
-                    <a:alpha val="43137"/>
-                  </a:srgbClr>
-                </a:outerShdw>
-              </a:effectLst>
-            </a:endParaRPr>
+            <a:endParaRPr lang="ru-RU" sz="8000" b="1"/>
           </a:p>
         </p:txBody>
       </p:sp>
@@ -6721,18 +6053,10 @@
           <p:nvPr/>
         </p:nvPicPr>
         <p:blipFill>
-          <a:blip r:embed="rId4">
-            <a:extLst>
-              <a:ext uri="{28A0092B-C50C-407E-A947-70E740481C1C}">
-                <a14:useLocalDpi xmlns:a14="http://schemas.microsoft.com/office/drawing/2010/main" val="0"/>
-              </a:ext>
-            </a:extLst>
-          </a:blip>
-          <a:stretch>
-            <a:fillRect/>
-          </a:stretch>
+          <a:blip r:embed="rId4"/>
+          <a:stretch/>
         </p:blipFill>
-        <p:spPr>
+        <p:spPr bwMode="auto">
           <a:xfrm>
             <a:off x="859522" y="1325563"/>
             <a:ext cx="4670759" cy="4957232"/>
@@ -6761,18 +6085,10 @@
           <p:nvPr/>
         </p:nvPicPr>
         <p:blipFill>
-          <a:blip r:embed="rId5" cstate="print">
-            <a:extLst>
-              <a:ext uri="{28A0092B-C50C-407E-A947-70E740481C1C}">
-                <a14:useLocalDpi xmlns:a14="http://schemas.microsoft.com/office/drawing/2010/main" val="0"/>
-              </a:ext>
-            </a:extLst>
-          </a:blip>
-          <a:stretch>
-            <a:fillRect/>
-          </a:stretch>
+          <a:blip r:embed="rId5"/>
+          <a:stretch/>
         </p:blipFill>
-        <p:spPr>
+        <p:spPr bwMode="auto">
           <a:xfrm>
             <a:off x="7574277" y="1325563"/>
             <a:ext cx="2921110" cy="3100271"/>
@@ -6793,15 +6109,18 @@
         </p:spPr>
       </p:pic>
     </p:spTree>
-    <p:extLst>
-      <p:ext uri="{BB962C8B-B14F-4D97-AF65-F5344CB8AC3E}">
-        <p14:creationId xmlns:p14="http://schemas.microsoft.com/office/powerpoint/2010/main" val="1124737428"/>
-      </p:ext>
-    </p:extLst>
   </p:cSld>
   <p:clrMapOvr>
     <a:masterClrMapping/>
   </p:clrMapOvr>
+  <mc:AlternateContent xmlns:mc="http://schemas.openxmlformats.org/markup-compatibility/2006">
+    <mc:Choice xmlns:p14="http://schemas.microsoft.com/office/powerpoint/2010/main" Requires="p14">
+      <p:transition p14:dur="2000" advClick="1"/>
+    </mc:Choice>
+    <mc:Fallback>
+      <p:transition advClick="1"/>
+    </mc:Fallback>
+  </mc:AlternateContent>
   <p:timing>
     <p:tnLst>
       <p:par>
@@ -6813,15 +6132,15 @@
 </file>
 
 <file path=ppt/slides/slide7.xml><?xml version="1.0" encoding="utf-8"?>
-<p:sld xmlns:a="http://schemas.openxmlformats.org/drawingml/2006/main" xmlns:r="http://schemas.openxmlformats.org/officeDocument/2006/relationships" xmlns:p="http://schemas.openxmlformats.org/presentationml/2006/main">
-  <p:cSld>
+<p:sld xmlns:a="http://schemas.openxmlformats.org/drawingml/2006/main" xmlns:r="http://schemas.openxmlformats.org/officeDocument/2006/relationships" xmlns:p="http://schemas.openxmlformats.org/presentationml/2006/main" xmlns:m="http://schemas.openxmlformats.org/officeDocument/2006/math" xmlns:w="http://schemas.openxmlformats.org/wordprocessingml/2006/main" showMasterPhAnim="0" show="1">
+  <p:cSld name="">
     <p:spTree>
       <p:nvGrpSpPr>
         <p:cNvPr id="1" name=""/>
         <p:cNvGrpSpPr/>
         <p:nvPr/>
       </p:nvGrpSpPr>
-      <p:grpSpPr>
+      <p:grpSpPr bwMode="auto">
         <a:xfrm>
           <a:off x="0" y="0"/>
           <a:ext cx="0" cy="0"/>
@@ -6839,7 +6158,7 @@
             <p:ph type="title"/>
           </p:nvPr>
         </p:nvSpPr>
-        <p:spPr>
+        <p:spPr bwMode="auto">
           <a:xfrm>
             <a:off x="0" y="39752"/>
             <a:ext cx="12192000" cy="1325563"/>
@@ -6851,28 +6170,14 @@
           </a:bodyPr>
           <a:lstStyle/>
           <a:p>
-            <a:pPr algn="ctr"/>
-            <a:r>
-              <a:rPr lang="ru-RU" sz="8000" b="1" dirty="0" smtClean="0">
-                <a:effectLst>
-                  <a:outerShdw blurRad="38100" dist="38100" dir="2700000" algn="tl">
-                    <a:srgbClr val="000000">
-                      <a:alpha val="43137"/>
-                    </a:srgbClr>
-                  </a:outerShdw>
-                </a:effectLst>
-              </a:rPr>
+            <a:pPr algn="ctr">
+              <a:defRPr/>
+            </a:pPr>
+            <a:r>
+              <a:rPr lang="ru-RU" sz="8000" b="1"/>
               <a:t>Уровни</a:t>
             </a:r>
-            <a:endParaRPr lang="ru-RU" sz="8000" b="1" dirty="0">
-              <a:effectLst>
-                <a:outerShdw blurRad="38100" dist="38100" dir="2700000" algn="tl">
-                  <a:srgbClr val="000000">
-                    <a:alpha val="43137"/>
-                  </a:srgbClr>
-                </a:outerShdw>
-              </a:effectLst>
-            </a:endParaRPr>
+            <a:endParaRPr lang="ru-RU" sz="8000" b="1"/>
           </a:p>
         </p:txBody>
       </p:sp>
@@ -6882,7 +6187,7 @@
           <p:cNvSpPr txBox="1"/>
           <p:nvPr/>
         </p:nvSpPr>
-        <p:spPr>
+        <p:spPr bwMode="auto">
           <a:xfrm>
             <a:off x="465709" y="2556131"/>
             <a:ext cx="2534668" cy="523220"/>
@@ -6898,11 +6203,14 @@
           </a:bodyPr>
           <a:lstStyle/>
           <a:p>
-            <a:r>
-              <a:rPr lang="ru-RU" sz="2800" dirty="0" smtClean="0"/>
+            <a:pPr>
+              <a:defRPr/>
+            </a:pPr>
+            <a:r>
+              <a:rPr lang="ru-RU" sz="2800"/>
               <a:t>Новый уровень</a:t>
             </a:r>
-            <a:endParaRPr lang="ru-RU" sz="2800" dirty="0"/>
+            <a:endParaRPr lang="ru-RU" sz="2800"/>
           </a:p>
         </p:txBody>
       </p:sp>
@@ -6912,7 +6220,7 @@
           <p:cNvSpPr txBox="1"/>
           <p:nvPr/>
         </p:nvSpPr>
-        <p:spPr>
+        <p:spPr bwMode="auto">
           <a:xfrm>
             <a:off x="1491765" y="3589600"/>
             <a:ext cx="2093586" cy="523220"/>
@@ -6928,11 +6236,14 @@
           </a:bodyPr>
           <a:lstStyle/>
           <a:p>
-            <a:r>
-              <a:rPr lang="ru-RU" sz="2800" dirty="0" smtClean="0"/>
+            <a:pPr>
+              <a:defRPr/>
+            </a:pPr>
+            <a:r>
+              <a:rPr lang="ru-RU" sz="2800"/>
               <a:t>Новая волна</a:t>
             </a:r>
-            <a:endParaRPr lang="ru-RU" sz="2800" dirty="0"/>
+            <a:endParaRPr lang="ru-RU" sz="2800"/>
           </a:p>
         </p:txBody>
       </p:sp>
@@ -6942,7 +6253,7 @@
           <p:cNvSpPr txBox="1"/>
           <p:nvPr/>
         </p:nvSpPr>
-        <p:spPr>
+        <p:spPr bwMode="auto">
           <a:xfrm>
             <a:off x="3896844" y="4144292"/>
             <a:ext cx="3872279" cy="954107"/>
@@ -6958,35 +6269,40 @@
           </a:bodyPr>
           <a:lstStyle/>
           <a:p>
-            <a:pPr algn="ctr"/>
-            <a:r>
-              <a:rPr lang="ru-RU" sz="2800" dirty="0"/>
+            <a:pPr algn="ctr">
+              <a:defRPr/>
+            </a:pPr>
+            <a:r>
+              <a:rPr lang="ru-RU" sz="2800"/>
               <a:t>В</a:t>
             </a:r>
             <a:r>
-              <a:rPr lang="ru-RU" sz="2800" dirty="0" smtClean="0"/>
+              <a:rPr lang="ru-RU" sz="2800"/>
               <a:t>се </a:t>
             </a:r>
             <a:r>
-              <a:rPr lang="ru-RU" sz="2800" dirty="0"/>
+              <a:rPr lang="ru-RU" sz="2800"/>
               <a:t>враги убиты </a:t>
             </a:r>
             <a:r>
-              <a:rPr lang="ru-RU" sz="2800" dirty="0" smtClean="0"/>
+              <a:rPr lang="ru-RU" sz="2800"/>
               <a:t>или</a:t>
             </a:r>
-          </a:p>
-          <a:p>
-            <a:pPr algn="ctr"/>
-            <a:r>
-              <a:rPr lang="ru-RU" sz="2800" dirty="0" smtClean="0"/>
+            <a:endParaRPr/>
+          </a:p>
+          <a:p>
+            <a:pPr algn="ctr">
+              <a:defRPr/>
+            </a:pPr>
+            <a:r>
+              <a:rPr lang="ru-RU" sz="2800"/>
               <a:t> </a:t>
             </a:r>
             <a:r>
-              <a:rPr lang="ru-RU" sz="2800" dirty="0"/>
+              <a:rPr lang="ru-RU" sz="2800"/>
               <a:t>исчезли из поля зрения</a:t>
             </a:r>
-            <a:endParaRPr lang="ru-RU" sz="2800" dirty="0"/>
+            <a:endParaRPr lang="ru-RU" sz="2800"/>
           </a:p>
         </p:txBody>
       </p:sp>
@@ -6996,7 +6312,7 @@
           <p:cNvSpPr txBox="1"/>
           <p:nvPr/>
         </p:nvSpPr>
-        <p:spPr>
+        <p:spPr bwMode="auto">
           <a:xfrm>
             <a:off x="7567267" y="5494048"/>
             <a:ext cx="2359685" cy="954107"/>
@@ -7012,25 +6328,32 @@
           </a:bodyPr>
           <a:lstStyle/>
           <a:p>
-            <a:r>
-              <a:rPr lang="ru-RU" sz="2800" dirty="0" smtClean="0">
+            <a:pPr>
+              <a:defRPr/>
+            </a:pPr>
+            <a:r>
+              <a:rPr lang="ru-RU" sz="2800">
                 <a:solidFill>
                   <a:sysClr val="windowText" lastClr="000000"/>
                 </a:solidFill>
               </a:rPr>
               <a:t>Все ли волны </a:t>
             </a:r>
-          </a:p>
-          <a:p>
-            <a:r>
-              <a:rPr lang="ru-RU" sz="2800" dirty="0" smtClean="0">
+            <a:endParaRPr/>
+          </a:p>
+          <a:p>
+            <a:pPr>
+              <a:defRPr/>
+            </a:pPr>
+            <a:r>
+              <a:rPr lang="ru-RU" sz="2800">
                 <a:solidFill>
                   <a:sysClr val="windowText" lastClr="000000"/>
                 </a:solidFill>
               </a:rPr>
               <a:t>закончились? </a:t>
             </a:r>
-            <a:endParaRPr lang="ru-RU" sz="2800" dirty="0">
+            <a:endParaRPr lang="ru-RU" sz="2800">
               <a:solidFill>
                 <a:sysClr val="windowText" lastClr="000000"/>
               </a:solidFill>
@@ -7044,7 +6367,7 @@
           <p:cNvSpPr txBox="1"/>
           <p:nvPr/>
         </p:nvSpPr>
-        <p:spPr>
+        <p:spPr bwMode="auto">
           <a:xfrm>
             <a:off x="4137600" y="2046638"/>
             <a:ext cx="571567" cy="400110"/>
@@ -7060,11 +6383,14 @@
           </a:bodyPr>
           <a:lstStyle/>
           <a:p>
-            <a:r>
-              <a:rPr lang="ru-RU" sz="2000" dirty="0" smtClean="0"/>
+            <a:pPr>
+              <a:defRPr/>
+            </a:pPr>
+            <a:r>
+              <a:rPr lang="ru-RU" sz="2000"/>
               <a:t>Нет</a:t>
             </a:r>
-            <a:endParaRPr lang="ru-RU" sz="2000" dirty="0"/>
+            <a:endParaRPr lang="ru-RU" sz="2000"/>
           </a:p>
         </p:txBody>
       </p:sp>
@@ -7074,7 +6400,7 @@
           <p:cNvSpPr txBox="1"/>
           <p:nvPr/>
         </p:nvSpPr>
-        <p:spPr>
+        <p:spPr bwMode="auto">
           <a:xfrm>
             <a:off x="8258115" y="2114257"/>
             <a:ext cx="473206" cy="400110"/>
@@ -7090,11 +6416,14 @@
           </a:bodyPr>
           <a:lstStyle/>
           <a:p>
-            <a:r>
-              <a:rPr lang="ru-RU" sz="2000" dirty="0" smtClean="0"/>
+            <a:pPr>
+              <a:defRPr/>
+            </a:pPr>
+            <a:r>
+              <a:rPr lang="ru-RU" sz="2000"/>
               <a:t>Да</a:t>
             </a:r>
-            <a:endParaRPr lang="ru-RU" sz="2000" dirty="0"/>
+            <a:endParaRPr lang="ru-RU" sz="2000"/>
           </a:p>
         </p:txBody>
       </p:sp>
@@ -7104,7 +6433,7 @@
           <p:cNvSpPr txBox="1"/>
           <p:nvPr/>
         </p:nvSpPr>
-        <p:spPr>
+        <p:spPr bwMode="auto">
           <a:xfrm>
             <a:off x="6179128" y="2781647"/>
             <a:ext cx="2348720" cy="954107"/>
@@ -7120,19 +6449,24 @@
           </a:bodyPr>
           <a:lstStyle/>
           <a:p>
-            <a:pPr algn="ctr"/>
-            <a:r>
-              <a:rPr lang="ru-RU" sz="2800" dirty="0" smtClean="0"/>
+            <a:pPr algn="ctr">
+              <a:defRPr/>
+            </a:pPr>
+            <a:r>
+              <a:rPr lang="ru-RU" sz="2800"/>
               <a:t>Все ли уровни</a:t>
             </a:r>
-          </a:p>
-          <a:p>
-            <a:pPr algn="ctr"/>
-            <a:r>
-              <a:rPr lang="ru-RU" sz="2800" dirty="0" smtClean="0"/>
+            <a:endParaRPr/>
+          </a:p>
+          <a:p>
+            <a:pPr algn="ctr">
+              <a:defRPr/>
+            </a:pPr>
+            <a:r>
+              <a:rPr lang="ru-RU" sz="2800"/>
               <a:t>закончились?</a:t>
             </a:r>
-            <a:endParaRPr lang="ru-RU" sz="2800" dirty="0"/>
+            <a:endParaRPr lang="ru-RU" sz="2800"/>
           </a:p>
         </p:txBody>
       </p:sp>
@@ -7142,7 +6476,7 @@
           <p:cNvSpPr txBox="1"/>
           <p:nvPr/>
         </p:nvSpPr>
-        <p:spPr>
+        <p:spPr bwMode="auto">
           <a:xfrm>
             <a:off x="8836733" y="1662723"/>
             <a:ext cx="1332288" cy="523220"/>
@@ -7158,11 +6492,14 @@
           </a:bodyPr>
           <a:lstStyle/>
           <a:p>
-            <a:r>
-              <a:rPr lang="ru-RU" sz="2800" dirty="0" smtClean="0"/>
+            <a:pPr>
+              <a:defRPr/>
+            </a:pPr>
+            <a:r>
+              <a:rPr lang="ru-RU" sz="2800"/>
               <a:t>Победа</a:t>
             </a:r>
-            <a:endParaRPr lang="ru-RU" sz="2800" dirty="0"/>
+            <a:endParaRPr lang="ru-RU" sz="2800"/>
           </a:p>
         </p:txBody>
       </p:sp>
@@ -7170,18 +6507,21 @@
         <p:nvCxnSpPr>
           <p:cNvPr id="125" name="Скругленная соединительная линия 124"/>
           <p:cNvCxnSpPr>
+            <a:cxnSpLocks/>
             <a:stCxn id="4" idx="2"/>
             <a:endCxn id="5" idx="0"/>
           </p:cNvCxnSpPr>
           <p:nvPr/>
         </p:nvCxnSpPr>
-        <p:spPr>
-          <a:xfrm rot="16200000" flipH="1">
+        <p:spPr bwMode="auto">
+          <a:xfrm rot="16199999" flipH="1">
             <a:off x="1880676" y="2931717"/>
             <a:ext cx="510249" cy="805515"/>
           </a:xfrm>
           <a:prstGeom prst="curvedConnector3">
-            <a:avLst/>
+            <a:avLst>
+              <a:gd name="adj1" fmla="val 50000"/>
+            </a:avLst>
           </a:prstGeom>
           <a:ln>
             <a:tailEnd type="triangle"/>
@@ -7206,12 +6546,13 @@
         <p:nvCxnSpPr>
           <p:cNvPr id="128" name="Скругленная соединительная линия 127"/>
           <p:cNvCxnSpPr>
+            <a:cxnSpLocks/>
             <a:stCxn id="5" idx="3"/>
             <a:endCxn id="7" idx="0"/>
           </p:cNvCxnSpPr>
           <p:nvPr/>
         </p:nvCxnSpPr>
-        <p:spPr>
+        <p:spPr bwMode="auto">
           <a:xfrm>
             <a:off x="3585351" y="3851210"/>
             <a:ext cx="2247633" cy="293082"/>
@@ -7242,12 +6583,13 @@
         <p:nvCxnSpPr>
           <p:cNvPr id="131" name="Скругленная соединительная линия 130"/>
           <p:cNvCxnSpPr>
+            <a:cxnSpLocks/>
             <a:stCxn id="7" idx="3"/>
             <a:endCxn id="8" idx="0"/>
           </p:cNvCxnSpPr>
           <p:nvPr/>
         </p:nvCxnSpPr>
-        <p:spPr>
+        <p:spPr bwMode="auto">
           <a:xfrm>
             <a:off x="7769123" y="4621346"/>
             <a:ext cx="977987" cy="872702"/>
@@ -7278,15 +6620,16 @@
         <p:nvCxnSpPr>
           <p:cNvPr id="146" name="Скругленная соединительная линия 145"/>
           <p:cNvCxnSpPr>
+            <a:cxnSpLocks/>
             <a:stCxn id="8" idx="1"/>
             <a:endCxn id="5" idx="2"/>
           </p:cNvCxnSpPr>
           <p:nvPr/>
         </p:nvCxnSpPr>
-        <p:spPr>
+        <p:spPr bwMode="auto">
           <a:xfrm rot="10800000">
             <a:off x="2538559" y="4112820"/>
-            <a:ext cx="5028709" cy="1858282"/>
+            <a:ext cx="5028708" cy="1858282"/>
           </a:xfrm>
           <a:prstGeom prst="curvedConnector2">
             <a:avLst/>
@@ -7316,7 +6659,7 @@
           <p:cNvSpPr txBox="1"/>
           <p:nvPr/>
         </p:nvSpPr>
-        <p:spPr>
+        <p:spPr bwMode="auto">
           <a:xfrm>
             <a:off x="4223327" y="5532271"/>
             <a:ext cx="571567" cy="400110"/>
@@ -7332,11 +6675,14 @@
           </a:bodyPr>
           <a:lstStyle/>
           <a:p>
-            <a:r>
-              <a:rPr lang="ru-RU" sz="2000" dirty="0" smtClean="0"/>
+            <a:pPr>
+              <a:defRPr/>
+            </a:pPr>
+            <a:r>
+              <a:rPr lang="ru-RU" sz="2000"/>
               <a:t>Нет</a:t>
             </a:r>
-            <a:endParaRPr lang="ru-RU" sz="2000" dirty="0"/>
+            <a:endParaRPr lang="ru-RU" sz="2000"/>
           </a:p>
         </p:txBody>
       </p:sp>
@@ -7344,12 +6690,13 @@
         <p:nvCxnSpPr>
           <p:cNvPr id="168" name="Скругленная соединительная линия 167"/>
           <p:cNvCxnSpPr>
+            <a:cxnSpLocks/>
             <a:stCxn id="8" idx="3"/>
             <a:endCxn id="46" idx="3"/>
           </p:cNvCxnSpPr>
           <p:nvPr/>
         </p:nvCxnSpPr>
-        <p:spPr>
+        <p:spPr bwMode="auto">
           <a:xfrm flipH="1" flipV="1">
             <a:off x="8527848" y="3258701"/>
             <a:ext cx="1399104" cy="2712401"/>
@@ -7384,7 +6731,7 @@
           <p:cNvSpPr txBox="1"/>
           <p:nvPr/>
         </p:nvSpPr>
-        <p:spPr>
+        <p:spPr bwMode="auto">
           <a:xfrm>
             <a:off x="9917558" y="3696662"/>
             <a:ext cx="473206" cy="400110"/>
@@ -7400,11 +6747,14 @@
           </a:bodyPr>
           <a:lstStyle/>
           <a:p>
-            <a:r>
-              <a:rPr lang="ru-RU" sz="2000" dirty="0" smtClean="0"/>
+            <a:pPr>
+              <a:defRPr/>
+            </a:pPr>
+            <a:r>
+              <a:rPr lang="ru-RU" sz="2000"/>
               <a:t>Да</a:t>
             </a:r>
-            <a:endParaRPr lang="ru-RU" sz="2000" dirty="0"/>
+            <a:endParaRPr lang="ru-RU" sz="2000"/>
           </a:p>
         </p:txBody>
       </p:sp>
@@ -7412,12 +6762,13 @@
         <p:nvCxnSpPr>
           <p:cNvPr id="173" name="Скругленная соединительная линия 172"/>
           <p:cNvCxnSpPr>
+            <a:cxnSpLocks/>
             <a:stCxn id="46" idx="1"/>
             <a:endCxn id="4" idx="0"/>
           </p:cNvCxnSpPr>
           <p:nvPr/>
         </p:nvCxnSpPr>
-        <p:spPr>
+        <p:spPr bwMode="auto">
           <a:xfrm rot="10800000">
             <a:off x="1733044" y="2556131"/>
             <a:ext cx="4446085" cy="702570"/>
@@ -7451,18 +6802,21 @@
         <p:nvCxnSpPr>
           <p:cNvPr id="176" name="Скругленная соединительная линия 175"/>
           <p:cNvCxnSpPr>
+            <a:cxnSpLocks/>
             <a:stCxn id="46" idx="0"/>
             <a:endCxn id="107" idx="2"/>
           </p:cNvCxnSpPr>
           <p:nvPr/>
         </p:nvCxnSpPr>
-        <p:spPr>
+        <p:spPr bwMode="auto">
           <a:xfrm rot="5400000" flipH="1" flipV="1">
             <a:off x="8130330" y="1409101"/>
             <a:ext cx="595704" cy="2149389"/>
           </a:xfrm>
           <a:prstGeom prst="curvedConnector3">
-            <a:avLst/>
+            <a:avLst>
+              <a:gd name="adj1" fmla="val 50000"/>
+            </a:avLst>
           </a:prstGeom>
           <a:ln>
             <a:tailEnd type="triangle"/>
@@ -7484,15 +6838,18 @@
         </p:style>
       </p:cxnSp>
     </p:spTree>
-    <p:extLst>
-      <p:ext uri="{BB962C8B-B14F-4D97-AF65-F5344CB8AC3E}">
-        <p14:creationId xmlns:p14="http://schemas.microsoft.com/office/powerpoint/2010/main" val="149807628"/>
-      </p:ext>
-    </p:extLst>
   </p:cSld>
   <p:clrMapOvr>
     <a:masterClrMapping/>
   </p:clrMapOvr>
+  <mc:AlternateContent xmlns:mc="http://schemas.openxmlformats.org/markup-compatibility/2006">
+    <mc:Choice xmlns:p14="http://schemas.microsoft.com/office/powerpoint/2010/main" Requires="p14">
+      <p:transition p14:dur="2000" advClick="1"/>
+    </mc:Choice>
+    <mc:Fallback>
+      <p:transition advClick="1"/>
+    </mc:Fallback>
+  </mc:AlternateContent>
   <p:timing>
     <p:tnLst>
       <p:par>
@@ -7504,15 +6861,15 @@
 </file>
 
 <file path=ppt/slides/slide8.xml><?xml version="1.0" encoding="utf-8"?>
-<p:sld xmlns:a="http://schemas.openxmlformats.org/drawingml/2006/main" xmlns:r="http://schemas.openxmlformats.org/officeDocument/2006/relationships" xmlns:p="http://schemas.openxmlformats.org/presentationml/2006/main">
-  <p:cSld>
+<p:sld xmlns:a="http://schemas.openxmlformats.org/drawingml/2006/main" xmlns:r="http://schemas.openxmlformats.org/officeDocument/2006/relationships" xmlns:p="http://schemas.openxmlformats.org/presentationml/2006/main" xmlns:m="http://schemas.openxmlformats.org/officeDocument/2006/math" xmlns:w="http://schemas.openxmlformats.org/wordprocessingml/2006/main" showMasterPhAnim="0" show="1">
+  <p:cSld name="">
     <p:spTree>
       <p:nvGrpSpPr>
         <p:cNvPr id="1" name=""/>
         <p:cNvGrpSpPr/>
         <p:nvPr/>
       </p:nvGrpSpPr>
-      <p:grpSpPr>
+      <p:grpSpPr bwMode="auto">
         <a:xfrm>
           <a:off x="0" y="0"/>
           <a:ext cx="0" cy="0"/>
@@ -7530,7 +6887,7 @@
             <p:ph type="title"/>
           </p:nvPr>
         </p:nvSpPr>
-        <p:spPr>
+        <p:spPr bwMode="auto">
           <a:xfrm>
             <a:off x="0" y="1"/>
             <a:ext cx="12192000" cy="1274618"/>
@@ -7542,28 +6899,14 @@
           </a:bodyPr>
           <a:lstStyle/>
           <a:p>
-            <a:pPr algn="ctr"/>
-            <a:r>
-              <a:rPr lang="ru-RU" sz="8000" b="1" dirty="0" smtClean="0">
-                <a:effectLst>
-                  <a:outerShdw blurRad="38100" dist="38100" dir="2700000" algn="tl">
-                    <a:srgbClr val="000000">
-                      <a:alpha val="43137"/>
-                    </a:srgbClr>
-                  </a:outerShdw>
-                </a:effectLst>
-              </a:rPr>
+            <a:pPr algn="ctr">
+              <a:defRPr/>
+            </a:pPr>
+            <a:r>
+              <a:rPr lang="ru-RU" sz="8000" b="1"/>
               <a:t>Анимация. Звук</a:t>
             </a:r>
-            <a:endParaRPr lang="ru-RU" sz="8000" b="1" dirty="0">
-              <a:effectLst>
-                <a:outerShdw blurRad="38100" dist="38100" dir="2700000" algn="tl">
-                  <a:srgbClr val="000000">
-                    <a:alpha val="43137"/>
-                  </a:srgbClr>
-                </a:outerShdw>
-              </a:effectLst>
-            </a:endParaRPr>
+            <a:endParaRPr lang="ru-RU" sz="8000" b="1"/>
           </a:p>
         </p:txBody>
       </p:sp>
@@ -7573,7 +6916,7 @@
           <p:cNvSpPr txBox="1"/>
           <p:nvPr/>
         </p:nvSpPr>
-        <p:spPr>
+        <p:spPr bwMode="auto">
           <a:xfrm>
             <a:off x="4404607" y="3573517"/>
             <a:ext cx="2476960" cy="369332"/>
@@ -7589,28 +6932,34 @@
           </a:bodyPr>
           <a:lstStyle/>
           <a:p>
-            <a:r>
-              <a:rPr lang="ru-RU" dirty="0" smtClean="0"/>
+            <a:pPr>
+              <a:defRPr/>
+            </a:pPr>
+            <a:r>
+              <a:rPr lang="ru-RU"/>
               <a:t>Тут будут видео или </a:t>
             </a:r>
             <a:r>
-              <a:rPr lang="en-GB" dirty="0" smtClean="0"/>
+              <a:rPr lang="en-GB"/>
               <a:t>gif</a:t>
             </a:r>
-            <a:endParaRPr lang="ru-RU" dirty="0"/>
+            <a:endParaRPr lang="ru-RU"/>
           </a:p>
         </p:txBody>
       </p:sp>
     </p:spTree>
-    <p:extLst>
-      <p:ext uri="{BB962C8B-B14F-4D97-AF65-F5344CB8AC3E}">
-        <p14:creationId xmlns:p14="http://schemas.microsoft.com/office/powerpoint/2010/main" val="2747999329"/>
-      </p:ext>
-    </p:extLst>
   </p:cSld>
   <p:clrMapOvr>
     <a:masterClrMapping/>
   </p:clrMapOvr>
+  <mc:AlternateContent xmlns:mc="http://schemas.openxmlformats.org/markup-compatibility/2006">
+    <mc:Choice xmlns:p14="http://schemas.microsoft.com/office/powerpoint/2010/main" Requires="p14">
+      <p:transition p14:dur="2000" advClick="1"/>
+    </mc:Choice>
+    <mc:Fallback>
+      <p:transition advClick="1"/>
+    </mc:Fallback>
+  </mc:AlternateContent>
   <p:timing>
     <p:tnLst>
       <p:par>
@@ -7622,15 +6971,15 @@
 </file>
 
 <file path=ppt/slides/slide9.xml><?xml version="1.0" encoding="utf-8"?>
-<p:sld xmlns:a="http://schemas.openxmlformats.org/drawingml/2006/main" xmlns:r="http://schemas.openxmlformats.org/officeDocument/2006/relationships" xmlns:p="http://schemas.openxmlformats.org/presentationml/2006/main">
-  <p:cSld>
+<p:sld xmlns:a="http://schemas.openxmlformats.org/drawingml/2006/main" xmlns:r="http://schemas.openxmlformats.org/officeDocument/2006/relationships" xmlns:p="http://schemas.openxmlformats.org/presentationml/2006/main" xmlns:m="http://schemas.openxmlformats.org/officeDocument/2006/math" xmlns:w="http://schemas.openxmlformats.org/wordprocessingml/2006/main" showMasterPhAnim="0" show="1">
+  <p:cSld name="">
     <p:spTree>
       <p:nvGrpSpPr>
         <p:cNvPr id="1" name=""/>
         <p:cNvGrpSpPr/>
         <p:nvPr/>
       </p:nvGrpSpPr>
-      <p:grpSpPr>
+      <p:grpSpPr bwMode="auto">
         <a:xfrm>
           <a:off x="0" y="0"/>
           <a:ext cx="0" cy="0"/>
@@ -7647,21 +6996,13 @@
           <p:nvPr/>
         </p:nvPicPr>
         <p:blipFill>
-          <a:blip r:embed="rId2">
-            <a:extLst>
-              <a:ext uri="{28A0092B-C50C-407E-A947-70E740481C1C}">
-                <a14:useLocalDpi xmlns:a14="http://schemas.microsoft.com/office/drawing/2010/main" val="0"/>
-              </a:ext>
-            </a:extLst>
-          </a:blip>
-          <a:stretch>
-            <a:fillRect/>
-          </a:stretch>
+          <a:blip r:embed="rId2"/>
+          <a:stretch/>
         </p:blipFill>
-        <p:spPr>
+        <p:spPr bwMode="auto">
           <a:xfrm>
             <a:off x="776418" y="1566249"/>
-            <a:ext cx="3346657" cy="3278986"/>
+            <a:ext cx="3346656" cy="3278986"/>
           </a:xfrm>
           <a:prstGeom prst="rect">
             <a:avLst/>
@@ -7688,7 +7029,7 @@
             <p:ph type="title"/>
           </p:nvPr>
         </p:nvSpPr>
-        <p:spPr>
+        <p:spPr bwMode="auto">
           <a:xfrm>
             <a:off x="0" y="0"/>
             <a:ext cx="12192000" cy="1325563"/>
@@ -7698,28 +7039,14 @@
           <a:bodyPr/>
           <a:lstStyle/>
           <a:p>
-            <a:pPr algn="ctr"/>
-            <a:r>
-              <a:rPr lang="ru-RU" sz="8000" b="1" dirty="0" smtClean="0">
-                <a:effectLst>
-                  <a:outerShdw blurRad="38100" dist="38100" dir="2700000" algn="tl">
-                    <a:srgbClr val="000000">
-                      <a:alpha val="43137"/>
-                    </a:srgbClr>
-                  </a:outerShdw>
-                </a:effectLst>
-              </a:rPr>
+            <a:pPr algn="ctr">
+              <a:defRPr/>
+            </a:pPr>
+            <a:r>
+              <a:rPr lang="ru-RU" sz="8000" b="1"/>
               <a:t>Механики стрельбы</a:t>
             </a:r>
-            <a:endParaRPr lang="ru-RU" sz="8000" b="1" dirty="0">
-              <a:effectLst>
-                <a:outerShdw blurRad="38100" dist="38100" dir="2700000" algn="tl">
-                  <a:srgbClr val="000000">
-                    <a:alpha val="43137"/>
-                  </a:srgbClr>
-                </a:outerShdw>
-              </a:effectLst>
-            </a:endParaRPr>
+            <a:endParaRPr lang="ru-RU" sz="8000" b="1"/>
           </a:p>
         </p:txBody>
       </p:sp>
@@ -7732,18 +7059,10 @@
           <p:nvPr/>
         </p:nvPicPr>
         <p:blipFill>
-          <a:blip r:embed="rId3">
-            <a:extLst>
-              <a:ext uri="{28A0092B-C50C-407E-A947-70E740481C1C}">
-                <a14:useLocalDpi xmlns:a14="http://schemas.microsoft.com/office/drawing/2010/main" val="0"/>
-              </a:ext>
-            </a:extLst>
-          </a:blip>
-          <a:stretch>
-            <a:fillRect/>
-          </a:stretch>
+          <a:blip r:embed="rId3"/>
+          <a:stretch/>
         </p:blipFill>
-        <p:spPr>
+        <p:spPr bwMode="auto">
           <a:xfrm>
             <a:off x="7734973" y="1566249"/>
             <a:ext cx="3146147" cy="3278986"/>
@@ -7767,25 +7086,17 @@
         <p:nvPicPr>
           <p:cNvPr id="4" name="Объект 3"/>
           <p:cNvPicPr>
-            <a:picLocks noGrp="1" noChangeAspect="1"/>
+            <a:picLocks noChangeAspect="1" noGrp="1"/>
           </p:cNvPicPr>
           <p:nvPr>
             <p:ph idx="1"/>
           </p:nvPr>
         </p:nvPicPr>
         <p:blipFill>
-          <a:blip r:embed="rId4">
-            <a:extLst>
-              <a:ext uri="{28A0092B-C50C-407E-A947-70E740481C1C}">
-                <a14:useLocalDpi xmlns:a14="http://schemas.microsoft.com/office/drawing/2010/main" val="0"/>
-              </a:ext>
-            </a:extLst>
-          </a:blip>
-          <a:stretch>
-            <a:fillRect/>
-          </a:stretch>
+          <a:blip r:embed="rId4"/>
+          <a:stretch/>
         </p:blipFill>
-        <p:spPr>
+        <p:spPr bwMode="auto">
           <a:xfrm>
             <a:off x="3897556" y="2965596"/>
             <a:ext cx="3931271" cy="3185821"/>
@@ -7806,15 +7117,18 @@
         </p:spPr>
       </p:pic>
     </p:spTree>
-    <p:extLst>
-      <p:ext uri="{BB962C8B-B14F-4D97-AF65-F5344CB8AC3E}">
-        <p14:creationId xmlns:p14="http://schemas.microsoft.com/office/powerpoint/2010/main" val="704911689"/>
-      </p:ext>
-    </p:extLst>
   </p:cSld>
   <p:clrMapOvr>
     <a:masterClrMapping/>
   </p:clrMapOvr>
+  <mc:AlternateContent xmlns:mc="http://schemas.openxmlformats.org/markup-compatibility/2006">
+    <mc:Choice xmlns:p14="http://schemas.microsoft.com/office/powerpoint/2010/main" Requires="p14">
+      <p:transition p14:dur="2000" advClick="1"/>
+    </mc:Choice>
+    <mc:Fallback>
+      <p:transition advClick="1"/>
+    </mc:Fallback>
+  </mc:AlternateContent>
   <p:timing>
     <p:tnLst>
       <p:par>
@@ -7826,7 +7140,7 @@
 </file>
 
 <file path=ppt/theme/theme1.xml><?xml version="1.0" encoding="utf-8"?>
-<a:theme xmlns:a="http://schemas.openxmlformats.org/drawingml/2006/main" name="Тема Office">
+<a:theme xmlns:a="http://schemas.openxmlformats.org/drawingml/2006/main" xmlns:r="http://schemas.openxmlformats.org/officeDocument/2006/relationships" xmlns:p="http://schemas.openxmlformats.org/presentationml/2006/main" name="Тема Office">
   <a:themeElements>
     <a:clrScheme name="Стандартная">
       <a:dk1>
@@ -7868,74 +7182,14 @@
     </a:clrScheme>
     <a:fontScheme name="Стандартная">
       <a:majorFont>
-        <a:latin typeface="Calibri Light" panose="020F0302020204030204"/>
-        <a:ea typeface=""/>
-        <a:cs typeface=""/>
-        <a:font script="Jpan" typeface="游ゴシック Light"/>
-        <a:font script="Hang" typeface="맑은 고딕"/>
-        <a:font script="Hans" typeface="等线 Light"/>
-        <a:font script="Hant" typeface="新細明體"/>
-        <a:font script="Arab" typeface="Times New Roman"/>
-        <a:font script="Hebr" typeface="Times New Roman"/>
-        <a:font script="Thai" typeface="Angsana New"/>
-        <a:font script="Ethi" typeface="Nyala"/>
-        <a:font script="Beng" typeface="Vrinda"/>
-        <a:font script="Gujr" typeface="Shruti"/>
-        <a:font script="Khmr" typeface="MoolBoran"/>
-        <a:font script="Knda" typeface="Tunga"/>
-        <a:font script="Guru" typeface="Raavi"/>
-        <a:font script="Cans" typeface="Euphemia"/>
-        <a:font script="Cher" typeface="Plantagenet Cherokee"/>
-        <a:font script="Yiii" typeface="Microsoft Yi Baiti"/>
-        <a:font script="Tibt" typeface="Microsoft Himalaya"/>
-        <a:font script="Thaa" typeface="MV Boli"/>
-        <a:font script="Deva" typeface="Mangal"/>
-        <a:font script="Telu" typeface="Gautami"/>
-        <a:font script="Taml" typeface="Latha"/>
-        <a:font script="Syrc" typeface="Estrangelo Edessa"/>
-        <a:font script="Orya" typeface="Kalinga"/>
-        <a:font script="Mlym" typeface="Kartika"/>
-        <a:font script="Laoo" typeface="DokChampa"/>
-        <a:font script="Sinh" typeface="Iskoola Pota"/>
-        <a:font script="Mong" typeface="Mongolian Baiti"/>
-        <a:font script="Viet" typeface="Times New Roman"/>
-        <a:font script="Uigh" typeface="Microsoft Uighur"/>
-        <a:font script="Geor" typeface="Sylfaen"/>
+        <a:latin typeface="Calibri Light"/>
+        <a:ea typeface="Arial"/>
+        <a:cs typeface="Arial"/>
       </a:majorFont>
       <a:minorFont>
-        <a:latin typeface="Calibri" panose="020F0502020204030204"/>
-        <a:ea typeface=""/>
-        <a:cs typeface=""/>
-        <a:font script="Jpan" typeface="游ゴシック"/>
-        <a:font script="Hang" typeface="맑은 고딕"/>
-        <a:font script="Hans" typeface="等线"/>
-        <a:font script="Hant" typeface="新細明體"/>
-        <a:font script="Arab" typeface="Arial"/>
-        <a:font script="Hebr" typeface="Arial"/>
-        <a:font script="Thai" typeface="Cordia New"/>
-        <a:font script="Ethi" typeface="Nyala"/>
-        <a:font script="Beng" typeface="Vrinda"/>
-        <a:font script="Gujr" typeface="Shruti"/>
-        <a:font script="Khmr" typeface="DaunPenh"/>
-        <a:font script="Knda" typeface="Tunga"/>
-        <a:font script="Guru" typeface="Raavi"/>
-        <a:font script="Cans" typeface="Euphemia"/>
-        <a:font script="Cher" typeface="Plantagenet Cherokee"/>
-        <a:font script="Yiii" typeface="Microsoft Yi Baiti"/>
-        <a:font script="Tibt" typeface="Microsoft Himalaya"/>
-        <a:font script="Thaa" typeface="MV Boli"/>
-        <a:font script="Deva" typeface="Mangal"/>
-        <a:font script="Telu" typeface="Gautami"/>
-        <a:font script="Taml" typeface="Latha"/>
-        <a:font script="Syrc" typeface="Estrangelo Edessa"/>
-        <a:font script="Orya" typeface="Kalinga"/>
-        <a:font script="Mlym" typeface="Kartika"/>
-        <a:font script="Laoo" typeface="DokChampa"/>
-        <a:font script="Sinh" typeface="Iskoola Pota"/>
-        <a:font script="Mong" typeface="Mongolian Baiti"/>
-        <a:font script="Viet" typeface="Arial"/>
-        <a:font script="Uigh" typeface="Microsoft Uighur"/>
-        <a:font script="Geor" typeface="Sylfaen"/>
+        <a:latin typeface="Calibri"/>
+        <a:ea typeface="Arial"/>
+        <a:cs typeface="Arial"/>
       </a:minorFont>
     </a:fontScheme>
     <a:fmtScheme name="Стандартная">
@@ -7943,7 +7197,7 @@
         <a:solidFill>
           <a:schemeClr val="phClr"/>
         </a:solidFill>
-        <a:gradFill rotWithShape="1">
+        <a:gradFill>
           <a:gsLst>
             <a:gs pos="0">
               <a:schemeClr val="phClr">
@@ -7969,7 +7223,7 @@
           </a:gsLst>
           <a:lin ang="5400000" scaled="0"/>
         </a:gradFill>
-        <a:gradFill rotWithShape="1">
+        <a:gradFill>
           <a:gsLst>
             <a:gs pos="0">
               <a:schemeClr val="phClr">
@@ -8021,16 +7275,28 @@
       </a:lnStyleLst>
       <a:effectStyleLst>
         <a:effectStyle>
-          <a:effectLst/>
-        </a:effectStyle>
-        <a:effectStyle>
-          <a:effectLst/>
+          <a:effectLst>
+            <a:outerShdw blurRad="40000" dist="20000" dir="5400000" rotWithShape="0">
+              <a:srgbClr val="000000">
+                <a:alpha val="38000"/>
+              </a:srgbClr>
+            </a:outerShdw>
+          </a:effectLst>
         </a:effectStyle>
         <a:effectStyle>
           <a:effectLst>
-            <a:outerShdw blurRad="57150" dist="19050" dir="5400000" algn="ctr" rotWithShape="0">
+            <a:outerShdw blurRad="40000" dist="23000" dir="5400000" rotWithShape="0">
               <a:srgbClr val="000000">
-                <a:alpha val="63000"/>
+                <a:alpha val="35000"/>
+              </a:srgbClr>
+            </a:outerShdw>
+          </a:effectLst>
+        </a:effectStyle>
+        <a:effectStyle>
+          <a:effectLst>
+            <a:outerShdw blurRad="40000" dist="23000" dir="5400000" rotWithShape="0">
+              <a:srgbClr val="000000">
+                <a:alpha val="35000"/>
               </a:srgbClr>
             </a:outerShdw>
           </a:effectLst>
@@ -8046,7 +7312,7 @@
             <a:satMod val="170000"/>
           </a:schemeClr>
         </a:solidFill>
-        <a:gradFill rotWithShape="1">
+        <a:gradFill>
           <a:gsLst>
             <a:gs pos="0">
               <a:schemeClr val="phClr">
@@ -8077,272 +7343,5 @@
     </a:fmtScheme>
   </a:themeElements>
   <a:objectDefaults/>
-  <a:extraClrSchemeLst/>
-  <a:extLst>
-    <a:ext uri="{05A4C25C-085E-4340-85A3-A5531E510DB2}">
-      <thm15:themeFamily xmlns:thm15="http://schemas.microsoft.com/office/thememl/2012/main" name="Office Theme" id="{62F939B6-93AF-4DB8-9C6B-D6C7DFDC589F}" vid="{4A3C46E8-61CC-4603-A589-7422A47A8E4A}"/>
-    </a:ext>
-  </a:extLst>
-</a:theme>
-</file>
-
-<file path=ppt/theme/theme2.xml><?xml version="1.0" encoding="utf-8"?>
-<a:theme xmlns:a="http://schemas.openxmlformats.org/drawingml/2006/main" name="Тема Office">
-  <a:themeElements>
-    <a:clrScheme name="Стандартная">
-      <a:dk1>
-        <a:sysClr val="windowText" lastClr="000000"/>
-      </a:dk1>
-      <a:lt1>
-        <a:sysClr val="window" lastClr="FFFFFF"/>
-      </a:lt1>
-      <a:dk2>
-        <a:srgbClr val="44546A"/>
-      </a:dk2>
-      <a:lt2>
-        <a:srgbClr val="E7E6E6"/>
-      </a:lt2>
-      <a:accent1>
-        <a:srgbClr val="5B9BD5"/>
-      </a:accent1>
-      <a:accent2>
-        <a:srgbClr val="ED7D31"/>
-      </a:accent2>
-      <a:accent3>
-        <a:srgbClr val="A5A5A5"/>
-      </a:accent3>
-      <a:accent4>
-        <a:srgbClr val="FFC000"/>
-      </a:accent4>
-      <a:accent5>
-        <a:srgbClr val="4472C4"/>
-      </a:accent5>
-      <a:accent6>
-        <a:srgbClr val="70AD47"/>
-      </a:accent6>
-      <a:hlink>
-        <a:srgbClr val="0563C1"/>
-      </a:hlink>
-      <a:folHlink>
-        <a:srgbClr val="954F72"/>
-      </a:folHlink>
-    </a:clrScheme>
-    <a:fontScheme name="Стандартная">
-      <a:majorFont>
-        <a:latin typeface="Calibri Light" panose="020F0302020204030204"/>
-        <a:ea typeface=""/>
-        <a:cs typeface=""/>
-        <a:font script="Jpan" typeface="游ゴシック Light"/>
-        <a:font script="Hang" typeface="맑은 고딕"/>
-        <a:font script="Hans" typeface="等线 Light"/>
-        <a:font script="Hant" typeface="新細明體"/>
-        <a:font script="Arab" typeface="Times New Roman"/>
-        <a:font script="Hebr" typeface="Times New Roman"/>
-        <a:font script="Thai" typeface="Angsana New"/>
-        <a:font script="Ethi" typeface="Nyala"/>
-        <a:font script="Beng" typeface="Vrinda"/>
-        <a:font script="Gujr" typeface="Shruti"/>
-        <a:font script="Khmr" typeface="MoolBoran"/>
-        <a:font script="Knda" typeface="Tunga"/>
-        <a:font script="Guru" typeface="Raavi"/>
-        <a:font script="Cans" typeface="Euphemia"/>
-        <a:font script="Cher" typeface="Plantagenet Cherokee"/>
-        <a:font script="Yiii" typeface="Microsoft Yi Baiti"/>
-        <a:font script="Tibt" typeface="Microsoft Himalaya"/>
-        <a:font script="Thaa" typeface="MV Boli"/>
-        <a:font script="Deva" typeface="Mangal"/>
-        <a:font script="Telu" typeface="Gautami"/>
-        <a:font script="Taml" typeface="Latha"/>
-        <a:font script="Syrc" typeface="Estrangelo Edessa"/>
-        <a:font script="Orya" typeface="Kalinga"/>
-        <a:font script="Mlym" typeface="Kartika"/>
-        <a:font script="Laoo" typeface="DokChampa"/>
-        <a:font script="Sinh" typeface="Iskoola Pota"/>
-        <a:font script="Mong" typeface="Mongolian Baiti"/>
-        <a:font script="Viet" typeface="Times New Roman"/>
-        <a:font script="Uigh" typeface="Microsoft Uighur"/>
-        <a:font script="Geor" typeface="Sylfaen"/>
-      </a:majorFont>
-      <a:minorFont>
-        <a:latin typeface="Calibri" panose="020F0502020204030204"/>
-        <a:ea typeface=""/>
-        <a:cs typeface=""/>
-        <a:font script="Jpan" typeface="游ゴシック"/>
-        <a:font script="Hang" typeface="맑은 고딕"/>
-        <a:font script="Hans" typeface="等线"/>
-        <a:font script="Hant" typeface="新細明體"/>
-        <a:font script="Arab" typeface="Arial"/>
-        <a:font script="Hebr" typeface="Arial"/>
-        <a:font script="Thai" typeface="Cordia New"/>
-        <a:font script="Ethi" typeface="Nyala"/>
-        <a:font script="Beng" typeface="Vrinda"/>
-        <a:font script="Gujr" typeface="Shruti"/>
-        <a:font script="Khmr" typeface="DaunPenh"/>
-        <a:font script="Knda" typeface="Tunga"/>
-        <a:font script="Guru" typeface="Raavi"/>
-        <a:font script="Cans" typeface="Euphemia"/>
-        <a:font script="Cher" typeface="Plantagenet Cherokee"/>
-        <a:font script="Yiii" typeface="Microsoft Yi Baiti"/>
-        <a:font script="Tibt" typeface="Microsoft Himalaya"/>
-        <a:font script="Thaa" typeface="MV Boli"/>
-        <a:font script="Deva" typeface="Mangal"/>
-        <a:font script="Telu" typeface="Gautami"/>
-        <a:font script="Taml" typeface="Latha"/>
-        <a:font script="Syrc" typeface="Estrangelo Edessa"/>
-        <a:font script="Orya" typeface="Kalinga"/>
-        <a:font script="Mlym" typeface="Kartika"/>
-        <a:font script="Laoo" typeface="DokChampa"/>
-        <a:font script="Sinh" typeface="Iskoola Pota"/>
-        <a:font script="Mong" typeface="Mongolian Baiti"/>
-        <a:font script="Viet" typeface="Arial"/>
-        <a:font script="Uigh" typeface="Microsoft Uighur"/>
-        <a:font script="Geor" typeface="Sylfaen"/>
-      </a:minorFont>
-    </a:fontScheme>
-    <a:fmtScheme name="Стандартная">
-      <a:fillStyleLst>
-        <a:solidFill>
-          <a:schemeClr val="phClr"/>
-        </a:solidFill>
-        <a:gradFill rotWithShape="1">
-          <a:gsLst>
-            <a:gs pos="0">
-              <a:schemeClr val="phClr">
-                <a:lumMod val="110000"/>
-                <a:satMod val="105000"/>
-                <a:tint val="67000"/>
-              </a:schemeClr>
-            </a:gs>
-            <a:gs pos="50000">
-              <a:schemeClr val="phClr">
-                <a:lumMod val="105000"/>
-                <a:satMod val="103000"/>
-                <a:tint val="73000"/>
-              </a:schemeClr>
-            </a:gs>
-            <a:gs pos="100000">
-              <a:schemeClr val="phClr">
-                <a:lumMod val="105000"/>
-                <a:satMod val="109000"/>
-                <a:tint val="81000"/>
-              </a:schemeClr>
-            </a:gs>
-          </a:gsLst>
-          <a:lin ang="5400000" scaled="0"/>
-        </a:gradFill>
-        <a:gradFill rotWithShape="1">
-          <a:gsLst>
-            <a:gs pos="0">
-              <a:schemeClr val="phClr">
-                <a:satMod val="103000"/>
-                <a:lumMod val="102000"/>
-                <a:tint val="94000"/>
-              </a:schemeClr>
-            </a:gs>
-            <a:gs pos="50000">
-              <a:schemeClr val="phClr">
-                <a:satMod val="110000"/>
-                <a:lumMod val="100000"/>
-                <a:shade val="100000"/>
-              </a:schemeClr>
-            </a:gs>
-            <a:gs pos="100000">
-              <a:schemeClr val="phClr">
-                <a:lumMod val="99000"/>
-                <a:satMod val="120000"/>
-                <a:shade val="78000"/>
-              </a:schemeClr>
-            </a:gs>
-          </a:gsLst>
-          <a:lin ang="5400000" scaled="0"/>
-        </a:gradFill>
-      </a:fillStyleLst>
-      <a:lnStyleLst>
-        <a:ln w="6350" cap="flat" cmpd="sng" algn="ctr">
-          <a:solidFill>
-            <a:schemeClr val="phClr"/>
-          </a:solidFill>
-          <a:prstDash val="solid"/>
-          <a:miter lim="800000"/>
-        </a:ln>
-        <a:ln w="12700" cap="flat" cmpd="sng" algn="ctr">
-          <a:solidFill>
-            <a:schemeClr val="phClr"/>
-          </a:solidFill>
-          <a:prstDash val="solid"/>
-          <a:miter lim="800000"/>
-        </a:ln>
-        <a:ln w="19050" cap="flat" cmpd="sng" algn="ctr">
-          <a:solidFill>
-            <a:schemeClr val="phClr"/>
-          </a:solidFill>
-          <a:prstDash val="solid"/>
-          <a:miter lim="800000"/>
-        </a:ln>
-      </a:lnStyleLst>
-      <a:effectStyleLst>
-        <a:effectStyle>
-          <a:effectLst/>
-        </a:effectStyle>
-        <a:effectStyle>
-          <a:effectLst/>
-        </a:effectStyle>
-        <a:effectStyle>
-          <a:effectLst>
-            <a:outerShdw blurRad="57150" dist="19050" dir="5400000" algn="ctr" rotWithShape="0">
-              <a:srgbClr val="000000">
-                <a:alpha val="63000"/>
-              </a:srgbClr>
-            </a:outerShdw>
-          </a:effectLst>
-        </a:effectStyle>
-      </a:effectStyleLst>
-      <a:bgFillStyleLst>
-        <a:solidFill>
-          <a:schemeClr val="phClr"/>
-        </a:solidFill>
-        <a:solidFill>
-          <a:schemeClr val="phClr">
-            <a:tint val="95000"/>
-            <a:satMod val="170000"/>
-          </a:schemeClr>
-        </a:solidFill>
-        <a:gradFill rotWithShape="1">
-          <a:gsLst>
-            <a:gs pos="0">
-              <a:schemeClr val="phClr">
-                <a:tint val="93000"/>
-                <a:satMod val="150000"/>
-                <a:shade val="98000"/>
-                <a:lumMod val="102000"/>
-              </a:schemeClr>
-            </a:gs>
-            <a:gs pos="50000">
-              <a:schemeClr val="phClr">
-                <a:tint val="98000"/>
-                <a:satMod val="130000"/>
-                <a:shade val="90000"/>
-                <a:lumMod val="103000"/>
-              </a:schemeClr>
-            </a:gs>
-            <a:gs pos="100000">
-              <a:schemeClr val="phClr">
-                <a:shade val="63000"/>
-                <a:satMod val="120000"/>
-              </a:schemeClr>
-            </a:gs>
-          </a:gsLst>
-          <a:lin ang="5400000" scaled="0"/>
-        </a:gradFill>
-      </a:bgFillStyleLst>
-    </a:fmtScheme>
-  </a:themeElements>
-  <a:objectDefaults/>
-  <a:extraClrSchemeLst/>
-  <a:extLst>
-    <a:ext uri="{05A4C25C-085E-4340-85A3-A5531E510DB2}">
-      <thm15:themeFamily xmlns:thm15="http://schemas.microsoft.com/office/thememl/2012/main" name="Office Theme" id="{62F939B6-93AF-4DB8-9C6B-D6C7DFDC589F}" vid="{4A3C46E8-61CC-4603-A589-7422A47A8E4A}"/>
-    </a:ext>
-  </a:extLst>
 </a:theme>
 </file>